--- a/presentation/AAMAS_2013.pptx
+++ b/presentation/AAMAS_2013.pptx
@@ -9,18 +9,25 @@
     <p:sldId id="259" r:id="rId3"/>
     <p:sldId id="260" r:id="rId4"/>
     <p:sldId id="266" r:id="rId5"/>
-    <p:sldId id="261" r:id="rId6"/>
-    <p:sldId id="271" r:id="rId7"/>
-    <p:sldId id="262" r:id="rId8"/>
-    <p:sldId id="267" r:id="rId9"/>
-    <p:sldId id="268" r:id="rId10"/>
-    <p:sldId id="263" r:id="rId11"/>
-    <p:sldId id="269" r:id="rId12"/>
-    <p:sldId id="270" r:id="rId13"/>
-    <p:sldId id="264" r:id="rId14"/>
-    <p:sldId id="257" r:id="rId15"/>
-    <p:sldId id="258" r:id="rId16"/>
-    <p:sldId id="265" r:id="rId17"/>
+    <p:sldId id="273" r:id="rId6"/>
+    <p:sldId id="261" r:id="rId7"/>
+    <p:sldId id="271" r:id="rId8"/>
+    <p:sldId id="274" r:id="rId9"/>
+    <p:sldId id="262" r:id="rId10"/>
+    <p:sldId id="267" r:id="rId11"/>
+    <p:sldId id="268" r:id="rId12"/>
+    <p:sldId id="275" r:id="rId13"/>
+    <p:sldId id="263" r:id="rId14"/>
+    <p:sldId id="269" r:id="rId15"/>
+    <p:sldId id="270" r:id="rId16"/>
+    <p:sldId id="264" r:id="rId17"/>
+    <p:sldId id="257" r:id="rId18"/>
+    <p:sldId id="258" r:id="rId19"/>
+    <p:sldId id="278" r:id="rId20"/>
+    <p:sldId id="265" r:id="rId21"/>
+    <p:sldId id="272" r:id="rId22"/>
+    <p:sldId id="276" r:id="rId23"/>
+    <p:sldId id="277" r:id="rId24"/>
   </p:sldIdLst>
   <p:sldSz cx="9144000" cy="6858000" type="screen4x3"/>
   <p:notesSz cx="6858000" cy="9144000"/>
@@ -3180,133 +3187,45 @@
           <a:p>
             <a:r>
               <a:rPr lang="en-US" dirty="0" smtClean="0"/>
-              <a:t>Outline</a:t>
+              <a:t>Experimental Setup</a:t>
             </a:r>
             <a:endParaRPr lang="en-US" dirty="0"/>
           </a:p>
         </p:txBody>
       </p:sp>
-      <p:sp>
-        <p:nvSpPr>
-          <p:cNvPr id="3" name="Content Placeholder 2"/>
-          <p:cNvSpPr>
-            <a:spLocks noGrp="1"/>
-          </p:cNvSpPr>
+      <p:pic>
+        <p:nvPicPr>
+          <p:cNvPr id="4" name="Content Placeholder 3"/>
+          <p:cNvPicPr>
+            <a:picLocks noGrp="1" noChangeAspect="1"/>
+          </p:cNvPicPr>
           <p:nvPr>
             <p:ph idx="1"/>
           </p:nvPr>
-        </p:nvSpPr>
-        <p:spPr/>
-        <p:txBody>
-          <a:bodyPr>
-            <a:normAutofit lnSpcReduction="10000"/>
-          </a:bodyPr>
-          <a:lstStyle/>
-          <a:p>
-            <a:r>
-              <a:rPr lang="en-US" dirty="0" smtClean="0">
-                <a:solidFill>
-                  <a:schemeClr val="bg1">
-                    <a:lumMod val="75000"/>
-                  </a:schemeClr>
-                </a:solidFill>
-              </a:rPr>
-              <a:t>Motivation</a:t>
-            </a:r>
-          </a:p>
-          <a:p>
-            <a:r>
-              <a:rPr lang="en-US" dirty="0" smtClean="0">
-                <a:solidFill>
-                  <a:schemeClr val="bg1">
-                    <a:lumMod val="75000"/>
-                  </a:schemeClr>
-                </a:solidFill>
-              </a:rPr>
-              <a:t>Hardware</a:t>
-            </a:r>
-          </a:p>
-          <a:p>
-            <a:r>
-              <a:rPr lang="en-US" dirty="0" smtClean="0">
-                <a:solidFill>
-                  <a:schemeClr val="bg1">
-                    <a:lumMod val="75000"/>
-                  </a:schemeClr>
-                </a:solidFill>
-              </a:rPr>
-              <a:t>Cooperative System</a:t>
-            </a:r>
-          </a:p>
-          <a:p>
-            <a:r>
-              <a:rPr lang="en-US" dirty="0" smtClean="0"/>
-              <a:t>System Identification</a:t>
-            </a:r>
-          </a:p>
-          <a:p>
-            <a:r>
-              <a:rPr lang="en-US" dirty="0" smtClean="0">
-                <a:solidFill>
-                  <a:schemeClr val="bg1">
-                    <a:lumMod val="75000"/>
-                  </a:schemeClr>
-                </a:solidFill>
-              </a:rPr>
-              <a:t>Model Verification</a:t>
-            </a:r>
-          </a:p>
-          <a:p>
-            <a:pPr lvl="1"/>
-            <a:r>
-              <a:rPr lang="en-US" dirty="0" smtClean="0">
-                <a:solidFill>
-                  <a:schemeClr val="bg1">
-                    <a:lumMod val="75000"/>
-                  </a:schemeClr>
-                </a:solidFill>
-              </a:rPr>
-              <a:t>Simulation result</a:t>
-            </a:r>
-          </a:p>
-          <a:p>
-            <a:pPr lvl="1"/>
-            <a:r>
-              <a:rPr lang="en-US" dirty="0" smtClean="0">
-                <a:solidFill>
-                  <a:schemeClr val="bg1">
-                    <a:lumMod val="75000"/>
-                  </a:schemeClr>
-                </a:solidFill>
-              </a:rPr>
-              <a:t>Experimental verification</a:t>
-            </a:r>
-          </a:p>
-          <a:p>
-            <a:r>
-              <a:rPr lang="en-US" dirty="0" smtClean="0">
-                <a:solidFill>
-                  <a:schemeClr val="bg1">
-                    <a:lumMod val="75000"/>
-                  </a:schemeClr>
-                </a:solidFill>
-              </a:rPr>
-              <a:t>Future Applications</a:t>
-            </a:r>
-          </a:p>
-          <a:p>
-            <a:pPr lvl="1"/>
-            <a:endParaRPr lang="en-US" dirty="0" smtClean="0"/>
-          </a:p>
-          <a:p>
-            <a:endParaRPr lang="en-US" dirty="0"/>
-          </a:p>
-        </p:txBody>
-      </p:sp>
+        </p:nvPicPr>
+        <p:blipFill>
+          <a:blip r:embed="rId2" cstate="print">
+            <a:extLst>
+              <a:ext uri="{28A0092B-C50C-407E-A947-70E740481C1C}">
+                <a14:useLocalDpi xmlns:a14="http://schemas.microsoft.com/office/drawing/2010/main" val="0"/>
+              </a:ext>
+            </a:extLst>
+          </a:blip>
+          <a:stretch>
+            <a:fillRect/>
+          </a:stretch>
+        </p:blipFill>
+        <p:spPr>
+          <a:xfrm>
+            <a:off x="762000" y="1828800"/>
+            <a:ext cx="4668456" cy="4525963"/>
+          </a:xfrm>
+        </p:spPr>
+      </p:pic>
     </p:spTree>
     <p:extLst>
       <p:ext uri="{BB962C8B-B14F-4D97-AF65-F5344CB8AC3E}">
-        <p14:creationId xmlns:p14="http://schemas.microsoft.com/office/powerpoint/2010/main" val="2769349391"/>
+        <p14:creationId xmlns:p14="http://schemas.microsoft.com/office/powerpoint/2010/main" val="168798480"/>
       </p:ext>
     </p:extLst>
   </p:cSld>
@@ -3355,7 +3274,366 @@
           <a:bodyPr/>
           <a:lstStyle/>
           <a:p>
-            <a:endParaRPr lang="en-US"/>
+            <a:r>
+              <a:rPr lang="en-US" dirty="0" smtClean="0"/>
+              <a:t>Top Level Hardware Interaction</a:t>
+            </a:r>
+            <a:endParaRPr lang="en-US" dirty="0"/>
+          </a:p>
+        </p:txBody>
+      </p:sp>
+      <p:pic>
+        <p:nvPicPr>
+          <p:cNvPr id="4" name="Content Placeholder 3"/>
+          <p:cNvPicPr>
+            <a:picLocks noGrp="1" noChangeAspect="1"/>
+          </p:cNvPicPr>
+          <p:nvPr>
+            <p:ph idx="1"/>
+          </p:nvPr>
+        </p:nvPicPr>
+        <p:blipFill>
+          <a:blip r:embed="rId2">
+            <a:extLst>
+              <a:ext uri="{28A0092B-C50C-407E-A947-70E740481C1C}">
+                <a14:useLocalDpi xmlns:a14="http://schemas.microsoft.com/office/drawing/2010/main" val="0"/>
+              </a:ext>
+            </a:extLst>
+          </a:blip>
+          <a:stretch>
+            <a:fillRect/>
+          </a:stretch>
+        </p:blipFill>
+        <p:spPr>
+          <a:xfrm>
+            <a:off x="457200" y="2508490"/>
+            <a:ext cx="8229600" cy="3082295"/>
+          </a:xfrm>
+        </p:spPr>
+      </p:pic>
+    </p:spTree>
+    <p:extLst>
+      <p:ext uri="{BB962C8B-B14F-4D97-AF65-F5344CB8AC3E}">
+        <p14:creationId xmlns:p14="http://schemas.microsoft.com/office/powerpoint/2010/main" val="3027986236"/>
+      </p:ext>
+    </p:extLst>
+  </p:cSld>
+  <p:clrMapOvr>
+    <a:masterClrMapping/>
+  </p:clrMapOvr>
+  <p:timing>
+    <p:tnLst>
+      <p:par>
+        <p:cTn id="1" dur="indefinite" restart="never" nodeType="tmRoot"/>
+      </p:par>
+    </p:tnLst>
+  </p:timing>
+</p:sld>
+</file>
+
+<file path=ppt/slides/slide12.xml><?xml version="1.0" encoding="utf-8"?>
+<p:sld xmlns:a="http://schemas.openxmlformats.org/drawingml/2006/main" xmlns:r="http://schemas.openxmlformats.org/officeDocument/2006/relationships" xmlns:p="http://schemas.openxmlformats.org/presentationml/2006/main">
+  <p:cSld>
+    <p:spTree>
+      <p:nvGrpSpPr>
+        <p:cNvPr id="1" name=""/>
+        <p:cNvGrpSpPr/>
+        <p:nvPr/>
+      </p:nvGrpSpPr>
+      <p:grpSpPr>
+        <a:xfrm>
+          <a:off x="0" y="0"/>
+          <a:ext cx="0" cy="0"/>
+          <a:chOff x="0" y="0"/>
+          <a:chExt cx="0" cy="0"/>
+        </a:xfrm>
+      </p:grpSpPr>
+      <p:sp>
+        <p:nvSpPr>
+          <p:cNvPr id="2" name="Title 1"/>
+          <p:cNvSpPr>
+            <a:spLocks noGrp="1"/>
+          </p:cNvSpPr>
+          <p:nvPr>
+            <p:ph type="title"/>
+          </p:nvPr>
+        </p:nvSpPr>
+        <p:spPr/>
+        <p:txBody>
+          <a:bodyPr/>
+          <a:lstStyle/>
+          <a:p>
+            <a:r>
+              <a:rPr lang="en-US" dirty="0" smtClean="0"/>
+              <a:t>Tracking</a:t>
+            </a:r>
+            <a:endParaRPr lang="en-US" dirty="0"/>
+          </a:p>
+        </p:txBody>
+      </p:sp>
+      <p:pic>
+        <p:nvPicPr>
+          <p:cNvPr id="4" name="Content Placeholder 3"/>
+          <p:cNvPicPr>
+            <a:picLocks noGrp="1" noChangeAspect="1"/>
+          </p:cNvPicPr>
+          <p:nvPr>
+            <p:ph idx="1"/>
+          </p:nvPr>
+        </p:nvPicPr>
+        <p:blipFill>
+          <a:blip r:embed="rId2" cstate="print">
+            <a:extLst>
+              <a:ext uri="{28A0092B-C50C-407E-A947-70E740481C1C}">
+                <a14:useLocalDpi xmlns:a14="http://schemas.microsoft.com/office/drawing/2010/main" val="0"/>
+              </a:ext>
+            </a:extLst>
+          </a:blip>
+          <a:stretch>
+            <a:fillRect/>
+          </a:stretch>
+        </p:blipFill>
+        <p:spPr>
+          <a:xfrm>
+            <a:off x="609600" y="1828800"/>
+            <a:ext cx="3908786" cy="4525963"/>
+          </a:xfrm>
+        </p:spPr>
+      </p:pic>
+    </p:spTree>
+    <p:extLst>
+      <p:ext uri="{BB962C8B-B14F-4D97-AF65-F5344CB8AC3E}">
+        <p14:creationId xmlns:p14="http://schemas.microsoft.com/office/powerpoint/2010/main" val="182190887"/>
+      </p:ext>
+    </p:extLst>
+  </p:cSld>
+  <p:clrMapOvr>
+    <a:masterClrMapping/>
+  </p:clrMapOvr>
+  <p:timing>
+    <p:tnLst>
+      <p:par>
+        <p:cTn id="1" dur="indefinite" restart="never" nodeType="tmRoot"/>
+      </p:par>
+    </p:tnLst>
+  </p:timing>
+</p:sld>
+</file>
+
+<file path=ppt/slides/slide13.xml><?xml version="1.0" encoding="utf-8"?>
+<p:sld xmlns:a="http://schemas.openxmlformats.org/drawingml/2006/main" xmlns:r="http://schemas.openxmlformats.org/officeDocument/2006/relationships" xmlns:p="http://schemas.openxmlformats.org/presentationml/2006/main">
+  <p:cSld>
+    <p:spTree>
+      <p:nvGrpSpPr>
+        <p:cNvPr id="1" name=""/>
+        <p:cNvGrpSpPr/>
+        <p:nvPr/>
+      </p:nvGrpSpPr>
+      <p:grpSpPr>
+        <a:xfrm>
+          <a:off x="0" y="0"/>
+          <a:ext cx="0" cy="0"/>
+          <a:chOff x="0" y="0"/>
+          <a:chExt cx="0" cy="0"/>
+        </a:xfrm>
+      </p:grpSpPr>
+      <p:sp>
+        <p:nvSpPr>
+          <p:cNvPr id="2" name="Title 1"/>
+          <p:cNvSpPr>
+            <a:spLocks noGrp="1"/>
+          </p:cNvSpPr>
+          <p:nvPr>
+            <p:ph type="title"/>
+          </p:nvPr>
+        </p:nvSpPr>
+        <p:spPr/>
+        <p:txBody>
+          <a:bodyPr/>
+          <a:lstStyle/>
+          <a:p>
+            <a:r>
+              <a:rPr lang="en-US" dirty="0" smtClean="0"/>
+              <a:t>Outline</a:t>
+            </a:r>
+            <a:endParaRPr lang="en-US" dirty="0"/>
+          </a:p>
+        </p:txBody>
+      </p:sp>
+      <p:sp>
+        <p:nvSpPr>
+          <p:cNvPr id="3" name="Content Placeholder 2"/>
+          <p:cNvSpPr>
+            <a:spLocks noGrp="1"/>
+          </p:cNvSpPr>
+          <p:nvPr>
+            <p:ph idx="1"/>
+          </p:nvPr>
+        </p:nvSpPr>
+        <p:spPr/>
+        <p:txBody>
+          <a:bodyPr>
+            <a:normAutofit lnSpcReduction="10000"/>
+          </a:bodyPr>
+          <a:lstStyle/>
+          <a:p>
+            <a:r>
+              <a:rPr lang="en-US" dirty="0" smtClean="0">
+                <a:solidFill>
+                  <a:schemeClr val="bg1">
+                    <a:lumMod val="75000"/>
+                  </a:schemeClr>
+                </a:solidFill>
+              </a:rPr>
+              <a:t>Motivation</a:t>
+            </a:r>
+          </a:p>
+          <a:p>
+            <a:r>
+              <a:rPr lang="en-US" dirty="0" smtClean="0">
+                <a:solidFill>
+                  <a:schemeClr val="bg1">
+                    <a:lumMod val="75000"/>
+                  </a:schemeClr>
+                </a:solidFill>
+              </a:rPr>
+              <a:t>Hardware</a:t>
+            </a:r>
+          </a:p>
+          <a:p>
+            <a:r>
+              <a:rPr lang="en-US" dirty="0" smtClean="0">
+                <a:solidFill>
+                  <a:schemeClr val="bg1">
+                    <a:lumMod val="75000"/>
+                  </a:schemeClr>
+                </a:solidFill>
+              </a:rPr>
+              <a:t>Cooperative System</a:t>
+            </a:r>
+          </a:p>
+          <a:p>
+            <a:r>
+              <a:rPr lang="en-US" dirty="0" smtClean="0"/>
+              <a:t>System Identification</a:t>
+            </a:r>
+          </a:p>
+          <a:p>
+            <a:r>
+              <a:rPr lang="en-US" dirty="0" smtClean="0">
+                <a:solidFill>
+                  <a:schemeClr val="bg1">
+                    <a:lumMod val="75000"/>
+                  </a:schemeClr>
+                </a:solidFill>
+              </a:rPr>
+              <a:t>Model Verification</a:t>
+            </a:r>
+          </a:p>
+          <a:p>
+            <a:pPr lvl="1"/>
+            <a:r>
+              <a:rPr lang="en-US" dirty="0" smtClean="0">
+                <a:solidFill>
+                  <a:schemeClr val="bg1">
+                    <a:lumMod val="75000"/>
+                  </a:schemeClr>
+                </a:solidFill>
+              </a:rPr>
+              <a:t>Simulation result</a:t>
+            </a:r>
+          </a:p>
+          <a:p>
+            <a:pPr lvl="1"/>
+            <a:r>
+              <a:rPr lang="en-US" dirty="0" smtClean="0">
+                <a:solidFill>
+                  <a:schemeClr val="bg1">
+                    <a:lumMod val="75000"/>
+                  </a:schemeClr>
+                </a:solidFill>
+              </a:rPr>
+              <a:t>Experimental verification</a:t>
+            </a:r>
+          </a:p>
+          <a:p>
+            <a:r>
+              <a:rPr lang="en-US" dirty="0" smtClean="0">
+                <a:solidFill>
+                  <a:schemeClr val="bg1">
+                    <a:lumMod val="75000"/>
+                  </a:schemeClr>
+                </a:solidFill>
+              </a:rPr>
+              <a:t>Future Applications</a:t>
+            </a:r>
+          </a:p>
+          <a:p>
+            <a:pPr lvl="1"/>
+            <a:endParaRPr lang="en-US" dirty="0" smtClean="0"/>
+          </a:p>
+          <a:p>
+            <a:endParaRPr lang="en-US" dirty="0"/>
+          </a:p>
+        </p:txBody>
+      </p:sp>
+    </p:spTree>
+    <p:extLst>
+      <p:ext uri="{BB962C8B-B14F-4D97-AF65-F5344CB8AC3E}">
+        <p14:creationId xmlns:p14="http://schemas.microsoft.com/office/powerpoint/2010/main" val="2769349391"/>
+      </p:ext>
+    </p:extLst>
+  </p:cSld>
+  <p:clrMapOvr>
+    <a:masterClrMapping/>
+  </p:clrMapOvr>
+  <p:timing>
+    <p:tnLst>
+      <p:par>
+        <p:cTn id="1" dur="indefinite" restart="never" nodeType="tmRoot"/>
+      </p:par>
+    </p:tnLst>
+  </p:timing>
+</p:sld>
+</file>
+
+<file path=ppt/slides/slide14.xml><?xml version="1.0" encoding="utf-8"?>
+<p:sld xmlns:a="http://schemas.openxmlformats.org/drawingml/2006/main" xmlns:r="http://schemas.openxmlformats.org/officeDocument/2006/relationships" xmlns:p="http://schemas.openxmlformats.org/presentationml/2006/main">
+  <p:cSld>
+    <p:spTree>
+      <p:nvGrpSpPr>
+        <p:cNvPr id="1" name=""/>
+        <p:cNvGrpSpPr/>
+        <p:nvPr/>
+      </p:nvGrpSpPr>
+      <p:grpSpPr>
+        <a:xfrm>
+          <a:off x="0" y="0"/>
+          <a:ext cx="0" cy="0"/>
+          <a:chOff x="0" y="0"/>
+          <a:chExt cx="0" cy="0"/>
+        </a:xfrm>
+      </p:grpSpPr>
+      <p:sp>
+        <p:nvSpPr>
+          <p:cNvPr id="2" name="Title 1"/>
+          <p:cNvSpPr>
+            <a:spLocks noGrp="1"/>
+          </p:cNvSpPr>
+          <p:nvPr>
+            <p:ph type="title"/>
+          </p:nvPr>
+        </p:nvSpPr>
+        <p:spPr/>
+        <p:txBody>
+          <a:bodyPr/>
+          <a:lstStyle/>
+          <a:p>
+            <a:r>
+              <a:rPr lang="en-US" dirty="0" smtClean="0"/>
+              <a:t>Software Control Loop</a:t>
+            </a:r>
+            <a:endParaRPr lang="en-US" dirty="0"/>
           </a:p>
         </p:txBody>
       </p:sp>
@@ -3408,7 +3686,7 @@
 </p:sld>
 </file>
 
-<file path=ppt/slides/slide12.xml><?xml version="1.0" encoding="utf-8"?>
+<file path=ppt/slides/slide15.xml><?xml version="1.0" encoding="utf-8"?>
 <p:sld xmlns:a="http://schemas.openxmlformats.org/drawingml/2006/main" xmlns:r="http://schemas.openxmlformats.org/officeDocument/2006/relationships" xmlns:p="http://schemas.openxmlformats.org/presentationml/2006/main">
   <p:cSld>
     <p:spTree>
@@ -3487,7 +3765,7 @@
 </p:sld>
 </file>
 
-<file path=ppt/slides/slide13.xml><?xml version="1.0" encoding="utf-8"?>
+<file path=ppt/slides/slide16.xml><?xml version="1.0" encoding="utf-8"?>
 <p:sld xmlns:a="http://schemas.openxmlformats.org/drawingml/2006/main" xmlns:r="http://schemas.openxmlformats.org/officeDocument/2006/relationships" xmlns:p="http://schemas.openxmlformats.org/presentationml/2006/main">
   <p:cSld>
     <p:spTree>
@@ -3652,7 +3930,7 @@
 </p:sld>
 </file>
 
-<file path=ppt/slides/slide14.xml><?xml version="1.0" encoding="utf-8"?>
+<file path=ppt/slides/slide17.xml><?xml version="1.0" encoding="utf-8"?>
 <p:sld xmlns:a="http://schemas.openxmlformats.org/drawingml/2006/main" xmlns:r="http://schemas.openxmlformats.org/officeDocument/2006/relationships" xmlns:p="http://schemas.openxmlformats.org/presentationml/2006/main">
   <p:cSld>
     <p:spTree>
@@ -3771,7 +4049,7 @@
 </p:sld>
 </file>
 
-<file path=ppt/slides/slide15.xml><?xml version="1.0" encoding="utf-8"?>
+<file path=ppt/slides/slide18.xml><?xml version="1.0" encoding="utf-8"?>
 <p:sld xmlns:a="http://schemas.openxmlformats.org/drawingml/2006/main" xmlns:r="http://schemas.openxmlformats.org/officeDocument/2006/relationships" xmlns:p="http://schemas.openxmlformats.org/presentationml/2006/main">
   <p:cSld>
     <p:spTree>
@@ -3890,7 +4168,7 @@
 </p:sld>
 </file>
 
-<file path=ppt/slides/slide16.xml><?xml version="1.0" encoding="utf-8"?>
+<file path=ppt/slides/slide19.xml><?xml version="1.0" encoding="utf-8"?>
 <p:sld xmlns:a="http://schemas.openxmlformats.org/drawingml/2006/main" xmlns:r="http://schemas.openxmlformats.org/officeDocument/2006/relationships" xmlns:p="http://schemas.openxmlformats.org/presentationml/2006/main">
   <p:cSld>
     <p:spTree>
@@ -3923,8 +4201,8 @@
           <a:lstStyle/>
           <a:p>
             <a:r>
-              <a:rPr lang="en-US" dirty="0" smtClean="0"/>
-              <a:t>Outline</a:t>
+              <a:rPr lang="en-US" smtClean="0"/>
+              <a:t>Conclusions</a:t>
             </a:r>
             <a:endParaRPr lang="en-US" dirty="0"/>
           </a:p>
@@ -3942,115 +4220,17 @@
         </p:nvSpPr>
         <p:spPr/>
         <p:txBody>
-          <a:bodyPr>
-            <a:normAutofit lnSpcReduction="10000"/>
-          </a:bodyPr>
-          <a:lstStyle/>
-          <a:p>
-            <a:r>
-              <a:rPr lang="en-US" dirty="0" smtClean="0">
-                <a:solidFill>
-                  <a:schemeClr val="bg1">
-                    <a:lumMod val="75000"/>
-                  </a:schemeClr>
-                </a:solidFill>
-              </a:rPr>
-              <a:t>Motivation</a:t>
-            </a:r>
-          </a:p>
-          <a:p>
-            <a:r>
-              <a:rPr lang="en-US" dirty="0" smtClean="0">
-                <a:solidFill>
-                  <a:schemeClr val="bg1">
-                    <a:lumMod val="75000"/>
-                  </a:schemeClr>
-                </a:solidFill>
-              </a:rPr>
-              <a:t>Hardware</a:t>
-            </a:r>
-          </a:p>
-          <a:p>
-            <a:r>
-              <a:rPr lang="en-US" dirty="0" smtClean="0">
-                <a:solidFill>
-                  <a:schemeClr val="bg1">
-                    <a:lumMod val="75000"/>
-                  </a:schemeClr>
-                </a:solidFill>
-              </a:rPr>
-              <a:t>Cooperative System</a:t>
-            </a:r>
-          </a:p>
-          <a:p>
-            <a:r>
-              <a:rPr lang="en-US" dirty="0" smtClean="0">
-                <a:solidFill>
-                  <a:schemeClr val="bg1">
-                    <a:lumMod val="75000"/>
-                  </a:schemeClr>
-                </a:solidFill>
-              </a:rPr>
-              <a:t>System Identification</a:t>
-            </a:r>
-          </a:p>
-          <a:p>
-            <a:r>
-              <a:rPr lang="en-US" dirty="0" smtClean="0">
-                <a:solidFill>
-                  <a:schemeClr val="bg1">
-                    <a:lumMod val="75000"/>
-                  </a:schemeClr>
-                </a:solidFill>
-              </a:rPr>
-              <a:t>Model Verification</a:t>
-            </a:r>
-          </a:p>
-          <a:p>
-            <a:pPr lvl="1"/>
-            <a:r>
-              <a:rPr lang="en-US" dirty="0" smtClean="0">
-                <a:solidFill>
-                  <a:schemeClr val="bg1">
-                    <a:lumMod val="75000"/>
-                  </a:schemeClr>
-                </a:solidFill>
-              </a:rPr>
-              <a:t>Simulation result</a:t>
-            </a:r>
-          </a:p>
-          <a:p>
-            <a:pPr lvl="1"/>
-            <a:r>
-              <a:rPr lang="en-US" dirty="0" smtClean="0">
-                <a:solidFill>
-                  <a:schemeClr val="bg1">
-                    <a:lumMod val="75000"/>
-                  </a:schemeClr>
-                </a:solidFill>
-              </a:rPr>
-              <a:t>Experimental verification</a:t>
-            </a:r>
-          </a:p>
-          <a:p>
-            <a:r>
-              <a:rPr lang="en-US" dirty="0" smtClean="0"/>
-              <a:t>Future Applications</a:t>
-            </a:r>
-          </a:p>
-          <a:p>
-            <a:pPr lvl="1"/>
-            <a:endParaRPr lang="en-US" dirty="0" smtClean="0"/>
-          </a:p>
-          <a:p>
-            <a:endParaRPr lang="en-US" dirty="0"/>
+          <a:bodyPr/>
+          <a:lstStyle/>
+          <a:p>
+            <a:endParaRPr lang="en-US"/>
           </a:p>
         </p:txBody>
       </p:sp>
     </p:spTree>
     <p:extLst>
       <p:ext uri="{BB962C8B-B14F-4D97-AF65-F5344CB8AC3E}">
-        <p14:creationId xmlns:p14="http://schemas.microsoft.com/office/powerpoint/2010/main" val="168875040"/>
+        <p14:creationId xmlns:p14="http://schemas.microsoft.com/office/powerpoint/2010/main" val="4002247918"/>
       </p:ext>
     </p:extLst>
   </p:cSld>
@@ -4186,6 +4366,426 @@
     <p:extLst>
       <p:ext uri="{BB962C8B-B14F-4D97-AF65-F5344CB8AC3E}">
         <p14:creationId xmlns:p14="http://schemas.microsoft.com/office/powerpoint/2010/main" val="3705195523"/>
+      </p:ext>
+    </p:extLst>
+  </p:cSld>
+  <p:clrMapOvr>
+    <a:masterClrMapping/>
+  </p:clrMapOvr>
+  <p:timing>
+    <p:tnLst>
+      <p:par>
+        <p:cTn id="1" dur="indefinite" restart="never" nodeType="tmRoot"/>
+      </p:par>
+    </p:tnLst>
+  </p:timing>
+</p:sld>
+</file>
+
+<file path=ppt/slides/slide20.xml><?xml version="1.0" encoding="utf-8"?>
+<p:sld xmlns:a="http://schemas.openxmlformats.org/drawingml/2006/main" xmlns:r="http://schemas.openxmlformats.org/officeDocument/2006/relationships" xmlns:p="http://schemas.openxmlformats.org/presentationml/2006/main">
+  <p:cSld>
+    <p:spTree>
+      <p:nvGrpSpPr>
+        <p:cNvPr id="1" name=""/>
+        <p:cNvGrpSpPr/>
+        <p:nvPr/>
+      </p:nvGrpSpPr>
+      <p:grpSpPr>
+        <a:xfrm>
+          <a:off x="0" y="0"/>
+          <a:ext cx="0" cy="0"/>
+          <a:chOff x="0" y="0"/>
+          <a:chExt cx="0" cy="0"/>
+        </a:xfrm>
+      </p:grpSpPr>
+      <p:sp>
+        <p:nvSpPr>
+          <p:cNvPr id="2" name="Title 1"/>
+          <p:cNvSpPr>
+            <a:spLocks noGrp="1"/>
+          </p:cNvSpPr>
+          <p:nvPr>
+            <p:ph type="title"/>
+          </p:nvPr>
+        </p:nvSpPr>
+        <p:spPr/>
+        <p:txBody>
+          <a:bodyPr/>
+          <a:lstStyle/>
+          <a:p>
+            <a:r>
+              <a:rPr lang="en-US" dirty="0" smtClean="0"/>
+              <a:t>Outline</a:t>
+            </a:r>
+            <a:endParaRPr lang="en-US" dirty="0"/>
+          </a:p>
+        </p:txBody>
+      </p:sp>
+      <p:sp>
+        <p:nvSpPr>
+          <p:cNvPr id="3" name="Content Placeholder 2"/>
+          <p:cNvSpPr>
+            <a:spLocks noGrp="1"/>
+          </p:cNvSpPr>
+          <p:nvPr>
+            <p:ph idx="1"/>
+          </p:nvPr>
+        </p:nvSpPr>
+        <p:spPr/>
+        <p:txBody>
+          <a:bodyPr>
+            <a:normAutofit lnSpcReduction="10000"/>
+          </a:bodyPr>
+          <a:lstStyle/>
+          <a:p>
+            <a:r>
+              <a:rPr lang="en-US" dirty="0" smtClean="0">
+                <a:solidFill>
+                  <a:schemeClr val="bg1">
+                    <a:lumMod val="75000"/>
+                  </a:schemeClr>
+                </a:solidFill>
+              </a:rPr>
+              <a:t>Motivation</a:t>
+            </a:r>
+          </a:p>
+          <a:p>
+            <a:r>
+              <a:rPr lang="en-US" dirty="0" smtClean="0">
+                <a:solidFill>
+                  <a:schemeClr val="bg1">
+                    <a:lumMod val="75000"/>
+                  </a:schemeClr>
+                </a:solidFill>
+              </a:rPr>
+              <a:t>Hardware</a:t>
+            </a:r>
+          </a:p>
+          <a:p>
+            <a:r>
+              <a:rPr lang="en-US" dirty="0" smtClean="0">
+                <a:solidFill>
+                  <a:schemeClr val="bg1">
+                    <a:lumMod val="75000"/>
+                  </a:schemeClr>
+                </a:solidFill>
+              </a:rPr>
+              <a:t>Cooperative System</a:t>
+            </a:r>
+          </a:p>
+          <a:p>
+            <a:r>
+              <a:rPr lang="en-US" dirty="0" smtClean="0">
+                <a:solidFill>
+                  <a:schemeClr val="bg1">
+                    <a:lumMod val="75000"/>
+                  </a:schemeClr>
+                </a:solidFill>
+              </a:rPr>
+              <a:t>System Identification</a:t>
+            </a:r>
+          </a:p>
+          <a:p>
+            <a:r>
+              <a:rPr lang="en-US" dirty="0" smtClean="0">
+                <a:solidFill>
+                  <a:schemeClr val="bg1">
+                    <a:lumMod val="75000"/>
+                  </a:schemeClr>
+                </a:solidFill>
+              </a:rPr>
+              <a:t>Model Verification</a:t>
+            </a:r>
+          </a:p>
+          <a:p>
+            <a:pPr lvl="1"/>
+            <a:r>
+              <a:rPr lang="en-US" dirty="0" smtClean="0">
+                <a:solidFill>
+                  <a:schemeClr val="bg1">
+                    <a:lumMod val="75000"/>
+                  </a:schemeClr>
+                </a:solidFill>
+              </a:rPr>
+              <a:t>Simulation result</a:t>
+            </a:r>
+          </a:p>
+          <a:p>
+            <a:pPr lvl="1"/>
+            <a:r>
+              <a:rPr lang="en-US" dirty="0" smtClean="0">
+                <a:solidFill>
+                  <a:schemeClr val="bg1">
+                    <a:lumMod val="75000"/>
+                  </a:schemeClr>
+                </a:solidFill>
+              </a:rPr>
+              <a:t>Experimental verification</a:t>
+            </a:r>
+          </a:p>
+          <a:p>
+            <a:r>
+              <a:rPr lang="en-US" dirty="0" smtClean="0"/>
+              <a:t>Future Applications</a:t>
+            </a:r>
+          </a:p>
+          <a:p>
+            <a:pPr lvl="1"/>
+            <a:endParaRPr lang="en-US" dirty="0" smtClean="0"/>
+          </a:p>
+          <a:p>
+            <a:endParaRPr lang="en-US" dirty="0"/>
+          </a:p>
+        </p:txBody>
+      </p:sp>
+    </p:spTree>
+    <p:extLst>
+      <p:ext uri="{BB962C8B-B14F-4D97-AF65-F5344CB8AC3E}">
+        <p14:creationId xmlns:p14="http://schemas.microsoft.com/office/powerpoint/2010/main" val="168875040"/>
+      </p:ext>
+    </p:extLst>
+  </p:cSld>
+  <p:clrMapOvr>
+    <a:masterClrMapping/>
+  </p:clrMapOvr>
+  <p:timing>
+    <p:tnLst>
+      <p:par>
+        <p:cTn id="1" dur="indefinite" restart="never" nodeType="tmRoot"/>
+      </p:par>
+    </p:tnLst>
+  </p:timing>
+</p:sld>
+</file>
+
+<file path=ppt/slides/slide21.xml><?xml version="1.0" encoding="utf-8"?>
+<p:sld xmlns:a="http://schemas.openxmlformats.org/drawingml/2006/main" xmlns:r="http://schemas.openxmlformats.org/officeDocument/2006/relationships" xmlns:p="http://schemas.openxmlformats.org/presentationml/2006/main">
+  <p:cSld>
+    <p:spTree>
+      <p:nvGrpSpPr>
+        <p:cNvPr id="1" name=""/>
+        <p:cNvGrpSpPr/>
+        <p:nvPr/>
+      </p:nvGrpSpPr>
+      <p:grpSpPr>
+        <a:xfrm>
+          <a:off x="0" y="0"/>
+          <a:ext cx="0" cy="0"/>
+          <a:chOff x="0" y="0"/>
+          <a:chExt cx="0" cy="0"/>
+        </a:xfrm>
+      </p:grpSpPr>
+      <p:sp>
+        <p:nvSpPr>
+          <p:cNvPr id="2" name="Title 1"/>
+          <p:cNvSpPr>
+            <a:spLocks noGrp="1"/>
+          </p:cNvSpPr>
+          <p:nvPr>
+            <p:ph type="title"/>
+          </p:nvPr>
+        </p:nvSpPr>
+        <p:spPr/>
+        <p:txBody>
+          <a:bodyPr/>
+          <a:lstStyle/>
+          <a:p>
+            <a:endParaRPr lang="en-US"/>
+          </a:p>
+        </p:txBody>
+      </p:sp>
+      <p:sp>
+        <p:nvSpPr>
+          <p:cNvPr id="3" name="Content Placeholder 2"/>
+          <p:cNvSpPr>
+            <a:spLocks noGrp="1"/>
+          </p:cNvSpPr>
+          <p:nvPr>
+            <p:ph idx="1"/>
+          </p:nvPr>
+        </p:nvSpPr>
+        <p:spPr/>
+        <p:txBody>
+          <a:bodyPr/>
+          <a:lstStyle/>
+          <a:p>
+            <a:r>
+              <a:rPr lang="en-US" dirty="0" smtClean="0"/>
+              <a:t>Discussion of limitations of current implementation</a:t>
+            </a:r>
+          </a:p>
+          <a:p>
+            <a:r>
+              <a:rPr lang="en-US" dirty="0" smtClean="0"/>
+              <a:t>Talk about VLR and multi-view localization method</a:t>
+            </a:r>
+            <a:endParaRPr lang="en-US" dirty="0"/>
+          </a:p>
+        </p:txBody>
+      </p:sp>
+    </p:spTree>
+    <p:extLst>
+      <p:ext uri="{BB962C8B-B14F-4D97-AF65-F5344CB8AC3E}">
+        <p14:creationId xmlns:p14="http://schemas.microsoft.com/office/powerpoint/2010/main" val="2720107505"/>
+      </p:ext>
+    </p:extLst>
+  </p:cSld>
+  <p:clrMapOvr>
+    <a:masterClrMapping/>
+  </p:clrMapOvr>
+  <p:timing>
+    <p:tnLst>
+      <p:par>
+        <p:cTn id="1" dur="indefinite" restart="never" nodeType="tmRoot"/>
+      </p:par>
+    </p:tnLst>
+  </p:timing>
+</p:sld>
+</file>
+
+<file path=ppt/slides/slide22.xml><?xml version="1.0" encoding="utf-8"?>
+<p:sld xmlns:a="http://schemas.openxmlformats.org/drawingml/2006/main" xmlns:r="http://schemas.openxmlformats.org/officeDocument/2006/relationships" xmlns:p="http://schemas.openxmlformats.org/presentationml/2006/main">
+  <p:cSld>
+    <p:spTree>
+      <p:nvGrpSpPr>
+        <p:cNvPr id="1" name=""/>
+        <p:cNvGrpSpPr/>
+        <p:nvPr/>
+      </p:nvGrpSpPr>
+      <p:grpSpPr>
+        <a:xfrm>
+          <a:off x="0" y="0"/>
+          <a:ext cx="0" cy="0"/>
+          <a:chOff x="0" y="0"/>
+          <a:chExt cx="0" cy="0"/>
+        </a:xfrm>
+      </p:grpSpPr>
+      <p:sp>
+        <p:nvSpPr>
+          <p:cNvPr id="2" name="Title 1"/>
+          <p:cNvSpPr>
+            <a:spLocks noGrp="1"/>
+          </p:cNvSpPr>
+          <p:nvPr>
+            <p:ph type="title"/>
+          </p:nvPr>
+        </p:nvSpPr>
+        <p:spPr/>
+        <p:txBody>
+          <a:bodyPr/>
+          <a:lstStyle/>
+          <a:p>
+            <a:r>
+              <a:rPr lang="en-US" dirty="0" smtClean="0"/>
+              <a:t>Acknowledgements</a:t>
+            </a:r>
+            <a:endParaRPr lang="en-US" dirty="0"/>
+          </a:p>
+        </p:txBody>
+      </p:sp>
+      <p:sp>
+        <p:nvSpPr>
+          <p:cNvPr id="3" name="Content Placeholder 2"/>
+          <p:cNvSpPr>
+            <a:spLocks noGrp="1"/>
+          </p:cNvSpPr>
+          <p:nvPr>
+            <p:ph idx="1"/>
+          </p:nvPr>
+        </p:nvSpPr>
+        <p:spPr/>
+        <p:txBody>
+          <a:bodyPr/>
+          <a:lstStyle/>
+          <a:p>
+            <a:endParaRPr lang="en-US"/>
+          </a:p>
+        </p:txBody>
+      </p:sp>
+    </p:spTree>
+    <p:extLst>
+      <p:ext uri="{BB962C8B-B14F-4D97-AF65-F5344CB8AC3E}">
+        <p14:creationId xmlns:p14="http://schemas.microsoft.com/office/powerpoint/2010/main" val="3067049800"/>
+      </p:ext>
+    </p:extLst>
+  </p:cSld>
+  <p:clrMapOvr>
+    <a:masterClrMapping/>
+  </p:clrMapOvr>
+  <p:timing>
+    <p:tnLst>
+      <p:par>
+        <p:cTn id="1" dur="indefinite" restart="never" nodeType="tmRoot"/>
+      </p:par>
+    </p:tnLst>
+  </p:timing>
+</p:sld>
+</file>
+
+<file path=ppt/slides/slide23.xml><?xml version="1.0" encoding="utf-8"?>
+<p:sld xmlns:a="http://schemas.openxmlformats.org/drawingml/2006/main" xmlns:r="http://schemas.openxmlformats.org/officeDocument/2006/relationships" xmlns:p="http://schemas.openxmlformats.org/presentationml/2006/main">
+  <p:cSld>
+    <p:spTree>
+      <p:nvGrpSpPr>
+        <p:cNvPr id="1" name=""/>
+        <p:cNvGrpSpPr/>
+        <p:nvPr/>
+      </p:nvGrpSpPr>
+      <p:grpSpPr>
+        <a:xfrm>
+          <a:off x="0" y="0"/>
+          <a:ext cx="0" cy="0"/>
+          <a:chOff x="0" y="0"/>
+          <a:chExt cx="0" cy="0"/>
+        </a:xfrm>
+      </p:grpSpPr>
+      <p:sp>
+        <p:nvSpPr>
+          <p:cNvPr id="2" name="Title 1"/>
+          <p:cNvSpPr>
+            <a:spLocks noGrp="1"/>
+          </p:cNvSpPr>
+          <p:nvPr>
+            <p:ph type="title"/>
+          </p:nvPr>
+        </p:nvSpPr>
+        <p:spPr/>
+        <p:txBody>
+          <a:bodyPr/>
+          <a:lstStyle/>
+          <a:p>
+            <a:r>
+              <a:rPr lang="en-US" dirty="0" smtClean="0"/>
+              <a:t>References</a:t>
+            </a:r>
+            <a:endParaRPr lang="en-US" dirty="0"/>
+          </a:p>
+        </p:txBody>
+      </p:sp>
+      <p:sp>
+        <p:nvSpPr>
+          <p:cNvPr id="3" name="Content Placeholder 2"/>
+          <p:cNvSpPr>
+            <a:spLocks noGrp="1"/>
+          </p:cNvSpPr>
+          <p:nvPr>
+            <p:ph idx="1"/>
+          </p:nvPr>
+        </p:nvSpPr>
+        <p:spPr/>
+        <p:txBody>
+          <a:bodyPr/>
+          <a:lstStyle/>
+          <a:p>
+            <a:endParaRPr lang="en-US"/>
+          </a:p>
+        </p:txBody>
+      </p:sp>
+    </p:spTree>
+    <p:extLst>
+      <p:ext uri="{BB962C8B-B14F-4D97-AF65-F5344CB8AC3E}">
+        <p14:creationId xmlns:p14="http://schemas.microsoft.com/office/powerpoint/2010/main" val="3304812637"/>
       </p:ext>
     </p:extLst>
   </p:cSld>
@@ -4504,7 +5104,7 @@
           <a:p>
             <a:r>
               <a:rPr lang="en-US" dirty="0" smtClean="0"/>
-              <a:t>Outline</a:t>
+              <a:t>Goal</a:t>
             </a:r>
             <a:endParaRPr lang="en-US" dirty="0"/>
           </a:p>
@@ -4522,107 +5122,34 @@
         </p:nvSpPr>
         <p:spPr/>
         <p:txBody>
-          <a:bodyPr>
-            <a:normAutofit lnSpcReduction="10000"/>
-          </a:bodyPr>
-          <a:lstStyle/>
-          <a:p>
-            <a:r>
-              <a:rPr lang="en-US" dirty="0" smtClean="0">
-                <a:solidFill>
-                  <a:schemeClr val="bg1">
-                    <a:lumMod val="75000"/>
-                  </a:schemeClr>
-                </a:solidFill>
-              </a:rPr>
-              <a:t>Motivation</a:t>
-            </a:r>
-          </a:p>
+          <a:bodyPr/>
+          <a:lstStyle/>
           <a:p>
             <a:r>
               <a:rPr lang="en-US" dirty="0" smtClean="0"/>
-              <a:t>Hardware</a:t>
-            </a:r>
-          </a:p>
-          <a:p>
-            <a:r>
-              <a:rPr lang="en-US" dirty="0" smtClean="0">
-                <a:solidFill>
-                  <a:schemeClr val="bg1">
-                    <a:lumMod val="75000"/>
-                  </a:schemeClr>
-                </a:solidFill>
-              </a:rPr>
-              <a:t>Cooperative System</a:t>
-            </a:r>
-          </a:p>
-          <a:p>
-            <a:r>
-              <a:rPr lang="en-US" dirty="0" smtClean="0">
-                <a:solidFill>
-                  <a:schemeClr val="bg1">
-                    <a:lumMod val="75000"/>
-                  </a:schemeClr>
-                </a:solidFill>
-              </a:rPr>
-              <a:t>System Identification</a:t>
-            </a:r>
-          </a:p>
-          <a:p>
-            <a:r>
-              <a:rPr lang="en-US" dirty="0" smtClean="0">
-                <a:solidFill>
-                  <a:schemeClr val="bg1">
-                    <a:lumMod val="75000"/>
-                  </a:schemeClr>
-                </a:solidFill>
-              </a:rPr>
-              <a:t>Model Verification</a:t>
+              <a:t>Demonstrate the feasibility of cooperation between limited mobile robots to achieve a common goal</a:t>
             </a:r>
           </a:p>
           <a:p>
             <a:pPr lvl="1"/>
             <a:r>
-              <a:rPr lang="en-US" dirty="0" smtClean="0">
-                <a:solidFill>
-                  <a:schemeClr val="bg1">
-                    <a:lumMod val="75000"/>
-                  </a:schemeClr>
-                </a:solidFill>
-              </a:rPr>
-              <a:t>Simulation result</a:t>
+              <a:rPr lang="en-US" dirty="0" smtClean="0"/>
+              <a:t>Weight limitations</a:t>
             </a:r>
           </a:p>
           <a:p>
             <a:pPr lvl="1"/>
             <a:r>
-              <a:rPr lang="en-US" dirty="0" smtClean="0">
-                <a:solidFill>
-                  <a:schemeClr val="bg1">
-                    <a:lumMod val="75000"/>
-                  </a:schemeClr>
-                </a:solidFill>
-              </a:rPr>
-              <a:t>Experimental verification</a:t>
-            </a:r>
-          </a:p>
-          <a:p>
-            <a:r>
-              <a:rPr lang="en-US" dirty="0" smtClean="0">
-                <a:solidFill>
-                  <a:schemeClr val="bg1">
-                    <a:lumMod val="75000"/>
-                  </a:schemeClr>
-                </a:solidFill>
-              </a:rPr>
-              <a:t>Future Applications</a:t>
+              <a:rPr lang="en-US" dirty="0" smtClean="0"/>
+              <a:t>Computational limitations</a:t>
             </a:r>
           </a:p>
           <a:p>
             <a:pPr lvl="1"/>
-            <a:endParaRPr lang="en-US" dirty="0" smtClean="0"/>
-          </a:p>
-          <a:p>
+            <a:r>
+              <a:rPr lang="en-US" dirty="0" smtClean="0"/>
+              <a:t>Sensor limitations</a:t>
+            </a:r>
             <a:endParaRPr lang="en-US" dirty="0"/>
           </a:p>
         </p:txBody>
@@ -4630,7 +5157,7 @@
     </p:spTree>
     <p:extLst>
       <p:ext uri="{BB962C8B-B14F-4D97-AF65-F5344CB8AC3E}">
-        <p14:creationId xmlns:p14="http://schemas.microsoft.com/office/powerpoint/2010/main" val="2769349391"/>
+        <p14:creationId xmlns:p14="http://schemas.microsoft.com/office/powerpoint/2010/main" val="2996444592"/>
       </p:ext>
     </p:extLst>
   </p:cSld>
@@ -4679,7 +5206,188 @@
           <a:bodyPr/>
           <a:lstStyle/>
           <a:p>
-            <a:endParaRPr lang="en-US"/>
+            <a:r>
+              <a:rPr lang="en-US" dirty="0" smtClean="0"/>
+              <a:t>Outline</a:t>
+            </a:r>
+            <a:endParaRPr lang="en-US" dirty="0"/>
+          </a:p>
+        </p:txBody>
+      </p:sp>
+      <p:sp>
+        <p:nvSpPr>
+          <p:cNvPr id="3" name="Content Placeholder 2"/>
+          <p:cNvSpPr>
+            <a:spLocks noGrp="1"/>
+          </p:cNvSpPr>
+          <p:nvPr>
+            <p:ph idx="1"/>
+          </p:nvPr>
+        </p:nvSpPr>
+        <p:spPr/>
+        <p:txBody>
+          <a:bodyPr>
+            <a:normAutofit lnSpcReduction="10000"/>
+          </a:bodyPr>
+          <a:lstStyle/>
+          <a:p>
+            <a:r>
+              <a:rPr lang="en-US" dirty="0" smtClean="0">
+                <a:solidFill>
+                  <a:schemeClr val="bg1">
+                    <a:lumMod val="75000"/>
+                  </a:schemeClr>
+                </a:solidFill>
+              </a:rPr>
+              <a:t>Motivation</a:t>
+            </a:r>
+          </a:p>
+          <a:p>
+            <a:r>
+              <a:rPr lang="en-US" dirty="0" smtClean="0"/>
+              <a:t>Hardware</a:t>
+            </a:r>
+          </a:p>
+          <a:p>
+            <a:r>
+              <a:rPr lang="en-US" dirty="0" smtClean="0">
+                <a:solidFill>
+                  <a:schemeClr val="bg1">
+                    <a:lumMod val="75000"/>
+                  </a:schemeClr>
+                </a:solidFill>
+              </a:rPr>
+              <a:t>Cooperative System</a:t>
+            </a:r>
+          </a:p>
+          <a:p>
+            <a:r>
+              <a:rPr lang="en-US" dirty="0" smtClean="0">
+                <a:solidFill>
+                  <a:schemeClr val="bg1">
+                    <a:lumMod val="75000"/>
+                  </a:schemeClr>
+                </a:solidFill>
+              </a:rPr>
+              <a:t>System Identification</a:t>
+            </a:r>
+          </a:p>
+          <a:p>
+            <a:r>
+              <a:rPr lang="en-US" dirty="0" smtClean="0">
+                <a:solidFill>
+                  <a:schemeClr val="bg1">
+                    <a:lumMod val="75000"/>
+                  </a:schemeClr>
+                </a:solidFill>
+              </a:rPr>
+              <a:t>Model Verification</a:t>
+            </a:r>
+          </a:p>
+          <a:p>
+            <a:pPr lvl="1"/>
+            <a:r>
+              <a:rPr lang="en-US" dirty="0" smtClean="0">
+                <a:solidFill>
+                  <a:schemeClr val="bg1">
+                    <a:lumMod val="75000"/>
+                  </a:schemeClr>
+                </a:solidFill>
+              </a:rPr>
+              <a:t>Simulation result</a:t>
+            </a:r>
+          </a:p>
+          <a:p>
+            <a:pPr lvl="1"/>
+            <a:r>
+              <a:rPr lang="en-US" dirty="0" smtClean="0">
+                <a:solidFill>
+                  <a:schemeClr val="bg1">
+                    <a:lumMod val="75000"/>
+                  </a:schemeClr>
+                </a:solidFill>
+              </a:rPr>
+              <a:t>Experimental verification</a:t>
+            </a:r>
+          </a:p>
+          <a:p>
+            <a:r>
+              <a:rPr lang="en-US" dirty="0" smtClean="0">
+                <a:solidFill>
+                  <a:schemeClr val="bg1">
+                    <a:lumMod val="75000"/>
+                  </a:schemeClr>
+                </a:solidFill>
+              </a:rPr>
+              <a:t>Future Applications</a:t>
+            </a:r>
+          </a:p>
+          <a:p>
+            <a:pPr lvl="1"/>
+            <a:endParaRPr lang="en-US" dirty="0" smtClean="0"/>
+          </a:p>
+          <a:p>
+            <a:endParaRPr lang="en-US" dirty="0"/>
+          </a:p>
+        </p:txBody>
+      </p:sp>
+    </p:spTree>
+    <p:extLst>
+      <p:ext uri="{BB962C8B-B14F-4D97-AF65-F5344CB8AC3E}">
+        <p14:creationId xmlns:p14="http://schemas.microsoft.com/office/powerpoint/2010/main" val="2769349391"/>
+      </p:ext>
+    </p:extLst>
+  </p:cSld>
+  <p:clrMapOvr>
+    <a:masterClrMapping/>
+  </p:clrMapOvr>
+  <p:timing>
+    <p:tnLst>
+      <p:par>
+        <p:cTn id="1" dur="indefinite" restart="never" nodeType="tmRoot"/>
+      </p:par>
+    </p:tnLst>
+  </p:timing>
+</p:sld>
+</file>
+
+<file path=ppt/slides/slide7.xml><?xml version="1.0" encoding="utf-8"?>
+<p:sld xmlns:a="http://schemas.openxmlformats.org/drawingml/2006/main" xmlns:r="http://schemas.openxmlformats.org/officeDocument/2006/relationships" xmlns:p="http://schemas.openxmlformats.org/presentationml/2006/main">
+  <p:cSld>
+    <p:spTree>
+      <p:nvGrpSpPr>
+        <p:cNvPr id="1" name=""/>
+        <p:cNvGrpSpPr/>
+        <p:nvPr/>
+      </p:nvGrpSpPr>
+      <p:grpSpPr>
+        <a:xfrm>
+          <a:off x="0" y="0"/>
+          <a:ext cx="0" cy="0"/>
+          <a:chOff x="0" y="0"/>
+          <a:chExt cx="0" cy="0"/>
+        </a:xfrm>
+      </p:grpSpPr>
+      <p:sp>
+        <p:nvSpPr>
+          <p:cNvPr id="2" name="Title 1"/>
+          <p:cNvSpPr>
+            <a:spLocks noGrp="1"/>
+          </p:cNvSpPr>
+          <p:nvPr>
+            <p:ph type="title"/>
+          </p:nvPr>
+        </p:nvSpPr>
+        <p:spPr/>
+        <p:txBody>
+          <a:bodyPr/>
+          <a:lstStyle/>
+          <a:p>
+            <a:r>
+              <a:rPr lang="en-US" dirty="0" smtClean="0"/>
+              <a:t>MAV Platform</a:t>
+            </a:r>
+            <a:endParaRPr lang="en-US" dirty="0"/>
           </a:p>
         </p:txBody>
       </p:sp>
@@ -4732,183 +5440,6 @@
 </p:sld>
 </file>
 
-<file path=ppt/slides/slide7.xml><?xml version="1.0" encoding="utf-8"?>
-<p:sld xmlns:a="http://schemas.openxmlformats.org/drawingml/2006/main" xmlns:r="http://schemas.openxmlformats.org/officeDocument/2006/relationships" xmlns:p="http://schemas.openxmlformats.org/presentationml/2006/main">
-  <p:cSld>
-    <p:spTree>
-      <p:nvGrpSpPr>
-        <p:cNvPr id="1" name=""/>
-        <p:cNvGrpSpPr/>
-        <p:nvPr/>
-      </p:nvGrpSpPr>
-      <p:grpSpPr>
-        <a:xfrm>
-          <a:off x="0" y="0"/>
-          <a:ext cx="0" cy="0"/>
-          <a:chOff x="0" y="0"/>
-          <a:chExt cx="0" cy="0"/>
-        </a:xfrm>
-      </p:grpSpPr>
-      <p:sp>
-        <p:nvSpPr>
-          <p:cNvPr id="2" name="Title 1"/>
-          <p:cNvSpPr>
-            <a:spLocks noGrp="1"/>
-          </p:cNvSpPr>
-          <p:nvPr>
-            <p:ph type="title"/>
-          </p:nvPr>
-        </p:nvSpPr>
-        <p:spPr/>
-        <p:txBody>
-          <a:bodyPr/>
-          <a:lstStyle/>
-          <a:p>
-            <a:r>
-              <a:rPr lang="en-US" dirty="0" smtClean="0"/>
-              <a:t>Outline</a:t>
-            </a:r>
-            <a:endParaRPr lang="en-US" dirty="0"/>
-          </a:p>
-        </p:txBody>
-      </p:sp>
-      <p:sp>
-        <p:nvSpPr>
-          <p:cNvPr id="3" name="Content Placeholder 2"/>
-          <p:cNvSpPr>
-            <a:spLocks noGrp="1"/>
-          </p:cNvSpPr>
-          <p:nvPr>
-            <p:ph idx="1"/>
-          </p:nvPr>
-        </p:nvSpPr>
-        <p:spPr/>
-        <p:txBody>
-          <a:bodyPr>
-            <a:normAutofit lnSpcReduction="10000"/>
-          </a:bodyPr>
-          <a:lstStyle/>
-          <a:p>
-            <a:r>
-              <a:rPr lang="en-US" dirty="0" smtClean="0">
-                <a:solidFill>
-                  <a:schemeClr val="bg1">
-                    <a:lumMod val="75000"/>
-                  </a:schemeClr>
-                </a:solidFill>
-              </a:rPr>
-              <a:t>Motivation</a:t>
-            </a:r>
-          </a:p>
-          <a:p>
-            <a:r>
-              <a:rPr lang="en-US" dirty="0" smtClean="0">
-                <a:solidFill>
-                  <a:schemeClr val="bg1">
-                    <a:lumMod val="75000"/>
-                  </a:schemeClr>
-                </a:solidFill>
-              </a:rPr>
-              <a:t>Hardware</a:t>
-            </a:r>
-          </a:p>
-          <a:p>
-            <a:r>
-              <a:rPr lang="en-US" dirty="0" smtClean="0"/>
-              <a:t>Cooperative System</a:t>
-            </a:r>
-          </a:p>
-          <a:p>
-            <a:r>
-              <a:rPr lang="en-US" dirty="0" smtClean="0">
-                <a:solidFill>
-                  <a:schemeClr val="bg1">
-                    <a:lumMod val="75000"/>
-                  </a:schemeClr>
-                </a:solidFill>
-              </a:rPr>
-              <a:t>System Identification</a:t>
-            </a:r>
-          </a:p>
-          <a:p>
-            <a:r>
-              <a:rPr lang="en-US" dirty="0" smtClean="0">
-                <a:solidFill>
-                  <a:schemeClr val="bg1">
-                    <a:lumMod val="75000"/>
-                  </a:schemeClr>
-                </a:solidFill>
-              </a:rPr>
-              <a:t>Model Verification</a:t>
-            </a:r>
-          </a:p>
-          <a:p>
-            <a:pPr lvl="1"/>
-            <a:r>
-              <a:rPr lang="en-US" dirty="0" smtClean="0">
-                <a:solidFill>
-                  <a:schemeClr val="bg1">
-                    <a:lumMod val="75000"/>
-                  </a:schemeClr>
-                </a:solidFill>
-              </a:rPr>
-              <a:t>Simulation result</a:t>
-            </a:r>
-          </a:p>
-          <a:p>
-            <a:pPr lvl="1"/>
-            <a:r>
-              <a:rPr lang="en-US" dirty="0" smtClean="0">
-                <a:solidFill>
-                  <a:schemeClr val="bg1">
-                    <a:lumMod val="75000"/>
-                  </a:schemeClr>
-                </a:solidFill>
-              </a:rPr>
-              <a:t>Experimental verification</a:t>
-            </a:r>
-          </a:p>
-          <a:p>
-            <a:r>
-              <a:rPr lang="en-US" dirty="0" smtClean="0">
-                <a:solidFill>
-                  <a:schemeClr val="bg1">
-                    <a:lumMod val="75000"/>
-                  </a:schemeClr>
-                </a:solidFill>
-              </a:rPr>
-              <a:t>Future Applications</a:t>
-            </a:r>
-          </a:p>
-          <a:p>
-            <a:pPr lvl="1"/>
-            <a:endParaRPr lang="en-US" dirty="0" smtClean="0"/>
-          </a:p>
-          <a:p>
-            <a:endParaRPr lang="en-US" dirty="0"/>
-          </a:p>
-        </p:txBody>
-      </p:sp>
-    </p:spTree>
-    <p:extLst>
-      <p:ext uri="{BB962C8B-B14F-4D97-AF65-F5344CB8AC3E}">
-        <p14:creationId xmlns:p14="http://schemas.microsoft.com/office/powerpoint/2010/main" val="2769349391"/>
-      </p:ext>
-    </p:extLst>
-  </p:cSld>
-  <p:clrMapOvr>
-    <a:masterClrMapping/>
-  </p:clrMapOvr>
-  <p:timing>
-    <p:tnLst>
-      <p:par>
-        <p:cTn id="1" dur="indefinite" restart="never" nodeType="tmRoot"/>
-      </p:par>
-    </p:tnLst>
-  </p:timing>
-</p:sld>
-</file>
-
 <file path=ppt/slides/slide8.xml><?xml version="1.0" encoding="utf-8"?>
 <p:sld xmlns:a="http://schemas.openxmlformats.org/drawingml/2006/main" xmlns:r="http://schemas.openxmlformats.org/officeDocument/2006/relationships" xmlns:p="http://schemas.openxmlformats.org/presentationml/2006/main">
   <p:cSld>
@@ -4941,43 +5472,37 @@
           <a:bodyPr/>
           <a:lstStyle/>
           <a:p>
-            <a:endParaRPr lang="en-US"/>
-          </a:p>
-        </p:txBody>
-      </p:sp>
-      <p:pic>
-        <p:nvPicPr>
-          <p:cNvPr id="4" name="Content Placeholder 3"/>
-          <p:cNvPicPr>
-            <a:picLocks noGrp="1" noChangeAspect="1"/>
-          </p:cNvPicPr>
+            <a:r>
+              <a:rPr lang="en-US" dirty="0" smtClean="0"/>
+              <a:t>Ground Station Platform</a:t>
+            </a:r>
+            <a:endParaRPr lang="en-US" dirty="0"/>
+          </a:p>
+        </p:txBody>
+      </p:sp>
+      <p:sp>
+        <p:nvSpPr>
+          <p:cNvPr id="3" name="Content Placeholder 2"/>
+          <p:cNvSpPr>
+            <a:spLocks noGrp="1"/>
+          </p:cNvSpPr>
           <p:nvPr>
             <p:ph idx="1"/>
           </p:nvPr>
-        </p:nvPicPr>
-        <p:blipFill>
-          <a:blip r:embed="rId2" cstate="print">
-            <a:extLst>
-              <a:ext uri="{28A0092B-C50C-407E-A947-70E740481C1C}">
-                <a14:useLocalDpi xmlns:a14="http://schemas.microsoft.com/office/drawing/2010/main" val="0"/>
-              </a:ext>
-            </a:extLst>
-          </a:blip>
-          <a:stretch>
-            <a:fillRect/>
-          </a:stretch>
-        </p:blipFill>
-        <p:spPr>
-          <a:xfrm>
-            <a:off x="762000" y="1828800"/>
-            <a:ext cx="4668456" cy="4525963"/>
-          </a:xfrm>
-        </p:spPr>
-      </p:pic>
+        </p:nvSpPr>
+        <p:spPr/>
+        <p:txBody>
+          <a:bodyPr/>
+          <a:lstStyle/>
+          <a:p>
+            <a:endParaRPr lang="en-US" dirty="0"/>
+          </a:p>
+        </p:txBody>
+      </p:sp>
     </p:spTree>
     <p:extLst>
       <p:ext uri="{BB962C8B-B14F-4D97-AF65-F5344CB8AC3E}">
-        <p14:creationId xmlns:p14="http://schemas.microsoft.com/office/powerpoint/2010/main" val="168798480"/>
+        <p14:creationId xmlns:p14="http://schemas.microsoft.com/office/powerpoint/2010/main" val="3140605808"/>
       </p:ext>
     </p:extLst>
   </p:cSld>
@@ -5026,43 +5551,135 @@
           <a:bodyPr/>
           <a:lstStyle/>
           <a:p>
-            <a:endParaRPr lang="en-US"/>
-          </a:p>
-        </p:txBody>
-      </p:sp>
-      <p:pic>
-        <p:nvPicPr>
-          <p:cNvPr id="4" name="Content Placeholder 3"/>
-          <p:cNvPicPr>
-            <a:picLocks noGrp="1" noChangeAspect="1"/>
-          </p:cNvPicPr>
+            <a:r>
+              <a:rPr lang="en-US" dirty="0" smtClean="0"/>
+              <a:t>Outline</a:t>
+            </a:r>
+            <a:endParaRPr lang="en-US" dirty="0"/>
+          </a:p>
+        </p:txBody>
+      </p:sp>
+      <p:sp>
+        <p:nvSpPr>
+          <p:cNvPr id="3" name="Content Placeholder 2"/>
+          <p:cNvSpPr>
+            <a:spLocks noGrp="1"/>
+          </p:cNvSpPr>
           <p:nvPr>
             <p:ph idx="1"/>
           </p:nvPr>
-        </p:nvPicPr>
-        <p:blipFill>
-          <a:blip r:embed="rId2">
-            <a:extLst>
-              <a:ext uri="{28A0092B-C50C-407E-A947-70E740481C1C}">
-                <a14:useLocalDpi xmlns:a14="http://schemas.microsoft.com/office/drawing/2010/main" val="0"/>
-              </a:ext>
-            </a:extLst>
-          </a:blip>
-          <a:stretch>
-            <a:fillRect/>
-          </a:stretch>
-        </p:blipFill>
-        <p:spPr>
-          <a:xfrm>
-            <a:off x="457200" y="2508490"/>
-            <a:ext cx="8229600" cy="3082295"/>
-          </a:xfrm>
-        </p:spPr>
-      </p:pic>
+        </p:nvSpPr>
+        <p:spPr/>
+        <p:txBody>
+          <a:bodyPr>
+            <a:normAutofit lnSpcReduction="10000"/>
+          </a:bodyPr>
+          <a:lstStyle/>
+          <a:p>
+            <a:r>
+              <a:rPr lang="en-US" dirty="0" smtClean="0">
+                <a:solidFill>
+                  <a:schemeClr val="bg1">
+                    <a:lumMod val="75000"/>
+                  </a:schemeClr>
+                </a:solidFill>
+              </a:rPr>
+              <a:t>Motivation</a:t>
+            </a:r>
+          </a:p>
+          <a:p>
+            <a:r>
+              <a:rPr lang="en-US" dirty="0" smtClean="0">
+                <a:solidFill>
+                  <a:schemeClr val="bg1">
+                    <a:lumMod val="75000"/>
+                  </a:schemeClr>
+                </a:solidFill>
+              </a:rPr>
+              <a:t>Hardware</a:t>
+            </a:r>
+          </a:p>
+          <a:p>
+            <a:r>
+              <a:rPr lang="en-US" dirty="0" smtClean="0"/>
+              <a:t>Cooperative System</a:t>
+            </a:r>
+          </a:p>
+          <a:p>
+            <a:r>
+              <a:rPr lang="en-US" dirty="0" smtClean="0">
+                <a:solidFill>
+                  <a:schemeClr val="bg1">
+                    <a:lumMod val="75000"/>
+                  </a:schemeClr>
+                </a:solidFill>
+              </a:rPr>
+              <a:t>System Identification</a:t>
+            </a:r>
+          </a:p>
+          <a:p>
+            <a:r>
+              <a:rPr lang="en-US" dirty="0" smtClean="0">
+                <a:solidFill>
+                  <a:schemeClr val="bg1">
+                    <a:lumMod val="75000"/>
+                  </a:schemeClr>
+                </a:solidFill>
+              </a:rPr>
+              <a:t>Model Verification</a:t>
+            </a:r>
+          </a:p>
+          <a:p>
+            <a:pPr lvl="1"/>
+            <a:r>
+              <a:rPr lang="en-US" dirty="0" smtClean="0">
+                <a:solidFill>
+                  <a:schemeClr val="bg1">
+                    <a:lumMod val="75000"/>
+                  </a:schemeClr>
+                </a:solidFill>
+              </a:rPr>
+              <a:t>Simulation result</a:t>
+            </a:r>
+          </a:p>
+          <a:p>
+            <a:pPr lvl="1"/>
+            <a:r>
+              <a:rPr lang="en-US" dirty="0" smtClean="0">
+                <a:solidFill>
+                  <a:schemeClr val="bg1">
+                    <a:lumMod val="75000"/>
+                  </a:schemeClr>
+                </a:solidFill>
+              </a:rPr>
+              <a:t>Experimental verification</a:t>
+            </a:r>
+          </a:p>
+          <a:p>
+            <a:r>
+              <a:rPr lang="en-US" dirty="0" smtClean="0">
+                <a:solidFill>
+                  <a:schemeClr val="bg1">
+                    <a:lumMod val="75000"/>
+                  </a:schemeClr>
+                </a:solidFill>
+              </a:rPr>
+              <a:t>Future Applications</a:t>
+            </a:r>
+          </a:p>
+          <a:p>
+            <a:pPr lvl="1"/>
+            <a:endParaRPr lang="en-US" dirty="0" smtClean="0"/>
+          </a:p>
+          <a:p>
+            <a:endParaRPr lang="en-US" dirty="0"/>
+          </a:p>
+        </p:txBody>
+      </p:sp>
     </p:spTree>
     <p:extLst>
       <p:ext uri="{BB962C8B-B14F-4D97-AF65-F5344CB8AC3E}">
-        <p14:creationId xmlns:p14="http://schemas.microsoft.com/office/powerpoint/2010/main" val="3027986236"/>
+        <p14:creationId xmlns:p14="http://schemas.microsoft.com/office/powerpoint/2010/main" val="2769349391"/>
       </p:ext>
     </p:extLst>
   </p:cSld>

--- a/presentation/AAMAS_2013.pptx
+++ b/presentation/AAMAS_2013.pptx
@@ -311,7 +311,7 @@
             <a:fld id="{1D8BD707-D9CF-40AE-B4C6-C98DA3205C09}" type="datetimeFigureOut">
               <a:rPr lang="en-US" smtClean="0"/>
               <a:pPr/>
-              <a:t>4/8/2013</a:t>
+              <a:t>4/9/2013</a:t>
             </a:fld>
             <a:endParaRPr lang="en-US"/>
           </a:p>
@@ -478,7 +478,7 @@
             <a:fld id="{1D8BD707-D9CF-40AE-B4C6-C98DA3205C09}" type="datetimeFigureOut">
               <a:rPr lang="en-US" smtClean="0"/>
               <a:pPr/>
-              <a:t>4/8/2013</a:t>
+              <a:t>4/9/2013</a:t>
             </a:fld>
             <a:endParaRPr lang="en-US"/>
           </a:p>
@@ -655,7 +655,7 @@
             <a:fld id="{1D8BD707-D9CF-40AE-B4C6-C98DA3205C09}" type="datetimeFigureOut">
               <a:rPr lang="en-US" smtClean="0"/>
               <a:pPr/>
-              <a:t>4/8/2013</a:t>
+              <a:t>4/9/2013</a:t>
             </a:fld>
             <a:endParaRPr lang="en-US"/>
           </a:p>
@@ -822,7 +822,7 @@
             <a:fld id="{1D8BD707-D9CF-40AE-B4C6-C98DA3205C09}" type="datetimeFigureOut">
               <a:rPr lang="en-US" smtClean="0"/>
               <a:pPr/>
-              <a:t>4/8/2013</a:t>
+              <a:t>4/9/2013</a:t>
             </a:fld>
             <a:endParaRPr lang="en-US"/>
           </a:p>
@@ -1065,7 +1065,7 @@
             <a:fld id="{1D8BD707-D9CF-40AE-B4C6-C98DA3205C09}" type="datetimeFigureOut">
               <a:rPr lang="en-US" smtClean="0"/>
               <a:pPr/>
-              <a:t>4/8/2013</a:t>
+              <a:t>4/9/2013</a:t>
             </a:fld>
             <a:endParaRPr lang="en-US"/>
           </a:p>
@@ -1350,7 +1350,7 @@
             <a:fld id="{1D8BD707-D9CF-40AE-B4C6-C98DA3205C09}" type="datetimeFigureOut">
               <a:rPr lang="en-US" smtClean="0"/>
               <a:pPr/>
-              <a:t>4/8/2013</a:t>
+              <a:t>4/9/2013</a:t>
             </a:fld>
             <a:endParaRPr lang="en-US"/>
           </a:p>
@@ -1769,7 +1769,7 @@
             <a:fld id="{1D8BD707-D9CF-40AE-B4C6-C98DA3205C09}" type="datetimeFigureOut">
               <a:rPr lang="en-US" smtClean="0"/>
               <a:pPr/>
-              <a:t>4/8/2013</a:t>
+              <a:t>4/9/2013</a:t>
             </a:fld>
             <a:endParaRPr lang="en-US"/>
           </a:p>
@@ -1884,7 +1884,7 @@
             <a:fld id="{1D8BD707-D9CF-40AE-B4C6-C98DA3205C09}" type="datetimeFigureOut">
               <a:rPr lang="en-US" smtClean="0"/>
               <a:pPr/>
-              <a:t>4/8/2013</a:t>
+              <a:t>4/9/2013</a:t>
             </a:fld>
             <a:endParaRPr lang="en-US"/>
           </a:p>
@@ -1976,7 +1976,7 @@
             <a:fld id="{1D8BD707-D9CF-40AE-B4C6-C98DA3205C09}" type="datetimeFigureOut">
               <a:rPr lang="en-US" smtClean="0"/>
               <a:pPr/>
-              <a:t>4/8/2013</a:t>
+              <a:t>4/9/2013</a:t>
             </a:fld>
             <a:endParaRPr lang="en-US"/>
           </a:p>
@@ -2250,7 +2250,7 @@
             <a:fld id="{1D8BD707-D9CF-40AE-B4C6-C98DA3205C09}" type="datetimeFigureOut">
               <a:rPr lang="en-US" smtClean="0"/>
               <a:pPr/>
-              <a:t>4/8/2013</a:t>
+              <a:t>4/9/2013</a:t>
             </a:fld>
             <a:endParaRPr lang="en-US"/>
           </a:p>
@@ -2500,7 +2500,7 @@
             <a:fld id="{1D8BD707-D9CF-40AE-B4C6-C98DA3205C09}" type="datetimeFigureOut">
               <a:rPr lang="en-US" smtClean="0"/>
               <a:pPr/>
-              <a:t>4/8/2013</a:t>
+              <a:t>4/9/2013</a:t>
             </a:fld>
             <a:endParaRPr lang="en-US"/>
           </a:p>
@@ -2710,7 +2710,7 @@
             <a:fld id="{1D8BD707-D9CF-40AE-B4C6-C98DA3205C09}" type="datetimeFigureOut">
               <a:rPr lang="en-US" smtClean="0"/>
               <a:pPr/>
-              <a:t>4/8/2013</a:t>
+              <a:t>4/9/2013</a:t>
             </a:fld>
             <a:endParaRPr lang="en-US"/>
           </a:p>

--- a/presentation/AAMAS_2013.pptx
+++ b/presentation/AAMAS_2013.pptx
@@ -311,7 +311,7 @@
             <a:fld id="{1D8BD707-D9CF-40AE-B4C6-C98DA3205C09}" type="datetimeFigureOut">
               <a:rPr lang="en-US" smtClean="0"/>
               <a:pPr/>
-              <a:t>4/9/2013</a:t>
+              <a:t>4/9/13</a:t>
             </a:fld>
             <a:endParaRPr lang="en-US"/>
           </a:p>
@@ -478,7 +478,7 @@
             <a:fld id="{1D8BD707-D9CF-40AE-B4C6-C98DA3205C09}" type="datetimeFigureOut">
               <a:rPr lang="en-US" smtClean="0"/>
               <a:pPr/>
-              <a:t>4/9/2013</a:t>
+              <a:t>4/9/13</a:t>
             </a:fld>
             <a:endParaRPr lang="en-US"/>
           </a:p>
@@ -655,7 +655,7 @@
             <a:fld id="{1D8BD707-D9CF-40AE-B4C6-C98DA3205C09}" type="datetimeFigureOut">
               <a:rPr lang="en-US" smtClean="0"/>
               <a:pPr/>
-              <a:t>4/9/2013</a:t>
+              <a:t>4/9/13</a:t>
             </a:fld>
             <a:endParaRPr lang="en-US"/>
           </a:p>
@@ -822,7 +822,7 @@
             <a:fld id="{1D8BD707-D9CF-40AE-B4C6-C98DA3205C09}" type="datetimeFigureOut">
               <a:rPr lang="en-US" smtClean="0"/>
               <a:pPr/>
-              <a:t>4/9/2013</a:t>
+              <a:t>4/9/13</a:t>
             </a:fld>
             <a:endParaRPr lang="en-US"/>
           </a:p>
@@ -1065,7 +1065,7 @@
             <a:fld id="{1D8BD707-D9CF-40AE-B4C6-C98DA3205C09}" type="datetimeFigureOut">
               <a:rPr lang="en-US" smtClean="0"/>
               <a:pPr/>
-              <a:t>4/9/2013</a:t>
+              <a:t>4/9/13</a:t>
             </a:fld>
             <a:endParaRPr lang="en-US"/>
           </a:p>
@@ -1350,7 +1350,7 @@
             <a:fld id="{1D8BD707-D9CF-40AE-B4C6-C98DA3205C09}" type="datetimeFigureOut">
               <a:rPr lang="en-US" smtClean="0"/>
               <a:pPr/>
-              <a:t>4/9/2013</a:t>
+              <a:t>4/9/13</a:t>
             </a:fld>
             <a:endParaRPr lang="en-US"/>
           </a:p>
@@ -1769,7 +1769,7 @@
             <a:fld id="{1D8BD707-D9CF-40AE-B4C6-C98DA3205C09}" type="datetimeFigureOut">
               <a:rPr lang="en-US" smtClean="0"/>
               <a:pPr/>
-              <a:t>4/9/2013</a:t>
+              <a:t>4/9/13</a:t>
             </a:fld>
             <a:endParaRPr lang="en-US"/>
           </a:p>
@@ -1884,7 +1884,7 @@
             <a:fld id="{1D8BD707-D9CF-40AE-B4C6-C98DA3205C09}" type="datetimeFigureOut">
               <a:rPr lang="en-US" smtClean="0"/>
               <a:pPr/>
-              <a:t>4/9/2013</a:t>
+              <a:t>4/9/13</a:t>
             </a:fld>
             <a:endParaRPr lang="en-US"/>
           </a:p>
@@ -1976,7 +1976,7 @@
             <a:fld id="{1D8BD707-D9CF-40AE-B4C6-C98DA3205C09}" type="datetimeFigureOut">
               <a:rPr lang="en-US" smtClean="0"/>
               <a:pPr/>
-              <a:t>4/9/2013</a:t>
+              <a:t>4/9/13</a:t>
             </a:fld>
             <a:endParaRPr lang="en-US"/>
           </a:p>
@@ -2250,7 +2250,7 @@
             <a:fld id="{1D8BD707-D9CF-40AE-B4C6-C98DA3205C09}" type="datetimeFigureOut">
               <a:rPr lang="en-US" smtClean="0"/>
               <a:pPr/>
-              <a:t>4/9/2013</a:t>
+              <a:t>4/9/13</a:t>
             </a:fld>
             <a:endParaRPr lang="en-US"/>
           </a:p>
@@ -2500,7 +2500,7 @@
             <a:fld id="{1D8BD707-D9CF-40AE-B4C6-C98DA3205C09}" type="datetimeFigureOut">
               <a:rPr lang="en-US" smtClean="0"/>
               <a:pPr/>
-              <a:t>4/9/2013</a:t>
+              <a:t>4/9/13</a:t>
             </a:fld>
             <a:endParaRPr lang="en-US"/>
           </a:p>
@@ -2710,7 +2710,7 @@
             <a:fld id="{1D8BD707-D9CF-40AE-B4C6-C98DA3205C09}" type="datetimeFigureOut">
               <a:rPr lang="en-US" smtClean="0"/>
               <a:pPr/>
-              <a:t>4/9/2013</a:t>
+              <a:t>4/9/13</a:t>
             </a:fld>
             <a:endParaRPr lang="en-US"/>
           </a:p>
@@ -3146,7 +3146,7 @@
   <p:timing>
     <p:tnLst>
       <p:par>
-        <p:cTn id="1" dur="indefinite" restart="never" nodeType="tmRoot"/>
+        <p:cTn xmlns:p14="http://schemas.microsoft.com/office/powerpoint/2010/main" id="1" dur="indefinite" restart="never" nodeType="tmRoot"/>
       </p:par>
     </p:tnLst>
   </p:timing>
@@ -3235,7 +3235,7 @@
   <p:timing>
     <p:tnLst>
       <p:par>
-        <p:cTn id="1" dur="indefinite" restart="never" nodeType="tmRoot"/>
+        <p:cTn xmlns:p14="http://schemas.microsoft.com/office/powerpoint/2010/main" id="1" dur="indefinite" restart="never" nodeType="tmRoot"/>
       </p:par>
     </p:tnLst>
   </p:timing>
@@ -3324,7 +3324,7 @@
   <p:timing>
     <p:tnLst>
       <p:par>
-        <p:cTn id="1" dur="indefinite" restart="never" nodeType="tmRoot"/>
+        <p:cTn xmlns:p14="http://schemas.microsoft.com/office/powerpoint/2010/main" id="1" dur="indefinite" restart="never" nodeType="tmRoot"/>
       </p:par>
     </p:tnLst>
   </p:timing>
@@ -3413,7 +3413,7 @@
   <p:timing>
     <p:tnLst>
       <p:par>
-        <p:cTn id="1" dur="indefinite" restart="never" nodeType="tmRoot"/>
+        <p:cTn xmlns:p14="http://schemas.microsoft.com/office/powerpoint/2010/main" id="1" dur="indefinite" restart="never" nodeType="tmRoot"/>
       </p:par>
     </p:tnLst>
   </p:timing>
@@ -3590,7 +3590,7 @@
   <p:timing>
     <p:tnLst>
       <p:par>
-        <p:cTn id="1" dur="indefinite" restart="never" nodeType="tmRoot"/>
+        <p:cTn xmlns:p14="http://schemas.microsoft.com/office/powerpoint/2010/main" id="1" dur="indefinite" restart="never" nodeType="tmRoot"/>
       </p:par>
     </p:tnLst>
   </p:timing>
@@ -3679,7 +3679,7 @@
   <p:timing>
     <p:tnLst>
       <p:par>
-        <p:cTn id="1" dur="indefinite" restart="never" nodeType="tmRoot"/>
+        <p:cTn xmlns:p14="http://schemas.microsoft.com/office/powerpoint/2010/main" id="1" dur="indefinite" restart="never" nodeType="tmRoot"/>
       </p:par>
     </p:tnLst>
   </p:timing>
@@ -3758,7 +3758,7 @@
   <p:timing>
     <p:tnLst>
       <p:par>
-        <p:cTn id="1" dur="indefinite" restart="never" nodeType="tmRoot"/>
+        <p:cTn xmlns:p14="http://schemas.microsoft.com/office/powerpoint/2010/main" id="1" dur="indefinite" restart="never" nodeType="tmRoot"/>
       </p:par>
     </p:tnLst>
   </p:timing>
@@ -3923,7 +3923,7 @@
   <p:timing>
     <p:tnLst>
       <p:par>
-        <p:cTn id="1" dur="indefinite" restart="never" nodeType="tmRoot"/>
+        <p:cTn xmlns:p14="http://schemas.microsoft.com/office/powerpoint/2010/main" id="1" dur="indefinite" restart="never" nodeType="tmRoot"/>
       </p:par>
     </p:tnLst>
   </p:timing>
@@ -4042,7 +4042,7 @@
   <p:timing>
     <p:tnLst>
       <p:par>
-        <p:cTn id="1" dur="indefinite" restart="never" nodeType="tmRoot"/>
+        <p:cTn xmlns:p14="http://schemas.microsoft.com/office/powerpoint/2010/main" id="1" dur="indefinite" restart="never" nodeType="tmRoot"/>
       </p:par>
     </p:tnLst>
   </p:timing>
@@ -4161,7 +4161,7 @@
   <p:timing>
     <p:tnLst>
       <p:par>
-        <p:cTn id="1" dur="indefinite" restart="never" nodeType="tmRoot"/>
+        <p:cTn xmlns:p14="http://schemas.microsoft.com/office/powerpoint/2010/main" id="1" dur="indefinite" restart="never" nodeType="tmRoot"/>
       </p:par>
     </p:tnLst>
   </p:timing>
@@ -4240,7 +4240,7 @@
   <p:timing>
     <p:tnLst>
       <p:par>
-        <p:cTn id="1" dur="indefinite" restart="never" nodeType="tmRoot"/>
+        <p:cTn xmlns:p14="http://schemas.microsoft.com/office/powerpoint/2010/main" id="1" dur="indefinite" restart="never" nodeType="tmRoot"/>
       </p:par>
     </p:tnLst>
   </p:timing>
@@ -4375,7 +4375,7 @@
   <p:timing>
     <p:tnLst>
       <p:par>
-        <p:cTn id="1" dur="indefinite" restart="never" nodeType="tmRoot"/>
+        <p:cTn xmlns:p14="http://schemas.microsoft.com/office/powerpoint/2010/main" id="1" dur="indefinite" restart="never" nodeType="tmRoot"/>
       </p:par>
     </p:tnLst>
   </p:timing>
@@ -4552,7 +4552,7 @@
   <p:timing>
     <p:tnLst>
       <p:par>
-        <p:cTn id="1" dur="indefinite" restart="never" nodeType="tmRoot"/>
+        <p:cTn xmlns:p14="http://schemas.microsoft.com/office/powerpoint/2010/main" id="1" dur="indefinite" restart="never" nodeType="tmRoot"/>
       </p:par>
     </p:tnLst>
   </p:timing>
@@ -4637,7 +4637,7 @@
   <p:timing>
     <p:tnLst>
       <p:par>
-        <p:cTn id="1" dur="indefinite" restart="never" nodeType="tmRoot"/>
+        <p:cTn xmlns:p14="http://schemas.microsoft.com/office/powerpoint/2010/main" id="1" dur="indefinite" restart="never" nodeType="tmRoot"/>
       </p:par>
     </p:tnLst>
   </p:timing>
@@ -4716,7 +4716,7 @@
   <p:timing>
     <p:tnLst>
       <p:par>
-        <p:cTn id="1" dur="indefinite" restart="never" nodeType="tmRoot"/>
+        <p:cTn xmlns:p14="http://schemas.microsoft.com/office/powerpoint/2010/main" id="1" dur="indefinite" restart="never" nodeType="tmRoot"/>
       </p:par>
     </p:tnLst>
   </p:timing>
@@ -4795,7 +4795,7 @@
   <p:timing>
     <p:tnLst>
       <p:par>
-        <p:cTn id="1" dur="indefinite" restart="never" nodeType="tmRoot"/>
+        <p:cTn xmlns:p14="http://schemas.microsoft.com/office/powerpoint/2010/main" id="1" dur="indefinite" restart="never" nodeType="tmRoot"/>
       </p:par>
     </p:tnLst>
   </p:timing>
@@ -4972,7 +4972,7 @@
   <p:timing>
     <p:tnLst>
       <p:par>
-        <p:cTn id="1" dur="indefinite" restart="never" nodeType="tmRoot"/>
+        <p:cTn xmlns:p14="http://schemas.microsoft.com/office/powerpoint/2010/main" id="1" dur="indefinite" restart="never" nodeType="tmRoot"/>
       </p:par>
     </p:tnLst>
   </p:timing>
@@ -5063,7 +5063,7 @@
   <p:timing>
     <p:tnLst>
       <p:par>
-        <p:cTn id="1" dur="indefinite" restart="never" nodeType="tmRoot"/>
+        <p:cTn xmlns:p14="http://schemas.microsoft.com/office/powerpoint/2010/main" id="1" dur="indefinite" restart="never" nodeType="tmRoot"/>
       </p:par>
     </p:tnLst>
   </p:timing>
@@ -5167,7 +5167,7 @@
   <p:timing>
     <p:tnLst>
       <p:par>
-        <p:cTn id="1" dur="indefinite" restart="never" nodeType="tmRoot"/>
+        <p:cTn xmlns:p14="http://schemas.microsoft.com/office/powerpoint/2010/main" id="1" dur="indefinite" restart="never" nodeType="tmRoot"/>
       </p:par>
     </p:tnLst>
   </p:timing>
@@ -5344,7 +5344,7 @@
   <p:timing>
     <p:tnLst>
       <p:par>
-        <p:cTn id="1" dur="indefinite" restart="never" nodeType="tmRoot"/>
+        <p:cTn xmlns:p14="http://schemas.microsoft.com/office/powerpoint/2010/main" id="1" dur="indefinite" restart="never" nodeType="tmRoot"/>
       </p:par>
     </p:tnLst>
   </p:timing>
@@ -5398,7 +5398,7 @@
             <a:picLocks noGrp="1" noChangeAspect="1"/>
           </p:cNvPicPr>
           <p:nvPr>
-            <p:ph idx="1"/>
+            <p:ph sz="half" idx="1"/>
           </p:nvPr>
         </p:nvPicPr>
         <p:blipFill>
@@ -5409,17 +5409,119 @@
               </a:ext>
             </a:extLst>
           </a:blip>
+          <a:srcRect t="-16933" b="-16933"/>
           <a:stretch>
             <a:fillRect/>
           </a:stretch>
         </p:blipFill>
         <p:spPr>
           <a:xfrm>
-            <a:off x="304800" y="1752600"/>
-            <a:ext cx="5406299" cy="4525963"/>
+            <a:off x="457200" y="1371600"/>
+            <a:ext cx="4495800" cy="5038336"/>
           </a:xfrm>
         </p:spPr>
       </p:pic>
+      <p:sp>
+        <p:nvSpPr>
+          <p:cNvPr id="3" name="Content Placeholder 2"/>
+          <p:cNvSpPr>
+            <a:spLocks noGrp="1"/>
+          </p:cNvSpPr>
+          <p:nvPr>
+            <p:ph sz="half" idx="2"/>
+          </p:nvPr>
+        </p:nvSpPr>
+        <p:spPr>
+          <a:xfrm>
+            <a:off x="5181600" y="1600200"/>
+            <a:ext cx="3505200" cy="4525963"/>
+          </a:xfrm>
+        </p:spPr>
+        <p:txBody>
+          <a:bodyPr>
+            <a:normAutofit fontScale="85000" lnSpcReduction="20000"/>
+          </a:bodyPr>
+          <a:lstStyle/>
+          <a:p>
+            <a:r>
+              <a:rPr lang="en-US" dirty="0" smtClean="0"/>
+              <a:t>Built around </a:t>
+            </a:r>
+            <a:r>
+              <a:rPr lang="en-US" dirty="0" err="1" smtClean="0"/>
+              <a:t>Silverlit</a:t>
+            </a:r>
+            <a:r>
+              <a:rPr lang="en-US" dirty="0" smtClean="0"/>
+              <a:t> </a:t>
+            </a:r>
+            <a:r>
+              <a:rPr lang="en-US" dirty="0" err="1" smtClean="0"/>
+              <a:t>i</a:t>
+            </a:r>
+            <a:r>
+              <a:rPr lang="en-US" dirty="0" smtClean="0"/>
+              <a:t>-Bird RC flyer power train</a:t>
+            </a:r>
+          </a:p>
+          <a:p>
+            <a:r>
+              <a:rPr lang="en-US" dirty="0" smtClean="0"/>
+              <a:t>Tail </a:t>
+            </a:r>
+            <a:r>
+              <a:rPr lang="en-US" dirty="0" err="1" smtClean="0"/>
+              <a:t>propellor</a:t>
+            </a:r>
+            <a:r>
+              <a:rPr lang="en-US" dirty="0" smtClean="0"/>
+              <a:t> and servo-controlled elevator for yaw and pitch control</a:t>
+            </a:r>
+          </a:p>
+          <a:p>
+            <a:r>
+              <a:rPr lang="en-US" dirty="0" err="1" smtClean="0"/>
+              <a:t>ImageProc</a:t>
+            </a:r>
+            <a:r>
+              <a:rPr lang="en-US" dirty="0" smtClean="0"/>
+              <a:t> 2.4 controller</a:t>
+            </a:r>
+          </a:p>
+          <a:p>
+            <a:pPr lvl="1"/>
+            <a:r>
+              <a:rPr lang="en-US" dirty="0" smtClean="0"/>
+              <a:t>40 MIPS microprocessor</a:t>
+            </a:r>
+          </a:p>
+          <a:p>
+            <a:pPr lvl="1"/>
+            <a:r>
+              <a:rPr lang="en-US" dirty="0" smtClean="0"/>
+              <a:t>6 DOF IMU</a:t>
+            </a:r>
+          </a:p>
+          <a:p>
+            <a:pPr lvl="1"/>
+            <a:r>
+              <a:rPr lang="en-US" dirty="0" smtClean="0"/>
+              <a:t>IEEE 820.15.4 radio</a:t>
+            </a:r>
+          </a:p>
+          <a:p>
+            <a:pPr lvl="1"/>
+            <a:r>
+              <a:rPr lang="en-US" dirty="0" smtClean="0"/>
+              <a:t>Motor drivers</a:t>
+            </a:r>
+          </a:p>
+          <a:p>
+            <a:pPr lvl="1"/>
+            <a:endParaRPr lang="en-US" dirty="0"/>
+          </a:p>
+        </p:txBody>
+      </p:sp>
     </p:spTree>
     <p:extLst>
       <p:ext uri="{BB962C8B-B14F-4D97-AF65-F5344CB8AC3E}">
@@ -5433,7 +5535,7 @@
   <p:timing>
     <p:tnLst>
       <p:par>
-        <p:cTn id="1" dur="indefinite" restart="never" nodeType="tmRoot"/>
+        <p:cTn xmlns:p14="http://schemas.microsoft.com/office/powerpoint/2010/main" id="1" dur="indefinite" restart="never" nodeType="tmRoot"/>
       </p:par>
     </p:tnLst>
   </p:timing>
@@ -5482,20 +5584,73 @@
       </p:sp>
       <p:sp>
         <p:nvSpPr>
-          <p:cNvPr id="3" name="Content Placeholder 2"/>
-          <p:cNvSpPr>
-            <a:spLocks noGrp="1"/>
-          </p:cNvSpPr>
-          <p:nvPr>
-            <p:ph idx="1"/>
-          </p:nvPr>
-        </p:nvSpPr>
-        <p:spPr/>
-        <p:txBody>
-          <a:bodyPr/>
-          <a:lstStyle/>
-          <a:p>
-            <a:endParaRPr lang="en-US" dirty="0"/>
+          <p:cNvPr id="4" name="Content Placeholder 3"/>
+          <p:cNvSpPr>
+            <a:spLocks noGrp="1"/>
+          </p:cNvSpPr>
+          <p:nvPr>
+            <p:ph sz="half" idx="1"/>
+          </p:nvPr>
+        </p:nvSpPr>
+        <p:spPr/>
+        <p:txBody>
+          <a:bodyPr>
+            <a:normAutofit/>
+          </a:bodyPr>
+          <a:lstStyle/>
+          <a:p>
+            <a:endParaRPr lang="en-US"/>
+          </a:p>
+        </p:txBody>
+      </p:sp>
+      <p:sp>
+        <p:nvSpPr>
+          <p:cNvPr id="5" name="Content Placeholder 4"/>
+          <p:cNvSpPr>
+            <a:spLocks noGrp="1"/>
+          </p:cNvSpPr>
+          <p:nvPr>
+            <p:ph sz="half" idx="2"/>
+          </p:nvPr>
+        </p:nvSpPr>
+        <p:spPr/>
+        <p:txBody>
+          <a:bodyPr>
+            <a:normAutofit/>
+          </a:bodyPr>
+          <a:lstStyle/>
+          <a:p>
+            <a:r>
+              <a:rPr lang="en-US" dirty="0" smtClean="0"/>
+              <a:t>ARM-based </a:t>
+            </a:r>
+            <a:r>
+              <a:rPr lang="en-US" dirty="0" err="1" smtClean="0"/>
+              <a:t>BeagleBoard</a:t>
+            </a:r>
+            <a:endParaRPr lang="en-US" dirty="0" smtClean="0"/>
+          </a:p>
+          <a:p>
+            <a:pPr lvl="1"/>
+            <a:r>
+              <a:rPr lang="en-US" dirty="0" smtClean="0"/>
+              <a:t>&lt;10g</a:t>
+            </a:r>
+          </a:p>
+          <a:p>
+            <a:r>
+              <a:rPr lang="en-US" dirty="0" smtClean="0"/>
+              <a:t>Off-the-shelf USB web camera</a:t>
+            </a:r>
+          </a:p>
+          <a:p>
+            <a:r>
+              <a:rPr lang="en-US" dirty="0" smtClean="0"/>
+              <a:t>Communicates with IEEE 802.15.4 USB radio module</a:t>
+            </a:r>
+          </a:p>
+          <a:p>
+            <a:endParaRPr lang="en-US" dirty="0" smtClean="0"/>
           </a:p>
         </p:txBody>
       </p:sp>
@@ -5512,7 +5667,7 @@
   <p:timing>
     <p:tnLst>
       <p:par>
-        <p:cTn id="1" dur="indefinite" restart="never" nodeType="tmRoot"/>
+        <p:cTn xmlns:p14="http://schemas.microsoft.com/office/powerpoint/2010/main" id="1" dur="indefinite" restart="never" nodeType="tmRoot"/>
       </p:par>
     </p:tnLst>
   </p:timing>
@@ -5689,7 +5844,7 @@
   <p:timing>
     <p:tnLst>
       <p:par>
-        <p:cTn id="1" dur="indefinite" restart="never" nodeType="tmRoot"/>
+        <p:cTn xmlns:p14="http://schemas.microsoft.com/office/powerpoint/2010/main" id="1" dur="indefinite" restart="never" nodeType="tmRoot"/>
       </p:par>
     </p:tnLst>
   </p:timing>

--- a/presentation/AAMAS_2013.pptx
+++ b/presentation/AAMAS_2013.pptx
@@ -4,6 +4,9 @@
   <p:sldMasterIdLst>
     <p:sldMasterId id="2147483648" r:id="rId1"/>
   </p:sldMasterIdLst>
+  <p:notesMasterIdLst>
+    <p:notesMasterId r:id="rId25"/>
+  </p:notesMasterIdLst>
   <p:sldIdLst>
     <p:sldId id="256" r:id="rId2"/>
     <p:sldId id="259" r:id="rId3"/>
@@ -23,8 +26,8 @@
     <p:sldId id="264" r:id="rId17"/>
     <p:sldId id="257" r:id="rId18"/>
     <p:sldId id="258" r:id="rId19"/>
-    <p:sldId id="278" r:id="rId20"/>
-    <p:sldId id="265" r:id="rId21"/>
+    <p:sldId id="265" r:id="rId20"/>
+    <p:sldId id="278" r:id="rId21"/>
     <p:sldId id="272" r:id="rId22"/>
     <p:sldId id="276" r:id="rId23"/>
     <p:sldId id="277" r:id="rId24"/>
@@ -129,6 +132,356 @@
 </p:presentation>
 </file>
 
+<file path=ppt/notesMasters/notesMaster1.xml><?xml version="1.0" encoding="utf-8"?>
+<p:notesMaster xmlns:a="http://schemas.openxmlformats.org/drawingml/2006/main" xmlns:r="http://schemas.openxmlformats.org/officeDocument/2006/relationships" xmlns:p="http://schemas.openxmlformats.org/presentationml/2006/main">
+  <p:cSld>
+    <p:bg>
+      <p:bgRef idx="1001">
+        <a:schemeClr val="bg1"/>
+      </p:bgRef>
+    </p:bg>
+    <p:spTree>
+      <p:nvGrpSpPr>
+        <p:cNvPr id="1" name=""/>
+        <p:cNvGrpSpPr/>
+        <p:nvPr/>
+      </p:nvGrpSpPr>
+      <p:grpSpPr>
+        <a:xfrm>
+          <a:off x="0" y="0"/>
+          <a:ext cx="0" cy="0"/>
+          <a:chOff x="0" y="0"/>
+          <a:chExt cx="0" cy="0"/>
+        </a:xfrm>
+      </p:grpSpPr>
+      <p:sp>
+        <p:nvSpPr>
+          <p:cNvPr id="2" name="Header Placeholder 1"/>
+          <p:cNvSpPr>
+            <a:spLocks noGrp="1"/>
+          </p:cNvSpPr>
+          <p:nvPr>
+            <p:ph type="hdr" sz="quarter"/>
+          </p:nvPr>
+        </p:nvSpPr>
+        <p:spPr>
+          <a:xfrm>
+            <a:off x="0" y="0"/>
+            <a:ext cx="2971800" cy="457200"/>
+          </a:xfrm>
+          <a:prstGeom prst="rect">
+            <a:avLst/>
+          </a:prstGeom>
+        </p:spPr>
+        <p:txBody>
+          <a:bodyPr vert="horz" lIns="91440" tIns="45720" rIns="91440" bIns="45720" rtlCol="0"/>
+          <a:lstStyle>
+            <a:lvl1pPr algn="l">
+              <a:defRPr sz="1200"/>
+            </a:lvl1pPr>
+          </a:lstStyle>
+          <a:p>
+            <a:endParaRPr lang="en-US"/>
+          </a:p>
+        </p:txBody>
+      </p:sp>
+      <p:sp>
+        <p:nvSpPr>
+          <p:cNvPr id="3" name="Date Placeholder 2"/>
+          <p:cNvSpPr>
+            <a:spLocks noGrp="1"/>
+          </p:cNvSpPr>
+          <p:nvPr>
+            <p:ph type="dt" idx="1"/>
+          </p:nvPr>
+        </p:nvSpPr>
+        <p:spPr>
+          <a:xfrm>
+            <a:off x="3884613" y="0"/>
+            <a:ext cx="2971800" cy="457200"/>
+          </a:xfrm>
+          <a:prstGeom prst="rect">
+            <a:avLst/>
+          </a:prstGeom>
+        </p:spPr>
+        <p:txBody>
+          <a:bodyPr vert="horz" lIns="91440" tIns="45720" rIns="91440" bIns="45720" rtlCol="0"/>
+          <a:lstStyle>
+            <a:lvl1pPr algn="r">
+              <a:defRPr sz="1200"/>
+            </a:lvl1pPr>
+          </a:lstStyle>
+          <a:p>
+            <a:fld id="{3B0F87A5-CB38-4E1F-A459-11793779CFEA}" type="datetimeFigureOut">
+              <a:rPr lang="en-US" smtClean="0"/>
+              <a:t>4/11/2013</a:t>
+            </a:fld>
+            <a:endParaRPr lang="en-US"/>
+          </a:p>
+        </p:txBody>
+      </p:sp>
+      <p:sp>
+        <p:nvSpPr>
+          <p:cNvPr id="4" name="Slide Image Placeholder 3"/>
+          <p:cNvSpPr>
+            <a:spLocks noGrp="1" noRot="1" noChangeAspect="1"/>
+          </p:cNvSpPr>
+          <p:nvPr>
+            <p:ph type="sldImg" idx="2"/>
+          </p:nvPr>
+        </p:nvSpPr>
+        <p:spPr>
+          <a:xfrm>
+            <a:off x="1143000" y="685800"/>
+            <a:ext cx="4572000" cy="3429000"/>
+          </a:xfrm>
+          <a:prstGeom prst="rect">
+            <a:avLst/>
+          </a:prstGeom>
+          <a:noFill/>
+          <a:ln w="12700">
+            <a:solidFill>
+              <a:prstClr val="black"/>
+            </a:solidFill>
+          </a:ln>
+        </p:spPr>
+        <p:txBody>
+          <a:bodyPr vert="horz" lIns="91440" tIns="45720" rIns="91440" bIns="45720" rtlCol="0" anchor="ctr"/>
+          <a:lstStyle/>
+          <a:p>
+            <a:endParaRPr lang="en-US"/>
+          </a:p>
+        </p:txBody>
+      </p:sp>
+      <p:sp>
+        <p:nvSpPr>
+          <p:cNvPr id="5" name="Notes Placeholder 4"/>
+          <p:cNvSpPr>
+            <a:spLocks noGrp="1"/>
+          </p:cNvSpPr>
+          <p:nvPr>
+            <p:ph type="body" sz="quarter" idx="3"/>
+          </p:nvPr>
+        </p:nvSpPr>
+        <p:spPr>
+          <a:xfrm>
+            <a:off x="685800" y="4343400"/>
+            <a:ext cx="5486400" cy="4114800"/>
+          </a:xfrm>
+          <a:prstGeom prst="rect">
+            <a:avLst/>
+          </a:prstGeom>
+        </p:spPr>
+        <p:txBody>
+          <a:bodyPr vert="horz" lIns="91440" tIns="45720" rIns="91440" bIns="45720" rtlCol="0"/>
+          <a:lstStyle/>
+          <a:p>
+            <a:pPr lvl="0"/>
+            <a:r>
+              <a:rPr lang="en-US" smtClean="0"/>
+              <a:t>Click to edit Master text styles</a:t>
+            </a:r>
+          </a:p>
+          <a:p>
+            <a:pPr lvl="1"/>
+            <a:r>
+              <a:rPr lang="en-US" smtClean="0"/>
+              <a:t>Second level</a:t>
+            </a:r>
+          </a:p>
+          <a:p>
+            <a:pPr lvl="2"/>
+            <a:r>
+              <a:rPr lang="en-US" smtClean="0"/>
+              <a:t>Third level</a:t>
+            </a:r>
+          </a:p>
+          <a:p>
+            <a:pPr lvl="3"/>
+            <a:r>
+              <a:rPr lang="en-US" smtClean="0"/>
+              <a:t>Fourth level</a:t>
+            </a:r>
+          </a:p>
+          <a:p>
+            <a:pPr lvl="4"/>
+            <a:r>
+              <a:rPr lang="en-US" smtClean="0"/>
+              <a:t>Fifth level</a:t>
+            </a:r>
+            <a:endParaRPr lang="en-US"/>
+          </a:p>
+        </p:txBody>
+      </p:sp>
+      <p:sp>
+        <p:nvSpPr>
+          <p:cNvPr id="6" name="Footer Placeholder 5"/>
+          <p:cNvSpPr>
+            <a:spLocks noGrp="1"/>
+          </p:cNvSpPr>
+          <p:nvPr>
+            <p:ph type="ftr" sz="quarter" idx="4"/>
+          </p:nvPr>
+        </p:nvSpPr>
+        <p:spPr>
+          <a:xfrm>
+            <a:off x="0" y="8685213"/>
+            <a:ext cx="2971800" cy="457200"/>
+          </a:xfrm>
+          <a:prstGeom prst="rect">
+            <a:avLst/>
+          </a:prstGeom>
+        </p:spPr>
+        <p:txBody>
+          <a:bodyPr vert="horz" lIns="91440" tIns="45720" rIns="91440" bIns="45720" rtlCol="0" anchor="b"/>
+          <a:lstStyle>
+            <a:lvl1pPr algn="l">
+              <a:defRPr sz="1200"/>
+            </a:lvl1pPr>
+          </a:lstStyle>
+          <a:p>
+            <a:endParaRPr lang="en-US"/>
+          </a:p>
+        </p:txBody>
+      </p:sp>
+      <p:sp>
+        <p:nvSpPr>
+          <p:cNvPr id="7" name="Slide Number Placeholder 6"/>
+          <p:cNvSpPr>
+            <a:spLocks noGrp="1"/>
+          </p:cNvSpPr>
+          <p:nvPr>
+            <p:ph type="sldNum" sz="quarter" idx="5"/>
+          </p:nvPr>
+        </p:nvSpPr>
+        <p:spPr>
+          <a:xfrm>
+            <a:off x="3884613" y="8685213"/>
+            <a:ext cx="2971800" cy="457200"/>
+          </a:xfrm>
+          <a:prstGeom prst="rect">
+            <a:avLst/>
+          </a:prstGeom>
+        </p:spPr>
+        <p:txBody>
+          <a:bodyPr vert="horz" lIns="91440" tIns="45720" rIns="91440" bIns="45720" rtlCol="0" anchor="b"/>
+          <a:lstStyle>
+            <a:lvl1pPr algn="r">
+              <a:defRPr sz="1200"/>
+            </a:lvl1pPr>
+          </a:lstStyle>
+          <a:p>
+            <a:fld id="{25626A12-9E33-4234-AAE2-B732A2D29B22}" type="slidenum">
+              <a:rPr lang="en-US" smtClean="0"/>
+              <a:t>‹#›</a:t>
+            </a:fld>
+            <a:endParaRPr lang="en-US"/>
+          </a:p>
+        </p:txBody>
+      </p:sp>
+    </p:spTree>
+    <p:extLst>
+      <p:ext uri="{BB962C8B-B14F-4D97-AF65-F5344CB8AC3E}">
+        <p14:creationId xmlns:p14="http://schemas.microsoft.com/office/powerpoint/2010/main" val="3203440541"/>
+      </p:ext>
+    </p:extLst>
+  </p:cSld>
+  <p:clrMap bg1="lt1" tx1="dk1" bg2="lt2" tx2="dk2" accent1="accent1" accent2="accent2" accent3="accent3" accent4="accent4" accent5="accent5" accent6="accent6" hlink="hlink" folHlink="folHlink"/>
+  <p:notesStyle>
+    <a:lvl1pPr marL="0" algn="l" defTabSz="914400" rtl="0" eaLnBrk="1" latinLnBrk="0" hangingPunct="1">
+      <a:defRPr sz="1200" kern="1200">
+        <a:solidFill>
+          <a:schemeClr val="tx1"/>
+        </a:solidFill>
+        <a:latin typeface="+mn-lt"/>
+        <a:ea typeface="+mn-ea"/>
+        <a:cs typeface="+mn-cs"/>
+      </a:defRPr>
+    </a:lvl1pPr>
+    <a:lvl2pPr marL="457200" algn="l" defTabSz="914400" rtl="0" eaLnBrk="1" latinLnBrk="0" hangingPunct="1">
+      <a:defRPr sz="1200" kern="1200">
+        <a:solidFill>
+          <a:schemeClr val="tx1"/>
+        </a:solidFill>
+        <a:latin typeface="+mn-lt"/>
+        <a:ea typeface="+mn-ea"/>
+        <a:cs typeface="+mn-cs"/>
+      </a:defRPr>
+    </a:lvl2pPr>
+    <a:lvl3pPr marL="914400" algn="l" defTabSz="914400" rtl="0" eaLnBrk="1" latinLnBrk="0" hangingPunct="1">
+      <a:defRPr sz="1200" kern="1200">
+        <a:solidFill>
+          <a:schemeClr val="tx1"/>
+        </a:solidFill>
+        <a:latin typeface="+mn-lt"/>
+        <a:ea typeface="+mn-ea"/>
+        <a:cs typeface="+mn-cs"/>
+      </a:defRPr>
+    </a:lvl3pPr>
+    <a:lvl4pPr marL="1371600" algn="l" defTabSz="914400" rtl="0" eaLnBrk="1" latinLnBrk="0" hangingPunct="1">
+      <a:defRPr sz="1200" kern="1200">
+        <a:solidFill>
+          <a:schemeClr val="tx1"/>
+        </a:solidFill>
+        <a:latin typeface="+mn-lt"/>
+        <a:ea typeface="+mn-ea"/>
+        <a:cs typeface="+mn-cs"/>
+      </a:defRPr>
+    </a:lvl4pPr>
+    <a:lvl5pPr marL="1828800" algn="l" defTabSz="914400" rtl="0" eaLnBrk="1" latinLnBrk="0" hangingPunct="1">
+      <a:defRPr sz="1200" kern="1200">
+        <a:solidFill>
+          <a:schemeClr val="tx1"/>
+        </a:solidFill>
+        <a:latin typeface="+mn-lt"/>
+        <a:ea typeface="+mn-ea"/>
+        <a:cs typeface="+mn-cs"/>
+      </a:defRPr>
+    </a:lvl5pPr>
+    <a:lvl6pPr marL="2286000" algn="l" defTabSz="914400" rtl="0" eaLnBrk="1" latinLnBrk="0" hangingPunct="1">
+      <a:defRPr sz="1200" kern="1200">
+        <a:solidFill>
+          <a:schemeClr val="tx1"/>
+        </a:solidFill>
+        <a:latin typeface="+mn-lt"/>
+        <a:ea typeface="+mn-ea"/>
+        <a:cs typeface="+mn-cs"/>
+      </a:defRPr>
+    </a:lvl6pPr>
+    <a:lvl7pPr marL="2743200" algn="l" defTabSz="914400" rtl="0" eaLnBrk="1" latinLnBrk="0" hangingPunct="1">
+      <a:defRPr sz="1200" kern="1200">
+        <a:solidFill>
+          <a:schemeClr val="tx1"/>
+        </a:solidFill>
+        <a:latin typeface="+mn-lt"/>
+        <a:ea typeface="+mn-ea"/>
+        <a:cs typeface="+mn-cs"/>
+      </a:defRPr>
+    </a:lvl7pPr>
+    <a:lvl8pPr marL="3200400" algn="l" defTabSz="914400" rtl="0" eaLnBrk="1" latinLnBrk="0" hangingPunct="1">
+      <a:defRPr sz="1200" kern="1200">
+        <a:solidFill>
+          <a:schemeClr val="tx1"/>
+        </a:solidFill>
+        <a:latin typeface="+mn-lt"/>
+        <a:ea typeface="+mn-ea"/>
+        <a:cs typeface="+mn-cs"/>
+      </a:defRPr>
+    </a:lvl8pPr>
+    <a:lvl9pPr marL="3657600" algn="l" defTabSz="914400" rtl="0" eaLnBrk="1" latinLnBrk="0" hangingPunct="1">
+      <a:defRPr sz="1200" kern="1200">
+        <a:solidFill>
+          <a:schemeClr val="tx1"/>
+        </a:solidFill>
+        <a:latin typeface="+mn-lt"/>
+        <a:ea typeface="+mn-ea"/>
+        <a:cs typeface="+mn-cs"/>
+      </a:defRPr>
+    </a:lvl9pPr>
+  </p:notesStyle>
+</p:notesMaster>
+</file>
+
 <file path=ppt/slideLayouts/slideLayout1.xml><?xml version="1.0" encoding="utf-8"?>
 <p:sldLayout xmlns:a="http://schemas.openxmlformats.org/drawingml/2006/main" xmlns:r="http://schemas.openxmlformats.org/officeDocument/2006/relationships" xmlns:p="http://schemas.openxmlformats.org/presentationml/2006/main" type="title" preserve="1">
   <p:cSld name="Title Slide">
@@ -308,10 +661,9 @@
           <a:bodyPr/>
           <a:lstStyle/>
           <a:p>
-            <a:fld id="{1D8BD707-D9CF-40AE-B4C6-C98DA3205C09}" type="datetimeFigureOut">
-              <a:rPr lang="en-US" smtClean="0"/>
-              <a:pPr/>
-              <a:t>4/9/13</a:t>
+            <a:fld id="{4F7EC5D3-5BFF-411F-847E-1E918340C28F}" type="datetime1">
+              <a:rPr lang="en-US" smtClean="0"/>
+              <a:t>4/11/2013</a:t>
             </a:fld>
             <a:endParaRPr lang="en-US"/>
           </a:p>
@@ -475,10 +827,9 @@
           <a:bodyPr/>
           <a:lstStyle/>
           <a:p>
-            <a:fld id="{1D8BD707-D9CF-40AE-B4C6-C98DA3205C09}" type="datetimeFigureOut">
-              <a:rPr lang="en-US" smtClean="0"/>
-              <a:pPr/>
-              <a:t>4/9/13</a:t>
+            <a:fld id="{7DA31B26-8F6B-4CA5-96A5-924607C01A93}" type="datetime1">
+              <a:rPr lang="en-US" smtClean="0"/>
+              <a:t>4/11/2013</a:t>
             </a:fld>
             <a:endParaRPr lang="en-US"/>
           </a:p>
@@ -652,10 +1003,9 @@
           <a:bodyPr/>
           <a:lstStyle/>
           <a:p>
-            <a:fld id="{1D8BD707-D9CF-40AE-B4C6-C98DA3205C09}" type="datetimeFigureOut">
-              <a:rPr lang="en-US" smtClean="0"/>
-              <a:pPr/>
-              <a:t>4/9/13</a:t>
+            <a:fld id="{FBFDF06B-14A5-49FE-ABE4-10E3AF341265}" type="datetime1">
+              <a:rPr lang="en-US" smtClean="0"/>
+              <a:t>4/11/2013</a:t>
             </a:fld>
             <a:endParaRPr lang="en-US"/>
           </a:p>
@@ -819,10 +1169,9 @@
           <a:bodyPr/>
           <a:lstStyle/>
           <a:p>
-            <a:fld id="{1D8BD707-D9CF-40AE-B4C6-C98DA3205C09}" type="datetimeFigureOut">
-              <a:rPr lang="en-US" smtClean="0"/>
-              <a:pPr/>
-              <a:t>4/9/13</a:t>
+            <a:fld id="{58A933D6-2A50-4E4F-9CBF-C49519087937}" type="datetime1">
+              <a:rPr lang="en-US" smtClean="0"/>
+              <a:t>4/11/2013</a:t>
             </a:fld>
             <a:endParaRPr lang="en-US"/>
           </a:p>
@@ -1062,10 +1411,9 @@
           <a:bodyPr/>
           <a:lstStyle/>
           <a:p>
-            <a:fld id="{1D8BD707-D9CF-40AE-B4C6-C98DA3205C09}" type="datetimeFigureOut">
-              <a:rPr lang="en-US" smtClean="0"/>
-              <a:pPr/>
-              <a:t>4/9/13</a:t>
+            <a:fld id="{4A287A34-D534-4431-A883-3386AA8FBF89}" type="datetime1">
+              <a:rPr lang="en-US" smtClean="0"/>
+              <a:t>4/11/2013</a:t>
             </a:fld>
             <a:endParaRPr lang="en-US"/>
           </a:p>
@@ -1347,10 +1695,9 @@
           <a:bodyPr/>
           <a:lstStyle/>
           <a:p>
-            <a:fld id="{1D8BD707-D9CF-40AE-B4C6-C98DA3205C09}" type="datetimeFigureOut">
-              <a:rPr lang="en-US" smtClean="0"/>
-              <a:pPr/>
-              <a:t>4/9/13</a:t>
+            <a:fld id="{B1C9DC33-1514-4AE3-ADD6-B9B37FDE558F}" type="datetime1">
+              <a:rPr lang="en-US" smtClean="0"/>
+              <a:t>4/11/2013</a:t>
             </a:fld>
             <a:endParaRPr lang="en-US"/>
           </a:p>
@@ -1766,10 +2113,9 @@
           <a:bodyPr/>
           <a:lstStyle/>
           <a:p>
-            <a:fld id="{1D8BD707-D9CF-40AE-B4C6-C98DA3205C09}" type="datetimeFigureOut">
-              <a:rPr lang="en-US" smtClean="0"/>
-              <a:pPr/>
-              <a:t>4/9/13</a:t>
+            <a:fld id="{3C99776C-0735-47D1-997F-2FA2823EC8A8}" type="datetime1">
+              <a:rPr lang="en-US" smtClean="0"/>
+              <a:t>4/11/2013</a:t>
             </a:fld>
             <a:endParaRPr lang="en-US"/>
           </a:p>
@@ -1881,10 +2227,9 @@
           <a:bodyPr/>
           <a:lstStyle/>
           <a:p>
-            <a:fld id="{1D8BD707-D9CF-40AE-B4C6-C98DA3205C09}" type="datetimeFigureOut">
-              <a:rPr lang="en-US" smtClean="0"/>
-              <a:pPr/>
-              <a:t>4/9/13</a:t>
+            <a:fld id="{7E5C9DBA-39D8-45A8-82A5-7EB3DA0A8BC4}" type="datetime1">
+              <a:rPr lang="en-US" smtClean="0"/>
+              <a:t>4/11/2013</a:t>
             </a:fld>
             <a:endParaRPr lang="en-US"/>
           </a:p>
@@ -1973,10 +2318,9 @@
           <a:bodyPr/>
           <a:lstStyle/>
           <a:p>
-            <a:fld id="{1D8BD707-D9CF-40AE-B4C6-C98DA3205C09}" type="datetimeFigureOut">
-              <a:rPr lang="en-US" smtClean="0"/>
-              <a:pPr/>
-              <a:t>4/9/13</a:t>
+            <a:fld id="{4973D609-E07A-489D-90F1-95B8FEB79F54}" type="datetime1">
+              <a:rPr lang="en-US" smtClean="0"/>
+              <a:t>4/11/2013</a:t>
             </a:fld>
             <a:endParaRPr lang="en-US"/>
           </a:p>
@@ -2247,10 +2591,9 @@
           <a:bodyPr/>
           <a:lstStyle/>
           <a:p>
-            <a:fld id="{1D8BD707-D9CF-40AE-B4C6-C98DA3205C09}" type="datetimeFigureOut">
-              <a:rPr lang="en-US" smtClean="0"/>
-              <a:pPr/>
-              <a:t>4/9/13</a:t>
+            <a:fld id="{46A1A8DC-C4F0-44FD-BC8F-80285BAD437C}" type="datetime1">
+              <a:rPr lang="en-US" smtClean="0"/>
+              <a:t>4/11/2013</a:t>
             </a:fld>
             <a:endParaRPr lang="en-US"/>
           </a:p>
@@ -2497,10 +2840,9 @@
           <a:bodyPr/>
           <a:lstStyle/>
           <a:p>
-            <a:fld id="{1D8BD707-D9CF-40AE-B4C6-C98DA3205C09}" type="datetimeFigureOut">
-              <a:rPr lang="en-US" smtClean="0"/>
-              <a:pPr/>
-              <a:t>4/9/13</a:t>
+            <a:fld id="{CFD654AE-1C08-401F-95FD-B621F0A3FC1C}" type="datetime1">
+              <a:rPr lang="en-US" smtClean="0"/>
+              <a:t>4/11/2013</a:t>
             </a:fld>
             <a:endParaRPr lang="en-US"/>
           </a:p>
@@ -2707,10 +3049,9 @@
             </a:lvl1pPr>
           </a:lstStyle>
           <a:p>
-            <a:fld id="{1D8BD707-D9CF-40AE-B4C6-C98DA3205C09}" type="datetimeFigureOut">
-              <a:rPr lang="en-US" smtClean="0"/>
-              <a:pPr/>
-              <a:t>4/9/13</a:t>
+            <a:fld id="{96EF6E8E-BF03-407B-B0B3-06A1B9529400}" type="datetime1">
+              <a:rPr lang="en-US" smtClean="0"/>
+              <a:t>4/11/2013</a:t>
             </a:fld>
             <a:endParaRPr lang="en-US"/>
           </a:p>
@@ -2811,6 +3152,7 @@
     <p:sldLayoutId id="2147483658" r:id="rId10"/>
     <p:sldLayoutId id="2147483659" r:id="rId11"/>
   </p:sldLayoutIdLst>
+  <p:hf hdr="0" ftr="0" dt="0"/>
   <p:txStyles>
     <p:titleStyle>
       <a:lvl1pPr algn="ctr" defTabSz="914400" rtl="0" eaLnBrk="1" latinLnBrk="0" hangingPunct="1">
@@ -3133,6 +3475,30 @@
           </a:p>
         </p:txBody>
       </p:sp>
+      <p:sp>
+        <p:nvSpPr>
+          <p:cNvPr id="4" name="Slide Number Placeholder 3"/>
+          <p:cNvSpPr>
+            <a:spLocks noGrp="1"/>
+          </p:cNvSpPr>
+          <p:nvPr>
+            <p:ph type="sldNum" sz="quarter" idx="12"/>
+          </p:nvPr>
+        </p:nvSpPr>
+        <p:spPr/>
+        <p:txBody>
+          <a:bodyPr/>
+          <a:lstStyle/>
+          <a:p>
+            <a:fld id="{B6F15528-21DE-4FAA-801E-634DDDAF4B2B}" type="slidenum">
+              <a:rPr lang="en-US" smtClean="0"/>
+              <a:pPr/>
+              <a:t>1</a:t>
+            </a:fld>
+            <a:endParaRPr lang="en-US"/>
+          </a:p>
+        </p:txBody>
+      </p:sp>
     </p:spTree>
     <p:extLst>
       <p:ext uri="{BB962C8B-B14F-4D97-AF65-F5344CB8AC3E}">
@@ -3146,7 +3512,7 @@
   <p:timing>
     <p:tnLst>
       <p:par>
-        <p:cTn xmlns:p14="http://schemas.microsoft.com/office/powerpoint/2010/main" id="1" dur="indefinite" restart="never" nodeType="tmRoot"/>
+        <p:cTn id="1" dur="indefinite" restart="never" nodeType="tmRoot"/>
       </p:par>
     </p:tnLst>
   </p:timing>
@@ -3200,7 +3566,7 @@
             <a:picLocks noGrp="1" noChangeAspect="1"/>
           </p:cNvPicPr>
           <p:nvPr>
-            <p:ph idx="1"/>
+            <p:ph sz="half" idx="1"/>
           </p:nvPr>
         </p:nvPicPr>
         <p:blipFill>
@@ -3217,11 +3583,84 @@
         </p:blipFill>
         <p:spPr>
           <a:xfrm>
-            <a:off x="762000" y="1828800"/>
-            <a:ext cx="4668456" cy="4525963"/>
+            <a:off x="457200" y="1905516"/>
+            <a:ext cx="4038600" cy="3915331"/>
           </a:xfrm>
         </p:spPr>
       </p:pic>
+      <p:sp>
+        <p:nvSpPr>
+          <p:cNvPr id="3" name="Content Placeholder 2"/>
+          <p:cNvSpPr>
+            <a:spLocks noGrp="1"/>
+          </p:cNvSpPr>
+          <p:nvPr>
+            <p:ph sz="half" idx="2"/>
+          </p:nvPr>
+        </p:nvSpPr>
+        <p:spPr/>
+        <p:txBody>
+          <a:bodyPr>
+            <a:normAutofit fontScale="85000" lnSpcReduction="10000"/>
+          </a:bodyPr>
+          <a:lstStyle/>
+          <a:p>
+            <a:r>
+              <a:rPr lang="en-US" dirty="0" smtClean="0"/>
+              <a:t>Mutual coordinate plane centered at camera</a:t>
+            </a:r>
+          </a:p>
+          <a:p>
+            <a:r>
+              <a:rPr lang="en-US" dirty="0" smtClean="0"/>
+              <a:t>Camera tracks location of robot</a:t>
+            </a:r>
+          </a:p>
+          <a:p>
+            <a:r>
+              <a:rPr lang="en-US" dirty="0" smtClean="0"/>
+              <a:t>Proper rotation to head towards window computed on ground station</a:t>
+            </a:r>
+          </a:p>
+          <a:p>
+            <a:r>
+              <a:rPr lang="en-US" dirty="0" smtClean="0"/>
+              <a:t>Ground station transmits heading to robot</a:t>
+            </a:r>
+          </a:p>
+          <a:p>
+            <a:r>
+              <a:rPr lang="en-US" dirty="0" smtClean="0"/>
+              <a:t>Robot steers to set heading using on-board controller</a:t>
+            </a:r>
+            <a:endParaRPr lang="en-US" dirty="0"/>
+          </a:p>
+        </p:txBody>
+      </p:sp>
+      <p:sp>
+        <p:nvSpPr>
+          <p:cNvPr id="5" name="Slide Number Placeholder 4"/>
+          <p:cNvSpPr>
+            <a:spLocks noGrp="1"/>
+          </p:cNvSpPr>
+          <p:nvPr>
+            <p:ph type="sldNum" sz="quarter" idx="12"/>
+          </p:nvPr>
+        </p:nvSpPr>
+        <p:spPr/>
+        <p:txBody>
+          <a:bodyPr/>
+          <a:lstStyle/>
+          <a:p>
+            <a:fld id="{B6F15528-21DE-4FAA-801E-634DDDAF4B2B}" type="slidenum">
+              <a:rPr lang="en-US" smtClean="0"/>
+              <a:pPr/>
+              <a:t>10</a:t>
+            </a:fld>
+            <a:endParaRPr lang="en-US"/>
+          </a:p>
+        </p:txBody>
+      </p:sp>
     </p:spTree>
     <p:extLst>
       <p:ext uri="{BB962C8B-B14F-4D97-AF65-F5344CB8AC3E}">
@@ -3235,7 +3674,7 @@
   <p:timing>
     <p:tnLst>
       <p:par>
-        <p:cTn xmlns:p14="http://schemas.microsoft.com/office/powerpoint/2010/main" id="1" dur="indefinite" restart="never" nodeType="tmRoot"/>
+        <p:cTn id="1" dur="indefinite" restart="never" nodeType="tmRoot"/>
       </p:par>
     </p:tnLst>
   </p:timing>
@@ -3311,6 +3750,30 @@
           </a:xfrm>
         </p:spPr>
       </p:pic>
+      <p:sp>
+        <p:nvSpPr>
+          <p:cNvPr id="3" name="Slide Number Placeholder 2"/>
+          <p:cNvSpPr>
+            <a:spLocks noGrp="1"/>
+          </p:cNvSpPr>
+          <p:nvPr>
+            <p:ph type="sldNum" sz="quarter" idx="12"/>
+          </p:nvPr>
+        </p:nvSpPr>
+        <p:spPr/>
+        <p:txBody>
+          <a:bodyPr/>
+          <a:lstStyle/>
+          <a:p>
+            <a:fld id="{B6F15528-21DE-4FAA-801E-634DDDAF4B2B}" type="slidenum">
+              <a:rPr lang="en-US" smtClean="0"/>
+              <a:pPr/>
+              <a:t>11</a:t>
+            </a:fld>
+            <a:endParaRPr lang="en-US"/>
+          </a:p>
+        </p:txBody>
+      </p:sp>
     </p:spTree>
     <p:extLst>
       <p:ext uri="{BB962C8B-B14F-4D97-AF65-F5344CB8AC3E}">
@@ -3324,7 +3787,7 @@
   <p:timing>
     <p:tnLst>
       <p:par>
-        <p:cTn xmlns:p14="http://schemas.microsoft.com/office/powerpoint/2010/main" id="1" dur="indefinite" restart="never" nodeType="tmRoot"/>
+        <p:cTn id="1" dur="indefinite" restart="never" nodeType="tmRoot"/>
       </p:par>
     </p:tnLst>
   </p:timing>
@@ -3378,7 +3841,7 @@
             <a:picLocks noGrp="1" noChangeAspect="1"/>
           </p:cNvPicPr>
           <p:nvPr>
-            <p:ph idx="1"/>
+            <p:ph sz="half" idx="1"/>
           </p:nvPr>
         </p:nvPicPr>
         <p:blipFill>
@@ -3395,11 +3858,93 @@
         </p:blipFill>
         <p:spPr>
           <a:xfrm>
-            <a:off x="609600" y="1828800"/>
-            <a:ext cx="3908786" cy="4525963"/>
+            <a:off x="521068" y="1600200"/>
+            <a:ext cx="3910864" cy="4525963"/>
           </a:xfrm>
         </p:spPr>
       </p:pic>
+      <p:sp>
+        <p:nvSpPr>
+          <p:cNvPr id="3" name="Content Placeholder 2"/>
+          <p:cNvSpPr>
+            <a:spLocks noGrp="1"/>
+          </p:cNvSpPr>
+          <p:nvPr>
+            <p:ph sz="half" idx="2"/>
+          </p:nvPr>
+        </p:nvSpPr>
+        <p:spPr/>
+        <p:txBody>
+          <a:bodyPr>
+            <a:normAutofit fontScale="92500" lnSpcReduction="10000"/>
+          </a:bodyPr>
+          <a:lstStyle/>
+          <a:p>
+            <a:r>
+              <a:rPr lang="en-US" dirty="0"/>
+              <a:t>P</a:t>
+            </a:r>
+            <a:r>
+              <a:rPr lang="en-US" dirty="0" smtClean="0"/>
+              <a:t>article filter used to find most likely robot location</a:t>
+            </a:r>
+          </a:p>
+          <a:p>
+            <a:pPr lvl="1"/>
+            <a:r>
+              <a:rPr lang="en-US" dirty="0" smtClean="0">
+                <a:latin typeface="Cambria Math"/>
+                <a:ea typeface="Cambria Math"/>
+              </a:rPr>
+              <a:t>Motion model: Gaussian centered around each particle position with ε-random uniform sampling </a:t>
+            </a:r>
+          </a:p>
+          <a:p>
+            <a:pPr lvl="1"/>
+            <a:r>
+              <a:rPr lang="en-US" dirty="0" smtClean="0">
+                <a:latin typeface="Cambria Math"/>
+                <a:ea typeface="Cambria Math"/>
+              </a:rPr>
+              <a:t>Emission model: motion tracking via background subtraction</a:t>
+            </a:r>
+          </a:p>
+          <a:p>
+            <a:r>
+              <a:rPr lang="en-US" dirty="0" smtClean="0">
+                <a:latin typeface="Cambria Math"/>
+                <a:ea typeface="Cambria Math"/>
+              </a:rPr>
+              <a:t>Boundary of window selected manually</a:t>
+            </a:r>
+            <a:endParaRPr lang="en-US" dirty="0"/>
+          </a:p>
+        </p:txBody>
+      </p:sp>
+      <p:sp>
+        <p:nvSpPr>
+          <p:cNvPr id="5" name="Slide Number Placeholder 4"/>
+          <p:cNvSpPr>
+            <a:spLocks noGrp="1"/>
+          </p:cNvSpPr>
+          <p:nvPr>
+            <p:ph type="sldNum" sz="quarter" idx="12"/>
+          </p:nvPr>
+        </p:nvSpPr>
+        <p:spPr/>
+        <p:txBody>
+          <a:bodyPr/>
+          <a:lstStyle/>
+          <a:p>
+            <a:fld id="{B6F15528-21DE-4FAA-801E-634DDDAF4B2B}" type="slidenum">
+              <a:rPr lang="en-US" smtClean="0"/>
+              <a:pPr/>
+              <a:t>12</a:t>
+            </a:fld>
+            <a:endParaRPr lang="en-US"/>
+          </a:p>
+        </p:txBody>
+      </p:sp>
     </p:spTree>
     <p:extLst>
       <p:ext uri="{BB962C8B-B14F-4D97-AF65-F5344CB8AC3E}">
@@ -3413,7 +3958,7 @@
   <p:timing>
     <p:tnLst>
       <p:par>
-        <p:cTn xmlns:p14="http://schemas.microsoft.com/office/powerpoint/2010/main" id="1" dur="indefinite" restart="never" nodeType="tmRoot"/>
+        <p:cTn id="1" dur="indefinite" restart="never" nodeType="tmRoot"/>
       </p:par>
     </p:tnLst>
   </p:timing>
@@ -3565,7 +4110,7 @@
                   </a:schemeClr>
                 </a:solidFill>
               </a:rPr>
-              <a:t>Future Applications</a:t>
+              <a:t>Conclusions</a:t>
             </a:r>
           </a:p>
           <a:p>
@@ -3574,6 +4119,30 @@
           </a:p>
           <a:p>
             <a:endParaRPr lang="en-US" dirty="0"/>
+          </a:p>
+        </p:txBody>
+      </p:sp>
+      <p:sp>
+        <p:nvSpPr>
+          <p:cNvPr id="4" name="Slide Number Placeholder 3"/>
+          <p:cNvSpPr>
+            <a:spLocks noGrp="1"/>
+          </p:cNvSpPr>
+          <p:nvPr>
+            <p:ph type="sldNum" sz="quarter" idx="12"/>
+          </p:nvPr>
+        </p:nvSpPr>
+        <p:spPr/>
+        <p:txBody>
+          <a:bodyPr/>
+          <a:lstStyle/>
+          <a:p>
+            <a:fld id="{B6F15528-21DE-4FAA-801E-634DDDAF4B2B}" type="slidenum">
+              <a:rPr lang="en-US" smtClean="0"/>
+              <a:pPr/>
+              <a:t>13</a:t>
+            </a:fld>
+            <a:endParaRPr lang="en-US"/>
           </a:p>
         </p:txBody>
       </p:sp>
@@ -3590,7 +4159,7 @@
   <p:timing>
     <p:tnLst>
       <p:par>
-        <p:cTn xmlns:p14="http://schemas.microsoft.com/office/powerpoint/2010/main" id="1" dur="indefinite" restart="never" nodeType="tmRoot"/>
+        <p:cTn id="1" dur="indefinite" restart="never" nodeType="tmRoot"/>
       </p:par>
     </p:tnLst>
   </p:timing>
@@ -3666,6 +4235,30 @@
           </a:xfrm>
         </p:spPr>
       </p:pic>
+      <p:sp>
+        <p:nvSpPr>
+          <p:cNvPr id="3" name="Slide Number Placeholder 2"/>
+          <p:cNvSpPr>
+            <a:spLocks noGrp="1"/>
+          </p:cNvSpPr>
+          <p:nvPr>
+            <p:ph type="sldNum" sz="quarter" idx="12"/>
+          </p:nvPr>
+        </p:nvSpPr>
+        <p:spPr/>
+        <p:txBody>
+          <a:bodyPr/>
+          <a:lstStyle/>
+          <a:p>
+            <a:fld id="{B6F15528-21DE-4FAA-801E-634DDDAF4B2B}" type="slidenum">
+              <a:rPr lang="en-US" smtClean="0"/>
+              <a:pPr/>
+              <a:t>14</a:t>
+            </a:fld>
+            <a:endParaRPr lang="en-US"/>
+          </a:p>
+        </p:txBody>
+      </p:sp>
     </p:spTree>
     <p:extLst>
       <p:ext uri="{BB962C8B-B14F-4D97-AF65-F5344CB8AC3E}">
@@ -3679,7 +4272,7 @@
   <p:timing>
     <p:tnLst>
       <p:par>
-        <p:cTn xmlns:p14="http://schemas.microsoft.com/office/powerpoint/2010/main" id="1" dur="indefinite" restart="never" nodeType="tmRoot"/>
+        <p:cTn id="1" dur="indefinite" restart="never" nodeType="tmRoot"/>
       </p:par>
     </p:tnLst>
   </p:timing>
@@ -3726,21 +4319,2010 @@
           </a:p>
         </p:txBody>
       </p:sp>
-      <p:sp>
-        <p:nvSpPr>
-          <p:cNvPr id="3" name="Content Placeholder 2"/>
-          <p:cNvSpPr>
-            <a:spLocks noGrp="1"/>
-          </p:cNvSpPr>
-          <p:nvPr>
-            <p:ph idx="1"/>
-          </p:nvPr>
-        </p:nvSpPr>
-        <p:spPr/>
-        <p:txBody>
-          <a:bodyPr/>
-          <a:lstStyle/>
-          <a:p>
+      <mc:AlternateContent xmlns:mc="http://schemas.openxmlformats.org/markup-compatibility/2006">
+        <mc:Choice xmlns:a14="http://schemas.microsoft.com/office/drawing/2010/main" Requires="a14">
+          <p:sp>
+            <p:nvSpPr>
+              <p:cNvPr id="4" name="Rectangle 3"/>
+              <p:cNvSpPr/>
+              <p:nvPr/>
+            </p:nvSpPr>
+            <p:spPr>
+              <a:xfrm>
+                <a:off x="2318338" y="5095820"/>
+                <a:ext cx="1146431" cy="914400"/>
+              </a:xfrm>
+              <a:prstGeom prst="rect">
+                <a:avLst/>
+              </a:prstGeom>
+              <a:solidFill>
+                <a:schemeClr val="bg1"/>
+              </a:solidFill>
+              <a:ln w="38100">
+                <a:solidFill>
+                  <a:schemeClr val="tx1"/>
+                </a:solidFill>
+              </a:ln>
+            </p:spPr>
+            <p:style>
+              <a:lnRef idx="2">
+                <a:schemeClr val="accent1">
+                  <a:shade val="50000"/>
+                </a:schemeClr>
+              </a:lnRef>
+              <a:fillRef idx="1">
+                <a:schemeClr val="accent1"/>
+              </a:fillRef>
+              <a:effectRef idx="0">
+                <a:schemeClr val="accent1"/>
+              </a:effectRef>
+              <a:fontRef idx="minor">
+                <a:schemeClr val="lt1"/>
+              </a:fontRef>
+            </p:style>
+            <p:txBody>
+              <a:bodyPr rtlCol="0" anchor="ctr"/>
+              <a:lstStyle/>
+              <a:p>
+                <a:pPr algn="ctr"/>
+                <a14:m>
+                  <m:oMathPara xmlns:m="http://schemas.openxmlformats.org/officeDocument/2006/math">
+                    <m:oMathParaPr>
+                      <m:jc m:val="centerGroup"/>
+                    </m:oMathParaPr>
+                    <m:oMath xmlns:m="http://schemas.openxmlformats.org/officeDocument/2006/math">
+                      <m:m>
+                        <m:mPr>
+                          <m:mcs>
+                            <m:mc>
+                              <m:mcPr>
+                                <m:count m:val="1"/>
+                                <m:mcJc m:val="center"/>
+                              </m:mcPr>
+                            </m:mc>
+                          </m:mcs>
+                          <m:ctrlPr>
+                            <a:rPr lang="en-US" sz="1400" i="1" smtClean="0">
+                              <a:solidFill>
+                                <a:sysClr val="windowText" lastClr="000000"/>
+                              </a:solidFill>
+                              <a:latin typeface="Cambria Math"/>
+                            </a:rPr>
+                          </m:ctrlPr>
+                        </m:mPr>
+                        <m:mr>
+                          <m:e>
+                            <m:acc>
+                              <m:accPr>
+                                <m:chr m:val="̇"/>
+                                <m:ctrlPr>
+                                  <a:rPr lang="en-US" sz="1400" i="1" smtClean="0">
+                                    <a:solidFill>
+                                      <a:sysClr val="windowText" lastClr="000000"/>
+                                    </a:solidFill>
+                                    <a:latin typeface="Cambria Math"/>
+                                  </a:rPr>
+                                </m:ctrlPr>
+                              </m:accPr>
+                              <m:e>
+                                <m:r>
+                                  <a:rPr lang="en-US" sz="1400" b="0" i="1" smtClean="0">
+                                    <a:solidFill>
+                                      <a:sysClr val="windowText" lastClr="000000"/>
+                                    </a:solidFill>
+                                    <a:latin typeface="Cambria Math"/>
+                                  </a:rPr>
+                                  <m:t>𝑥</m:t>
+                                </m:r>
+                              </m:e>
+                            </m:acc>
+                            <m:r>
+                              <m:rPr>
+                                <m:brk m:alnAt="7"/>
+                              </m:rPr>
+                              <a:rPr lang="en-US" sz="1400" b="0" i="1" smtClean="0">
+                                <a:solidFill>
+                                  <a:sysClr val="windowText" lastClr="000000"/>
+                                </a:solidFill>
+                                <a:latin typeface="Cambria Math"/>
+                              </a:rPr>
+                              <m:t>=</m:t>
+                            </m:r>
+                            <m:r>
+                              <a:rPr lang="en-US" sz="1400" b="0" i="1" smtClean="0">
+                                <a:solidFill>
+                                  <a:sysClr val="windowText" lastClr="000000"/>
+                                </a:solidFill>
+                                <a:latin typeface="Cambria Math"/>
+                              </a:rPr>
+                              <m:t>𝑣</m:t>
+                            </m:r>
+                            <m:func>
+                              <m:funcPr>
+                                <m:ctrlPr>
+                                  <a:rPr lang="en-US" sz="1400" b="0" i="1" smtClean="0">
+                                    <a:solidFill>
+                                      <a:sysClr val="windowText" lastClr="000000"/>
+                                    </a:solidFill>
+                                    <a:latin typeface="Cambria Math"/>
+                                  </a:rPr>
+                                </m:ctrlPr>
+                              </m:funcPr>
+                              <m:fName>
+                                <m:r>
+                                  <m:rPr>
+                                    <m:sty m:val="p"/>
+                                    <m:brk m:alnAt="7"/>
+                                  </m:rPr>
+                                  <a:rPr lang="en-US" sz="1400" b="0" i="0" smtClean="0">
+                                    <a:solidFill>
+                                      <a:sysClr val="windowText" lastClr="000000"/>
+                                    </a:solidFill>
+                                    <a:latin typeface="Cambria Math"/>
+                                  </a:rPr>
+                                  <m:t>sin</m:t>
+                                </m:r>
+                              </m:fName>
+                              <m:e>
+                                <m:r>
+                                  <a:rPr lang="en-US" sz="1400" b="0" i="1" smtClean="0">
+                                    <a:solidFill>
+                                      <a:sysClr val="windowText" lastClr="000000"/>
+                                    </a:solidFill>
+                                    <a:latin typeface="Cambria Math"/>
+                                    <a:ea typeface="Cambria Math"/>
+                                  </a:rPr>
+                                  <m:t>𝜃</m:t>
+                                </m:r>
+                              </m:e>
+                            </m:func>
+                          </m:e>
+                        </m:mr>
+                        <m:mr>
+                          <m:e>
+                            <m:acc>
+                              <m:accPr>
+                                <m:chr m:val="̇"/>
+                                <m:ctrlPr>
+                                  <a:rPr lang="en-US" sz="1400" i="1" smtClean="0">
+                                    <a:solidFill>
+                                      <a:sysClr val="windowText" lastClr="000000"/>
+                                    </a:solidFill>
+                                    <a:latin typeface="Cambria Math"/>
+                                  </a:rPr>
+                                </m:ctrlPr>
+                              </m:accPr>
+                              <m:e>
+                                <m:r>
+                                  <a:rPr lang="en-US" sz="1400" b="0" i="1" smtClean="0">
+                                    <a:solidFill>
+                                      <a:sysClr val="windowText" lastClr="000000"/>
+                                    </a:solidFill>
+                                    <a:latin typeface="Cambria Math"/>
+                                  </a:rPr>
+                                  <m:t>𝑦</m:t>
+                                </m:r>
+                              </m:e>
+                            </m:acc>
+                            <m:r>
+                              <m:rPr>
+                                <m:brk m:alnAt="7"/>
+                              </m:rPr>
+                              <a:rPr lang="en-US" sz="1400" b="0" i="1" smtClean="0">
+                                <a:solidFill>
+                                  <a:sysClr val="windowText" lastClr="000000"/>
+                                </a:solidFill>
+                                <a:latin typeface="Cambria Math"/>
+                              </a:rPr>
+                              <m:t>=</m:t>
+                            </m:r>
+                            <m:r>
+                              <a:rPr lang="en-US" sz="1400" b="0" i="1" smtClean="0">
+                                <a:solidFill>
+                                  <a:sysClr val="windowText" lastClr="000000"/>
+                                </a:solidFill>
+                                <a:latin typeface="Cambria Math"/>
+                              </a:rPr>
+                              <m:t>𝑣</m:t>
+                            </m:r>
+                            <m:func>
+                              <m:funcPr>
+                                <m:ctrlPr>
+                                  <a:rPr lang="en-US" sz="1400" b="0" i="1" smtClean="0">
+                                    <a:solidFill>
+                                      <a:sysClr val="windowText" lastClr="000000"/>
+                                    </a:solidFill>
+                                    <a:latin typeface="Cambria Math"/>
+                                  </a:rPr>
+                                </m:ctrlPr>
+                              </m:funcPr>
+                              <m:fName>
+                                <m:r>
+                                  <m:rPr>
+                                    <m:sty m:val="p"/>
+                                    <m:brk m:alnAt="7"/>
+                                  </m:rPr>
+                                  <a:rPr lang="en-US" sz="1400" b="0" i="0" smtClean="0">
+                                    <a:solidFill>
+                                      <a:sysClr val="windowText" lastClr="000000"/>
+                                    </a:solidFill>
+                                    <a:latin typeface="Cambria Math"/>
+                                  </a:rPr>
+                                  <m:t>cos</m:t>
+                                </m:r>
+                              </m:fName>
+                              <m:e>
+                                <m:r>
+                                  <a:rPr lang="en-US" sz="1400" b="0" i="1" smtClean="0">
+                                    <a:solidFill>
+                                      <a:sysClr val="windowText" lastClr="000000"/>
+                                    </a:solidFill>
+                                    <a:latin typeface="Cambria Math"/>
+                                    <a:ea typeface="Cambria Math"/>
+                                  </a:rPr>
+                                  <m:t>𝜃</m:t>
+                                </m:r>
+                              </m:e>
+                            </m:func>
+                          </m:e>
+                        </m:mr>
+                      </m:m>
+                    </m:oMath>
+                  </m:oMathPara>
+                </a14:m>
+                <a:endParaRPr lang="en-US" sz="1400" dirty="0">
+                  <a:solidFill>
+                    <a:sysClr val="windowText" lastClr="000000"/>
+                  </a:solidFill>
+                </a:endParaRPr>
+              </a:p>
+            </p:txBody>
+          </p:sp>
+        </mc:Choice>
+        <mc:Fallback>
+          <p:sp>
+            <p:nvSpPr>
+              <p:cNvPr id="4" name="Rectangle 3"/>
+              <p:cNvSpPr>
+                <a:spLocks noRot="1" noChangeAspect="1" noMove="1" noResize="1" noEditPoints="1" noAdjustHandles="1" noChangeArrowheads="1" noChangeShapeType="1" noTextEdit="1"/>
+              </p:cNvSpPr>
+              <p:nvPr/>
+            </p:nvSpPr>
+            <p:spPr>
+              <a:xfrm>
+                <a:off x="2318338" y="5095820"/>
+                <a:ext cx="1146431" cy="914400"/>
+              </a:xfrm>
+              <a:prstGeom prst="rect">
+                <a:avLst/>
+              </a:prstGeom>
+              <a:blipFill rotWithShape="1">
+                <a:blip r:embed="rId2"/>
+                <a:stretch>
+                  <a:fillRect/>
+                </a:stretch>
+              </a:blipFill>
+              <a:ln w="38100">
+                <a:solidFill>
+                  <a:schemeClr val="tx1"/>
+                </a:solidFill>
+              </a:ln>
+            </p:spPr>
+            <p:txBody>
+              <a:bodyPr/>
+              <a:lstStyle/>
+              <a:p>
+                <a:r>
+                  <a:rPr lang="en-US">
+                    <a:noFill/>
+                  </a:rPr>
+                  <a:t> </a:t>
+                </a:r>
+              </a:p>
+            </p:txBody>
+          </p:sp>
+        </mc:Fallback>
+      </mc:AlternateContent>
+      <mc:AlternateContent xmlns:mc="http://schemas.openxmlformats.org/markup-compatibility/2006">
+        <mc:Choice xmlns:a14="http://schemas.microsoft.com/office/drawing/2010/main" Requires="a14">
+          <p:sp>
+            <p:nvSpPr>
+              <p:cNvPr id="5" name="Rectangle 4"/>
+              <p:cNvSpPr/>
+              <p:nvPr/>
+            </p:nvSpPr>
+            <p:spPr>
+              <a:xfrm>
+                <a:off x="4548680" y="5095820"/>
+                <a:ext cx="2170546" cy="914400"/>
+              </a:xfrm>
+              <a:prstGeom prst="rect">
+                <a:avLst/>
+              </a:prstGeom>
+              <a:solidFill>
+                <a:schemeClr val="bg1"/>
+              </a:solidFill>
+              <a:ln w="38100">
+                <a:solidFill>
+                  <a:schemeClr val="tx1"/>
+                </a:solidFill>
+              </a:ln>
+            </p:spPr>
+            <p:style>
+              <a:lnRef idx="2">
+                <a:schemeClr val="accent1">
+                  <a:shade val="50000"/>
+                </a:schemeClr>
+              </a:lnRef>
+              <a:fillRef idx="1">
+                <a:schemeClr val="accent1"/>
+              </a:fillRef>
+              <a:effectRef idx="0">
+                <a:schemeClr val="accent1"/>
+              </a:effectRef>
+              <a:fontRef idx="minor">
+                <a:schemeClr val="lt1"/>
+              </a:fontRef>
+            </p:style>
+            <p:txBody>
+              <a:bodyPr rtlCol="0" anchor="ctr"/>
+              <a:lstStyle/>
+              <a:p>
+                <a:pPr algn="ctr"/>
+                <a14:m>
+                  <m:oMathPara xmlns:m="http://schemas.openxmlformats.org/officeDocument/2006/math">
+                    <m:oMathParaPr>
+                      <m:jc m:val="centerGroup"/>
+                    </m:oMathParaPr>
+                    <m:oMath xmlns:m="http://schemas.openxmlformats.org/officeDocument/2006/math">
+                      <m:r>
+                        <a:rPr lang="en-US" sz="1400" i="1" smtClean="0">
+                          <a:solidFill>
+                            <a:sysClr val="windowText" lastClr="000000"/>
+                          </a:solidFill>
+                          <a:latin typeface="Cambria Math"/>
+                          <a:ea typeface="Cambria Math"/>
+                        </a:rPr>
+                        <m:t>𝜃</m:t>
+                      </m:r>
+                      <m:d>
+                        <m:dPr>
+                          <m:ctrlPr>
+                            <a:rPr lang="en-US" sz="1400" b="0" i="1" smtClean="0">
+                              <a:solidFill>
+                                <a:sysClr val="windowText" lastClr="000000"/>
+                              </a:solidFill>
+                              <a:latin typeface="Cambria Math"/>
+                              <a:ea typeface="Cambria Math"/>
+                            </a:rPr>
+                          </m:ctrlPr>
+                        </m:dPr>
+                        <m:e>
+                          <m:r>
+                            <a:rPr lang="en-US" sz="1400" b="0" i="1" smtClean="0">
+                              <a:solidFill>
+                                <a:sysClr val="windowText" lastClr="000000"/>
+                              </a:solidFill>
+                              <a:latin typeface="Cambria Math"/>
+                              <a:ea typeface="Cambria Math"/>
+                            </a:rPr>
+                            <m:t>𝑠</m:t>
+                          </m:r>
+                        </m:e>
+                      </m:d>
+                      <m:r>
+                        <a:rPr lang="en-US" sz="1400" b="0" i="1" smtClean="0">
+                          <a:solidFill>
+                            <a:sysClr val="windowText" lastClr="000000"/>
+                          </a:solidFill>
+                          <a:latin typeface="Cambria Math"/>
+                          <a:ea typeface="Cambria Math"/>
+                        </a:rPr>
+                        <m:t>= </m:t>
+                      </m:r>
+                      <m:f>
+                        <m:fPr>
+                          <m:ctrlPr>
+                            <a:rPr lang="en-US" sz="1400" b="0" i="1" smtClean="0">
+                              <a:solidFill>
+                                <a:sysClr val="windowText" lastClr="000000"/>
+                              </a:solidFill>
+                              <a:latin typeface="Cambria Math"/>
+                              <a:ea typeface="Cambria Math"/>
+                            </a:rPr>
+                          </m:ctrlPr>
+                        </m:fPr>
+                        <m:num>
+                          <m:r>
+                            <a:rPr lang="en-US" sz="1400" b="0" i="1" smtClean="0">
+                              <a:solidFill>
+                                <a:sysClr val="windowText" lastClr="000000"/>
+                              </a:solidFill>
+                              <a:latin typeface="Cambria Math"/>
+                              <a:ea typeface="Cambria Math"/>
+                            </a:rPr>
+                            <m:t>𝐾</m:t>
+                          </m:r>
+                        </m:num>
+                        <m:den>
+                          <m:r>
+                            <a:rPr lang="en-US" sz="1400" b="0" i="1" smtClean="0">
+                              <a:solidFill>
+                                <a:sysClr val="windowText" lastClr="000000"/>
+                              </a:solidFill>
+                              <a:latin typeface="Cambria Math"/>
+                              <a:ea typeface="Cambria Math"/>
+                            </a:rPr>
+                            <m:t>1+</m:t>
+                          </m:r>
+                          <m:r>
+                            <a:rPr lang="en-US" sz="1400" b="0" i="1" smtClean="0">
+                              <a:solidFill>
+                                <a:sysClr val="windowText" lastClr="000000"/>
+                              </a:solidFill>
+                              <a:latin typeface="Cambria Math"/>
+                              <a:ea typeface="Cambria Math"/>
+                            </a:rPr>
+                            <m:t>𝑅𝑠</m:t>
+                          </m:r>
+                        </m:den>
+                      </m:f>
+                      <m:sSub>
+                        <m:sSubPr>
+                          <m:ctrlPr>
+                            <a:rPr lang="en-US" sz="1400" b="0" i="1" smtClean="0">
+                              <a:solidFill>
+                                <a:sysClr val="windowText" lastClr="000000"/>
+                              </a:solidFill>
+                              <a:latin typeface="Cambria Math"/>
+                              <a:ea typeface="Cambria Math"/>
+                            </a:rPr>
+                          </m:ctrlPr>
+                        </m:sSubPr>
+                        <m:e>
+                          <m:r>
+                            <a:rPr lang="en-US" sz="1400" b="0" i="1" smtClean="0">
+                              <a:solidFill>
+                                <a:sysClr val="windowText" lastClr="000000"/>
+                              </a:solidFill>
+                              <a:latin typeface="Cambria Math"/>
+                              <a:ea typeface="Cambria Math"/>
+                            </a:rPr>
+                            <m:t>𝜃</m:t>
+                          </m:r>
+                        </m:e>
+                        <m:sub>
+                          <m:r>
+                            <a:rPr lang="en-US" sz="1400" b="0" i="1" smtClean="0">
+                              <a:solidFill>
+                                <a:sysClr val="windowText" lastClr="000000"/>
+                              </a:solidFill>
+                              <a:latin typeface="Cambria Math"/>
+                              <a:ea typeface="Cambria Math"/>
+                            </a:rPr>
+                            <m:t>𝑑</m:t>
+                          </m:r>
+                        </m:sub>
+                      </m:sSub>
+                      <m:r>
+                        <a:rPr lang="en-US" sz="1400" b="0" i="1" smtClean="0">
+                          <a:solidFill>
+                            <a:sysClr val="windowText" lastClr="000000"/>
+                          </a:solidFill>
+                          <a:latin typeface="Cambria Math"/>
+                          <a:ea typeface="Cambria Math"/>
+                        </a:rPr>
+                        <m:t>(</m:t>
+                      </m:r>
+                      <m:r>
+                        <a:rPr lang="en-US" sz="1400" b="0" i="1" smtClean="0">
+                          <a:solidFill>
+                            <a:sysClr val="windowText" lastClr="000000"/>
+                          </a:solidFill>
+                          <a:latin typeface="Cambria Math"/>
+                          <a:ea typeface="Cambria Math"/>
+                        </a:rPr>
+                        <m:t>𝑠</m:t>
+                      </m:r>
+                      <m:r>
+                        <a:rPr lang="en-US" sz="1400" b="0" i="1" smtClean="0">
+                          <a:solidFill>
+                            <a:sysClr val="windowText" lastClr="000000"/>
+                          </a:solidFill>
+                          <a:latin typeface="Cambria Math"/>
+                          <a:ea typeface="Cambria Math"/>
+                        </a:rPr>
+                        <m:t>)</m:t>
+                      </m:r>
+                    </m:oMath>
+                  </m:oMathPara>
+                </a14:m>
+                <a:endParaRPr lang="en-US" sz="1400" dirty="0">
+                  <a:solidFill>
+                    <a:sysClr val="windowText" lastClr="000000"/>
+                  </a:solidFill>
+                </a:endParaRPr>
+              </a:p>
+            </p:txBody>
+          </p:sp>
+        </mc:Choice>
+        <mc:Fallback>
+          <p:sp>
+            <p:nvSpPr>
+              <p:cNvPr id="5" name="Rectangle 4"/>
+              <p:cNvSpPr>
+                <a:spLocks noRot="1" noChangeAspect="1" noMove="1" noResize="1" noEditPoints="1" noAdjustHandles="1" noChangeArrowheads="1" noChangeShapeType="1" noTextEdit="1"/>
+              </p:cNvSpPr>
+              <p:nvPr/>
+            </p:nvSpPr>
+            <p:spPr>
+              <a:xfrm>
+                <a:off x="4548680" y="5095820"/>
+                <a:ext cx="2170546" cy="914400"/>
+              </a:xfrm>
+              <a:prstGeom prst="rect">
+                <a:avLst/>
+              </a:prstGeom>
+              <a:blipFill rotWithShape="1">
+                <a:blip r:embed="rId3"/>
+                <a:stretch>
+                  <a:fillRect/>
+                </a:stretch>
+              </a:blipFill>
+              <a:ln w="38100">
+                <a:solidFill>
+                  <a:schemeClr val="tx1"/>
+                </a:solidFill>
+              </a:ln>
+            </p:spPr>
+            <p:txBody>
+              <a:bodyPr/>
+              <a:lstStyle/>
+              <a:p>
+                <a:r>
+                  <a:rPr lang="en-US">
+                    <a:noFill/>
+                  </a:rPr>
+                  <a:t> </a:t>
+                </a:r>
+              </a:p>
+            </p:txBody>
+          </p:sp>
+        </mc:Fallback>
+      </mc:AlternateContent>
+      <p:cxnSp>
+        <p:nvCxnSpPr>
+          <p:cNvPr id="7" name="Straight Arrow Connector 6"/>
+          <p:cNvCxnSpPr>
+            <a:stCxn id="5" idx="1"/>
+            <a:endCxn id="4" idx="3"/>
+          </p:cNvCxnSpPr>
+          <p:nvPr/>
+        </p:nvCxnSpPr>
+        <p:spPr>
+          <a:xfrm flipH="1">
+            <a:off x="3464769" y="5553020"/>
+            <a:ext cx="1083911" cy="0"/>
+          </a:xfrm>
+          <a:prstGeom prst="straightConnector1">
+            <a:avLst/>
+          </a:prstGeom>
+          <a:ln w="38100">
+            <a:solidFill>
+              <a:schemeClr val="tx1"/>
+            </a:solidFill>
+            <a:tailEnd type="arrow"/>
+          </a:ln>
+        </p:spPr>
+        <p:style>
+          <a:lnRef idx="1">
+            <a:schemeClr val="accent1"/>
+          </a:lnRef>
+          <a:fillRef idx="0">
+            <a:schemeClr val="accent1"/>
+          </a:fillRef>
+          <a:effectRef idx="0">
+            <a:schemeClr val="accent1"/>
+          </a:effectRef>
+          <a:fontRef idx="minor">
+            <a:schemeClr val="tx1"/>
+          </a:fontRef>
+        </p:style>
+      </p:cxnSp>
+      <mc:AlternateContent xmlns:mc="http://schemas.openxmlformats.org/markup-compatibility/2006">
+        <mc:Choice xmlns:a14="http://schemas.microsoft.com/office/drawing/2010/main" Requires="a14">
+          <p:sp>
+            <p:nvSpPr>
+              <p:cNvPr id="8" name="TextBox 7"/>
+              <p:cNvSpPr txBox="1"/>
+              <p:nvPr/>
+            </p:nvSpPr>
+            <p:spPr>
+              <a:xfrm>
+                <a:off x="517212" y="3015734"/>
+                <a:ext cx="374140" cy="369332"/>
+              </a:xfrm>
+              <a:prstGeom prst="rect">
+                <a:avLst/>
+              </a:prstGeom>
+              <a:noFill/>
+            </p:spPr>
+            <p:txBody>
+              <a:bodyPr wrap="none" rtlCol="0">
+                <a:spAutoFit/>
+              </a:bodyPr>
+              <a:lstStyle/>
+              <a:p>
+                <a14:m>
+                  <m:oMathPara xmlns:m="http://schemas.openxmlformats.org/officeDocument/2006/math">
+                    <m:oMathParaPr>
+                      <m:jc m:val="centerGroup"/>
+                    </m:oMathParaPr>
+                    <m:oMath xmlns:m="http://schemas.openxmlformats.org/officeDocument/2006/math">
+                      <m:r>
+                        <a:rPr lang="en-US" b="0" i="1" smtClean="0">
+                          <a:latin typeface="Cambria Math"/>
+                          <a:ea typeface="Cambria Math"/>
+                        </a:rPr>
+                        <m:t>𝑥</m:t>
+                      </m:r>
+                    </m:oMath>
+                  </m:oMathPara>
+                </a14:m>
+                <a:endParaRPr lang="en-US" dirty="0"/>
+              </a:p>
+            </p:txBody>
+          </p:sp>
+        </mc:Choice>
+        <mc:Fallback>
+          <p:sp>
+            <p:nvSpPr>
+              <p:cNvPr id="8" name="TextBox 7"/>
+              <p:cNvSpPr txBox="1">
+                <a:spLocks noRot="1" noChangeAspect="1" noMove="1" noResize="1" noEditPoints="1" noAdjustHandles="1" noChangeArrowheads="1" noChangeShapeType="1" noTextEdit="1"/>
+              </p:cNvSpPr>
+              <p:nvPr/>
+            </p:nvSpPr>
+            <p:spPr>
+              <a:xfrm>
+                <a:off x="517212" y="3015734"/>
+                <a:ext cx="374140" cy="369332"/>
+              </a:xfrm>
+              <a:prstGeom prst="rect">
+                <a:avLst/>
+              </a:prstGeom>
+              <a:blipFill rotWithShape="1">
+                <a:blip r:embed="rId4"/>
+                <a:stretch>
+                  <a:fillRect/>
+                </a:stretch>
+              </a:blipFill>
+            </p:spPr>
+            <p:txBody>
+              <a:bodyPr/>
+              <a:lstStyle/>
+              <a:p>
+                <a:r>
+                  <a:rPr lang="en-US">
+                    <a:noFill/>
+                  </a:rPr>
+                  <a:t> </a:t>
+                </a:r>
+              </a:p>
+            </p:txBody>
+          </p:sp>
+        </mc:Fallback>
+      </mc:AlternateContent>
+      <mc:AlternateContent xmlns:mc="http://schemas.openxmlformats.org/markup-compatibility/2006">
+        <mc:Choice xmlns:a14="http://schemas.microsoft.com/office/drawing/2010/main" Requires="a14">
+          <p:sp>
+            <p:nvSpPr>
+              <p:cNvPr id="9" name="Rectangle 8"/>
+              <p:cNvSpPr/>
+              <p:nvPr/>
+            </p:nvSpPr>
+            <p:spPr>
+              <a:xfrm>
+                <a:off x="1295586" y="2209800"/>
+                <a:ext cx="4338367" cy="914400"/>
+              </a:xfrm>
+              <a:prstGeom prst="rect">
+                <a:avLst/>
+              </a:prstGeom>
+              <a:solidFill>
+                <a:schemeClr val="bg1"/>
+              </a:solidFill>
+              <a:ln w="38100">
+                <a:solidFill>
+                  <a:schemeClr val="tx1"/>
+                </a:solidFill>
+              </a:ln>
+            </p:spPr>
+            <p:style>
+              <a:lnRef idx="2">
+                <a:schemeClr val="accent1">
+                  <a:shade val="50000"/>
+                </a:schemeClr>
+              </a:lnRef>
+              <a:fillRef idx="1">
+                <a:schemeClr val="accent1"/>
+              </a:fillRef>
+              <a:effectRef idx="0">
+                <a:schemeClr val="accent1"/>
+              </a:effectRef>
+              <a:fontRef idx="minor">
+                <a:schemeClr val="lt1"/>
+              </a:fontRef>
+            </p:style>
+            <p:txBody>
+              <a:bodyPr rtlCol="0" anchor="ctr"/>
+              <a:lstStyle/>
+              <a:p>
+                <a:pPr algn="ctr"/>
+                <a14:m>
+                  <m:oMathPara xmlns:m="http://schemas.openxmlformats.org/officeDocument/2006/math">
+                    <m:oMathParaPr>
+                      <m:jc m:val="centerGroup"/>
+                    </m:oMathParaPr>
+                    <m:oMath xmlns:m="http://schemas.openxmlformats.org/officeDocument/2006/math">
+                      <m:r>
+                        <a:rPr lang="en-US" sz="1400" b="0" i="1" smtClean="0">
+                          <a:solidFill>
+                            <a:sysClr val="windowText" lastClr="000000"/>
+                          </a:solidFill>
+                          <a:latin typeface="Cambria Math"/>
+                          <a:ea typeface="Cambria Math"/>
+                        </a:rPr>
+                        <m:t>𝑢</m:t>
+                      </m:r>
+                      <m:d>
+                        <m:dPr>
+                          <m:ctrlPr>
+                            <a:rPr lang="en-US" sz="1400" b="0" i="1" smtClean="0">
+                              <a:solidFill>
+                                <a:sysClr val="windowText" lastClr="000000"/>
+                              </a:solidFill>
+                              <a:latin typeface="Cambria Math"/>
+                              <a:ea typeface="Cambria Math"/>
+                            </a:rPr>
+                          </m:ctrlPr>
+                        </m:dPr>
+                        <m:e>
+                          <m:r>
+                            <a:rPr lang="en-US" sz="1400" b="0" i="1" smtClean="0">
+                              <a:solidFill>
+                                <a:sysClr val="windowText" lastClr="000000"/>
+                              </a:solidFill>
+                              <a:latin typeface="Cambria Math"/>
+                              <a:ea typeface="Cambria Math"/>
+                            </a:rPr>
+                            <m:t>𝑡</m:t>
+                          </m:r>
+                        </m:e>
+                      </m:d>
+                      <m:r>
+                        <a:rPr lang="en-US" sz="1400" b="0" i="1" smtClean="0">
+                          <a:solidFill>
+                            <a:sysClr val="windowText" lastClr="000000"/>
+                          </a:solidFill>
+                          <a:latin typeface="Cambria Math"/>
+                          <a:ea typeface="Cambria Math"/>
+                        </a:rPr>
+                        <m:t>= </m:t>
+                      </m:r>
+                      <m:f>
+                        <m:fPr>
+                          <m:ctrlPr>
+                            <a:rPr lang="en-US" sz="1400" b="0" i="1" smtClean="0">
+                              <a:solidFill>
+                                <a:sysClr val="windowText" lastClr="000000"/>
+                              </a:solidFill>
+                              <a:latin typeface="Cambria Math"/>
+                              <a:ea typeface="Cambria Math"/>
+                            </a:rPr>
+                          </m:ctrlPr>
+                        </m:fPr>
+                        <m:num>
+                          <m:r>
+                            <a:rPr lang="en-US" sz="1400" b="0" i="1" smtClean="0">
+                              <a:solidFill>
+                                <a:sysClr val="windowText" lastClr="000000"/>
+                              </a:solidFill>
+                              <a:latin typeface="Cambria Math"/>
+                              <a:ea typeface="Cambria Math"/>
+                            </a:rPr>
+                            <m:t>𝑝𝑖𝑥𝑒𝑙</m:t>
+                          </m:r>
+                          <m:r>
+                            <a:rPr lang="en-US" sz="1400" b="0" i="1" smtClean="0">
+                              <a:solidFill>
+                                <a:sysClr val="windowText" lastClr="000000"/>
+                              </a:solidFill>
+                              <a:latin typeface="Cambria Math"/>
+                              <a:ea typeface="Cambria Math"/>
+                            </a:rPr>
+                            <m:t> </m:t>
+                          </m:r>
+                          <m:r>
+                            <a:rPr lang="en-US" sz="1400" b="0" i="1" smtClean="0">
+                              <a:solidFill>
+                                <a:sysClr val="windowText" lastClr="000000"/>
+                              </a:solidFill>
+                              <a:latin typeface="Cambria Math"/>
+                              <a:ea typeface="Cambria Math"/>
+                            </a:rPr>
+                            <m:t>𝑤𝑖𝑑𝑡h</m:t>
+                          </m:r>
+                        </m:num>
+                        <m:den>
+                          <m:r>
+                            <a:rPr lang="en-US" sz="1400" b="0" i="1" smtClean="0">
+                              <a:solidFill>
+                                <a:sysClr val="windowText" lastClr="000000"/>
+                              </a:solidFill>
+                              <a:latin typeface="Cambria Math"/>
+                              <a:ea typeface="Cambria Math"/>
+                            </a:rPr>
+                            <m:t>2</m:t>
+                          </m:r>
+                          <m:r>
+                            <a:rPr lang="en-US" sz="1400" b="0" i="1" smtClean="0">
+                              <a:solidFill>
+                                <a:sysClr val="windowText" lastClr="000000"/>
+                              </a:solidFill>
+                              <a:latin typeface="Cambria Math"/>
+                              <a:ea typeface="Cambria Math"/>
+                            </a:rPr>
+                            <m:t>𝑑</m:t>
+                          </m:r>
+                          <m:func>
+                            <m:funcPr>
+                              <m:ctrlPr>
+                                <a:rPr lang="en-US" sz="1400" b="0" i="1" smtClean="0">
+                                  <a:solidFill>
+                                    <a:sysClr val="windowText" lastClr="000000"/>
+                                  </a:solidFill>
+                                  <a:latin typeface="Cambria Math"/>
+                                  <a:ea typeface="Cambria Math"/>
+                                </a:rPr>
+                              </m:ctrlPr>
+                            </m:funcPr>
+                            <m:fName>
+                              <m:r>
+                                <m:rPr>
+                                  <m:sty m:val="p"/>
+                                </m:rPr>
+                                <a:rPr lang="en-US" sz="1400" b="0" i="0" smtClean="0">
+                                  <a:solidFill>
+                                    <a:sysClr val="windowText" lastClr="000000"/>
+                                  </a:solidFill>
+                                  <a:latin typeface="Cambria Math"/>
+                                  <a:ea typeface="Cambria Math"/>
+                                </a:rPr>
+                                <m:t>tan</m:t>
+                              </m:r>
+                            </m:fName>
+                            <m:e>
+                              <m:f>
+                                <m:fPr>
+                                  <m:ctrlPr>
+                                    <a:rPr lang="en-US" sz="1400" b="0" i="1" smtClean="0">
+                                      <a:solidFill>
+                                        <a:sysClr val="windowText" lastClr="000000"/>
+                                      </a:solidFill>
+                                      <a:latin typeface="Cambria Math"/>
+                                      <a:ea typeface="Cambria Math"/>
+                                    </a:rPr>
+                                  </m:ctrlPr>
+                                </m:fPr>
+                                <m:num>
+                                  <m:r>
+                                    <a:rPr lang="en-US" sz="1400" b="0" i="1" smtClean="0">
+                                      <a:solidFill>
+                                        <a:sysClr val="windowText" lastClr="000000"/>
+                                      </a:solidFill>
+                                      <a:latin typeface="Cambria Math"/>
+                                      <a:ea typeface="Cambria Math"/>
+                                    </a:rPr>
+                                    <m:t>𝑣𝑖𝑒𝑤𝑖𝑛𝑔</m:t>
+                                  </m:r>
+                                  <m:r>
+                                    <a:rPr lang="en-US" sz="1400" b="0" i="1" smtClean="0">
+                                      <a:solidFill>
+                                        <a:sysClr val="windowText" lastClr="000000"/>
+                                      </a:solidFill>
+                                      <a:latin typeface="Cambria Math"/>
+                                      <a:ea typeface="Cambria Math"/>
+                                    </a:rPr>
+                                    <m:t> </m:t>
+                                  </m:r>
+                                  <m:r>
+                                    <a:rPr lang="en-US" sz="1400" b="0" i="1" smtClean="0">
+                                      <a:solidFill>
+                                        <a:sysClr val="windowText" lastClr="000000"/>
+                                      </a:solidFill>
+                                      <a:latin typeface="Cambria Math"/>
+                                      <a:ea typeface="Cambria Math"/>
+                                    </a:rPr>
+                                    <m:t>𝑎𝑛𝑔𝑙𝑒</m:t>
+                                  </m:r>
+                                </m:num>
+                                <m:den>
+                                  <m:r>
+                                    <a:rPr lang="en-US" sz="1400" b="0" i="1" smtClean="0">
+                                      <a:solidFill>
+                                        <a:sysClr val="windowText" lastClr="000000"/>
+                                      </a:solidFill>
+                                      <a:latin typeface="Cambria Math"/>
+                                      <a:ea typeface="Cambria Math"/>
+                                    </a:rPr>
+                                    <m:t>2</m:t>
+                                  </m:r>
+                                </m:den>
+                              </m:f>
+                            </m:e>
+                          </m:func>
+                        </m:den>
+                      </m:f>
+                      <m:r>
+                        <a:rPr lang="en-US" sz="1400" b="0" i="1" smtClean="0">
+                          <a:solidFill>
+                            <a:sysClr val="windowText" lastClr="000000"/>
+                          </a:solidFill>
+                          <a:latin typeface="Cambria Math"/>
+                          <a:ea typeface="Cambria Math"/>
+                        </a:rPr>
+                        <m:t>×</m:t>
+                      </m:r>
+                      <m:f>
+                        <m:fPr>
+                          <m:ctrlPr>
+                            <a:rPr lang="en-US" sz="1400" b="0" i="1" smtClean="0">
+                              <a:solidFill>
+                                <a:sysClr val="windowText" lastClr="000000"/>
+                              </a:solidFill>
+                              <a:latin typeface="Cambria Math"/>
+                              <a:ea typeface="Cambria Math"/>
+                            </a:rPr>
+                          </m:ctrlPr>
+                        </m:fPr>
+                        <m:num>
+                          <m:r>
+                            <a:rPr lang="en-US" sz="1400" b="0" i="1" smtClean="0">
+                              <a:solidFill>
+                                <a:sysClr val="windowText" lastClr="000000"/>
+                              </a:solidFill>
+                              <a:latin typeface="Cambria Math"/>
+                              <a:ea typeface="Cambria Math"/>
+                            </a:rPr>
+                            <m:t>𝑣𝑖𝑒𝑤𝑖𝑛𝑔</m:t>
+                          </m:r>
+                          <m:r>
+                            <a:rPr lang="en-US" sz="1400" b="0" i="1" smtClean="0">
+                              <a:solidFill>
+                                <a:sysClr val="windowText" lastClr="000000"/>
+                              </a:solidFill>
+                              <a:latin typeface="Cambria Math"/>
+                              <a:ea typeface="Cambria Math"/>
+                            </a:rPr>
+                            <m:t> </m:t>
+                          </m:r>
+                          <m:r>
+                            <a:rPr lang="en-US" sz="1400" b="0" i="1" smtClean="0">
+                              <a:solidFill>
+                                <a:sysClr val="windowText" lastClr="000000"/>
+                              </a:solidFill>
+                              <a:latin typeface="Cambria Math"/>
+                              <a:ea typeface="Cambria Math"/>
+                            </a:rPr>
+                            <m:t>𝑎𝑛𝑔𝑙𝑒</m:t>
+                          </m:r>
+                        </m:num>
+                        <m:den>
+                          <m:r>
+                            <a:rPr lang="en-US" sz="1400" b="0" i="1" smtClean="0">
+                              <a:solidFill>
+                                <a:sysClr val="windowText" lastClr="000000"/>
+                              </a:solidFill>
+                              <a:latin typeface="Cambria Math"/>
+                              <a:ea typeface="Cambria Math"/>
+                            </a:rPr>
+                            <m:t>𝑝𝑖𝑥𝑒𝑙</m:t>
+                          </m:r>
+                          <m:r>
+                            <a:rPr lang="en-US" sz="1400" b="0" i="1" smtClean="0">
+                              <a:solidFill>
+                                <a:sysClr val="windowText" lastClr="000000"/>
+                              </a:solidFill>
+                              <a:latin typeface="Cambria Math"/>
+                              <a:ea typeface="Cambria Math"/>
+                            </a:rPr>
+                            <m:t> </m:t>
+                          </m:r>
+                          <m:r>
+                            <a:rPr lang="en-US" sz="1400" b="0" i="1" smtClean="0">
+                              <a:solidFill>
+                                <a:sysClr val="windowText" lastClr="000000"/>
+                              </a:solidFill>
+                              <a:latin typeface="Cambria Math"/>
+                              <a:ea typeface="Cambria Math"/>
+                            </a:rPr>
+                            <m:t>𝑤𝑖𝑑𝑡h</m:t>
+                          </m:r>
+                        </m:den>
+                      </m:f>
+                      <m:r>
+                        <a:rPr lang="en-US" sz="1400" b="0" i="1" smtClean="0">
+                          <a:solidFill>
+                            <a:sysClr val="windowText" lastClr="000000"/>
+                          </a:solidFill>
+                          <a:latin typeface="Cambria Math"/>
+                          <a:ea typeface="Cambria Math"/>
+                        </a:rPr>
+                        <m:t>×</m:t>
+                      </m:r>
+                      <m:r>
+                        <a:rPr lang="en-US" sz="1400" b="0" i="1" smtClean="0">
+                          <a:solidFill>
+                            <a:sysClr val="windowText" lastClr="000000"/>
+                          </a:solidFill>
+                          <a:latin typeface="Cambria Math"/>
+                          <a:ea typeface="Cambria Math"/>
+                        </a:rPr>
+                        <m:t>𝑥</m:t>
+                      </m:r>
+                      <m:d>
+                        <m:dPr>
+                          <m:ctrlPr>
+                            <a:rPr lang="en-US" sz="1400" b="0" i="1" smtClean="0">
+                              <a:solidFill>
+                                <a:sysClr val="windowText" lastClr="000000"/>
+                              </a:solidFill>
+                              <a:latin typeface="Cambria Math"/>
+                              <a:ea typeface="Cambria Math"/>
+                            </a:rPr>
+                          </m:ctrlPr>
+                        </m:dPr>
+                        <m:e>
+                          <m:r>
+                            <a:rPr lang="en-US" sz="1400" b="0" i="1" smtClean="0">
+                              <a:solidFill>
+                                <a:sysClr val="windowText" lastClr="000000"/>
+                              </a:solidFill>
+                              <a:latin typeface="Cambria Math"/>
+                              <a:ea typeface="Cambria Math"/>
+                            </a:rPr>
+                            <m:t>𝑡</m:t>
+                          </m:r>
+                        </m:e>
+                      </m:d>
+                    </m:oMath>
+                  </m:oMathPara>
+                </a14:m>
+                <a:endParaRPr lang="en-US" sz="1400" dirty="0">
+                  <a:solidFill>
+                    <a:sysClr val="windowText" lastClr="000000"/>
+                  </a:solidFill>
+                </a:endParaRPr>
+              </a:p>
+            </p:txBody>
+          </p:sp>
+        </mc:Choice>
+        <mc:Fallback>
+          <p:sp>
+            <p:nvSpPr>
+              <p:cNvPr id="9" name="Rectangle 8"/>
+              <p:cNvSpPr>
+                <a:spLocks noRot="1" noChangeAspect="1" noMove="1" noResize="1" noEditPoints="1" noAdjustHandles="1" noChangeArrowheads="1" noChangeShapeType="1" noTextEdit="1"/>
+              </p:cNvSpPr>
+              <p:nvPr/>
+            </p:nvSpPr>
+            <p:spPr>
+              <a:xfrm>
+                <a:off x="1295586" y="2209800"/>
+                <a:ext cx="4338367" cy="914400"/>
+              </a:xfrm>
+              <a:prstGeom prst="rect">
+                <a:avLst/>
+              </a:prstGeom>
+              <a:blipFill rotWithShape="1">
+                <a:blip r:embed="rId5"/>
+                <a:stretch>
+                  <a:fillRect/>
+                </a:stretch>
+              </a:blipFill>
+              <a:ln w="38100">
+                <a:solidFill>
+                  <a:schemeClr val="tx1"/>
+                </a:solidFill>
+              </a:ln>
+            </p:spPr>
+            <p:txBody>
+              <a:bodyPr/>
+              <a:lstStyle/>
+              <a:p>
+                <a:r>
+                  <a:rPr lang="en-US">
+                    <a:noFill/>
+                  </a:rPr>
+                  <a:t> </a:t>
+                </a:r>
+              </a:p>
+            </p:txBody>
+          </p:sp>
+        </mc:Fallback>
+      </mc:AlternateContent>
+      <p:sp>
+        <p:nvSpPr>
+          <p:cNvPr id="12" name="Rectangle 11"/>
+          <p:cNvSpPr/>
+          <p:nvPr/>
+        </p:nvSpPr>
+        <p:spPr>
+          <a:xfrm>
+            <a:off x="6019986" y="2209800"/>
+            <a:ext cx="1676399" cy="914400"/>
+          </a:xfrm>
+          <a:prstGeom prst="rect">
+            <a:avLst/>
+          </a:prstGeom>
+          <a:solidFill>
+            <a:schemeClr val="bg1"/>
+          </a:solidFill>
+          <a:ln w="38100">
+            <a:solidFill>
+              <a:schemeClr val="tx1"/>
+            </a:solidFill>
+          </a:ln>
+        </p:spPr>
+        <p:style>
+          <a:lnRef idx="2">
+            <a:schemeClr val="accent1">
+              <a:shade val="50000"/>
+            </a:schemeClr>
+          </a:lnRef>
+          <a:fillRef idx="1">
+            <a:schemeClr val="accent1"/>
+          </a:fillRef>
+          <a:effectRef idx="0">
+            <a:schemeClr val="accent1"/>
+          </a:effectRef>
+          <a:fontRef idx="minor">
+            <a:schemeClr val="lt1"/>
+          </a:fontRef>
+        </p:style>
+        <p:txBody>
+          <a:bodyPr rtlCol="0" anchor="ctr"/>
+          <a:lstStyle/>
+          <a:p>
+            <a:pPr algn="ctr"/>
+            <a:r>
+              <a:rPr lang="en-US" sz="1400" dirty="0" smtClean="0">
+                <a:solidFill>
+                  <a:sysClr val="windowText" lastClr="000000"/>
+                </a:solidFill>
+              </a:rPr>
+              <a:t>Proportional-Integral-Derivative Controller</a:t>
+            </a:r>
+            <a:endParaRPr lang="en-US" sz="1400" dirty="0">
+              <a:solidFill>
+                <a:sysClr val="windowText" lastClr="000000"/>
+              </a:solidFill>
+            </a:endParaRPr>
+          </a:p>
+        </p:txBody>
+      </p:sp>
+      <p:sp>
+        <p:nvSpPr>
+          <p:cNvPr id="15" name="Rectangle 14"/>
+          <p:cNvSpPr/>
+          <p:nvPr/>
+        </p:nvSpPr>
+        <p:spPr>
+          <a:xfrm>
+            <a:off x="167451" y="3733800"/>
+            <a:ext cx="1447799" cy="838200"/>
+          </a:xfrm>
+          <a:prstGeom prst="rect">
+            <a:avLst/>
+          </a:prstGeom>
+          <a:solidFill>
+            <a:schemeClr val="bg1"/>
+          </a:solidFill>
+          <a:ln w="38100">
+            <a:solidFill>
+              <a:schemeClr val="tx1"/>
+            </a:solidFill>
+          </a:ln>
+        </p:spPr>
+        <p:style>
+          <a:lnRef idx="2">
+            <a:schemeClr val="accent1">
+              <a:shade val="50000"/>
+            </a:schemeClr>
+          </a:lnRef>
+          <a:fillRef idx="1">
+            <a:schemeClr val="accent1"/>
+          </a:fillRef>
+          <a:effectRef idx="0">
+            <a:schemeClr val="accent1"/>
+          </a:effectRef>
+          <a:fontRef idx="minor">
+            <a:schemeClr val="lt1"/>
+          </a:fontRef>
+        </p:style>
+        <p:txBody>
+          <a:bodyPr rtlCol="0" anchor="ctr"/>
+          <a:lstStyle/>
+          <a:p>
+            <a:pPr algn="ctr"/>
+            <a:r>
+              <a:rPr lang="en-US" sz="1400" dirty="0" smtClean="0">
+                <a:solidFill>
+                  <a:sysClr val="windowText" lastClr="000000"/>
+                </a:solidFill>
+              </a:rPr>
+              <a:t>Camera Latency</a:t>
+            </a:r>
+            <a:endParaRPr lang="en-US" sz="1400" dirty="0">
+              <a:solidFill>
+                <a:sysClr val="windowText" lastClr="000000"/>
+              </a:solidFill>
+            </a:endParaRPr>
+          </a:p>
+        </p:txBody>
+      </p:sp>
+      <p:sp>
+        <p:nvSpPr>
+          <p:cNvPr id="16" name="Rectangle 15"/>
+          <p:cNvSpPr/>
+          <p:nvPr/>
+        </p:nvSpPr>
+        <p:spPr>
+          <a:xfrm>
+            <a:off x="7315200" y="3733800"/>
+            <a:ext cx="1447799" cy="838200"/>
+          </a:xfrm>
+          <a:prstGeom prst="rect">
+            <a:avLst/>
+          </a:prstGeom>
+          <a:solidFill>
+            <a:schemeClr val="bg1"/>
+          </a:solidFill>
+          <a:ln w="38100">
+            <a:solidFill>
+              <a:schemeClr val="tx1"/>
+            </a:solidFill>
+          </a:ln>
+        </p:spPr>
+        <p:style>
+          <a:lnRef idx="2">
+            <a:schemeClr val="accent1">
+              <a:shade val="50000"/>
+            </a:schemeClr>
+          </a:lnRef>
+          <a:fillRef idx="1">
+            <a:schemeClr val="accent1"/>
+          </a:fillRef>
+          <a:effectRef idx="0">
+            <a:schemeClr val="accent1"/>
+          </a:effectRef>
+          <a:fontRef idx="minor">
+            <a:schemeClr val="lt1"/>
+          </a:fontRef>
+        </p:style>
+        <p:txBody>
+          <a:bodyPr rtlCol="0" anchor="ctr"/>
+          <a:lstStyle/>
+          <a:p>
+            <a:pPr algn="ctr"/>
+            <a:r>
+              <a:rPr lang="en-US" sz="1400" dirty="0" smtClean="0">
+                <a:solidFill>
+                  <a:sysClr val="windowText" lastClr="000000"/>
+                </a:solidFill>
+              </a:rPr>
+              <a:t>Transmission Latency</a:t>
+            </a:r>
+            <a:endParaRPr lang="en-US" sz="1400" dirty="0">
+              <a:solidFill>
+                <a:sysClr val="windowText" lastClr="000000"/>
+              </a:solidFill>
+            </a:endParaRPr>
+          </a:p>
+        </p:txBody>
+      </p:sp>
+      <p:cxnSp>
+        <p:nvCxnSpPr>
+          <p:cNvPr id="28" name="Straight Arrow Connector 27"/>
+          <p:cNvCxnSpPr>
+            <a:stCxn id="16" idx="2"/>
+            <a:endCxn id="5" idx="3"/>
+          </p:cNvCxnSpPr>
+          <p:nvPr/>
+        </p:nvCxnSpPr>
+        <p:spPr>
+          <a:xfrm rot="5400000">
+            <a:off x="6888653" y="4402573"/>
+            <a:ext cx="981020" cy="1319874"/>
+          </a:xfrm>
+          <a:prstGeom prst="bentConnector2">
+            <a:avLst/>
+          </a:prstGeom>
+          <a:ln w="38100">
+            <a:solidFill>
+              <a:schemeClr val="tx1"/>
+            </a:solidFill>
+            <a:tailEnd type="arrow"/>
+          </a:ln>
+        </p:spPr>
+        <p:style>
+          <a:lnRef idx="1">
+            <a:schemeClr val="accent1"/>
+          </a:lnRef>
+          <a:fillRef idx="0">
+            <a:schemeClr val="accent1"/>
+          </a:fillRef>
+          <a:effectRef idx="0">
+            <a:schemeClr val="accent1"/>
+          </a:effectRef>
+          <a:fontRef idx="minor">
+            <a:schemeClr val="tx1"/>
+          </a:fontRef>
+        </p:style>
+      </p:cxnSp>
+      <p:cxnSp>
+        <p:nvCxnSpPr>
+          <p:cNvPr id="29" name="Straight Arrow Connector 28"/>
+          <p:cNvCxnSpPr>
+            <a:stCxn id="9" idx="3"/>
+            <a:endCxn id="12" idx="1"/>
+          </p:cNvCxnSpPr>
+          <p:nvPr/>
+        </p:nvCxnSpPr>
+        <p:spPr>
+          <a:xfrm>
+            <a:off x="5633953" y="2667000"/>
+            <a:ext cx="386033" cy="0"/>
+          </a:xfrm>
+          <a:prstGeom prst="straightConnector1">
+            <a:avLst/>
+          </a:prstGeom>
+          <a:ln w="38100">
+            <a:solidFill>
+              <a:schemeClr val="tx1"/>
+            </a:solidFill>
+            <a:tailEnd type="arrow"/>
+          </a:ln>
+        </p:spPr>
+        <p:style>
+          <a:lnRef idx="1">
+            <a:schemeClr val="accent1"/>
+          </a:lnRef>
+          <a:fillRef idx="0">
+            <a:schemeClr val="accent1"/>
+          </a:fillRef>
+          <a:effectRef idx="0">
+            <a:schemeClr val="accent1"/>
+          </a:effectRef>
+          <a:fontRef idx="minor">
+            <a:schemeClr val="tx1"/>
+          </a:fontRef>
+        </p:style>
+      </p:cxnSp>
+      <p:cxnSp>
+        <p:nvCxnSpPr>
+          <p:cNvPr id="35" name="Straight Arrow Connector 27"/>
+          <p:cNvCxnSpPr>
+            <a:stCxn id="4" idx="1"/>
+            <a:endCxn id="15" idx="2"/>
+          </p:cNvCxnSpPr>
+          <p:nvPr/>
+        </p:nvCxnSpPr>
+        <p:spPr>
+          <a:xfrm rot="10800000">
+            <a:off x="891352" y="4572000"/>
+            <a:ext cx="1426987" cy="981020"/>
+          </a:xfrm>
+          <a:prstGeom prst="bentConnector2">
+            <a:avLst/>
+          </a:prstGeom>
+          <a:ln w="38100">
+            <a:solidFill>
+              <a:schemeClr val="tx1"/>
+            </a:solidFill>
+            <a:tailEnd type="arrow"/>
+          </a:ln>
+        </p:spPr>
+        <p:style>
+          <a:lnRef idx="1">
+            <a:schemeClr val="accent1"/>
+          </a:lnRef>
+          <a:fillRef idx="0">
+            <a:schemeClr val="accent1"/>
+          </a:fillRef>
+          <a:effectRef idx="0">
+            <a:schemeClr val="accent1"/>
+          </a:effectRef>
+          <a:fontRef idx="minor">
+            <a:schemeClr val="tx1"/>
+          </a:fontRef>
+        </p:style>
+      </p:cxnSp>
+      <p:cxnSp>
+        <p:nvCxnSpPr>
+          <p:cNvPr id="36" name="Straight Arrow Connector 27"/>
+          <p:cNvCxnSpPr>
+            <a:stCxn id="15" idx="0"/>
+            <a:endCxn id="9" idx="1"/>
+          </p:cNvCxnSpPr>
+          <p:nvPr/>
+        </p:nvCxnSpPr>
+        <p:spPr>
+          <a:xfrm rot="5400000" flipH="1" flipV="1">
+            <a:off x="560068" y="2998283"/>
+            <a:ext cx="1066800" cy="404235"/>
+          </a:xfrm>
+          <a:prstGeom prst="bentConnector2">
+            <a:avLst/>
+          </a:prstGeom>
+          <a:ln w="38100">
+            <a:solidFill>
+              <a:schemeClr val="tx1"/>
+            </a:solidFill>
+            <a:tailEnd type="arrow"/>
+          </a:ln>
+        </p:spPr>
+        <p:style>
+          <a:lnRef idx="1">
+            <a:schemeClr val="accent1"/>
+          </a:lnRef>
+          <a:fillRef idx="0">
+            <a:schemeClr val="accent1"/>
+          </a:fillRef>
+          <a:effectRef idx="0">
+            <a:schemeClr val="accent1"/>
+          </a:effectRef>
+          <a:fontRef idx="minor">
+            <a:schemeClr val="tx1"/>
+          </a:fontRef>
+        </p:style>
+      </p:cxnSp>
+      <p:cxnSp>
+        <p:nvCxnSpPr>
+          <p:cNvPr id="37" name="Straight Arrow Connector 27"/>
+          <p:cNvCxnSpPr>
+            <a:stCxn id="12" idx="3"/>
+            <a:endCxn id="16" idx="0"/>
+          </p:cNvCxnSpPr>
+          <p:nvPr/>
+        </p:nvCxnSpPr>
+        <p:spPr>
+          <a:xfrm>
+            <a:off x="7696385" y="2667000"/>
+            <a:ext cx="342715" cy="1066800"/>
+          </a:xfrm>
+          <a:prstGeom prst="bentConnector2">
+            <a:avLst/>
+          </a:prstGeom>
+          <a:ln w="38100">
+            <a:solidFill>
+              <a:schemeClr val="tx1"/>
+            </a:solidFill>
+            <a:tailEnd type="arrow"/>
+          </a:ln>
+        </p:spPr>
+        <p:style>
+          <a:lnRef idx="1">
+            <a:schemeClr val="accent1"/>
+          </a:lnRef>
+          <a:fillRef idx="0">
+            <a:schemeClr val="accent1"/>
+          </a:fillRef>
+          <a:effectRef idx="0">
+            <a:schemeClr val="accent1"/>
+          </a:effectRef>
+          <a:fontRef idx="minor">
+            <a:schemeClr val="tx1"/>
+          </a:fontRef>
+        </p:style>
+      </p:cxnSp>
+      <mc:AlternateContent xmlns:mc="http://schemas.openxmlformats.org/markup-compatibility/2006">
+        <mc:Choice xmlns:a14="http://schemas.microsoft.com/office/drawing/2010/main" Requires="a14">
+          <p:sp>
+            <p:nvSpPr>
+              <p:cNvPr id="50" name="TextBox 49"/>
+              <p:cNvSpPr txBox="1"/>
+              <p:nvPr/>
+            </p:nvSpPr>
+            <p:spPr>
+              <a:xfrm>
+                <a:off x="8039099" y="2939534"/>
+                <a:ext cx="481542" cy="369332"/>
+              </a:xfrm>
+              <a:prstGeom prst="rect">
+                <a:avLst/>
+              </a:prstGeom>
+              <a:noFill/>
+            </p:spPr>
+            <p:txBody>
+              <a:bodyPr wrap="none" rtlCol="0">
+                <a:spAutoFit/>
+              </a:bodyPr>
+              <a:lstStyle/>
+              <a:p>
+                <a14:m>
+                  <m:oMathPara xmlns:m="http://schemas.openxmlformats.org/officeDocument/2006/math">
+                    <m:oMathParaPr>
+                      <m:jc m:val="centerGroup"/>
+                    </m:oMathParaPr>
+                    <m:oMath xmlns:m="http://schemas.openxmlformats.org/officeDocument/2006/math">
+                      <m:sSub>
+                        <m:sSubPr>
+                          <m:ctrlPr>
+                            <a:rPr lang="en-US" b="0" i="1" dirty="0" smtClean="0">
+                              <a:latin typeface="Cambria Math"/>
+                              <a:ea typeface="Cambria Math"/>
+                            </a:rPr>
+                          </m:ctrlPr>
+                        </m:sSubPr>
+                        <m:e>
+                          <m:r>
+                            <a:rPr lang="en-US" b="0" i="1" dirty="0" smtClean="0">
+                              <a:latin typeface="Cambria Math"/>
+                              <a:ea typeface="Cambria Math"/>
+                            </a:rPr>
+                            <m:t>𝜃</m:t>
+                          </m:r>
+                        </m:e>
+                        <m:sub>
+                          <m:r>
+                            <a:rPr lang="en-US" b="0" i="1" dirty="0" smtClean="0">
+                              <a:latin typeface="Cambria Math"/>
+                              <a:ea typeface="Cambria Math"/>
+                            </a:rPr>
+                            <m:t>𝑑</m:t>
+                          </m:r>
+                        </m:sub>
+                      </m:sSub>
+                    </m:oMath>
+                  </m:oMathPara>
+                </a14:m>
+                <a:endParaRPr lang="en-US" dirty="0"/>
+              </a:p>
+            </p:txBody>
+          </p:sp>
+        </mc:Choice>
+        <mc:Fallback>
+          <p:sp>
+            <p:nvSpPr>
+              <p:cNvPr id="50" name="TextBox 49"/>
+              <p:cNvSpPr txBox="1">
+                <a:spLocks noRot="1" noChangeAspect="1" noMove="1" noResize="1" noEditPoints="1" noAdjustHandles="1" noChangeArrowheads="1" noChangeShapeType="1" noTextEdit="1"/>
+              </p:cNvSpPr>
+              <p:nvPr/>
+            </p:nvSpPr>
+            <p:spPr>
+              <a:xfrm>
+                <a:off x="8039099" y="2939534"/>
+                <a:ext cx="481542" cy="369332"/>
+              </a:xfrm>
+              <a:prstGeom prst="rect">
+                <a:avLst/>
+              </a:prstGeom>
+              <a:blipFill rotWithShape="1">
+                <a:blip r:embed="rId6"/>
+                <a:stretch>
+                  <a:fillRect/>
+                </a:stretch>
+              </a:blipFill>
+            </p:spPr>
+            <p:txBody>
+              <a:bodyPr/>
+              <a:lstStyle/>
+              <a:p>
+                <a:r>
+                  <a:rPr lang="en-US">
+                    <a:noFill/>
+                  </a:rPr>
+                  <a:t> </a:t>
+                </a:r>
+              </a:p>
+            </p:txBody>
+          </p:sp>
+        </mc:Fallback>
+      </mc:AlternateContent>
+      <mc:AlternateContent xmlns:mc="http://schemas.openxmlformats.org/markup-compatibility/2006">
+        <mc:Choice xmlns:a14="http://schemas.microsoft.com/office/drawing/2010/main" Requires="a14">
+          <p:sp>
+            <p:nvSpPr>
+              <p:cNvPr id="51" name="TextBox 50"/>
+              <p:cNvSpPr txBox="1"/>
+              <p:nvPr/>
+            </p:nvSpPr>
+            <p:spPr>
+              <a:xfrm>
+                <a:off x="3840492" y="5553020"/>
+                <a:ext cx="374140" cy="369332"/>
+              </a:xfrm>
+              <a:prstGeom prst="rect">
+                <a:avLst/>
+              </a:prstGeom>
+              <a:noFill/>
+            </p:spPr>
+            <p:txBody>
+              <a:bodyPr wrap="none" rtlCol="0">
+                <a:spAutoFit/>
+              </a:bodyPr>
+              <a:lstStyle/>
+              <a:p>
+                <a14:m>
+                  <m:oMathPara xmlns:m="http://schemas.openxmlformats.org/officeDocument/2006/math">
+                    <m:oMathParaPr>
+                      <m:jc m:val="centerGroup"/>
+                    </m:oMathParaPr>
+                    <m:oMath xmlns:m="http://schemas.openxmlformats.org/officeDocument/2006/math">
+                      <m:r>
+                        <a:rPr lang="en-US" i="1" smtClean="0">
+                          <a:latin typeface="Cambria Math"/>
+                          <a:ea typeface="Cambria Math"/>
+                        </a:rPr>
+                        <m:t>𝜃</m:t>
+                      </m:r>
+                    </m:oMath>
+                  </m:oMathPara>
+                </a14:m>
+                <a:endParaRPr lang="en-US" dirty="0"/>
+              </a:p>
+            </p:txBody>
+          </p:sp>
+        </mc:Choice>
+        <mc:Fallback>
+          <p:sp>
+            <p:nvSpPr>
+              <p:cNvPr id="51" name="TextBox 50"/>
+              <p:cNvSpPr txBox="1">
+                <a:spLocks noRot="1" noChangeAspect="1" noMove="1" noResize="1" noEditPoints="1" noAdjustHandles="1" noChangeArrowheads="1" noChangeShapeType="1" noTextEdit="1"/>
+              </p:cNvSpPr>
+              <p:nvPr/>
+            </p:nvSpPr>
+            <p:spPr>
+              <a:xfrm>
+                <a:off x="3840492" y="5553020"/>
+                <a:ext cx="374140" cy="369332"/>
+              </a:xfrm>
+              <a:prstGeom prst="rect">
+                <a:avLst/>
+              </a:prstGeom>
+              <a:blipFill rotWithShape="1">
+                <a:blip r:embed="rId7"/>
+                <a:stretch>
+                  <a:fillRect/>
+                </a:stretch>
+              </a:blipFill>
+            </p:spPr>
+            <p:txBody>
+              <a:bodyPr/>
+              <a:lstStyle/>
+              <a:p>
+                <a:r>
+                  <a:rPr lang="en-US">
+                    <a:noFill/>
+                  </a:rPr>
+                  <a:t> </a:t>
+                </a:r>
+              </a:p>
+            </p:txBody>
+          </p:sp>
+        </mc:Fallback>
+      </mc:AlternateContent>
+      <mc:AlternateContent xmlns:mc="http://schemas.openxmlformats.org/markup-compatibility/2006">
+        <mc:Choice xmlns:a14="http://schemas.microsoft.com/office/drawing/2010/main" Requires="a14">
+          <p:sp>
+            <p:nvSpPr>
+              <p:cNvPr id="52" name="TextBox 51"/>
+              <p:cNvSpPr txBox="1"/>
+              <p:nvPr/>
+            </p:nvSpPr>
+            <p:spPr>
+              <a:xfrm>
+                <a:off x="1417776" y="5581877"/>
+                <a:ext cx="588366" cy="369332"/>
+              </a:xfrm>
+              <a:prstGeom prst="rect">
+                <a:avLst/>
+              </a:prstGeom>
+              <a:noFill/>
+            </p:spPr>
+            <p:txBody>
+              <a:bodyPr wrap="none" rtlCol="0">
+                <a:spAutoFit/>
+              </a:bodyPr>
+              <a:lstStyle/>
+              <a:p>
+                <a14:m>
+                  <m:oMathPara xmlns:m="http://schemas.openxmlformats.org/officeDocument/2006/math">
+                    <m:oMathParaPr>
+                      <m:jc m:val="centerGroup"/>
+                    </m:oMathParaPr>
+                    <m:oMath xmlns:m="http://schemas.openxmlformats.org/officeDocument/2006/math">
+                      <m:r>
+                        <a:rPr lang="en-US" b="0" i="1" smtClean="0">
+                          <a:latin typeface="Cambria Math"/>
+                          <a:ea typeface="Cambria Math"/>
+                        </a:rPr>
+                        <m:t>𝑥</m:t>
+                      </m:r>
+                      <m:r>
+                        <a:rPr lang="en-US" b="0" i="1" smtClean="0">
+                          <a:latin typeface="Cambria Math"/>
+                          <a:ea typeface="Cambria Math"/>
+                        </a:rPr>
+                        <m:t>,</m:t>
+                      </m:r>
+                      <m:r>
+                        <a:rPr lang="en-US" b="0" i="1" smtClean="0">
+                          <a:latin typeface="Cambria Math"/>
+                          <a:ea typeface="Cambria Math"/>
+                        </a:rPr>
+                        <m:t>𝑦</m:t>
+                      </m:r>
+                    </m:oMath>
+                  </m:oMathPara>
+                </a14:m>
+                <a:endParaRPr lang="en-US" dirty="0"/>
+              </a:p>
+            </p:txBody>
+          </p:sp>
+        </mc:Choice>
+        <mc:Fallback>
+          <p:sp>
+            <p:nvSpPr>
+              <p:cNvPr id="52" name="TextBox 51"/>
+              <p:cNvSpPr txBox="1">
+                <a:spLocks noRot="1" noChangeAspect="1" noMove="1" noResize="1" noEditPoints="1" noAdjustHandles="1" noChangeArrowheads="1" noChangeShapeType="1" noTextEdit="1"/>
+              </p:cNvSpPr>
+              <p:nvPr/>
+            </p:nvSpPr>
+            <p:spPr>
+              <a:xfrm>
+                <a:off x="1417776" y="5581877"/>
+                <a:ext cx="588366" cy="369332"/>
+              </a:xfrm>
+              <a:prstGeom prst="rect">
+                <a:avLst/>
+              </a:prstGeom>
+              <a:blipFill rotWithShape="1">
+                <a:blip r:embed="rId8"/>
+                <a:stretch>
+                  <a:fillRect b="-6667"/>
+                </a:stretch>
+              </a:blipFill>
+            </p:spPr>
+            <p:txBody>
+              <a:bodyPr/>
+              <a:lstStyle/>
+              <a:p>
+                <a:r>
+                  <a:rPr lang="en-US">
+                    <a:noFill/>
+                  </a:rPr>
+                  <a:t> </a:t>
+                </a:r>
+              </a:p>
+            </p:txBody>
+          </p:sp>
+        </mc:Fallback>
+      </mc:AlternateContent>
+      <mc:AlternateContent xmlns:mc="http://schemas.openxmlformats.org/markup-compatibility/2006">
+        <mc:Choice xmlns:a14="http://schemas.microsoft.com/office/drawing/2010/main" Requires="a14">
+          <p:sp>
+            <p:nvSpPr>
+              <p:cNvPr id="54" name="TextBox 53"/>
+              <p:cNvSpPr txBox="1"/>
+              <p:nvPr/>
+            </p:nvSpPr>
+            <p:spPr>
+              <a:xfrm>
+                <a:off x="5645846" y="2293122"/>
+                <a:ext cx="374140" cy="369332"/>
+              </a:xfrm>
+              <a:prstGeom prst="rect">
+                <a:avLst/>
+              </a:prstGeom>
+              <a:noFill/>
+            </p:spPr>
+            <p:txBody>
+              <a:bodyPr wrap="none" rtlCol="0">
+                <a:spAutoFit/>
+              </a:bodyPr>
+              <a:lstStyle/>
+              <a:p>
+                <a14:m>
+                  <m:oMathPara xmlns:m="http://schemas.openxmlformats.org/officeDocument/2006/math">
+                    <m:oMathParaPr>
+                      <m:jc m:val="centerGroup"/>
+                    </m:oMathParaPr>
+                    <m:oMath xmlns:m="http://schemas.openxmlformats.org/officeDocument/2006/math">
+                      <m:r>
+                        <a:rPr lang="en-US" b="0" i="1" smtClean="0">
+                          <a:latin typeface="Cambria Math"/>
+                          <a:ea typeface="Cambria Math"/>
+                        </a:rPr>
+                        <m:t>𝑢</m:t>
+                      </m:r>
+                    </m:oMath>
+                  </m:oMathPara>
+                </a14:m>
+                <a:endParaRPr lang="en-US" dirty="0"/>
+              </a:p>
+            </p:txBody>
+          </p:sp>
+        </mc:Choice>
+        <mc:Fallback>
+          <p:sp>
+            <p:nvSpPr>
+              <p:cNvPr id="54" name="TextBox 53"/>
+              <p:cNvSpPr txBox="1">
+                <a:spLocks noRot="1" noChangeAspect="1" noMove="1" noResize="1" noEditPoints="1" noAdjustHandles="1" noChangeArrowheads="1" noChangeShapeType="1" noTextEdit="1"/>
+              </p:cNvSpPr>
+              <p:nvPr/>
+            </p:nvSpPr>
+            <p:spPr>
+              <a:xfrm>
+                <a:off x="5645846" y="2293122"/>
+                <a:ext cx="374140" cy="369332"/>
+              </a:xfrm>
+              <a:prstGeom prst="rect">
+                <a:avLst/>
+              </a:prstGeom>
+              <a:blipFill rotWithShape="1">
+                <a:blip r:embed="rId9"/>
+                <a:stretch>
+                  <a:fillRect/>
+                </a:stretch>
+              </a:blipFill>
+            </p:spPr>
+            <p:txBody>
+              <a:bodyPr/>
+              <a:lstStyle/>
+              <a:p>
+                <a:r>
+                  <a:rPr lang="en-US">
+                    <a:noFill/>
+                  </a:rPr>
+                  <a:t> </a:t>
+                </a:r>
+              </a:p>
+            </p:txBody>
+          </p:sp>
+        </mc:Fallback>
+      </mc:AlternateContent>
+      <mc:AlternateContent xmlns:mc="http://schemas.openxmlformats.org/markup-compatibility/2006">
+        <mc:Choice xmlns:a14="http://schemas.microsoft.com/office/drawing/2010/main" Requires="a14">
+          <p:sp>
+            <p:nvSpPr>
+              <p:cNvPr id="57" name="TextBox 56"/>
+              <p:cNvSpPr txBox="1"/>
+              <p:nvPr/>
+            </p:nvSpPr>
+            <p:spPr>
+              <a:xfrm>
+                <a:off x="8054569" y="4911154"/>
+                <a:ext cx="481542" cy="369332"/>
+              </a:xfrm>
+              <a:prstGeom prst="rect">
+                <a:avLst/>
+              </a:prstGeom>
+              <a:noFill/>
+            </p:spPr>
+            <p:txBody>
+              <a:bodyPr wrap="none" rtlCol="0">
+                <a:spAutoFit/>
+              </a:bodyPr>
+              <a:lstStyle/>
+              <a:p>
+                <a14:m>
+                  <m:oMathPara xmlns:m="http://schemas.openxmlformats.org/officeDocument/2006/math">
+                    <m:oMathParaPr>
+                      <m:jc m:val="centerGroup"/>
+                    </m:oMathParaPr>
+                    <m:oMath xmlns:m="http://schemas.openxmlformats.org/officeDocument/2006/math">
+                      <m:sSub>
+                        <m:sSubPr>
+                          <m:ctrlPr>
+                            <a:rPr lang="en-US" b="0" i="1" dirty="0" smtClean="0">
+                              <a:latin typeface="Cambria Math"/>
+                              <a:ea typeface="Cambria Math"/>
+                            </a:rPr>
+                          </m:ctrlPr>
+                        </m:sSubPr>
+                        <m:e>
+                          <m:r>
+                            <a:rPr lang="en-US" b="0" i="1" dirty="0" smtClean="0">
+                              <a:latin typeface="Cambria Math"/>
+                              <a:ea typeface="Cambria Math"/>
+                            </a:rPr>
+                            <m:t>𝜃</m:t>
+                          </m:r>
+                        </m:e>
+                        <m:sub>
+                          <m:r>
+                            <a:rPr lang="en-US" b="0" i="1" dirty="0" smtClean="0">
+                              <a:latin typeface="Cambria Math"/>
+                              <a:ea typeface="Cambria Math"/>
+                            </a:rPr>
+                            <m:t>𝑑</m:t>
+                          </m:r>
+                        </m:sub>
+                      </m:sSub>
+                    </m:oMath>
+                  </m:oMathPara>
+                </a14:m>
+                <a:endParaRPr lang="en-US" dirty="0"/>
+              </a:p>
+            </p:txBody>
+          </p:sp>
+        </mc:Choice>
+        <mc:Fallback>
+          <p:sp>
+            <p:nvSpPr>
+              <p:cNvPr id="57" name="TextBox 56"/>
+              <p:cNvSpPr txBox="1">
+                <a:spLocks noRot="1" noChangeAspect="1" noMove="1" noResize="1" noEditPoints="1" noAdjustHandles="1" noChangeArrowheads="1" noChangeShapeType="1" noTextEdit="1"/>
+              </p:cNvSpPr>
+              <p:nvPr/>
+            </p:nvSpPr>
+            <p:spPr>
+              <a:xfrm>
+                <a:off x="8054569" y="4911154"/>
+                <a:ext cx="481542" cy="369332"/>
+              </a:xfrm>
+              <a:prstGeom prst="rect">
+                <a:avLst/>
+              </a:prstGeom>
+              <a:blipFill rotWithShape="1">
+                <a:blip r:embed="rId10"/>
+                <a:stretch>
+                  <a:fillRect/>
+                </a:stretch>
+              </a:blipFill>
+            </p:spPr>
+            <p:txBody>
+              <a:bodyPr/>
+              <a:lstStyle/>
+              <a:p>
+                <a:r>
+                  <a:rPr lang="en-US">
+                    <a:noFill/>
+                  </a:rPr>
+                  <a:t> </a:t>
+                </a:r>
+              </a:p>
+            </p:txBody>
+          </p:sp>
+        </mc:Fallback>
+      </mc:AlternateContent>
+      <p:sp>
+        <p:nvSpPr>
+          <p:cNvPr id="58" name="Slide Number Placeholder 57"/>
+          <p:cNvSpPr>
+            <a:spLocks noGrp="1"/>
+          </p:cNvSpPr>
+          <p:nvPr>
+            <p:ph type="sldNum" sz="quarter" idx="12"/>
+          </p:nvPr>
+        </p:nvSpPr>
+        <p:spPr/>
+        <p:txBody>
+          <a:bodyPr/>
+          <a:lstStyle/>
+          <a:p>
+            <a:fld id="{B6F15528-21DE-4FAA-801E-634DDDAF4B2B}" type="slidenum">
+              <a:rPr lang="en-US" smtClean="0"/>
+              <a:pPr/>
+              <a:t>15</a:t>
+            </a:fld>
             <a:endParaRPr lang="en-US"/>
           </a:p>
         </p:txBody>
@@ -3758,7 +6340,7 @@
   <p:timing>
     <p:tnLst>
       <p:par>
-        <p:cTn xmlns:p14="http://schemas.microsoft.com/office/powerpoint/2010/main" id="1" dur="indefinite" restart="never" nodeType="tmRoot"/>
+        <p:cTn id="1" dur="indefinite" restart="never" nodeType="tmRoot"/>
       </p:par>
     </p:tnLst>
   </p:timing>
@@ -3898,7 +6480,7 @@
                   </a:schemeClr>
                 </a:solidFill>
               </a:rPr>
-              <a:t>Future Applications</a:t>
+              <a:t>Conclusions</a:t>
             </a:r>
           </a:p>
           <a:p>
@@ -3907,6 +6489,30 @@
           </a:p>
           <a:p>
             <a:endParaRPr lang="en-US" dirty="0"/>
+          </a:p>
+        </p:txBody>
+      </p:sp>
+      <p:sp>
+        <p:nvSpPr>
+          <p:cNvPr id="4" name="Slide Number Placeholder 3"/>
+          <p:cNvSpPr>
+            <a:spLocks noGrp="1"/>
+          </p:cNvSpPr>
+          <p:nvPr>
+            <p:ph type="sldNum" sz="quarter" idx="12"/>
+          </p:nvPr>
+        </p:nvSpPr>
+        <p:spPr/>
+        <p:txBody>
+          <a:bodyPr/>
+          <a:lstStyle/>
+          <a:p>
+            <a:fld id="{B6F15528-21DE-4FAA-801E-634DDDAF4B2B}" type="slidenum">
+              <a:rPr lang="en-US" smtClean="0"/>
+              <a:pPr/>
+              <a:t>16</a:t>
+            </a:fld>
+            <a:endParaRPr lang="en-US"/>
           </a:p>
         </p:txBody>
       </p:sp>
@@ -3923,7 +6529,7 @@
   <p:timing>
     <p:tnLst>
       <p:par>
-        <p:cTn xmlns:p14="http://schemas.microsoft.com/office/powerpoint/2010/main" id="1" dur="indefinite" restart="never" nodeType="tmRoot"/>
+        <p:cTn id="1" dur="indefinite" restart="never" nodeType="tmRoot"/>
       </p:par>
     </p:tnLst>
   </p:timing>
@@ -4029,6 +6635,30 @@
           </a:prstGeom>
         </p:spPr>
       </p:pic>
+      <p:sp>
+        <p:nvSpPr>
+          <p:cNvPr id="5" name="Slide Number Placeholder 4"/>
+          <p:cNvSpPr>
+            <a:spLocks noGrp="1"/>
+          </p:cNvSpPr>
+          <p:nvPr>
+            <p:ph type="sldNum" sz="quarter" idx="12"/>
+          </p:nvPr>
+        </p:nvSpPr>
+        <p:spPr/>
+        <p:txBody>
+          <a:bodyPr/>
+          <a:lstStyle/>
+          <a:p>
+            <a:fld id="{B6F15528-21DE-4FAA-801E-634DDDAF4B2B}" type="slidenum">
+              <a:rPr lang="en-US" smtClean="0"/>
+              <a:pPr/>
+              <a:t>17</a:t>
+            </a:fld>
+            <a:endParaRPr lang="en-US"/>
+          </a:p>
+        </p:txBody>
+      </p:sp>
     </p:spTree>
     <p:extLst>
       <p:ext uri="{BB962C8B-B14F-4D97-AF65-F5344CB8AC3E}">
@@ -4042,7 +6672,7 @@
   <p:timing>
     <p:tnLst>
       <p:par>
-        <p:cTn xmlns:p14="http://schemas.microsoft.com/office/powerpoint/2010/main" id="1" dur="indefinite" restart="never" nodeType="tmRoot"/>
+        <p:cTn id="1" dur="indefinite" restart="never" nodeType="tmRoot"/>
       </p:par>
     </p:tnLst>
   </p:timing>
@@ -4148,6 +6778,30 @@
           </a:prstGeom>
         </p:spPr>
       </p:pic>
+      <p:sp>
+        <p:nvSpPr>
+          <p:cNvPr id="3" name="Slide Number Placeholder 2"/>
+          <p:cNvSpPr>
+            <a:spLocks noGrp="1"/>
+          </p:cNvSpPr>
+          <p:nvPr>
+            <p:ph type="sldNum" sz="quarter" idx="12"/>
+          </p:nvPr>
+        </p:nvSpPr>
+        <p:spPr/>
+        <p:txBody>
+          <a:bodyPr/>
+          <a:lstStyle/>
+          <a:p>
+            <a:fld id="{B6F15528-21DE-4FAA-801E-634DDDAF4B2B}" type="slidenum">
+              <a:rPr lang="en-US" smtClean="0"/>
+              <a:pPr/>
+              <a:t>18</a:t>
+            </a:fld>
+            <a:endParaRPr lang="en-US"/>
+          </a:p>
+        </p:txBody>
+      </p:sp>
     </p:spTree>
     <p:extLst>
       <p:ext uri="{BB962C8B-B14F-4D97-AF65-F5344CB8AC3E}">
@@ -4161,7 +6815,7 @@
   <p:timing>
     <p:tnLst>
       <p:par>
-        <p:cTn xmlns:p14="http://schemas.microsoft.com/office/powerpoint/2010/main" id="1" dur="indefinite" restart="never" nodeType="tmRoot"/>
+        <p:cTn id="1" dur="indefinite" restart="never" nodeType="tmRoot"/>
       </p:par>
     </p:tnLst>
   </p:timing>
@@ -4201,28 +6855,151 @@
           <a:lstStyle/>
           <a:p>
             <a:r>
-              <a:rPr lang="en-US" smtClean="0"/>
+              <a:rPr lang="en-US" dirty="0" smtClean="0"/>
+              <a:t>Outline</a:t>
+            </a:r>
+            <a:endParaRPr lang="en-US" dirty="0"/>
+          </a:p>
+        </p:txBody>
+      </p:sp>
+      <p:sp>
+        <p:nvSpPr>
+          <p:cNvPr id="3" name="Content Placeholder 2"/>
+          <p:cNvSpPr>
+            <a:spLocks noGrp="1"/>
+          </p:cNvSpPr>
+          <p:nvPr>
+            <p:ph idx="1"/>
+          </p:nvPr>
+        </p:nvSpPr>
+        <p:spPr/>
+        <p:txBody>
+          <a:bodyPr>
+            <a:normAutofit lnSpcReduction="10000"/>
+          </a:bodyPr>
+          <a:lstStyle/>
+          <a:p>
+            <a:r>
+              <a:rPr lang="en-US" dirty="0" smtClean="0">
+                <a:solidFill>
+                  <a:schemeClr val="bg1">
+                    <a:lumMod val="75000"/>
+                  </a:schemeClr>
+                </a:solidFill>
+              </a:rPr>
+              <a:t>Motivation</a:t>
+            </a:r>
+          </a:p>
+          <a:p>
+            <a:r>
+              <a:rPr lang="en-US" dirty="0" smtClean="0">
+                <a:solidFill>
+                  <a:schemeClr val="bg1">
+                    <a:lumMod val="75000"/>
+                  </a:schemeClr>
+                </a:solidFill>
+              </a:rPr>
+              <a:t>Hardware</a:t>
+            </a:r>
+          </a:p>
+          <a:p>
+            <a:r>
+              <a:rPr lang="en-US" dirty="0" smtClean="0">
+                <a:solidFill>
+                  <a:schemeClr val="bg1">
+                    <a:lumMod val="75000"/>
+                  </a:schemeClr>
+                </a:solidFill>
+              </a:rPr>
+              <a:t>Cooperative System</a:t>
+            </a:r>
+          </a:p>
+          <a:p>
+            <a:r>
+              <a:rPr lang="en-US" dirty="0" smtClean="0">
+                <a:solidFill>
+                  <a:schemeClr val="bg1">
+                    <a:lumMod val="75000"/>
+                  </a:schemeClr>
+                </a:solidFill>
+              </a:rPr>
+              <a:t>System Identification</a:t>
+            </a:r>
+          </a:p>
+          <a:p>
+            <a:r>
+              <a:rPr lang="en-US" dirty="0" smtClean="0">
+                <a:solidFill>
+                  <a:schemeClr val="bg1">
+                    <a:lumMod val="75000"/>
+                  </a:schemeClr>
+                </a:solidFill>
+              </a:rPr>
+              <a:t>Model Verification</a:t>
+            </a:r>
+          </a:p>
+          <a:p>
+            <a:pPr lvl="1"/>
+            <a:r>
+              <a:rPr lang="en-US" dirty="0" smtClean="0">
+                <a:solidFill>
+                  <a:schemeClr val="bg1">
+                    <a:lumMod val="75000"/>
+                  </a:schemeClr>
+                </a:solidFill>
+              </a:rPr>
+              <a:t>Simulation result</a:t>
+            </a:r>
+          </a:p>
+          <a:p>
+            <a:pPr lvl="1"/>
+            <a:r>
+              <a:rPr lang="en-US" dirty="0" smtClean="0">
+                <a:solidFill>
+                  <a:schemeClr val="bg1">
+                    <a:lumMod val="75000"/>
+                  </a:schemeClr>
+                </a:solidFill>
+              </a:rPr>
+              <a:t>Experimental verification</a:t>
+            </a:r>
+          </a:p>
+          <a:p>
+            <a:r>
+              <a:rPr lang="en-US" dirty="0" smtClean="0"/>
               <a:t>Conclusions</a:t>
             </a:r>
+            <a:endParaRPr lang="en-US" dirty="0" smtClean="0"/>
+          </a:p>
+          <a:p>
+            <a:pPr lvl="1"/>
+            <a:endParaRPr lang="en-US" dirty="0" smtClean="0"/>
+          </a:p>
+          <a:p>
             <a:endParaRPr lang="en-US" dirty="0"/>
           </a:p>
         </p:txBody>
       </p:sp>
       <p:sp>
         <p:nvSpPr>
-          <p:cNvPr id="3" name="Content Placeholder 2"/>
-          <p:cNvSpPr>
-            <a:spLocks noGrp="1"/>
-          </p:cNvSpPr>
-          <p:nvPr>
-            <p:ph idx="1"/>
-          </p:nvPr>
-        </p:nvSpPr>
-        <p:spPr/>
-        <p:txBody>
-          <a:bodyPr/>
-          <a:lstStyle/>
-          <a:p>
+          <p:cNvPr id="4" name="Slide Number Placeholder 3"/>
+          <p:cNvSpPr>
+            <a:spLocks noGrp="1"/>
+          </p:cNvSpPr>
+          <p:nvPr>
+            <p:ph type="sldNum" sz="quarter" idx="12"/>
+          </p:nvPr>
+        </p:nvSpPr>
+        <p:spPr/>
+        <p:txBody>
+          <a:bodyPr/>
+          <a:lstStyle/>
+          <a:p>
+            <a:fld id="{B6F15528-21DE-4FAA-801E-634DDDAF4B2B}" type="slidenum">
+              <a:rPr lang="en-US" smtClean="0"/>
+              <a:pPr/>
+              <a:t>19</a:t>
+            </a:fld>
             <a:endParaRPr lang="en-US"/>
           </a:p>
         </p:txBody>
@@ -4230,7 +7007,7 @@
     </p:spTree>
     <p:extLst>
       <p:ext uri="{BB962C8B-B14F-4D97-AF65-F5344CB8AC3E}">
-        <p14:creationId xmlns:p14="http://schemas.microsoft.com/office/powerpoint/2010/main" val="4002247918"/>
+        <p14:creationId xmlns:p14="http://schemas.microsoft.com/office/powerpoint/2010/main" val="168875040"/>
       </p:ext>
     </p:extLst>
   </p:cSld>
@@ -4240,7 +7017,7 @@
   <p:timing>
     <p:tnLst>
       <p:par>
-        <p:cTn xmlns:p14="http://schemas.microsoft.com/office/powerpoint/2010/main" id="1" dur="indefinite" restart="never" nodeType="tmRoot"/>
+        <p:cTn id="1" dur="indefinite" restart="never" nodeType="tmRoot"/>
       </p:par>
     </p:tnLst>
   </p:timing>
@@ -4349,9 +7126,10 @@
           </a:p>
           <a:p>
             <a:r>
-              <a:rPr lang="en-US" smtClean="0"/>
-              <a:t>Future Applications</a:t>
-            </a:r>
+              <a:rPr lang="en-US" dirty="0" smtClean="0"/>
+              <a:t>Conclusions</a:t>
+            </a:r>
+            <a:endParaRPr lang="en-US" dirty="0" smtClean="0"/>
           </a:p>
           <a:p>
             <a:pPr lvl="1"/>
@@ -4359,6 +7137,30 @@
           </a:p>
           <a:p>
             <a:endParaRPr lang="en-US" dirty="0"/>
+          </a:p>
+        </p:txBody>
+      </p:sp>
+      <p:sp>
+        <p:nvSpPr>
+          <p:cNvPr id="4" name="Slide Number Placeholder 3"/>
+          <p:cNvSpPr>
+            <a:spLocks noGrp="1"/>
+          </p:cNvSpPr>
+          <p:nvPr>
+            <p:ph type="sldNum" sz="quarter" idx="12"/>
+          </p:nvPr>
+        </p:nvSpPr>
+        <p:spPr/>
+        <p:txBody>
+          <a:bodyPr/>
+          <a:lstStyle/>
+          <a:p>
+            <a:fld id="{B6F15528-21DE-4FAA-801E-634DDDAF4B2B}" type="slidenum">
+              <a:rPr lang="en-US" smtClean="0"/>
+              <a:pPr/>
+              <a:t>2</a:t>
+            </a:fld>
+            <a:endParaRPr lang="en-US"/>
           </a:p>
         </p:txBody>
       </p:sp>
@@ -4375,7 +7177,7 @@
   <p:timing>
     <p:tnLst>
       <p:par>
-        <p:cTn xmlns:p14="http://schemas.microsoft.com/office/powerpoint/2010/main" id="1" dur="indefinite" restart="never" nodeType="tmRoot"/>
+        <p:cTn id="1" dur="indefinite" restart="never" nodeType="tmRoot"/>
       </p:par>
     </p:tnLst>
   </p:timing>
@@ -4415,8 +7217,8 @@
           <a:lstStyle/>
           <a:p>
             <a:r>
-              <a:rPr lang="en-US" dirty="0" smtClean="0"/>
-              <a:t>Outline</a:t>
+              <a:rPr lang="en-US" smtClean="0"/>
+              <a:t>Conclusions</a:t>
             </a:r>
             <a:endParaRPr lang="en-US" dirty="0"/>
           </a:p>
@@ -4440,109 +7242,73 @@
           <a:lstStyle/>
           <a:p>
             <a:r>
-              <a:rPr lang="en-US" dirty="0" smtClean="0">
-                <a:solidFill>
-                  <a:schemeClr val="bg1">
-                    <a:lumMod val="75000"/>
-                  </a:schemeClr>
-                </a:solidFill>
-              </a:rPr>
-              <a:t>Motivation</a:t>
-            </a:r>
-          </a:p>
-          <a:p>
-            <a:r>
-              <a:rPr lang="en-US" dirty="0" smtClean="0">
-                <a:solidFill>
-                  <a:schemeClr val="bg1">
-                    <a:lumMod val="75000"/>
-                  </a:schemeClr>
-                </a:solidFill>
-              </a:rPr>
-              <a:t>Hardware</a:t>
-            </a:r>
-          </a:p>
-          <a:p>
-            <a:r>
-              <a:rPr lang="en-US" dirty="0" smtClean="0">
-                <a:solidFill>
-                  <a:schemeClr val="bg1">
-                    <a:lumMod val="75000"/>
-                  </a:schemeClr>
-                </a:solidFill>
-              </a:rPr>
-              <a:t>Cooperative System</a:t>
-            </a:r>
-          </a:p>
-          <a:p>
-            <a:r>
-              <a:rPr lang="en-US" dirty="0" smtClean="0">
-                <a:solidFill>
-                  <a:schemeClr val="bg1">
-                    <a:lumMod val="75000"/>
-                  </a:schemeClr>
-                </a:solidFill>
-              </a:rPr>
-              <a:t>System Identification</a:t>
-            </a:r>
-          </a:p>
-          <a:p>
-            <a:r>
-              <a:rPr lang="en-US" dirty="0" smtClean="0">
-                <a:solidFill>
-                  <a:schemeClr val="bg1">
-                    <a:lumMod val="75000"/>
-                  </a:schemeClr>
-                </a:solidFill>
-              </a:rPr>
-              <a:t>Model Verification</a:t>
+              <a:rPr lang="en-US" dirty="0" smtClean="0"/>
+              <a:t>Model accurate predictor of chance of success at a given start point</a:t>
             </a:r>
           </a:p>
           <a:p>
             <a:pPr lvl="1"/>
             <a:r>
-              <a:rPr lang="en-US" dirty="0" smtClean="0">
-                <a:solidFill>
-                  <a:schemeClr val="bg1">
-                    <a:lumMod val="75000"/>
-                  </a:schemeClr>
-                </a:solidFill>
-              </a:rPr>
-              <a:t>Simulation result</a:t>
+              <a:rPr lang="en-US" dirty="0" smtClean="0"/>
+              <a:t>Low computational cost</a:t>
             </a:r>
           </a:p>
           <a:p>
             <a:pPr lvl="1"/>
             <a:r>
-              <a:rPr lang="en-US" dirty="0" smtClean="0">
-                <a:solidFill>
-                  <a:schemeClr val="bg1">
-                    <a:lumMod val="75000"/>
-                  </a:schemeClr>
-                </a:solidFill>
-              </a:rPr>
-              <a:t>Experimental verification</a:t>
-            </a:r>
-          </a:p>
-          <a:p>
-            <a:r>
               <a:rPr lang="en-US" dirty="0" smtClean="0"/>
-              <a:t>Future Applications</a:t>
+              <a:t>Could be used to determine point to begin control to ensure success</a:t>
+            </a:r>
+            <a:endParaRPr lang="en-US" dirty="0" smtClean="0"/>
+          </a:p>
+          <a:p>
+            <a:r>
+              <a:rPr lang="en-US" dirty="0" smtClean="0"/>
+              <a:t>A single camera is not sufficient to reliably guide the robot to the goal</a:t>
             </a:r>
           </a:p>
           <a:p>
             <a:pPr lvl="1"/>
-            <a:endParaRPr lang="en-US" dirty="0" smtClean="0"/>
-          </a:p>
-          <a:p>
+            <a:r>
+              <a:rPr lang="en-US" dirty="0" smtClean="0"/>
+              <a:t>Lack information abou</a:t>
+            </a:r>
+            <a:r>
+              <a:rPr lang="en-US" dirty="0" smtClean="0"/>
+              <a:t>t the complete pose of the robot</a:t>
+            </a:r>
             <a:endParaRPr lang="en-US" dirty="0"/>
+          </a:p>
+        </p:txBody>
+      </p:sp>
+      <p:sp>
+        <p:nvSpPr>
+          <p:cNvPr id="4" name="Slide Number Placeholder 3"/>
+          <p:cNvSpPr>
+            <a:spLocks noGrp="1"/>
+          </p:cNvSpPr>
+          <p:nvPr>
+            <p:ph type="sldNum" sz="quarter" idx="12"/>
+          </p:nvPr>
+        </p:nvSpPr>
+        <p:spPr/>
+        <p:txBody>
+          <a:bodyPr/>
+          <a:lstStyle/>
+          <a:p>
+            <a:fld id="{B6F15528-21DE-4FAA-801E-634DDDAF4B2B}" type="slidenum">
+              <a:rPr lang="en-US" smtClean="0"/>
+              <a:pPr/>
+              <a:t>20</a:t>
+            </a:fld>
+            <a:endParaRPr lang="en-US"/>
           </a:p>
         </p:txBody>
       </p:sp>
     </p:spTree>
     <p:extLst>
       <p:ext uri="{BB962C8B-B14F-4D97-AF65-F5344CB8AC3E}">
-        <p14:creationId xmlns:p14="http://schemas.microsoft.com/office/powerpoint/2010/main" val="168875040"/>
+        <p14:creationId xmlns:p14="http://schemas.microsoft.com/office/powerpoint/2010/main" val="4002247918"/>
       </p:ext>
     </p:extLst>
   </p:cSld>
@@ -4552,7 +7318,7 @@
   <p:timing>
     <p:tnLst>
       <p:par>
-        <p:cTn xmlns:p14="http://schemas.microsoft.com/office/powerpoint/2010/main" id="1" dur="indefinite" restart="never" nodeType="tmRoot"/>
+        <p:cTn id="1" dur="indefinite" restart="never" nodeType="tmRoot"/>
       </p:par>
     </p:tnLst>
   </p:timing>
@@ -4591,36 +7357,62 @@
           <a:bodyPr/>
           <a:lstStyle/>
           <a:p>
+            <a:r>
+              <a:rPr lang="en-US" dirty="0" smtClean="0"/>
+              <a:t>Future Work</a:t>
+            </a:r>
+            <a:endParaRPr lang="en-US" dirty="0"/>
+          </a:p>
+        </p:txBody>
+      </p:sp>
+      <p:sp>
+        <p:nvSpPr>
+          <p:cNvPr id="3" name="Content Placeholder 2"/>
+          <p:cNvSpPr>
+            <a:spLocks noGrp="1"/>
+          </p:cNvSpPr>
+          <p:nvPr>
+            <p:ph idx="1"/>
+          </p:nvPr>
+        </p:nvSpPr>
+        <p:spPr/>
+        <p:txBody>
+          <a:bodyPr/>
+          <a:lstStyle/>
+          <a:p>
+            <a:r>
+              <a:rPr lang="en-US" dirty="0" smtClean="0"/>
+              <a:t>Talk </a:t>
+            </a:r>
+            <a:r>
+              <a:rPr lang="en-US" dirty="0" smtClean="0"/>
+              <a:t>about VLR and multi-view localization method</a:t>
+            </a:r>
+            <a:endParaRPr lang="en-US" dirty="0"/>
+          </a:p>
+        </p:txBody>
+      </p:sp>
+      <p:sp>
+        <p:nvSpPr>
+          <p:cNvPr id="4" name="Slide Number Placeholder 3"/>
+          <p:cNvSpPr>
+            <a:spLocks noGrp="1"/>
+          </p:cNvSpPr>
+          <p:nvPr>
+            <p:ph type="sldNum" sz="quarter" idx="12"/>
+          </p:nvPr>
+        </p:nvSpPr>
+        <p:spPr/>
+        <p:txBody>
+          <a:bodyPr/>
+          <a:lstStyle/>
+          <a:p>
+            <a:fld id="{B6F15528-21DE-4FAA-801E-634DDDAF4B2B}" type="slidenum">
+              <a:rPr lang="en-US" smtClean="0"/>
+              <a:pPr/>
+              <a:t>21</a:t>
+            </a:fld>
             <a:endParaRPr lang="en-US"/>
-          </a:p>
-        </p:txBody>
-      </p:sp>
-      <p:sp>
-        <p:nvSpPr>
-          <p:cNvPr id="3" name="Content Placeholder 2"/>
-          <p:cNvSpPr>
-            <a:spLocks noGrp="1"/>
-          </p:cNvSpPr>
-          <p:nvPr>
-            <p:ph idx="1"/>
-          </p:nvPr>
-        </p:nvSpPr>
-        <p:spPr/>
-        <p:txBody>
-          <a:bodyPr/>
-          <a:lstStyle/>
-          <a:p>
-            <a:r>
-              <a:rPr lang="en-US" dirty="0" smtClean="0"/>
-              <a:t>Discussion of limitations of current implementation</a:t>
-            </a:r>
-          </a:p>
-          <a:p>
-            <a:r>
-              <a:rPr lang="en-US" dirty="0" smtClean="0"/>
-              <a:t>Talk about VLR and multi-view localization method</a:t>
-            </a:r>
-            <a:endParaRPr lang="en-US" dirty="0"/>
           </a:p>
         </p:txBody>
       </p:sp>
@@ -4637,7 +7429,7 @@
   <p:timing>
     <p:tnLst>
       <p:par>
-        <p:cTn xmlns:p14="http://schemas.microsoft.com/office/powerpoint/2010/main" id="1" dur="indefinite" restart="never" nodeType="tmRoot"/>
+        <p:cTn id="1" dur="indefinite" restart="never" nodeType="tmRoot"/>
       </p:par>
     </p:tnLst>
   </p:timing>
@@ -4703,6 +7495,30 @@
           </a:p>
         </p:txBody>
       </p:sp>
+      <p:sp>
+        <p:nvSpPr>
+          <p:cNvPr id="4" name="Slide Number Placeholder 3"/>
+          <p:cNvSpPr>
+            <a:spLocks noGrp="1"/>
+          </p:cNvSpPr>
+          <p:nvPr>
+            <p:ph type="sldNum" sz="quarter" idx="12"/>
+          </p:nvPr>
+        </p:nvSpPr>
+        <p:spPr/>
+        <p:txBody>
+          <a:bodyPr/>
+          <a:lstStyle/>
+          <a:p>
+            <a:fld id="{B6F15528-21DE-4FAA-801E-634DDDAF4B2B}" type="slidenum">
+              <a:rPr lang="en-US" smtClean="0"/>
+              <a:pPr/>
+              <a:t>22</a:t>
+            </a:fld>
+            <a:endParaRPr lang="en-US"/>
+          </a:p>
+        </p:txBody>
+      </p:sp>
     </p:spTree>
     <p:extLst>
       <p:ext uri="{BB962C8B-B14F-4D97-AF65-F5344CB8AC3E}">
@@ -4716,7 +7532,7 @@
   <p:timing>
     <p:tnLst>
       <p:par>
-        <p:cTn xmlns:p14="http://schemas.microsoft.com/office/powerpoint/2010/main" id="1" dur="indefinite" restart="never" nodeType="tmRoot"/>
+        <p:cTn id="1" dur="indefinite" restart="never" nodeType="tmRoot"/>
       </p:par>
     </p:tnLst>
   </p:timing>
@@ -4782,6 +7598,30 @@
           </a:p>
         </p:txBody>
       </p:sp>
+      <p:sp>
+        <p:nvSpPr>
+          <p:cNvPr id="4" name="Slide Number Placeholder 3"/>
+          <p:cNvSpPr>
+            <a:spLocks noGrp="1"/>
+          </p:cNvSpPr>
+          <p:nvPr>
+            <p:ph type="sldNum" sz="quarter" idx="12"/>
+          </p:nvPr>
+        </p:nvSpPr>
+        <p:spPr/>
+        <p:txBody>
+          <a:bodyPr/>
+          <a:lstStyle/>
+          <a:p>
+            <a:fld id="{B6F15528-21DE-4FAA-801E-634DDDAF4B2B}" type="slidenum">
+              <a:rPr lang="en-US" smtClean="0"/>
+              <a:pPr/>
+              <a:t>23</a:t>
+            </a:fld>
+            <a:endParaRPr lang="en-US"/>
+          </a:p>
+        </p:txBody>
+      </p:sp>
     </p:spTree>
     <p:extLst>
       <p:ext uri="{BB962C8B-B14F-4D97-AF65-F5344CB8AC3E}">
@@ -4795,7 +7635,7 @@
   <p:timing>
     <p:tnLst>
       <p:par>
-        <p:cTn xmlns:p14="http://schemas.microsoft.com/office/powerpoint/2010/main" id="1" dur="indefinite" restart="never" nodeType="tmRoot"/>
+        <p:cTn id="1" dur="indefinite" restart="never" nodeType="tmRoot"/>
       </p:par>
     </p:tnLst>
   </p:timing>
@@ -4947,8 +7787,15 @@
                   </a:schemeClr>
                 </a:solidFill>
               </a:rPr>
-              <a:t>Future Applications</a:t>
-            </a:r>
+              <a:t>Conclusions</a:t>
+            </a:r>
+            <a:endParaRPr lang="en-US" dirty="0" smtClean="0">
+              <a:solidFill>
+                <a:schemeClr val="bg1">
+                  <a:lumMod val="75000"/>
+                </a:schemeClr>
+              </a:solidFill>
+            </a:endParaRPr>
           </a:p>
           <a:p>
             <a:pPr lvl="1"/>
@@ -4956,6 +7803,30 @@
           </a:p>
           <a:p>
             <a:endParaRPr lang="en-US" dirty="0"/>
+          </a:p>
+        </p:txBody>
+      </p:sp>
+      <p:sp>
+        <p:nvSpPr>
+          <p:cNvPr id="4" name="Slide Number Placeholder 3"/>
+          <p:cNvSpPr>
+            <a:spLocks noGrp="1"/>
+          </p:cNvSpPr>
+          <p:nvPr>
+            <p:ph type="sldNum" sz="quarter" idx="12"/>
+          </p:nvPr>
+        </p:nvSpPr>
+        <p:spPr/>
+        <p:txBody>
+          <a:bodyPr/>
+          <a:lstStyle/>
+          <a:p>
+            <a:fld id="{B6F15528-21DE-4FAA-801E-634DDDAF4B2B}" type="slidenum">
+              <a:rPr lang="en-US" smtClean="0"/>
+              <a:pPr/>
+              <a:t>3</a:t>
+            </a:fld>
+            <a:endParaRPr lang="en-US"/>
           </a:p>
         </p:txBody>
       </p:sp>
@@ -4972,7 +7843,7 @@
   <p:timing>
     <p:tnLst>
       <p:par>
-        <p:cTn xmlns:p14="http://schemas.microsoft.com/office/powerpoint/2010/main" id="1" dur="indefinite" restart="never" nodeType="tmRoot"/>
+        <p:cTn id="1" dur="indefinite" restart="never" nodeType="tmRoot"/>
       </p:par>
     </p:tnLst>
   </p:timing>
@@ -5036,17 +7907,58 @@
           <a:p>
             <a:r>
               <a:rPr lang="en-US" dirty="0" smtClean="0"/>
-              <a:t>Mobile robotics platforms can be limited in capabilities at small scales</a:t>
-            </a:r>
-          </a:p>
-          <a:p>
+              <a:t>Mobile robotics platforms can be limited in capabilities at small </a:t>
+            </a:r>
             <a:r>
               <a:rPr lang="en-US" dirty="0" smtClean="0"/>
-              <a:t>Cooperation between these systems can allow for completion of objectives that are infeasible for the robots individually</a:t>
-            </a:r>
+              <a:t>scales</a:t>
+            </a:r>
+          </a:p>
+          <a:p>
+            <a:pPr lvl="1"/>
+            <a:r>
+              <a:rPr lang="en-US" dirty="0" smtClean="0"/>
+              <a:t>Power, size, weight constraints</a:t>
+            </a:r>
+            <a:endParaRPr lang="en-US" dirty="0" smtClean="0"/>
+          </a:p>
+          <a:p>
+            <a:r>
+              <a:rPr lang="en-US" dirty="0" smtClean="0"/>
+              <a:t>Cooperation between these systems can allow for completion of objectives that are infeasible for the robots </a:t>
+            </a:r>
+            <a:r>
+              <a:rPr lang="en-US" dirty="0" smtClean="0"/>
+              <a:t>individually</a:t>
+            </a:r>
+            <a:endParaRPr lang="en-US" dirty="0" smtClean="0"/>
           </a:p>
           <a:p>
             <a:endParaRPr lang="en-US" dirty="0"/>
+          </a:p>
+        </p:txBody>
+      </p:sp>
+      <p:sp>
+        <p:nvSpPr>
+          <p:cNvPr id="4" name="Slide Number Placeholder 3"/>
+          <p:cNvSpPr>
+            <a:spLocks noGrp="1"/>
+          </p:cNvSpPr>
+          <p:nvPr>
+            <p:ph type="sldNum" sz="quarter" idx="12"/>
+          </p:nvPr>
+        </p:nvSpPr>
+        <p:spPr/>
+        <p:txBody>
+          <a:bodyPr/>
+          <a:lstStyle/>
+          <a:p>
+            <a:fld id="{B6F15528-21DE-4FAA-801E-634DDDAF4B2B}" type="slidenum">
+              <a:rPr lang="en-US" smtClean="0"/>
+              <a:pPr/>
+              <a:t>4</a:t>
+            </a:fld>
+            <a:endParaRPr lang="en-US"/>
           </a:p>
         </p:txBody>
       </p:sp>
@@ -5063,7 +7975,7 @@
   <p:timing>
     <p:tnLst>
       <p:par>
-        <p:cTn xmlns:p14="http://schemas.microsoft.com/office/powerpoint/2010/main" id="1" dur="indefinite" restart="never" nodeType="tmRoot"/>
+        <p:cTn id="1" dur="indefinite" restart="never" nodeType="tmRoot"/>
       </p:par>
     </p:tnLst>
   </p:timing>
@@ -5122,35 +8034,86 @@
         </p:nvSpPr>
         <p:spPr/>
         <p:txBody>
-          <a:bodyPr/>
+          <a:bodyPr>
+            <a:normAutofit fontScale="92500" lnSpcReduction="10000"/>
+          </a:bodyPr>
           <a:lstStyle/>
           <a:p>
             <a:r>
               <a:rPr lang="en-US" dirty="0" smtClean="0"/>
-              <a:t>Demonstrate the feasibility of cooperation between limited mobile robots to achieve a common goal</a:t>
+              <a:t>Demonstrate the feasibility of cooperation between limited mobile robots to </a:t>
+            </a:r>
+            <a:r>
+              <a:rPr lang="en-US" dirty="0" smtClean="0"/>
+              <a:t>navigate to a </a:t>
+            </a:r>
+            <a:r>
+              <a:rPr lang="en-US" dirty="0" smtClean="0"/>
+              <a:t>common </a:t>
+            </a:r>
+            <a:r>
+              <a:rPr lang="en-US" dirty="0" smtClean="0"/>
+              <a:t>goal</a:t>
+            </a:r>
+          </a:p>
+          <a:p>
+            <a:r>
+              <a:rPr lang="en-US" dirty="0" smtClean="0"/>
+              <a:t>Develop a tracking platform that could be used on a small-scale mobile robot</a:t>
+            </a:r>
+            <a:endParaRPr lang="en-US" dirty="0" smtClean="0"/>
+          </a:p>
+          <a:p>
+            <a:r>
+              <a:rPr lang="en-US" dirty="0" smtClean="0"/>
+              <a:t>Develop a model to predict successful navigation</a:t>
             </a:r>
           </a:p>
           <a:p>
             <a:pPr lvl="1"/>
             <a:r>
               <a:rPr lang="en-US" dirty="0" smtClean="0"/>
-              <a:t>Weight limitations</a:t>
-            </a:r>
-          </a:p>
-          <a:p>
-            <a:pPr lvl="1"/>
+              <a:t>Achieve simplified model of complex behavior of flapping-winged MAV</a:t>
+            </a:r>
+          </a:p>
+          <a:p>
+            <a:pPr lvl="2"/>
             <a:r>
               <a:rPr lang="en-US" dirty="0" smtClean="0"/>
-              <a:t>Computational limitations</a:t>
-            </a:r>
-          </a:p>
-          <a:p>
-            <a:pPr lvl="1"/>
+              <a:t>Difficult nonlinear dynamics</a:t>
+            </a:r>
+          </a:p>
+          <a:p>
+            <a:pPr lvl="2"/>
             <a:r>
               <a:rPr lang="en-US" dirty="0" smtClean="0"/>
-              <a:t>Sensor limitations</a:t>
-            </a:r>
-            <a:endParaRPr lang="en-US" dirty="0"/>
+              <a:t>Noisy sensing from flapping movements</a:t>
+            </a:r>
+            <a:endParaRPr lang="en-US" dirty="0" smtClean="0"/>
+          </a:p>
+        </p:txBody>
+      </p:sp>
+      <p:sp>
+        <p:nvSpPr>
+          <p:cNvPr id="4" name="Slide Number Placeholder 3"/>
+          <p:cNvSpPr>
+            <a:spLocks noGrp="1"/>
+          </p:cNvSpPr>
+          <p:nvPr>
+            <p:ph type="sldNum" sz="quarter" idx="12"/>
+          </p:nvPr>
+        </p:nvSpPr>
+        <p:spPr/>
+        <p:txBody>
+          <a:bodyPr/>
+          <a:lstStyle/>
+          <a:p>
+            <a:fld id="{B6F15528-21DE-4FAA-801E-634DDDAF4B2B}" type="slidenum">
+              <a:rPr lang="en-US" smtClean="0"/>
+              <a:pPr/>
+              <a:t>5</a:t>
+            </a:fld>
+            <a:endParaRPr lang="en-US"/>
           </a:p>
         </p:txBody>
       </p:sp>
@@ -5167,7 +8130,7 @@
   <p:timing>
     <p:tnLst>
       <p:par>
-        <p:cTn xmlns:p14="http://schemas.microsoft.com/office/powerpoint/2010/main" id="1" dur="indefinite" restart="never" nodeType="tmRoot"/>
+        <p:cTn id="1" dur="indefinite" restart="never" nodeType="tmRoot"/>
       </p:par>
     </p:tnLst>
   </p:timing>
@@ -5319,8 +8282,15 @@
                   </a:schemeClr>
                 </a:solidFill>
               </a:rPr>
-              <a:t>Future Applications</a:t>
-            </a:r>
+              <a:t>Conclusions</a:t>
+            </a:r>
+            <a:endParaRPr lang="en-US" dirty="0" smtClean="0">
+              <a:solidFill>
+                <a:schemeClr val="bg1">
+                  <a:lumMod val="75000"/>
+                </a:schemeClr>
+              </a:solidFill>
+            </a:endParaRPr>
           </a:p>
           <a:p>
             <a:pPr lvl="1"/>
@@ -5328,6 +8298,30 @@
           </a:p>
           <a:p>
             <a:endParaRPr lang="en-US" dirty="0"/>
+          </a:p>
+        </p:txBody>
+      </p:sp>
+      <p:sp>
+        <p:nvSpPr>
+          <p:cNvPr id="4" name="Slide Number Placeholder 3"/>
+          <p:cNvSpPr>
+            <a:spLocks noGrp="1"/>
+          </p:cNvSpPr>
+          <p:nvPr>
+            <p:ph type="sldNum" sz="quarter" idx="12"/>
+          </p:nvPr>
+        </p:nvSpPr>
+        <p:spPr/>
+        <p:txBody>
+          <a:bodyPr/>
+          <a:lstStyle/>
+          <a:p>
+            <a:fld id="{B6F15528-21DE-4FAA-801E-634DDDAF4B2B}" type="slidenum">
+              <a:rPr lang="en-US" smtClean="0"/>
+              <a:pPr/>
+              <a:t>6</a:t>
+            </a:fld>
+            <a:endParaRPr lang="en-US"/>
           </a:p>
         </p:txBody>
       </p:sp>
@@ -5344,7 +8338,7 @@
   <p:timing>
     <p:tnLst>
       <p:par>
-        <p:cTn xmlns:p14="http://schemas.microsoft.com/office/powerpoint/2010/main" id="1" dur="indefinite" restart="never" nodeType="tmRoot"/>
+        <p:cTn id="1" dur="indefinite" restart="never" nodeType="tmRoot"/>
       </p:par>
     </p:tnLst>
   </p:timing>
@@ -5470,12 +8464,12 @@
               <a:t>Tail </a:t>
             </a:r>
             <a:r>
-              <a:rPr lang="en-US" dirty="0" err="1" smtClean="0"/>
-              <a:t>propellor</a:t>
-            </a:r>
-            <a:r>
               <a:rPr lang="en-US" dirty="0" smtClean="0"/>
-              <a:t> and servo-controlled elevator for yaw and pitch control</a:t>
+              <a:t>propeller </a:t>
+            </a:r>
+            <a:r>
+              <a:rPr lang="en-US" dirty="0" smtClean="0"/>
+              <a:t>and servo-controlled elevator for yaw and pitch control</a:t>
             </a:r>
           </a:p>
           <a:p>
@@ -5519,6 +8513,30 @@
           <a:p>
             <a:pPr lvl="1"/>
             <a:endParaRPr lang="en-US" dirty="0"/>
+          </a:p>
+        </p:txBody>
+      </p:sp>
+      <p:sp>
+        <p:nvSpPr>
+          <p:cNvPr id="5" name="Slide Number Placeholder 4"/>
+          <p:cNvSpPr>
+            <a:spLocks noGrp="1"/>
+          </p:cNvSpPr>
+          <p:nvPr>
+            <p:ph type="sldNum" sz="quarter" idx="12"/>
+          </p:nvPr>
+        </p:nvSpPr>
+        <p:spPr/>
+        <p:txBody>
+          <a:bodyPr/>
+          <a:lstStyle/>
+          <a:p>
+            <a:fld id="{B6F15528-21DE-4FAA-801E-634DDDAF4B2B}" type="slidenum">
+              <a:rPr lang="en-US" smtClean="0"/>
+              <a:pPr/>
+              <a:t>7</a:t>
+            </a:fld>
+            <a:endParaRPr lang="en-US"/>
           </a:p>
         </p:txBody>
       </p:sp>
@@ -5535,7 +8553,7 @@
   <p:timing>
     <p:tnLst>
       <p:par>
-        <p:cTn xmlns:p14="http://schemas.microsoft.com/office/powerpoint/2010/main" id="1" dur="indefinite" restart="never" nodeType="tmRoot"/>
+        <p:cTn id="1" dur="indefinite" restart="never" nodeType="tmRoot"/>
       </p:par>
     </p:tnLst>
   </p:timing>
@@ -5582,41 +8600,49 @@
           </a:p>
         </p:txBody>
       </p:sp>
-      <p:sp>
-        <p:nvSpPr>
-          <p:cNvPr id="4" name="Content Placeholder 3"/>
-          <p:cNvSpPr>
-            <a:spLocks noGrp="1"/>
-          </p:cNvSpPr>
+      <p:pic>
+        <p:nvPicPr>
+          <p:cNvPr id="6" name="Content Placeholder 5"/>
+          <p:cNvPicPr>
+            <a:picLocks noGrp="1" noChangeAspect="1"/>
+          </p:cNvPicPr>
           <p:nvPr>
             <p:ph sz="half" idx="1"/>
           </p:nvPr>
+        </p:nvPicPr>
+        <p:blipFill>
+          <a:blip r:embed="rId2">
+            <a:extLst>
+              <a:ext uri="{28A0092B-C50C-407E-A947-70E740481C1C}">
+                <a14:useLocalDpi xmlns:a14="http://schemas.microsoft.com/office/drawing/2010/main" val="0"/>
+              </a:ext>
+            </a:extLst>
+          </a:blip>
+          <a:stretch>
+            <a:fillRect/>
+          </a:stretch>
+        </p:blipFill>
+        <p:spPr>
+          <a:xfrm>
+            <a:off x="457200" y="1843881"/>
+            <a:ext cx="4038600" cy="4038600"/>
+          </a:xfrm>
+        </p:spPr>
+      </p:pic>
+      <p:sp>
+        <p:nvSpPr>
+          <p:cNvPr id="5" name="Content Placeholder 4"/>
+          <p:cNvSpPr>
+            <a:spLocks noGrp="1"/>
+          </p:cNvSpPr>
+          <p:nvPr>
+            <p:ph sz="half" idx="2"/>
+          </p:nvPr>
         </p:nvSpPr>
         <p:spPr/>
         <p:txBody>
           <a:bodyPr>
-            <a:normAutofit/>
-          </a:bodyPr>
-          <a:lstStyle/>
-          <a:p>
-            <a:endParaRPr lang="en-US"/>
-          </a:p>
-        </p:txBody>
-      </p:sp>
-      <p:sp>
-        <p:nvSpPr>
-          <p:cNvPr id="5" name="Content Placeholder 4"/>
-          <p:cNvSpPr>
-            <a:spLocks noGrp="1"/>
-          </p:cNvSpPr>
-          <p:nvPr>
-            <p:ph sz="half" idx="2"/>
-          </p:nvPr>
-        </p:nvSpPr>
-        <p:spPr/>
-        <p:txBody>
-          <a:bodyPr>
-            <a:normAutofit/>
+            <a:normAutofit fontScale="92500" lnSpcReduction="20000"/>
           </a:bodyPr>
           <a:lstStyle/>
           <a:p>
@@ -5634,14 +8660,59 @@
             <a:pPr lvl="1"/>
             <a:r>
               <a:rPr lang="en-US" dirty="0" smtClean="0"/>
-              <a:t>&lt;10g</a:t>
-            </a:r>
-          </a:p>
-          <a:p>
+              <a:t>OMAP 3530 processor</a:t>
+            </a:r>
+          </a:p>
+          <a:p>
+            <a:pPr lvl="1"/>
             <a:r>
               <a:rPr lang="en-US" dirty="0" smtClean="0"/>
-              <a:t>Off-the-shelf USB web camera</a:t>
-            </a:r>
+              <a:t>128MB RAM</a:t>
+            </a:r>
+          </a:p>
+          <a:p>
+            <a:pPr lvl="1"/>
+            <a:r>
+              <a:rPr lang="en-US" dirty="0" smtClean="0"/>
+              <a:t>Consumes 1W power during our experiments</a:t>
+            </a:r>
+          </a:p>
+          <a:p>
+            <a:pPr lvl="1"/>
+            <a:r>
+              <a:rPr lang="en-US" dirty="0" smtClean="0"/>
+              <a:t>37</a:t>
+            </a:r>
+            <a:r>
+              <a:rPr lang="en-US" dirty="0" smtClean="0"/>
+              <a:t>g</a:t>
+            </a:r>
+            <a:endParaRPr lang="en-US" dirty="0" smtClean="0"/>
+          </a:p>
+          <a:p>
+            <a:r>
+              <a:rPr lang="en-US" dirty="0" smtClean="0"/>
+              <a:t>Off-the-shelf USB web </a:t>
+            </a:r>
+            <a:r>
+              <a:rPr lang="en-US" dirty="0" smtClean="0"/>
+              <a:t>camera</a:t>
+            </a:r>
+          </a:p>
+          <a:p>
+            <a:pPr lvl="1"/>
+            <a:r>
+              <a:rPr lang="en-US" dirty="0" smtClean="0"/>
+              <a:t>63</a:t>
+            </a:r>
+            <a:r>
+              <a:rPr lang="en-US" dirty="0" smtClean="0">
+                <a:latin typeface="Cambria Math"/>
+                <a:ea typeface="Cambria Math"/>
+              </a:rPr>
+              <a:t>° viewing triangle</a:t>
+            </a:r>
+            <a:endParaRPr lang="en-US" dirty="0" smtClean="0"/>
           </a:p>
           <a:p>
             <a:r>
@@ -5651,6 +8722,30 @@
           </a:p>
           <a:p>
             <a:endParaRPr lang="en-US" dirty="0" smtClean="0"/>
+          </a:p>
+        </p:txBody>
+      </p:sp>
+      <p:sp>
+        <p:nvSpPr>
+          <p:cNvPr id="3" name="Slide Number Placeholder 2"/>
+          <p:cNvSpPr>
+            <a:spLocks noGrp="1"/>
+          </p:cNvSpPr>
+          <p:nvPr>
+            <p:ph type="sldNum" sz="quarter" idx="12"/>
+          </p:nvPr>
+        </p:nvSpPr>
+        <p:spPr/>
+        <p:txBody>
+          <a:bodyPr/>
+          <a:lstStyle/>
+          <a:p>
+            <a:fld id="{B6F15528-21DE-4FAA-801E-634DDDAF4B2B}" type="slidenum">
+              <a:rPr lang="en-US" smtClean="0"/>
+              <a:pPr/>
+              <a:t>8</a:t>
+            </a:fld>
+            <a:endParaRPr lang="en-US"/>
           </a:p>
         </p:txBody>
       </p:sp>
@@ -5667,7 +8762,7 @@
   <p:timing>
     <p:tnLst>
       <p:par>
-        <p:cTn xmlns:p14="http://schemas.microsoft.com/office/powerpoint/2010/main" id="1" dur="indefinite" restart="never" nodeType="tmRoot"/>
+        <p:cTn id="1" dur="indefinite" restart="never" nodeType="tmRoot"/>
       </p:par>
     </p:tnLst>
   </p:timing>
@@ -5819,8 +8914,15 @@
                   </a:schemeClr>
                 </a:solidFill>
               </a:rPr>
-              <a:t>Future Applications</a:t>
-            </a:r>
+              <a:t>Conclusions</a:t>
+            </a:r>
+            <a:endParaRPr lang="en-US" dirty="0" smtClean="0">
+              <a:solidFill>
+                <a:schemeClr val="bg1">
+                  <a:lumMod val="75000"/>
+                </a:schemeClr>
+              </a:solidFill>
+            </a:endParaRPr>
           </a:p>
           <a:p>
             <a:pPr lvl="1"/>
@@ -5828,6 +8930,30 @@
           </a:p>
           <a:p>
             <a:endParaRPr lang="en-US" dirty="0"/>
+          </a:p>
+        </p:txBody>
+      </p:sp>
+      <p:sp>
+        <p:nvSpPr>
+          <p:cNvPr id="4" name="Slide Number Placeholder 3"/>
+          <p:cNvSpPr>
+            <a:spLocks noGrp="1"/>
+          </p:cNvSpPr>
+          <p:nvPr>
+            <p:ph type="sldNum" sz="quarter" idx="12"/>
+          </p:nvPr>
+        </p:nvSpPr>
+        <p:spPr/>
+        <p:txBody>
+          <a:bodyPr/>
+          <a:lstStyle/>
+          <a:p>
+            <a:fld id="{B6F15528-21DE-4FAA-801E-634DDDAF4B2B}" type="slidenum">
+              <a:rPr lang="en-US" smtClean="0"/>
+              <a:pPr/>
+              <a:t>9</a:t>
+            </a:fld>
+            <a:endParaRPr lang="en-US"/>
           </a:p>
         </p:txBody>
       </p:sp>
@@ -5844,7 +8970,7 @@
   <p:timing>
     <p:tnLst>
       <p:par>
-        <p:cTn xmlns:p14="http://schemas.microsoft.com/office/powerpoint/2010/main" id="1" dur="indefinite" restart="never" nodeType="tmRoot"/>
+        <p:cTn id="1" dur="indefinite" restart="never" nodeType="tmRoot"/>
       </p:par>
     </p:tnLst>
   </p:timing>
@@ -6132,4 +9258,289 @@
   <a:objectDefaults/>
   <a:extraClrSchemeLst/>
 </a:theme>
+</file>
+
+<file path=ppt/theme/theme2.xml><?xml version="1.0" encoding="utf-8"?>
+<a:theme xmlns:a="http://schemas.openxmlformats.org/drawingml/2006/main" name="Office Theme">
+  <a:themeElements>
+    <a:clrScheme name="Office">
+      <a:dk1>
+        <a:sysClr val="windowText" lastClr="000000"/>
+      </a:dk1>
+      <a:lt1>
+        <a:sysClr val="window" lastClr="FFFFFF"/>
+      </a:lt1>
+      <a:dk2>
+        <a:srgbClr val="1F497D"/>
+      </a:dk2>
+      <a:lt2>
+        <a:srgbClr val="EEECE1"/>
+      </a:lt2>
+      <a:accent1>
+        <a:srgbClr val="4F81BD"/>
+      </a:accent1>
+      <a:accent2>
+        <a:srgbClr val="C0504D"/>
+      </a:accent2>
+      <a:accent3>
+        <a:srgbClr val="9BBB59"/>
+      </a:accent3>
+      <a:accent4>
+        <a:srgbClr val="8064A2"/>
+      </a:accent4>
+      <a:accent5>
+        <a:srgbClr val="4BACC6"/>
+      </a:accent5>
+      <a:accent6>
+        <a:srgbClr val="F79646"/>
+      </a:accent6>
+      <a:hlink>
+        <a:srgbClr val="0000FF"/>
+      </a:hlink>
+      <a:folHlink>
+        <a:srgbClr val="800080"/>
+      </a:folHlink>
+    </a:clrScheme>
+    <a:fontScheme name="Office">
+      <a:majorFont>
+        <a:latin typeface="Calibri"/>
+        <a:ea typeface=""/>
+        <a:cs typeface=""/>
+        <a:font script="Jpan" typeface="ＭＳ Ｐゴシック"/>
+        <a:font script="Hang" typeface="맑은 고딕"/>
+        <a:font script="Hans" typeface="宋体"/>
+        <a:font script="Hant" typeface="新細明體"/>
+        <a:font script="Arab" typeface="Times New Roman"/>
+        <a:font script="Hebr" typeface="Times New Roman"/>
+        <a:font script="Thai" typeface="Angsana New"/>
+        <a:font script="Ethi" typeface="Nyala"/>
+        <a:font script="Beng" typeface="Vrinda"/>
+        <a:font script="Gujr" typeface="Shruti"/>
+        <a:font script="Khmr" typeface="MoolBoran"/>
+        <a:font script="Knda" typeface="Tunga"/>
+        <a:font script="Guru" typeface="Raavi"/>
+        <a:font script="Cans" typeface="Euphemia"/>
+        <a:font script="Cher" typeface="Plantagenet Cherokee"/>
+        <a:font script="Yiii" typeface="Microsoft Yi Baiti"/>
+        <a:font script="Tibt" typeface="Microsoft Himalaya"/>
+        <a:font script="Thaa" typeface="MV Boli"/>
+        <a:font script="Deva" typeface="Mangal"/>
+        <a:font script="Telu" typeface="Gautami"/>
+        <a:font script="Taml" typeface="Latha"/>
+        <a:font script="Syrc" typeface="Estrangelo Edessa"/>
+        <a:font script="Orya" typeface="Kalinga"/>
+        <a:font script="Mlym" typeface="Kartika"/>
+        <a:font script="Laoo" typeface="DokChampa"/>
+        <a:font script="Sinh" typeface="Iskoola Pota"/>
+        <a:font script="Mong" typeface="Mongolian Baiti"/>
+        <a:font script="Viet" typeface="Times New Roman"/>
+        <a:font script="Uigh" typeface="Microsoft Uighur"/>
+        <a:font script="Geor" typeface="Sylfaen"/>
+      </a:majorFont>
+      <a:minorFont>
+        <a:latin typeface="Calibri"/>
+        <a:ea typeface=""/>
+        <a:cs typeface=""/>
+        <a:font script="Jpan" typeface="ＭＳ Ｐゴシック"/>
+        <a:font script="Hang" typeface="맑은 고딕"/>
+        <a:font script="Hans" typeface="宋体"/>
+        <a:font script="Hant" typeface="新細明體"/>
+        <a:font script="Arab" typeface="Arial"/>
+        <a:font script="Hebr" typeface="Arial"/>
+        <a:font script="Thai" typeface="Cordia New"/>
+        <a:font script="Ethi" typeface="Nyala"/>
+        <a:font script="Beng" typeface="Vrinda"/>
+        <a:font script="Gujr" typeface="Shruti"/>
+        <a:font script="Khmr" typeface="DaunPenh"/>
+        <a:font script="Knda" typeface="Tunga"/>
+        <a:font script="Guru" typeface="Raavi"/>
+        <a:font script="Cans" typeface="Euphemia"/>
+        <a:font script="Cher" typeface="Plantagenet Cherokee"/>
+        <a:font script="Yiii" typeface="Microsoft Yi Baiti"/>
+        <a:font script="Tibt" typeface="Microsoft Himalaya"/>
+        <a:font script="Thaa" typeface="MV Boli"/>
+        <a:font script="Deva" typeface="Mangal"/>
+        <a:font script="Telu" typeface="Gautami"/>
+        <a:font script="Taml" typeface="Latha"/>
+        <a:font script="Syrc" typeface="Estrangelo Edessa"/>
+        <a:font script="Orya" typeface="Kalinga"/>
+        <a:font script="Mlym" typeface="Kartika"/>
+        <a:font script="Laoo" typeface="DokChampa"/>
+        <a:font script="Sinh" typeface="Iskoola Pota"/>
+        <a:font script="Mong" typeface="Mongolian Baiti"/>
+        <a:font script="Viet" typeface="Arial"/>
+        <a:font script="Uigh" typeface="Microsoft Uighur"/>
+        <a:font script="Geor" typeface="Sylfaen"/>
+      </a:minorFont>
+    </a:fontScheme>
+    <a:fmtScheme name="Office">
+      <a:fillStyleLst>
+        <a:solidFill>
+          <a:schemeClr val="phClr"/>
+        </a:solidFill>
+        <a:gradFill rotWithShape="1">
+          <a:gsLst>
+            <a:gs pos="0">
+              <a:schemeClr val="phClr">
+                <a:tint val="50000"/>
+                <a:satMod val="300000"/>
+              </a:schemeClr>
+            </a:gs>
+            <a:gs pos="35000">
+              <a:schemeClr val="phClr">
+                <a:tint val="37000"/>
+                <a:satMod val="300000"/>
+              </a:schemeClr>
+            </a:gs>
+            <a:gs pos="100000">
+              <a:schemeClr val="phClr">
+                <a:tint val="15000"/>
+                <a:satMod val="350000"/>
+              </a:schemeClr>
+            </a:gs>
+          </a:gsLst>
+          <a:lin ang="16200000" scaled="1"/>
+        </a:gradFill>
+        <a:gradFill rotWithShape="1">
+          <a:gsLst>
+            <a:gs pos="0">
+              <a:schemeClr val="phClr">
+                <a:shade val="51000"/>
+                <a:satMod val="130000"/>
+              </a:schemeClr>
+            </a:gs>
+            <a:gs pos="80000">
+              <a:schemeClr val="phClr">
+                <a:shade val="93000"/>
+                <a:satMod val="130000"/>
+              </a:schemeClr>
+            </a:gs>
+            <a:gs pos="100000">
+              <a:schemeClr val="phClr">
+                <a:shade val="94000"/>
+                <a:satMod val="135000"/>
+              </a:schemeClr>
+            </a:gs>
+          </a:gsLst>
+          <a:lin ang="16200000" scaled="0"/>
+        </a:gradFill>
+      </a:fillStyleLst>
+      <a:lnStyleLst>
+        <a:ln w="9525" cap="flat" cmpd="sng" algn="ctr">
+          <a:solidFill>
+            <a:schemeClr val="phClr">
+              <a:shade val="95000"/>
+              <a:satMod val="105000"/>
+            </a:schemeClr>
+          </a:solidFill>
+          <a:prstDash val="solid"/>
+        </a:ln>
+        <a:ln w="25400" cap="flat" cmpd="sng" algn="ctr">
+          <a:solidFill>
+            <a:schemeClr val="phClr"/>
+          </a:solidFill>
+          <a:prstDash val="solid"/>
+        </a:ln>
+        <a:ln w="38100" cap="flat" cmpd="sng" algn="ctr">
+          <a:solidFill>
+            <a:schemeClr val="phClr"/>
+          </a:solidFill>
+          <a:prstDash val="solid"/>
+        </a:ln>
+      </a:lnStyleLst>
+      <a:effectStyleLst>
+        <a:effectStyle>
+          <a:effectLst>
+            <a:outerShdw blurRad="40000" dist="20000" dir="5400000" rotWithShape="0">
+              <a:srgbClr val="000000">
+                <a:alpha val="38000"/>
+              </a:srgbClr>
+            </a:outerShdw>
+          </a:effectLst>
+        </a:effectStyle>
+        <a:effectStyle>
+          <a:effectLst>
+            <a:outerShdw blurRad="40000" dist="23000" dir="5400000" rotWithShape="0">
+              <a:srgbClr val="000000">
+                <a:alpha val="35000"/>
+              </a:srgbClr>
+            </a:outerShdw>
+          </a:effectLst>
+        </a:effectStyle>
+        <a:effectStyle>
+          <a:effectLst>
+            <a:outerShdw blurRad="40000" dist="23000" dir="5400000" rotWithShape="0">
+              <a:srgbClr val="000000">
+                <a:alpha val="35000"/>
+              </a:srgbClr>
+            </a:outerShdw>
+          </a:effectLst>
+          <a:scene3d>
+            <a:camera prst="orthographicFront">
+              <a:rot lat="0" lon="0" rev="0"/>
+            </a:camera>
+            <a:lightRig rig="threePt" dir="t">
+              <a:rot lat="0" lon="0" rev="1200000"/>
+            </a:lightRig>
+          </a:scene3d>
+          <a:sp3d>
+            <a:bevelT w="63500" h="25400"/>
+          </a:sp3d>
+        </a:effectStyle>
+      </a:effectStyleLst>
+      <a:bgFillStyleLst>
+        <a:solidFill>
+          <a:schemeClr val="phClr"/>
+        </a:solidFill>
+        <a:gradFill rotWithShape="1">
+          <a:gsLst>
+            <a:gs pos="0">
+              <a:schemeClr val="phClr">
+                <a:tint val="40000"/>
+                <a:satMod val="350000"/>
+              </a:schemeClr>
+            </a:gs>
+            <a:gs pos="40000">
+              <a:schemeClr val="phClr">
+                <a:tint val="45000"/>
+                <a:shade val="99000"/>
+                <a:satMod val="350000"/>
+              </a:schemeClr>
+            </a:gs>
+            <a:gs pos="100000">
+              <a:schemeClr val="phClr">
+                <a:shade val="20000"/>
+                <a:satMod val="255000"/>
+              </a:schemeClr>
+            </a:gs>
+          </a:gsLst>
+          <a:path path="circle">
+            <a:fillToRect l="50000" t="-80000" r="50000" b="180000"/>
+          </a:path>
+        </a:gradFill>
+        <a:gradFill rotWithShape="1">
+          <a:gsLst>
+            <a:gs pos="0">
+              <a:schemeClr val="phClr">
+                <a:tint val="80000"/>
+                <a:satMod val="300000"/>
+              </a:schemeClr>
+            </a:gs>
+            <a:gs pos="100000">
+              <a:schemeClr val="phClr">
+                <a:shade val="30000"/>
+                <a:satMod val="200000"/>
+              </a:schemeClr>
+            </a:gs>
+          </a:gsLst>
+          <a:path path="circle">
+            <a:fillToRect l="50000" t="50000" r="50000" b="50000"/>
+          </a:path>
+        </a:gradFill>
+      </a:bgFillStyleLst>
+    </a:fmtScheme>
+  </a:themeElements>
+  <a:objectDefaults/>
+  <a:extraClrSchemeLst/>
+</a:theme>
 </file>
--- a/presentation/AAMAS_2013.pptx
+++ b/presentation/AAMAS_2013.pptx
@@ -5,7 +5,7 @@
     <p:sldMasterId id="2147483648" r:id="rId1"/>
   </p:sldMasterIdLst>
   <p:notesMasterIdLst>
-    <p:notesMasterId r:id="rId25"/>
+    <p:notesMasterId r:id="rId26"/>
   </p:notesMasterIdLst>
   <p:sldIdLst>
     <p:sldId id="256" r:id="rId2"/>
@@ -24,13 +24,14 @@
     <p:sldId id="269" r:id="rId15"/>
     <p:sldId id="270" r:id="rId16"/>
     <p:sldId id="264" r:id="rId17"/>
-    <p:sldId id="257" r:id="rId18"/>
-    <p:sldId id="258" r:id="rId19"/>
-    <p:sldId id="265" r:id="rId20"/>
-    <p:sldId id="278" r:id="rId21"/>
-    <p:sldId id="272" r:id="rId22"/>
-    <p:sldId id="276" r:id="rId23"/>
-    <p:sldId id="277" r:id="rId24"/>
+    <p:sldId id="279" r:id="rId18"/>
+    <p:sldId id="257" r:id="rId19"/>
+    <p:sldId id="258" r:id="rId20"/>
+    <p:sldId id="265" r:id="rId21"/>
+    <p:sldId id="278" r:id="rId22"/>
+    <p:sldId id="272" r:id="rId23"/>
+    <p:sldId id="276" r:id="rId24"/>
+    <p:sldId id="277" r:id="rId25"/>
   </p:sldIdLst>
   <p:sldSz cx="9144000" cy="6858000" type="screen4x3"/>
   <p:notesSz cx="6858000" cy="9144000"/>
@@ -6570,6 +6571,194 @@
           <a:p>
             <a:r>
               <a:rPr lang="en-US" dirty="0" smtClean="0"/>
+              <a:t>Experiments</a:t>
+            </a:r>
+            <a:endParaRPr lang="en-US" dirty="0"/>
+          </a:p>
+        </p:txBody>
+      </p:sp>
+      <p:sp>
+        <p:nvSpPr>
+          <p:cNvPr id="3" name="Content Placeholder 2"/>
+          <p:cNvSpPr>
+            <a:spLocks noGrp="1"/>
+          </p:cNvSpPr>
+          <p:nvPr>
+            <p:ph idx="1"/>
+          </p:nvPr>
+        </p:nvSpPr>
+        <p:spPr/>
+        <p:txBody>
+          <a:bodyPr>
+            <a:normAutofit fontScale="85000" lnSpcReduction="20000"/>
+          </a:bodyPr>
+          <a:lstStyle/>
+          <a:p>
+            <a:r>
+              <a:rPr lang="en-US" dirty="0" smtClean="0"/>
+              <a:t>Simulation</a:t>
+            </a:r>
+          </a:p>
+          <a:p>
+            <a:pPr lvl="1"/>
+            <a:r>
+              <a:rPr lang="en-US" dirty="0" smtClean="0"/>
+              <a:t>Determine reachable sets for successful window navigation</a:t>
+            </a:r>
+          </a:p>
+          <a:p>
+            <a:pPr lvl="2"/>
+            <a:r>
+              <a:rPr lang="en-US" dirty="0" smtClean="0"/>
+              <a:t>Geometrically and in simulation</a:t>
+            </a:r>
+          </a:p>
+          <a:p>
+            <a:pPr lvl="1"/>
+            <a:r>
+              <a:rPr lang="en-US" dirty="0" smtClean="0"/>
+              <a:t>Monte Carlo simulation to determine probability of success for given start location</a:t>
+            </a:r>
+          </a:p>
+          <a:p>
+            <a:pPr lvl="2"/>
+            <a:r>
+              <a:rPr lang="en-US" dirty="0" smtClean="0"/>
+              <a:t>Each point in 10cm grid, simulate 40 trials of randomly sampled headings from -90</a:t>
+            </a:r>
+            <a:r>
+              <a:rPr lang="en-US" dirty="0" smtClean="0">
+                <a:latin typeface="Cambria Math"/>
+                <a:ea typeface="Cambria Math"/>
+              </a:rPr>
+              <a:t>° </a:t>
+            </a:r>
+            <a:r>
+              <a:rPr lang="en-US" dirty="0" smtClean="0">
+                <a:ea typeface="Cambria Math"/>
+              </a:rPr>
+              <a:t>to +90</a:t>
+            </a:r>
+            <a:r>
+              <a:rPr lang="en-US" dirty="0" smtClean="0">
+                <a:latin typeface="Cambria Math"/>
+                <a:ea typeface="Cambria Math"/>
+              </a:rPr>
+              <a:t>°</a:t>
+            </a:r>
+          </a:p>
+          <a:p>
+            <a:r>
+              <a:rPr lang="en-US" dirty="0">
+                <a:ea typeface="Cambria Math"/>
+              </a:rPr>
+              <a:t>R</a:t>
+            </a:r>
+            <a:r>
+              <a:rPr lang="en-US" dirty="0" smtClean="0">
+                <a:ea typeface="Cambria Math"/>
+              </a:rPr>
+              <a:t>eal-world</a:t>
+            </a:r>
+          </a:p>
+          <a:p>
+            <a:pPr lvl="1"/>
+            <a:r>
+              <a:rPr lang="en-US" dirty="0" smtClean="0"/>
+              <a:t>20 trials starting in front of the window, facing direction of window plane</a:t>
+            </a:r>
+          </a:p>
+          <a:p>
+            <a:pPr lvl="1"/>
+            <a:r>
+              <a:rPr lang="en-US" dirty="0" smtClean="0"/>
+              <a:t>60 trials in a 5cm starting grid along edges of view space, facing direction of window plane</a:t>
+            </a:r>
+          </a:p>
+          <a:p>
+            <a:pPr lvl="1"/>
+            <a:endParaRPr lang="en-US" dirty="0"/>
+          </a:p>
+        </p:txBody>
+      </p:sp>
+      <p:sp>
+        <p:nvSpPr>
+          <p:cNvPr id="4" name="Slide Number Placeholder 3"/>
+          <p:cNvSpPr>
+            <a:spLocks noGrp="1"/>
+          </p:cNvSpPr>
+          <p:nvPr>
+            <p:ph type="sldNum" sz="quarter" idx="12"/>
+          </p:nvPr>
+        </p:nvSpPr>
+        <p:spPr/>
+        <p:txBody>
+          <a:bodyPr/>
+          <a:lstStyle/>
+          <a:p>
+            <a:fld id="{B6F15528-21DE-4FAA-801E-634DDDAF4B2B}" type="slidenum">
+              <a:rPr lang="en-US" smtClean="0"/>
+              <a:pPr/>
+              <a:t>17</a:t>
+            </a:fld>
+            <a:endParaRPr lang="en-US"/>
+          </a:p>
+        </p:txBody>
+      </p:sp>
+    </p:spTree>
+    <p:extLst>
+      <p:ext uri="{BB962C8B-B14F-4D97-AF65-F5344CB8AC3E}">
+        <p14:creationId xmlns:p14="http://schemas.microsoft.com/office/powerpoint/2010/main" val="2632364157"/>
+      </p:ext>
+    </p:extLst>
+  </p:cSld>
+  <p:clrMapOvr>
+    <a:masterClrMapping/>
+  </p:clrMapOvr>
+  <p:timing>
+    <p:tnLst>
+      <p:par>
+        <p:cTn id="1" dur="indefinite" restart="never" nodeType="tmRoot"/>
+      </p:par>
+    </p:tnLst>
+  </p:timing>
+</p:sld>
+</file>
+
+<file path=ppt/slides/slide18.xml><?xml version="1.0" encoding="utf-8"?>
+<p:sld xmlns:a="http://schemas.openxmlformats.org/drawingml/2006/main" xmlns:r="http://schemas.openxmlformats.org/officeDocument/2006/relationships" xmlns:p="http://schemas.openxmlformats.org/presentationml/2006/main">
+  <p:cSld>
+    <p:spTree>
+      <p:nvGrpSpPr>
+        <p:cNvPr id="1" name=""/>
+        <p:cNvGrpSpPr/>
+        <p:nvPr/>
+      </p:nvGrpSpPr>
+      <p:grpSpPr>
+        <a:xfrm>
+          <a:off x="0" y="0"/>
+          <a:ext cx="0" cy="0"/>
+          <a:chOff x="0" y="0"/>
+          <a:chExt cx="0" cy="0"/>
+        </a:xfrm>
+      </p:grpSpPr>
+      <p:sp>
+        <p:nvSpPr>
+          <p:cNvPr id="2" name="Title 1"/>
+          <p:cNvSpPr>
+            <a:spLocks noGrp="1"/>
+          </p:cNvSpPr>
+          <p:nvPr>
+            <p:ph type="title"/>
+          </p:nvPr>
+        </p:nvSpPr>
+        <p:spPr/>
+        <p:txBody>
+          <a:bodyPr/>
+          <a:lstStyle/>
+          <a:p>
+            <a:r>
+              <a:rPr lang="en-US" dirty="0" smtClean="0"/>
               <a:t>Model Predicted Feasible Regions</a:t>
             </a:r>
             <a:endParaRPr lang="en-US" dirty="0"/>
@@ -6653,7 +6842,7 @@
             <a:fld id="{B6F15528-21DE-4FAA-801E-634DDDAF4B2B}" type="slidenum">
               <a:rPr lang="en-US" smtClean="0"/>
               <a:pPr/>
-              <a:t>17</a:t>
+              <a:t>18</a:t>
             </a:fld>
             <a:endParaRPr lang="en-US"/>
           </a:p>
@@ -6679,7 +6868,7 @@
 </p:sld>
 </file>
 
-<file path=ppt/slides/slide18.xml><?xml version="1.0" encoding="utf-8"?>
+<file path=ppt/slides/slide19.xml><?xml version="1.0" encoding="utf-8"?>
 <p:sld xmlns:a="http://schemas.openxmlformats.org/drawingml/2006/main" xmlns:r="http://schemas.openxmlformats.org/officeDocument/2006/relationships" xmlns:p="http://schemas.openxmlformats.org/presentationml/2006/main">
   <p:cSld>
     <p:spTree>
@@ -6796,7 +6985,7 @@
             <a:fld id="{B6F15528-21DE-4FAA-801E-634DDDAF4B2B}" type="slidenum">
               <a:rPr lang="en-US" smtClean="0"/>
               <a:pPr/>
-              <a:t>18</a:t>
+              <a:t>19</a:t>
             </a:fld>
             <a:endParaRPr lang="en-US"/>
           </a:p>
@@ -6806,208 +6995,6 @@
     <p:extLst>
       <p:ext uri="{BB962C8B-B14F-4D97-AF65-F5344CB8AC3E}">
         <p14:creationId xmlns:p14="http://schemas.microsoft.com/office/powerpoint/2010/main" val="3275988709"/>
-      </p:ext>
-    </p:extLst>
-  </p:cSld>
-  <p:clrMapOvr>
-    <a:masterClrMapping/>
-  </p:clrMapOvr>
-  <p:timing>
-    <p:tnLst>
-      <p:par>
-        <p:cTn id="1" dur="indefinite" restart="never" nodeType="tmRoot"/>
-      </p:par>
-    </p:tnLst>
-  </p:timing>
-</p:sld>
-</file>
-
-<file path=ppt/slides/slide19.xml><?xml version="1.0" encoding="utf-8"?>
-<p:sld xmlns:a="http://schemas.openxmlformats.org/drawingml/2006/main" xmlns:r="http://schemas.openxmlformats.org/officeDocument/2006/relationships" xmlns:p="http://schemas.openxmlformats.org/presentationml/2006/main">
-  <p:cSld>
-    <p:spTree>
-      <p:nvGrpSpPr>
-        <p:cNvPr id="1" name=""/>
-        <p:cNvGrpSpPr/>
-        <p:nvPr/>
-      </p:nvGrpSpPr>
-      <p:grpSpPr>
-        <a:xfrm>
-          <a:off x="0" y="0"/>
-          <a:ext cx="0" cy="0"/>
-          <a:chOff x="0" y="0"/>
-          <a:chExt cx="0" cy="0"/>
-        </a:xfrm>
-      </p:grpSpPr>
-      <p:sp>
-        <p:nvSpPr>
-          <p:cNvPr id="2" name="Title 1"/>
-          <p:cNvSpPr>
-            <a:spLocks noGrp="1"/>
-          </p:cNvSpPr>
-          <p:nvPr>
-            <p:ph type="title"/>
-          </p:nvPr>
-        </p:nvSpPr>
-        <p:spPr/>
-        <p:txBody>
-          <a:bodyPr/>
-          <a:lstStyle/>
-          <a:p>
-            <a:r>
-              <a:rPr lang="en-US" dirty="0" smtClean="0"/>
-              <a:t>Outline</a:t>
-            </a:r>
-            <a:endParaRPr lang="en-US" dirty="0"/>
-          </a:p>
-        </p:txBody>
-      </p:sp>
-      <p:sp>
-        <p:nvSpPr>
-          <p:cNvPr id="3" name="Content Placeholder 2"/>
-          <p:cNvSpPr>
-            <a:spLocks noGrp="1"/>
-          </p:cNvSpPr>
-          <p:nvPr>
-            <p:ph idx="1"/>
-          </p:nvPr>
-        </p:nvSpPr>
-        <p:spPr/>
-        <p:txBody>
-          <a:bodyPr>
-            <a:normAutofit lnSpcReduction="10000"/>
-          </a:bodyPr>
-          <a:lstStyle/>
-          <a:p>
-            <a:r>
-              <a:rPr lang="en-US" dirty="0" smtClean="0">
-                <a:solidFill>
-                  <a:schemeClr val="bg1">
-                    <a:lumMod val="75000"/>
-                  </a:schemeClr>
-                </a:solidFill>
-              </a:rPr>
-              <a:t>Motivation</a:t>
-            </a:r>
-          </a:p>
-          <a:p>
-            <a:r>
-              <a:rPr lang="en-US" dirty="0" smtClean="0">
-                <a:solidFill>
-                  <a:schemeClr val="bg1">
-                    <a:lumMod val="75000"/>
-                  </a:schemeClr>
-                </a:solidFill>
-              </a:rPr>
-              <a:t>Hardware</a:t>
-            </a:r>
-          </a:p>
-          <a:p>
-            <a:r>
-              <a:rPr lang="en-US" dirty="0" smtClean="0">
-                <a:solidFill>
-                  <a:schemeClr val="bg1">
-                    <a:lumMod val="75000"/>
-                  </a:schemeClr>
-                </a:solidFill>
-              </a:rPr>
-              <a:t>Cooperative System</a:t>
-            </a:r>
-          </a:p>
-          <a:p>
-            <a:r>
-              <a:rPr lang="en-US" dirty="0" smtClean="0">
-                <a:solidFill>
-                  <a:schemeClr val="bg1">
-                    <a:lumMod val="75000"/>
-                  </a:schemeClr>
-                </a:solidFill>
-              </a:rPr>
-              <a:t>System Identification</a:t>
-            </a:r>
-          </a:p>
-          <a:p>
-            <a:r>
-              <a:rPr lang="en-US" dirty="0" smtClean="0">
-                <a:solidFill>
-                  <a:schemeClr val="bg1">
-                    <a:lumMod val="75000"/>
-                  </a:schemeClr>
-                </a:solidFill>
-              </a:rPr>
-              <a:t>Model Verification</a:t>
-            </a:r>
-          </a:p>
-          <a:p>
-            <a:pPr lvl="1"/>
-            <a:r>
-              <a:rPr lang="en-US" dirty="0" smtClean="0">
-                <a:solidFill>
-                  <a:schemeClr val="bg1">
-                    <a:lumMod val="75000"/>
-                  </a:schemeClr>
-                </a:solidFill>
-              </a:rPr>
-              <a:t>Simulation result</a:t>
-            </a:r>
-          </a:p>
-          <a:p>
-            <a:pPr lvl="1"/>
-            <a:r>
-              <a:rPr lang="en-US" dirty="0" smtClean="0">
-                <a:solidFill>
-                  <a:schemeClr val="bg1">
-                    <a:lumMod val="75000"/>
-                  </a:schemeClr>
-                </a:solidFill>
-              </a:rPr>
-              <a:t>Experimental verification</a:t>
-            </a:r>
-          </a:p>
-          <a:p>
-            <a:r>
-              <a:rPr lang="en-US" dirty="0" smtClean="0"/>
-              <a:t>Conclusions</a:t>
-            </a:r>
-            <a:endParaRPr lang="en-US" dirty="0" smtClean="0"/>
-          </a:p>
-          <a:p>
-            <a:pPr lvl="1"/>
-            <a:endParaRPr lang="en-US" dirty="0" smtClean="0"/>
-          </a:p>
-          <a:p>
-            <a:endParaRPr lang="en-US" dirty="0"/>
-          </a:p>
-        </p:txBody>
-      </p:sp>
-      <p:sp>
-        <p:nvSpPr>
-          <p:cNvPr id="4" name="Slide Number Placeholder 3"/>
-          <p:cNvSpPr>
-            <a:spLocks noGrp="1"/>
-          </p:cNvSpPr>
-          <p:nvPr>
-            <p:ph type="sldNum" sz="quarter" idx="12"/>
-          </p:nvPr>
-        </p:nvSpPr>
-        <p:spPr/>
-        <p:txBody>
-          <a:bodyPr/>
-          <a:lstStyle/>
-          <a:p>
-            <a:fld id="{B6F15528-21DE-4FAA-801E-634DDDAF4B2B}" type="slidenum">
-              <a:rPr lang="en-US" smtClean="0"/>
-              <a:pPr/>
-              <a:t>19</a:t>
-            </a:fld>
-            <a:endParaRPr lang="en-US"/>
-          </a:p>
-        </p:txBody>
-      </p:sp>
-    </p:spTree>
-    <p:extLst>
-      <p:ext uri="{BB962C8B-B14F-4D97-AF65-F5344CB8AC3E}">
-        <p14:creationId xmlns:p14="http://schemas.microsoft.com/office/powerpoint/2010/main" val="168875040"/>
       </p:ext>
     </p:extLst>
   </p:cSld>
@@ -7217,8 +7204,8 @@
           <a:lstStyle/>
           <a:p>
             <a:r>
-              <a:rPr lang="en-US" smtClean="0"/>
-              <a:t>Conclusions</a:t>
+              <a:rPr lang="en-US" dirty="0" smtClean="0"/>
+              <a:t>Outline</a:t>
             </a:r>
             <a:endParaRPr lang="en-US" dirty="0"/>
           </a:p>
@@ -7242,41 +7229,102 @@
           <a:lstStyle/>
           <a:p>
             <a:r>
+              <a:rPr lang="en-US" dirty="0" smtClean="0">
+                <a:solidFill>
+                  <a:schemeClr val="bg1">
+                    <a:lumMod val="75000"/>
+                  </a:schemeClr>
+                </a:solidFill>
+              </a:rPr>
+              <a:t>Motivation</a:t>
+            </a:r>
+          </a:p>
+          <a:p>
+            <a:r>
+              <a:rPr lang="en-US" dirty="0" smtClean="0">
+                <a:solidFill>
+                  <a:schemeClr val="bg1">
+                    <a:lumMod val="75000"/>
+                  </a:schemeClr>
+                </a:solidFill>
+              </a:rPr>
+              <a:t>Hardware</a:t>
+            </a:r>
+          </a:p>
+          <a:p>
+            <a:r>
+              <a:rPr lang="en-US" dirty="0" smtClean="0">
+                <a:solidFill>
+                  <a:schemeClr val="bg1">
+                    <a:lumMod val="75000"/>
+                  </a:schemeClr>
+                </a:solidFill>
+              </a:rPr>
+              <a:t>Cooperative System</a:t>
+            </a:r>
+          </a:p>
+          <a:p>
+            <a:r>
+              <a:rPr lang="en-US" dirty="0" smtClean="0">
+                <a:solidFill>
+                  <a:schemeClr val="bg1">
+                    <a:lumMod val="75000"/>
+                  </a:schemeClr>
+                </a:solidFill>
+              </a:rPr>
+              <a:t>System Identification</a:t>
+            </a:r>
+          </a:p>
+          <a:p>
+            <a:r>
+              <a:rPr lang="en-US" dirty="0" smtClean="0">
+                <a:solidFill>
+                  <a:schemeClr val="bg1">
+                    <a:lumMod val="75000"/>
+                  </a:schemeClr>
+                </a:solidFill>
+              </a:rPr>
+              <a:t>Model Verification</a:t>
+            </a:r>
+          </a:p>
+          <a:p>
+            <a:pPr lvl="1"/>
+            <a:r>
+              <a:rPr lang="en-US" dirty="0" smtClean="0">
+                <a:solidFill>
+                  <a:schemeClr val="bg1">
+                    <a:lumMod val="75000"/>
+                  </a:schemeClr>
+                </a:solidFill>
+              </a:rPr>
+              <a:t>Simulation result</a:t>
+            </a:r>
+          </a:p>
+          <a:p>
+            <a:pPr lvl="1"/>
+            <a:r>
+              <a:rPr lang="en-US" dirty="0" smtClean="0">
+                <a:solidFill>
+                  <a:schemeClr val="bg1">
+                    <a:lumMod val="75000"/>
+                  </a:schemeClr>
+                </a:solidFill>
+              </a:rPr>
+              <a:t>Experimental verification</a:t>
+            </a:r>
+          </a:p>
+          <a:p>
+            <a:r>
               <a:rPr lang="en-US" dirty="0" smtClean="0"/>
-              <a:t>Model accurate predictor of chance of success at a given start point</a:t>
-            </a:r>
+              <a:t>Conclusions</a:t>
+            </a:r>
+            <a:endParaRPr lang="en-US" dirty="0" smtClean="0"/>
           </a:p>
           <a:p>
             <a:pPr lvl="1"/>
-            <a:r>
-              <a:rPr lang="en-US" dirty="0" smtClean="0"/>
-              <a:t>Low computational cost</a:t>
-            </a:r>
-          </a:p>
-          <a:p>
-            <a:pPr lvl="1"/>
-            <a:r>
-              <a:rPr lang="en-US" dirty="0" smtClean="0"/>
-              <a:t>Could be used to determine point to begin control to ensure success</a:t>
-            </a:r>
             <a:endParaRPr lang="en-US" dirty="0" smtClean="0"/>
           </a:p>
           <a:p>
-            <a:r>
-              <a:rPr lang="en-US" dirty="0" smtClean="0"/>
-              <a:t>A single camera is not sufficient to reliably guide the robot to the goal</a:t>
-            </a:r>
-          </a:p>
-          <a:p>
-            <a:pPr lvl="1"/>
-            <a:r>
-              <a:rPr lang="en-US" dirty="0" smtClean="0"/>
-              <a:t>Lack information abou</a:t>
-            </a:r>
-            <a:r>
-              <a:rPr lang="en-US" dirty="0" smtClean="0"/>
-              <a:t>t the complete pose of the robot</a:t>
-            </a:r>
             <a:endParaRPr lang="en-US" dirty="0"/>
           </a:p>
         </p:txBody>
@@ -7308,7 +7356,7 @@
     </p:spTree>
     <p:extLst>
       <p:ext uri="{BB962C8B-B14F-4D97-AF65-F5344CB8AC3E}">
-        <p14:creationId xmlns:p14="http://schemas.microsoft.com/office/powerpoint/2010/main" val="4002247918"/>
+        <p14:creationId xmlns:p14="http://schemas.microsoft.com/office/powerpoint/2010/main" val="168875040"/>
       </p:ext>
     </p:extLst>
   </p:cSld>
@@ -7358,35 +7406,65 @@
           <a:lstStyle/>
           <a:p>
             <a:r>
+              <a:rPr lang="en-US" smtClean="0"/>
+              <a:t>Conclusions</a:t>
+            </a:r>
+            <a:endParaRPr lang="en-US" dirty="0"/>
+          </a:p>
+        </p:txBody>
+      </p:sp>
+      <p:sp>
+        <p:nvSpPr>
+          <p:cNvPr id="3" name="Content Placeholder 2"/>
+          <p:cNvSpPr>
+            <a:spLocks noGrp="1"/>
+          </p:cNvSpPr>
+          <p:nvPr>
+            <p:ph idx="1"/>
+          </p:nvPr>
+        </p:nvSpPr>
+        <p:spPr/>
+        <p:txBody>
+          <a:bodyPr>
+            <a:normAutofit lnSpcReduction="10000"/>
+          </a:bodyPr>
+          <a:lstStyle/>
+          <a:p>
+            <a:r>
               <a:rPr lang="en-US" dirty="0" smtClean="0"/>
-              <a:t>Future Work</a:t>
-            </a:r>
-            <a:endParaRPr lang="en-US" dirty="0"/>
-          </a:p>
-        </p:txBody>
-      </p:sp>
-      <p:sp>
-        <p:nvSpPr>
-          <p:cNvPr id="3" name="Content Placeholder 2"/>
-          <p:cNvSpPr>
-            <a:spLocks noGrp="1"/>
-          </p:cNvSpPr>
-          <p:nvPr>
-            <p:ph idx="1"/>
-          </p:nvPr>
-        </p:nvSpPr>
-        <p:spPr/>
-        <p:txBody>
-          <a:bodyPr/>
-          <a:lstStyle/>
-          <a:p>
+              <a:t>Model accurate predictor of chance of success at a given start point</a:t>
+            </a:r>
+          </a:p>
+          <a:p>
+            <a:pPr lvl="1"/>
             <a:r>
               <a:rPr lang="en-US" dirty="0" smtClean="0"/>
-              <a:t>Talk </a:t>
-            </a:r>
+              <a:t>Low computational cost</a:t>
+            </a:r>
+          </a:p>
+          <a:p>
+            <a:pPr lvl="1"/>
             <a:r>
               <a:rPr lang="en-US" dirty="0" smtClean="0"/>
-              <a:t>about VLR and multi-view localization method</a:t>
+              <a:t>Could be used to determine point to begin control to ensure success</a:t>
+            </a:r>
+            <a:endParaRPr lang="en-US" dirty="0" smtClean="0"/>
+          </a:p>
+          <a:p>
+            <a:r>
+              <a:rPr lang="en-US" dirty="0" smtClean="0"/>
+              <a:t>A single camera is not sufficient to reliably guide the robot to the goal</a:t>
+            </a:r>
+          </a:p>
+          <a:p>
+            <a:pPr lvl="1"/>
+            <a:r>
+              <a:rPr lang="en-US" dirty="0" smtClean="0"/>
+              <a:t>Lack information abou</a:t>
+            </a:r>
+            <a:r>
+              <a:rPr lang="en-US" dirty="0" smtClean="0"/>
+              <a:t>t the complete pose of the robot</a:t>
             </a:r>
             <a:endParaRPr lang="en-US" dirty="0"/>
           </a:p>
@@ -7419,7 +7497,7 @@
     </p:spTree>
     <p:extLst>
       <p:ext uri="{BB962C8B-B14F-4D97-AF65-F5344CB8AC3E}">
-        <p14:creationId xmlns:p14="http://schemas.microsoft.com/office/powerpoint/2010/main" val="2720107505"/>
+        <p14:creationId xmlns:p14="http://schemas.microsoft.com/office/powerpoint/2010/main" val="4002247918"/>
       </p:ext>
     </p:extLst>
   </p:cSld>
@@ -7470,7 +7548,7 @@
           <a:p>
             <a:r>
               <a:rPr lang="en-US" dirty="0" smtClean="0"/>
-              <a:t>Acknowledgements</a:t>
+              <a:t>Future Work</a:t>
             </a:r>
             <a:endParaRPr lang="en-US" dirty="0"/>
           </a:p>
@@ -7491,7 +7569,15 @@
           <a:bodyPr/>
           <a:lstStyle/>
           <a:p>
-            <a:endParaRPr lang="en-US"/>
+            <a:r>
+              <a:rPr lang="en-US" dirty="0" smtClean="0"/>
+              <a:t>Talk </a:t>
+            </a:r>
+            <a:r>
+              <a:rPr lang="en-US" dirty="0" smtClean="0"/>
+              <a:t>about VLR and multi-view localization method</a:t>
+            </a:r>
+            <a:endParaRPr lang="en-US" dirty="0"/>
           </a:p>
         </p:txBody>
       </p:sp>
@@ -7522,7 +7608,7 @@
     </p:spTree>
     <p:extLst>
       <p:ext uri="{BB962C8B-B14F-4D97-AF65-F5344CB8AC3E}">
-        <p14:creationId xmlns:p14="http://schemas.microsoft.com/office/powerpoint/2010/main" val="3067049800"/>
+        <p14:creationId xmlns:p14="http://schemas.microsoft.com/office/powerpoint/2010/main" val="2720107505"/>
       </p:ext>
     </p:extLst>
   </p:cSld>
@@ -7573,7 +7659,7 @@
           <a:p>
             <a:r>
               <a:rPr lang="en-US" dirty="0" smtClean="0"/>
-              <a:t>References</a:t>
+              <a:t>Acknowledgements</a:t>
             </a:r>
             <a:endParaRPr lang="en-US" dirty="0"/>
           </a:p>
@@ -7617,6 +7703,109 @@
               <a:rPr lang="en-US" smtClean="0"/>
               <a:pPr/>
               <a:t>23</a:t>
+            </a:fld>
+            <a:endParaRPr lang="en-US"/>
+          </a:p>
+        </p:txBody>
+      </p:sp>
+    </p:spTree>
+    <p:extLst>
+      <p:ext uri="{BB962C8B-B14F-4D97-AF65-F5344CB8AC3E}">
+        <p14:creationId xmlns:p14="http://schemas.microsoft.com/office/powerpoint/2010/main" val="3067049800"/>
+      </p:ext>
+    </p:extLst>
+  </p:cSld>
+  <p:clrMapOvr>
+    <a:masterClrMapping/>
+  </p:clrMapOvr>
+  <p:timing>
+    <p:tnLst>
+      <p:par>
+        <p:cTn id="1" dur="indefinite" restart="never" nodeType="tmRoot"/>
+      </p:par>
+    </p:tnLst>
+  </p:timing>
+</p:sld>
+</file>
+
+<file path=ppt/slides/slide24.xml><?xml version="1.0" encoding="utf-8"?>
+<p:sld xmlns:a="http://schemas.openxmlformats.org/drawingml/2006/main" xmlns:r="http://schemas.openxmlformats.org/officeDocument/2006/relationships" xmlns:p="http://schemas.openxmlformats.org/presentationml/2006/main">
+  <p:cSld>
+    <p:spTree>
+      <p:nvGrpSpPr>
+        <p:cNvPr id="1" name=""/>
+        <p:cNvGrpSpPr/>
+        <p:nvPr/>
+      </p:nvGrpSpPr>
+      <p:grpSpPr>
+        <a:xfrm>
+          <a:off x="0" y="0"/>
+          <a:ext cx="0" cy="0"/>
+          <a:chOff x="0" y="0"/>
+          <a:chExt cx="0" cy="0"/>
+        </a:xfrm>
+      </p:grpSpPr>
+      <p:sp>
+        <p:nvSpPr>
+          <p:cNvPr id="2" name="Title 1"/>
+          <p:cNvSpPr>
+            <a:spLocks noGrp="1"/>
+          </p:cNvSpPr>
+          <p:nvPr>
+            <p:ph type="title"/>
+          </p:nvPr>
+        </p:nvSpPr>
+        <p:spPr/>
+        <p:txBody>
+          <a:bodyPr/>
+          <a:lstStyle/>
+          <a:p>
+            <a:r>
+              <a:rPr lang="en-US" dirty="0" smtClean="0"/>
+              <a:t>References</a:t>
+            </a:r>
+            <a:endParaRPr lang="en-US" dirty="0"/>
+          </a:p>
+        </p:txBody>
+      </p:sp>
+      <p:sp>
+        <p:nvSpPr>
+          <p:cNvPr id="3" name="Content Placeholder 2"/>
+          <p:cNvSpPr>
+            <a:spLocks noGrp="1"/>
+          </p:cNvSpPr>
+          <p:nvPr>
+            <p:ph idx="1"/>
+          </p:nvPr>
+        </p:nvSpPr>
+        <p:spPr/>
+        <p:txBody>
+          <a:bodyPr/>
+          <a:lstStyle/>
+          <a:p>
+            <a:endParaRPr lang="en-US"/>
+          </a:p>
+        </p:txBody>
+      </p:sp>
+      <p:sp>
+        <p:nvSpPr>
+          <p:cNvPr id="4" name="Slide Number Placeholder 3"/>
+          <p:cNvSpPr>
+            <a:spLocks noGrp="1"/>
+          </p:cNvSpPr>
+          <p:nvPr>
+            <p:ph type="sldNum" sz="quarter" idx="12"/>
+          </p:nvPr>
+        </p:nvSpPr>
+        <p:spPr/>
+        <p:txBody>
+          <a:bodyPr/>
+          <a:lstStyle/>
+          <a:p>
+            <a:fld id="{B6F15528-21DE-4FAA-801E-634DDDAF4B2B}" type="slidenum">
+              <a:rPr lang="en-US" smtClean="0"/>
+              <a:pPr/>
+              <a:t>24</a:t>
             </a:fld>
             <a:endParaRPr lang="en-US"/>
           </a:p>
@@ -8410,8 +8599,8 @@
         </p:blipFill>
         <p:spPr>
           <a:xfrm>
-            <a:off x="457200" y="1371600"/>
-            <a:ext cx="4495800" cy="5038336"/>
+            <a:off x="1981200" y="3505200"/>
+            <a:ext cx="3203901" cy="3590536"/>
           </a:xfrm>
         </p:spPr>
       </p:pic>
@@ -8540,6 +8729,36 @@
           </a:p>
         </p:txBody>
       </p:sp>
+      <p:pic>
+        <p:nvPicPr>
+          <p:cNvPr id="6" name="Picture 5"/>
+          <p:cNvPicPr>
+            <a:picLocks noChangeAspect="1"/>
+          </p:cNvPicPr>
+          <p:nvPr/>
+        </p:nvPicPr>
+        <p:blipFill>
+          <a:blip r:embed="rId3" cstate="print">
+            <a:extLst>
+              <a:ext uri="{28A0092B-C50C-407E-A947-70E740481C1C}">
+                <a14:useLocalDpi xmlns:a14="http://schemas.microsoft.com/office/drawing/2010/main" val="0"/>
+              </a:ext>
+            </a:extLst>
+          </a:blip>
+          <a:stretch>
+            <a:fillRect/>
+          </a:stretch>
+        </p:blipFill>
+        <p:spPr>
+          <a:xfrm>
+            <a:off x="304800" y="1314710"/>
+            <a:ext cx="3395267" cy="2667000"/>
+          </a:xfrm>
+          <a:prstGeom prst="rect">
+            <a:avLst/>
+          </a:prstGeom>
+        </p:spPr>
+      </p:pic>
     </p:spTree>
     <p:extLst>
       <p:ext uri="{BB962C8B-B14F-4D97-AF65-F5344CB8AC3E}">

--- a/presentation/AAMAS_2013.pptx
+++ b/presentation/AAMAS_2013.pptx
@@ -5,33 +5,41 @@
     <p:sldMasterId id="2147483648" r:id="rId1"/>
   </p:sldMasterIdLst>
   <p:notesMasterIdLst>
-    <p:notesMasterId r:id="rId26"/>
+    <p:notesMasterId r:id="rId34"/>
   </p:notesMasterIdLst>
   <p:sldIdLst>
     <p:sldId id="256" r:id="rId2"/>
     <p:sldId id="259" r:id="rId3"/>
     <p:sldId id="260" r:id="rId4"/>
-    <p:sldId id="266" r:id="rId5"/>
-    <p:sldId id="273" r:id="rId6"/>
-    <p:sldId id="261" r:id="rId7"/>
-    <p:sldId id="271" r:id="rId8"/>
-    <p:sldId id="274" r:id="rId9"/>
-    <p:sldId id="262" r:id="rId10"/>
-    <p:sldId id="267" r:id="rId11"/>
+    <p:sldId id="280" r:id="rId5"/>
+    <p:sldId id="266" r:id="rId6"/>
+    <p:sldId id="273" r:id="rId7"/>
+    <p:sldId id="267" r:id="rId8"/>
+    <p:sldId id="261" r:id="rId9"/>
+    <p:sldId id="271" r:id="rId10"/>
+    <p:sldId id="274" r:id="rId11"/>
     <p:sldId id="268" r:id="rId12"/>
-    <p:sldId id="275" r:id="rId13"/>
-    <p:sldId id="263" r:id="rId14"/>
+    <p:sldId id="262" r:id="rId13"/>
+    <p:sldId id="275" r:id="rId14"/>
     <p:sldId id="269" r:id="rId15"/>
-    <p:sldId id="270" r:id="rId16"/>
-    <p:sldId id="264" r:id="rId17"/>
-    <p:sldId id="279" r:id="rId18"/>
-    <p:sldId id="257" r:id="rId19"/>
-    <p:sldId id="258" r:id="rId20"/>
-    <p:sldId id="265" r:id="rId21"/>
-    <p:sldId id="278" r:id="rId22"/>
-    <p:sldId id="272" r:id="rId23"/>
-    <p:sldId id="276" r:id="rId24"/>
-    <p:sldId id="277" r:id="rId25"/>
+    <p:sldId id="263" r:id="rId16"/>
+    <p:sldId id="270" r:id="rId17"/>
+    <p:sldId id="281" r:id="rId18"/>
+    <p:sldId id="264" r:id="rId19"/>
+    <p:sldId id="279" r:id="rId20"/>
+    <p:sldId id="289" r:id="rId21"/>
+    <p:sldId id="290" r:id="rId22"/>
+    <p:sldId id="291" r:id="rId23"/>
+    <p:sldId id="292" r:id="rId24"/>
+    <p:sldId id="282" r:id="rId25"/>
+    <p:sldId id="258" r:id="rId26"/>
+    <p:sldId id="288" r:id="rId27"/>
+    <p:sldId id="265" r:id="rId28"/>
+    <p:sldId id="278" r:id="rId29"/>
+    <p:sldId id="272" r:id="rId30"/>
+    <p:sldId id="276" r:id="rId31"/>
+    <p:sldId id="277" r:id="rId32"/>
+    <p:sldId id="283" r:id="rId33"/>
   </p:sldIdLst>
   <p:sldSz cx="9144000" cy="6858000" type="screen4x3"/>
   <p:notesSz cx="6858000" cy="9144000"/>
@@ -215,7 +223,7 @@
           <a:p>
             <a:fld id="{3B0F87A5-CB38-4E1F-A459-11793779CFEA}" type="datetimeFigureOut">
               <a:rPr lang="en-US" smtClean="0"/>
-              <a:t>4/11/2013</a:t>
+              <a:t>4/12/2013</a:t>
             </a:fld>
             <a:endParaRPr lang="en-US"/>
           </a:p>
@@ -483,6 +491,270 @@
 </p:notesMaster>
 </file>
 
+<file path=ppt/notesSlides/notesSlide1.xml><?xml version="1.0" encoding="utf-8"?>
+<p:notes xmlns:a="http://schemas.openxmlformats.org/drawingml/2006/main" xmlns:r="http://schemas.openxmlformats.org/officeDocument/2006/relationships" xmlns:p="http://schemas.openxmlformats.org/presentationml/2006/main">
+  <p:cSld>
+    <p:spTree>
+      <p:nvGrpSpPr>
+        <p:cNvPr id="1" name=""/>
+        <p:cNvGrpSpPr/>
+        <p:nvPr/>
+      </p:nvGrpSpPr>
+      <p:grpSpPr>
+        <a:xfrm>
+          <a:off x="0" y="0"/>
+          <a:ext cx="0" cy="0"/>
+          <a:chOff x="0" y="0"/>
+          <a:chExt cx="0" cy="0"/>
+        </a:xfrm>
+      </p:grpSpPr>
+      <p:sp>
+        <p:nvSpPr>
+          <p:cNvPr id="2" name="Slide Image Placeholder 1"/>
+          <p:cNvSpPr>
+            <a:spLocks noGrp="1" noRot="1" noChangeAspect="1"/>
+          </p:cNvSpPr>
+          <p:nvPr>
+            <p:ph type="sldImg"/>
+          </p:nvPr>
+        </p:nvSpPr>
+        <p:spPr/>
+      </p:sp>
+      <p:sp>
+        <p:nvSpPr>
+          <p:cNvPr id="3" name="Notes Placeholder 2"/>
+          <p:cNvSpPr>
+            <a:spLocks noGrp="1"/>
+          </p:cNvSpPr>
+          <p:nvPr>
+            <p:ph type="body" idx="1"/>
+          </p:nvPr>
+        </p:nvSpPr>
+        <p:spPr/>
+        <p:txBody>
+          <a:bodyPr/>
+          <a:lstStyle/>
+          <a:p>
+            <a:r>
+              <a:rPr lang="en-US" dirty="0" smtClean="0"/>
+              <a:t>Same layout, key</a:t>
+            </a:r>
+            <a:endParaRPr lang="en-US" dirty="0"/>
+          </a:p>
+        </p:txBody>
+      </p:sp>
+      <p:sp>
+        <p:nvSpPr>
+          <p:cNvPr id="4" name="Slide Number Placeholder 3"/>
+          <p:cNvSpPr>
+            <a:spLocks noGrp="1"/>
+          </p:cNvSpPr>
+          <p:nvPr>
+            <p:ph type="sldNum" sz="quarter" idx="10"/>
+          </p:nvPr>
+        </p:nvSpPr>
+        <p:spPr/>
+        <p:txBody>
+          <a:bodyPr/>
+          <a:lstStyle/>
+          <a:p>
+            <a:fld id="{25626A12-9E33-4234-AAE2-B732A2D29B22}" type="slidenum">
+              <a:rPr lang="en-US" smtClean="0"/>
+              <a:t>16</a:t>
+            </a:fld>
+            <a:endParaRPr lang="en-US"/>
+          </a:p>
+        </p:txBody>
+      </p:sp>
+    </p:spTree>
+    <p:extLst>
+      <p:ext uri="{BB962C8B-B14F-4D97-AF65-F5344CB8AC3E}">
+        <p14:creationId xmlns:p14="http://schemas.microsoft.com/office/powerpoint/2010/main" val="122666623"/>
+      </p:ext>
+    </p:extLst>
+  </p:cSld>
+  <p:clrMapOvr>
+    <a:masterClrMapping/>
+  </p:clrMapOvr>
+</p:notes>
+</file>
+
+<file path=ppt/notesSlides/notesSlide2.xml><?xml version="1.0" encoding="utf-8"?>
+<p:notes xmlns:a="http://schemas.openxmlformats.org/drawingml/2006/main" xmlns:r="http://schemas.openxmlformats.org/officeDocument/2006/relationships" xmlns:p="http://schemas.openxmlformats.org/presentationml/2006/main">
+  <p:cSld>
+    <p:spTree>
+      <p:nvGrpSpPr>
+        <p:cNvPr id="1" name=""/>
+        <p:cNvGrpSpPr/>
+        <p:nvPr/>
+      </p:nvGrpSpPr>
+      <p:grpSpPr>
+        <a:xfrm>
+          <a:off x="0" y="0"/>
+          <a:ext cx="0" cy="0"/>
+          <a:chOff x="0" y="0"/>
+          <a:chExt cx="0" cy="0"/>
+        </a:xfrm>
+      </p:grpSpPr>
+      <p:sp>
+        <p:nvSpPr>
+          <p:cNvPr id="2" name="Slide Image Placeholder 1"/>
+          <p:cNvSpPr>
+            <a:spLocks noGrp="1" noRot="1" noChangeAspect="1"/>
+          </p:cNvSpPr>
+          <p:nvPr>
+            <p:ph type="sldImg"/>
+          </p:nvPr>
+        </p:nvSpPr>
+        <p:spPr/>
+      </p:sp>
+      <p:sp>
+        <p:nvSpPr>
+          <p:cNvPr id="3" name="Notes Placeholder 2"/>
+          <p:cNvSpPr>
+            <a:spLocks noGrp="1"/>
+          </p:cNvSpPr>
+          <p:nvPr>
+            <p:ph type="body" idx="1"/>
+          </p:nvPr>
+        </p:nvSpPr>
+        <p:spPr/>
+        <p:txBody>
+          <a:bodyPr/>
+          <a:lstStyle/>
+          <a:p>
+            <a:r>
+              <a:rPr lang="en-US" dirty="0" err="1" smtClean="0"/>
+              <a:t>sim</a:t>
+            </a:r>
+            <a:endParaRPr lang="en-US" dirty="0"/>
+          </a:p>
+        </p:txBody>
+      </p:sp>
+      <p:sp>
+        <p:nvSpPr>
+          <p:cNvPr id="4" name="Slide Number Placeholder 3"/>
+          <p:cNvSpPr>
+            <a:spLocks noGrp="1"/>
+          </p:cNvSpPr>
+          <p:nvPr>
+            <p:ph type="sldNum" sz="quarter" idx="10"/>
+          </p:nvPr>
+        </p:nvSpPr>
+        <p:spPr/>
+        <p:txBody>
+          <a:bodyPr/>
+          <a:lstStyle/>
+          <a:p>
+            <a:fld id="{25626A12-9E33-4234-AAE2-B732A2D29B22}" type="slidenum">
+              <a:rPr lang="en-US" smtClean="0"/>
+              <a:t>19</a:t>
+            </a:fld>
+            <a:endParaRPr lang="en-US"/>
+          </a:p>
+        </p:txBody>
+      </p:sp>
+    </p:spTree>
+    <p:extLst>
+      <p:ext uri="{BB962C8B-B14F-4D97-AF65-F5344CB8AC3E}">
+        <p14:creationId xmlns:p14="http://schemas.microsoft.com/office/powerpoint/2010/main" val="3199736569"/>
+      </p:ext>
+    </p:extLst>
+  </p:cSld>
+  <p:clrMapOvr>
+    <a:masterClrMapping/>
+  </p:clrMapOvr>
+</p:notes>
+</file>
+
+<file path=ppt/notesSlides/notesSlide3.xml><?xml version="1.0" encoding="utf-8"?>
+<p:notes xmlns:a="http://schemas.openxmlformats.org/drawingml/2006/main" xmlns:r="http://schemas.openxmlformats.org/officeDocument/2006/relationships" xmlns:p="http://schemas.openxmlformats.org/presentationml/2006/main">
+  <p:cSld>
+    <p:spTree>
+      <p:nvGrpSpPr>
+        <p:cNvPr id="1" name=""/>
+        <p:cNvGrpSpPr/>
+        <p:nvPr/>
+      </p:nvGrpSpPr>
+      <p:grpSpPr>
+        <a:xfrm>
+          <a:off x="0" y="0"/>
+          <a:ext cx="0" cy="0"/>
+          <a:chOff x="0" y="0"/>
+          <a:chExt cx="0" cy="0"/>
+        </a:xfrm>
+      </p:grpSpPr>
+      <p:sp>
+        <p:nvSpPr>
+          <p:cNvPr id="2" name="Slide Image Placeholder 1"/>
+          <p:cNvSpPr>
+            <a:spLocks noGrp="1" noRot="1" noChangeAspect="1"/>
+          </p:cNvSpPr>
+          <p:nvPr>
+            <p:ph type="sldImg"/>
+          </p:nvPr>
+        </p:nvSpPr>
+        <p:spPr/>
+      </p:sp>
+      <p:sp>
+        <p:nvSpPr>
+          <p:cNvPr id="3" name="Notes Placeholder 2"/>
+          <p:cNvSpPr>
+            <a:spLocks noGrp="1"/>
+          </p:cNvSpPr>
+          <p:nvPr>
+            <p:ph type="body" idx="1"/>
+          </p:nvPr>
+        </p:nvSpPr>
+        <p:spPr/>
+        <p:txBody>
+          <a:bodyPr/>
+          <a:lstStyle/>
+          <a:p>
+            <a:r>
+              <a:rPr lang="en-US" dirty="0" smtClean="0"/>
+              <a:t>real</a:t>
+            </a:r>
+            <a:endParaRPr lang="en-US" dirty="0"/>
+          </a:p>
+        </p:txBody>
+      </p:sp>
+      <p:sp>
+        <p:nvSpPr>
+          <p:cNvPr id="4" name="Slide Number Placeholder 3"/>
+          <p:cNvSpPr>
+            <a:spLocks noGrp="1"/>
+          </p:cNvSpPr>
+          <p:nvPr>
+            <p:ph type="sldNum" sz="quarter" idx="10"/>
+          </p:nvPr>
+        </p:nvSpPr>
+        <p:spPr/>
+        <p:txBody>
+          <a:bodyPr/>
+          <a:lstStyle/>
+          <a:p>
+            <a:fld id="{25626A12-9E33-4234-AAE2-B732A2D29B22}" type="slidenum">
+              <a:rPr lang="en-US" smtClean="0"/>
+              <a:t>24</a:t>
+            </a:fld>
+            <a:endParaRPr lang="en-US"/>
+          </a:p>
+        </p:txBody>
+      </p:sp>
+    </p:spTree>
+    <p:extLst>
+      <p:ext uri="{BB962C8B-B14F-4D97-AF65-F5344CB8AC3E}">
+        <p14:creationId xmlns:p14="http://schemas.microsoft.com/office/powerpoint/2010/main" val="3199736569"/>
+      </p:ext>
+    </p:extLst>
+  </p:cSld>
+  <p:clrMapOvr>
+    <a:masterClrMapping/>
+  </p:clrMapOvr>
+</p:notes>
+</file>
+
 <file path=ppt/slideLayouts/slideLayout1.xml><?xml version="1.0" encoding="utf-8"?>
 <p:sldLayout xmlns:a="http://schemas.openxmlformats.org/drawingml/2006/main" xmlns:r="http://schemas.openxmlformats.org/officeDocument/2006/relationships" xmlns:p="http://schemas.openxmlformats.org/presentationml/2006/main" type="title" preserve="1">
   <p:cSld name="Title Slide">
@@ -664,7 +936,7 @@
           <a:p>
             <a:fld id="{4F7EC5D3-5BFF-411F-847E-1E918340C28F}" type="datetime1">
               <a:rPr lang="en-US" smtClean="0"/>
-              <a:t>4/11/2013</a:t>
+              <a:t>4/12/2013</a:t>
             </a:fld>
             <a:endParaRPr lang="en-US"/>
           </a:p>
@@ -830,7 +1102,7 @@
           <a:p>
             <a:fld id="{7DA31B26-8F6B-4CA5-96A5-924607C01A93}" type="datetime1">
               <a:rPr lang="en-US" smtClean="0"/>
-              <a:t>4/11/2013</a:t>
+              <a:t>4/12/2013</a:t>
             </a:fld>
             <a:endParaRPr lang="en-US"/>
           </a:p>
@@ -1006,7 +1278,7 @@
           <a:p>
             <a:fld id="{FBFDF06B-14A5-49FE-ABE4-10E3AF341265}" type="datetime1">
               <a:rPr lang="en-US" smtClean="0"/>
-              <a:t>4/11/2013</a:t>
+              <a:t>4/12/2013</a:t>
             </a:fld>
             <a:endParaRPr lang="en-US"/>
           </a:p>
@@ -1172,7 +1444,7 @@
           <a:p>
             <a:fld id="{58A933D6-2A50-4E4F-9CBF-C49519087937}" type="datetime1">
               <a:rPr lang="en-US" smtClean="0"/>
-              <a:t>4/11/2013</a:t>
+              <a:t>4/12/2013</a:t>
             </a:fld>
             <a:endParaRPr lang="en-US"/>
           </a:p>
@@ -1414,7 +1686,7 @@
           <a:p>
             <a:fld id="{4A287A34-D534-4431-A883-3386AA8FBF89}" type="datetime1">
               <a:rPr lang="en-US" smtClean="0"/>
-              <a:t>4/11/2013</a:t>
+              <a:t>4/12/2013</a:t>
             </a:fld>
             <a:endParaRPr lang="en-US"/>
           </a:p>
@@ -1698,7 +1970,7 @@
           <a:p>
             <a:fld id="{B1C9DC33-1514-4AE3-ADD6-B9B37FDE558F}" type="datetime1">
               <a:rPr lang="en-US" smtClean="0"/>
-              <a:t>4/11/2013</a:t>
+              <a:t>4/12/2013</a:t>
             </a:fld>
             <a:endParaRPr lang="en-US"/>
           </a:p>
@@ -2116,7 +2388,7 @@
           <a:p>
             <a:fld id="{3C99776C-0735-47D1-997F-2FA2823EC8A8}" type="datetime1">
               <a:rPr lang="en-US" smtClean="0"/>
-              <a:t>4/11/2013</a:t>
+              <a:t>4/12/2013</a:t>
             </a:fld>
             <a:endParaRPr lang="en-US"/>
           </a:p>
@@ -2230,7 +2502,7 @@
           <a:p>
             <a:fld id="{7E5C9DBA-39D8-45A8-82A5-7EB3DA0A8BC4}" type="datetime1">
               <a:rPr lang="en-US" smtClean="0"/>
-              <a:t>4/11/2013</a:t>
+              <a:t>4/12/2013</a:t>
             </a:fld>
             <a:endParaRPr lang="en-US"/>
           </a:p>
@@ -2321,7 +2593,7 @@
           <a:p>
             <a:fld id="{4973D609-E07A-489D-90F1-95B8FEB79F54}" type="datetime1">
               <a:rPr lang="en-US" smtClean="0"/>
-              <a:t>4/11/2013</a:t>
+              <a:t>4/12/2013</a:t>
             </a:fld>
             <a:endParaRPr lang="en-US"/>
           </a:p>
@@ -2594,7 +2866,7 @@
           <a:p>
             <a:fld id="{46A1A8DC-C4F0-44FD-BC8F-80285BAD437C}" type="datetime1">
               <a:rPr lang="en-US" smtClean="0"/>
-              <a:t>4/11/2013</a:t>
+              <a:t>4/12/2013</a:t>
             </a:fld>
             <a:endParaRPr lang="en-US"/>
           </a:p>
@@ -2843,7 +3115,7 @@
           <a:p>
             <a:fld id="{CFD654AE-1C08-401F-95FD-B621F0A3FC1C}" type="datetime1">
               <a:rPr lang="en-US" smtClean="0"/>
-              <a:t>4/11/2013</a:t>
+              <a:t>4/12/2013</a:t>
             </a:fld>
             <a:endParaRPr lang="en-US"/>
           </a:p>
@@ -3052,7 +3324,7 @@
           <a:p>
             <a:fld id="{96EF6E8E-BF03-407B-B0B3-06A1B9529400}" type="datetime1">
               <a:rPr lang="en-US" smtClean="0"/>
-              <a:t>4/11/2013</a:t>
+              <a:t>4/12/2013</a:t>
             </a:fld>
             <a:endParaRPr lang="en-US"/>
           </a:p>
@@ -3443,7 +3715,26 @@
           <a:p>
             <a:r>
               <a:rPr lang="en-US" dirty="0" smtClean="0"/>
-              <a:t>Cooperative Control and Modeling for Narrow Passage Traversal with an </a:t>
+              <a:t>Cooperative Control and Modeling for Narrow Passage Traversal </a:t>
+            </a:r>
+            <a:r>
+              <a:rPr lang="en-US" dirty="0" smtClean="0"/>
+              <a:t/>
+            </a:r>
+            <a:br>
+              <a:rPr lang="en-US" dirty="0" smtClean="0"/>
+            </a:br>
+            <a:r>
+              <a:rPr lang="en-US" dirty="0"/>
+              <a:t>*</a:t>
+            </a:r>
+            <a:r>
+              <a:rPr lang="en-US" dirty="0" smtClean="0"/>
+              <a:t>with </a:t>
+            </a:r>
+            <a:r>
+              <a:rPr lang="en-US" dirty="0" smtClean="0"/>
+              <a:t>an </a:t>
             </a:r>
             <a:r>
               <a:rPr lang="en-US" dirty="0" err="1" smtClean="0"/>
@@ -3554,7 +3845,7 @@
           <a:p>
             <a:r>
               <a:rPr lang="en-US" dirty="0" smtClean="0"/>
-              <a:t>Experimental Setup</a:t>
+              <a:t>Ground Station Platform</a:t>
             </a:r>
             <a:endParaRPr lang="en-US" dirty="0"/>
           </a:p>
@@ -3562,7 +3853,7 @@
       </p:sp>
       <p:pic>
         <p:nvPicPr>
-          <p:cNvPr id="4" name="Content Placeholder 3"/>
+          <p:cNvPr id="6" name="Content Placeholder 5"/>
           <p:cNvPicPr>
             <a:picLocks noGrp="1" noChangeAspect="1"/>
           </p:cNvPicPr>
@@ -3571,7 +3862,7 @@
           </p:nvPr>
         </p:nvPicPr>
         <p:blipFill>
-          <a:blip r:embed="rId2" cstate="print">
+          <a:blip r:embed="rId2">
             <a:extLst>
               <a:ext uri="{28A0092B-C50C-407E-A947-70E740481C1C}">
                 <a14:useLocalDpi xmlns:a14="http://schemas.microsoft.com/office/drawing/2010/main" val="0"/>
@@ -3584,14 +3875,14 @@
         </p:blipFill>
         <p:spPr>
           <a:xfrm>
-            <a:off x="457200" y="1905516"/>
-            <a:ext cx="4038600" cy="3915331"/>
+            <a:off x="457200" y="1843881"/>
+            <a:ext cx="4038600" cy="4038600"/>
           </a:xfrm>
         </p:spPr>
       </p:pic>
       <p:sp>
         <p:nvSpPr>
-          <p:cNvPr id="3" name="Content Placeholder 2"/>
+          <p:cNvPr id="5" name="Content Placeholder 4"/>
           <p:cNvSpPr>
             <a:spLocks noGrp="1"/>
           </p:cNvSpPr>
@@ -3602,45 +3893,81 @@
         <p:spPr/>
         <p:txBody>
           <a:bodyPr>
-            <a:normAutofit fontScale="85000" lnSpcReduction="10000"/>
+            <a:normAutofit fontScale="92500" lnSpcReduction="10000"/>
           </a:bodyPr>
           <a:lstStyle/>
           <a:p>
             <a:r>
               <a:rPr lang="en-US" dirty="0" smtClean="0"/>
-              <a:t>Mutual coordinate plane centered at camera</a:t>
-            </a:r>
-          </a:p>
-          <a:p>
+              <a:t>ARM-based </a:t>
+            </a:r>
+            <a:r>
+              <a:rPr lang="en-US" dirty="0" err="1" smtClean="0"/>
+              <a:t>BeagleBoard</a:t>
+            </a:r>
+            <a:endParaRPr lang="en-US" dirty="0" smtClean="0"/>
+          </a:p>
+          <a:p>
+            <a:pPr lvl="1"/>
             <a:r>
               <a:rPr lang="en-US" dirty="0" smtClean="0"/>
-              <a:t>Camera tracks location of robot</a:t>
-            </a:r>
-          </a:p>
-          <a:p>
+              <a:t>OMAP 3530 processor</a:t>
+            </a:r>
+          </a:p>
+          <a:p>
+            <a:pPr lvl="1"/>
             <a:r>
               <a:rPr lang="en-US" dirty="0" smtClean="0"/>
-              <a:t>Proper rotation to head towards window computed on ground station</a:t>
-            </a:r>
-          </a:p>
-          <a:p>
+              <a:t>128MB RAM</a:t>
+            </a:r>
+          </a:p>
+          <a:p>
+            <a:pPr lvl="1"/>
             <a:r>
               <a:rPr lang="en-US" dirty="0" smtClean="0"/>
-              <a:t>Ground station transmits heading to robot</a:t>
-            </a:r>
-          </a:p>
-          <a:p>
+              <a:t>Consumes 1W power during our </a:t>
+            </a:r>
             <a:r>
               <a:rPr lang="en-US" dirty="0" smtClean="0"/>
-              <a:t>Robot steers to set heading using on-board controller</a:t>
-            </a:r>
-            <a:endParaRPr lang="en-US" dirty="0"/>
-          </a:p>
-        </p:txBody>
-      </p:sp>
-      <p:sp>
-        <p:nvSpPr>
-          <p:cNvPr id="5" name="Slide Number Placeholder 4"/>
+              <a:t>experiments</a:t>
+            </a:r>
+            <a:endParaRPr lang="en-US" dirty="0" smtClean="0"/>
+          </a:p>
+          <a:p>
+            <a:r>
+              <a:rPr lang="en-US" dirty="0" smtClean="0"/>
+              <a:t>Off-the-shelf USB web camera</a:t>
+            </a:r>
+          </a:p>
+          <a:p>
+            <a:pPr lvl="1"/>
+            <a:r>
+              <a:rPr lang="en-US" dirty="0" smtClean="0"/>
+              <a:t>63</a:t>
+            </a:r>
+            <a:r>
+              <a:rPr lang="en-US" dirty="0" smtClean="0">
+                <a:latin typeface="Cambria Math"/>
+                <a:ea typeface="Cambria Math"/>
+              </a:rPr>
+              <a:t>° viewing triangle</a:t>
+            </a:r>
+            <a:endParaRPr lang="en-US" dirty="0" smtClean="0"/>
+          </a:p>
+          <a:p>
+            <a:r>
+              <a:rPr lang="en-US" dirty="0" smtClean="0"/>
+              <a:t>Communicates with IEEE 802.15.4 USB radio module</a:t>
+            </a:r>
+          </a:p>
+          <a:p>
+            <a:endParaRPr lang="en-US" dirty="0" smtClean="0"/>
+          </a:p>
+        </p:txBody>
+      </p:sp>
+      <p:sp>
+        <p:nvSpPr>
+          <p:cNvPr id="3" name="Slide Number Placeholder 2"/>
           <p:cNvSpPr>
             <a:spLocks noGrp="1"/>
           </p:cNvSpPr>
@@ -3665,7 +3992,7 @@
     </p:spTree>
     <p:extLst>
       <p:ext uri="{BB962C8B-B14F-4D97-AF65-F5344CB8AC3E}">
-        <p14:creationId xmlns:p14="http://schemas.microsoft.com/office/powerpoint/2010/main" val="168798480"/>
+        <p14:creationId xmlns:p14="http://schemas.microsoft.com/office/powerpoint/2010/main" val="3140605808"/>
       </p:ext>
     </p:extLst>
   </p:cSld>
@@ -3746,7 +4073,7 @@
         </p:blipFill>
         <p:spPr>
           <a:xfrm>
-            <a:off x="457200" y="2508490"/>
+            <a:off x="533400" y="3429000"/>
             <a:ext cx="8229600" cy="3082295"/>
           </a:xfrm>
         </p:spPr>
@@ -3775,6 +4102,66 @@
           </a:p>
         </p:txBody>
       </p:sp>
+      <p:pic>
+        <p:nvPicPr>
+          <p:cNvPr id="5" name="Content Placeholder 5"/>
+          <p:cNvPicPr>
+            <a:picLocks noChangeAspect="1"/>
+          </p:cNvPicPr>
+          <p:nvPr/>
+        </p:nvPicPr>
+        <p:blipFill>
+          <a:blip r:embed="rId3" cstate="print">
+            <a:extLst>
+              <a:ext uri="{28A0092B-C50C-407E-A947-70E740481C1C}">
+                <a14:useLocalDpi xmlns:a14="http://schemas.microsoft.com/office/drawing/2010/main" val="0"/>
+              </a:ext>
+            </a:extLst>
+          </a:blip>
+          <a:stretch>
+            <a:fillRect/>
+          </a:stretch>
+        </p:blipFill>
+        <p:spPr>
+          <a:xfrm>
+            <a:off x="914400" y="1462881"/>
+            <a:ext cx="2057400" cy="2057400"/>
+          </a:xfrm>
+          <a:prstGeom prst="rect">
+            <a:avLst/>
+          </a:prstGeom>
+        </p:spPr>
+      </p:pic>
+      <p:pic>
+        <p:nvPicPr>
+          <p:cNvPr id="6" name="Picture 5"/>
+          <p:cNvPicPr>
+            <a:picLocks noChangeAspect="1"/>
+          </p:cNvPicPr>
+          <p:nvPr/>
+        </p:nvPicPr>
+        <p:blipFill>
+          <a:blip r:embed="rId4" cstate="print">
+            <a:extLst>
+              <a:ext uri="{28A0092B-C50C-407E-A947-70E740481C1C}">
+                <a14:useLocalDpi xmlns:a14="http://schemas.microsoft.com/office/drawing/2010/main" val="0"/>
+              </a:ext>
+            </a:extLst>
+          </a:blip>
+          <a:stretch>
+            <a:fillRect/>
+          </a:stretch>
+        </p:blipFill>
+        <p:spPr>
+          <a:xfrm>
+            <a:off x="5562600" y="1581415"/>
+            <a:ext cx="2317402" cy="1820332"/>
+          </a:xfrm>
+          <a:prstGeom prst="rect">
+            <a:avLst/>
+          </a:prstGeom>
+        </p:spPr>
+      </p:pic>
     </p:spTree>
     <p:extLst>
       <p:ext uri="{BB962C8B-B14F-4D97-AF65-F5344CB8AC3E}">
@@ -3829,41 +4216,12 @@
           <a:p>
             <a:r>
               <a:rPr lang="en-US" dirty="0" smtClean="0"/>
-              <a:t>Tracking</a:t>
+              <a:t>Outline</a:t>
             </a:r>
             <a:endParaRPr lang="en-US" dirty="0"/>
           </a:p>
         </p:txBody>
       </p:sp>
-      <p:pic>
-        <p:nvPicPr>
-          <p:cNvPr id="4" name="Content Placeholder 3"/>
-          <p:cNvPicPr>
-            <a:picLocks noGrp="1" noChangeAspect="1"/>
-          </p:cNvPicPr>
-          <p:nvPr>
-            <p:ph sz="half" idx="1"/>
-          </p:nvPr>
-        </p:nvPicPr>
-        <p:blipFill>
-          <a:blip r:embed="rId2" cstate="print">
-            <a:extLst>
-              <a:ext uri="{28A0092B-C50C-407E-A947-70E740481C1C}">
-                <a14:useLocalDpi xmlns:a14="http://schemas.microsoft.com/office/drawing/2010/main" val="0"/>
-              </a:ext>
-            </a:extLst>
-          </a:blip>
-          <a:stretch>
-            <a:fillRect/>
-          </a:stretch>
-        </p:blipFill>
-        <p:spPr>
-          <a:xfrm>
-            <a:off x="521068" y="1600200"/>
-            <a:ext cx="3910864" cy="4525963"/>
-          </a:xfrm>
-        </p:spPr>
-      </p:pic>
       <p:sp>
         <p:nvSpPr>
           <p:cNvPr id="3" name="Content Placeholder 2"/>
@@ -3871,60 +4229,120 @@
             <a:spLocks noGrp="1"/>
           </p:cNvSpPr>
           <p:nvPr>
-            <p:ph sz="half" idx="2"/>
+            <p:ph idx="1"/>
           </p:nvPr>
         </p:nvSpPr>
         <p:spPr/>
         <p:txBody>
           <a:bodyPr>
-            <a:normAutofit fontScale="92500" lnSpcReduction="10000"/>
+            <a:normAutofit lnSpcReduction="10000"/>
           </a:bodyPr>
           <a:lstStyle/>
           <a:p>
             <a:r>
-              <a:rPr lang="en-US" dirty="0"/>
-              <a:t>P</a:t>
-            </a:r>
+              <a:rPr lang="en-US" dirty="0" smtClean="0">
+                <a:solidFill>
+                  <a:schemeClr val="bg1">
+                    <a:lumMod val="75000"/>
+                  </a:schemeClr>
+                </a:solidFill>
+              </a:rPr>
+              <a:t>Motivation</a:t>
+            </a:r>
+          </a:p>
+          <a:p>
+            <a:r>
+              <a:rPr lang="en-US" dirty="0" smtClean="0">
+                <a:solidFill>
+                  <a:schemeClr val="bg1">
+                    <a:lumMod val="75000"/>
+                  </a:schemeClr>
+                </a:solidFill>
+              </a:rPr>
+              <a:t>Hardware</a:t>
+            </a:r>
+          </a:p>
+          <a:p>
             <a:r>
               <a:rPr lang="en-US" dirty="0" smtClean="0"/>
-              <a:t>article filter used to find most likely robot location</a:t>
+              <a:t>Algorithms</a:t>
+            </a:r>
+            <a:endParaRPr lang="en-US" dirty="0" smtClean="0"/>
+          </a:p>
+          <a:p>
+            <a:r>
+              <a:rPr lang="en-US" dirty="0" smtClean="0">
+                <a:solidFill>
+                  <a:schemeClr val="bg1">
+                    <a:lumMod val="75000"/>
+                  </a:schemeClr>
+                </a:solidFill>
+              </a:rPr>
+              <a:t>System Identification</a:t>
+            </a:r>
+          </a:p>
+          <a:p>
+            <a:r>
+              <a:rPr lang="en-US" dirty="0" smtClean="0">
+                <a:solidFill>
+                  <a:schemeClr val="bg1">
+                    <a:lumMod val="75000"/>
+                  </a:schemeClr>
+                </a:solidFill>
+              </a:rPr>
+              <a:t>Model Verification</a:t>
             </a:r>
           </a:p>
           <a:p>
             <a:pPr lvl="1"/>
             <a:r>
               <a:rPr lang="en-US" dirty="0" smtClean="0">
-                <a:latin typeface="Cambria Math"/>
-                <a:ea typeface="Cambria Math"/>
+                <a:solidFill>
+                  <a:schemeClr val="bg1">
+                    <a:lumMod val="75000"/>
+                  </a:schemeClr>
+                </a:solidFill>
               </a:rPr>
-              <a:t>Motion model: Gaussian centered around each particle position with ε-random uniform sampling </a:t>
+              <a:t>Simulation result</a:t>
             </a:r>
           </a:p>
           <a:p>
             <a:pPr lvl="1"/>
             <a:r>
               <a:rPr lang="en-US" dirty="0" smtClean="0">
-                <a:latin typeface="Cambria Math"/>
-                <a:ea typeface="Cambria Math"/>
+                <a:solidFill>
+                  <a:schemeClr val="bg1">
+                    <a:lumMod val="75000"/>
+                  </a:schemeClr>
+                </a:solidFill>
               </a:rPr>
-              <a:t>Emission model: motion tracking via background subtraction</a:t>
+              <a:t>Experimental verification</a:t>
             </a:r>
           </a:p>
           <a:p>
             <a:r>
               <a:rPr lang="en-US" dirty="0" smtClean="0">
-                <a:latin typeface="Cambria Math"/>
-                <a:ea typeface="Cambria Math"/>
+                <a:solidFill>
+                  <a:schemeClr val="bg1">
+                    <a:lumMod val="75000"/>
+                  </a:schemeClr>
+                </a:solidFill>
               </a:rPr>
-              <a:t>Boundary of window selected manually</a:t>
-            </a:r>
+              <a:t>Conclusions</a:t>
+            </a:r>
+          </a:p>
+          <a:p>
+            <a:pPr lvl="1"/>
+            <a:endParaRPr lang="en-US" dirty="0" smtClean="0"/>
+          </a:p>
+          <a:p>
             <a:endParaRPr lang="en-US" dirty="0"/>
           </a:p>
         </p:txBody>
       </p:sp>
       <p:sp>
         <p:nvSpPr>
-          <p:cNvPr id="5" name="Slide Number Placeholder 4"/>
+          <p:cNvPr id="4" name="Slide Number Placeholder 3"/>
           <p:cNvSpPr>
             <a:spLocks noGrp="1"/>
           </p:cNvSpPr>
@@ -3949,7 +4367,7 @@
     </p:spTree>
     <p:extLst>
       <p:ext uri="{BB962C8B-B14F-4D97-AF65-F5344CB8AC3E}">
-        <p14:creationId xmlns:p14="http://schemas.microsoft.com/office/powerpoint/2010/main" val="182190887"/>
+        <p14:creationId xmlns:p14="http://schemas.microsoft.com/office/powerpoint/2010/main" val="2769349391"/>
       </p:ext>
     </p:extLst>
   </p:cSld>
@@ -4000,12 +4418,41 @@
           <a:p>
             <a:r>
               <a:rPr lang="en-US" dirty="0" smtClean="0"/>
-              <a:t>Outline</a:t>
+              <a:t>Tracking</a:t>
             </a:r>
             <a:endParaRPr lang="en-US" dirty="0"/>
           </a:p>
         </p:txBody>
       </p:sp>
+      <p:pic>
+        <p:nvPicPr>
+          <p:cNvPr id="4" name="Content Placeholder 3"/>
+          <p:cNvPicPr>
+            <a:picLocks noGrp="1" noChangeAspect="1"/>
+          </p:cNvPicPr>
+          <p:nvPr>
+            <p:ph sz="half" idx="1"/>
+          </p:nvPr>
+        </p:nvPicPr>
+        <p:blipFill>
+          <a:blip r:embed="rId2" cstate="print">
+            <a:extLst>
+              <a:ext uri="{28A0092B-C50C-407E-A947-70E740481C1C}">
+                <a14:useLocalDpi xmlns:a14="http://schemas.microsoft.com/office/drawing/2010/main" val="0"/>
+              </a:ext>
+            </a:extLst>
+          </a:blip>
+          <a:stretch>
+            <a:fillRect/>
+          </a:stretch>
+        </p:blipFill>
+        <p:spPr>
+          <a:xfrm>
+            <a:off x="521068" y="1600200"/>
+            <a:ext cx="3910864" cy="4525963"/>
+          </a:xfrm>
+        </p:spPr>
+      </p:pic>
       <p:sp>
         <p:nvSpPr>
           <p:cNvPr id="3" name="Content Placeholder 2"/>
@@ -4013,119 +4460,60 @@
             <a:spLocks noGrp="1"/>
           </p:cNvSpPr>
           <p:nvPr>
-            <p:ph idx="1"/>
+            <p:ph sz="half" idx="2"/>
           </p:nvPr>
         </p:nvSpPr>
         <p:spPr/>
         <p:txBody>
           <a:bodyPr>
-            <a:normAutofit lnSpcReduction="10000"/>
+            <a:normAutofit fontScale="92500" lnSpcReduction="10000"/>
           </a:bodyPr>
           <a:lstStyle/>
           <a:p>
             <a:r>
+              <a:rPr lang="en-US" dirty="0"/>
+              <a:t>P</a:t>
+            </a:r>
+            <a:r>
+              <a:rPr lang="en-US" dirty="0" smtClean="0"/>
+              <a:t>article filter used to find most likely robot location</a:t>
+            </a:r>
+          </a:p>
+          <a:p>
+            <a:pPr lvl="1"/>
+            <a:r>
               <a:rPr lang="en-US" dirty="0" smtClean="0">
-                <a:solidFill>
-                  <a:schemeClr val="bg1">
-                    <a:lumMod val="75000"/>
-                  </a:schemeClr>
-                </a:solidFill>
+                <a:latin typeface="Cambria Math"/>
+                <a:ea typeface="Cambria Math"/>
               </a:rPr>
-              <a:t>Motivation</a:t>
-            </a:r>
-          </a:p>
-          <a:p>
+              <a:t>Motion model: Gaussian centered around each particle position with ε-random uniform sampling </a:t>
+            </a:r>
+          </a:p>
+          <a:p>
+            <a:pPr lvl="1"/>
             <a:r>
               <a:rPr lang="en-US" dirty="0" smtClean="0">
-                <a:solidFill>
-                  <a:schemeClr val="bg1">
-                    <a:lumMod val="75000"/>
-                  </a:schemeClr>
-                </a:solidFill>
+                <a:latin typeface="Cambria Math"/>
+                <a:ea typeface="Cambria Math"/>
               </a:rPr>
-              <a:t>Hardware</a:t>
+              <a:t>Emission model: motion tracking via background subtraction</a:t>
             </a:r>
           </a:p>
           <a:p>
             <a:r>
               <a:rPr lang="en-US" dirty="0" smtClean="0">
-                <a:solidFill>
-                  <a:schemeClr val="bg1">
-                    <a:lumMod val="75000"/>
-                  </a:schemeClr>
-                </a:solidFill>
+                <a:latin typeface="Cambria Math"/>
+                <a:ea typeface="Cambria Math"/>
               </a:rPr>
-              <a:t>Cooperative System</a:t>
-            </a:r>
-          </a:p>
-          <a:p>
-            <a:r>
-              <a:rPr lang="en-US" dirty="0" smtClean="0"/>
-              <a:t>System Identification</a:t>
-            </a:r>
-          </a:p>
-          <a:p>
-            <a:r>
-              <a:rPr lang="en-US" dirty="0" smtClean="0">
-                <a:solidFill>
-                  <a:schemeClr val="bg1">
-                    <a:lumMod val="75000"/>
-                  </a:schemeClr>
-                </a:solidFill>
-              </a:rPr>
-              <a:t>Model Verification</a:t>
-            </a:r>
-          </a:p>
-          <a:p>
-            <a:pPr lvl="1"/>
-            <a:r>
-              <a:rPr lang="en-US" dirty="0" smtClean="0">
-                <a:solidFill>
-                  <a:schemeClr val="bg1">
-                    <a:lumMod val="75000"/>
-                  </a:schemeClr>
-                </a:solidFill>
-              </a:rPr>
-              <a:t>Simulation result</a:t>
-            </a:r>
-          </a:p>
-          <a:p>
-            <a:pPr lvl="1"/>
-            <a:r>
-              <a:rPr lang="en-US" dirty="0" smtClean="0">
-                <a:solidFill>
-                  <a:schemeClr val="bg1">
-                    <a:lumMod val="75000"/>
-                  </a:schemeClr>
-                </a:solidFill>
-              </a:rPr>
-              <a:t>Experimental verification</a:t>
-            </a:r>
-          </a:p>
-          <a:p>
-            <a:r>
-              <a:rPr lang="en-US" dirty="0" smtClean="0">
-                <a:solidFill>
-                  <a:schemeClr val="bg1">
-                    <a:lumMod val="75000"/>
-                  </a:schemeClr>
-                </a:solidFill>
-              </a:rPr>
-              <a:t>Conclusions</a:t>
-            </a:r>
-          </a:p>
-          <a:p>
-            <a:pPr lvl="1"/>
-            <a:endParaRPr lang="en-US" dirty="0" smtClean="0"/>
-          </a:p>
-          <a:p>
+              <a:t>Boundary of window selected manually</a:t>
+            </a:r>
             <a:endParaRPr lang="en-US" dirty="0"/>
           </a:p>
         </p:txBody>
       </p:sp>
       <p:sp>
         <p:nvSpPr>
-          <p:cNvPr id="4" name="Slide Number Placeholder 3"/>
+          <p:cNvPr id="5" name="Slide Number Placeholder 4"/>
           <p:cNvSpPr>
             <a:spLocks noGrp="1"/>
           </p:cNvSpPr>
@@ -4150,7 +4538,7 @@
     </p:spTree>
     <p:extLst>
       <p:ext uri="{BB962C8B-B14F-4D97-AF65-F5344CB8AC3E}">
-        <p14:creationId xmlns:p14="http://schemas.microsoft.com/office/powerpoint/2010/main" val="2769349391"/>
+        <p14:creationId xmlns:p14="http://schemas.microsoft.com/office/powerpoint/2010/main" val="182190887"/>
       </p:ext>
     </p:extLst>
   </p:cSld>
@@ -4314,6 +4702,207 @@
           <a:p>
             <a:r>
               <a:rPr lang="en-US" dirty="0" smtClean="0"/>
+              <a:t>Outline</a:t>
+            </a:r>
+            <a:endParaRPr lang="en-US" dirty="0"/>
+          </a:p>
+        </p:txBody>
+      </p:sp>
+      <p:sp>
+        <p:nvSpPr>
+          <p:cNvPr id="3" name="Content Placeholder 2"/>
+          <p:cNvSpPr>
+            <a:spLocks noGrp="1"/>
+          </p:cNvSpPr>
+          <p:nvPr>
+            <p:ph idx="1"/>
+          </p:nvPr>
+        </p:nvSpPr>
+        <p:spPr/>
+        <p:txBody>
+          <a:bodyPr>
+            <a:normAutofit lnSpcReduction="10000"/>
+          </a:bodyPr>
+          <a:lstStyle/>
+          <a:p>
+            <a:r>
+              <a:rPr lang="en-US" dirty="0" smtClean="0">
+                <a:solidFill>
+                  <a:schemeClr val="bg1">
+                    <a:lumMod val="75000"/>
+                  </a:schemeClr>
+                </a:solidFill>
+              </a:rPr>
+              <a:t>Motivation</a:t>
+            </a:r>
+          </a:p>
+          <a:p>
+            <a:r>
+              <a:rPr lang="en-US" dirty="0" smtClean="0">
+                <a:solidFill>
+                  <a:schemeClr val="bg1">
+                    <a:lumMod val="75000"/>
+                  </a:schemeClr>
+                </a:solidFill>
+              </a:rPr>
+              <a:t>Hardware</a:t>
+            </a:r>
+          </a:p>
+          <a:p>
+            <a:r>
+              <a:rPr lang="en-US" dirty="0" smtClean="0">
+                <a:solidFill>
+                  <a:schemeClr val="bg1">
+                    <a:lumMod val="75000"/>
+                  </a:schemeClr>
+                </a:solidFill>
+              </a:rPr>
+              <a:t>Cooperative System</a:t>
+            </a:r>
+          </a:p>
+          <a:p>
+            <a:r>
+              <a:rPr lang="en-US" dirty="0" smtClean="0"/>
+              <a:t>System Identification</a:t>
+            </a:r>
+          </a:p>
+          <a:p>
+            <a:r>
+              <a:rPr lang="en-US" dirty="0" smtClean="0">
+                <a:solidFill>
+                  <a:schemeClr val="bg1">
+                    <a:lumMod val="75000"/>
+                  </a:schemeClr>
+                </a:solidFill>
+              </a:rPr>
+              <a:t>Model Verification</a:t>
+            </a:r>
+          </a:p>
+          <a:p>
+            <a:pPr lvl="1"/>
+            <a:r>
+              <a:rPr lang="en-US" dirty="0" smtClean="0">
+                <a:solidFill>
+                  <a:schemeClr val="bg1">
+                    <a:lumMod val="75000"/>
+                  </a:schemeClr>
+                </a:solidFill>
+              </a:rPr>
+              <a:t>Simulation result</a:t>
+            </a:r>
+          </a:p>
+          <a:p>
+            <a:pPr lvl="1"/>
+            <a:r>
+              <a:rPr lang="en-US" dirty="0" smtClean="0">
+                <a:solidFill>
+                  <a:schemeClr val="bg1">
+                    <a:lumMod val="75000"/>
+                  </a:schemeClr>
+                </a:solidFill>
+              </a:rPr>
+              <a:t>Experimental verification</a:t>
+            </a:r>
+          </a:p>
+          <a:p>
+            <a:r>
+              <a:rPr lang="en-US" dirty="0" smtClean="0">
+                <a:solidFill>
+                  <a:schemeClr val="bg1">
+                    <a:lumMod val="75000"/>
+                  </a:schemeClr>
+                </a:solidFill>
+              </a:rPr>
+              <a:t>Conclusions</a:t>
+            </a:r>
+          </a:p>
+          <a:p>
+            <a:pPr lvl="1"/>
+            <a:endParaRPr lang="en-US" dirty="0" smtClean="0"/>
+          </a:p>
+          <a:p>
+            <a:endParaRPr lang="en-US" dirty="0"/>
+          </a:p>
+        </p:txBody>
+      </p:sp>
+      <p:sp>
+        <p:nvSpPr>
+          <p:cNvPr id="4" name="Slide Number Placeholder 3"/>
+          <p:cNvSpPr>
+            <a:spLocks noGrp="1"/>
+          </p:cNvSpPr>
+          <p:nvPr>
+            <p:ph type="sldNum" sz="quarter" idx="12"/>
+          </p:nvPr>
+        </p:nvSpPr>
+        <p:spPr/>
+        <p:txBody>
+          <a:bodyPr/>
+          <a:lstStyle/>
+          <a:p>
+            <a:fld id="{B6F15528-21DE-4FAA-801E-634DDDAF4B2B}" type="slidenum">
+              <a:rPr lang="en-US" smtClean="0"/>
+              <a:pPr/>
+              <a:t>15</a:t>
+            </a:fld>
+            <a:endParaRPr lang="en-US"/>
+          </a:p>
+        </p:txBody>
+      </p:sp>
+    </p:spTree>
+    <p:extLst>
+      <p:ext uri="{BB962C8B-B14F-4D97-AF65-F5344CB8AC3E}">
+        <p14:creationId xmlns:p14="http://schemas.microsoft.com/office/powerpoint/2010/main" val="2769349391"/>
+      </p:ext>
+    </p:extLst>
+  </p:cSld>
+  <p:clrMapOvr>
+    <a:masterClrMapping/>
+  </p:clrMapOvr>
+  <p:timing>
+    <p:tnLst>
+      <p:par>
+        <p:cTn id="1" dur="indefinite" restart="never" nodeType="tmRoot"/>
+      </p:par>
+    </p:tnLst>
+  </p:timing>
+</p:sld>
+</file>
+
+<file path=ppt/slides/slide16.xml><?xml version="1.0" encoding="utf-8"?>
+<p:sld xmlns:a="http://schemas.openxmlformats.org/drawingml/2006/main" xmlns:r="http://schemas.openxmlformats.org/officeDocument/2006/relationships" xmlns:p="http://schemas.openxmlformats.org/presentationml/2006/main">
+  <p:cSld>
+    <p:spTree>
+      <p:nvGrpSpPr>
+        <p:cNvPr id="1" name=""/>
+        <p:cNvGrpSpPr/>
+        <p:nvPr/>
+      </p:nvGrpSpPr>
+      <p:grpSpPr>
+        <a:xfrm>
+          <a:off x="0" y="0"/>
+          <a:ext cx="0" cy="0"/>
+          <a:chOff x="0" y="0"/>
+          <a:chExt cx="0" cy="0"/>
+        </a:xfrm>
+      </p:grpSpPr>
+      <p:sp>
+        <p:nvSpPr>
+          <p:cNvPr id="2" name="Title 1"/>
+          <p:cNvSpPr>
+            <a:spLocks noGrp="1"/>
+          </p:cNvSpPr>
+          <p:nvPr>
+            <p:ph type="title"/>
+          </p:nvPr>
+        </p:nvSpPr>
+        <p:spPr/>
+        <p:txBody>
+          <a:bodyPr/>
+          <a:lstStyle/>
+          <a:p>
+            <a:r>
+              <a:rPr lang="en-US" dirty="0" smtClean="0"/>
               <a:t>System Model</a:t>
             </a:r>
             <a:endParaRPr lang="en-US" dirty="0"/>
@@ -4330,8 +4919,8 @@
             </p:nvSpPr>
             <p:spPr>
               <a:xfrm>
-                <a:off x="2318338" y="5095820"/>
-                <a:ext cx="1146431" cy="914400"/>
+                <a:off x="7787949" y="2355331"/>
+                <a:ext cx="994031" cy="748269"/>
               </a:xfrm>
               <a:prstGeom prst="rect">
                 <a:avLst/>
@@ -4383,7 +4972,7 @@
                             </m:mc>
                           </m:mcs>
                           <m:ctrlPr>
-                            <a:rPr lang="en-US" sz="1400" i="1" smtClean="0">
+                            <a:rPr lang="en-US" sz="1200" i="1" smtClean="0">
                               <a:solidFill>
                                 <a:sysClr val="windowText" lastClr="000000"/>
                               </a:solidFill>
@@ -4397,7 +4986,7 @@
                               <m:accPr>
                                 <m:chr m:val="̇"/>
                                 <m:ctrlPr>
-                                  <a:rPr lang="en-US" sz="1400" i="1" smtClean="0">
+                                  <a:rPr lang="en-US" sz="1200" i="1" smtClean="0">
                                     <a:solidFill>
                                       <a:sysClr val="windowText" lastClr="000000"/>
                                     </a:solidFill>
@@ -4407,7 +4996,7 @@
                               </m:accPr>
                               <m:e>
                                 <m:r>
-                                  <a:rPr lang="en-US" sz="1400" b="0" i="1" smtClean="0">
+                                  <a:rPr lang="en-US" sz="1200" b="0" i="1" smtClean="0">
                                     <a:solidFill>
                                       <a:sysClr val="windowText" lastClr="000000"/>
                                     </a:solidFill>
@@ -4421,7 +5010,7 @@
                               <m:rPr>
                                 <m:brk m:alnAt="7"/>
                               </m:rPr>
-                              <a:rPr lang="en-US" sz="1400" b="0" i="1" smtClean="0">
+                              <a:rPr lang="en-US" sz="1200" b="0" i="1" smtClean="0">
                                 <a:solidFill>
                                   <a:sysClr val="windowText" lastClr="000000"/>
                                 </a:solidFill>
@@ -4430,7 +5019,7 @@
                               <m:t>=</m:t>
                             </m:r>
                             <m:r>
-                              <a:rPr lang="en-US" sz="1400" b="0" i="1" smtClean="0">
+                              <a:rPr lang="en-US" sz="1200" b="0" i="1" smtClean="0">
                                 <a:solidFill>
                                   <a:sysClr val="windowText" lastClr="000000"/>
                                 </a:solidFill>
@@ -4441,7 +5030,7 @@
                             <m:func>
                               <m:funcPr>
                                 <m:ctrlPr>
-                                  <a:rPr lang="en-US" sz="1400" b="0" i="1" smtClean="0">
+                                  <a:rPr lang="en-US" sz="1200" b="0" i="1" smtClean="0">
                                     <a:solidFill>
                                       <a:sysClr val="windowText" lastClr="000000"/>
                                     </a:solidFill>
@@ -4455,18 +5044,30 @@
                                     <m:sty m:val="p"/>
                                     <m:brk m:alnAt="7"/>
                                   </m:rPr>
-                                  <a:rPr lang="en-US" sz="1400" b="0" i="0" smtClean="0">
+                                  <a:rPr lang="en-US" sz="1200" b="0" i="0" smtClean="0">
                                     <a:solidFill>
                                       <a:sysClr val="windowText" lastClr="000000"/>
                                     </a:solidFill>
                                     <a:latin typeface="Cambria Math"/>
                                   </a:rPr>
-                                  <m:t>sin</m:t>
+                                  <m:t>s</m:t>
+                                </m:r>
+                                <m:r>
+                                  <m:rPr>
+                                    <m:sty m:val="p"/>
+                                  </m:rPr>
+                                  <a:rPr lang="en-US" sz="1200" b="0" i="0" smtClean="0">
+                                    <a:solidFill>
+                                      <a:sysClr val="windowText" lastClr="000000"/>
+                                    </a:solidFill>
+                                    <a:latin typeface="Cambria Math"/>
+                                  </a:rPr>
+                                  <m:t>in</m:t>
                                 </m:r>
                               </m:fName>
                               <m:e>
                                 <m:r>
-                                  <a:rPr lang="en-US" sz="1400" b="0" i="1" smtClean="0">
+                                  <a:rPr lang="en-US" sz="1200" b="0" i="1" smtClean="0">
                                     <a:solidFill>
                                       <a:sysClr val="windowText" lastClr="000000"/>
                                     </a:solidFill>
@@ -4485,7 +5086,7 @@
                               <m:accPr>
                                 <m:chr m:val="̇"/>
                                 <m:ctrlPr>
-                                  <a:rPr lang="en-US" sz="1400" i="1" smtClean="0">
+                                  <a:rPr lang="en-US" sz="1200" i="1" smtClean="0">
                                     <a:solidFill>
                                       <a:sysClr val="windowText" lastClr="000000"/>
                                     </a:solidFill>
@@ -4495,7 +5096,7 @@
                               </m:accPr>
                               <m:e>
                                 <m:r>
-                                  <a:rPr lang="en-US" sz="1400" b="0" i="1" smtClean="0">
+                                  <a:rPr lang="en-US" sz="1200" b="0" i="1" smtClean="0">
                                     <a:solidFill>
                                       <a:sysClr val="windowText" lastClr="000000"/>
                                     </a:solidFill>
@@ -4509,7 +5110,7 @@
                               <m:rPr>
                                 <m:brk m:alnAt="7"/>
                               </m:rPr>
-                              <a:rPr lang="en-US" sz="1400" b="0" i="1" smtClean="0">
+                              <a:rPr lang="en-US" sz="1200" b="0" i="1" smtClean="0">
                                 <a:solidFill>
                                   <a:sysClr val="windowText" lastClr="000000"/>
                                 </a:solidFill>
@@ -4518,7 +5119,7 @@
                               <m:t>=</m:t>
                             </m:r>
                             <m:r>
-                              <a:rPr lang="en-US" sz="1400" b="0" i="1" smtClean="0">
+                              <a:rPr lang="en-US" sz="1200" b="0" i="1" smtClean="0">
                                 <a:solidFill>
                                   <a:sysClr val="windowText" lastClr="000000"/>
                                 </a:solidFill>
@@ -4529,7 +5130,7 @@
                             <m:func>
                               <m:funcPr>
                                 <m:ctrlPr>
-                                  <a:rPr lang="en-US" sz="1400" b="0" i="1" smtClean="0">
+                                  <a:rPr lang="en-US" sz="1200" b="0" i="1" smtClean="0">
                                     <a:solidFill>
                                       <a:sysClr val="windowText" lastClr="000000"/>
                                     </a:solidFill>
@@ -4543,18 +5144,30 @@
                                     <m:sty m:val="p"/>
                                     <m:brk m:alnAt="7"/>
                                   </m:rPr>
-                                  <a:rPr lang="en-US" sz="1400" b="0" i="0" smtClean="0">
+                                  <a:rPr lang="en-US" sz="1200" b="0" i="0" smtClean="0">
                                     <a:solidFill>
                                       <a:sysClr val="windowText" lastClr="000000"/>
                                     </a:solidFill>
                                     <a:latin typeface="Cambria Math"/>
                                   </a:rPr>
-                                  <m:t>cos</m:t>
+                                  <m:t>c</m:t>
+                                </m:r>
+                                <m:r>
+                                  <m:rPr>
+                                    <m:sty m:val="p"/>
+                                  </m:rPr>
+                                  <a:rPr lang="en-US" sz="1200" b="0" i="0" smtClean="0">
+                                    <a:solidFill>
+                                      <a:sysClr val="windowText" lastClr="000000"/>
+                                    </a:solidFill>
+                                    <a:latin typeface="Cambria Math"/>
+                                  </a:rPr>
+                                  <m:t>os</m:t>
                                 </m:r>
                               </m:fName>
                               <m:e>
                                 <m:r>
-                                  <a:rPr lang="en-US" sz="1400" b="0" i="1" smtClean="0">
+                                  <a:rPr lang="en-US" sz="1200" b="0" i="1" smtClean="0">
                                     <a:solidFill>
                                       <a:sysClr val="windowText" lastClr="000000"/>
                                     </a:solidFill>
@@ -4571,7 +5184,7 @@
                     </m:oMath>
                   </m:oMathPara>
                 </a14:m>
-                <a:endParaRPr lang="en-US" sz="1400" dirty="0">
+                <a:endParaRPr lang="en-US" sz="1200" dirty="0">
                   <a:solidFill>
                     <a:sysClr val="windowText" lastClr="000000"/>
                   </a:solidFill>
@@ -4591,14 +5204,14 @@
             </p:nvSpPr>
             <p:spPr>
               <a:xfrm>
-                <a:off x="2318338" y="5095820"/>
-                <a:ext cx="1146431" cy="914400"/>
+                <a:off x="7787949" y="2355331"/>
+                <a:ext cx="994031" cy="748269"/>
               </a:xfrm>
               <a:prstGeom prst="rect">
                 <a:avLst/>
               </a:prstGeom>
               <a:blipFill rotWithShape="1">
-                <a:blip r:embed="rId2"/>
+                <a:blip r:embed="rId3"/>
                 <a:stretch>
                   <a:fillRect/>
                 </a:stretch>
@@ -4634,8 +5247,8 @@
             </p:nvSpPr>
             <p:spPr>
               <a:xfrm>
-                <a:off x="4548680" y="5095820"/>
-                <a:ext cx="2170546" cy="914400"/>
+                <a:off x="5791200" y="2355331"/>
+                <a:ext cx="1540199" cy="748269"/>
               </a:xfrm>
               <a:prstGeom prst="rect">
                 <a:avLst/>
@@ -4677,7 +5290,7 @@
                     </m:oMathParaPr>
                     <m:oMath xmlns:m="http://schemas.openxmlformats.org/officeDocument/2006/math">
                       <m:r>
-                        <a:rPr lang="en-US" sz="1400" i="1" smtClean="0">
+                        <a:rPr lang="en-US" sz="1200" i="1" smtClean="0">
                           <a:solidFill>
                             <a:sysClr val="windowText" lastClr="000000"/>
                           </a:solidFill>
@@ -4689,7 +5302,7 @@
                       <m:d>
                         <m:dPr>
                           <m:ctrlPr>
-                            <a:rPr lang="en-US" sz="1400" b="0" i="1" smtClean="0">
+                            <a:rPr lang="en-US" sz="1200" b="0" i="1" smtClean="0">
                               <a:solidFill>
                                 <a:sysClr val="windowText" lastClr="000000"/>
                               </a:solidFill>
@@ -4700,7 +5313,7 @@
                         </m:dPr>
                         <m:e>
                           <m:r>
-                            <a:rPr lang="en-US" sz="1400" b="0" i="1" smtClean="0">
+                            <a:rPr lang="en-US" sz="1200" b="0" i="1" smtClean="0">
                               <a:solidFill>
                                 <a:sysClr val="windowText" lastClr="000000"/>
                               </a:solidFill>
@@ -4712,7 +5325,7 @@
                         </m:e>
                       </m:d>
                       <m:r>
-                        <a:rPr lang="en-US" sz="1400" b="0" i="1" smtClean="0">
+                        <a:rPr lang="en-US" sz="1200" b="0" i="1" smtClean="0">
                           <a:solidFill>
                             <a:sysClr val="windowText" lastClr="000000"/>
                           </a:solidFill>
@@ -4724,7 +5337,7 @@
                       <m:f>
                         <m:fPr>
                           <m:ctrlPr>
-                            <a:rPr lang="en-US" sz="1400" b="0" i="1" smtClean="0">
+                            <a:rPr lang="en-US" sz="1200" b="0" i="1" smtClean="0">
                               <a:solidFill>
                                 <a:sysClr val="windowText" lastClr="000000"/>
                               </a:solidFill>
@@ -4735,7 +5348,7 @@
                         </m:fPr>
                         <m:num>
                           <m:r>
-                            <a:rPr lang="en-US" sz="1400" b="0" i="1" smtClean="0">
+                            <a:rPr lang="en-US" sz="1200" b="0" i="1" smtClean="0">
                               <a:solidFill>
                                 <a:sysClr val="windowText" lastClr="000000"/>
                               </a:solidFill>
@@ -4747,7 +5360,7 @@
                         </m:num>
                         <m:den>
                           <m:r>
-                            <a:rPr lang="en-US" sz="1400" b="0" i="1" smtClean="0">
+                            <a:rPr lang="en-US" sz="1200" b="0" i="1" smtClean="0">
                               <a:solidFill>
                                 <a:sysClr val="windowText" lastClr="000000"/>
                               </a:solidFill>
@@ -4757,7 +5370,7 @@
                             <m:t>1+</m:t>
                           </m:r>
                           <m:r>
-                            <a:rPr lang="en-US" sz="1400" b="0" i="1" smtClean="0">
+                            <a:rPr lang="en-US" sz="1200" b="0" i="1" smtClean="0">
                               <a:solidFill>
                                 <a:sysClr val="windowText" lastClr="000000"/>
                               </a:solidFill>
@@ -4771,7 +5384,7 @@
                       <m:sSub>
                         <m:sSubPr>
                           <m:ctrlPr>
-                            <a:rPr lang="en-US" sz="1400" b="0" i="1" smtClean="0">
+                            <a:rPr lang="en-US" sz="1200" b="0" i="1" smtClean="0">
                               <a:solidFill>
                                 <a:sysClr val="windowText" lastClr="000000"/>
                               </a:solidFill>
@@ -4782,7 +5395,7 @@
                         </m:sSubPr>
                         <m:e>
                           <m:r>
-                            <a:rPr lang="en-US" sz="1400" b="0" i="1" smtClean="0">
+                            <a:rPr lang="en-US" sz="1200" b="0" i="1" smtClean="0">
                               <a:solidFill>
                                 <a:sysClr val="windowText" lastClr="000000"/>
                               </a:solidFill>
@@ -4794,7 +5407,7 @@
                         </m:e>
                         <m:sub>
                           <m:r>
-                            <a:rPr lang="en-US" sz="1400" b="0" i="1" smtClean="0">
+                            <a:rPr lang="en-US" sz="1200" b="0" i="1" smtClean="0">
                               <a:solidFill>
                                 <a:sysClr val="windowText" lastClr="000000"/>
                               </a:solidFill>
@@ -4806,7 +5419,7 @@
                         </m:sub>
                       </m:sSub>
                       <m:r>
-                        <a:rPr lang="en-US" sz="1400" b="0" i="1" smtClean="0">
+                        <a:rPr lang="en-US" sz="1200" b="0" i="1" smtClean="0">
                           <a:solidFill>
                             <a:sysClr val="windowText" lastClr="000000"/>
                           </a:solidFill>
@@ -4816,7 +5429,7 @@
                         <m:t>(</m:t>
                       </m:r>
                       <m:r>
-                        <a:rPr lang="en-US" sz="1400" b="0" i="1" smtClean="0">
+                        <a:rPr lang="en-US" sz="1200" b="0" i="1" smtClean="0">
                           <a:solidFill>
                             <a:sysClr val="windowText" lastClr="000000"/>
                           </a:solidFill>
@@ -4826,7 +5439,7 @@
                         <m:t>𝑠</m:t>
                       </m:r>
                       <m:r>
-                        <a:rPr lang="en-US" sz="1400" b="0" i="1" smtClean="0">
+                        <a:rPr lang="en-US" sz="1200" b="0" i="1" smtClean="0">
                           <a:solidFill>
                             <a:sysClr val="windowText" lastClr="000000"/>
                           </a:solidFill>
@@ -4838,7 +5451,7 @@
                     </m:oMath>
                   </m:oMathPara>
                 </a14:m>
-                <a:endParaRPr lang="en-US" sz="1400" dirty="0">
+                <a:endParaRPr lang="en-US" sz="1200" dirty="0">
                   <a:solidFill>
                     <a:sysClr val="windowText" lastClr="000000"/>
                   </a:solidFill>
@@ -4858,14 +5471,14 @@
             </p:nvSpPr>
             <p:spPr>
               <a:xfrm>
-                <a:off x="4548680" y="5095820"/>
-                <a:ext cx="2170546" cy="914400"/>
+                <a:off x="5791200" y="2355331"/>
+                <a:ext cx="1540199" cy="748269"/>
               </a:xfrm>
               <a:prstGeom prst="rect">
                 <a:avLst/>
               </a:prstGeom>
               <a:blipFill rotWithShape="1">
-                <a:blip r:embed="rId3"/>
+                <a:blip r:embed="rId4"/>
                 <a:stretch>
                   <a:fillRect/>
                 </a:stretch>
@@ -4895,15 +5508,15 @@
         <p:nvCxnSpPr>
           <p:cNvPr id="7" name="Straight Arrow Connector 6"/>
           <p:cNvCxnSpPr>
-            <a:stCxn id="5" idx="1"/>
-            <a:endCxn id="4" idx="3"/>
+            <a:stCxn id="5" idx="3"/>
+            <a:endCxn id="4" idx="1"/>
           </p:cNvCxnSpPr>
           <p:nvPr/>
         </p:nvCxnSpPr>
         <p:spPr>
-          <a:xfrm flipH="1">
-            <a:off x="3464769" y="5553020"/>
-            <a:ext cx="1083911" cy="0"/>
+          <a:xfrm>
+            <a:off x="7331399" y="2729466"/>
+            <a:ext cx="456550" cy="0"/>
           </a:xfrm>
           <a:prstGeom prst="straightConnector1">
             <a:avLst/>
@@ -4940,7 +5553,7 @@
             </p:nvSpPr>
             <p:spPr>
               <a:xfrm>
-                <a:off x="517212" y="3015734"/>
+                <a:off x="573028" y="2634734"/>
                 <a:ext cx="374140" cy="369332"/>
               </a:xfrm>
               <a:prstGeom prst="rect">
@@ -4954,6 +5567,7 @@
               </a:bodyPr>
               <a:lstStyle/>
               <a:p>
+                <a:pPr/>
                 <a14:m>
                   <m:oMathPara xmlns:m="http://schemas.openxmlformats.org/officeDocument/2006/math">
                     <m:oMathParaPr>
@@ -4986,14 +5600,14 @@
             </p:nvSpPr>
             <p:spPr>
               <a:xfrm>
-                <a:off x="517212" y="3015734"/>
+                <a:off x="573028" y="2634734"/>
                 <a:ext cx="374140" cy="369332"/>
               </a:xfrm>
               <a:prstGeom prst="rect">
                 <a:avLst/>
               </a:prstGeom>
               <a:blipFill rotWithShape="1">
-                <a:blip r:embed="rId4"/>
+                <a:blip r:embed="rId5"/>
                 <a:stretch>
                   <a:fillRect/>
                 </a:stretch>
@@ -5024,8 +5638,8 @@
             </p:nvSpPr>
             <p:spPr>
               <a:xfrm>
-                <a:off x="1295586" y="2209800"/>
-                <a:ext cx="4338367" cy="914400"/>
+                <a:off x="360150" y="2355333"/>
+                <a:ext cx="1980954" cy="748267"/>
               </a:xfrm>
               <a:prstGeom prst="rect">
                 <a:avLst/>
@@ -5067,7 +5681,7 @@
                     </m:oMathParaPr>
                     <m:oMath xmlns:m="http://schemas.openxmlformats.org/officeDocument/2006/math">
                       <m:r>
-                        <a:rPr lang="en-US" sz="1400" b="0" i="1" smtClean="0">
+                        <a:rPr lang="en-US" sz="1200" b="0" i="1" smtClean="0">
                           <a:solidFill>
                             <a:sysClr val="windowText" lastClr="000000"/>
                           </a:solidFill>
@@ -5079,7 +5693,7 @@
                       <m:d>
                         <m:dPr>
                           <m:ctrlPr>
-                            <a:rPr lang="en-US" sz="1400" b="0" i="1" smtClean="0">
+                            <a:rPr lang="en-US" sz="1200" b="0" i="1" smtClean="0">
                               <a:solidFill>
                                 <a:sysClr val="windowText" lastClr="000000"/>
                               </a:solidFill>
@@ -5090,7 +5704,7 @@
                         </m:dPr>
                         <m:e>
                           <m:r>
-                            <a:rPr lang="en-US" sz="1400" b="0" i="1" smtClean="0">
+                            <a:rPr lang="en-US" sz="1200" b="0" i="1" smtClean="0">
                               <a:solidFill>
                                 <a:sysClr val="windowText" lastClr="000000"/>
                               </a:solidFill>
@@ -5102,7 +5716,7 @@
                         </m:e>
                       </m:d>
                       <m:r>
-                        <a:rPr lang="en-US" sz="1400" b="0" i="1" smtClean="0">
+                        <a:rPr lang="en-US" sz="1200" b="0" i="1" smtClean="0">
                           <a:solidFill>
                             <a:sysClr val="windowText" lastClr="000000"/>
                           </a:solidFill>
@@ -5114,7 +5728,7 @@
                       <m:f>
                         <m:fPr>
                           <m:ctrlPr>
-                            <a:rPr lang="en-US" sz="1400" b="0" i="1" smtClean="0">
+                            <a:rPr lang="en-US" sz="1200" b="0" i="1" smtClean="0">
                               <a:solidFill>
                                 <a:sysClr val="windowText" lastClr="000000"/>
                               </a:solidFill>
@@ -5125,39 +5739,19 @@
                         </m:fPr>
                         <m:num>
                           <m:r>
-                            <a:rPr lang="en-US" sz="1400" b="0" i="1" smtClean="0">
+                            <a:rPr lang="en-US" sz="1200" b="0" i="1" smtClean="0">
                               <a:solidFill>
                                 <a:sysClr val="windowText" lastClr="000000"/>
                               </a:solidFill>
                               <a:latin typeface="Cambria Math"/>
                               <a:ea typeface="Cambria Math"/>
                             </a:rPr>
-                            <m:t>𝑝𝑖𝑥𝑒𝑙</m:t>
-                          </m:r>
-                          <m:r>
-                            <a:rPr lang="en-US" sz="1400" b="0" i="1" smtClean="0">
-                              <a:solidFill>
-                                <a:sysClr val="windowText" lastClr="000000"/>
-                              </a:solidFill>
-                              <a:latin typeface="Cambria Math"/>
-                              <a:ea typeface="Cambria Math"/>
-                            </a:rPr>
-                            <m:t> </m:t>
-                          </m:r>
-                          <m:r>
-                            <a:rPr lang="en-US" sz="1400" b="0" i="1" smtClean="0">
-                              <a:solidFill>
-                                <a:sysClr val="windowText" lastClr="000000"/>
-                              </a:solidFill>
-                              <a:latin typeface="Cambria Math"/>
-                              <a:ea typeface="Cambria Math"/>
-                            </a:rPr>
-                            <m:t>𝑤𝑖𝑑𝑡h</m:t>
+                            <m:t>𝑤</m:t>
                           </m:r>
                         </m:num>
                         <m:den>
                           <m:r>
-                            <a:rPr lang="en-US" sz="1400" b="0" i="1" smtClean="0">
+                            <a:rPr lang="en-US" sz="1200" b="0" i="1" smtClean="0">
                               <a:solidFill>
                                 <a:sysClr val="windowText" lastClr="000000"/>
                               </a:solidFill>
@@ -5167,7 +5761,7 @@
                             <m:t>2</m:t>
                           </m:r>
                           <m:r>
-                            <a:rPr lang="en-US" sz="1400" b="0" i="1" smtClean="0">
+                            <a:rPr lang="en-US" sz="1200" b="0" i="1" smtClean="0">
                               <a:solidFill>
                                 <a:sysClr val="windowText" lastClr="000000"/>
                               </a:solidFill>
@@ -5179,7 +5773,7 @@
                           <m:func>
                             <m:funcPr>
                               <m:ctrlPr>
-                                <a:rPr lang="en-US" sz="1400" b="0" i="1" smtClean="0">
+                                <a:rPr lang="en-US" sz="1200" b="0" i="1" smtClean="0">
                                   <a:solidFill>
                                     <a:sysClr val="windowText" lastClr="000000"/>
                                   </a:solidFill>
@@ -5193,7 +5787,7 @@
                                 <m:rPr>
                                   <m:sty m:val="p"/>
                                 </m:rPr>
-                                <a:rPr lang="en-US" sz="1400" b="0" i="0" smtClean="0">
+                                <a:rPr lang="en-US" sz="1200" b="0" i="0" smtClean="0">
                                   <a:solidFill>
                                     <a:sysClr val="windowText" lastClr="000000"/>
                                   </a:solidFill>
@@ -5207,7 +5801,7 @@
                               <m:f>
                                 <m:fPr>
                                   <m:ctrlPr>
-                                    <a:rPr lang="en-US" sz="1400" b="0" i="1" smtClean="0">
+                                    <a:rPr lang="en-US" sz="1200" b="0" i="1" smtClean="0">
                                       <a:solidFill>
                                         <a:sysClr val="windowText" lastClr="000000"/>
                                       </a:solidFill>
@@ -5218,39 +5812,19 @@
                                 </m:fPr>
                                 <m:num>
                                   <m:r>
-                                    <a:rPr lang="en-US" sz="1400" b="0" i="1" smtClean="0">
+                                    <a:rPr lang="en-US" sz="1200" b="0" i="1" smtClean="0">
                                       <a:solidFill>
                                         <a:sysClr val="windowText" lastClr="000000"/>
                                       </a:solidFill>
                                       <a:latin typeface="Cambria Math"/>
                                       <a:ea typeface="Cambria Math"/>
                                     </a:rPr>
-                                    <m:t>𝑣𝑖𝑒𝑤𝑖𝑛𝑔</m:t>
-                                  </m:r>
-                                  <m:r>
-                                    <a:rPr lang="en-US" sz="1400" b="0" i="1" smtClean="0">
-                                      <a:solidFill>
-                                        <a:sysClr val="windowText" lastClr="000000"/>
-                                      </a:solidFill>
-                                      <a:latin typeface="Cambria Math"/>
-                                      <a:ea typeface="Cambria Math"/>
-                                    </a:rPr>
-                                    <m:t> </m:t>
-                                  </m:r>
-                                  <m:r>
-                                    <a:rPr lang="en-US" sz="1400" b="0" i="1" smtClean="0">
-                                      <a:solidFill>
-                                        <a:sysClr val="windowText" lastClr="000000"/>
-                                      </a:solidFill>
-                                      <a:latin typeface="Cambria Math"/>
-                                      <a:ea typeface="Cambria Math"/>
-                                    </a:rPr>
-                                    <m:t>𝑎𝑛𝑔𝑙𝑒</m:t>
+                                    <m:t>∅</m:t>
                                   </m:r>
                                 </m:num>
                                 <m:den>
                                   <m:r>
-                                    <a:rPr lang="en-US" sz="1400" b="0" i="1" smtClean="0">
+                                    <a:rPr lang="en-US" sz="1200" b="0" i="1" smtClean="0">
                                       <a:solidFill>
                                         <a:sysClr val="windowText" lastClr="000000"/>
                                       </a:solidFill>
@@ -5266,7 +5840,7 @@
                         </m:den>
                       </m:f>
                       <m:r>
-                        <a:rPr lang="en-US" sz="1400" b="0" i="1" smtClean="0">
+                        <a:rPr lang="en-US" sz="1200" b="0" i="1" smtClean="0">
                           <a:solidFill>
                             <a:sysClr val="windowText" lastClr="000000"/>
                           </a:solidFill>
@@ -5278,7 +5852,7 @@
                       <m:f>
                         <m:fPr>
                           <m:ctrlPr>
-                            <a:rPr lang="en-US" sz="1400" b="0" i="1" smtClean="0">
+                            <a:rPr lang="en-US" sz="1200" b="0" i="1" smtClean="0">
                               <a:solidFill>
                                 <a:sysClr val="windowText" lastClr="000000"/>
                               </a:solidFill>
@@ -5289,71 +5863,31 @@
                         </m:fPr>
                         <m:num>
                           <m:r>
-                            <a:rPr lang="en-US" sz="1400" b="0" i="1" smtClean="0">
+                            <a:rPr lang="en-US" sz="1200" b="0" i="1" smtClean="0">
                               <a:solidFill>
                                 <a:sysClr val="windowText" lastClr="000000"/>
                               </a:solidFill>
                               <a:latin typeface="Cambria Math"/>
                               <a:ea typeface="Cambria Math"/>
                             </a:rPr>
-                            <m:t>𝑣𝑖𝑒𝑤𝑖𝑛𝑔</m:t>
+                            <m:t>∅</m:t>
                           </m:r>
+                        </m:num>
+                        <m:den>
                           <m:r>
-                            <a:rPr lang="en-US" sz="1400" b="0" i="1" smtClean="0">
+                            <a:rPr lang="en-US" sz="1200" b="0" i="1" smtClean="0">
                               <a:solidFill>
                                 <a:sysClr val="windowText" lastClr="000000"/>
                               </a:solidFill>
                               <a:latin typeface="Cambria Math"/>
                               <a:ea typeface="Cambria Math"/>
                             </a:rPr>
-                            <m:t> </m:t>
-                          </m:r>
-                          <m:r>
-                            <a:rPr lang="en-US" sz="1400" b="0" i="1" smtClean="0">
-                              <a:solidFill>
-                                <a:sysClr val="windowText" lastClr="000000"/>
-                              </a:solidFill>
-                              <a:latin typeface="Cambria Math"/>
-                              <a:ea typeface="Cambria Math"/>
-                            </a:rPr>
-                            <m:t>𝑎𝑛𝑔𝑙𝑒</m:t>
-                          </m:r>
-                        </m:num>
-                        <m:den>
-                          <m:r>
-                            <a:rPr lang="en-US" sz="1400" b="0" i="1" smtClean="0">
-                              <a:solidFill>
-                                <a:sysClr val="windowText" lastClr="000000"/>
-                              </a:solidFill>
-                              <a:latin typeface="Cambria Math"/>
-                              <a:ea typeface="Cambria Math"/>
-                            </a:rPr>
-                            <m:t>𝑝𝑖𝑥𝑒𝑙</m:t>
-                          </m:r>
-                          <m:r>
-                            <a:rPr lang="en-US" sz="1400" b="0" i="1" smtClean="0">
-                              <a:solidFill>
-                                <a:sysClr val="windowText" lastClr="000000"/>
-                              </a:solidFill>
-                              <a:latin typeface="Cambria Math"/>
-                              <a:ea typeface="Cambria Math"/>
-                            </a:rPr>
-                            <m:t> </m:t>
-                          </m:r>
-                          <m:r>
-                            <a:rPr lang="en-US" sz="1400" b="0" i="1" smtClean="0">
-                              <a:solidFill>
-                                <a:sysClr val="windowText" lastClr="000000"/>
-                              </a:solidFill>
-                              <a:latin typeface="Cambria Math"/>
-                              <a:ea typeface="Cambria Math"/>
-                            </a:rPr>
-                            <m:t>𝑤𝑖𝑑𝑡h</m:t>
+                            <m:t>𝑤</m:t>
                           </m:r>
                         </m:den>
                       </m:f>
                       <m:r>
-                        <a:rPr lang="en-US" sz="1400" b="0" i="1" smtClean="0">
+                        <a:rPr lang="en-US" sz="1200" b="0" i="1" smtClean="0">
                           <a:solidFill>
                             <a:sysClr val="windowText" lastClr="000000"/>
                           </a:solidFill>
@@ -5363,7 +5897,7 @@
                         <m:t>×</m:t>
                       </m:r>
                       <m:r>
-                        <a:rPr lang="en-US" sz="1400" b="0" i="1" smtClean="0">
+                        <a:rPr lang="en-US" sz="1200" b="0" i="1" smtClean="0">
                           <a:solidFill>
                             <a:sysClr val="windowText" lastClr="000000"/>
                           </a:solidFill>
@@ -5375,7 +5909,7 @@
                       <m:d>
                         <m:dPr>
                           <m:ctrlPr>
-                            <a:rPr lang="en-US" sz="1400" b="0" i="1" smtClean="0">
+                            <a:rPr lang="en-US" sz="1200" b="0" i="1" smtClean="0">
                               <a:solidFill>
                                 <a:sysClr val="windowText" lastClr="000000"/>
                               </a:solidFill>
@@ -5386,7 +5920,7 @@
                         </m:dPr>
                         <m:e>
                           <m:r>
-                            <a:rPr lang="en-US" sz="1400" b="0" i="1" smtClean="0">
+                            <a:rPr lang="en-US" sz="1200" b="0" i="1" smtClean="0">
                               <a:solidFill>
                                 <a:sysClr val="windowText" lastClr="000000"/>
                               </a:solidFill>
@@ -5400,7 +5934,7 @@
                     </m:oMath>
                   </m:oMathPara>
                 </a14:m>
-                <a:endParaRPr lang="en-US" sz="1400" dirty="0">
+                <a:endParaRPr lang="en-US" sz="1200" dirty="0">
                   <a:solidFill>
                     <a:sysClr val="windowText" lastClr="000000"/>
                   </a:solidFill>
@@ -5420,14 +5954,14 @@
             </p:nvSpPr>
             <p:spPr>
               <a:xfrm>
-                <a:off x="1295586" y="2209800"/>
-                <a:ext cx="4338367" cy="914400"/>
+                <a:off x="360150" y="2355333"/>
+                <a:ext cx="1980954" cy="748267"/>
               </a:xfrm>
               <a:prstGeom prst="rect">
                 <a:avLst/>
               </a:prstGeom>
               <a:blipFill rotWithShape="1">
-                <a:blip r:embed="rId5"/>
+                <a:blip r:embed="rId6"/>
                 <a:stretch>
                   <a:fillRect/>
                 </a:stretch>
@@ -5461,8 +5995,8 @@
         </p:nvSpPr>
         <p:spPr>
           <a:xfrm>
-            <a:off x="6019986" y="2209800"/>
-            <a:ext cx="1676399" cy="914400"/>
+            <a:off x="2765109" y="2355332"/>
+            <a:ext cx="1112508" cy="748268"/>
           </a:xfrm>
           <a:prstGeom prst="rect">
             <a:avLst/>
@@ -5498,14 +6032,22 @@
           <a:p>
             <a:pPr algn="ctr"/>
             <a:r>
-              <a:rPr lang="en-US" sz="1400" dirty="0" smtClean="0">
+              <a:rPr lang="en-US" sz="1200" dirty="0" smtClean="0">
                 <a:solidFill>
                   <a:sysClr val="windowText" lastClr="000000"/>
                 </a:solidFill>
               </a:rPr>
-              <a:t>Proportional-Integral-Derivative Controller</a:t>
-            </a:r>
-            <a:endParaRPr lang="en-US" sz="1400" dirty="0">
+              <a:t>PID </a:t>
+            </a:r>
+            <a:r>
+              <a:rPr lang="en-US" sz="1200" dirty="0" smtClean="0">
+                <a:solidFill>
+                  <a:sysClr val="windowText" lastClr="000000"/>
+                </a:solidFill>
+              </a:rPr>
+              <a:t>Controller</a:t>
+            </a:r>
+            <a:endParaRPr lang="en-US" sz="1200" dirty="0">
               <a:solidFill>
                 <a:sysClr val="windowText" lastClr="000000"/>
               </a:solidFill>
@@ -5521,7 +6063,7 @@
         </p:nvSpPr>
         <p:spPr>
           <a:xfrm>
-            <a:off x="167451" y="3733800"/>
+            <a:off x="1767775" y="3578379"/>
             <a:ext cx="1447799" cy="838200"/>
           </a:xfrm>
           <a:prstGeom prst="rect">
@@ -5558,12 +6100,20 @@
           <a:p>
             <a:pPr algn="ctr"/>
             <a:r>
+              <a:rPr lang="en-US" sz="1200" dirty="0" smtClean="0">
+                <a:solidFill>
+                  <a:sysClr val="windowText" lastClr="000000"/>
+                </a:solidFill>
+              </a:rPr>
+              <a:t>Camera Latenc</a:t>
+            </a:r>
+            <a:r>
               <a:rPr lang="en-US" sz="1400" dirty="0" smtClean="0">
                 <a:solidFill>
                   <a:sysClr val="windowText" lastClr="000000"/>
                 </a:solidFill>
               </a:rPr>
-              <a:t>Camera Latency</a:t>
+              <a:t>y</a:t>
             </a:r>
             <a:endParaRPr lang="en-US" sz="1400" dirty="0">
               <a:solidFill>
@@ -5581,8 +6131,8 @@
         </p:nvSpPr>
         <p:spPr>
           <a:xfrm>
-            <a:off x="7315200" y="3733800"/>
-            <a:ext cx="1447799" cy="838200"/>
+            <a:off x="4214632" y="2355333"/>
+            <a:ext cx="1143000" cy="748267"/>
           </a:xfrm>
           <a:prstGeom prst="rect">
             <a:avLst/>
@@ -5618,14 +6168,14 @@
           <a:p>
             <a:pPr algn="ctr"/>
             <a:r>
-              <a:rPr lang="en-US" sz="1400" dirty="0" smtClean="0">
+              <a:rPr lang="en-US" sz="1200" dirty="0" smtClean="0">
                 <a:solidFill>
                   <a:sysClr val="windowText" lastClr="000000"/>
                 </a:solidFill>
               </a:rPr>
               <a:t>Transmission Latency</a:t>
             </a:r>
-            <a:endParaRPr lang="en-US" sz="1400" dirty="0">
+            <a:endParaRPr lang="en-US" sz="1200" dirty="0">
               <a:solidFill>
                 <a:sysClr val="windowText" lastClr="000000"/>
               </a:solidFill>
@@ -5637,18 +6187,20 @@
         <p:nvCxnSpPr>
           <p:cNvPr id="28" name="Straight Arrow Connector 27"/>
           <p:cNvCxnSpPr>
-            <a:stCxn id="16" idx="2"/>
-            <a:endCxn id="5" idx="3"/>
+            <a:stCxn id="16" idx="3"/>
+            <a:endCxn id="5" idx="1"/>
           </p:cNvCxnSpPr>
           <p:nvPr/>
         </p:nvCxnSpPr>
         <p:spPr>
-          <a:xfrm rot="5400000">
-            <a:off x="6888653" y="4402573"/>
-            <a:ext cx="981020" cy="1319874"/>
+          <a:xfrm flipV="1">
+            <a:off x="5357632" y="2729466"/>
+            <a:ext cx="433568" cy="1"/>
           </a:xfrm>
-          <a:prstGeom prst="bentConnector2">
-            <a:avLst/>
+          <a:prstGeom prst="bentConnector3">
+            <a:avLst>
+              <a:gd name="adj1" fmla="val 50000"/>
+            </a:avLst>
           </a:prstGeom>
           <a:ln w="38100">
             <a:solidFill>
@@ -5682,9 +6234,9 @@
           <p:nvPr/>
         </p:nvCxnSpPr>
         <p:spPr>
-          <a:xfrm>
-            <a:off x="5633953" y="2667000"/>
-            <a:ext cx="386033" cy="0"/>
+          <a:xfrm flipV="1">
+            <a:off x="2341104" y="2729466"/>
+            <a:ext cx="424005" cy="1"/>
           </a:xfrm>
           <a:prstGeom prst="straightConnector1">
             <a:avLst/>
@@ -5715,18 +6267,20 @@
         <p:nvCxnSpPr>
           <p:cNvPr id="35" name="Straight Arrow Connector 27"/>
           <p:cNvCxnSpPr>
-            <a:stCxn id="4" idx="1"/>
-            <a:endCxn id="15" idx="2"/>
+            <a:stCxn id="4" idx="3"/>
+            <a:endCxn id="15" idx="3"/>
           </p:cNvCxnSpPr>
           <p:nvPr/>
         </p:nvCxnSpPr>
         <p:spPr>
-          <a:xfrm rot="10800000">
-            <a:off x="891352" y="4572000"/>
-            <a:ext cx="1426987" cy="981020"/>
+          <a:xfrm flipH="1">
+            <a:off x="3215574" y="2729466"/>
+            <a:ext cx="5566406" cy="1268013"/>
           </a:xfrm>
-          <a:prstGeom prst="bentConnector2">
-            <a:avLst/>
+          <a:prstGeom prst="bentConnector3">
+            <a:avLst>
+              <a:gd name="adj1" fmla="val -4107"/>
+            </a:avLst>
           </a:prstGeom>
           <a:ln w="38100">
             <a:solidFill>
@@ -5754,18 +6308,20 @@
         <p:nvCxnSpPr>
           <p:cNvPr id="36" name="Straight Arrow Connector 27"/>
           <p:cNvCxnSpPr>
-            <a:stCxn id="15" idx="0"/>
+            <a:stCxn id="15" idx="1"/>
             <a:endCxn id="9" idx="1"/>
           </p:cNvCxnSpPr>
           <p:nvPr/>
         </p:nvCxnSpPr>
         <p:spPr>
-          <a:xfrm rot="5400000" flipH="1" flipV="1">
-            <a:off x="560068" y="2998283"/>
-            <a:ext cx="1066800" cy="404235"/>
+          <a:xfrm rot="10800000">
+            <a:off x="360151" y="2729467"/>
+            <a:ext cx="1407625" cy="1268012"/>
           </a:xfrm>
-          <a:prstGeom prst="bentConnector2">
-            <a:avLst/>
+          <a:prstGeom prst="bentConnector3">
+            <a:avLst>
+              <a:gd name="adj1" fmla="val 116240"/>
+            </a:avLst>
           </a:prstGeom>
           <a:ln w="38100">
             <a:solidFill>
@@ -5794,17 +6350,19 @@
           <p:cNvPr id="37" name="Straight Arrow Connector 27"/>
           <p:cNvCxnSpPr>
             <a:stCxn id="12" idx="3"/>
-            <a:endCxn id="16" idx="0"/>
+            <a:endCxn id="16" idx="1"/>
           </p:cNvCxnSpPr>
           <p:nvPr/>
         </p:nvCxnSpPr>
         <p:spPr>
           <a:xfrm>
-            <a:off x="7696385" y="2667000"/>
-            <a:ext cx="342715" cy="1066800"/>
+            <a:off x="3877617" y="2729466"/>
+            <a:ext cx="337015" cy="1"/>
           </a:xfrm>
-          <a:prstGeom prst="bentConnector2">
-            <a:avLst/>
+          <a:prstGeom prst="bentConnector3">
+            <a:avLst>
+              <a:gd name="adj1" fmla="val 50000"/>
+            </a:avLst>
           </a:prstGeom>
           <a:ln w="38100">
             <a:solidFill>
@@ -5838,7 +6396,7 @@
             </p:nvSpPr>
             <p:spPr>
               <a:xfrm>
-                <a:off x="8039099" y="2939534"/>
+                <a:off x="4545361" y="1985999"/>
                 <a:ext cx="481542" cy="369332"/>
               </a:xfrm>
               <a:prstGeom prst="rect">
@@ -5852,6 +6410,7 @@
               </a:bodyPr>
               <a:lstStyle/>
               <a:p>
+                <a:pPr/>
                 <a14:m>
                   <m:oMathPara xmlns:m="http://schemas.openxmlformats.org/officeDocument/2006/math">
                     <m:oMathParaPr>
@@ -5905,14 +6464,14 @@
             </p:nvSpPr>
             <p:spPr>
               <a:xfrm>
-                <a:off x="8039099" y="2939534"/>
+                <a:off x="4545361" y="1985999"/>
                 <a:ext cx="481542" cy="369332"/>
               </a:xfrm>
               <a:prstGeom prst="rect">
                 <a:avLst/>
               </a:prstGeom>
               <a:blipFill rotWithShape="1">
-                <a:blip r:embed="rId6"/>
+                <a:blip r:embed="rId7"/>
                 <a:stretch>
                   <a:fillRect/>
                 </a:stretch>
@@ -5943,7 +6502,7 @@
             </p:nvSpPr>
             <p:spPr>
               <a:xfrm>
-                <a:off x="3840492" y="5553020"/>
+                <a:off x="7379942" y="2355331"/>
                 <a:ext cx="374140" cy="369332"/>
               </a:xfrm>
               <a:prstGeom prst="rect">
@@ -5957,6 +6516,7 @@
               </a:bodyPr>
               <a:lstStyle/>
               <a:p>
+                <a:pPr/>
                 <a14:m>
                   <m:oMathPara xmlns:m="http://schemas.openxmlformats.org/officeDocument/2006/math">
                     <m:oMathParaPr>
@@ -5989,14 +6549,14 @@
             </p:nvSpPr>
             <p:spPr>
               <a:xfrm>
-                <a:off x="3840492" y="5553020"/>
+                <a:off x="7379942" y="2355331"/>
                 <a:ext cx="374140" cy="369332"/>
               </a:xfrm>
               <a:prstGeom prst="rect">
                 <a:avLst/>
               </a:prstGeom>
               <a:blipFill rotWithShape="1">
-                <a:blip r:embed="rId7"/>
+                <a:blip r:embed="rId8"/>
                 <a:stretch>
                   <a:fillRect/>
                 </a:stretch>
@@ -6027,7 +6587,7 @@
             </p:nvSpPr>
             <p:spPr>
               <a:xfrm>
-                <a:off x="1417776" y="5581877"/>
+                <a:off x="6906717" y="4005088"/>
                 <a:ext cx="588366" cy="369332"/>
               </a:xfrm>
               <a:prstGeom prst="rect">
@@ -6041,6 +6601,7 @@
               </a:bodyPr>
               <a:lstStyle/>
               <a:p>
+                <a:pPr/>
                 <a14:m>
                   <m:oMathPara xmlns:m="http://schemas.openxmlformats.org/officeDocument/2006/math">
                     <m:oMathParaPr>
@@ -6087,16 +6648,16 @@
             </p:nvSpPr>
             <p:spPr>
               <a:xfrm>
-                <a:off x="1417776" y="5581877"/>
+                <a:off x="6906717" y="4005088"/>
                 <a:ext cx="588366" cy="369332"/>
               </a:xfrm>
               <a:prstGeom prst="rect">
                 <a:avLst/>
               </a:prstGeom>
               <a:blipFill rotWithShape="1">
-                <a:blip r:embed="rId8"/>
+                <a:blip r:embed="rId9"/>
                 <a:stretch>
-                  <a:fillRect b="-6667"/>
+                  <a:fillRect b="-4918"/>
                 </a:stretch>
               </a:blipFill>
             </p:spPr>
@@ -6125,7 +6686,7 @@
             </p:nvSpPr>
             <p:spPr>
               <a:xfrm>
-                <a:off x="5645846" y="2293122"/>
+                <a:off x="2390969" y="2275466"/>
                 <a:ext cx="374140" cy="369332"/>
               </a:xfrm>
               <a:prstGeom prst="rect">
@@ -6139,6 +6700,7 @@
               </a:bodyPr>
               <a:lstStyle/>
               <a:p>
+                <a:pPr/>
                 <a14:m>
                   <m:oMathPara xmlns:m="http://schemas.openxmlformats.org/officeDocument/2006/math">
                     <m:oMathParaPr>
@@ -6171,113 +6733,8 @@
             </p:nvSpPr>
             <p:spPr>
               <a:xfrm>
-                <a:off x="5645846" y="2293122"/>
+                <a:off x="2390969" y="2275466"/>
                 <a:ext cx="374140" cy="369332"/>
-              </a:xfrm>
-              <a:prstGeom prst="rect">
-                <a:avLst/>
-              </a:prstGeom>
-              <a:blipFill rotWithShape="1">
-                <a:blip r:embed="rId9"/>
-                <a:stretch>
-                  <a:fillRect/>
-                </a:stretch>
-              </a:blipFill>
-            </p:spPr>
-            <p:txBody>
-              <a:bodyPr/>
-              <a:lstStyle/>
-              <a:p>
-                <a:r>
-                  <a:rPr lang="en-US">
-                    <a:noFill/>
-                  </a:rPr>
-                  <a:t> </a:t>
-                </a:r>
-              </a:p>
-            </p:txBody>
-          </p:sp>
-        </mc:Fallback>
-      </mc:AlternateContent>
-      <mc:AlternateContent xmlns:mc="http://schemas.openxmlformats.org/markup-compatibility/2006">
-        <mc:Choice xmlns:a14="http://schemas.microsoft.com/office/drawing/2010/main" Requires="a14">
-          <p:sp>
-            <p:nvSpPr>
-              <p:cNvPr id="57" name="TextBox 56"/>
-              <p:cNvSpPr txBox="1"/>
-              <p:nvPr/>
-            </p:nvSpPr>
-            <p:spPr>
-              <a:xfrm>
-                <a:off x="8054569" y="4911154"/>
-                <a:ext cx="481542" cy="369332"/>
-              </a:xfrm>
-              <a:prstGeom prst="rect">
-                <a:avLst/>
-              </a:prstGeom>
-              <a:noFill/>
-            </p:spPr>
-            <p:txBody>
-              <a:bodyPr wrap="none" rtlCol="0">
-                <a:spAutoFit/>
-              </a:bodyPr>
-              <a:lstStyle/>
-              <a:p>
-                <a14:m>
-                  <m:oMathPara xmlns:m="http://schemas.openxmlformats.org/officeDocument/2006/math">
-                    <m:oMathParaPr>
-                      <m:jc m:val="centerGroup"/>
-                    </m:oMathParaPr>
-                    <m:oMath xmlns:m="http://schemas.openxmlformats.org/officeDocument/2006/math">
-                      <m:sSub>
-                        <m:sSubPr>
-                          <m:ctrlPr>
-                            <a:rPr lang="en-US" b="0" i="1" dirty="0" smtClean="0">
-                              <a:latin typeface="Cambria Math"/>
-                              <a:ea typeface="Cambria Math"/>
-                            </a:rPr>
-                          </m:ctrlPr>
-                        </m:sSubPr>
-                        <m:e>
-                          <m:r>
-                            <a:rPr lang="en-US" b="0" i="1" dirty="0" smtClean="0">
-                              <a:latin typeface="Cambria Math"/>
-                              <a:ea typeface="Cambria Math"/>
-                            </a:rPr>
-                            <m:t>𝜃</m:t>
-                          </m:r>
-                        </m:e>
-                        <m:sub>
-                          <m:r>
-                            <a:rPr lang="en-US" b="0" i="1" dirty="0" smtClean="0">
-                              <a:latin typeface="Cambria Math"/>
-                              <a:ea typeface="Cambria Math"/>
-                            </a:rPr>
-                            <m:t>𝑑</m:t>
-                          </m:r>
-                        </m:sub>
-                      </m:sSub>
-                    </m:oMath>
-                  </m:oMathPara>
-                </a14:m>
-                <a:endParaRPr lang="en-US" dirty="0"/>
-              </a:p>
-            </p:txBody>
-          </p:sp>
-        </mc:Choice>
-        <mc:Fallback>
-          <p:sp>
-            <p:nvSpPr>
-              <p:cNvPr id="57" name="TextBox 56"/>
-              <p:cNvSpPr txBox="1">
-                <a:spLocks noRot="1" noChangeAspect="1" noMove="1" noResize="1" noEditPoints="1" noAdjustHandles="1" noChangeArrowheads="1" noChangeShapeType="1" noTextEdit="1"/>
-              </p:cNvSpPr>
-              <p:nvPr/>
-            </p:nvSpPr>
-            <p:spPr>
-              <a:xfrm>
-                <a:off x="8054569" y="4911154"/>
-                <a:ext cx="481542" cy="369332"/>
               </a:xfrm>
               <a:prstGeom prst="rect">
                 <a:avLst/>
@@ -6322,9 +6779,270 @@
             <a:fld id="{B6F15528-21DE-4FAA-801E-634DDDAF4B2B}" type="slidenum">
               <a:rPr lang="en-US" smtClean="0"/>
               <a:pPr/>
-              <a:t>15</a:t>
+              <a:t>16</a:t>
             </a:fld>
             <a:endParaRPr lang="en-US"/>
+          </a:p>
+        </p:txBody>
+      </p:sp>
+      <p:sp>
+        <p:nvSpPr>
+          <p:cNvPr id="188" name="Rectangle 187"/>
+          <p:cNvSpPr/>
+          <p:nvPr/>
+        </p:nvSpPr>
+        <p:spPr>
+          <a:xfrm>
+            <a:off x="5486400" y="1524000"/>
+            <a:ext cx="3429000" cy="2133600"/>
+          </a:xfrm>
+          <a:prstGeom prst="rect">
+            <a:avLst/>
+          </a:prstGeom>
+          <a:noFill/>
+          <a:ln w="44450">
+            <a:solidFill>
+              <a:schemeClr val="tx1"/>
+            </a:solidFill>
+            <a:prstDash val="dash"/>
+          </a:ln>
+        </p:spPr>
+        <p:style>
+          <a:lnRef idx="2">
+            <a:schemeClr val="accent1">
+              <a:shade val="50000"/>
+            </a:schemeClr>
+          </a:lnRef>
+          <a:fillRef idx="1">
+            <a:schemeClr val="accent1"/>
+          </a:fillRef>
+          <a:effectRef idx="0">
+            <a:schemeClr val="accent1"/>
+          </a:effectRef>
+          <a:fontRef idx="minor">
+            <a:schemeClr val="lt1"/>
+          </a:fontRef>
+        </p:style>
+        <p:txBody>
+          <a:bodyPr rtlCol="0" anchor="ctr"/>
+          <a:lstStyle/>
+          <a:p>
+            <a:pPr algn="ctr"/>
+            <a:endParaRPr lang="en-US"/>
+          </a:p>
+        </p:txBody>
+      </p:sp>
+      <p:sp>
+        <p:nvSpPr>
+          <p:cNvPr id="189" name="Rectangle 188"/>
+          <p:cNvSpPr/>
+          <p:nvPr/>
+        </p:nvSpPr>
+        <p:spPr>
+          <a:xfrm>
+            <a:off x="64282" y="2036800"/>
+            <a:ext cx="3953934" cy="2992400"/>
+          </a:xfrm>
+          <a:prstGeom prst="rect">
+            <a:avLst/>
+          </a:prstGeom>
+          <a:noFill/>
+          <a:ln w="44450">
+            <a:solidFill>
+              <a:schemeClr val="tx1"/>
+            </a:solidFill>
+            <a:prstDash val="dash"/>
+          </a:ln>
+        </p:spPr>
+        <p:style>
+          <a:lnRef idx="2">
+            <a:schemeClr val="accent1">
+              <a:shade val="50000"/>
+            </a:schemeClr>
+          </a:lnRef>
+          <a:fillRef idx="1">
+            <a:schemeClr val="accent1"/>
+          </a:fillRef>
+          <a:effectRef idx="0">
+            <a:schemeClr val="accent1"/>
+          </a:effectRef>
+          <a:fontRef idx="minor">
+            <a:schemeClr val="lt1"/>
+          </a:fontRef>
+        </p:style>
+        <p:txBody>
+          <a:bodyPr rtlCol="0" anchor="ctr"/>
+          <a:lstStyle/>
+          <a:p>
+            <a:pPr algn="ctr"/>
+            <a:endParaRPr lang="en-US"/>
+          </a:p>
+        </p:txBody>
+      </p:sp>
+      <mc:AlternateContent xmlns:mc="http://schemas.openxmlformats.org/markup-compatibility/2006">
+        <mc:Choice xmlns:a14="http://schemas.microsoft.com/office/drawing/2010/main" Requires="a14">
+          <p:sp>
+            <p:nvSpPr>
+              <p:cNvPr id="191" name="TextBox 190"/>
+              <p:cNvSpPr txBox="1"/>
+              <p:nvPr/>
+            </p:nvSpPr>
+            <p:spPr>
+              <a:xfrm>
+                <a:off x="728314" y="3972822"/>
+                <a:ext cx="588366" cy="369332"/>
+              </a:xfrm>
+              <a:prstGeom prst="rect">
+                <a:avLst/>
+              </a:prstGeom>
+              <a:noFill/>
+            </p:spPr>
+            <p:txBody>
+              <a:bodyPr wrap="none" rtlCol="0">
+                <a:spAutoFit/>
+              </a:bodyPr>
+              <a:lstStyle/>
+              <a:p>
+                <a:pPr/>
+                <a14:m>
+                  <m:oMathPara xmlns:m="http://schemas.openxmlformats.org/officeDocument/2006/math">
+                    <m:oMathParaPr>
+                      <m:jc m:val="centerGroup"/>
+                    </m:oMathParaPr>
+                    <m:oMath xmlns:m="http://schemas.openxmlformats.org/officeDocument/2006/math">
+                      <m:r>
+                        <a:rPr lang="en-US" b="0" i="1" smtClean="0">
+                          <a:latin typeface="Cambria Math"/>
+                          <a:ea typeface="Cambria Math"/>
+                        </a:rPr>
+                        <m:t>𝑥</m:t>
+                      </m:r>
+                      <m:r>
+                        <a:rPr lang="en-US" b="0" i="1" smtClean="0">
+                          <a:latin typeface="Cambria Math"/>
+                          <a:ea typeface="Cambria Math"/>
+                        </a:rPr>
+                        <m:t>,</m:t>
+                      </m:r>
+                      <m:r>
+                        <a:rPr lang="en-US" b="0" i="1" smtClean="0">
+                          <a:latin typeface="Cambria Math"/>
+                          <a:ea typeface="Cambria Math"/>
+                        </a:rPr>
+                        <m:t>𝑦</m:t>
+                      </m:r>
+                    </m:oMath>
+                  </m:oMathPara>
+                </a14:m>
+                <a:endParaRPr lang="en-US" dirty="0"/>
+              </a:p>
+            </p:txBody>
+          </p:sp>
+        </mc:Choice>
+        <mc:Fallback>
+          <p:sp>
+            <p:nvSpPr>
+              <p:cNvPr id="191" name="TextBox 190"/>
+              <p:cNvSpPr txBox="1">
+                <a:spLocks noRot="1" noChangeAspect="1" noMove="1" noResize="1" noEditPoints="1" noAdjustHandles="1" noChangeArrowheads="1" noChangeShapeType="1" noTextEdit="1"/>
+              </p:cNvSpPr>
+              <p:nvPr/>
+            </p:nvSpPr>
+            <p:spPr>
+              <a:xfrm>
+                <a:off x="728314" y="3972822"/>
+                <a:ext cx="588366" cy="369332"/>
+              </a:xfrm>
+              <a:prstGeom prst="rect">
+                <a:avLst/>
+              </a:prstGeom>
+              <a:blipFill rotWithShape="1">
+                <a:blip r:embed="rId11"/>
+                <a:stretch>
+                  <a:fillRect b="-6667"/>
+                </a:stretch>
+              </a:blipFill>
+            </p:spPr>
+            <p:txBody>
+              <a:bodyPr/>
+              <a:lstStyle/>
+              <a:p>
+                <a:r>
+                  <a:rPr lang="en-US">
+                    <a:noFill/>
+                  </a:rPr>
+                  <a:t> </a:t>
+                </a:r>
+              </a:p>
+            </p:txBody>
+          </p:sp>
+        </mc:Fallback>
+      </mc:AlternateContent>
+      <p:sp>
+        <p:nvSpPr>
+          <p:cNvPr id="194" name="TextBox 193"/>
+          <p:cNvSpPr txBox="1"/>
+          <p:nvPr/>
+        </p:nvSpPr>
+        <p:spPr>
+          <a:xfrm>
+            <a:off x="1236701" y="4572000"/>
+            <a:ext cx="1609095" cy="369332"/>
+          </a:xfrm>
+          <a:prstGeom prst="rect">
+            <a:avLst/>
+          </a:prstGeom>
+          <a:noFill/>
+        </p:spPr>
+        <p:txBody>
+          <a:bodyPr wrap="none" rtlCol="0">
+            <a:spAutoFit/>
+          </a:bodyPr>
+          <a:lstStyle/>
+          <a:p>
+            <a:r>
+              <a:rPr lang="en-US" dirty="0" smtClean="0"/>
+              <a:t>Ground Station</a:t>
+            </a:r>
+            <a:endParaRPr lang="en-US" dirty="0"/>
+          </a:p>
+        </p:txBody>
+      </p:sp>
+      <p:sp>
+        <p:nvSpPr>
+          <p:cNvPr id="195" name="TextBox 194"/>
+          <p:cNvSpPr txBox="1"/>
+          <p:nvPr/>
+        </p:nvSpPr>
+        <p:spPr>
+          <a:xfrm>
+            <a:off x="6808773" y="1616667"/>
+            <a:ext cx="784254" cy="369332"/>
+          </a:xfrm>
+          <a:prstGeom prst="rect">
+            <a:avLst/>
+          </a:prstGeom>
+          <a:noFill/>
+        </p:spPr>
+        <p:txBody>
+          <a:bodyPr wrap="none" rtlCol="0">
+            <a:spAutoFit/>
+          </a:bodyPr>
+          <a:lstStyle/>
+          <a:p>
+            <a:r>
+              <a:rPr lang="en-US" dirty="0" smtClean="0"/>
+              <a:t>H</a:t>
+            </a:r>
+            <a:r>
+              <a:rPr lang="en-US" baseline="30000" dirty="0" smtClean="0"/>
+              <a:t>2</a:t>
+            </a:r>
+            <a:r>
+              <a:rPr lang="en-US" dirty="0" smtClean="0"/>
+              <a:t>Bird</a:t>
+            </a:r>
+            <a:endParaRPr lang="en-US" dirty="0"/>
           </a:p>
         </p:txBody>
       </p:sp>
@@ -6332,195 +7050,6 @@
     <p:extLst>
       <p:ext uri="{BB962C8B-B14F-4D97-AF65-F5344CB8AC3E}">
         <p14:creationId xmlns:p14="http://schemas.microsoft.com/office/powerpoint/2010/main" val="1776508589"/>
-      </p:ext>
-    </p:extLst>
-  </p:cSld>
-  <p:clrMapOvr>
-    <a:masterClrMapping/>
-  </p:clrMapOvr>
-  <p:timing>
-    <p:tnLst>
-      <p:par>
-        <p:cTn id="1" dur="indefinite" restart="never" nodeType="tmRoot"/>
-      </p:par>
-    </p:tnLst>
-  </p:timing>
-</p:sld>
-</file>
-
-<file path=ppt/slides/slide16.xml><?xml version="1.0" encoding="utf-8"?>
-<p:sld xmlns:a="http://schemas.openxmlformats.org/drawingml/2006/main" xmlns:r="http://schemas.openxmlformats.org/officeDocument/2006/relationships" xmlns:p="http://schemas.openxmlformats.org/presentationml/2006/main">
-  <p:cSld>
-    <p:spTree>
-      <p:nvGrpSpPr>
-        <p:cNvPr id="1" name=""/>
-        <p:cNvGrpSpPr/>
-        <p:nvPr/>
-      </p:nvGrpSpPr>
-      <p:grpSpPr>
-        <a:xfrm>
-          <a:off x="0" y="0"/>
-          <a:ext cx="0" cy="0"/>
-          <a:chOff x="0" y="0"/>
-          <a:chExt cx="0" cy="0"/>
-        </a:xfrm>
-      </p:grpSpPr>
-      <p:sp>
-        <p:nvSpPr>
-          <p:cNvPr id="2" name="Title 1"/>
-          <p:cNvSpPr>
-            <a:spLocks noGrp="1"/>
-          </p:cNvSpPr>
-          <p:nvPr>
-            <p:ph type="title"/>
-          </p:nvPr>
-        </p:nvSpPr>
-        <p:spPr/>
-        <p:txBody>
-          <a:bodyPr/>
-          <a:lstStyle/>
-          <a:p>
-            <a:r>
-              <a:rPr lang="en-US" dirty="0" smtClean="0"/>
-              <a:t>Outline</a:t>
-            </a:r>
-            <a:endParaRPr lang="en-US" dirty="0"/>
-          </a:p>
-        </p:txBody>
-      </p:sp>
-      <p:sp>
-        <p:nvSpPr>
-          <p:cNvPr id="3" name="Content Placeholder 2"/>
-          <p:cNvSpPr>
-            <a:spLocks noGrp="1"/>
-          </p:cNvSpPr>
-          <p:nvPr>
-            <p:ph idx="1"/>
-          </p:nvPr>
-        </p:nvSpPr>
-        <p:spPr/>
-        <p:txBody>
-          <a:bodyPr>
-            <a:normAutofit lnSpcReduction="10000"/>
-          </a:bodyPr>
-          <a:lstStyle/>
-          <a:p>
-            <a:r>
-              <a:rPr lang="en-US" dirty="0" smtClean="0">
-                <a:solidFill>
-                  <a:schemeClr val="bg1">
-                    <a:lumMod val="75000"/>
-                  </a:schemeClr>
-                </a:solidFill>
-              </a:rPr>
-              <a:t>Motivation</a:t>
-            </a:r>
-          </a:p>
-          <a:p>
-            <a:r>
-              <a:rPr lang="en-US" dirty="0" smtClean="0">
-                <a:solidFill>
-                  <a:schemeClr val="bg1">
-                    <a:lumMod val="75000"/>
-                  </a:schemeClr>
-                </a:solidFill>
-              </a:rPr>
-              <a:t>Hardware</a:t>
-            </a:r>
-          </a:p>
-          <a:p>
-            <a:r>
-              <a:rPr lang="en-US" dirty="0" smtClean="0">
-                <a:solidFill>
-                  <a:schemeClr val="bg1">
-                    <a:lumMod val="75000"/>
-                  </a:schemeClr>
-                </a:solidFill>
-              </a:rPr>
-              <a:t>Cooperative System</a:t>
-            </a:r>
-          </a:p>
-          <a:p>
-            <a:r>
-              <a:rPr lang="en-US" dirty="0" smtClean="0">
-                <a:solidFill>
-                  <a:schemeClr val="bg1">
-                    <a:lumMod val="75000"/>
-                  </a:schemeClr>
-                </a:solidFill>
-              </a:rPr>
-              <a:t>System Identification</a:t>
-            </a:r>
-          </a:p>
-          <a:p>
-            <a:r>
-              <a:rPr lang="en-US" dirty="0" smtClean="0"/>
-              <a:t>Model Verification</a:t>
-            </a:r>
-          </a:p>
-          <a:p>
-            <a:pPr lvl="1"/>
-            <a:r>
-              <a:rPr lang="en-US" dirty="0" smtClean="0"/>
-              <a:t>Simulation result</a:t>
-            </a:r>
-          </a:p>
-          <a:p>
-            <a:pPr lvl="1"/>
-            <a:r>
-              <a:rPr lang="en-US" dirty="0" smtClean="0"/>
-              <a:t>Experimental verification</a:t>
-            </a:r>
-          </a:p>
-          <a:p>
-            <a:r>
-              <a:rPr lang="en-US" dirty="0" smtClean="0">
-                <a:solidFill>
-                  <a:schemeClr val="bg1">
-                    <a:lumMod val="75000"/>
-                  </a:schemeClr>
-                </a:solidFill>
-              </a:rPr>
-              <a:t>Conclusions</a:t>
-            </a:r>
-          </a:p>
-          <a:p>
-            <a:pPr lvl="1"/>
-            <a:endParaRPr lang="en-US" dirty="0" smtClean="0"/>
-          </a:p>
-          <a:p>
-            <a:endParaRPr lang="en-US" dirty="0"/>
-          </a:p>
-        </p:txBody>
-      </p:sp>
-      <p:sp>
-        <p:nvSpPr>
-          <p:cNvPr id="4" name="Slide Number Placeholder 3"/>
-          <p:cNvSpPr>
-            <a:spLocks noGrp="1"/>
-          </p:cNvSpPr>
-          <p:nvPr>
-            <p:ph type="sldNum" sz="quarter" idx="12"/>
-          </p:nvPr>
-        </p:nvSpPr>
-        <p:spPr/>
-        <p:txBody>
-          <a:bodyPr/>
-          <a:lstStyle/>
-          <a:p>
-            <a:fld id="{B6F15528-21DE-4FAA-801E-634DDDAF4B2B}" type="slidenum">
-              <a:rPr lang="en-US" smtClean="0"/>
-              <a:pPr/>
-              <a:t>16</a:t>
-            </a:fld>
-            <a:endParaRPr lang="en-US"/>
-          </a:p>
-        </p:txBody>
-      </p:sp>
-    </p:spTree>
-    <p:extLst>
-      <p:ext uri="{BB962C8B-B14F-4D97-AF65-F5344CB8AC3E}">
-        <p14:creationId xmlns:p14="http://schemas.microsoft.com/office/powerpoint/2010/main" val="2769349391"/>
       </p:ext>
     </p:extLst>
   </p:cSld>
@@ -6571,7 +7100,7 @@
           <a:p>
             <a:r>
               <a:rPr lang="en-US" dirty="0" smtClean="0"/>
-              <a:t>Experiments</a:t>
+              <a:t>ID Methods</a:t>
             </a:r>
             <a:endParaRPr lang="en-US" dirty="0"/>
           </a:p>
@@ -6589,95 +7118,10 @@
         </p:nvSpPr>
         <p:spPr/>
         <p:txBody>
-          <a:bodyPr>
-            <a:normAutofit fontScale="85000" lnSpcReduction="20000"/>
-          </a:bodyPr>
-          <a:lstStyle/>
-          <a:p>
-            <a:r>
-              <a:rPr lang="en-US" dirty="0" smtClean="0"/>
-              <a:t>Simulation</a:t>
-            </a:r>
-          </a:p>
-          <a:p>
-            <a:pPr lvl="1"/>
-            <a:r>
-              <a:rPr lang="en-US" dirty="0" smtClean="0"/>
-              <a:t>Determine reachable sets for successful window navigation</a:t>
-            </a:r>
-          </a:p>
-          <a:p>
-            <a:pPr lvl="2"/>
-            <a:r>
-              <a:rPr lang="en-US" dirty="0" smtClean="0"/>
-              <a:t>Geometrically and in simulation</a:t>
-            </a:r>
-          </a:p>
-          <a:p>
-            <a:pPr lvl="1"/>
-            <a:r>
-              <a:rPr lang="en-US" dirty="0" smtClean="0"/>
-              <a:t>Monte Carlo simulation to determine probability of success for given start location</a:t>
-            </a:r>
-          </a:p>
-          <a:p>
-            <a:pPr lvl="2"/>
-            <a:r>
-              <a:rPr lang="en-US" dirty="0" smtClean="0"/>
-              <a:t>Each point in 10cm grid, simulate 40 trials of randomly sampled headings from -90</a:t>
-            </a:r>
-            <a:r>
-              <a:rPr lang="en-US" dirty="0" smtClean="0">
-                <a:latin typeface="Cambria Math"/>
-                <a:ea typeface="Cambria Math"/>
-              </a:rPr>
-              <a:t>° </a:t>
-            </a:r>
-            <a:r>
-              <a:rPr lang="en-US" dirty="0" smtClean="0">
-                <a:ea typeface="Cambria Math"/>
-              </a:rPr>
-              <a:t>to +90</a:t>
-            </a:r>
-            <a:r>
-              <a:rPr lang="en-US" dirty="0" smtClean="0">
-                <a:latin typeface="Cambria Math"/>
-                <a:ea typeface="Cambria Math"/>
-              </a:rPr>
-              <a:t>°</a:t>
-            </a:r>
-          </a:p>
-          <a:p>
-            <a:r>
-              <a:rPr lang="en-US" dirty="0">
-                <a:ea typeface="Cambria Math"/>
-              </a:rPr>
-              <a:t>R</a:t>
-            </a:r>
-            <a:r>
-              <a:rPr lang="en-US" dirty="0" smtClean="0">
-                <a:ea typeface="Cambria Math"/>
-              </a:rPr>
-              <a:t>eal-world</a:t>
-            </a:r>
-          </a:p>
-          <a:p>
-            <a:pPr lvl="1"/>
-            <a:r>
-              <a:rPr lang="en-US" dirty="0" smtClean="0"/>
-              <a:t>20 trials starting in front of the window, facing direction of window plane</a:t>
-            </a:r>
-          </a:p>
-          <a:p>
-            <a:pPr lvl="1"/>
-            <a:r>
-              <a:rPr lang="en-US" dirty="0" smtClean="0"/>
-              <a:t>60 trials in a 5cm starting grid along edges of view space, facing direction of window plane</a:t>
-            </a:r>
-          </a:p>
-          <a:p>
-            <a:pPr lvl="1"/>
-            <a:endParaRPr lang="en-US" dirty="0"/>
+          <a:bodyPr/>
+          <a:lstStyle/>
+          <a:p>
+            <a:endParaRPr lang="en-US"/>
           </a:p>
         </p:txBody>
       </p:sp>
@@ -6708,7 +7152,7 @@
     </p:spTree>
     <p:extLst>
       <p:ext uri="{BB962C8B-B14F-4D97-AF65-F5344CB8AC3E}">
-        <p14:creationId xmlns:p14="http://schemas.microsoft.com/office/powerpoint/2010/main" val="2632364157"/>
+        <p14:creationId xmlns:p14="http://schemas.microsoft.com/office/powerpoint/2010/main" val="1188415970"/>
       </p:ext>
     </p:extLst>
   </p:cSld>
@@ -6759,74 +7203,120 @@
           <a:p>
             <a:r>
               <a:rPr lang="en-US" dirty="0" smtClean="0"/>
-              <a:t>Model Predicted Feasible Regions</a:t>
+              <a:t>Outline</a:t>
             </a:r>
             <a:endParaRPr lang="en-US" dirty="0"/>
           </a:p>
         </p:txBody>
       </p:sp>
-      <p:pic>
-        <p:nvPicPr>
+      <p:sp>
+        <p:nvSpPr>
           <p:cNvPr id="3" name="Content Placeholder 2"/>
-          <p:cNvPicPr>
-            <a:picLocks noGrp="1" noChangeAspect="1"/>
-          </p:cNvPicPr>
+          <p:cNvSpPr>
+            <a:spLocks noGrp="1"/>
+          </p:cNvSpPr>
           <p:nvPr>
             <p:ph idx="1"/>
           </p:nvPr>
-        </p:nvPicPr>
-        <p:blipFill>
-          <a:blip r:embed="rId2" cstate="print">
-            <a:extLst>
-              <a:ext uri="{28A0092B-C50C-407E-A947-70E740481C1C}">
-                <a14:useLocalDpi xmlns:a14="http://schemas.microsoft.com/office/drawing/2010/main" val="0"/>
-              </a:ext>
-            </a:extLst>
-          </a:blip>
-          <a:stretch>
-            <a:fillRect/>
-          </a:stretch>
-        </p:blipFill>
-        <p:spPr>
-          <a:xfrm>
-            <a:off x="152400" y="1981199"/>
-            <a:ext cx="4511180" cy="4525963"/>
-          </a:xfrm>
-        </p:spPr>
-      </p:pic>
-      <p:pic>
-        <p:nvPicPr>
-          <p:cNvPr id="4" name="Content Placeholder 2"/>
-          <p:cNvPicPr>
-            <a:picLocks noChangeAspect="1"/>
-          </p:cNvPicPr>
-          <p:nvPr/>
-        </p:nvPicPr>
-        <p:blipFill>
-          <a:blip r:embed="rId3">
-            <a:extLst>
-              <a:ext uri="{28A0092B-C50C-407E-A947-70E740481C1C}">
-                <a14:useLocalDpi xmlns:a14="http://schemas.microsoft.com/office/drawing/2010/main" val="0"/>
-              </a:ext>
-            </a:extLst>
-          </a:blip>
-          <a:stretch>
-            <a:fillRect/>
-          </a:stretch>
-        </p:blipFill>
-        <p:spPr>
-          <a:xfrm>
-            <a:off x="4495800" y="2006432"/>
-            <a:ext cx="4511180" cy="4475498"/>
-          </a:xfrm>
-          <a:prstGeom prst="rect">
-            <a:avLst/>
-          </a:prstGeom>
-        </p:spPr>
-      </p:pic>
-      <p:sp>
-        <p:nvSpPr>
-          <p:cNvPr id="5" name="Slide Number Placeholder 4"/>
+        </p:nvSpPr>
+        <p:spPr/>
+        <p:txBody>
+          <a:bodyPr>
+            <a:normAutofit lnSpcReduction="10000"/>
+          </a:bodyPr>
+          <a:lstStyle/>
+          <a:p>
+            <a:r>
+              <a:rPr lang="en-US" dirty="0" smtClean="0">
+                <a:solidFill>
+                  <a:schemeClr val="bg1">
+                    <a:lumMod val="75000"/>
+                  </a:schemeClr>
+                </a:solidFill>
+              </a:rPr>
+              <a:t>Motivation</a:t>
+            </a:r>
+          </a:p>
+          <a:p>
+            <a:r>
+              <a:rPr lang="en-US" dirty="0" smtClean="0">
+                <a:solidFill>
+                  <a:schemeClr val="bg1">
+                    <a:lumMod val="75000"/>
+                  </a:schemeClr>
+                </a:solidFill>
+              </a:rPr>
+              <a:t>Hardware</a:t>
+            </a:r>
+          </a:p>
+          <a:p>
+            <a:r>
+              <a:rPr lang="en-US" dirty="0" smtClean="0">
+                <a:solidFill>
+                  <a:schemeClr val="bg1">
+                    <a:lumMod val="75000"/>
+                  </a:schemeClr>
+                </a:solidFill>
+              </a:rPr>
+              <a:t>Cooperative System</a:t>
+            </a:r>
+          </a:p>
+          <a:p>
+            <a:r>
+              <a:rPr lang="en-US" dirty="0" smtClean="0">
+                <a:solidFill>
+                  <a:schemeClr val="bg1">
+                    <a:lumMod val="75000"/>
+                  </a:schemeClr>
+                </a:solidFill>
+              </a:rPr>
+              <a:t>System Identification</a:t>
+            </a:r>
+          </a:p>
+          <a:p>
+            <a:r>
+              <a:rPr lang="en-US" dirty="0" smtClean="0"/>
+              <a:t>Model Verification</a:t>
+            </a:r>
+          </a:p>
+          <a:p>
+            <a:pPr lvl="1"/>
+            <a:r>
+              <a:rPr lang="en-US" dirty="0" smtClean="0"/>
+              <a:t>Simulation result</a:t>
+            </a:r>
+          </a:p>
+          <a:p>
+            <a:pPr lvl="1"/>
+            <a:r>
+              <a:rPr lang="en-US" dirty="0" smtClean="0"/>
+              <a:t>Experimental verification</a:t>
+            </a:r>
+          </a:p>
+          <a:p>
+            <a:r>
+              <a:rPr lang="en-US" dirty="0" smtClean="0">
+                <a:solidFill>
+                  <a:schemeClr val="bg1">
+                    <a:lumMod val="75000"/>
+                  </a:schemeClr>
+                </a:solidFill>
+              </a:rPr>
+              <a:t>Conclusions</a:t>
+            </a:r>
+          </a:p>
+          <a:p>
+            <a:pPr lvl="1"/>
+            <a:endParaRPr lang="en-US" dirty="0" smtClean="0"/>
+          </a:p>
+          <a:p>
+            <a:endParaRPr lang="en-US" dirty="0"/>
+          </a:p>
+        </p:txBody>
+      </p:sp>
+      <p:sp>
+        <p:nvSpPr>
+          <p:cNvPr id="4" name="Slide Number Placeholder 3"/>
           <p:cNvSpPr>
             <a:spLocks noGrp="1"/>
           </p:cNvSpPr>
@@ -6851,7 +7341,7 @@
     </p:spTree>
     <p:extLst>
       <p:ext uri="{BB962C8B-B14F-4D97-AF65-F5344CB8AC3E}">
-        <p14:creationId xmlns:p14="http://schemas.microsoft.com/office/powerpoint/2010/main" val="1153341255"/>
+        <p14:creationId xmlns:p14="http://schemas.microsoft.com/office/powerpoint/2010/main" val="2769349391"/>
       </p:ext>
     </p:extLst>
   </p:cSld>
@@ -6869,6 +7359,920 @@
 </file>
 
 <file path=ppt/slides/slide19.xml><?xml version="1.0" encoding="utf-8"?>
+<p:sld xmlns:a="http://schemas.openxmlformats.org/drawingml/2006/main" xmlns:r="http://schemas.openxmlformats.org/officeDocument/2006/relationships" xmlns:p="http://schemas.openxmlformats.org/presentationml/2006/main">
+  <p:cSld>
+    <p:spTree>
+      <p:nvGrpSpPr>
+        <p:cNvPr id="1" name=""/>
+        <p:cNvGrpSpPr/>
+        <p:nvPr/>
+      </p:nvGrpSpPr>
+      <p:grpSpPr>
+        <a:xfrm>
+          <a:off x="0" y="0"/>
+          <a:ext cx="0" cy="0"/>
+          <a:chOff x="0" y="0"/>
+          <a:chExt cx="0" cy="0"/>
+        </a:xfrm>
+      </p:grpSpPr>
+      <p:sp>
+        <p:nvSpPr>
+          <p:cNvPr id="2" name="Title 1"/>
+          <p:cNvSpPr>
+            <a:spLocks noGrp="1"/>
+          </p:cNvSpPr>
+          <p:nvPr>
+            <p:ph type="title"/>
+          </p:nvPr>
+        </p:nvSpPr>
+        <p:spPr/>
+        <p:txBody>
+          <a:bodyPr/>
+          <a:lstStyle/>
+          <a:p>
+            <a:r>
+              <a:rPr lang="en-US" dirty="0" smtClean="0"/>
+              <a:t>Experiments</a:t>
+            </a:r>
+            <a:endParaRPr lang="en-US" dirty="0"/>
+          </a:p>
+        </p:txBody>
+      </p:sp>
+      <p:sp>
+        <p:nvSpPr>
+          <p:cNvPr id="3" name="Content Placeholder 2"/>
+          <p:cNvSpPr>
+            <a:spLocks noGrp="1"/>
+          </p:cNvSpPr>
+          <p:nvPr>
+            <p:ph idx="1"/>
+          </p:nvPr>
+        </p:nvSpPr>
+        <p:spPr/>
+        <p:txBody>
+          <a:bodyPr>
+            <a:normAutofit/>
+          </a:bodyPr>
+          <a:lstStyle/>
+          <a:p>
+            <a:r>
+              <a:rPr lang="en-US" dirty="0" smtClean="0"/>
+              <a:t>Simulation</a:t>
+            </a:r>
+          </a:p>
+          <a:p>
+            <a:pPr lvl="1"/>
+            <a:r>
+              <a:rPr lang="en-US" dirty="0" smtClean="0"/>
+              <a:t>Determine reachable sets for successful window navigation</a:t>
+            </a:r>
+          </a:p>
+          <a:p>
+            <a:pPr lvl="2"/>
+            <a:r>
+              <a:rPr lang="en-US" dirty="0" smtClean="0"/>
+              <a:t>Geometrically and in simulation</a:t>
+            </a:r>
+          </a:p>
+          <a:p>
+            <a:pPr lvl="1"/>
+            <a:r>
+              <a:rPr lang="en-US" dirty="0" smtClean="0"/>
+              <a:t>Monte Carlo simulation to determine probability of success for given start location</a:t>
+            </a:r>
+          </a:p>
+          <a:p>
+            <a:pPr lvl="2"/>
+            <a:r>
+              <a:rPr lang="en-US" dirty="0" smtClean="0"/>
+              <a:t>Each point in 10cm grid, simulate 40 trials of randomly sampled headings from -90</a:t>
+            </a:r>
+            <a:r>
+              <a:rPr lang="en-US" dirty="0" smtClean="0">
+                <a:latin typeface="Cambria Math"/>
+                <a:ea typeface="Cambria Math"/>
+              </a:rPr>
+              <a:t>° </a:t>
+            </a:r>
+            <a:r>
+              <a:rPr lang="en-US" dirty="0" smtClean="0">
+                <a:ea typeface="Cambria Math"/>
+              </a:rPr>
+              <a:t>to +90</a:t>
+            </a:r>
+            <a:r>
+              <a:rPr lang="en-US" dirty="0" smtClean="0">
+                <a:latin typeface="Cambria Math"/>
+                <a:ea typeface="Cambria Math"/>
+              </a:rPr>
+              <a:t>°</a:t>
+            </a:r>
+            <a:endParaRPr lang="en-US" dirty="0" smtClean="0">
+              <a:latin typeface="Cambria Math"/>
+              <a:ea typeface="Cambria Math"/>
+            </a:endParaRPr>
+          </a:p>
+        </p:txBody>
+      </p:sp>
+      <p:sp>
+        <p:nvSpPr>
+          <p:cNvPr id="4" name="Slide Number Placeholder 3"/>
+          <p:cNvSpPr>
+            <a:spLocks noGrp="1"/>
+          </p:cNvSpPr>
+          <p:nvPr>
+            <p:ph type="sldNum" sz="quarter" idx="12"/>
+          </p:nvPr>
+        </p:nvSpPr>
+        <p:spPr/>
+        <p:txBody>
+          <a:bodyPr/>
+          <a:lstStyle/>
+          <a:p>
+            <a:fld id="{B6F15528-21DE-4FAA-801E-634DDDAF4B2B}" type="slidenum">
+              <a:rPr lang="en-US" smtClean="0"/>
+              <a:pPr/>
+              <a:t>19</a:t>
+            </a:fld>
+            <a:endParaRPr lang="en-US"/>
+          </a:p>
+        </p:txBody>
+      </p:sp>
+    </p:spTree>
+    <p:extLst>
+      <p:ext uri="{BB962C8B-B14F-4D97-AF65-F5344CB8AC3E}">
+        <p14:creationId xmlns:p14="http://schemas.microsoft.com/office/powerpoint/2010/main" val="2632364157"/>
+      </p:ext>
+    </p:extLst>
+  </p:cSld>
+  <p:clrMapOvr>
+    <a:masterClrMapping/>
+  </p:clrMapOvr>
+  <p:timing>
+    <p:tnLst>
+      <p:par>
+        <p:cTn id="1" dur="indefinite" restart="never" nodeType="tmRoot"/>
+      </p:par>
+    </p:tnLst>
+  </p:timing>
+</p:sld>
+</file>
+
+<file path=ppt/slides/slide2.xml><?xml version="1.0" encoding="utf-8"?>
+<p:sld xmlns:a="http://schemas.openxmlformats.org/drawingml/2006/main" xmlns:r="http://schemas.openxmlformats.org/officeDocument/2006/relationships" xmlns:p="http://schemas.openxmlformats.org/presentationml/2006/main">
+  <p:cSld>
+    <p:spTree>
+      <p:nvGrpSpPr>
+        <p:cNvPr id="1" name=""/>
+        <p:cNvGrpSpPr/>
+        <p:nvPr/>
+      </p:nvGrpSpPr>
+      <p:grpSpPr>
+        <a:xfrm>
+          <a:off x="0" y="0"/>
+          <a:ext cx="0" cy="0"/>
+          <a:chOff x="0" y="0"/>
+          <a:chExt cx="0" cy="0"/>
+        </a:xfrm>
+      </p:grpSpPr>
+      <p:sp>
+        <p:nvSpPr>
+          <p:cNvPr id="2" name="Title 1"/>
+          <p:cNvSpPr>
+            <a:spLocks noGrp="1"/>
+          </p:cNvSpPr>
+          <p:nvPr>
+            <p:ph type="title"/>
+          </p:nvPr>
+        </p:nvSpPr>
+        <p:spPr/>
+        <p:txBody>
+          <a:bodyPr/>
+          <a:lstStyle/>
+          <a:p>
+            <a:r>
+              <a:rPr lang="en-US" dirty="0" smtClean="0"/>
+              <a:t>Outline</a:t>
+            </a:r>
+            <a:endParaRPr lang="en-US" dirty="0"/>
+          </a:p>
+        </p:txBody>
+      </p:sp>
+      <p:sp>
+        <p:nvSpPr>
+          <p:cNvPr id="3" name="Content Placeholder 2"/>
+          <p:cNvSpPr>
+            <a:spLocks noGrp="1"/>
+          </p:cNvSpPr>
+          <p:nvPr>
+            <p:ph idx="1"/>
+          </p:nvPr>
+        </p:nvSpPr>
+        <p:spPr/>
+        <p:txBody>
+          <a:bodyPr>
+            <a:normAutofit lnSpcReduction="10000"/>
+          </a:bodyPr>
+          <a:lstStyle/>
+          <a:p>
+            <a:r>
+              <a:rPr lang="en-US" dirty="0" smtClean="0"/>
+              <a:t>Motivation</a:t>
+            </a:r>
+          </a:p>
+          <a:p>
+            <a:r>
+              <a:rPr lang="en-US" dirty="0" smtClean="0"/>
+              <a:t>Hardware</a:t>
+            </a:r>
+          </a:p>
+          <a:p>
+            <a:r>
+              <a:rPr lang="en-US" dirty="0" smtClean="0"/>
+              <a:t>Cooperative System</a:t>
+            </a:r>
+          </a:p>
+          <a:p>
+            <a:r>
+              <a:rPr lang="en-US" dirty="0" smtClean="0"/>
+              <a:t>System Identification</a:t>
+            </a:r>
+          </a:p>
+          <a:p>
+            <a:r>
+              <a:rPr lang="en-US" dirty="0" smtClean="0"/>
+              <a:t>Model Verification</a:t>
+            </a:r>
+          </a:p>
+          <a:p>
+            <a:pPr lvl="1"/>
+            <a:r>
+              <a:rPr lang="en-US" dirty="0" smtClean="0"/>
+              <a:t>Simulation result</a:t>
+            </a:r>
+          </a:p>
+          <a:p>
+            <a:pPr lvl="1"/>
+            <a:r>
+              <a:rPr lang="en-US" dirty="0" smtClean="0"/>
+              <a:t>Experimental verification</a:t>
+            </a:r>
+          </a:p>
+          <a:p>
+            <a:r>
+              <a:rPr lang="en-US" dirty="0" smtClean="0"/>
+              <a:t>Conclusions</a:t>
+            </a:r>
+          </a:p>
+          <a:p>
+            <a:pPr lvl="1"/>
+            <a:endParaRPr lang="en-US" dirty="0" smtClean="0"/>
+          </a:p>
+          <a:p>
+            <a:endParaRPr lang="en-US" dirty="0"/>
+          </a:p>
+        </p:txBody>
+      </p:sp>
+      <p:sp>
+        <p:nvSpPr>
+          <p:cNvPr id="4" name="Slide Number Placeholder 3"/>
+          <p:cNvSpPr>
+            <a:spLocks noGrp="1"/>
+          </p:cNvSpPr>
+          <p:nvPr>
+            <p:ph type="sldNum" sz="quarter" idx="12"/>
+          </p:nvPr>
+        </p:nvSpPr>
+        <p:spPr/>
+        <p:txBody>
+          <a:bodyPr/>
+          <a:lstStyle/>
+          <a:p>
+            <a:fld id="{B6F15528-21DE-4FAA-801E-634DDDAF4B2B}" type="slidenum">
+              <a:rPr lang="en-US" smtClean="0"/>
+              <a:pPr/>
+              <a:t>2</a:t>
+            </a:fld>
+            <a:endParaRPr lang="en-US"/>
+          </a:p>
+        </p:txBody>
+      </p:sp>
+    </p:spTree>
+    <p:extLst>
+      <p:ext uri="{BB962C8B-B14F-4D97-AF65-F5344CB8AC3E}">
+        <p14:creationId xmlns:p14="http://schemas.microsoft.com/office/powerpoint/2010/main" val="3705195523"/>
+      </p:ext>
+    </p:extLst>
+  </p:cSld>
+  <p:clrMapOvr>
+    <a:masterClrMapping/>
+  </p:clrMapOvr>
+  <p:timing>
+    <p:tnLst>
+      <p:par>
+        <p:cTn id="1" dur="indefinite" restart="never" nodeType="tmRoot"/>
+      </p:par>
+    </p:tnLst>
+  </p:timing>
+</p:sld>
+</file>
+
+<file path=ppt/slides/slide20.xml><?xml version="1.0" encoding="utf-8"?>
+<p:sld xmlns:a="http://schemas.openxmlformats.org/drawingml/2006/main" xmlns:r="http://schemas.openxmlformats.org/officeDocument/2006/relationships" xmlns:p="http://schemas.openxmlformats.org/presentationml/2006/main">
+  <p:cSld>
+    <p:spTree>
+      <p:nvGrpSpPr>
+        <p:cNvPr id="1" name=""/>
+        <p:cNvGrpSpPr/>
+        <p:nvPr/>
+      </p:nvGrpSpPr>
+      <p:grpSpPr>
+        <a:xfrm>
+          <a:off x="0" y="0"/>
+          <a:ext cx="0" cy="0"/>
+          <a:chOff x="0" y="0"/>
+          <a:chExt cx="0" cy="0"/>
+        </a:xfrm>
+      </p:grpSpPr>
+      <p:sp>
+        <p:nvSpPr>
+          <p:cNvPr id="2" name="Title 1"/>
+          <p:cNvSpPr>
+            <a:spLocks noGrp="1"/>
+          </p:cNvSpPr>
+          <p:nvPr>
+            <p:ph type="title"/>
+          </p:nvPr>
+        </p:nvSpPr>
+        <p:spPr/>
+        <p:txBody>
+          <a:bodyPr/>
+          <a:lstStyle/>
+          <a:p>
+            <a:r>
+              <a:rPr lang="en-US" dirty="0" smtClean="0"/>
+              <a:t>Model Predicted Feasible Regions</a:t>
+            </a:r>
+            <a:endParaRPr lang="en-US" dirty="0"/>
+          </a:p>
+        </p:txBody>
+      </p:sp>
+      <p:pic>
+        <p:nvPicPr>
+          <p:cNvPr id="5" name="Content Placeholder 4"/>
+          <p:cNvPicPr>
+            <a:picLocks noGrp="1" noChangeAspect="1"/>
+          </p:cNvPicPr>
+          <p:nvPr>
+            <p:ph idx="1"/>
+          </p:nvPr>
+        </p:nvPicPr>
+        <p:blipFill>
+          <a:blip r:embed="rId2" cstate="print">
+            <a:extLst>
+              <a:ext uri="{28A0092B-C50C-407E-A947-70E740481C1C}">
+                <a14:useLocalDpi xmlns:a14="http://schemas.microsoft.com/office/drawing/2010/main" val="0"/>
+              </a:ext>
+            </a:extLst>
+          </a:blip>
+          <a:stretch>
+            <a:fillRect/>
+          </a:stretch>
+        </p:blipFill>
+        <p:spPr>
+          <a:xfrm>
+            <a:off x="1752600" y="1371600"/>
+            <a:ext cx="5148678" cy="5171309"/>
+          </a:xfrm>
+        </p:spPr>
+      </p:pic>
+      <p:sp>
+        <p:nvSpPr>
+          <p:cNvPr id="4" name="Slide Number Placeholder 3"/>
+          <p:cNvSpPr>
+            <a:spLocks noGrp="1"/>
+          </p:cNvSpPr>
+          <p:nvPr>
+            <p:ph type="sldNum" sz="quarter" idx="12"/>
+          </p:nvPr>
+        </p:nvSpPr>
+        <p:spPr/>
+        <p:txBody>
+          <a:bodyPr/>
+          <a:lstStyle/>
+          <a:p>
+            <a:fld id="{B6F15528-21DE-4FAA-801E-634DDDAF4B2B}" type="slidenum">
+              <a:rPr lang="en-US" smtClean="0"/>
+              <a:pPr/>
+              <a:t>20</a:t>
+            </a:fld>
+            <a:endParaRPr lang="en-US"/>
+          </a:p>
+        </p:txBody>
+      </p:sp>
+    </p:spTree>
+    <p:extLst>
+      <p:ext uri="{BB962C8B-B14F-4D97-AF65-F5344CB8AC3E}">
+        <p14:creationId xmlns:p14="http://schemas.microsoft.com/office/powerpoint/2010/main" val="1938099592"/>
+      </p:ext>
+    </p:extLst>
+  </p:cSld>
+  <p:clrMapOvr>
+    <a:masterClrMapping/>
+  </p:clrMapOvr>
+  <p:timing>
+    <p:tnLst>
+      <p:par>
+        <p:cTn id="1" dur="indefinite" restart="never" nodeType="tmRoot"/>
+      </p:par>
+    </p:tnLst>
+  </p:timing>
+</p:sld>
+</file>
+
+<file path=ppt/slides/slide21.xml><?xml version="1.0" encoding="utf-8"?>
+<p:sld xmlns:a="http://schemas.openxmlformats.org/drawingml/2006/main" xmlns:r="http://schemas.openxmlformats.org/officeDocument/2006/relationships" xmlns:p="http://schemas.openxmlformats.org/presentationml/2006/main">
+  <p:cSld>
+    <p:spTree>
+      <p:nvGrpSpPr>
+        <p:cNvPr id="1" name=""/>
+        <p:cNvGrpSpPr/>
+        <p:nvPr/>
+      </p:nvGrpSpPr>
+      <p:grpSpPr>
+        <a:xfrm>
+          <a:off x="0" y="0"/>
+          <a:ext cx="0" cy="0"/>
+          <a:chOff x="0" y="0"/>
+          <a:chExt cx="0" cy="0"/>
+        </a:xfrm>
+      </p:grpSpPr>
+      <p:sp>
+        <p:nvSpPr>
+          <p:cNvPr id="2" name="Title 1"/>
+          <p:cNvSpPr>
+            <a:spLocks noGrp="1"/>
+          </p:cNvSpPr>
+          <p:nvPr>
+            <p:ph type="title"/>
+          </p:nvPr>
+        </p:nvSpPr>
+        <p:spPr/>
+        <p:txBody>
+          <a:bodyPr/>
+          <a:lstStyle/>
+          <a:p>
+            <a:r>
+              <a:rPr lang="en-US" dirty="0" smtClean="0"/>
+              <a:t>Model Predicted Feasible Regions</a:t>
+            </a:r>
+            <a:endParaRPr lang="en-US" dirty="0"/>
+          </a:p>
+        </p:txBody>
+      </p:sp>
+      <p:pic>
+        <p:nvPicPr>
+          <p:cNvPr id="5" name="Content Placeholder 4"/>
+          <p:cNvPicPr>
+            <a:picLocks noGrp="1" noChangeAspect="1"/>
+          </p:cNvPicPr>
+          <p:nvPr>
+            <p:ph idx="1"/>
+          </p:nvPr>
+        </p:nvPicPr>
+        <p:blipFill>
+          <a:blip r:embed="rId2" cstate="print">
+            <a:extLst>
+              <a:ext uri="{28A0092B-C50C-407E-A947-70E740481C1C}">
+                <a14:useLocalDpi xmlns:a14="http://schemas.microsoft.com/office/drawing/2010/main" val="0"/>
+              </a:ext>
+            </a:extLst>
+          </a:blip>
+          <a:stretch>
+            <a:fillRect/>
+          </a:stretch>
+        </p:blipFill>
+        <p:spPr>
+          <a:xfrm>
+            <a:off x="1752600" y="1371600"/>
+            <a:ext cx="5148678" cy="5171310"/>
+          </a:xfrm>
+        </p:spPr>
+      </p:pic>
+      <p:sp>
+        <p:nvSpPr>
+          <p:cNvPr id="4" name="Slide Number Placeholder 3"/>
+          <p:cNvSpPr>
+            <a:spLocks noGrp="1"/>
+          </p:cNvSpPr>
+          <p:nvPr>
+            <p:ph type="sldNum" sz="quarter" idx="12"/>
+          </p:nvPr>
+        </p:nvSpPr>
+        <p:spPr/>
+        <p:txBody>
+          <a:bodyPr/>
+          <a:lstStyle/>
+          <a:p>
+            <a:fld id="{B6F15528-21DE-4FAA-801E-634DDDAF4B2B}" type="slidenum">
+              <a:rPr lang="en-US" smtClean="0"/>
+              <a:pPr/>
+              <a:t>21</a:t>
+            </a:fld>
+            <a:endParaRPr lang="en-US"/>
+          </a:p>
+        </p:txBody>
+      </p:sp>
+    </p:spTree>
+    <p:extLst>
+      <p:ext uri="{BB962C8B-B14F-4D97-AF65-F5344CB8AC3E}">
+        <p14:creationId xmlns:p14="http://schemas.microsoft.com/office/powerpoint/2010/main" val="1861094201"/>
+      </p:ext>
+    </p:extLst>
+  </p:cSld>
+  <p:clrMapOvr>
+    <a:masterClrMapping/>
+  </p:clrMapOvr>
+  <p:timing>
+    <p:tnLst>
+      <p:par>
+        <p:cTn id="1" dur="indefinite" restart="never" nodeType="tmRoot"/>
+      </p:par>
+    </p:tnLst>
+  </p:timing>
+</p:sld>
+</file>
+
+<file path=ppt/slides/slide22.xml><?xml version="1.0" encoding="utf-8"?>
+<p:sld xmlns:a="http://schemas.openxmlformats.org/drawingml/2006/main" xmlns:r="http://schemas.openxmlformats.org/officeDocument/2006/relationships" xmlns:p="http://schemas.openxmlformats.org/presentationml/2006/main">
+  <p:cSld>
+    <p:spTree>
+      <p:nvGrpSpPr>
+        <p:cNvPr id="1" name=""/>
+        <p:cNvGrpSpPr/>
+        <p:nvPr/>
+      </p:nvGrpSpPr>
+      <p:grpSpPr>
+        <a:xfrm>
+          <a:off x="0" y="0"/>
+          <a:ext cx="0" cy="0"/>
+          <a:chOff x="0" y="0"/>
+          <a:chExt cx="0" cy="0"/>
+        </a:xfrm>
+      </p:grpSpPr>
+      <p:sp>
+        <p:nvSpPr>
+          <p:cNvPr id="2" name="Title 1"/>
+          <p:cNvSpPr>
+            <a:spLocks noGrp="1"/>
+          </p:cNvSpPr>
+          <p:nvPr>
+            <p:ph type="title"/>
+          </p:nvPr>
+        </p:nvSpPr>
+        <p:spPr/>
+        <p:txBody>
+          <a:bodyPr/>
+          <a:lstStyle/>
+          <a:p>
+            <a:r>
+              <a:rPr lang="en-US" dirty="0" smtClean="0"/>
+              <a:t>Model Predicted Feasible Regions</a:t>
+            </a:r>
+            <a:endParaRPr lang="en-US" dirty="0"/>
+          </a:p>
+        </p:txBody>
+      </p:sp>
+      <p:pic>
+        <p:nvPicPr>
+          <p:cNvPr id="5" name="Content Placeholder 4"/>
+          <p:cNvPicPr>
+            <a:picLocks noGrp="1" noChangeAspect="1"/>
+          </p:cNvPicPr>
+          <p:nvPr>
+            <p:ph idx="1"/>
+          </p:nvPr>
+        </p:nvPicPr>
+        <p:blipFill>
+          <a:blip r:embed="rId2" cstate="print">
+            <a:extLst>
+              <a:ext uri="{28A0092B-C50C-407E-A947-70E740481C1C}">
+                <a14:useLocalDpi xmlns:a14="http://schemas.microsoft.com/office/drawing/2010/main" val="0"/>
+              </a:ext>
+            </a:extLst>
+          </a:blip>
+          <a:stretch>
+            <a:fillRect/>
+          </a:stretch>
+        </p:blipFill>
+        <p:spPr>
+          <a:xfrm>
+            <a:off x="1752600" y="1374480"/>
+            <a:ext cx="5148678" cy="5165549"/>
+          </a:xfrm>
+        </p:spPr>
+      </p:pic>
+      <p:sp>
+        <p:nvSpPr>
+          <p:cNvPr id="4" name="Slide Number Placeholder 3"/>
+          <p:cNvSpPr>
+            <a:spLocks noGrp="1"/>
+          </p:cNvSpPr>
+          <p:nvPr>
+            <p:ph type="sldNum" sz="quarter" idx="12"/>
+          </p:nvPr>
+        </p:nvSpPr>
+        <p:spPr/>
+        <p:txBody>
+          <a:bodyPr/>
+          <a:lstStyle/>
+          <a:p>
+            <a:fld id="{B6F15528-21DE-4FAA-801E-634DDDAF4B2B}" type="slidenum">
+              <a:rPr lang="en-US" smtClean="0"/>
+              <a:pPr/>
+              <a:t>22</a:t>
+            </a:fld>
+            <a:endParaRPr lang="en-US"/>
+          </a:p>
+        </p:txBody>
+      </p:sp>
+    </p:spTree>
+    <p:extLst>
+      <p:ext uri="{BB962C8B-B14F-4D97-AF65-F5344CB8AC3E}">
+        <p14:creationId xmlns:p14="http://schemas.microsoft.com/office/powerpoint/2010/main" val="1861094201"/>
+      </p:ext>
+    </p:extLst>
+  </p:cSld>
+  <p:clrMapOvr>
+    <a:masterClrMapping/>
+  </p:clrMapOvr>
+  <p:timing>
+    <p:tnLst>
+      <p:par>
+        <p:cTn id="1" dur="indefinite" restart="never" nodeType="tmRoot"/>
+      </p:par>
+    </p:tnLst>
+  </p:timing>
+</p:sld>
+</file>
+
+<file path=ppt/slides/slide23.xml><?xml version="1.0" encoding="utf-8"?>
+<p:sld xmlns:a="http://schemas.openxmlformats.org/drawingml/2006/main" xmlns:r="http://schemas.openxmlformats.org/officeDocument/2006/relationships" xmlns:p="http://schemas.openxmlformats.org/presentationml/2006/main">
+  <p:cSld>
+    <p:spTree>
+      <p:nvGrpSpPr>
+        <p:cNvPr id="1" name=""/>
+        <p:cNvGrpSpPr/>
+        <p:nvPr/>
+      </p:nvGrpSpPr>
+      <p:grpSpPr>
+        <a:xfrm>
+          <a:off x="0" y="0"/>
+          <a:ext cx="0" cy="0"/>
+          <a:chOff x="0" y="0"/>
+          <a:chExt cx="0" cy="0"/>
+        </a:xfrm>
+      </p:grpSpPr>
+      <p:sp>
+        <p:nvSpPr>
+          <p:cNvPr id="2" name="Title 1"/>
+          <p:cNvSpPr>
+            <a:spLocks noGrp="1"/>
+          </p:cNvSpPr>
+          <p:nvPr>
+            <p:ph type="title"/>
+          </p:nvPr>
+        </p:nvSpPr>
+        <p:spPr/>
+        <p:txBody>
+          <a:bodyPr/>
+          <a:lstStyle/>
+          <a:p>
+            <a:r>
+              <a:rPr lang="en-US" dirty="0" smtClean="0"/>
+              <a:t>Model Predicted Feasible Regions</a:t>
+            </a:r>
+            <a:endParaRPr lang="en-US" dirty="0"/>
+          </a:p>
+        </p:txBody>
+      </p:sp>
+      <p:pic>
+        <p:nvPicPr>
+          <p:cNvPr id="5" name="Content Placeholder 4"/>
+          <p:cNvPicPr>
+            <a:picLocks noGrp="1" noChangeAspect="1"/>
+          </p:cNvPicPr>
+          <p:nvPr>
+            <p:ph idx="1"/>
+          </p:nvPr>
+        </p:nvPicPr>
+        <p:blipFill>
+          <a:blip r:embed="rId2" cstate="print">
+            <a:extLst>
+              <a:ext uri="{28A0092B-C50C-407E-A947-70E740481C1C}">
+                <a14:useLocalDpi xmlns:a14="http://schemas.microsoft.com/office/drawing/2010/main" val="0"/>
+              </a:ext>
+            </a:extLst>
+          </a:blip>
+          <a:stretch>
+            <a:fillRect/>
+          </a:stretch>
+        </p:blipFill>
+        <p:spPr>
+          <a:xfrm>
+            <a:off x="1752600" y="1374480"/>
+            <a:ext cx="5148678" cy="5165549"/>
+          </a:xfrm>
+        </p:spPr>
+      </p:pic>
+      <p:sp>
+        <p:nvSpPr>
+          <p:cNvPr id="4" name="Slide Number Placeholder 3"/>
+          <p:cNvSpPr>
+            <a:spLocks noGrp="1"/>
+          </p:cNvSpPr>
+          <p:nvPr>
+            <p:ph type="sldNum" sz="quarter" idx="12"/>
+          </p:nvPr>
+        </p:nvSpPr>
+        <p:spPr/>
+        <p:txBody>
+          <a:bodyPr/>
+          <a:lstStyle/>
+          <a:p>
+            <a:fld id="{B6F15528-21DE-4FAA-801E-634DDDAF4B2B}" type="slidenum">
+              <a:rPr lang="en-US" smtClean="0"/>
+              <a:pPr/>
+              <a:t>23</a:t>
+            </a:fld>
+            <a:endParaRPr lang="en-US"/>
+          </a:p>
+        </p:txBody>
+      </p:sp>
+    </p:spTree>
+    <p:extLst>
+      <p:ext uri="{BB962C8B-B14F-4D97-AF65-F5344CB8AC3E}">
+        <p14:creationId xmlns:p14="http://schemas.microsoft.com/office/powerpoint/2010/main" val="1861094201"/>
+      </p:ext>
+    </p:extLst>
+  </p:cSld>
+  <p:clrMapOvr>
+    <a:masterClrMapping/>
+  </p:clrMapOvr>
+  <p:timing>
+    <p:tnLst>
+      <p:par>
+        <p:cTn id="1" dur="indefinite" restart="never" nodeType="tmRoot"/>
+      </p:par>
+    </p:tnLst>
+  </p:timing>
+</p:sld>
+</file>
+
+<file path=ppt/slides/slide24.xml><?xml version="1.0" encoding="utf-8"?>
+<p:sld xmlns:a="http://schemas.openxmlformats.org/drawingml/2006/main" xmlns:r="http://schemas.openxmlformats.org/officeDocument/2006/relationships" xmlns:p="http://schemas.openxmlformats.org/presentationml/2006/main">
+  <p:cSld>
+    <p:spTree>
+      <p:nvGrpSpPr>
+        <p:cNvPr id="1" name=""/>
+        <p:cNvGrpSpPr/>
+        <p:nvPr/>
+      </p:nvGrpSpPr>
+      <p:grpSpPr>
+        <a:xfrm>
+          <a:off x="0" y="0"/>
+          <a:ext cx="0" cy="0"/>
+          <a:chOff x="0" y="0"/>
+          <a:chExt cx="0" cy="0"/>
+        </a:xfrm>
+      </p:grpSpPr>
+      <p:sp>
+        <p:nvSpPr>
+          <p:cNvPr id="2" name="Title 1"/>
+          <p:cNvSpPr>
+            <a:spLocks noGrp="1"/>
+          </p:cNvSpPr>
+          <p:nvPr>
+            <p:ph type="title"/>
+          </p:nvPr>
+        </p:nvSpPr>
+        <p:spPr/>
+        <p:txBody>
+          <a:bodyPr/>
+          <a:lstStyle/>
+          <a:p>
+            <a:r>
+              <a:rPr lang="en-US" dirty="0" smtClean="0"/>
+              <a:t>Experiments</a:t>
+            </a:r>
+            <a:endParaRPr lang="en-US" dirty="0"/>
+          </a:p>
+        </p:txBody>
+      </p:sp>
+      <p:sp>
+        <p:nvSpPr>
+          <p:cNvPr id="3" name="Content Placeholder 2"/>
+          <p:cNvSpPr>
+            <a:spLocks noGrp="1"/>
+          </p:cNvSpPr>
+          <p:nvPr>
+            <p:ph idx="1"/>
+          </p:nvPr>
+        </p:nvSpPr>
+        <p:spPr/>
+        <p:txBody>
+          <a:bodyPr>
+            <a:normAutofit/>
+          </a:bodyPr>
+          <a:lstStyle/>
+          <a:p>
+            <a:r>
+              <a:rPr lang="en-US" dirty="0" smtClean="0">
+                <a:ea typeface="Cambria Math"/>
+              </a:rPr>
+              <a:t>Real-world</a:t>
+            </a:r>
+            <a:endParaRPr lang="en-US" dirty="0" smtClean="0">
+              <a:ea typeface="Cambria Math"/>
+            </a:endParaRPr>
+          </a:p>
+          <a:p>
+            <a:pPr lvl="1"/>
+            <a:r>
+              <a:rPr lang="en-US" dirty="0" smtClean="0"/>
+              <a:t>20 trials starting in front of the </a:t>
+            </a:r>
+            <a:r>
+              <a:rPr lang="en-US" dirty="0" smtClean="0"/>
+              <a:t>camera</a:t>
+            </a:r>
+            <a:r>
+              <a:rPr lang="en-US" dirty="0" smtClean="0"/>
+              <a:t>, </a:t>
+            </a:r>
+            <a:r>
+              <a:rPr lang="en-US" dirty="0" smtClean="0"/>
+              <a:t>facing direction of window plane</a:t>
+            </a:r>
+          </a:p>
+          <a:p>
+            <a:pPr lvl="1"/>
+            <a:r>
+              <a:rPr lang="en-US" dirty="0" smtClean="0"/>
+              <a:t>60 trials in a 5cm starting grid along edges of view space, facing direction of window plane</a:t>
+            </a:r>
+          </a:p>
+          <a:p>
+            <a:pPr lvl="1"/>
+            <a:endParaRPr lang="en-US" dirty="0"/>
+          </a:p>
+        </p:txBody>
+      </p:sp>
+      <p:sp>
+        <p:nvSpPr>
+          <p:cNvPr id="4" name="Slide Number Placeholder 3"/>
+          <p:cNvSpPr>
+            <a:spLocks noGrp="1"/>
+          </p:cNvSpPr>
+          <p:nvPr>
+            <p:ph type="sldNum" sz="quarter" idx="12"/>
+          </p:nvPr>
+        </p:nvSpPr>
+        <p:spPr/>
+        <p:txBody>
+          <a:bodyPr/>
+          <a:lstStyle/>
+          <a:p>
+            <a:fld id="{B6F15528-21DE-4FAA-801E-634DDDAF4B2B}" type="slidenum">
+              <a:rPr lang="en-US" smtClean="0"/>
+              <a:pPr/>
+              <a:t>24</a:t>
+            </a:fld>
+            <a:endParaRPr lang="en-US"/>
+          </a:p>
+        </p:txBody>
+      </p:sp>
+    </p:spTree>
+    <p:extLst>
+      <p:ext uri="{BB962C8B-B14F-4D97-AF65-F5344CB8AC3E}">
+        <p14:creationId xmlns:p14="http://schemas.microsoft.com/office/powerpoint/2010/main" val="1304760417"/>
+      </p:ext>
+    </p:extLst>
+  </p:cSld>
+  <p:clrMapOvr>
+    <a:masterClrMapping/>
+  </p:clrMapOvr>
+  <p:timing>
+    <p:tnLst>
+      <p:par>
+        <p:cTn id="1" dur="indefinite" restart="never" nodeType="tmRoot"/>
+      </p:par>
+    </p:tnLst>
+  </p:timing>
+</p:sld>
+</file>
+
+<file path=ppt/slides/slide25.xml><?xml version="1.0" encoding="utf-8"?>
 <p:sld xmlns:a="http://schemas.openxmlformats.org/drawingml/2006/main" xmlns:r="http://schemas.openxmlformats.org/officeDocument/2006/relationships" xmlns:p="http://schemas.openxmlformats.org/presentationml/2006/main">
   <p:cSld>
     <p:spTree>
@@ -6985,7 +8389,7 @@
             <a:fld id="{B6F15528-21DE-4FAA-801E-634DDDAF4B2B}" type="slidenum">
               <a:rPr lang="en-US" smtClean="0"/>
               <a:pPr/>
-              <a:t>19</a:t>
+              <a:t>25</a:t>
             </a:fld>
             <a:endParaRPr lang="en-US"/>
           </a:p>
@@ -7011,7 +8415,7 @@
 </p:sld>
 </file>
 
-<file path=ppt/slides/slide2.xml><?xml version="1.0" encoding="utf-8"?>
+<file path=ppt/slides/slide26.xml><?xml version="1.0" encoding="utf-8"?>
 <p:sld xmlns:a="http://schemas.openxmlformats.org/drawingml/2006/main" xmlns:r="http://schemas.openxmlformats.org/officeDocument/2006/relationships" xmlns:p="http://schemas.openxmlformats.org/presentationml/2006/main">
   <p:cSld>
     <p:spTree>
@@ -7045,91 +8449,74 @@
           <a:p>
             <a:r>
               <a:rPr lang="en-US" dirty="0" smtClean="0"/>
-              <a:t>Outline</a:t>
+              <a:t>Monte Carlo Results</a:t>
             </a:r>
             <a:endParaRPr lang="en-US" dirty="0"/>
           </a:p>
         </p:txBody>
       </p:sp>
-      <p:sp>
-        <p:nvSpPr>
+      <p:pic>
+        <p:nvPicPr>
           <p:cNvPr id="3" name="Content Placeholder 2"/>
-          <p:cNvSpPr>
-            <a:spLocks noGrp="1"/>
-          </p:cNvSpPr>
+          <p:cNvPicPr>
+            <a:picLocks noGrp="1" noChangeAspect="1"/>
+          </p:cNvPicPr>
           <p:nvPr>
             <p:ph idx="1"/>
           </p:nvPr>
-        </p:nvSpPr>
-        <p:spPr/>
-        <p:txBody>
-          <a:bodyPr>
-            <a:normAutofit lnSpcReduction="10000"/>
-          </a:bodyPr>
-          <a:lstStyle/>
-          <a:p>
-            <a:r>
-              <a:rPr lang="en-US" dirty="0" smtClean="0"/>
-              <a:t>Motivation</a:t>
-            </a:r>
-          </a:p>
-          <a:p>
-            <a:r>
-              <a:rPr lang="en-US" dirty="0" smtClean="0"/>
-              <a:t>Hardware</a:t>
-            </a:r>
-          </a:p>
-          <a:p>
-            <a:r>
-              <a:rPr lang="en-US" dirty="0" smtClean="0"/>
-              <a:t>Cooperative System</a:t>
-            </a:r>
-          </a:p>
-          <a:p>
-            <a:r>
-              <a:rPr lang="en-US" dirty="0" smtClean="0"/>
-              <a:t>System Identification</a:t>
-            </a:r>
-          </a:p>
-          <a:p>
-            <a:r>
-              <a:rPr lang="en-US" dirty="0" smtClean="0"/>
-              <a:t>Model Verification</a:t>
-            </a:r>
-          </a:p>
-          <a:p>
-            <a:pPr lvl="1"/>
-            <a:r>
-              <a:rPr lang="en-US" dirty="0" smtClean="0"/>
-              <a:t>Simulation result</a:t>
-            </a:r>
-          </a:p>
-          <a:p>
-            <a:pPr lvl="1"/>
-            <a:r>
-              <a:rPr lang="en-US" dirty="0" smtClean="0"/>
-              <a:t>Experimental verification</a:t>
-            </a:r>
-          </a:p>
-          <a:p>
-            <a:r>
-              <a:rPr lang="en-US" dirty="0" smtClean="0"/>
-              <a:t>Conclusions</a:t>
-            </a:r>
-            <a:endParaRPr lang="en-US" dirty="0" smtClean="0"/>
-          </a:p>
-          <a:p>
-            <a:pPr lvl="1"/>
-            <a:endParaRPr lang="en-US" dirty="0" smtClean="0"/>
-          </a:p>
-          <a:p>
-            <a:endParaRPr lang="en-US" dirty="0"/>
-          </a:p>
-        </p:txBody>
-      </p:sp>
-      <p:sp>
-        <p:nvSpPr>
-          <p:cNvPr id="4" name="Slide Number Placeholder 3"/>
+        </p:nvPicPr>
+        <p:blipFill>
+          <a:blip r:embed="rId2" cstate="print">
+            <a:extLst>
+              <a:ext uri="{28A0092B-C50C-407E-A947-70E740481C1C}">
+                <a14:useLocalDpi xmlns:a14="http://schemas.microsoft.com/office/drawing/2010/main" val="0"/>
+              </a:ext>
+            </a:extLst>
+          </a:blip>
+          <a:stretch>
+            <a:fillRect/>
+          </a:stretch>
+        </p:blipFill>
+        <p:spPr>
+          <a:xfrm>
+            <a:off x="152400" y="1981199"/>
+            <a:ext cx="4511180" cy="4525962"/>
+          </a:xfrm>
+        </p:spPr>
+      </p:pic>
+      <p:pic>
+        <p:nvPicPr>
+          <p:cNvPr id="4" name="Content Placeholder 2"/>
+          <p:cNvPicPr>
+            <a:picLocks noChangeAspect="1"/>
+          </p:cNvPicPr>
+          <p:nvPr/>
+        </p:nvPicPr>
+        <p:blipFill>
+          <a:blip r:embed="rId3">
+            <a:extLst>
+              <a:ext uri="{28A0092B-C50C-407E-A947-70E740481C1C}">
+                <a14:useLocalDpi xmlns:a14="http://schemas.microsoft.com/office/drawing/2010/main" val="0"/>
+              </a:ext>
+            </a:extLst>
+          </a:blip>
+          <a:stretch>
+            <a:fillRect/>
+          </a:stretch>
+        </p:blipFill>
+        <p:spPr>
+          <a:xfrm>
+            <a:off x="4495800" y="2006432"/>
+            <a:ext cx="4511180" cy="4475498"/>
+          </a:xfrm>
+          <a:prstGeom prst="rect">
+            <a:avLst/>
+          </a:prstGeom>
+        </p:spPr>
+      </p:pic>
+      <p:sp>
+        <p:nvSpPr>
+          <p:cNvPr id="5" name="Slide Number Placeholder 4"/>
           <p:cNvSpPr>
             <a:spLocks noGrp="1"/>
           </p:cNvSpPr>
@@ -7145,7 +8532,7 @@
             <a:fld id="{B6F15528-21DE-4FAA-801E-634DDDAF4B2B}" type="slidenum">
               <a:rPr lang="en-US" smtClean="0"/>
               <a:pPr/>
-              <a:t>2</a:t>
+              <a:t>26</a:t>
             </a:fld>
             <a:endParaRPr lang="en-US"/>
           </a:p>
@@ -7154,7 +8541,7 @@
     </p:spTree>
     <p:extLst>
       <p:ext uri="{BB962C8B-B14F-4D97-AF65-F5344CB8AC3E}">
-        <p14:creationId xmlns:p14="http://schemas.microsoft.com/office/powerpoint/2010/main" val="3705195523"/>
+        <p14:creationId xmlns:p14="http://schemas.microsoft.com/office/powerpoint/2010/main" val="2091344337"/>
       </p:ext>
     </p:extLst>
   </p:cSld>
@@ -7171,7 +8558,7 @@
 </p:sld>
 </file>
 
-<file path=ppt/slides/slide20.xml><?xml version="1.0" encoding="utf-8"?>
+<file path=ppt/slides/slide27.xml><?xml version="1.0" encoding="utf-8"?>
 <p:sld xmlns:a="http://schemas.openxmlformats.org/drawingml/2006/main" xmlns:r="http://schemas.openxmlformats.org/officeDocument/2006/relationships" xmlns:p="http://schemas.openxmlformats.org/presentationml/2006/main">
   <p:cSld>
     <p:spTree>
@@ -7318,7 +8705,6 @@
               <a:rPr lang="en-US" dirty="0" smtClean="0"/>
               <a:t>Conclusions</a:t>
             </a:r>
-            <a:endParaRPr lang="en-US" dirty="0" smtClean="0"/>
           </a:p>
           <a:p>
             <a:pPr lvl="1"/>
@@ -7347,7 +8733,7 @@
             <a:fld id="{B6F15528-21DE-4FAA-801E-634DDDAF4B2B}" type="slidenum">
               <a:rPr lang="en-US" smtClean="0"/>
               <a:pPr/>
-              <a:t>20</a:t>
+              <a:t>27</a:t>
             </a:fld>
             <a:endParaRPr lang="en-US"/>
           </a:p>
@@ -7373,7 +8759,7 @@
 </p:sld>
 </file>
 
-<file path=ppt/slides/slide21.xml><?xml version="1.0" encoding="utf-8"?>
+<file path=ppt/slides/slide28.xml><?xml version="1.0" encoding="utf-8"?>
 <p:sld xmlns:a="http://schemas.openxmlformats.org/drawingml/2006/main" xmlns:r="http://schemas.openxmlformats.org/officeDocument/2006/relationships" xmlns:p="http://schemas.openxmlformats.org/presentationml/2006/main">
   <p:cSld>
     <p:spTree>
@@ -7448,7 +8834,6 @@
               <a:rPr lang="en-US" dirty="0" smtClean="0"/>
               <a:t>Could be used to determine point to begin control to ensure success</a:t>
             </a:r>
-            <a:endParaRPr lang="en-US" dirty="0" smtClean="0"/>
           </a:p>
           <a:p>
             <a:r>
@@ -7460,11 +8845,7 @@
             <a:pPr lvl="1"/>
             <a:r>
               <a:rPr lang="en-US" dirty="0" smtClean="0"/>
-              <a:t>Lack information abou</a:t>
-            </a:r>
-            <a:r>
-              <a:rPr lang="en-US" dirty="0" smtClean="0"/>
-              <a:t>t the complete pose of the robot</a:t>
+              <a:t>Lack information about the complete pose of the robot</a:t>
             </a:r>
             <a:endParaRPr lang="en-US" dirty="0"/>
           </a:p>
@@ -7488,7 +8869,7 @@
             <a:fld id="{B6F15528-21DE-4FAA-801E-634DDDAF4B2B}" type="slidenum">
               <a:rPr lang="en-US" smtClean="0"/>
               <a:pPr/>
-              <a:t>21</a:t>
+              <a:t>28</a:t>
             </a:fld>
             <a:endParaRPr lang="en-US"/>
           </a:p>
@@ -7514,7 +8895,7 @@
 </p:sld>
 </file>
 
-<file path=ppt/slides/slide22.xml><?xml version="1.0" encoding="utf-8"?>
+<file path=ppt/slides/slide29.xml><?xml version="1.0" encoding="utf-8"?>
 <p:sld xmlns:a="http://schemas.openxmlformats.org/drawingml/2006/main" xmlns:r="http://schemas.openxmlformats.org/officeDocument/2006/relationships" xmlns:p="http://schemas.openxmlformats.org/presentationml/2006/main">
   <p:cSld>
     <p:spTree>
@@ -7571,11 +8952,7 @@
           <a:p>
             <a:r>
               <a:rPr lang="en-US" dirty="0" smtClean="0"/>
-              <a:t>Talk </a:t>
-            </a:r>
-            <a:r>
-              <a:rPr lang="en-US" dirty="0" smtClean="0"/>
-              <a:t>about VLR and multi-view localization method</a:t>
+              <a:t>Talk about VLR and multi-view localization method</a:t>
             </a:r>
             <a:endParaRPr lang="en-US" dirty="0"/>
           </a:p>
@@ -7599,7 +8976,7 @@
             <a:fld id="{B6F15528-21DE-4FAA-801E-634DDDAF4B2B}" type="slidenum">
               <a:rPr lang="en-US" smtClean="0"/>
               <a:pPr/>
-              <a:t>22</a:t>
+              <a:t>29</a:t>
             </a:fld>
             <a:endParaRPr lang="en-US"/>
           </a:p>
@@ -7609,212 +8986,6 @@
     <p:extLst>
       <p:ext uri="{BB962C8B-B14F-4D97-AF65-F5344CB8AC3E}">
         <p14:creationId xmlns:p14="http://schemas.microsoft.com/office/powerpoint/2010/main" val="2720107505"/>
-      </p:ext>
-    </p:extLst>
-  </p:cSld>
-  <p:clrMapOvr>
-    <a:masterClrMapping/>
-  </p:clrMapOvr>
-  <p:timing>
-    <p:tnLst>
-      <p:par>
-        <p:cTn id="1" dur="indefinite" restart="never" nodeType="tmRoot"/>
-      </p:par>
-    </p:tnLst>
-  </p:timing>
-</p:sld>
-</file>
-
-<file path=ppt/slides/slide23.xml><?xml version="1.0" encoding="utf-8"?>
-<p:sld xmlns:a="http://schemas.openxmlformats.org/drawingml/2006/main" xmlns:r="http://schemas.openxmlformats.org/officeDocument/2006/relationships" xmlns:p="http://schemas.openxmlformats.org/presentationml/2006/main">
-  <p:cSld>
-    <p:spTree>
-      <p:nvGrpSpPr>
-        <p:cNvPr id="1" name=""/>
-        <p:cNvGrpSpPr/>
-        <p:nvPr/>
-      </p:nvGrpSpPr>
-      <p:grpSpPr>
-        <a:xfrm>
-          <a:off x="0" y="0"/>
-          <a:ext cx="0" cy="0"/>
-          <a:chOff x="0" y="0"/>
-          <a:chExt cx="0" cy="0"/>
-        </a:xfrm>
-      </p:grpSpPr>
-      <p:sp>
-        <p:nvSpPr>
-          <p:cNvPr id="2" name="Title 1"/>
-          <p:cNvSpPr>
-            <a:spLocks noGrp="1"/>
-          </p:cNvSpPr>
-          <p:nvPr>
-            <p:ph type="title"/>
-          </p:nvPr>
-        </p:nvSpPr>
-        <p:spPr/>
-        <p:txBody>
-          <a:bodyPr/>
-          <a:lstStyle/>
-          <a:p>
-            <a:r>
-              <a:rPr lang="en-US" dirty="0" smtClean="0"/>
-              <a:t>Acknowledgements</a:t>
-            </a:r>
-            <a:endParaRPr lang="en-US" dirty="0"/>
-          </a:p>
-        </p:txBody>
-      </p:sp>
-      <p:sp>
-        <p:nvSpPr>
-          <p:cNvPr id="3" name="Content Placeholder 2"/>
-          <p:cNvSpPr>
-            <a:spLocks noGrp="1"/>
-          </p:cNvSpPr>
-          <p:nvPr>
-            <p:ph idx="1"/>
-          </p:nvPr>
-        </p:nvSpPr>
-        <p:spPr/>
-        <p:txBody>
-          <a:bodyPr/>
-          <a:lstStyle/>
-          <a:p>
-            <a:endParaRPr lang="en-US"/>
-          </a:p>
-        </p:txBody>
-      </p:sp>
-      <p:sp>
-        <p:nvSpPr>
-          <p:cNvPr id="4" name="Slide Number Placeholder 3"/>
-          <p:cNvSpPr>
-            <a:spLocks noGrp="1"/>
-          </p:cNvSpPr>
-          <p:nvPr>
-            <p:ph type="sldNum" sz="quarter" idx="12"/>
-          </p:nvPr>
-        </p:nvSpPr>
-        <p:spPr/>
-        <p:txBody>
-          <a:bodyPr/>
-          <a:lstStyle/>
-          <a:p>
-            <a:fld id="{B6F15528-21DE-4FAA-801E-634DDDAF4B2B}" type="slidenum">
-              <a:rPr lang="en-US" smtClean="0"/>
-              <a:pPr/>
-              <a:t>23</a:t>
-            </a:fld>
-            <a:endParaRPr lang="en-US"/>
-          </a:p>
-        </p:txBody>
-      </p:sp>
-    </p:spTree>
-    <p:extLst>
-      <p:ext uri="{BB962C8B-B14F-4D97-AF65-F5344CB8AC3E}">
-        <p14:creationId xmlns:p14="http://schemas.microsoft.com/office/powerpoint/2010/main" val="3067049800"/>
-      </p:ext>
-    </p:extLst>
-  </p:cSld>
-  <p:clrMapOvr>
-    <a:masterClrMapping/>
-  </p:clrMapOvr>
-  <p:timing>
-    <p:tnLst>
-      <p:par>
-        <p:cTn id="1" dur="indefinite" restart="never" nodeType="tmRoot"/>
-      </p:par>
-    </p:tnLst>
-  </p:timing>
-</p:sld>
-</file>
-
-<file path=ppt/slides/slide24.xml><?xml version="1.0" encoding="utf-8"?>
-<p:sld xmlns:a="http://schemas.openxmlformats.org/drawingml/2006/main" xmlns:r="http://schemas.openxmlformats.org/officeDocument/2006/relationships" xmlns:p="http://schemas.openxmlformats.org/presentationml/2006/main">
-  <p:cSld>
-    <p:spTree>
-      <p:nvGrpSpPr>
-        <p:cNvPr id="1" name=""/>
-        <p:cNvGrpSpPr/>
-        <p:nvPr/>
-      </p:nvGrpSpPr>
-      <p:grpSpPr>
-        <a:xfrm>
-          <a:off x="0" y="0"/>
-          <a:ext cx="0" cy="0"/>
-          <a:chOff x="0" y="0"/>
-          <a:chExt cx="0" cy="0"/>
-        </a:xfrm>
-      </p:grpSpPr>
-      <p:sp>
-        <p:nvSpPr>
-          <p:cNvPr id="2" name="Title 1"/>
-          <p:cNvSpPr>
-            <a:spLocks noGrp="1"/>
-          </p:cNvSpPr>
-          <p:nvPr>
-            <p:ph type="title"/>
-          </p:nvPr>
-        </p:nvSpPr>
-        <p:spPr/>
-        <p:txBody>
-          <a:bodyPr/>
-          <a:lstStyle/>
-          <a:p>
-            <a:r>
-              <a:rPr lang="en-US" dirty="0" smtClean="0"/>
-              <a:t>References</a:t>
-            </a:r>
-            <a:endParaRPr lang="en-US" dirty="0"/>
-          </a:p>
-        </p:txBody>
-      </p:sp>
-      <p:sp>
-        <p:nvSpPr>
-          <p:cNvPr id="3" name="Content Placeholder 2"/>
-          <p:cNvSpPr>
-            <a:spLocks noGrp="1"/>
-          </p:cNvSpPr>
-          <p:nvPr>
-            <p:ph idx="1"/>
-          </p:nvPr>
-        </p:nvSpPr>
-        <p:spPr/>
-        <p:txBody>
-          <a:bodyPr/>
-          <a:lstStyle/>
-          <a:p>
-            <a:endParaRPr lang="en-US"/>
-          </a:p>
-        </p:txBody>
-      </p:sp>
-      <p:sp>
-        <p:nvSpPr>
-          <p:cNvPr id="4" name="Slide Number Placeholder 3"/>
-          <p:cNvSpPr>
-            <a:spLocks noGrp="1"/>
-          </p:cNvSpPr>
-          <p:nvPr>
-            <p:ph type="sldNum" sz="quarter" idx="12"/>
-          </p:nvPr>
-        </p:nvSpPr>
-        <p:spPr/>
-        <p:txBody>
-          <a:bodyPr/>
-          <a:lstStyle/>
-          <a:p>
-            <a:fld id="{B6F15528-21DE-4FAA-801E-634DDDAF4B2B}" type="slidenum">
-              <a:rPr lang="en-US" smtClean="0"/>
-              <a:pPr/>
-              <a:t>24</a:t>
-            </a:fld>
-            <a:endParaRPr lang="en-US"/>
-          </a:p>
-        </p:txBody>
-      </p:sp>
-    </p:spTree>
-    <p:extLst>
-      <p:ext uri="{BB962C8B-B14F-4D97-AF65-F5344CB8AC3E}">
-        <p14:creationId xmlns:p14="http://schemas.microsoft.com/office/powerpoint/2010/main" val="3304812637"/>
       </p:ext>
     </p:extLst>
   </p:cSld>
@@ -7978,13 +9149,6 @@
               </a:rPr>
               <a:t>Conclusions</a:t>
             </a:r>
-            <a:endParaRPr lang="en-US" dirty="0" smtClean="0">
-              <a:solidFill>
-                <a:schemeClr val="bg1">
-                  <a:lumMod val="75000"/>
-                </a:schemeClr>
-              </a:solidFill>
-            </a:endParaRPr>
           </a:p>
           <a:p>
             <a:pPr lvl="1"/>
@@ -8023,6 +9187,311 @@
     <p:extLst>
       <p:ext uri="{BB962C8B-B14F-4D97-AF65-F5344CB8AC3E}">
         <p14:creationId xmlns:p14="http://schemas.microsoft.com/office/powerpoint/2010/main" val="2769349391"/>
+      </p:ext>
+    </p:extLst>
+  </p:cSld>
+  <p:clrMapOvr>
+    <a:masterClrMapping/>
+  </p:clrMapOvr>
+  <p:timing>
+    <p:tnLst>
+      <p:par>
+        <p:cTn id="1" dur="indefinite" restart="never" nodeType="tmRoot"/>
+      </p:par>
+    </p:tnLst>
+  </p:timing>
+</p:sld>
+</file>
+
+<file path=ppt/slides/slide30.xml><?xml version="1.0" encoding="utf-8"?>
+<p:sld xmlns:a="http://schemas.openxmlformats.org/drawingml/2006/main" xmlns:r="http://schemas.openxmlformats.org/officeDocument/2006/relationships" xmlns:p="http://schemas.openxmlformats.org/presentationml/2006/main">
+  <p:cSld>
+    <p:spTree>
+      <p:nvGrpSpPr>
+        <p:cNvPr id="1" name=""/>
+        <p:cNvGrpSpPr/>
+        <p:nvPr/>
+      </p:nvGrpSpPr>
+      <p:grpSpPr>
+        <a:xfrm>
+          <a:off x="0" y="0"/>
+          <a:ext cx="0" cy="0"/>
+          <a:chOff x="0" y="0"/>
+          <a:chExt cx="0" cy="0"/>
+        </a:xfrm>
+      </p:grpSpPr>
+      <p:sp>
+        <p:nvSpPr>
+          <p:cNvPr id="2" name="Title 1"/>
+          <p:cNvSpPr>
+            <a:spLocks noGrp="1"/>
+          </p:cNvSpPr>
+          <p:nvPr>
+            <p:ph type="title"/>
+          </p:nvPr>
+        </p:nvSpPr>
+        <p:spPr/>
+        <p:txBody>
+          <a:bodyPr/>
+          <a:lstStyle/>
+          <a:p>
+            <a:r>
+              <a:rPr lang="en-US" dirty="0" smtClean="0"/>
+              <a:t>Acknowledgements</a:t>
+            </a:r>
+            <a:endParaRPr lang="en-US" dirty="0"/>
+          </a:p>
+        </p:txBody>
+      </p:sp>
+      <p:sp>
+        <p:nvSpPr>
+          <p:cNvPr id="3" name="Content Placeholder 2"/>
+          <p:cNvSpPr>
+            <a:spLocks noGrp="1"/>
+          </p:cNvSpPr>
+          <p:nvPr>
+            <p:ph idx="1"/>
+          </p:nvPr>
+        </p:nvSpPr>
+        <p:spPr/>
+        <p:txBody>
+          <a:bodyPr/>
+          <a:lstStyle/>
+          <a:p>
+            <a:endParaRPr lang="en-US"/>
+          </a:p>
+        </p:txBody>
+      </p:sp>
+      <p:sp>
+        <p:nvSpPr>
+          <p:cNvPr id="4" name="Slide Number Placeholder 3"/>
+          <p:cNvSpPr>
+            <a:spLocks noGrp="1"/>
+          </p:cNvSpPr>
+          <p:nvPr>
+            <p:ph type="sldNum" sz="quarter" idx="12"/>
+          </p:nvPr>
+        </p:nvSpPr>
+        <p:spPr/>
+        <p:txBody>
+          <a:bodyPr/>
+          <a:lstStyle/>
+          <a:p>
+            <a:fld id="{B6F15528-21DE-4FAA-801E-634DDDAF4B2B}" type="slidenum">
+              <a:rPr lang="en-US" smtClean="0"/>
+              <a:pPr/>
+              <a:t>30</a:t>
+            </a:fld>
+            <a:endParaRPr lang="en-US"/>
+          </a:p>
+        </p:txBody>
+      </p:sp>
+    </p:spTree>
+    <p:extLst>
+      <p:ext uri="{BB962C8B-B14F-4D97-AF65-F5344CB8AC3E}">
+        <p14:creationId xmlns:p14="http://schemas.microsoft.com/office/powerpoint/2010/main" val="3067049800"/>
+      </p:ext>
+    </p:extLst>
+  </p:cSld>
+  <p:clrMapOvr>
+    <a:masterClrMapping/>
+  </p:clrMapOvr>
+  <p:timing>
+    <p:tnLst>
+      <p:par>
+        <p:cTn id="1" dur="indefinite" restart="never" nodeType="tmRoot"/>
+      </p:par>
+    </p:tnLst>
+  </p:timing>
+</p:sld>
+</file>
+
+<file path=ppt/slides/slide31.xml><?xml version="1.0" encoding="utf-8"?>
+<p:sld xmlns:a="http://schemas.openxmlformats.org/drawingml/2006/main" xmlns:r="http://schemas.openxmlformats.org/officeDocument/2006/relationships" xmlns:p="http://schemas.openxmlformats.org/presentationml/2006/main">
+  <p:cSld>
+    <p:spTree>
+      <p:nvGrpSpPr>
+        <p:cNvPr id="1" name=""/>
+        <p:cNvGrpSpPr/>
+        <p:nvPr/>
+      </p:nvGrpSpPr>
+      <p:grpSpPr>
+        <a:xfrm>
+          <a:off x="0" y="0"/>
+          <a:ext cx="0" cy="0"/>
+          <a:chOff x="0" y="0"/>
+          <a:chExt cx="0" cy="0"/>
+        </a:xfrm>
+      </p:grpSpPr>
+      <p:sp>
+        <p:nvSpPr>
+          <p:cNvPr id="2" name="Title 1"/>
+          <p:cNvSpPr>
+            <a:spLocks noGrp="1"/>
+          </p:cNvSpPr>
+          <p:nvPr>
+            <p:ph type="title"/>
+          </p:nvPr>
+        </p:nvSpPr>
+        <p:spPr/>
+        <p:txBody>
+          <a:bodyPr/>
+          <a:lstStyle/>
+          <a:p>
+            <a:r>
+              <a:rPr lang="en-US" dirty="0" smtClean="0"/>
+              <a:t>References</a:t>
+            </a:r>
+            <a:endParaRPr lang="en-US" dirty="0"/>
+          </a:p>
+        </p:txBody>
+      </p:sp>
+      <p:sp>
+        <p:nvSpPr>
+          <p:cNvPr id="3" name="Content Placeholder 2"/>
+          <p:cNvSpPr>
+            <a:spLocks noGrp="1"/>
+          </p:cNvSpPr>
+          <p:nvPr>
+            <p:ph idx="1"/>
+          </p:nvPr>
+        </p:nvSpPr>
+        <p:spPr/>
+        <p:txBody>
+          <a:bodyPr/>
+          <a:lstStyle/>
+          <a:p>
+            <a:endParaRPr lang="en-US"/>
+          </a:p>
+        </p:txBody>
+      </p:sp>
+      <p:sp>
+        <p:nvSpPr>
+          <p:cNvPr id="4" name="Slide Number Placeholder 3"/>
+          <p:cNvSpPr>
+            <a:spLocks noGrp="1"/>
+          </p:cNvSpPr>
+          <p:nvPr>
+            <p:ph type="sldNum" sz="quarter" idx="12"/>
+          </p:nvPr>
+        </p:nvSpPr>
+        <p:spPr/>
+        <p:txBody>
+          <a:bodyPr/>
+          <a:lstStyle/>
+          <a:p>
+            <a:fld id="{B6F15528-21DE-4FAA-801E-634DDDAF4B2B}" type="slidenum">
+              <a:rPr lang="en-US" smtClean="0"/>
+              <a:pPr/>
+              <a:t>31</a:t>
+            </a:fld>
+            <a:endParaRPr lang="en-US"/>
+          </a:p>
+        </p:txBody>
+      </p:sp>
+    </p:spTree>
+    <p:extLst>
+      <p:ext uri="{BB962C8B-B14F-4D97-AF65-F5344CB8AC3E}">
+        <p14:creationId xmlns:p14="http://schemas.microsoft.com/office/powerpoint/2010/main" val="3304812637"/>
+      </p:ext>
+    </p:extLst>
+  </p:cSld>
+  <p:clrMapOvr>
+    <a:masterClrMapping/>
+  </p:clrMapOvr>
+  <p:timing>
+    <p:tnLst>
+      <p:par>
+        <p:cTn id="1" dur="indefinite" restart="never" nodeType="tmRoot"/>
+      </p:par>
+    </p:tnLst>
+  </p:timing>
+</p:sld>
+</file>
+
+<file path=ppt/slides/slide32.xml><?xml version="1.0" encoding="utf-8"?>
+<p:sld xmlns:a="http://schemas.openxmlformats.org/drawingml/2006/main" xmlns:r="http://schemas.openxmlformats.org/officeDocument/2006/relationships" xmlns:p="http://schemas.openxmlformats.org/presentationml/2006/main">
+  <p:cSld>
+    <p:spTree>
+      <p:nvGrpSpPr>
+        <p:cNvPr id="1" name=""/>
+        <p:cNvGrpSpPr/>
+        <p:nvPr/>
+      </p:nvGrpSpPr>
+      <p:grpSpPr>
+        <a:xfrm>
+          <a:off x="0" y="0"/>
+          <a:ext cx="0" cy="0"/>
+          <a:chOff x="0" y="0"/>
+          <a:chExt cx="0" cy="0"/>
+        </a:xfrm>
+      </p:grpSpPr>
+      <p:sp>
+        <p:nvSpPr>
+          <p:cNvPr id="2" name="Title 1"/>
+          <p:cNvSpPr>
+            <a:spLocks noGrp="1"/>
+          </p:cNvSpPr>
+          <p:nvPr>
+            <p:ph type="title"/>
+          </p:nvPr>
+        </p:nvSpPr>
+        <p:spPr/>
+        <p:txBody>
+          <a:bodyPr/>
+          <a:lstStyle/>
+          <a:p>
+            <a:endParaRPr lang="en-US"/>
+          </a:p>
+        </p:txBody>
+      </p:sp>
+      <p:sp>
+        <p:nvSpPr>
+          <p:cNvPr id="3" name="Content Placeholder 2"/>
+          <p:cNvSpPr>
+            <a:spLocks noGrp="1"/>
+          </p:cNvSpPr>
+          <p:nvPr>
+            <p:ph idx="1"/>
+          </p:nvPr>
+        </p:nvSpPr>
+        <p:spPr/>
+        <p:txBody>
+          <a:bodyPr/>
+          <a:lstStyle/>
+          <a:p>
+            <a:endParaRPr lang="en-US"/>
+          </a:p>
+        </p:txBody>
+      </p:sp>
+      <p:sp>
+        <p:nvSpPr>
+          <p:cNvPr id="4" name="Slide Number Placeholder 3"/>
+          <p:cNvSpPr>
+            <a:spLocks noGrp="1"/>
+          </p:cNvSpPr>
+          <p:nvPr>
+            <p:ph type="sldNum" sz="quarter" idx="12"/>
+          </p:nvPr>
+        </p:nvSpPr>
+        <p:spPr/>
+        <p:txBody>
+          <a:bodyPr/>
+          <a:lstStyle/>
+          <a:p>
+            <a:fld id="{B6F15528-21DE-4FAA-801E-634DDDAF4B2B}" type="slidenum">
+              <a:rPr lang="en-US" smtClean="0"/>
+              <a:pPr/>
+              <a:t>32</a:t>
+            </a:fld>
+            <a:endParaRPr lang="en-US"/>
+          </a:p>
+        </p:txBody>
+      </p:sp>
+    </p:spTree>
+    <p:extLst>
+      <p:ext uri="{BB962C8B-B14F-4D97-AF65-F5344CB8AC3E}">
+        <p14:creationId xmlns:p14="http://schemas.microsoft.com/office/powerpoint/2010/main" val="1271263548"/>
       </p:ext>
     </p:extLst>
   </p:cSld>
@@ -8073,7 +9542,7 @@
           <a:p>
             <a:r>
               <a:rPr lang="en-US" dirty="0" smtClean="0"/>
-              <a:t>Motivation</a:t>
+              <a:t>Scenario</a:t>
             </a:r>
             <a:endParaRPr lang="en-US" dirty="0"/>
           </a:p>
@@ -8081,12 +9550,12 @@
       </p:sp>
       <p:sp>
         <p:nvSpPr>
-          <p:cNvPr id="3" name="Content Placeholder 2"/>
-          <p:cNvSpPr>
-            <a:spLocks noGrp="1"/>
-          </p:cNvSpPr>
-          <p:nvPr>
-            <p:ph idx="1"/>
+          <p:cNvPr id="10" name="Content Placeholder 9"/>
+          <p:cNvSpPr>
+            <a:spLocks noGrp="1"/>
+          </p:cNvSpPr>
+          <p:nvPr>
+            <p:ph sz="half" idx="2"/>
           </p:nvPr>
         </p:nvSpPr>
         <p:spPr/>
@@ -8096,31 +9565,8 @@
           <a:p>
             <a:r>
               <a:rPr lang="en-US" dirty="0" smtClean="0"/>
-              <a:t>Mobile robotics platforms can be limited in capabilities at small </a:t>
-            </a:r>
-            <a:r>
-              <a:rPr lang="en-US" dirty="0" smtClean="0"/>
-              <a:t>scales</a:t>
-            </a:r>
-          </a:p>
-          <a:p>
-            <a:pPr lvl="1"/>
-            <a:r>
-              <a:rPr lang="en-US" dirty="0" smtClean="0"/>
-              <a:t>Power, size, weight constraints</a:t>
-            </a:r>
-            <a:endParaRPr lang="en-US" dirty="0" smtClean="0"/>
-          </a:p>
-          <a:p>
-            <a:r>
-              <a:rPr lang="en-US" dirty="0" smtClean="0"/>
-              <a:t>Cooperation between these systems can allow for completion of objectives that are infeasible for the robots </a:t>
-            </a:r>
-            <a:r>
-              <a:rPr lang="en-US" dirty="0" smtClean="0"/>
-              <a:t>individually</a:t>
-            </a:r>
-            <a:endParaRPr lang="en-US" dirty="0" smtClean="0"/>
+              <a:t>Want to guide flapping-winged MAV through a window</a:t>
+            </a:r>
           </a:p>
           <a:p>
             <a:endParaRPr lang="en-US" dirty="0"/>
@@ -8151,10 +9597,39 @@
           </a:p>
         </p:txBody>
       </p:sp>
+      <p:pic>
+        <p:nvPicPr>
+          <p:cNvPr id="11" name="Content Placeholder 3"/>
+          <p:cNvPicPr>
+            <a:picLocks noGrp="1" noChangeAspect="1"/>
+          </p:cNvPicPr>
+          <p:nvPr>
+            <p:ph sz="half" idx="1"/>
+          </p:nvPr>
+        </p:nvPicPr>
+        <p:blipFill>
+          <a:blip r:embed="rId2" cstate="print">
+            <a:extLst>
+              <a:ext uri="{28A0092B-C50C-407E-A947-70E740481C1C}">
+                <a14:useLocalDpi xmlns:a14="http://schemas.microsoft.com/office/drawing/2010/main" val="0"/>
+              </a:ext>
+            </a:extLst>
+          </a:blip>
+          <a:stretch>
+            <a:fillRect/>
+          </a:stretch>
+        </p:blipFill>
+        <p:spPr>
+          <a:xfrm>
+            <a:off x="457200" y="1905516"/>
+            <a:ext cx="4038600" cy="3915331"/>
+          </a:xfrm>
+        </p:spPr>
+      </p:pic>
     </p:spTree>
     <p:extLst>
       <p:ext uri="{BB962C8B-B14F-4D97-AF65-F5344CB8AC3E}">
-        <p14:creationId xmlns:p14="http://schemas.microsoft.com/office/powerpoint/2010/main" val="3246865248"/>
+        <p14:creationId xmlns:p14="http://schemas.microsoft.com/office/powerpoint/2010/main" val="219657222"/>
       </p:ext>
     </p:extLst>
   </p:cSld>
@@ -8205,7 +9680,7 @@
           <a:p>
             <a:r>
               <a:rPr lang="en-US" dirty="0" smtClean="0"/>
-              <a:t>Goal</a:t>
+              <a:t>Motivation</a:t>
             </a:r>
             <a:endParaRPr lang="en-US" dirty="0"/>
           </a:p>
@@ -8223,62 +9698,29 @@
         </p:nvSpPr>
         <p:spPr/>
         <p:txBody>
-          <a:bodyPr>
-            <a:normAutofit fontScale="92500" lnSpcReduction="10000"/>
-          </a:bodyPr>
+          <a:bodyPr/>
           <a:lstStyle/>
           <a:p>
             <a:r>
               <a:rPr lang="en-US" dirty="0" smtClean="0"/>
-              <a:t>Demonstrate the feasibility of cooperation between limited mobile robots to </a:t>
-            </a:r>
+              <a:t>Mobile robotics platforms can be limited in capabilities at small scales</a:t>
+            </a:r>
+          </a:p>
+          <a:p>
+            <a:pPr lvl="1"/>
             <a:r>
               <a:rPr lang="en-US" dirty="0" smtClean="0"/>
-              <a:t>navigate to a </a:t>
-            </a:r>
+              <a:t>Power, size, weight constraints</a:t>
+            </a:r>
+          </a:p>
+          <a:p>
             <a:r>
               <a:rPr lang="en-US" dirty="0" smtClean="0"/>
-              <a:t>common </a:t>
-            </a:r>
-            <a:r>
-              <a:rPr lang="en-US" dirty="0" smtClean="0"/>
-              <a:t>goal</a:t>
-            </a:r>
-          </a:p>
-          <a:p>
-            <a:r>
-              <a:rPr lang="en-US" dirty="0" smtClean="0"/>
-              <a:t>Develop a tracking platform that could be used on a small-scale mobile robot</a:t>
-            </a:r>
-            <a:endParaRPr lang="en-US" dirty="0" smtClean="0"/>
-          </a:p>
-          <a:p>
-            <a:r>
-              <a:rPr lang="en-US" dirty="0" smtClean="0"/>
-              <a:t>Develop a model to predict successful navigation</a:t>
-            </a:r>
-          </a:p>
-          <a:p>
-            <a:pPr lvl="1"/>
-            <a:r>
-              <a:rPr lang="en-US" dirty="0" smtClean="0"/>
-              <a:t>Achieve simplified model of complex behavior of flapping-winged MAV</a:t>
-            </a:r>
-          </a:p>
-          <a:p>
-            <a:pPr lvl="2"/>
-            <a:r>
-              <a:rPr lang="en-US" dirty="0" smtClean="0"/>
-              <a:t>Difficult nonlinear dynamics</a:t>
-            </a:r>
-          </a:p>
-          <a:p>
-            <a:pPr lvl="2"/>
-            <a:r>
-              <a:rPr lang="en-US" dirty="0" smtClean="0"/>
-              <a:t>Noisy sensing from flapping movements</a:t>
-            </a:r>
-            <a:endParaRPr lang="en-US" dirty="0" smtClean="0"/>
+              <a:t>Cooperation between these systems can allow for completion of objectives that are infeasible for the robots individually</a:t>
+            </a:r>
+          </a:p>
+          <a:p>
+            <a:endParaRPr lang="en-US" dirty="0"/>
           </a:p>
         </p:txBody>
       </p:sp>
@@ -8309,7 +9751,7 @@
     </p:spTree>
     <p:extLst>
       <p:ext uri="{BB962C8B-B14F-4D97-AF65-F5344CB8AC3E}">
-        <p14:creationId xmlns:p14="http://schemas.microsoft.com/office/powerpoint/2010/main" val="2996444592"/>
+        <p14:creationId xmlns:p14="http://schemas.microsoft.com/office/powerpoint/2010/main" val="3246865248"/>
       </p:ext>
     </p:extLst>
   </p:cSld>
@@ -8360,7 +9802,7 @@
           <a:p>
             <a:r>
               <a:rPr lang="en-US" dirty="0" smtClean="0"/>
-              <a:t>Outline</a:t>
+              <a:t>Goal</a:t>
             </a:r>
             <a:endParaRPr lang="en-US" dirty="0"/>
           </a:p>
@@ -8379,114 +9821,47 @@
         <p:spPr/>
         <p:txBody>
           <a:bodyPr>
-            <a:normAutofit lnSpcReduction="10000"/>
+            <a:normAutofit fontScale="92500" lnSpcReduction="10000"/>
           </a:bodyPr>
           <a:lstStyle/>
           <a:p>
             <a:r>
-              <a:rPr lang="en-US" dirty="0" smtClean="0">
-                <a:solidFill>
-                  <a:schemeClr val="bg1">
-                    <a:lumMod val="75000"/>
-                  </a:schemeClr>
-                </a:solidFill>
-              </a:rPr>
-              <a:t>Motivation</a:t>
-            </a:r>
-          </a:p>
-          <a:p>
-            <a:r>
               <a:rPr lang="en-US" dirty="0" smtClean="0"/>
-              <a:t>Hardware</a:t>
-            </a:r>
-          </a:p>
-          <a:p>
-            <a:r>
-              <a:rPr lang="en-US" dirty="0" smtClean="0">
-                <a:solidFill>
-                  <a:schemeClr val="bg1">
-                    <a:lumMod val="75000"/>
-                  </a:schemeClr>
-                </a:solidFill>
-              </a:rPr>
-              <a:t>Cooperative System</a:t>
-            </a:r>
-          </a:p>
-          <a:p>
-            <a:r>
-              <a:rPr lang="en-US" dirty="0" smtClean="0">
-                <a:solidFill>
-                  <a:schemeClr val="bg1">
-                    <a:lumMod val="75000"/>
-                  </a:schemeClr>
-                </a:solidFill>
-              </a:rPr>
-              <a:t>System Identification</a:t>
-            </a:r>
-          </a:p>
-          <a:p>
-            <a:r>
-              <a:rPr lang="en-US" dirty="0" smtClean="0">
-                <a:solidFill>
-                  <a:schemeClr val="bg1">
-                    <a:lumMod val="75000"/>
-                  </a:schemeClr>
-                </a:solidFill>
-              </a:rPr>
-              <a:t>Model Verification</a:t>
+              <a:t>Demonstrate the feasibility of cooperation between limited mobile robots to navigate to a common goal</a:t>
+            </a:r>
+          </a:p>
+          <a:p>
+            <a:r>
+              <a:rPr lang="en-US" dirty="0" smtClean="0"/>
+              <a:t>Develop a tracking platform that could be used on a small-scale mobile robot</a:t>
+            </a:r>
+          </a:p>
+          <a:p>
+            <a:r>
+              <a:rPr lang="en-US" dirty="0" smtClean="0"/>
+              <a:t>Develop a model to predict successful navigation</a:t>
             </a:r>
           </a:p>
           <a:p>
             <a:pPr lvl="1"/>
             <a:r>
-              <a:rPr lang="en-US" dirty="0" smtClean="0">
-                <a:solidFill>
-                  <a:schemeClr val="bg1">
-                    <a:lumMod val="75000"/>
-                  </a:schemeClr>
-                </a:solidFill>
-              </a:rPr>
-              <a:t>Simulation result</a:t>
-            </a:r>
-          </a:p>
-          <a:p>
-            <a:pPr lvl="1"/>
-            <a:r>
-              <a:rPr lang="en-US" dirty="0" smtClean="0">
-                <a:solidFill>
-                  <a:schemeClr val="bg1">
-                    <a:lumMod val="75000"/>
-                  </a:schemeClr>
-                </a:solidFill>
-              </a:rPr>
-              <a:t>Experimental verification</a:t>
-            </a:r>
-          </a:p>
-          <a:p>
-            <a:r>
-              <a:rPr lang="en-US" dirty="0" smtClean="0">
-                <a:solidFill>
-                  <a:schemeClr val="bg1">
-                    <a:lumMod val="75000"/>
-                  </a:schemeClr>
-                </a:solidFill>
-              </a:rPr>
-              <a:t>Conclusions</a:t>
-            </a:r>
-            <a:endParaRPr lang="en-US" dirty="0" smtClean="0">
-              <a:solidFill>
-                <a:schemeClr val="bg1">
-                  <a:lumMod val="75000"/>
-                </a:schemeClr>
-              </a:solidFill>
-            </a:endParaRPr>
-          </a:p>
-          <a:p>
-            <a:pPr lvl="1"/>
-            <a:endParaRPr lang="en-US" dirty="0" smtClean="0"/>
-          </a:p>
-          <a:p>
-            <a:endParaRPr lang="en-US" dirty="0"/>
+              <a:rPr lang="en-US" dirty="0" smtClean="0"/>
+              <a:t>Achieve simplified model of complex behavior of flapping-winged MAV</a:t>
+            </a:r>
+          </a:p>
+          <a:p>
+            <a:pPr lvl="2"/>
+            <a:r>
+              <a:rPr lang="en-US" dirty="0" smtClean="0"/>
+              <a:t>Difficult nonlinear dynamics</a:t>
+            </a:r>
+          </a:p>
+          <a:p>
+            <a:pPr lvl="2"/>
+            <a:r>
+              <a:rPr lang="en-US" dirty="0" smtClean="0"/>
+              <a:t>Noisy sensing from flapping movements</a:t>
+            </a:r>
           </a:p>
         </p:txBody>
       </p:sp>
@@ -8517,7 +9892,7 @@
     </p:spTree>
     <p:extLst>
       <p:ext uri="{BB962C8B-B14F-4D97-AF65-F5344CB8AC3E}">
-        <p14:creationId xmlns:p14="http://schemas.microsoft.com/office/powerpoint/2010/main" val="2769349391"/>
+        <p14:creationId xmlns:p14="http://schemas.microsoft.com/office/powerpoint/2010/main" val="2996444592"/>
       </p:ext>
     </p:extLst>
   </p:cSld>
@@ -8568,7 +9943,7 @@
           <a:p>
             <a:r>
               <a:rPr lang="en-US" dirty="0" smtClean="0"/>
-              <a:t>MAV Platform</a:t>
+              <a:t>Experimental Setup</a:t>
             </a:r>
             <a:endParaRPr lang="en-US" dirty="0"/>
           </a:p>
@@ -8586,159 +9961,6 @@
         </p:nvPicPr>
         <p:blipFill>
           <a:blip r:embed="rId2" cstate="print">
-            <a:extLst>
-              <a:ext uri="{28A0092B-C50C-407E-A947-70E740481C1C}">
-                <a14:useLocalDpi xmlns:a14="http://schemas.microsoft.com/office/drawing/2010/main" val="0"/>
-              </a:ext>
-            </a:extLst>
-          </a:blip>
-          <a:srcRect t="-16933" b="-16933"/>
-          <a:stretch>
-            <a:fillRect/>
-          </a:stretch>
-        </p:blipFill>
-        <p:spPr>
-          <a:xfrm>
-            <a:off x="1981200" y="3505200"/>
-            <a:ext cx="3203901" cy="3590536"/>
-          </a:xfrm>
-        </p:spPr>
-      </p:pic>
-      <p:sp>
-        <p:nvSpPr>
-          <p:cNvPr id="3" name="Content Placeholder 2"/>
-          <p:cNvSpPr>
-            <a:spLocks noGrp="1"/>
-          </p:cNvSpPr>
-          <p:nvPr>
-            <p:ph sz="half" idx="2"/>
-          </p:nvPr>
-        </p:nvSpPr>
-        <p:spPr>
-          <a:xfrm>
-            <a:off x="5181600" y="1600200"/>
-            <a:ext cx="3505200" cy="4525963"/>
-          </a:xfrm>
-        </p:spPr>
-        <p:txBody>
-          <a:bodyPr>
-            <a:normAutofit fontScale="85000" lnSpcReduction="20000"/>
-          </a:bodyPr>
-          <a:lstStyle/>
-          <a:p>
-            <a:r>
-              <a:rPr lang="en-US" dirty="0" smtClean="0"/>
-              <a:t>Built around </a:t>
-            </a:r>
-            <a:r>
-              <a:rPr lang="en-US" dirty="0" err="1" smtClean="0"/>
-              <a:t>Silverlit</a:t>
-            </a:r>
-            <a:r>
-              <a:rPr lang="en-US" dirty="0" smtClean="0"/>
-              <a:t> </a:t>
-            </a:r>
-            <a:r>
-              <a:rPr lang="en-US" dirty="0" err="1" smtClean="0"/>
-              <a:t>i</a:t>
-            </a:r>
-            <a:r>
-              <a:rPr lang="en-US" dirty="0" smtClean="0"/>
-              <a:t>-Bird RC flyer power train</a:t>
-            </a:r>
-          </a:p>
-          <a:p>
-            <a:r>
-              <a:rPr lang="en-US" dirty="0" smtClean="0"/>
-              <a:t>Tail </a:t>
-            </a:r>
-            <a:r>
-              <a:rPr lang="en-US" dirty="0" smtClean="0"/>
-              <a:t>propeller </a:t>
-            </a:r>
-            <a:r>
-              <a:rPr lang="en-US" dirty="0" smtClean="0"/>
-              <a:t>and servo-controlled elevator for yaw and pitch control</a:t>
-            </a:r>
-          </a:p>
-          <a:p>
-            <a:r>
-              <a:rPr lang="en-US" dirty="0" err="1" smtClean="0"/>
-              <a:t>ImageProc</a:t>
-            </a:r>
-            <a:r>
-              <a:rPr lang="en-US" dirty="0" smtClean="0"/>
-              <a:t> 2.4 controller</a:t>
-            </a:r>
-          </a:p>
-          <a:p>
-            <a:pPr lvl="1"/>
-            <a:r>
-              <a:rPr lang="en-US" dirty="0" smtClean="0"/>
-              <a:t>40 MIPS microprocessor</a:t>
-            </a:r>
-          </a:p>
-          <a:p>
-            <a:pPr lvl="1"/>
-            <a:r>
-              <a:rPr lang="en-US" dirty="0" smtClean="0"/>
-              <a:t>6 DOF IMU</a:t>
-            </a:r>
-          </a:p>
-          <a:p>
-            <a:pPr lvl="1"/>
-            <a:r>
-              <a:rPr lang="en-US" dirty="0" smtClean="0"/>
-              <a:t>IEEE 820.15.4 radio</a:t>
-            </a:r>
-          </a:p>
-          <a:p>
-            <a:pPr lvl="1"/>
-            <a:r>
-              <a:rPr lang="en-US" dirty="0" smtClean="0"/>
-              <a:t>Motor drivers</a:t>
-            </a:r>
-          </a:p>
-          <a:p>
-            <a:pPr lvl="1"/>
-            <a:endParaRPr lang="en-US" dirty="0"/>
-          </a:p>
-        </p:txBody>
-      </p:sp>
-      <p:sp>
-        <p:nvSpPr>
-          <p:cNvPr id="5" name="Slide Number Placeholder 4"/>
-          <p:cNvSpPr>
-            <a:spLocks noGrp="1"/>
-          </p:cNvSpPr>
-          <p:nvPr>
-            <p:ph type="sldNum" sz="quarter" idx="12"/>
-          </p:nvPr>
-        </p:nvSpPr>
-        <p:spPr/>
-        <p:txBody>
-          <a:bodyPr/>
-          <a:lstStyle/>
-          <a:p>
-            <a:fld id="{B6F15528-21DE-4FAA-801E-634DDDAF4B2B}" type="slidenum">
-              <a:rPr lang="en-US" smtClean="0"/>
-              <a:pPr/>
-              <a:t>7</a:t>
-            </a:fld>
-            <a:endParaRPr lang="en-US"/>
-          </a:p>
-        </p:txBody>
-      </p:sp>
-      <p:pic>
-        <p:nvPicPr>
-          <p:cNvPr id="6" name="Picture 5"/>
-          <p:cNvPicPr>
-            <a:picLocks noChangeAspect="1"/>
-          </p:cNvPicPr>
-          <p:nvPr/>
-        </p:nvPicPr>
-        <p:blipFill>
-          <a:blip r:embed="rId3" cstate="print">
             <a:extLst>
               <a:ext uri="{28A0092B-C50C-407E-A947-70E740481C1C}">
                 <a14:useLocalDpi xmlns:a14="http://schemas.microsoft.com/office/drawing/2010/main" val="0"/>
@@ -8751,18 +9973,114 @@
         </p:blipFill>
         <p:spPr>
           <a:xfrm>
-            <a:off x="304800" y="1314710"/>
-            <a:ext cx="3395267" cy="2667000"/>
+            <a:off x="457200" y="1905516"/>
+            <a:ext cx="4038600" cy="3915331"/>
           </a:xfrm>
-          <a:prstGeom prst="rect">
-            <a:avLst/>
-          </a:prstGeom>
         </p:spPr>
       </p:pic>
+      <p:sp>
+        <p:nvSpPr>
+          <p:cNvPr id="3" name="Content Placeholder 2"/>
+          <p:cNvSpPr>
+            <a:spLocks noGrp="1"/>
+          </p:cNvSpPr>
+          <p:nvPr>
+            <p:ph sz="half" idx="2"/>
+          </p:nvPr>
+        </p:nvSpPr>
+        <p:spPr/>
+        <p:txBody>
+          <a:bodyPr>
+            <a:normAutofit fontScale="85000" lnSpcReduction="10000"/>
+          </a:bodyPr>
+          <a:lstStyle/>
+          <a:p>
+            <a:r>
+              <a:rPr lang="en-US" dirty="0"/>
+              <a:t>S</a:t>
+            </a:r>
+            <a:r>
+              <a:rPr lang="en-US" dirty="0" smtClean="0"/>
+              <a:t>hared global ref frame between camera and robot</a:t>
+            </a:r>
+            <a:endParaRPr lang="en-US" dirty="0" smtClean="0"/>
+          </a:p>
+          <a:p>
+            <a:r>
+              <a:rPr lang="en-US" dirty="0" smtClean="0"/>
+              <a:t>Camera tracks location of robot</a:t>
+            </a:r>
+          </a:p>
+          <a:p>
+            <a:r>
+              <a:rPr lang="en-US" dirty="0"/>
+              <a:t>G</a:t>
+            </a:r>
+            <a:r>
+              <a:rPr lang="en-US" dirty="0" smtClean="0"/>
+              <a:t>round station computes heading required to reach window</a:t>
+            </a:r>
+            <a:endParaRPr lang="en-US" dirty="0" smtClean="0"/>
+          </a:p>
+          <a:p>
+            <a:r>
+              <a:rPr lang="en-US" dirty="0" smtClean="0"/>
+              <a:t>Ground station transmits </a:t>
+            </a:r>
+            <a:r>
+              <a:rPr lang="en-US" dirty="0" smtClean="0"/>
+              <a:t>desired heading </a:t>
+            </a:r>
+            <a:r>
+              <a:rPr lang="en-US" dirty="0" smtClean="0"/>
+              <a:t>to robot</a:t>
+            </a:r>
+          </a:p>
+          <a:p>
+            <a:r>
+              <a:rPr lang="en-US" dirty="0" smtClean="0"/>
+              <a:t>Robot steers to </a:t>
+            </a:r>
+            <a:r>
+              <a:rPr lang="en-US" dirty="0" smtClean="0"/>
+              <a:t>desired </a:t>
+            </a:r>
+            <a:r>
+              <a:rPr lang="en-US" dirty="0" smtClean="0"/>
+              <a:t>heading using on-board controller</a:t>
+            </a:r>
+            <a:endParaRPr lang="en-US" dirty="0"/>
+          </a:p>
+        </p:txBody>
+      </p:sp>
+      <p:sp>
+        <p:nvSpPr>
+          <p:cNvPr id="5" name="Slide Number Placeholder 4"/>
+          <p:cNvSpPr>
+            <a:spLocks noGrp="1"/>
+          </p:cNvSpPr>
+          <p:nvPr>
+            <p:ph type="sldNum" sz="quarter" idx="12"/>
+          </p:nvPr>
+        </p:nvSpPr>
+        <p:spPr/>
+        <p:txBody>
+          <a:bodyPr/>
+          <a:lstStyle/>
+          <a:p>
+            <a:fld id="{B6F15528-21DE-4FAA-801E-634DDDAF4B2B}" type="slidenum">
+              <a:rPr lang="en-US" smtClean="0"/>
+              <a:pPr/>
+              <a:t>7</a:t>
+            </a:fld>
+            <a:endParaRPr lang="en-US"/>
+          </a:p>
+        </p:txBody>
+      </p:sp>
     </p:spTree>
     <p:extLst>
       <p:ext uri="{BB962C8B-B14F-4D97-AF65-F5344CB8AC3E}">
-        <p14:creationId xmlns:p14="http://schemas.microsoft.com/office/powerpoint/2010/main" val="524246437"/>
+        <p14:creationId xmlns:p14="http://schemas.microsoft.com/office/powerpoint/2010/main" val="168798480"/>
       </p:ext>
     </p:extLst>
   </p:cSld>
@@ -8813,140 +10131,132 @@
           <a:p>
             <a:r>
               <a:rPr lang="en-US" dirty="0" smtClean="0"/>
-              <a:t>Ground Station Platform</a:t>
+              <a:t>Outline</a:t>
             </a:r>
             <a:endParaRPr lang="en-US" dirty="0"/>
           </a:p>
         </p:txBody>
       </p:sp>
-      <p:pic>
-        <p:nvPicPr>
-          <p:cNvPr id="6" name="Content Placeholder 5"/>
-          <p:cNvPicPr>
-            <a:picLocks noGrp="1" noChangeAspect="1"/>
-          </p:cNvPicPr>
-          <p:nvPr>
-            <p:ph sz="half" idx="1"/>
-          </p:nvPr>
-        </p:nvPicPr>
-        <p:blipFill>
-          <a:blip r:embed="rId2">
-            <a:extLst>
-              <a:ext uri="{28A0092B-C50C-407E-A947-70E740481C1C}">
-                <a14:useLocalDpi xmlns:a14="http://schemas.microsoft.com/office/drawing/2010/main" val="0"/>
-              </a:ext>
-            </a:extLst>
-          </a:blip>
-          <a:stretch>
-            <a:fillRect/>
-          </a:stretch>
-        </p:blipFill>
-        <p:spPr>
-          <a:xfrm>
-            <a:off x="457200" y="1843881"/>
-            <a:ext cx="4038600" cy="4038600"/>
-          </a:xfrm>
-        </p:spPr>
-      </p:pic>
-      <p:sp>
-        <p:nvSpPr>
-          <p:cNvPr id="5" name="Content Placeholder 4"/>
-          <p:cNvSpPr>
-            <a:spLocks noGrp="1"/>
-          </p:cNvSpPr>
-          <p:nvPr>
-            <p:ph sz="half" idx="2"/>
+      <p:sp>
+        <p:nvSpPr>
+          <p:cNvPr id="3" name="Content Placeholder 2"/>
+          <p:cNvSpPr>
+            <a:spLocks noGrp="1"/>
+          </p:cNvSpPr>
+          <p:nvPr>
+            <p:ph idx="1"/>
           </p:nvPr>
         </p:nvSpPr>
         <p:spPr/>
         <p:txBody>
           <a:bodyPr>
-            <a:normAutofit fontScale="92500" lnSpcReduction="20000"/>
+            <a:normAutofit lnSpcReduction="10000"/>
           </a:bodyPr>
           <a:lstStyle/>
           <a:p>
             <a:r>
+              <a:rPr lang="en-US" dirty="0" smtClean="0">
+                <a:solidFill>
+                  <a:schemeClr val="bg1">
+                    <a:lumMod val="75000"/>
+                  </a:schemeClr>
+                </a:solidFill>
+              </a:rPr>
+              <a:t>Motivation</a:t>
+            </a:r>
+          </a:p>
+          <a:p>
+            <a:r>
               <a:rPr lang="en-US" dirty="0" smtClean="0"/>
-              <a:t>ARM-based </a:t>
-            </a:r>
-            <a:r>
-              <a:rPr lang="en-US" dirty="0" err="1" smtClean="0"/>
-              <a:t>BeagleBoard</a:t>
-            </a:r>
+              <a:t>Hardware</a:t>
+            </a:r>
+          </a:p>
+          <a:p>
+            <a:r>
+              <a:rPr lang="en-US" dirty="0" smtClean="0">
+                <a:solidFill>
+                  <a:schemeClr val="bg1">
+                    <a:lumMod val="75000"/>
+                  </a:schemeClr>
+                </a:solidFill>
+              </a:rPr>
+              <a:t>Cooperative System</a:t>
+            </a:r>
+          </a:p>
+          <a:p>
+            <a:r>
+              <a:rPr lang="en-US" dirty="0" smtClean="0">
+                <a:solidFill>
+                  <a:schemeClr val="bg1">
+                    <a:lumMod val="75000"/>
+                  </a:schemeClr>
+                </a:solidFill>
+              </a:rPr>
+              <a:t>System Identification</a:t>
+            </a:r>
+          </a:p>
+          <a:p>
+            <a:r>
+              <a:rPr lang="en-US" dirty="0" smtClean="0">
+                <a:solidFill>
+                  <a:schemeClr val="bg1">
+                    <a:lumMod val="75000"/>
+                  </a:schemeClr>
+                </a:solidFill>
+              </a:rPr>
+              <a:t>Model Verification</a:t>
+            </a:r>
+          </a:p>
+          <a:p>
+            <a:pPr lvl="1"/>
+            <a:r>
+              <a:rPr lang="en-US" dirty="0" smtClean="0">
+                <a:solidFill>
+                  <a:schemeClr val="bg1">
+                    <a:lumMod val="75000"/>
+                  </a:schemeClr>
+                </a:solidFill>
+              </a:rPr>
+              <a:t>Simulation result</a:t>
+            </a:r>
+          </a:p>
+          <a:p>
+            <a:pPr lvl="1"/>
+            <a:r>
+              <a:rPr lang="en-US" dirty="0" smtClean="0">
+                <a:solidFill>
+                  <a:schemeClr val="bg1">
+                    <a:lumMod val="75000"/>
+                  </a:schemeClr>
+                </a:solidFill>
+              </a:rPr>
+              <a:t>Experimental verification</a:t>
+            </a:r>
+          </a:p>
+          <a:p>
+            <a:r>
+              <a:rPr lang="en-US" dirty="0" smtClean="0">
+                <a:solidFill>
+                  <a:schemeClr val="bg1">
+                    <a:lumMod val="75000"/>
+                  </a:schemeClr>
+                </a:solidFill>
+              </a:rPr>
+              <a:t>Conclusions</a:t>
+            </a:r>
+          </a:p>
+          <a:p>
+            <a:pPr lvl="1"/>
             <a:endParaRPr lang="en-US" dirty="0" smtClean="0"/>
           </a:p>
           <a:p>
-            <a:pPr lvl="1"/>
-            <a:r>
-              <a:rPr lang="en-US" dirty="0" smtClean="0"/>
-              <a:t>OMAP 3530 processor</a:t>
-            </a:r>
-          </a:p>
-          <a:p>
-            <a:pPr lvl="1"/>
-            <a:r>
-              <a:rPr lang="en-US" dirty="0" smtClean="0"/>
-              <a:t>128MB RAM</a:t>
-            </a:r>
-          </a:p>
-          <a:p>
-            <a:pPr lvl="1"/>
-            <a:r>
-              <a:rPr lang="en-US" dirty="0" smtClean="0"/>
-              <a:t>Consumes 1W power during our experiments</a:t>
-            </a:r>
-          </a:p>
-          <a:p>
-            <a:pPr lvl="1"/>
-            <a:r>
-              <a:rPr lang="en-US" dirty="0" smtClean="0"/>
-              <a:t>37</a:t>
-            </a:r>
-            <a:r>
-              <a:rPr lang="en-US" dirty="0" smtClean="0"/>
-              <a:t>g</a:t>
-            </a:r>
-            <a:endParaRPr lang="en-US" dirty="0" smtClean="0"/>
-          </a:p>
-          <a:p>
-            <a:r>
-              <a:rPr lang="en-US" dirty="0" smtClean="0"/>
-              <a:t>Off-the-shelf USB web </a:t>
-            </a:r>
-            <a:r>
-              <a:rPr lang="en-US" dirty="0" smtClean="0"/>
-              <a:t>camera</a:t>
-            </a:r>
-          </a:p>
-          <a:p>
-            <a:pPr lvl="1"/>
-            <a:r>
-              <a:rPr lang="en-US" dirty="0" smtClean="0"/>
-              <a:t>63</a:t>
-            </a:r>
-            <a:r>
-              <a:rPr lang="en-US" dirty="0" smtClean="0">
-                <a:latin typeface="Cambria Math"/>
-                <a:ea typeface="Cambria Math"/>
-              </a:rPr>
-              <a:t>° viewing triangle</a:t>
-            </a:r>
-            <a:endParaRPr lang="en-US" dirty="0" smtClean="0"/>
-          </a:p>
-          <a:p>
-            <a:r>
-              <a:rPr lang="en-US" dirty="0" smtClean="0"/>
-              <a:t>Communicates with IEEE 802.15.4 USB radio module</a:t>
-            </a:r>
-          </a:p>
-          <a:p>
-            <a:endParaRPr lang="en-US" dirty="0" smtClean="0"/>
-          </a:p>
-        </p:txBody>
-      </p:sp>
-      <p:sp>
-        <p:nvSpPr>
-          <p:cNvPr id="3" name="Slide Number Placeholder 2"/>
+            <a:endParaRPr lang="en-US" dirty="0"/>
+          </a:p>
+        </p:txBody>
+      </p:sp>
+      <p:sp>
+        <p:nvSpPr>
+          <p:cNvPr id="4" name="Slide Number Placeholder 3"/>
           <p:cNvSpPr>
             <a:spLocks noGrp="1"/>
           </p:cNvSpPr>
@@ -8971,7 +10281,7 @@
     </p:spTree>
     <p:extLst>
       <p:ext uri="{BB962C8B-B14F-4D97-AF65-F5344CB8AC3E}">
-        <p14:creationId xmlns:p14="http://schemas.microsoft.com/office/powerpoint/2010/main" val="3140605808"/>
+        <p14:creationId xmlns:p14="http://schemas.microsoft.com/office/powerpoint/2010/main" val="2769349391"/>
       </p:ext>
     </p:extLst>
   </p:cSld>
@@ -9022,12 +10332,42 @@
           <a:p>
             <a:r>
               <a:rPr lang="en-US" dirty="0" smtClean="0"/>
-              <a:t>Outline</a:t>
+              <a:t>MAV Platform</a:t>
             </a:r>
             <a:endParaRPr lang="en-US" dirty="0"/>
           </a:p>
         </p:txBody>
       </p:sp>
+      <p:pic>
+        <p:nvPicPr>
+          <p:cNvPr id="4" name="Content Placeholder 3"/>
+          <p:cNvPicPr>
+            <a:picLocks noGrp="1" noChangeAspect="1"/>
+          </p:cNvPicPr>
+          <p:nvPr>
+            <p:ph sz="half" idx="1"/>
+          </p:nvPr>
+        </p:nvPicPr>
+        <p:blipFill>
+          <a:blip r:embed="rId2" cstate="print">
+            <a:extLst>
+              <a:ext uri="{28A0092B-C50C-407E-A947-70E740481C1C}">
+                <a14:useLocalDpi xmlns:a14="http://schemas.microsoft.com/office/drawing/2010/main" val="0"/>
+              </a:ext>
+            </a:extLst>
+          </a:blip>
+          <a:srcRect t="-16933" b="-16933"/>
+          <a:stretch>
+            <a:fillRect/>
+          </a:stretch>
+        </p:blipFill>
+        <p:spPr>
+          <a:xfrm>
+            <a:off x="76200" y="852942"/>
+            <a:ext cx="3203901" cy="3590536"/>
+          </a:xfrm>
+        </p:spPr>
+      </p:pic>
       <p:sp>
         <p:nvSpPr>
           <p:cNvPr id="3" name="Content Placeholder 2"/>
@@ -9035,126 +10375,95 @@
             <a:spLocks noGrp="1"/>
           </p:cNvSpPr>
           <p:nvPr>
-            <p:ph idx="1"/>
-          </p:nvPr>
-        </p:nvSpPr>
-        <p:spPr/>
+            <p:ph sz="half" idx="2"/>
+          </p:nvPr>
+        </p:nvSpPr>
+        <p:spPr>
+          <a:xfrm>
+            <a:off x="5181600" y="1600200"/>
+            <a:ext cx="3505200" cy="4525963"/>
+          </a:xfrm>
+        </p:spPr>
         <p:txBody>
           <a:bodyPr>
-            <a:normAutofit lnSpcReduction="10000"/>
+            <a:normAutofit fontScale="85000" lnSpcReduction="20000"/>
           </a:bodyPr>
           <a:lstStyle/>
           <a:p>
             <a:r>
-              <a:rPr lang="en-US" dirty="0" smtClean="0">
-                <a:solidFill>
-                  <a:schemeClr val="bg1">
-                    <a:lumMod val="75000"/>
-                  </a:schemeClr>
-                </a:solidFill>
-              </a:rPr>
-              <a:t>Motivation</a:t>
-            </a:r>
-          </a:p>
-          <a:p>
-            <a:r>
-              <a:rPr lang="en-US" dirty="0" smtClean="0">
-                <a:solidFill>
-                  <a:schemeClr val="bg1">
-                    <a:lumMod val="75000"/>
-                  </a:schemeClr>
-                </a:solidFill>
-              </a:rPr>
-              <a:t>Hardware</a:t>
-            </a:r>
-          </a:p>
-          <a:p>
-            <a:r>
               <a:rPr lang="en-US" dirty="0" smtClean="0"/>
-              <a:t>Cooperative System</a:t>
-            </a:r>
-          </a:p>
-          <a:p>
-            <a:r>
-              <a:rPr lang="en-US" dirty="0" smtClean="0">
-                <a:solidFill>
-                  <a:schemeClr val="bg1">
-                    <a:lumMod val="75000"/>
-                  </a:schemeClr>
-                </a:solidFill>
-              </a:rPr>
-              <a:t>System Identification</a:t>
-            </a:r>
-          </a:p>
-          <a:p>
-            <a:r>
-              <a:rPr lang="en-US" dirty="0" smtClean="0">
-                <a:solidFill>
-                  <a:schemeClr val="bg1">
-                    <a:lumMod val="75000"/>
-                  </a:schemeClr>
-                </a:solidFill>
-              </a:rPr>
-              <a:t>Model Verification</a:t>
+              <a:t>Built around </a:t>
+            </a:r>
+            <a:r>
+              <a:rPr lang="en-US" dirty="0" err="1" smtClean="0"/>
+              <a:t>Silverlit</a:t>
+            </a:r>
+            <a:r>
+              <a:rPr lang="en-US" dirty="0" smtClean="0"/>
+              <a:t> </a:t>
+            </a:r>
+            <a:r>
+              <a:rPr lang="en-US" dirty="0" err="1" smtClean="0"/>
+              <a:t>i</a:t>
+            </a:r>
+            <a:r>
+              <a:rPr lang="en-US" dirty="0" smtClean="0"/>
+              <a:t>-Bird RC flyer power train</a:t>
+            </a:r>
+          </a:p>
+          <a:p>
+            <a:r>
+              <a:rPr lang="en-US" dirty="0" smtClean="0"/>
+              <a:t>Tail propeller and servo-controlled elevator for yaw and pitch control</a:t>
+            </a:r>
+          </a:p>
+          <a:p>
+            <a:r>
+              <a:rPr lang="en-US" dirty="0" err="1" smtClean="0"/>
+              <a:t>ImageProc</a:t>
+            </a:r>
+            <a:r>
+              <a:rPr lang="en-US" dirty="0" smtClean="0"/>
+              <a:t> 2.4 controller</a:t>
             </a:r>
           </a:p>
           <a:p>
             <a:pPr lvl="1"/>
             <a:r>
-              <a:rPr lang="en-US" dirty="0" smtClean="0">
-                <a:solidFill>
-                  <a:schemeClr val="bg1">
-                    <a:lumMod val="75000"/>
-                  </a:schemeClr>
-                </a:solidFill>
-              </a:rPr>
-              <a:t>Simulation result</a:t>
+              <a:rPr lang="en-US" dirty="0" smtClean="0"/>
+              <a:t>40 MIPS microprocessor</a:t>
             </a:r>
           </a:p>
           <a:p>
             <a:pPr lvl="1"/>
             <a:r>
-              <a:rPr lang="en-US" dirty="0" smtClean="0">
-                <a:solidFill>
-                  <a:schemeClr val="bg1">
-                    <a:lumMod val="75000"/>
-                  </a:schemeClr>
-                </a:solidFill>
-              </a:rPr>
-              <a:t>Experimental verification</a:t>
-            </a:r>
-          </a:p>
-          <a:p>
-            <a:r>
-              <a:rPr lang="en-US" dirty="0" smtClean="0">
-                <a:solidFill>
-                  <a:schemeClr val="bg1">
-                    <a:lumMod val="75000"/>
-                  </a:schemeClr>
-                </a:solidFill>
-              </a:rPr>
-              <a:t>Conclusions</a:t>
-            </a:r>
-            <a:endParaRPr lang="en-US" dirty="0" smtClean="0">
-              <a:solidFill>
-                <a:schemeClr val="bg1">
-                  <a:lumMod val="75000"/>
-                </a:schemeClr>
-              </a:solidFill>
-            </a:endParaRPr>
+              <a:rPr lang="en-US" dirty="0" smtClean="0"/>
+              <a:t>6 DOF IMU</a:t>
+            </a:r>
           </a:p>
           <a:p>
             <a:pPr lvl="1"/>
-            <a:endParaRPr lang="en-US" dirty="0" smtClean="0"/>
-          </a:p>
-          <a:p>
+            <a:r>
+              <a:rPr lang="en-US" dirty="0" smtClean="0"/>
+              <a:t>IEEE 820.15.4 radio</a:t>
+            </a:r>
+          </a:p>
+          <a:p>
+            <a:pPr lvl="1"/>
+            <a:r>
+              <a:rPr lang="en-US" dirty="0" smtClean="0"/>
+              <a:t>Motor drivers</a:t>
+            </a:r>
+          </a:p>
+          <a:p>
+            <a:pPr lvl="1"/>
             <a:endParaRPr lang="en-US" dirty="0"/>
           </a:p>
         </p:txBody>
       </p:sp>
       <p:sp>
         <p:nvSpPr>
-          <p:cNvPr id="4" name="Slide Number Placeholder 3"/>
+          <p:cNvPr id="5" name="Slide Number Placeholder 4"/>
           <p:cNvSpPr>
             <a:spLocks noGrp="1"/>
           </p:cNvSpPr>
@@ -9176,10 +10485,40 @@
           </a:p>
         </p:txBody>
       </p:sp>
+      <p:pic>
+        <p:nvPicPr>
+          <p:cNvPr id="6" name="Picture 5"/>
+          <p:cNvPicPr>
+            <a:picLocks noChangeAspect="1"/>
+          </p:cNvPicPr>
+          <p:nvPr/>
+        </p:nvPicPr>
+        <p:blipFill>
+          <a:blip r:embed="rId3" cstate="print">
+            <a:extLst>
+              <a:ext uri="{28A0092B-C50C-407E-A947-70E740481C1C}">
+                <a14:useLocalDpi xmlns:a14="http://schemas.microsoft.com/office/drawing/2010/main" val="0"/>
+              </a:ext>
+            </a:extLst>
+          </a:blip>
+          <a:stretch>
+            <a:fillRect/>
+          </a:stretch>
+        </p:blipFill>
+        <p:spPr>
+          <a:xfrm>
+            <a:off x="2209800" y="4055533"/>
+            <a:ext cx="3395267" cy="2667000"/>
+          </a:xfrm>
+          <a:prstGeom prst="rect">
+            <a:avLst/>
+          </a:prstGeom>
+        </p:spPr>
+      </p:pic>
     </p:spTree>
     <p:extLst>
       <p:ext uri="{BB962C8B-B14F-4D97-AF65-F5344CB8AC3E}">
-        <p14:creationId xmlns:p14="http://schemas.microsoft.com/office/powerpoint/2010/main" val="2769349391"/>
+        <p14:creationId xmlns:p14="http://schemas.microsoft.com/office/powerpoint/2010/main" val="524246437"/>
       </p:ext>
     </p:extLst>
   </p:cSld>

--- a/presentation/AAMAS_2013.pptx
+++ b/presentation/AAMAS_2013.pptx
@@ -24,9 +24,9 @@
     <p:sldId id="269" r:id="rId15"/>
     <p:sldId id="263" r:id="rId16"/>
     <p:sldId id="270" r:id="rId17"/>
-    <p:sldId id="295" r:id="rId18"/>
-    <p:sldId id="296" r:id="rId19"/>
-    <p:sldId id="298" r:id="rId20"/>
+    <p:sldId id="299" r:id="rId18"/>
+    <p:sldId id="300" r:id="rId19"/>
+    <p:sldId id="301" r:id="rId20"/>
     <p:sldId id="264" r:id="rId21"/>
     <p:sldId id="294" r:id="rId22"/>
     <p:sldId id="289" r:id="rId23"/>
@@ -226,7 +226,7 @@
           <a:p>
             <a:fld id="{3B0F87A5-CB38-4E1F-A459-11793779CFEA}" type="datetimeFigureOut">
               <a:rPr lang="en-US" smtClean="0"/>
-              <a:t>4/15/2013</a:t>
+              <a:t>4/18/2013</a:t>
             </a:fld>
             <a:endParaRPr lang="en-US"/>
           </a:p>
@@ -540,7 +540,11 @@
           <a:p>
             <a:r>
               <a:rPr lang="en-US" dirty="0" smtClean="0"/>
-              <a:t>Same layout, key</a:t>
+              <a:t>Names,</a:t>
+            </a:r>
+            <a:r>
+              <a:rPr lang="en-US" baseline="0" dirty="0" smtClean="0"/>
+              <a:t> affiliations</a:t>
             </a:r>
             <a:endParaRPr lang="en-US" dirty="0"/>
           </a:p>
@@ -563,7 +567,7 @@
           <a:p>
             <a:fld id="{25626A12-9E33-4234-AAE2-B732A2D29B22}" type="slidenum">
               <a:rPr lang="en-US" smtClean="0"/>
-              <a:t>16</a:t>
+              <a:t>1</a:t>
             </a:fld>
             <a:endParaRPr lang="en-US"/>
           </a:p>
@@ -572,7 +576,546 @@
     </p:spTree>
     <p:extLst>
       <p:ext uri="{BB962C8B-B14F-4D97-AF65-F5344CB8AC3E}">
-        <p14:creationId xmlns:p14="http://schemas.microsoft.com/office/powerpoint/2010/main" val="122666623"/>
+        <p14:creationId xmlns:p14="http://schemas.microsoft.com/office/powerpoint/2010/main" val="4217850500"/>
+      </p:ext>
+    </p:extLst>
+  </p:cSld>
+  <p:clrMapOvr>
+    <a:masterClrMapping/>
+  </p:clrMapOvr>
+</p:notes>
+</file>
+
+<file path=ppt/notesSlides/notesSlide10.xml><?xml version="1.0" encoding="utf-8"?>
+<p:notes xmlns:a="http://schemas.openxmlformats.org/drawingml/2006/main" xmlns:r="http://schemas.openxmlformats.org/officeDocument/2006/relationships" xmlns:p="http://schemas.openxmlformats.org/presentationml/2006/main">
+  <p:cSld>
+    <p:spTree>
+      <p:nvGrpSpPr>
+        <p:cNvPr id="1" name=""/>
+        <p:cNvGrpSpPr/>
+        <p:nvPr/>
+      </p:nvGrpSpPr>
+      <p:grpSpPr>
+        <a:xfrm>
+          <a:off x="0" y="0"/>
+          <a:ext cx="0" cy="0"/>
+          <a:chOff x="0" y="0"/>
+          <a:chExt cx="0" cy="0"/>
+        </a:xfrm>
+      </p:grpSpPr>
+      <p:sp>
+        <p:nvSpPr>
+          <p:cNvPr id="2" name="Slide Image Placeholder 1"/>
+          <p:cNvSpPr>
+            <a:spLocks noGrp="1" noRot="1" noChangeAspect="1"/>
+          </p:cNvSpPr>
+          <p:nvPr>
+            <p:ph type="sldImg"/>
+          </p:nvPr>
+        </p:nvSpPr>
+        <p:spPr/>
+      </p:sp>
+      <p:sp>
+        <p:nvSpPr>
+          <p:cNvPr id="3" name="Notes Placeholder 2"/>
+          <p:cNvSpPr>
+            <a:spLocks noGrp="1"/>
+          </p:cNvSpPr>
+          <p:nvPr>
+            <p:ph type="body" idx="1"/>
+          </p:nvPr>
+        </p:nvSpPr>
+        <p:spPr/>
+        <p:txBody>
+          <a:bodyPr/>
+          <a:lstStyle/>
+          <a:p>
+            <a:pPr marL="0" marR="0" indent="0" algn="l" defTabSz="914400" rtl="0" eaLnBrk="1" fontAlgn="auto" latinLnBrk="0" hangingPunct="1">
+              <a:lnSpc>
+                <a:spcPct val="100000"/>
+              </a:lnSpc>
+              <a:spcBef>
+                <a:spcPts val="0"/>
+              </a:spcBef>
+              <a:spcAft>
+                <a:spcPts val="0"/>
+              </a:spcAft>
+              <a:buClrTx/>
+              <a:buSzTx/>
+              <a:buFontTx/>
+              <a:buNone/>
+              <a:tabLst/>
+              <a:defRPr/>
+            </a:pPr>
+            <a:r>
+              <a:rPr lang="en-US" dirty="0" smtClean="0"/>
+              <a:t>Larger font,</a:t>
+            </a:r>
+            <a:r>
+              <a:rPr lang="en-US" baseline="0" dirty="0" smtClean="0"/>
+              <a:t> legend</a:t>
+            </a:r>
+            <a:endParaRPr lang="en-US" dirty="0" smtClean="0"/>
+          </a:p>
+          <a:p>
+            <a:endParaRPr lang="en-US" dirty="0"/>
+          </a:p>
+        </p:txBody>
+      </p:sp>
+      <p:sp>
+        <p:nvSpPr>
+          <p:cNvPr id="4" name="Slide Number Placeholder 3"/>
+          <p:cNvSpPr>
+            <a:spLocks noGrp="1"/>
+          </p:cNvSpPr>
+          <p:nvPr>
+            <p:ph type="sldNum" sz="quarter" idx="10"/>
+          </p:nvPr>
+        </p:nvSpPr>
+        <p:spPr/>
+        <p:txBody>
+          <a:bodyPr/>
+          <a:lstStyle/>
+          <a:p>
+            <a:fld id="{25626A12-9E33-4234-AAE2-B732A2D29B22}" type="slidenum">
+              <a:rPr lang="en-US" smtClean="0"/>
+              <a:t>25</a:t>
+            </a:fld>
+            <a:endParaRPr lang="en-US"/>
+          </a:p>
+        </p:txBody>
+      </p:sp>
+    </p:spTree>
+    <p:extLst>
+      <p:ext uri="{BB962C8B-B14F-4D97-AF65-F5344CB8AC3E}">
+        <p14:creationId xmlns:p14="http://schemas.microsoft.com/office/powerpoint/2010/main" val="255159297"/>
+      </p:ext>
+    </p:extLst>
+  </p:cSld>
+  <p:clrMapOvr>
+    <a:masterClrMapping/>
+  </p:clrMapOvr>
+</p:notes>
+</file>
+
+<file path=ppt/notesSlides/notesSlide11.xml><?xml version="1.0" encoding="utf-8"?>
+<p:notes xmlns:a="http://schemas.openxmlformats.org/drawingml/2006/main" xmlns:r="http://schemas.openxmlformats.org/officeDocument/2006/relationships" xmlns:p="http://schemas.openxmlformats.org/presentationml/2006/main">
+  <p:cSld>
+    <p:spTree>
+      <p:nvGrpSpPr>
+        <p:cNvPr id="1" name=""/>
+        <p:cNvGrpSpPr/>
+        <p:nvPr/>
+      </p:nvGrpSpPr>
+      <p:grpSpPr>
+        <a:xfrm>
+          <a:off x="0" y="0"/>
+          <a:ext cx="0" cy="0"/>
+          <a:chOff x="0" y="0"/>
+          <a:chExt cx="0" cy="0"/>
+        </a:xfrm>
+      </p:grpSpPr>
+      <p:sp>
+        <p:nvSpPr>
+          <p:cNvPr id="2" name="Slide Image Placeholder 1"/>
+          <p:cNvSpPr>
+            <a:spLocks noGrp="1" noRot="1" noChangeAspect="1"/>
+          </p:cNvSpPr>
+          <p:nvPr>
+            <p:ph type="sldImg"/>
+          </p:nvPr>
+        </p:nvSpPr>
+        <p:spPr/>
+      </p:sp>
+      <p:sp>
+        <p:nvSpPr>
+          <p:cNvPr id="3" name="Notes Placeholder 2"/>
+          <p:cNvSpPr>
+            <a:spLocks noGrp="1"/>
+          </p:cNvSpPr>
+          <p:nvPr>
+            <p:ph type="body" idx="1"/>
+          </p:nvPr>
+        </p:nvSpPr>
+        <p:spPr/>
+        <p:txBody>
+          <a:bodyPr/>
+          <a:lstStyle/>
+          <a:p>
+            <a:r>
+              <a:rPr lang="en-US" dirty="0" smtClean="0"/>
+              <a:t>real</a:t>
+            </a:r>
+            <a:endParaRPr lang="en-US" dirty="0"/>
+          </a:p>
+        </p:txBody>
+      </p:sp>
+      <p:sp>
+        <p:nvSpPr>
+          <p:cNvPr id="4" name="Slide Number Placeholder 3"/>
+          <p:cNvSpPr>
+            <a:spLocks noGrp="1"/>
+          </p:cNvSpPr>
+          <p:nvPr>
+            <p:ph type="sldNum" sz="quarter" idx="10"/>
+          </p:nvPr>
+        </p:nvSpPr>
+        <p:spPr/>
+        <p:txBody>
+          <a:bodyPr/>
+          <a:lstStyle/>
+          <a:p>
+            <a:fld id="{25626A12-9E33-4234-AAE2-B732A2D29B22}" type="slidenum">
+              <a:rPr lang="en-US" smtClean="0"/>
+              <a:t>26</a:t>
+            </a:fld>
+            <a:endParaRPr lang="en-US"/>
+          </a:p>
+        </p:txBody>
+      </p:sp>
+    </p:spTree>
+    <p:extLst>
+      <p:ext uri="{BB962C8B-B14F-4D97-AF65-F5344CB8AC3E}">
+        <p14:creationId xmlns:p14="http://schemas.microsoft.com/office/powerpoint/2010/main" val="3199736569"/>
+      </p:ext>
+    </p:extLst>
+  </p:cSld>
+  <p:clrMapOvr>
+    <a:masterClrMapping/>
+  </p:clrMapOvr>
+</p:notes>
+</file>
+
+<file path=ppt/notesSlides/notesSlide12.xml><?xml version="1.0" encoding="utf-8"?>
+<p:notes xmlns:a="http://schemas.openxmlformats.org/drawingml/2006/main" xmlns:r="http://schemas.openxmlformats.org/officeDocument/2006/relationships" xmlns:p="http://schemas.openxmlformats.org/presentationml/2006/main">
+  <p:cSld>
+    <p:spTree>
+      <p:nvGrpSpPr>
+        <p:cNvPr id="1" name=""/>
+        <p:cNvGrpSpPr/>
+        <p:nvPr/>
+      </p:nvGrpSpPr>
+      <p:grpSpPr>
+        <a:xfrm>
+          <a:off x="0" y="0"/>
+          <a:ext cx="0" cy="0"/>
+          <a:chOff x="0" y="0"/>
+          <a:chExt cx="0" cy="0"/>
+        </a:xfrm>
+      </p:grpSpPr>
+      <p:sp>
+        <p:nvSpPr>
+          <p:cNvPr id="2" name="Slide Image Placeholder 1"/>
+          <p:cNvSpPr>
+            <a:spLocks noGrp="1" noRot="1" noChangeAspect="1"/>
+          </p:cNvSpPr>
+          <p:nvPr>
+            <p:ph type="sldImg"/>
+          </p:nvPr>
+        </p:nvSpPr>
+        <p:spPr/>
+      </p:sp>
+      <p:sp>
+        <p:nvSpPr>
+          <p:cNvPr id="3" name="Notes Placeholder 2"/>
+          <p:cNvSpPr>
+            <a:spLocks noGrp="1"/>
+          </p:cNvSpPr>
+          <p:nvPr>
+            <p:ph type="body" idx="1"/>
+          </p:nvPr>
+        </p:nvSpPr>
+        <p:spPr/>
+        <p:txBody>
+          <a:bodyPr/>
+          <a:lstStyle/>
+          <a:p>
+            <a:pPr marL="0" marR="0" indent="0" algn="l" defTabSz="914400" rtl="0" eaLnBrk="1" fontAlgn="auto" latinLnBrk="0" hangingPunct="1">
+              <a:lnSpc>
+                <a:spcPct val="100000"/>
+              </a:lnSpc>
+              <a:spcBef>
+                <a:spcPts val="0"/>
+              </a:spcBef>
+              <a:spcAft>
+                <a:spcPts val="0"/>
+              </a:spcAft>
+              <a:buClrTx/>
+              <a:buSzTx/>
+              <a:buFontTx/>
+              <a:buNone/>
+              <a:tabLst/>
+              <a:defRPr/>
+            </a:pPr>
+            <a:r>
+              <a:rPr lang="en-US" dirty="0" smtClean="0"/>
+              <a:t>Larger font,</a:t>
+            </a:r>
+            <a:r>
+              <a:rPr lang="en-US" baseline="0" dirty="0" smtClean="0"/>
+              <a:t> legend, percentages on bottom,</a:t>
+            </a:r>
+          </a:p>
+          <a:p>
+            <a:pPr marL="0" marR="0" indent="0" algn="l" defTabSz="914400" rtl="0" eaLnBrk="1" fontAlgn="auto" latinLnBrk="0" hangingPunct="1">
+              <a:lnSpc>
+                <a:spcPct val="100000"/>
+              </a:lnSpc>
+              <a:spcBef>
+                <a:spcPts val="0"/>
+              </a:spcBef>
+              <a:spcAft>
+                <a:spcPts val="0"/>
+              </a:spcAft>
+              <a:buClrTx/>
+              <a:buSzTx/>
+              <a:buFontTx/>
+              <a:buNone/>
+              <a:tabLst/>
+              <a:defRPr/>
+            </a:pPr>
+            <a:r>
+              <a:rPr lang="en-US" baseline="0" dirty="0" smtClean="0"/>
+              <a:t>Get rid of scales, just have scale bar</a:t>
+            </a:r>
+          </a:p>
+          <a:p>
+            <a:pPr marL="0" marR="0" indent="0" algn="l" defTabSz="914400" rtl="0" eaLnBrk="1" fontAlgn="auto" latinLnBrk="0" hangingPunct="1">
+              <a:lnSpc>
+                <a:spcPct val="100000"/>
+              </a:lnSpc>
+              <a:spcBef>
+                <a:spcPts val="0"/>
+              </a:spcBef>
+              <a:spcAft>
+                <a:spcPts val="0"/>
+              </a:spcAft>
+              <a:buClrTx/>
+              <a:buSzTx/>
+              <a:buFontTx/>
+              <a:buNone/>
+              <a:tabLst/>
+              <a:defRPr/>
+            </a:pPr>
+            <a:r>
+              <a:rPr lang="en-US" baseline="0" dirty="0" smtClean="0"/>
+              <a:t>Label a trajectory, camera location, window</a:t>
+            </a:r>
+            <a:endParaRPr lang="en-US" dirty="0" smtClean="0"/>
+          </a:p>
+        </p:txBody>
+      </p:sp>
+      <p:sp>
+        <p:nvSpPr>
+          <p:cNvPr id="4" name="Slide Number Placeholder 3"/>
+          <p:cNvSpPr>
+            <a:spLocks noGrp="1"/>
+          </p:cNvSpPr>
+          <p:nvPr>
+            <p:ph type="sldNum" sz="quarter" idx="10"/>
+          </p:nvPr>
+        </p:nvSpPr>
+        <p:spPr/>
+        <p:txBody>
+          <a:bodyPr/>
+          <a:lstStyle/>
+          <a:p>
+            <a:fld id="{25626A12-9E33-4234-AAE2-B732A2D29B22}" type="slidenum">
+              <a:rPr lang="en-US" smtClean="0"/>
+              <a:t>27</a:t>
+            </a:fld>
+            <a:endParaRPr lang="en-US"/>
+          </a:p>
+        </p:txBody>
+      </p:sp>
+    </p:spTree>
+    <p:extLst>
+      <p:ext uri="{BB962C8B-B14F-4D97-AF65-F5344CB8AC3E}">
+        <p14:creationId xmlns:p14="http://schemas.microsoft.com/office/powerpoint/2010/main" val="2915209298"/>
+      </p:ext>
+    </p:extLst>
+  </p:cSld>
+  <p:clrMapOvr>
+    <a:masterClrMapping/>
+  </p:clrMapOvr>
+</p:notes>
+</file>
+
+<file path=ppt/notesSlides/notesSlide13.xml><?xml version="1.0" encoding="utf-8"?>
+<p:notes xmlns:a="http://schemas.openxmlformats.org/drawingml/2006/main" xmlns:r="http://schemas.openxmlformats.org/officeDocument/2006/relationships" xmlns:p="http://schemas.openxmlformats.org/presentationml/2006/main">
+  <p:cSld>
+    <p:spTree>
+      <p:nvGrpSpPr>
+        <p:cNvPr id="1" name=""/>
+        <p:cNvGrpSpPr/>
+        <p:nvPr/>
+      </p:nvGrpSpPr>
+      <p:grpSpPr>
+        <a:xfrm>
+          <a:off x="0" y="0"/>
+          <a:ext cx="0" cy="0"/>
+          <a:chOff x="0" y="0"/>
+          <a:chExt cx="0" cy="0"/>
+        </a:xfrm>
+      </p:grpSpPr>
+      <p:sp>
+        <p:nvSpPr>
+          <p:cNvPr id="2" name="Slide Image Placeholder 1"/>
+          <p:cNvSpPr>
+            <a:spLocks noGrp="1" noRot="1" noChangeAspect="1"/>
+          </p:cNvSpPr>
+          <p:nvPr>
+            <p:ph type="sldImg"/>
+          </p:nvPr>
+        </p:nvSpPr>
+        <p:spPr/>
+      </p:sp>
+      <p:sp>
+        <p:nvSpPr>
+          <p:cNvPr id="3" name="Notes Placeholder 2"/>
+          <p:cNvSpPr>
+            <a:spLocks noGrp="1"/>
+          </p:cNvSpPr>
+          <p:nvPr>
+            <p:ph type="body" idx="1"/>
+          </p:nvPr>
+        </p:nvSpPr>
+        <p:spPr/>
+        <p:txBody>
+          <a:bodyPr/>
+          <a:lstStyle/>
+          <a:p>
+            <a:r>
+              <a:rPr lang="en-US" dirty="0" err="1" smtClean="0"/>
+              <a:t>sim</a:t>
+            </a:r>
+            <a:endParaRPr lang="en-US" dirty="0"/>
+          </a:p>
+        </p:txBody>
+      </p:sp>
+      <p:sp>
+        <p:nvSpPr>
+          <p:cNvPr id="4" name="Slide Number Placeholder 3"/>
+          <p:cNvSpPr>
+            <a:spLocks noGrp="1"/>
+          </p:cNvSpPr>
+          <p:nvPr>
+            <p:ph type="sldNum" sz="quarter" idx="10"/>
+          </p:nvPr>
+        </p:nvSpPr>
+        <p:spPr/>
+        <p:txBody>
+          <a:bodyPr/>
+          <a:lstStyle/>
+          <a:p>
+            <a:fld id="{25626A12-9E33-4234-AAE2-B732A2D29B22}" type="slidenum">
+              <a:rPr lang="en-US" smtClean="0"/>
+              <a:t>28</a:t>
+            </a:fld>
+            <a:endParaRPr lang="en-US"/>
+          </a:p>
+        </p:txBody>
+      </p:sp>
+    </p:spTree>
+    <p:extLst>
+      <p:ext uri="{BB962C8B-B14F-4D97-AF65-F5344CB8AC3E}">
+        <p14:creationId xmlns:p14="http://schemas.microsoft.com/office/powerpoint/2010/main" val="3199736569"/>
+      </p:ext>
+    </p:extLst>
+  </p:cSld>
+  <p:clrMapOvr>
+    <a:masterClrMapping/>
+  </p:clrMapOvr>
+</p:notes>
+</file>
+
+<file path=ppt/notesSlides/notesSlide14.xml><?xml version="1.0" encoding="utf-8"?>
+<p:notes xmlns:a="http://schemas.openxmlformats.org/drawingml/2006/main" xmlns:r="http://schemas.openxmlformats.org/officeDocument/2006/relationships" xmlns:p="http://schemas.openxmlformats.org/presentationml/2006/main">
+  <p:cSld>
+    <p:spTree>
+      <p:nvGrpSpPr>
+        <p:cNvPr id="1" name=""/>
+        <p:cNvGrpSpPr/>
+        <p:nvPr/>
+      </p:nvGrpSpPr>
+      <p:grpSpPr>
+        <a:xfrm>
+          <a:off x="0" y="0"/>
+          <a:ext cx="0" cy="0"/>
+          <a:chOff x="0" y="0"/>
+          <a:chExt cx="0" cy="0"/>
+        </a:xfrm>
+      </p:grpSpPr>
+      <p:sp>
+        <p:nvSpPr>
+          <p:cNvPr id="2" name="Slide Image Placeholder 1"/>
+          <p:cNvSpPr>
+            <a:spLocks noGrp="1" noRot="1" noChangeAspect="1"/>
+          </p:cNvSpPr>
+          <p:nvPr>
+            <p:ph type="sldImg"/>
+          </p:nvPr>
+        </p:nvSpPr>
+        <p:spPr/>
+      </p:sp>
+      <p:sp>
+        <p:nvSpPr>
+          <p:cNvPr id="3" name="Notes Placeholder 2"/>
+          <p:cNvSpPr>
+            <a:spLocks noGrp="1"/>
+          </p:cNvSpPr>
+          <p:nvPr>
+            <p:ph type="body" idx="1"/>
+          </p:nvPr>
+        </p:nvSpPr>
+        <p:spPr/>
+        <p:txBody>
+          <a:bodyPr/>
+          <a:lstStyle/>
+          <a:p>
+            <a:r>
+              <a:rPr lang="en-US" dirty="0" smtClean="0"/>
+              <a:t>No VLR, </a:t>
+            </a:r>
+            <a:r>
+              <a:rPr lang="en-US" smtClean="0"/>
+              <a:t>remove</a:t>
+            </a:r>
+            <a:r>
+              <a:rPr lang="en-US" baseline="0" smtClean="0"/>
+              <a:t> slide</a:t>
+            </a:r>
+            <a:endParaRPr lang="en-US"/>
+          </a:p>
+        </p:txBody>
+      </p:sp>
+      <p:sp>
+        <p:nvSpPr>
+          <p:cNvPr id="4" name="Slide Number Placeholder 3"/>
+          <p:cNvSpPr>
+            <a:spLocks noGrp="1"/>
+          </p:cNvSpPr>
+          <p:nvPr>
+            <p:ph type="sldNum" sz="quarter" idx="10"/>
+          </p:nvPr>
+        </p:nvSpPr>
+        <p:spPr/>
+        <p:txBody>
+          <a:bodyPr/>
+          <a:lstStyle/>
+          <a:p>
+            <a:fld id="{25626A12-9E33-4234-AAE2-B732A2D29B22}" type="slidenum">
+              <a:rPr lang="en-US" smtClean="0"/>
+              <a:t>32</a:t>
+            </a:fld>
+            <a:endParaRPr lang="en-US"/>
+          </a:p>
+        </p:txBody>
+      </p:sp>
+    </p:spTree>
+    <p:extLst>
+      <p:ext uri="{BB962C8B-B14F-4D97-AF65-F5344CB8AC3E}">
+        <p14:creationId xmlns:p14="http://schemas.microsoft.com/office/powerpoint/2010/main" val="602286283"/>
       </p:ext>
     </p:extLst>
   </p:cSld>
@@ -628,7 +1171,11 @@
           <a:p>
             <a:r>
               <a:rPr lang="en-US" dirty="0" smtClean="0"/>
-              <a:t>Same layout, key</a:t>
+              <a:t>Sans serif font</a:t>
+            </a:r>
+            <a:r>
+              <a:rPr lang="en-US" baseline="0" dirty="0" smtClean="0"/>
+              <a:t>, use same font as rest</a:t>
             </a:r>
             <a:endParaRPr lang="en-US" dirty="0"/>
           </a:p>
@@ -651,7 +1198,7 @@
           <a:p>
             <a:fld id="{25626A12-9E33-4234-AAE2-B732A2D29B22}" type="slidenum">
               <a:rPr lang="en-US" smtClean="0"/>
-              <a:t>17</a:t>
+              <a:t>14</a:t>
             </a:fld>
             <a:endParaRPr lang="en-US"/>
           </a:p>
@@ -660,7 +1207,7 @@
     </p:spTree>
     <p:extLst>
       <p:ext uri="{BB962C8B-B14F-4D97-AF65-F5344CB8AC3E}">
-        <p14:creationId xmlns:p14="http://schemas.microsoft.com/office/powerpoint/2010/main" val="122666623"/>
+        <p14:creationId xmlns:p14="http://schemas.microsoft.com/office/powerpoint/2010/main" val="2404316238"/>
       </p:ext>
     </p:extLst>
   </p:cSld>
@@ -716,7 +1263,7 @@
           <a:p>
             <a:r>
               <a:rPr lang="en-US" dirty="0" smtClean="0"/>
-              <a:t>Same layout, key</a:t>
+              <a:t>Same layout, key, larger font</a:t>
             </a:r>
             <a:endParaRPr lang="en-US" dirty="0"/>
           </a:p>
@@ -739,7 +1286,7 @@
           <a:p>
             <a:fld id="{25626A12-9E33-4234-AAE2-B732A2D29B22}" type="slidenum">
               <a:rPr lang="en-US" smtClean="0"/>
-              <a:t>18</a:t>
+              <a:t>16</a:t>
             </a:fld>
             <a:endParaRPr lang="en-US"/>
           </a:p>
@@ -804,7 +1351,7 @@
           <a:p>
             <a:r>
               <a:rPr lang="en-US" dirty="0" smtClean="0"/>
-              <a:t>Same layout, key</a:t>
+              <a:t>Same layout, key, larger font</a:t>
             </a:r>
             <a:endParaRPr lang="en-US" dirty="0"/>
           </a:p>
@@ -827,7 +1374,7 @@
           <a:p>
             <a:fld id="{25626A12-9E33-4234-AAE2-B732A2D29B22}" type="slidenum">
               <a:rPr lang="en-US" smtClean="0"/>
-              <a:t>19</a:t>
+              <a:t>17</a:t>
             </a:fld>
             <a:endParaRPr lang="en-US"/>
           </a:p>
@@ -891,8 +1438,8 @@
           <a:lstStyle/>
           <a:p>
             <a:r>
-              <a:rPr lang="en-US" dirty="0" err="1" smtClean="0"/>
-              <a:t>sim</a:t>
+              <a:rPr lang="en-US" dirty="0" smtClean="0"/>
+              <a:t>Same layout, key, larger font</a:t>
             </a:r>
             <a:endParaRPr lang="en-US" dirty="0"/>
           </a:p>
@@ -915,7 +1462,7 @@
           <a:p>
             <a:fld id="{25626A12-9E33-4234-AAE2-B732A2D29B22}" type="slidenum">
               <a:rPr lang="en-US" smtClean="0"/>
-              <a:t>21</a:t>
+              <a:t>18</a:t>
             </a:fld>
             <a:endParaRPr lang="en-US"/>
           </a:p>
@@ -924,7 +1471,7 @@
     </p:spTree>
     <p:extLst>
       <p:ext uri="{BB962C8B-B14F-4D97-AF65-F5344CB8AC3E}">
-        <p14:creationId xmlns:p14="http://schemas.microsoft.com/office/powerpoint/2010/main" val="3199736569"/>
+        <p14:creationId xmlns:p14="http://schemas.microsoft.com/office/powerpoint/2010/main" val="122666623"/>
       </p:ext>
     </p:extLst>
   </p:cSld>
@@ -980,7 +1527,7 @@
           <a:p>
             <a:r>
               <a:rPr lang="en-US" dirty="0" smtClean="0"/>
-              <a:t>real</a:t>
+              <a:t>Same layout, key, larger font</a:t>
             </a:r>
             <a:endParaRPr lang="en-US" dirty="0"/>
           </a:p>
@@ -1003,7 +1550,7 @@
           <a:p>
             <a:fld id="{25626A12-9E33-4234-AAE2-B732A2D29B22}" type="slidenum">
               <a:rPr lang="en-US" smtClean="0"/>
-              <a:t>26</a:t>
+              <a:t>19</a:t>
             </a:fld>
             <a:endParaRPr lang="en-US"/>
           </a:p>
@@ -1012,7 +1559,7 @@
     </p:spTree>
     <p:extLst>
       <p:ext uri="{BB962C8B-B14F-4D97-AF65-F5344CB8AC3E}">
-        <p14:creationId xmlns:p14="http://schemas.microsoft.com/office/powerpoint/2010/main" val="3199736569"/>
+        <p14:creationId xmlns:p14="http://schemas.microsoft.com/office/powerpoint/2010/main" val="122666623"/>
       </p:ext>
     </p:extLst>
   </p:cSld>
@@ -1091,7 +1638,7 @@
           <a:p>
             <a:fld id="{25626A12-9E33-4234-AAE2-B732A2D29B22}" type="slidenum">
               <a:rPr lang="en-US" smtClean="0"/>
-              <a:t>28</a:t>
+              <a:t>21</a:t>
             </a:fld>
             <a:endParaRPr lang="en-US"/>
           </a:p>
@@ -1101,6 +1648,190 @@
     <p:extLst>
       <p:ext uri="{BB962C8B-B14F-4D97-AF65-F5344CB8AC3E}">
         <p14:creationId xmlns:p14="http://schemas.microsoft.com/office/powerpoint/2010/main" val="3199736569"/>
+      </p:ext>
+    </p:extLst>
+  </p:cSld>
+  <p:clrMapOvr>
+    <a:masterClrMapping/>
+  </p:clrMapOvr>
+</p:notes>
+</file>
+
+<file path=ppt/notesSlides/notesSlide8.xml><?xml version="1.0" encoding="utf-8"?>
+<p:notes xmlns:a="http://schemas.openxmlformats.org/drawingml/2006/main" xmlns:r="http://schemas.openxmlformats.org/officeDocument/2006/relationships" xmlns:p="http://schemas.openxmlformats.org/presentationml/2006/main">
+  <p:cSld>
+    <p:spTree>
+      <p:nvGrpSpPr>
+        <p:cNvPr id="1" name=""/>
+        <p:cNvGrpSpPr/>
+        <p:nvPr/>
+      </p:nvGrpSpPr>
+      <p:grpSpPr>
+        <a:xfrm>
+          <a:off x="0" y="0"/>
+          <a:ext cx="0" cy="0"/>
+          <a:chOff x="0" y="0"/>
+          <a:chExt cx="0" cy="0"/>
+        </a:xfrm>
+      </p:grpSpPr>
+      <p:sp>
+        <p:nvSpPr>
+          <p:cNvPr id="2" name="Slide Image Placeholder 1"/>
+          <p:cNvSpPr>
+            <a:spLocks noGrp="1" noRot="1" noChangeAspect="1"/>
+          </p:cNvSpPr>
+          <p:nvPr>
+            <p:ph type="sldImg"/>
+          </p:nvPr>
+        </p:nvSpPr>
+        <p:spPr/>
+      </p:sp>
+      <p:sp>
+        <p:nvSpPr>
+          <p:cNvPr id="3" name="Notes Placeholder 2"/>
+          <p:cNvSpPr>
+            <a:spLocks noGrp="1"/>
+          </p:cNvSpPr>
+          <p:nvPr>
+            <p:ph type="body" idx="1"/>
+          </p:nvPr>
+        </p:nvSpPr>
+        <p:spPr/>
+        <p:txBody>
+          <a:bodyPr/>
+          <a:lstStyle/>
+          <a:p>
+            <a:r>
+              <a:rPr lang="en-US" dirty="0" smtClean="0"/>
+              <a:t>Label window,</a:t>
+            </a:r>
+            <a:r>
+              <a:rPr lang="en-US" baseline="0" dirty="0" smtClean="0"/>
+              <a:t> camera</a:t>
+            </a:r>
+            <a:endParaRPr lang="en-US" dirty="0"/>
+          </a:p>
+        </p:txBody>
+      </p:sp>
+      <p:sp>
+        <p:nvSpPr>
+          <p:cNvPr id="4" name="Slide Number Placeholder 3"/>
+          <p:cNvSpPr>
+            <a:spLocks noGrp="1"/>
+          </p:cNvSpPr>
+          <p:nvPr>
+            <p:ph type="sldNum" sz="quarter" idx="10"/>
+          </p:nvPr>
+        </p:nvSpPr>
+        <p:spPr/>
+        <p:txBody>
+          <a:bodyPr/>
+          <a:lstStyle/>
+          <a:p>
+            <a:fld id="{25626A12-9E33-4234-AAE2-B732A2D29B22}" type="slidenum">
+              <a:rPr lang="en-US" smtClean="0"/>
+              <a:t>23</a:t>
+            </a:fld>
+            <a:endParaRPr lang="en-US"/>
+          </a:p>
+        </p:txBody>
+      </p:sp>
+    </p:spTree>
+    <p:extLst>
+      <p:ext uri="{BB962C8B-B14F-4D97-AF65-F5344CB8AC3E}">
+        <p14:creationId xmlns:p14="http://schemas.microsoft.com/office/powerpoint/2010/main" val="80967114"/>
+      </p:ext>
+    </p:extLst>
+  </p:cSld>
+  <p:clrMapOvr>
+    <a:masterClrMapping/>
+  </p:clrMapOvr>
+</p:notes>
+</file>
+
+<file path=ppt/notesSlides/notesSlide9.xml><?xml version="1.0" encoding="utf-8"?>
+<p:notes xmlns:a="http://schemas.openxmlformats.org/drawingml/2006/main" xmlns:r="http://schemas.openxmlformats.org/officeDocument/2006/relationships" xmlns:p="http://schemas.openxmlformats.org/presentationml/2006/main">
+  <p:cSld>
+    <p:spTree>
+      <p:nvGrpSpPr>
+        <p:cNvPr id="1" name=""/>
+        <p:cNvGrpSpPr/>
+        <p:nvPr/>
+      </p:nvGrpSpPr>
+      <p:grpSpPr>
+        <a:xfrm>
+          <a:off x="0" y="0"/>
+          <a:ext cx="0" cy="0"/>
+          <a:chOff x="0" y="0"/>
+          <a:chExt cx="0" cy="0"/>
+        </a:xfrm>
+      </p:grpSpPr>
+      <p:sp>
+        <p:nvSpPr>
+          <p:cNvPr id="2" name="Slide Image Placeholder 1"/>
+          <p:cNvSpPr>
+            <a:spLocks noGrp="1" noRot="1" noChangeAspect="1"/>
+          </p:cNvSpPr>
+          <p:nvPr>
+            <p:ph type="sldImg"/>
+          </p:nvPr>
+        </p:nvSpPr>
+        <p:spPr/>
+      </p:sp>
+      <p:sp>
+        <p:nvSpPr>
+          <p:cNvPr id="3" name="Notes Placeholder 2"/>
+          <p:cNvSpPr>
+            <a:spLocks noGrp="1"/>
+          </p:cNvSpPr>
+          <p:nvPr>
+            <p:ph type="body" idx="1"/>
+          </p:nvPr>
+        </p:nvSpPr>
+        <p:spPr/>
+        <p:txBody>
+          <a:bodyPr/>
+          <a:lstStyle/>
+          <a:p>
+            <a:r>
+              <a:rPr lang="en-US" dirty="0" smtClean="0"/>
+              <a:t>Larger font,</a:t>
+            </a:r>
+            <a:r>
+              <a:rPr lang="en-US" baseline="0" dirty="0" smtClean="0"/>
+              <a:t> legend</a:t>
+            </a:r>
+            <a:endParaRPr lang="en-US" dirty="0"/>
+          </a:p>
+        </p:txBody>
+      </p:sp>
+      <p:sp>
+        <p:nvSpPr>
+          <p:cNvPr id="4" name="Slide Number Placeholder 3"/>
+          <p:cNvSpPr>
+            <a:spLocks noGrp="1"/>
+          </p:cNvSpPr>
+          <p:nvPr>
+            <p:ph type="sldNum" sz="quarter" idx="10"/>
+          </p:nvPr>
+        </p:nvSpPr>
+        <p:spPr/>
+        <p:txBody>
+          <a:bodyPr/>
+          <a:lstStyle/>
+          <a:p>
+            <a:fld id="{25626A12-9E33-4234-AAE2-B732A2D29B22}" type="slidenum">
+              <a:rPr lang="en-US" smtClean="0"/>
+              <a:t>24</a:t>
+            </a:fld>
+            <a:endParaRPr lang="en-US"/>
+          </a:p>
+        </p:txBody>
+      </p:sp>
+    </p:spTree>
+    <p:extLst>
+      <p:ext uri="{BB962C8B-B14F-4D97-AF65-F5344CB8AC3E}">
+        <p14:creationId xmlns:p14="http://schemas.microsoft.com/office/powerpoint/2010/main" val="675098600"/>
       </p:ext>
     </p:extLst>
   </p:cSld>
@@ -1291,7 +2022,7 @@
           <a:p>
             <a:fld id="{4F7EC5D3-5BFF-411F-847E-1E918340C28F}" type="datetime1">
               <a:rPr lang="en-US" smtClean="0"/>
-              <a:t>4/15/2013</a:t>
+              <a:t>4/18/2013</a:t>
             </a:fld>
             <a:endParaRPr lang="en-US"/>
           </a:p>
@@ -1457,7 +2188,7 @@
           <a:p>
             <a:fld id="{7DA31B26-8F6B-4CA5-96A5-924607C01A93}" type="datetime1">
               <a:rPr lang="en-US" smtClean="0"/>
-              <a:t>4/15/2013</a:t>
+              <a:t>4/18/2013</a:t>
             </a:fld>
             <a:endParaRPr lang="en-US"/>
           </a:p>
@@ -1633,7 +2364,7 @@
           <a:p>
             <a:fld id="{FBFDF06B-14A5-49FE-ABE4-10E3AF341265}" type="datetime1">
               <a:rPr lang="en-US" smtClean="0"/>
-              <a:t>4/15/2013</a:t>
+              <a:t>4/18/2013</a:t>
             </a:fld>
             <a:endParaRPr lang="en-US"/>
           </a:p>
@@ -1799,7 +2530,7 @@
           <a:p>
             <a:fld id="{58A933D6-2A50-4E4F-9CBF-C49519087937}" type="datetime1">
               <a:rPr lang="en-US" smtClean="0"/>
-              <a:t>4/15/2013</a:t>
+              <a:t>4/18/2013</a:t>
             </a:fld>
             <a:endParaRPr lang="en-US"/>
           </a:p>
@@ -2041,7 +2772,7 @@
           <a:p>
             <a:fld id="{4A287A34-D534-4431-A883-3386AA8FBF89}" type="datetime1">
               <a:rPr lang="en-US" smtClean="0"/>
-              <a:t>4/15/2013</a:t>
+              <a:t>4/18/2013</a:t>
             </a:fld>
             <a:endParaRPr lang="en-US"/>
           </a:p>
@@ -2325,7 +3056,7 @@
           <a:p>
             <a:fld id="{B1C9DC33-1514-4AE3-ADD6-B9B37FDE558F}" type="datetime1">
               <a:rPr lang="en-US" smtClean="0"/>
-              <a:t>4/15/2013</a:t>
+              <a:t>4/18/2013</a:t>
             </a:fld>
             <a:endParaRPr lang="en-US"/>
           </a:p>
@@ -2743,7 +3474,7 @@
           <a:p>
             <a:fld id="{3C99776C-0735-47D1-997F-2FA2823EC8A8}" type="datetime1">
               <a:rPr lang="en-US" smtClean="0"/>
-              <a:t>4/15/2013</a:t>
+              <a:t>4/18/2013</a:t>
             </a:fld>
             <a:endParaRPr lang="en-US"/>
           </a:p>
@@ -2857,7 +3588,7 @@
           <a:p>
             <a:fld id="{7E5C9DBA-39D8-45A8-82A5-7EB3DA0A8BC4}" type="datetime1">
               <a:rPr lang="en-US" smtClean="0"/>
-              <a:t>4/15/2013</a:t>
+              <a:t>4/18/2013</a:t>
             </a:fld>
             <a:endParaRPr lang="en-US"/>
           </a:p>
@@ -2948,7 +3679,7 @@
           <a:p>
             <a:fld id="{4973D609-E07A-489D-90F1-95B8FEB79F54}" type="datetime1">
               <a:rPr lang="en-US" smtClean="0"/>
-              <a:t>4/15/2013</a:t>
+              <a:t>4/18/2013</a:t>
             </a:fld>
             <a:endParaRPr lang="en-US"/>
           </a:p>
@@ -3221,7 +3952,7 @@
           <a:p>
             <a:fld id="{46A1A8DC-C4F0-44FD-BC8F-80285BAD437C}" type="datetime1">
               <a:rPr lang="en-US" smtClean="0"/>
-              <a:t>4/15/2013</a:t>
+              <a:t>4/18/2013</a:t>
             </a:fld>
             <a:endParaRPr lang="en-US"/>
           </a:p>
@@ -3470,7 +4201,7 @@
           <a:p>
             <a:fld id="{CFD654AE-1C08-401F-95FD-B621F0A3FC1C}" type="datetime1">
               <a:rPr lang="en-US" smtClean="0"/>
-              <a:t>4/15/2013</a:t>
+              <a:t>4/18/2013</a:t>
             </a:fld>
             <a:endParaRPr lang="en-US"/>
           </a:p>
@@ -3679,7 +4410,7 @@
           <a:p>
             <a:fld id="{96EF6E8E-BF03-407B-B0B3-06A1B9529400}" type="datetime1">
               <a:rPr lang="en-US" smtClean="0"/>
-              <a:t>4/15/2013</a:t>
+              <a:t>4/18/2013</a:t>
             </a:fld>
             <a:endParaRPr lang="en-US"/>
           </a:p>
@@ -4943,7 +5674,7 @@
           </p:nvPr>
         </p:nvPicPr>
         <p:blipFill>
-          <a:blip r:embed="rId2" cstate="print">
+          <a:blip r:embed="rId3">
             <a:extLst>
               <a:ext uri="{28A0092B-C50C-407E-A947-70E740481C1C}">
                 <a14:useLocalDpi xmlns:a14="http://schemas.microsoft.com/office/drawing/2010/main" val="0"/>
@@ -4956,8 +5687,8 @@
         </p:blipFill>
         <p:spPr>
           <a:xfrm>
-            <a:off x="457200" y="2175743"/>
-            <a:ext cx="8229600" cy="3374876"/>
+            <a:off x="228600" y="1981200"/>
+            <a:ext cx="8737169" cy="3557307"/>
           </a:xfrm>
         </p:spPr>
       </p:pic>
@@ -5246,8 +5977,8 @@
           </a:p>
         </p:txBody>
       </p:sp>
-      <mc:AlternateContent xmlns:mc="http://schemas.openxmlformats.org/markup-compatibility/2006" xmlns:a14="http://schemas.microsoft.com/office/drawing/2010/main">
-        <mc:Choice Requires="a14">
+      <mc:AlternateContent xmlns:mc="http://schemas.openxmlformats.org/markup-compatibility/2006">
+        <mc:Choice xmlns:a14="http://schemas.microsoft.com/office/drawing/2010/main" Requires="a14">
           <p:sp>
             <p:nvSpPr>
               <p:cNvPr id="4" name="Rectangle 3"/>
@@ -5256,8 +5987,8 @@
             </p:nvSpPr>
             <p:spPr>
               <a:xfrm>
-                <a:off x="7787949" y="2355331"/>
-                <a:ext cx="994031" cy="748269"/>
+                <a:off x="7851013" y="2355331"/>
+                <a:ext cx="1127451" cy="748269"/>
               </a:xfrm>
               <a:prstGeom prst="rect">
                 <a:avLst/>
@@ -5309,11 +6040,10 @@
                             </m:mc>
                           </m:mcs>
                           <m:ctrlPr>
-                            <a:rPr lang="en-US" sz="1200" i="1" smtClean="0">
+                            <a:rPr lang="en-US" sz="1600" b="1" i="1" smtClean="0">
                               <a:solidFill>
                                 <a:sysClr val="windowText" lastClr="000000"/>
                               </a:solidFill>
-                              <a:latin typeface="Cambria Math"/>
                             </a:rPr>
                           </m:ctrlPr>
                         </m:mPr>
@@ -5323,23 +6053,21 @@
                               <m:accPr>
                                 <m:chr m:val="̇"/>
                                 <m:ctrlPr>
-                                  <a:rPr lang="en-US" sz="1200" i="1" smtClean="0">
+                                  <a:rPr lang="en-US" sz="1600" b="1" i="1" smtClean="0">
                                     <a:solidFill>
                                       <a:sysClr val="windowText" lastClr="000000"/>
                                     </a:solidFill>
-                                    <a:latin typeface="Cambria Math"/>
                                   </a:rPr>
                                 </m:ctrlPr>
                               </m:accPr>
                               <m:e>
                                 <m:r>
-                                  <a:rPr lang="en-US" sz="1200" b="0" i="1" smtClean="0">
+                                  <a:rPr lang="en-US" sz="1600" b="1" i="1" smtClean="0">
                                     <a:solidFill>
                                       <a:sysClr val="windowText" lastClr="000000"/>
                                     </a:solidFill>
-                                    <a:latin typeface="Cambria Math"/>
                                   </a:rPr>
-                                  <m:t>𝑥</m:t>
+                                  <m:t>𝒙</m:t>
                                 </m:r>
                               </m:e>
                             </m:acc>
@@ -5347,71 +6075,61 @@
                               <m:rPr>
                                 <m:brk m:alnAt="7"/>
                               </m:rPr>
-                              <a:rPr lang="en-US" sz="1200" b="0" i="1" smtClean="0">
+                              <a:rPr lang="en-US" sz="1600" b="1" i="1" smtClean="0">
                                 <a:solidFill>
                                   <a:sysClr val="windowText" lastClr="000000"/>
                                 </a:solidFill>
-                                <a:latin typeface="Cambria Math"/>
                               </a:rPr>
                               <m:t>=</m:t>
                             </m:r>
                             <m:r>
-                              <a:rPr lang="en-US" sz="1200" b="0" i="1" smtClean="0">
+                              <a:rPr lang="en-US" sz="1600" b="1" i="1" smtClean="0">
                                 <a:solidFill>
                                   <a:sysClr val="windowText" lastClr="000000"/>
                                 </a:solidFill>
-                                <a:latin typeface="Cambria Math"/>
                               </a:rPr>
-                              <m:t>𝑣</m:t>
+                              <m:t>𝒗</m:t>
                             </m:r>
                             <m:func>
                               <m:funcPr>
                                 <m:ctrlPr>
-                                  <a:rPr lang="en-US" sz="1200" b="0" i="1" smtClean="0">
+                                  <a:rPr lang="en-US" sz="1600" b="1" i="1" smtClean="0">
                                     <a:solidFill>
                                       <a:sysClr val="windowText" lastClr="000000"/>
                                     </a:solidFill>
-                                    <a:latin typeface="Cambria Math"/>
                                   </a:rPr>
                                 </m:ctrlPr>
                               </m:funcPr>
                               <m:fName>
                                 <m:r>
                                   <m:rPr>
-                                    <m:sty m:val="p"/>
                                     <m:brk m:alnAt="7"/>
                                   </m:rPr>
-                                  <a:rPr lang="en-US" sz="1200" b="0" i="0" smtClean="0">
+                                  <a:rPr lang="en-US" sz="1600" b="1" i="0" smtClean="0">
                                     <a:solidFill>
                                       <a:sysClr val="windowText" lastClr="000000"/>
                                     </a:solidFill>
-                                    <a:latin typeface="Cambria Math"/>
                                   </a:rPr>
-                                  <m:t>s</m:t>
+                                  <m:t>𝐬</m:t>
                                 </m:r>
                                 <m:r>
-                                  <m:rPr>
-                                    <m:sty m:val="p"/>
-                                  </m:rPr>
-                                  <a:rPr lang="en-US" sz="1200" b="0" i="0" smtClean="0">
+                                  <a:rPr lang="en-US" sz="1600" b="1" i="0" smtClean="0">
                                     <a:solidFill>
                                       <a:sysClr val="windowText" lastClr="000000"/>
                                     </a:solidFill>
-                                    <a:latin typeface="Cambria Math"/>
                                   </a:rPr>
-                                  <m:t>in</m:t>
+                                  <m:t>𝐢𝐧</m:t>
                                 </m:r>
                               </m:fName>
                               <m:e>
                                 <m:r>
-                                  <a:rPr lang="en-US" sz="1200" b="0" i="1" smtClean="0">
+                                  <a:rPr lang="en-US" sz="1600" b="1" i="1" smtClean="0">
                                     <a:solidFill>
                                       <a:sysClr val="windowText" lastClr="000000"/>
                                     </a:solidFill>
-                                    <a:latin typeface="Cambria Math"/>
                                     <a:ea typeface="Cambria Math"/>
                                   </a:rPr>
-                                  <m:t>𝜃</m:t>
+                                  <m:t>𝜽</m:t>
                                 </m:r>
                               </m:e>
                             </m:func>
@@ -5423,23 +6141,21 @@
                               <m:accPr>
                                 <m:chr m:val="̇"/>
                                 <m:ctrlPr>
-                                  <a:rPr lang="en-US" sz="1200" i="1" smtClean="0">
+                                  <a:rPr lang="en-US" sz="1600" b="1" i="1" smtClean="0">
                                     <a:solidFill>
                                       <a:sysClr val="windowText" lastClr="000000"/>
                                     </a:solidFill>
-                                    <a:latin typeface="Cambria Math"/>
                                   </a:rPr>
                                 </m:ctrlPr>
                               </m:accPr>
                               <m:e>
                                 <m:r>
-                                  <a:rPr lang="en-US" sz="1200" b="0" i="1" smtClean="0">
+                                  <a:rPr lang="en-US" sz="1600" b="1" i="1" smtClean="0">
                                     <a:solidFill>
                                       <a:sysClr val="windowText" lastClr="000000"/>
                                     </a:solidFill>
-                                    <a:latin typeface="Cambria Math"/>
                                   </a:rPr>
-                                  <m:t>𝑦</m:t>
+                                  <m:t>𝒚</m:t>
                                 </m:r>
                               </m:e>
                             </m:acc>
@@ -5447,71 +6163,61 @@
                               <m:rPr>
                                 <m:brk m:alnAt="7"/>
                               </m:rPr>
-                              <a:rPr lang="en-US" sz="1200" b="0" i="1" smtClean="0">
+                              <a:rPr lang="en-US" sz="1600" b="1" i="1" smtClean="0">
                                 <a:solidFill>
                                   <a:sysClr val="windowText" lastClr="000000"/>
                                 </a:solidFill>
-                                <a:latin typeface="Cambria Math"/>
                               </a:rPr>
                               <m:t>=</m:t>
                             </m:r>
                             <m:r>
-                              <a:rPr lang="en-US" sz="1200" b="0" i="1" smtClean="0">
+                              <a:rPr lang="en-US" sz="1600" b="1" i="1" smtClean="0">
                                 <a:solidFill>
                                   <a:sysClr val="windowText" lastClr="000000"/>
                                 </a:solidFill>
-                                <a:latin typeface="Cambria Math"/>
                               </a:rPr>
-                              <m:t>𝑣</m:t>
+                              <m:t>𝒗</m:t>
                             </m:r>
                             <m:func>
                               <m:funcPr>
                                 <m:ctrlPr>
-                                  <a:rPr lang="en-US" sz="1200" b="0" i="1" smtClean="0">
+                                  <a:rPr lang="en-US" sz="1600" b="1" i="1" smtClean="0">
                                     <a:solidFill>
                                       <a:sysClr val="windowText" lastClr="000000"/>
                                     </a:solidFill>
-                                    <a:latin typeface="Cambria Math"/>
                                   </a:rPr>
                                 </m:ctrlPr>
                               </m:funcPr>
                               <m:fName>
                                 <m:r>
                                   <m:rPr>
-                                    <m:sty m:val="p"/>
                                     <m:brk m:alnAt="7"/>
                                   </m:rPr>
-                                  <a:rPr lang="en-US" sz="1200" b="0" i="0" smtClean="0">
+                                  <a:rPr lang="en-US" sz="1600" b="1" i="0" smtClean="0">
                                     <a:solidFill>
                                       <a:sysClr val="windowText" lastClr="000000"/>
                                     </a:solidFill>
-                                    <a:latin typeface="Cambria Math"/>
                                   </a:rPr>
-                                  <m:t>c</m:t>
+                                  <m:t>𝐜</m:t>
                                 </m:r>
                                 <m:r>
-                                  <m:rPr>
-                                    <m:sty m:val="p"/>
-                                  </m:rPr>
-                                  <a:rPr lang="en-US" sz="1200" b="0" i="0" smtClean="0">
+                                  <a:rPr lang="en-US" sz="1600" b="1" i="0" smtClean="0">
                                     <a:solidFill>
                                       <a:sysClr val="windowText" lastClr="000000"/>
                                     </a:solidFill>
-                                    <a:latin typeface="Cambria Math"/>
                                   </a:rPr>
-                                  <m:t>os</m:t>
+                                  <m:t>𝐨𝐬</m:t>
                                 </m:r>
                               </m:fName>
                               <m:e>
                                 <m:r>
-                                  <a:rPr lang="en-US" sz="1200" b="0" i="1" smtClean="0">
+                                  <a:rPr lang="en-US" sz="1600" b="1" i="1" smtClean="0">
                                     <a:solidFill>
                                       <a:sysClr val="windowText" lastClr="000000"/>
                                     </a:solidFill>
-                                    <a:latin typeface="Cambria Math"/>
                                     <a:ea typeface="Cambria Math"/>
                                   </a:rPr>
-                                  <m:t>𝜃</m:t>
+                                  <m:t>𝜽</m:t>
                                 </m:r>
                               </m:e>
                             </m:func>
@@ -5521,7 +6227,7 @@
                     </m:oMath>
                   </m:oMathPara>
                 </a14:m>
-                <a:endParaRPr lang="en-US" sz="1200" dirty="0">
+                <a:endParaRPr lang="en-US" sz="1600" b="1" dirty="0">
                   <a:solidFill>
                     <a:sysClr val="windowText" lastClr="000000"/>
                   </a:solidFill>
@@ -5530,7 +6236,7 @@
             </p:txBody>
           </p:sp>
         </mc:Choice>
-        <mc:Fallback xmlns="">
+        <mc:Fallback>
           <p:sp>
             <p:nvSpPr>
               <p:cNvPr id="4" name="Rectangle 3"/>
@@ -5541,8 +6247,8 @@
             </p:nvSpPr>
             <p:spPr>
               <a:xfrm>
-                <a:off x="7787949" y="2355331"/>
-                <a:ext cx="994031" cy="748269"/>
+                <a:off x="7851013" y="2355331"/>
+                <a:ext cx="1127451" cy="748269"/>
               </a:xfrm>
               <a:prstGeom prst="rect">
                 <a:avLst/>
@@ -5550,7 +6256,7 @@
               <a:blipFill rotWithShape="1">
                 <a:blip r:embed="rId3"/>
                 <a:stretch>
-                  <a:fillRect/>
+                  <a:fillRect l="-1571"/>
                 </a:stretch>
               </a:blipFill>
               <a:ln w="38100">
@@ -5574,8 +6280,8 @@
           </p:sp>
         </mc:Fallback>
       </mc:AlternateContent>
-      <mc:AlternateContent xmlns:mc="http://schemas.openxmlformats.org/markup-compatibility/2006" xmlns:a14="http://schemas.microsoft.com/office/drawing/2010/main">
-        <mc:Choice Requires="a14">
+      <mc:AlternateContent xmlns:mc="http://schemas.openxmlformats.org/markup-compatibility/2006">
+        <mc:Choice xmlns:a14="http://schemas.microsoft.com/office/drawing/2010/main" Requires="a14">
           <p:sp>
             <p:nvSpPr>
               <p:cNvPr id="5" name="Rectangle 4"/>
@@ -5584,8 +6290,8 @@
             </p:nvSpPr>
             <p:spPr>
               <a:xfrm>
-                <a:off x="5791200" y="2355331"/>
-                <a:ext cx="1540199" cy="748269"/>
+                <a:off x="5791199" y="2355331"/>
+                <a:ext cx="1814971" cy="748269"/>
               </a:xfrm>
               <a:prstGeom prst="rect">
                 <a:avLst/>
@@ -5627,46 +6333,42 @@
                     </m:oMathParaPr>
                     <m:oMath xmlns:m="http://schemas.openxmlformats.org/officeDocument/2006/math">
                       <m:r>
-                        <a:rPr lang="en-US" sz="1200" i="1" smtClean="0">
+                        <a:rPr lang="en-US" sz="1600" b="1" i="1" smtClean="0">
                           <a:solidFill>
                             <a:sysClr val="windowText" lastClr="000000"/>
                           </a:solidFill>
-                          <a:latin typeface="Cambria Math"/>
                           <a:ea typeface="Cambria Math"/>
                         </a:rPr>
-                        <m:t>𝜃</m:t>
+                        <m:t>𝜽</m:t>
                       </m:r>
                       <m:d>
                         <m:dPr>
                           <m:ctrlPr>
-                            <a:rPr lang="en-US" sz="1200" b="0" i="1" smtClean="0">
+                            <a:rPr lang="en-US" sz="1600" b="1" i="1" smtClean="0">
                               <a:solidFill>
                                 <a:sysClr val="windowText" lastClr="000000"/>
                               </a:solidFill>
-                              <a:latin typeface="Cambria Math"/>
                               <a:ea typeface="Cambria Math"/>
                             </a:rPr>
                           </m:ctrlPr>
                         </m:dPr>
                         <m:e>
                           <m:r>
-                            <a:rPr lang="en-US" sz="1200" b="0" i="1" smtClean="0">
+                            <a:rPr lang="en-US" sz="1600" b="1" i="1" smtClean="0">
                               <a:solidFill>
                                 <a:sysClr val="windowText" lastClr="000000"/>
                               </a:solidFill>
-                              <a:latin typeface="Cambria Math"/>
                               <a:ea typeface="Cambria Math"/>
                             </a:rPr>
-                            <m:t>𝑠</m:t>
+                            <m:t>𝒔</m:t>
                           </m:r>
                         </m:e>
                       </m:d>
                       <m:r>
-                        <a:rPr lang="en-US" sz="1200" b="0" i="1" smtClean="0">
+                        <a:rPr lang="en-US" sz="1600" b="1" i="1" smtClean="0">
                           <a:solidFill>
                             <a:sysClr val="windowText" lastClr="000000"/>
                           </a:solidFill>
-                          <a:latin typeface="Cambria Math"/>
                           <a:ea typeface="Cambria Math"/>
                         </a:rPr>
                         <m:t>= </m:t>
@@ -5674,113 +6376,112 @@
                       <m:f>
                         <m:fPr>
                           <m:ctrlPr>
-                            <a:rPr lang="en-US" sz="1200" b="0" i="1" smtClean="0">
+                            <a:rPr lang="en-US" sz="1600" b="1" i="1" smtClean="0">
                               <a:solidFill>
                                 <a:sysClr val="windowText" lastClr="000000"/>
                               </a:solidFill>
-                              <a:latin typeface="Cambria Math"/>
                               <a:ea typeface="Cambria Math"/>
                             </a:rPr>
                           </m:ctrlPr>
                         </m:fPr>
                         <m:num>
                           <m:r>
-                            <a:rPr lang="en-US" sz="1200" b="0" i="1" smtClean="0">
+                            <a:rPr lang="en-US" sz="1600" b="1" i="1" smtClean="0">
                               <a:solidFill>
                                 <a:sysClr val="windowText" lastClr="000000"/>
                               </a:solidFill>
-                              <a:latin typeface="Cambria Math"/>
                               <a:ea typeface="Cambria Math"/>
                             </a:rPr>
-                            <m:t>𝐾</m:t>
+                            <m:t>𝑲</m:t>
                           </m:r>
                         </m:num>
                         <m:den>
                           <m:r>
-                            <a:rPr lang="en-US" sz="1200" b="0" i="1" smtClean="0">
+                            <a:rPr lang="en-US" sz="1600" b="1" i="1" smtClean="0">
                               <a:solidFill>
                                 <a:sysClr val="windowText" lastClr="000000"/>
                               </a:solidFill>
-                              <a:latin typeface="Cambria Math"/>
                               <a:ea typeface="Cambria Math"/>
                             </a:rPr>
-                            <m:t>1+</m:t>
+                            <m:t>𝟏</m:t>
                           </m:r>
                           <m:r>
-                            <a:rPr lang="en-US" sz="1200" b="0" i="1" smtClean="0">
+                            <a:rPr lang="en-US" sz="1600" b="1" i="1" smtClean="0">
                               <a:solidFill>
                                 <a:sysClr val="windowText" lastClr="000000"/>
                               </a:solidFill>
-                              <a:latin typeface="Cambria Math"/>
                               <a:ea typeface="Cambria Math"/>
                             </a:rPr>
-                            <m:t>𝑅𝑠</m:t>
+                            <m:t>+</m:t>
+                          </m:r>
+                          <m:r>
+                            <a:rPr lang="en-US" sz="1600" b="1" i="1" smtClean="0">
+                              <a:solidFill>
+                                <a:sysClr val="windowText" lastClr="000000"/>
+                              </a:solidFill>
+                              <a:ea typeface="Cambria Math"/>
+                            </a:rPr>
+                            <m:t>𝑹𝒔</m:t>
                           </m:r>
                         </m:den>
                       </m:f>
                       <m:sSub>
                         <m:sSubPr>
                           <m:ctrlPr>
-                            <a:rPr lang="en-US" sz="1200" b="0" i="1" smtClean="0">
+                            <a:rPr lang="en-US" sz="1600" b="1" i="1" smtClean="0">
                               <a:solidFill>
                                 <a:sysClr val="windowText" lastClr="000000"/>
                               </a:solidFill>
-                              <a:latin typeface="Cambria Math"/>
                               <a:ea typeface="Cambria Math"/>
                             </a:rPr>
                           </m:ctrlPr>
                         </m:sSubPr>
                         <m:e>
                           <m:r>
-                            <a:rPr lang="en-US" sz="1200" b="0" i="1" smtClean="0">
+                            <a:rPr lang="en-US" sz="1600" b="1" i="1" smtClean="0">
                               <a:solidFill>
                                 <a:sysClr val="windowText" lastClr="000000"/>
                               </a:solidFill>
-                              <a:latin typeface="Cambria Math"/>
                               <a:ea typeface="Cambria Math"/>
                             </a:rPr>
-                            <m:t>𝜃</m:t>
+                            <m:t>𝜽</m:t>
                           </m:r>
                         </m:e>
                         <m:sub>
                           <m:r>
-                            <a:rPr lang="en-US" sz="1200" b="0" i="1" smtClean="0">
+                            <a:rPr lang="en-US" sz="1600" b="1" i="1" smtClean="0">
                               <a:solidFill>
                                 <a:sysClr val="windowText" lastClr="000000"/>
                               </a:solidFill>
-                              <a:latin typeface="Cambria Math"/>
                               <a:ea typeface="Cambria Math"/>
                             </a:rPr>
-                            <m:t>𝑑</m:t>
+                            <m:t>𝒅</m:t>
                           </m:r>
                         </m:sub>
                       </m:sSub>
                       <m:r>
-                        <a:rPr lang="en-US" sz="1200" b="0" i="1" smtClean="0">
+                        <a:rPr lang="en-US" sz="1600" b="1" i="1" smtClean="0">
                           <a:solidFill>
                             <a:sysClr val="windowText" lastClr="000000"/>
                           </a:solidFill>
-                          <a:latin typeface="Cambria Math"/>
                           <a:ea typeface="Cambria Math"/>
                         </a:rPr>
                         <m:t>(</m:t>
                       </m:r>
                       <m:r>
-                        <a:rPr lang="en-US" sz="1200" b="0" i="1" smtClean="0">
+                        <a:rPr lang="en-US" sz="1600" b="1" i="1" smtClean="0">
                           <a:solidFill>
                             <a:sysClr val="windowText" lastClr="000000"/>
                           </a:solidFill>
-                          <a:latin typeface="Cambria Math"/>
                           <a:ea typeface="Cambria Math"/>
                         </a:rPr>
-                        <m:t>𝑠</m:t>
+                        <m:t>𝒔</m:t>
                       </m:r>
                       <m:r>
-                        <a:rPr lang="en-US" sz="1200" b="0" i="1" smtClean="0">
+                        <a:rPr lang="en-US" sz="1600" b="1" i="1" smtClean="0">
                           <a:solidFill>
                             <a:sysClr val="windowText" lastClr="000000"/>
                           </a:solidFill>
-                          <a:latin typeface="Cambria Math"/>
                           <a:ea typeface="Cambria Math"/>
                         </a:rPr>
                         <m:t>)</m:t>
@@ -5788,7 +6489,7 @@
                     </m:oMath>
                   </m:oMathPara>
                 </a14:m>
-                <a:endParaRPr lang="en-US" sz="1200" dirty="0">
+                <a:endParaRPr lang="en-US" sz="1600" b="1" dirty="0">
                   <a:solidFill>
                     <a:sysClr val="windowText" lastClr="000000"/>
                   </a:solidFill>
@@ -5797,7 +6498,7 @@
             </p:txBody>
           </p:sp>
         </mc:Choice>
-        <mc:Fallback xmlns="">
+        <mc:Fallback>
           <p:sp>
             <p:nvSpPr>
               <p:cNvPr id="5" name="Rectangle 4"/>
@@ -5808,8 +6509,8 @@
             </p:nvSpPr>
             <p:spPr>
               <a:xfrm>
-                <a:off x="5791200" y="2355331"/>
-                <a:ext cx="1540199" cy="748269"/>
+                <a:off x="5791199" y="2355331"/>
+                <a:ext cx="1814971" cy="748269"/>
               </a:xfrm>
               <a:prstGeom prst="rect">
                 <a:avLst/>
@@ -5852,8 +6553,8 @@
         </p:nvCxnSpPr>
         <p:spPr>
           <a:xfrm>
-            <a:off x="7331399" y="2729466"/>
-            <a:ext cx="456550" cy="0"/>
+            <a:off x="7606170" y="2729466"/>
+            <a:ext cx="244843" cy="0"/>
           </a:xfrm>
           <a:prstGeom prst="straightConnector1">
             <a:avLst/>
@@ -5965,8 +6666,8 @@
           </p:sp>
         </mc:Fallback>
       </mc:AlternateContent>
-      <mc:AlternateContent xmlns:mc="http://schemas.openxmlformats.org/markup-compatibility/2006" xmlns:a14="http://schemas.microsoft.com/office/drawing/2010/main">
-        <mc:Choice Requires="a14">
+      <mc:AlternateContent xmlns:mc="http://schemas.openxmlformats.org/markup-compatibility/2006">
+        <mc:Choice xmlns:a14="http://schemas.microsoft.com/office/drawing/2010/main" Requires="a14">
           <p:sp>
             <p:nvSpPr>
               <p:cNvPr id="9" name="Rectangle 8"/>
@@ -5975,8 +6676,8 @@
             </p:nvSpPr>
             <p:spPr>
               <a:xfrm>
-                <a:off x="360150" y="2355333"/>
-                <a:ext cx="1980954" cy="748267"/>
+                <a:off x="228600" y="2155277"/>
+                <a:ext cx="2263074" cy="1158182"/>
               </a:xfrm>
               <a:prstGeom prst="rect">
                 <a:avLst/>
@@ -6018,46 +6719,42 @@
                     </m:oMathParaPr>
                     <m:oMath xmlns:m="http://schemas.openxmlformats.org/officeDocument/2006/math">
                       <m:r>
-                        <a:rPr lang="en-US" sz="1200" b="0" i="1" smtClean="0">
+                        <a:rPr lang="en-US" sz="1600" b="1" i="1" smtClean="0">
                           <a:solidFill>
                             <a:sysClr val="windowText" lastClr="000000"/>
                           </a:solidFill>
-                          <a:latin typeface="Cambria Math"/>
                           <a:ea typeface="Cambria Math"/>
                         </a:rPr>
-                        <m:t>𝑢</m:t>
+                        <m:t>𝒖</m:t>
                       </m:r>
                       <m:d>
                         <m:dPr>
                           <m:ctrlPr>
-                            <a:rPr lang="en-US" sz="1200" b="0" i="1" smtClean="0">
+                            <a:rPr lang="en-US" sz="1600" b="1" i="1" smtClean="0">
                               <a:solidFill>
                                 <a:sysClr val="windowText" lastClr="000000"/>
                               </a:solidFill>
-                              <a:latin typeface="Cambria Math"/>
                               <a:ea typeface="Cambria Math"/>
                             </a:rPr>
                           </m:ctrlPr>
                         </m:dPr>
                         <m:e>
                           <m:r>
-                            <a:rPr lang="en-US" sz="1200" b="0" i="1" smtClean="0">
+                            <a:rPr lang="en-US" sz="1600" b="1" i="1" smtClean="0">
                               <a:solidFill>
                                 <a:sysClr val="windowText" lastClr="000000"/>
                               </a:solidFill>
-                              <a:latin typeface="Cambria Math"/>
                               <a:ea typeface="Cambria Math"/>
                             </a:rPr>
-                            <m:t>𝑡</m:t>
+                            <m:t>𝒕</m:t>
                           </m:r>
                         </m:e>
                       </m:d>
                       <m:r>
-                        <a:rPr lang="en-US" sz="1200" b="0" i="1" smtClean="0">
+                        <a:rPr lang="en-US" sz="1600" b="1" i="1" smtClean="0">
                           <a:solidFill>
                             <a:sysClr val="windowText" lastClr="000000"/>
                           </a:solidFill>
-                          <a:latin typeface="Cambria Math"/>
                           <a:ea typeface="Cambria Math"/>
                         </a:rPr>
                         <m:t>= </m:t>
@@ -6065,95 +6762,84 @@
                       <m:f>
                         <m:fPr>
                           <m:ctrlPr>
-                            <a:rPr lang="en-US" sz="1200" b="0" i="1" smtClean="0">
+                            <a:rPr lang="en-US" sz="1600" b="1" i="1" smtClean="0">
                               <a:solidFill>
                                 <a:sysClr val="windowText" lastClr="000000"/>
                               </a:solidFill>
-                              <a:latin typeface="Cambria Math"/>
                               <a:ea typeface="Cambria Math"/>
                             </a:rPr>
                           </m:ctrlPr>
                         </m:fPr>
                         <m:num>
                           <m:r>
-                            <a:rPr lang="en-US" sz="1200" b="0" i="1" smtClean="0">
+                            <a:rPr lang="en-US" sz="1600" b="1" i="1" smtClean="0">
                               <a:solidFill>
                                 <a:sysClr val="windowText" lastClr="000000"/>
                               </a:solidFill>
-                              <a:latin typeface="Cambria Math"/>
                               <a:ea typeface="Cambria Math"/>
                             </a:rPr>
-                            <m:t>𝑤</m:t>
+                            <m:t>𝒘</m:t>
                           </m:r>
                         </m:num>
                         <m:den>
                           <m:r>
-                            <a:rPr lang="en-US" sz="1200" b="0" i="1" smtClean="0">
+                            <a:rPr lang="en-US" sz="1600" b="1" i="1" smtClean="0">
                               <a:solidFill>
                                 <a:sysClr val="windowText" lastClr="000000"/>
                               </a:solidFill>
-                              <a:latin typeface="Cambria Math"/>
                               <a:ea typeface="Cambria Math"/>
                             </a:rPr>
-                            <m:t>2</m:t>
+                            <m:t>𝟐</m:t>
                           </m:r>
                           <m:r>
-                            <a:rPr lang="en-US" sz="1200" b="0" i="1" smtClean="0">
+                            <a:rPr lang="en-US" sz="1600" b="1" i="1" smtClean="0">
                               <a:solidFill>
                                 <a:sysClr val="windowText" lastClr="000000"/>
                               </a:solidFill>
-                              <a:latin typeface="Cambria Math"/>
                               <a:ea typeface="Cambria Math"/>
                             </a:rPr>
-                            <m:t>𝑑</m:t>
+                            <m:t>𝒅</m:t>
                           </m:r>
                           <m:func>
                             <m:funcPr>
                               <m:ctrlPr>
-                                <a:rPr lang="en-US" sz="1200" b="0" i="1" smtClean="0">
+                                <a:rPr lang="en-US" sz="1600" b="1" i="1" smtClean="0">
                                   <a:solidFill>
                                     <a:sysClr val="windowText" lastClr="000000"/>
                                   </a:solidFill>
-                                  <a:latin typeface="Cambria Math"/>
                                   <a:ea typeface="Cambria Math"/>
                                 </a:rPr>
                               </m:ctrlPr>
                             </m:funcPr>
                             <m:fName>
                               <m:r>
-                                <m:rPr>
-                                  <m:sty m:val="p"/>
-                                </m:rPr>
-                                <a:rPr lang="en-US" sz="1200" b="0" i="0" smtClean="0">
+                                <a:rPr lang="en-US" sz="1600" b="1" i="0" smtClean="0">
                                   <a:solidFill>
                                     <a:sysClr val="windowText" lastClr="000000"/>
                                   </a:solidFill>
-                                  <a:latin typeface="Cambria Math"/>
                                   <a:ea typeface="Cambria Math"/>
                                 </a:rPr>
-                                <m:t>tan</m:t>
+                                <m:t>𝐭𝐚𝐧</m:t>
                               </m:r>
                             </m:fName>
                             <m:e>
                               <m:f>
                                 <m:fPr>
                                   <m:ctrlPr>
-                                    <a:rPr lang="en-US" sz="1200" b="0" i="1" smtClean="0">
+                                    <a:rPr lang="en-US" sz="1600" b="1" i="1" smtClean="0">
                                       <a:solidFill>
                                         <a:sysClr val="windowText" lastClr="000000"/>
                                       </a:solidFill>
-                                      <a:latin typeface="Cambria Math"/>
                                       <a:ea typeface="Cambria Math"/>
                                     </a:rPr>
                                   </m:ctrlPr>
                                 </m:fPr>
                                 <m:num>
                                   <m:r>
-                                    <a:rPr lang="en-US" sz="1200" b="0" i="1" smtClean="0">
+                                    <a:rPr lang="en-US" sz="1600" b="1" i="1" smtClean="0">
                                       <a:solidFill>
                                         <a:sysClr val="windowText" lastClr="000000"/>
                                       </a:solidFill>
-                                      <a:latin typeface="Cambria Math"/>
                                       <a:ea typeface="Cambria Math"/>
                                     </a:rPr>
                                     <m:t>∅</m:t>
@@ -6161,14 +6847,13 @@
                                 </m:num>
                                 <m:den>
                                   <m:r>
-                                    <a:rPr lang="en-US" sz="1200" b="0" i="1" smtClean="0">
+                                    <a:rPr lang="en-US" sz="1600" b="1" i="1" smtClean="0">
                                       <a:solidFill>
                                         <a:sysClr val="windowText" lastClr="000000"/>
                                       </a:solidFill>
-                                      <a:latin typeface="Cambria Math"/>
                                       <a:ea typeface="Cambria Math"/>
                                     </a:rPr>
-                                    <m:t>2</m:t>
+                                    <m:t>𝟐</m:t>
                                   </m:r>
                                 </m:den>
                               </m:f>
@@ -6177,11 +6862,10 @@
                         </m:den>
                       </m:f>
                       <m:r>
-                        <a:rPr lang="en-US" sz="1200" b="0" i="1" smtClean="0">
+                        <a:rPr lang="en-US" sz="1600" b="1" i="1" smtClean="0">
                           <a:solidFill>
                             <a:sysClr val="windowText" lastClr="000000"/>
                           </a:solidFill>
-                          <a:latin typeface="Cambria Math"/>
                           <a:ea typeface="Cambria Math"/>
                         </a:rPr>
                         <m:t>×</m:t>
@@ -6189,22 +6873,20 @@
                       <m:f>
                         <m:fPr>
                           <m:ctrlPr>
-                            <a:rPr lang="en-US" sz="1200" b="0" i="1" smtClean="0">
+                            <a:rPr lang="en-US" sz="1600" b="1" i="1" smtClean="0">
                               <a:solidFill>
                                 <a:sysClr val="windowText" lastClr="000000"/>
                               </a:solidFill>
-                              <a:latin typeface="Cambria Math"/>
                               <a:ea typeface="Cambria Math"/>
                             </a:rPr>
                           </m:ctrlPr>
                         </m:fPr>
                         <m:num>
                           <m:r>
-                            <a:rPr lang="en-US" sz="1200" b="0" i="1" smtClean="0">
+                            <a:rPr lang="en-US" sz="1600" b="1" i="1" smtClean="0">
                               <a:solidFill>
                                 <a:sysClr val="windowText" lastClr="000000"/>
                               </a:solidFill>
-                              <a:latin typeface="Cambria Math"/>
                               <a:ea typeface="Cambria Math"/>
                             </a:rPr>
                             <m:t>∅</m:t>
@@ -6212,66 +6894,61 @@
                         </m:num>
                         <m:den>
                           <m:r>
-                            <a:rPr lang="en-US" sz="1200" b="0" i="1" smtClean="0">
+                            <a:rPr lang="en-US" sz="1600" b="1" i="1" smtClean="0">
                               <a:solidFill>
                                 <a:sysClr val="windowText" lastClr="000000"/>
                               </a:solidFill>
-                              <a:latin typeface="Cambria Math"/>
                               <a:ea typeface="Cambria Math"/>
                             </a:rPr>
-                            <m:t>𝑤</m:t>
+                            <m:t>𝒘</m:t>
                           </m:r>
                         </m:den>
                       </m:f>
                       <m:r>
-                        <a:rPr lang="en-US" sz="1200" b="0" i="1" smtClean="0">
+                        <a:rPr lang="en-US" sz="1600" b="1" i="1" smtClean="0">
                           <a:solidFill>
                             <a:sysClr val="windowText" lastClr="000000"/>
                           </a:solidFill>
-                          <a:latin typeface="Cambria Math"/>
                           <a:ea typeface="Cambria Math"/>
                         </a:rPr>
                         <m:t>×</m:t>
                       </m:r>
                       <m:r>
-                        <a:rPr lang="en-US" sz="1200" b="0" i="1" smtClean="0">
+                        <a:rPr lang="en-US" sz="1600" b="1" i="1" smtClean="0">
                           <a:solidFill>
                             <a:sysClr val="windowText" lastClr="000000"/>
                           </a:solidFill>
-                          <a:latin typeface="Cambria Math"/>
                           <a:ea typeface="Cambria Math"/>
                         </a:rPr>
-                        <m:t>𝑥</m:t>
+                        <m:t>𝒙</m:t>
                       </m:r>
                       <m:d>
                         <m:dPr>
                           <m:ctrlPr>
-                            <a:rPr lang="en-US" sz="1200" b="0" i="1" smtClean="0">
+                            <a:rPr lang="en-US" sz="1600" b="1" i="1" smtClean="0">
                               <a:solidFill>
                                 <a:sysClr val="windowText" lastClr="000000"/>
                               </a:solidFill>
-                              <a:latin typeface="Cambria Math"/>
                               <a:ea typeface="Cambria Math"/>
                             </a:rPr>
                           </m:ctrlPr>
                         </m:dPr>
                         <m:e>
                           <m:r>
-                            <a:rPr lang="en-US" sz="1200" b="0" i="1" smtClean="0">
+                            <a:rPr lang="en-US" sz="1600" b="1" i="1" smtClean="0">
                               <a:solidFill>
                                 <a:sysClr val="windowText" lastClr="000000"/>
                               </a:solidFill>
-                              <a:latin typeface="Cambria Math"/>
                               <a:ea typeface="Cambria Math"/>
                             </a:rPr>
-                            <m:t>𝑡</m:t>
+                            <m:t>𝒕</m:t>
                           </m:r>
                         </m:e>
                       </m:d>
                     </m:oMath>
                   </m:oMathPara>
                 </a14:m>
-                <a:endParaRPr lang="en-US" sz="1200" dirty="0">
+                <a:endParaRPr lang="en-US" sz="1600" b="1" dirty="0">
                   <a:solidFill>
                     <a:sysClr val="windowText" lastClr="000000"/>
                   </a:solidFill>
@@ -6280,7 +6957,7 @@
             </p:txBody>
           </p:sp>
         </mc:Choice>
-        <mc:Fallback xmlns="">
+        <mc:Fallback>
           <p:sp>
             <p:nvSpPr>
               <p:cNvPr id="9" name="Rectangle 8"/>
@@ -6291,8 +6968,8 @@
             </p:nvSpPr>
             <p:spPr>
               <a:xfrm>
-                <a:off x="360150" y="2355333"/>
-                <a:ext cx="1980954" cy="748267"/>
+                <a:off x="228600" y="2155277"/>
+                <a:ext cx="2263074" cy="1158182"/>
               </a:xfrm>
               <a:prstGeom prst="rect">
                 <a:avLst/>
@@ -6369,14 +7046,14 @@
           <a:p>
             <a:pPr algn="ctr"/>
             <a:r>
-              <a:rPr lang="en-US" sz="1200" dirty="0" smtClean="0">
+              <a:rPr lang="en-US" sz="1600" b="1" dirty="0" smtClean="0">
                 <a:solidFill>
                   <a:sysClr val="windowText" lastClr="000000"/>
                 </a:solidFill>
               </a:rPr>
               <a:t>PID Controller</a:t>
             </a:r>
-            <a:endParaRPr lang="en-US" sz="1200" dirty="0">
+            <a:endParaRPr lang="en-US" sz="1600" b="1" dirty="0">
               <a:solidFill>
                 <a:sysClr val="windowText" lastClr="000000"/>
               </a:solidFill>
@@ -6429,22 +7106,14 @@
           <a:p>
             <a:pPr algn="ctr"/>
             <a:r>
-              <a:rPr lang="en-US" sz="1200" dirty="0" smtClean="0">
+              <a:rPr lang="en-US" sz="1600" b="1" dirty="0" smtClean="0">
                 <a:solidFill>
                   <a:sysClr val="windowText" lastClr="000000"/>
                 </a:solidFill>
               </a:rPr>
-              <a:t>Camera Latenc</a:t>
-            </a:r>
-            <a:r>
-              <a:rPr lang="en-US" sz="1400" dirty="0" smtClean="0">
-                <a:solidFill>
-                  <a:sysClr val="windowText" lastClr="000000"/>
-                </a:solidFill>
-              </a:rPr>
-              <a:t>y</a:t>
-            </a:r>
-            <a:endParaRPr lang="en-US" sz="1400" dirty="0">
+              <a:t>Camera Latency</a:t>
+            </a:r>
+            <a:endParaRPr lang="en-US" sz="1600" b="1" dirty="0">
               <a:solidFill>
                 <a:sysClr val="windowText" lastClr="000000"/>
               </a:solidFill>
@@ -6460,8 +7129,8 @@
         </p:nvSpPr>
         <p:spPr>
           <a:xfrm>
-            <a:off x="4214632" y="2355333"/>
-            <a:ext cx="1143000" cy="748267"/>
+            <a:off x="4151567" y="2355333"/>
+            <a:ext cx="1359783" cy="748267"/>
           </a:xfrm>
           <a:prstGeom prst="rect">
             <a:avLst/>
@@ -6497,14 +7166,14 @@
           <a:p>
             <a:pPr algn="ctr"/>
             <a:r>
-              <a:rPr lang="en-US" sz="1200" dirty="0" smtClean="0">
+              <a:rPr lang="en-US" sz="1600" b="1" dirty="0" smtClean="0">
                 <a:solidFill>
                   <a:sysClr val="windowText" lastClr="000000"/>
                 </a:solidFill>
               </a:rPr>
               <a:t>Transmission Latency</a:t>
             </a:r>
-            <a:endParaRPr lang="en-US" sz="1200" dirty="0">
+            <a:endParaRPr lang="en-US" sz="1600" b="1" dirty="0">
               <a:solidFill>
                 <a:sysClr val="windowText" lastClr="000000"/>
               </a:solidFill>
@@ -6523,8 +7192,8 @@
         </p:nvCxnSpPr>
         <p:spPr>
           <a:xfrm flipV="1">
-            <a:off x="5357632" y="2729466"/>
-            <a:ext cx="433568" cy="1"/>
+            <a:off x="5511350" y="2729466"/>
+            <a:ext cx="279849" cy="1"/>
           </a:xfrm>
           <a:prstGeom prst="bentConnector3">
             <a:avLst>
@@ -6564,8 +7233,8 @@
         </p:nvCxnSpPr>
         <p:spPr>
           <a:xfrm flipV="1">
-            <a:off x="2341104" y="2729466"/>
-            <a:ext cx="424005" cy="1"/>
+            <a:off x="2491674" y="2729466"/>
+            <a:ext cx="273435" cy="4902"/>
           </a:xfrm>
           <a:prstGeom prst="straightConnector1">
             <a:avLst/>
@@ -6604,11 +7273,11 @@
         <p:spPr>
           <a:xfrm flipH="1">
             <a:off x="3215574" y="2729466"/>
-            <a:ext cx="5566406" cy="1268013"/>
+            <a:ext cx="5762890" cy="1268013"/>
           </a:xfrm>
           <a:prstGeom prst="bentConnector3">
             <a:avLst>
-              <a:gd name="adj1" fmla="val -4107"/>
+              <a:gd name="adj1" fmla="val -1778"/>
             </a:avLst>
           </a:prstGeom>
           <a:ln w="38100">
@@ -6644,12 +7313,12 @@
         </p:nvCxnSpPr>
         <p:spPr>
           <a:xfrm rot="10800000">
-            <a:off x="360151" y="2729467"/>
-            <a:ext cx="1407625" cy="1268012"/>
+            <a:off x="228601" y="2734369"/>
+            <a:ext cx="1539175" cy="1263111"/>
           </a:xfrm>
           <a:prstGeom prst="bentConnector3">
             <a:avLst>
-              <a:gd name="adj1" fmla="val 116240"/>
+              <a:gd name="adj1" fmla="val 110755"/>
             </a:avLst>
           </a:prstGeom>
           <a:ln w="38100">
@@ -6686,7 +7355,7 @@
         <p:spPr>
           <a:xfrm>
             <a:off x="3877617" y="2729466"/>
-            <a:ext cx="337015" cy="1"/>
+            <a:ext cx="273950" cy="1"/>
           </a:xfrm>
           <a:prstGeom prst="bentConnector3">
             <a:avLst>
@@ -6726,7 +7395,7 @@
             <p:spPr>
               <a:xfrm>
                 <a:off x="4545361" y="1985999"/>
-                <a:ext cx="481542" cy="369332"/>
+                <a:ext cx="464101" cy="338554"/>
               </a:xfrm>
               <a:prstGeom prst="rect">
                 <a:avLst/>
@@ -6749,35 +7418,32 @@
                       <m:sSub>
                         <m:sSubPr>
                           <m:ctrlPr>
-                            <a:rPr lang="en-US" b="0" i="1" dirty="0" smtClean="0">
-                              <a:latin typeface="Cambria Math"/>
+                            <a:rPr lang="en-US" sz="1600" b="1" i="1" dirty="0" smtClean="0">
                               <a:ea typeface="Cambria Math"/>
                             </a:rPr>
                           </m:ctrlPr>
                         </m:sSubPr>
                         <m:e>
                           <m:r>
-                            <a:rPr lang="en-US" b="0" i="1" dirty="0" smtClean="0">
-                              <a:latin typeface="Cambria Math"/>
+                            <a:rPr lang="en-US" sz="1600" b="1" i="1" dirty="0" smtClean="0">
                               <a:ea typeface="Cambria Math"/>
                             </a:rPr>
-                            <m:t>𝜃</m:t>
+                            <m:t>𝜽</m:t>
                           </m:r>
                         </m:e>
                         <m:sub>
                           <m:r>
-                            <a:rPr lang="en-US" b="0" i="1" dirty="0" smtClean="0">
-                              <a:latin typeface="Cambria Math"/>
+                            <a:rPr lang="en-US" sz="1600" b="1" i="1" dirty="0" smtClean="0">
                               <a:ea typeface="Cambria Math"/>
                             </a:rPr>
-                            <m:t>𝑑</m:t>
+                            <m:t>𝒅</m:t>
                           </m:r>
                         </m:sub>
                       </m:sSub>
                     </m:oMath>
                   </m:oMathPara>
                 </a14:m>
-                <a:endParaRPr lang="en-US" dirty="0"/>
+                <a:endParaRPr lang="en-US" sz="1600" b="1" dirty="0"/>
               </a:p>
             </p:txBody>
           </p:sp>
@@ -6821,8 +7487,8 @@
           </p:sp>
         </mc:Fallback>
       </mc:AlternateContent>
-      <mc:AlternateContent xmlns:mc="http://schemas.openxmlformats.org/markup-compatibility/2006" xmlns:a14="http://schemas.microsoft.com/office/drawing/2010/main">
-        <mc:Choice Requires="a14">
+      <mc:AlternateContent xmlns:mc="http://schemas.openxmlformats.org/markup-compatibility/2006">
+        <mc:Choice xmlns:a14="http://schemas.microsoft.com/office/drawing/2010/main" Requires="a14">
           <p:sp>
             <p:nvSpPr>
               <p:cNvPr id="51" name="TextBox 50"/>
@@ -6831,8 +7497,8 @@
             </p:nvSpPr>
             <p:spPr>
               <a:xfrm>
-                <a:off x="7379942" y="2355331"/>
-                <a:ext cx="374140" cy="369332"/>
+                <a:off x="7548894" y="2369080"/>
+                <a:ext cx="359393" cy="338554"/>
               </a:xfrm>
               <a:prstGeom prst="rect">
                 <a:avLst/>
@@ -6853,21 +7519,20 @@
                     </m:oMathParaPr>
                     <m:oMath xmlns:m="http://schemas.openxmlformats.org/officeDocument/2006/math">
                       <m:r>
-                        <a:rPr lang="en-US" i="1" smtClean="0">
-                          <a:latin typeface="Cambria Math"/>
+                        <a:rPr lang="en-US" sz="1600" b="1" i="1" smtClean="0">
                           <a:ea typeface="Cambria Math"/>
                         </a:rPr>
-                        <m:t>𝜃</m:t>
+                        <m:t>𝜽</m:t>
                       </m:r>
                     </m:oMath>
                   </m:oMathPara>
                 </a14:m>
-                <a:endParaRPr lang="en-US" dirty="0"/>
+                <a:endParaRPr lang="en-US" sz="1600" b="1" dirty="0"/>
               </a:p>
             </p:txBody>
           </p:sp>
         </mc:Choice>
-        <mc:Fallback xmlns="">
+        <mc:Fallback>
           <p:sp>
             <p:nvSpPr>
               <p:cNvPr id="51" name="TextBox 50"/>
@@ -6878,8 +7543,8 @@
             </p:nvSpPr>
             <p:spPr>
               <a:xfrm>
-                <a:off x="7379942" y="2355331"/>
-                <a:ext cx="374140" cy="369332"/>
+                <a:off x="7548894" y="2369080"/>
+                <a:ext cx="359393" cy="338554"/>
               </a:xfrm>
               <a:prstGeom prst="rect">
                 <a:avLst/>
@@ -6906,8 +7571,8 @@
           </p:sp>
         </mc:Fallback>
       </mc:AlternateContent>
-      <mc:AlternateContent xmlns:mc="http://schemas.openxmlformats.org/markup-compatibility/2006" xmlns:a14="http://schemas.microsoft.com/office/drawing/2010/main">
-        <mc:Choice Requires="a14">
+      <mc:AlternateContent xmlns:mc="http://schemas.openxmlformats.org/markup-compatibility/2006">
+        <mc:Choice xmlns:a14="http://schemas.microsoft.com/office/drawing/2010/main" Requires="a14">
           <p:sp>
             <p:nvSpPr>
               <p:cNvPr id="52" name="TextBox 51"/>
@@ -6917,7 +7582,7 @@
             <p:spPr>
               <a:xfrm>
                 <a:off x="6906717" y="4005088"/>
-                <a:ext cx="588366" cy="369332"/>
+                <a:ext cx="549061" cy="338554"/>
               </a:xfrm>
               <a:prstGeom prst="rect">
                 <a:avLst/>
@@ -6938,35 +7603,32 @@
                     </m:oMathParaPr>
                     <m:oMath xmlns:m="http://schemas.openxmlformats.org/officeDocument/2006/math">
                       <m:r>
-                        <a:rPr lang="en-US" b="0" i="1" smtClean="0">
-                          <a:latin typeface="Cambria Math"/>
+                        <a:rPr lang="en-US" sz="1600" b="1" i="1" smtClean="0">
                           <a:ea typeface="Cambria Math"/>
                         </a:rPr>
-                        <m:t>𝑥</m:t>
+                        <m:t>𝒙</m:t>
                       </m:r>
                       <m:r>
-                        <a:rPr lang="en-US" b="0" i="1" smtClean="0">
-                          <a:latin typeface="Cambria Math"/>
+                        <a:rPr lang="en-US" sz="1600" b="1" i="1" smtClean="0">
                           <a:ea typeface="Cambria Math"/>
                         </a:rPr>
                         <m:t>,</m:t>
                       </m:r>
                       <m:r>
-                        <a:rPr lang="en-US" b="0" i="1" smtClean="0">
-                          <a:latin typeface="Cambria Math"/>
+                        <a:rPr lang="en-US" sz="1600" b="1" i="1" smtClean="0">
                           <a:ea typeface="Cambria Math"/>
                         </a:rPr>
-                        <m:t>𝑦</m:t>
+                        <m:t>𝒚</m:t>
                       </m:r>
                     </m:oMath>
                   </m:oMathPara>
                 </a14:m>
-                <a:endParaRPr lang="en-US" dirty="0"/>
+                <a:endParaRPr lang="en-US" sz="1600" b="1" dirty="0"/>
               </a:p>
             </p:txBody>
           </p:sp>
         </mc:Choice>
-        <mc:Fallback xmlns="">
+        <mc:Fallback>
           <p:sp>
             <p:nvSpPr>
               <p:cNvPr id="52" name="TextBox 51"/>
@@ -6978,7 +7640,7 @@
             <p:spPr>
               <a:xfrm>
                 <a:off x="6906717" y="4005088"/>
-                <a:ext cx="588366" cy="369332"/>
+                <a:ext cx="549061" cy="338554"/>
               </a:xfrm>
               <a:prstGeom prst="rect">
                 <a:avLst/>
@@ -6986,7 +7648,7 @@
               <a:blipFill rotWithShape="1">
                 <a:blip r:embed="rId9"/>
                 <a:stretch>
-                  <a:fillRect b="-4918"/>
+                  <a:fillRect b="-1786"/>
                 </a:stretch>
               </a:blipFill>
             </p:spPr>
@@ -7005,8 +7667,8 @@
           </p:sp>
         </mc:Fallback>
       </mc:AlternateContent>
-      <mc:AlternateContent xmlns:mc="http://schemas.openxmlformats.org/markup-compatibility/2006" xmlns:a14="http://schemas.microsoft.com/office/drawing/2010/main">
-        <mc:Choice Requires="a14">
+      <mc:AlternateContent xmlns:mc="http://schemas.openxmlformats.org/markup-compatibility/2006">
+        <mc:Choice xmlns:a14="http://schemas.microsoft.com/office/drawing/2010/main" Requires="a14">
           <p:sp>
             <p:nvSpPr>
               <p:cNvPr id="54" name="TextBox 53"/>
@@ -7015,8 +7677,8 @@
             </p:nvSpPr>
             <p:spPr>
               <a:xfrm>
-                <a:off x="2390969" y="2275466"/>
-                <a:ext cx="374140" cy="369332"/>
+                <a:off x="2438267" y="2370062"/>
+                <a:ext cx="364202" cy="338554"/>
               </a:xfrm>
               <a:prstGeom prst="rect">
                 <a:avLst/>
@@ -7037,21 +7699,20 @@
                     </m:oMathParaPr>
                     <m:oMath xmlns:m="http://schemas.openxmlformats.org/officeDocument/2006/math">
                       <m:r>
-                        <a:rPr lang="en-US" b="0" i="1" smtClean="0">
-                          <a:latin typeface="Cambria Math"/>
+                        <a:rPr lang="en-US" sz="1600" b="1" i="1" smtClean="0">
                           <a:ea typeface="Cambria Math"/>
                         </a:rPr>
-                        <m:t>𝑢</m:t>
+                        <m:t>𝒖</m:t>
                       </m:r>
                     </m:oMath>
                   </m:oMathPara>
                 </a14:m>
-                <a:endParaRPr lang="en-US" dirty="0"/>
+                <a:endParaRPr lang="en-US" sz="1600" b="1" dirty="0"/>
               </a:p>
             </p:txBody>
           </p:sp>
         </mc:Choice>
-        <mc:Fallback xmlns="">
+        <mc:Fallback>
           <p:sp>
             <p:nvSpPr>
               <p:cNvPr id="54" name="TextBox 53"/>
@@ -7062,8 +7723,8 @@
             </p:nvSpPr>
             <p:spPr>
               <a:xfrm>
-                <a:off x="2390969" y="2275466"/>
-                <a:ext cx="374140" cy="369332"/>
+                <a:off x="2438267" y="2370062"/>
+                <a:ext cx="364202" cy="338554"/>
               </a:xfrm>
               <a:prstGeom prst="rect">
                 <a:avLst/>
@@ -7122,8 +7783,8 @@
         </p:nvSpPr>
         <p:spPr>
           <a:xfrm>
-            <a:off x="5486400" y="1524000"/>
-            <a:ext cx="3429000" cy="2133600"/>
+            <a:off x="5574416" y="1524000"/>
+            <a:ext cx="3569584" cy="2133600"/>
           </a:xfrm>
           <a:prstGeom prst="rect">
             <a:avLst/>
@@ -7169,8 +7830,8 @@
         </p:nvSpPr>
         <p:spPr>
           <a:xfrm>
-            <a:off x="64282" y="2036800"/>
-            <a:ext cx="3953934" cy="2992400"/>
+            <a:off x="0" y="2036800"/>
+            <a:ext cx="4018216" cy="2992400"/>
           </a:xfrm>
           <a:prstGeom prst="rect">
             <a:avLst/>
@@ -7219,7 +7880,7 @@
             <p:spPr>
               <a:xfrm>
                 <a:off x="728314" y="3972822"/>
-                <a:ext cx="588366" cy="369332"/>
+                <a:ext cx="549061" cy="338554"/>
               </a:xfrm>
               <a:prstGeom prst="rect">
                 <a:avLst/>
@@ -7240,30 +7901,27 @@
                     </m:oMathParaPr>
                     <m:oMath xmlns:m="http://schemas.openxmlformats.org/officeDocument/2006/math">
                       <m:r>
-                        <a:rPr lang="en-US" b="0" i="1" smtClean="0">
-                          <a:latin typeface="Cambria Math"/>
+                        <a:rPr lang="en-US" sz="1600" b="1" i="1" smtClean="0">
                           <a:ea typeface="Cambria Math"/>
                         </a:rPr>
-                        <m:t>𝑥</m:t>
+                        <m:t>𝒙</m:t>
                       </m:r>
                       <m:r>
-                        <a:rPr lang="en-US" b="0" i="1" smtClean="0">
-                          <a:latin typeface="Cambria Math"/>
+                        <a:rPr lang="en-US" sz="1600" b="1" i="1" smtClean="0">
                           <a:ea typeface="Cambria Math"/>
                         </a:rPr>
                         <m:t>,</m:t>
                       </m:r>
                       <m:r>
-                        <a:rPr lang="en-US" b="0" i="1" smtClean="0">
-                          <a:latin typeface="Cambria Math"/>
+                        <a:rPr lang="en-US" sz="1600" b="1" i="1" smtClean="0">
                           <a:ea typeface="Cambria Math"/>
                         </a:rPr>
-                        <m:t>𝑦</m:t>
+                        <m:t>𝒚</m:t>
                       </m:r>
                     </m:oMath>
                   </m:oMathPara>
                 </a14:m>
-                <a:endParaRPr lang="en-US" dirty="0"/>
+                <a:endParaRPr lang="en-US" sz="1600" b="1" dirty="0"/>
               </a:p>
             </p:txBody>
           </p:sp>
@@ -7316,7 +7974,7 @@
         <p:spPr>
           <a:xfrm>
             <a:off x="1236701" y="4572000"/>
-            <a:ext cx="1609095" cy="369332"/>
+            <a:ext cx="1639423" cy="369332"/>
           </a:xfrm>
           <a:prstGeom prst="rect">
             <a:avLst/>
@@ -7330,10 +7988,10 @@
           <a:lstStyle/>
           <a:p>
             <a:r>
-              <a:rPr lang="en-US" dirty="0" smtClean="0"/>
+              <a:rPr lang="en-US" b="1" dirty="0" smtClean="0"/>
               <a:t>Ground Station</a:t>
             </a:r>
-            <a:endParaRPr lang="en-US" dirty="0"/>
+            <a:endParaRPr lang="en-US" b="1" dirty="0"/>
           </a:p>
         </p:txBody>
       </p:sp>
@@ -7346,7 +8004,7 @@
         <p:spPr>
           <a:xfrm>
             <a:off x="6808773" y="1616667"/>
-            <a:ext cx="784254" cy="369332"/>
+            <a:ext cx="797398" cy="369332"/>
           </a:xfrm>
           <a:prstGeom prst="rect">
             <a:avLst/>
@@ -7360,18 +8018,18 @@
           <a:lstStyle/>
           <a:p>
             <a:r>
-              <a:rPr lang="en-US" dirty="0" smtClean="0"/>
+              <a:rPr lang="en-US" b="1" dirty="0" smtClean="0"/>
               <a:t>H</a:t>
             </a:r>
             <a:r>
-              <a:rPr lang="en-US" baseline="30000" dirty="0" smtClean="0"/>
+              <a:rPr lang="en-US" b="1" baseline="30000" dirty="0" smtClean="0"/>
               <a:t>2</a:t>
             </a:r>
             <a:r>
-              <a:rPr lang="en-US" dirty="0" smtClean="0"/>
+              <a:rPr lang="en-US" b="1" dirty="0" smtClean="0"/>
               <a:t>Bird</a:t>
             </a:r>
-            <a:endParaRPr lang="en-US" dirty="0"/>
+            <a:endParaRPr lang="en-US" b="1" dirty="0"/>
           </a:p>
         </p:txBody>
       </p:sp>
@@ -7403,124 +8061,117 @@
           <a:lstStyle/>
           <a:p>
             <a:r>
-              <a:rPr lang="en-US" i="1" dirty="0" err="1" smtClean="0"/>
+              <a:rPr lang="en-US" b="1" i="1" dirty="0" err="1" smtClean="0"/>
               <a:t>x,y</a:t>
             </a:r>
             <a:r>
-              <a:rPr lang="en-US" dirty="0" smtClean="0"/>
+              <a:rPr lang="en-US" b="1" dirty="0" smtClean="0"/>
               <a:t> – H</a:t>
             </a:r>
             <a:r>
-              <a:rPr lang="en-US" baseline="30000" dirty="0" smtClean="0"/>
+              <a:rPr lang="en-US" b="1" baseline="30000" dirty="0" smtClean="0"/>
               <a:t>2</a:t>
             </a:r>
             <a:r>
-              <a:rPr lang="en-US" dirty="0" smtClean="0"/>
+              <a:rPr lang="en-US" b="1" dirty="0" smtClean="0"/>
               <a:t>Bird location in camera frame in pixels</a:t>
             </a:r>
           </a:p>
           <a:p>
             <a:r>
-              <a:rPr lang="en-US" i="1" dirty="0" smtClean="0"/>
+              <a:rPr lang="en-US" b="1" i="1" dirty="0" smtClean="0"/>
               <a:t>v</a:t>
             </a:r>
             <a:r>
-              <a:rPr lang="en-US" dirty="0" smtClean="0"/>
+              <a:rPr lang="en-US" b="1" dirty="0" smtClean="0"/>
               <a:t> – H</a:t>
             </a:r>
             <a:r>
-              <a:rPr lang="en-US" baseline="30000" dirty="0" smtClean="0"/>
+              <a:rPr lang="en-US" b="1" baseline="30000" dirty="0" smtClean="0"/>
               <a:t>2</a:t>
             </a:r>
             <a:r>
-              <a:rPr lang="en-US" dirty="0" smtClean="0"/>
+              <a:rPr lang="en-US" b="1" dirty="0" smtClean="0"/>
               <a:t>Bird forward velocity</a:t>
             </a:r>
           </a:p>
           <a:p>
             <a:r>
-              <a:rPr lang="en-US" dirty="0" smtClean="0">
-                <a:latin typeface="Cambria Math"/>
+              <a:rPr lang="en-US" b="1" dirty="0" smtClean="0">
                 <a:ea typeface="Cambria Math"/>
               </a:rPr>
               <a:t>𝛳 – </a:t>
             </a:r>
             <a:r>
-              <a:rPr lang="en-US" dirty="0" smtClean="0"/>
+              <a:rPr lang="en-US" b="1" dirty="0" smtClean="0"/>
               <a:t>H</a:t>
             </a:r>
             <a:r>
-              <a:rPr lang="en-US" baseline="30000" dirty="0" smtClean="0"/>
+              <a:rPr lang="en-US" b="1" baseline="30000" dirty="0" smtClean="0"/>
               <a:t>2</a:t>
             </a:r>
             <a:r>
-              <a:rPr lang="en-US" dirty="0" smtClean="0"/>
+              <a:rPr lang="en-US" b="1" dirty="0" smtClean="0"/>
               <a:t>Bird heading</a:t>
             </a:r>
           </a:p>
           <a:p>
             <a:r>
-              <a:rPr lang="en-US" dirty="0" smtClean="0">
-                <a:latin typeface="Cambria Math"/>
+              <a:rPr lang="en-US" b="1" dirty="0" smtClean="0">
                 <a:ea typeface="Cambria Math"/>
               </a:rPr>
               <a:t>𝛳</a:t>
             </a:r>
             <a:r>
-              <a:rPr lang="en-US" baseline="-25000" dirty="0" smtClean="0">
-                <a:latin typeface="Cambria Math"/>
+              <a:rPr lang="en-US" b="1" baseline="-25000" dirty="0" smtClean="0">
                 <a:ea typeface="Cambria Math"/>
               </a:rPr>
               <a:t>d</a:t>
             </a:r>
             <a:r>
-              <a:rPr lang="en-US" dirty="0" smtClean="0">
-                <a:latin typeface="Cambria Math"/>
+              <a:rPr lang="en-US" b="1" dirty="0" smtClean="0">
                 <a:ea typeface="Cambria Math"/>
               </a:rPr>
               <a:t> </a:t>
             </a:r>
             <a:r>
-              <a:rPr lang="en-US" dirty="0">
-                <a:latin typeface="Cambria Math"/>
+              <a:rPr lang="en-US" b="1" dirty="0">
                 <a:ea typeface="Cambria Math"/>
               </a:rPr>
               <a:t>– </a:t>
             </a:r>
             <a:r>
-              <a:rPr lang="en-US" dirty="0" smtClean="0">
-                <a:latin typeface="Cambria Math"/>
+              <a:rPr lang="en-US" b="1" dirty="0" smtClean="0">
                 <a:ea typeface="Cambria Math"/>
               </a:rPr>
               <a:t>desired </a:t>
             </a:r>
             <a:r>
-              <a:rPr lang="en-US" dirty="0" smtClean="0"/>
+              <a:rPr lang="en-US" b="1" dirty="0" smtClean="0"/>
               <a:t>H</a:t>
             </a:r>
             <a:r>
-              <a:rPr lang="en-US" baseline="30000" dirty="0" smtClean="0"/>
+              <a:rPr lang="en-US" b="1" baseline="30000" dirty="0" smtClean="0"/>
               <a:t>2</a:t>
             </a:r>
             <a:r>
-              <a:rPr lang="en-US" dirty="0" smtClean="0"/>
+              <a:rPr lang="en-US" b="1" dirty="0" smtClean="0"/>
               <a:t>Bird heading</a:t>
             </a:r>
           </a:p>
           <a:p>
             <a:r>
-              <a:rPr lang="en-US" i="1" dirty="0" smtClean="0"/>
+              <a:rPr lang="en-US" b="1" i="1" dirty="0" smtClean="0"/>
               <a:t>u</a:t>
             </a:r>
             <a:r>
-              <a:rPr lang="en-US" dirty="0" smtClean="0"/>
+              <a:rPr lang="en-US" b="1" dirty="0" smtClean="0"/>
               <a:t> – geometrically computed heading input</a:t>
             </a:r>
           </a:p>
           <a:p>
             <a:r>
-              <a:rPr lang="en-US" dirty="0" smtClean="0">
-                <a:latin typeface="Cambria Math"/>
+              <a:rPr lang="en-US" b="1" dirty="0" smtClean="0">
                 <a:ea typeface="Cambria Math"/>
               </a:rPr>
               <a:t>𝜙 – viewing angle of camera</a:t>
@@ -7528,18 +8179,18 @@
           </a:p>
           <a:p>
             <a:r>
-              <a:rPr lang="en-US" i="1" dirty="0" smtClean="0"/>
+              <a:rPr lang="en-US" b="1" i="1" dirty="0" smtClean="0"/>
               <a:t>w</a:t>
             </a:r>
             <a:r>
-              <a:rPr lang="en-US" dirty="0"/>
+              <a:rPr lang="en-US" b="1" dirty="0"/>
               <a:t> </a:t>
             </a:r>
             <a:r>
-              <a:rPr lang="en-US" dirty="0" smtClean="0"/>
+              <a:rPr lang="en-US" b="1" dirty="0" smtClean="0"/>
               <a:t>– width of camera frame in pixels</a:t>
             </a:r>
-            <a:endParaRPr lang="en-US" i="1" dirty="0"/>
+            <a:endParaRPr lang="en-US" b="1" i="1" dirty="0"/>
           </a:p>
         </p:txBody>
       </p:sp>
@@ -7597,14 +8248,14 @@
           <a:p>
             <a:r>
               <a:rPr lang="en-US" dirty="0" smtClean="0"/>
-              <a:t>Identification Methods</a:t>
+              <a:t>System Model</a:t>
             </a:r>
             <a:endParaRPr lang="en-US" dirty="0"/>
           </a:p>
         </p:txBody>
       </p:sp>
-      <mc:AlternateContent xmlns:mc="http://schemas.openxmlformats.org/markup-compatibility/2006" xmlns:a14="http://schemas.microsoft.com/office/drawing/2010/main">
-        <mc:Choice Requires="a14">
+      <mc:AlternateContent xmlns:mc="http://schemas.openxmlformats.org/markup-compatibility/2006">
+        <mc:Choice xmlns:a14="http://schemas.microsoft.com/office/drawing/2010/main" Requires="a14">
           <p:sp>
             <p:nvSpPr>
               <p:cNvPr id="4" name="Rectangle 3"/>
@@ -7613,8 +8264,8 @@
             </p:nvSpPr>
             <p:spPr>
               <a:xfrm>
-                <a:off x="7787949" y="2355331"/>
-                <a:ext cx="994031" cy="748269"/>
+                <a:off x="7851013" y="2355331"/>
+                <a:ext cx="1127451" cy="748269"/>
               </a:xfrm>
               <a:prstGeom prst="rect">
                 <a:avLst/>
@@ -7666,11 +8317,10 @@
                             </m:mc>
                           </m:mcs>
                           <m:ctrlPr>
-                            <a:rPr lang="en-US" sz="1200" i="1" smtClean="0">
+                            <a:rPr lang="en-US" sz="1600" b="1" i="1" smtClean="0">
                               <a:solidFill>
                                 <a:sysClr val="windowText" lastClr="000000"/>
                               </a:solidFill>
-                              <a:latin typeface="Cambria Math"/>
                             </a:rPr>
                           </m:ctrlPr>
                         </m:mPr>
@@ -7680,23 +8330,21 @@
                               <m:accPr>
                                 <m:chr m:val="̇"/>
                                 <m:ctrlPr>
-                                  <a:rPr lang="en-US" sz="1200" i="1" smtClean="0">
+                                  <a:rPr lang="en-US" sz="1600" b="1" i="1" smtClean="0">
                                     <a:solidFill>
                                       <a:sysClr val="windowText" lastClr="000000"/>
                                     </a:solidFill>
-                                    <a:latin typeface="Cambria Math"/>
                                   </a:rPr>
                                 </m:ctrlPr>
                               </m:accPr>
                               <m:e>
                                 <m:r>
-                                  <a:rPr lang="en-US" sz="1200" b="0" i="1" smtClean="0">
+                                  <a:rPr lang="en-US" sz="1600" b="1" i="1" smtClean="0">
                                     <a:solidFill>
                                       <a:sysClr val="windowText" lastClr="000000"/>
                                     </a:solidFill>
-                                    <a:latin typeface="Cambria Math"/>
                                   </a:rPr>
-                                  <m:t>𝑥</m:t>
+                                  <m:t>𝒙</m:t>
                                 </m:r>
                               </m:e>
                             </m:acc>
@@ -7704,71 +8352,61 @@
                               <m:rPr>
                                 <m:brk m:alnAt="7"/>
                               </m:rPr>
-                              <a:rPr lang="en-US" sz="1200" b="0" i="1" smtClean="0">
+                              <a:rPr lang="en-US" sz="1600" b="1" i="1" smtClean="0">
                                 <a:solidFill>
                                   <a:sysClr val="windowText" lastClr="000000"/>
                                 </a:solidFill>
-                                <a:latin typeface="Cambria Math"/>
                               </a:rPr>
                               <m:t>=</m:t>
                             </m:r>
                             <m:r>
-                              <a:rPr lang="en-US" sz="1200" b="0" i="1" smtClean="0">
+                              <a:rPr lang="en-US" sz="1600" b="1" i="1" smtClean="0">
                                 <a:solidFill>
                                   <a:sysClr val="windowText" lastClr="000000"/>
                                 </a:solidFill>
-                                <a:latin typeface="Cambria Math"/>
                               </a:rPr>
-                              <m:t>𝑣</m:t>
+                              <m:t>𝒗</m:t>
                             </m:r>
                             <m:func>
                               <m:funcPr>
                                 <m:ctrlPr>
-                                  <a:rPr lang="en-US" sz="1200" b="0" i="1" smtClean="0">
+                                  <a:rPr lang="en-US" sz="1600" b="1" i="1" smtClean="0">
                                     <a:solidFill>
                                       <a:sysClr val="windowText" lastClr="000000"/>
                                     </a:solidFill>
-                                    <a:latin typeface="Cambria Math"/>
                                   </a:rPr>
                                 </m:ctrlPr>
                               </m:funcPr>
                               <m:fName>
                                 <m:r>
                                   <m:rPr>
-                                    <m:sty m:val="p"/>
                                     <m:brk m:alnAt="7"/>
                                   </m:rPr>
-                                  <a:rPr lang="en-US" sz="1200" b="0" i="0" smtClean="0">
+                                  <a:rPr lang="en-US" sz="1600" b="1" i="0" smtClean="0">
                                     <a:solidFill>
                                       <a:sysClr val="windowText" lastClr="000000"/>
                                     </a:solidFill>
-                                    <a:latin typeface="Cambria Math"/>
                                   </a:rPr>
-                                  <m:t>s</m:t>
+                                  <m:t>𝐬</m:t>
                                 </m:r>
                                 <m:r>
-                                  <m:rPr>
-                                    <m:sty m:val="p"/>
-                                  </m:rPr>
-                                  <a:rPr lang="en-US" sz="1200" b="0" i="0" smtClean="0">
+                                  <a:rPr lang="en-US" sz="1600" b="1" i="0" smtClean="0">
                                     <a:solidFill>
                                       <a:sysClr val="windowText" lastClr="000000"/>
                                     </a:solidFill>
-                                    <a:latin typeface="Cambria Math"/>
                                   </a:rPr>
-                                  <m:t>in</m:t>
+                                  <m:t>𝐢𝐧</m:t>
                                 </m:r>
                               </m:fName>
                               <m:e>
                                 <m:r>
-                                  <a:rPr lang="en-US" sz="1200" b="0" i="1" smtClean="0">
+                                  <a:rPr lang="en-US" sz="1600" b="1" i="1" smtClean="0">
                                     <a:solidFill>
                                       <a:sysClr val="windowText" lastClr="000000"/>
                                     </a:solidFill>
-                                    <a:latin typeface="Cambria Math"/>
                                     <a:ea typeface="Cambria Math"/>
                                   </a:rPr>
-                                  <m:t>𝜃</m:t>
+                                  <m:t>𝜽</m:t>
                                 </m:r>
                               </m:e>
                             </m:func>
@@ -7780,23 +8418,21 @@
                               <m:accPr>
                                 <m:chr m:val="̇"/>
                                 <m:ctrlPr>
-                                  <a:rPr lang="en-US" sz="1200" i="1" smtClean="0">
+                                  <a:rPr lang="en-US" sz="1600" b="1" i="1" smtClean="0">
                                     <a:solidFill>
                                       <a:sysClr val="windowText" lastClr="000000"/>
                                     </a:solidFill>
-                                    <a:latin typeface="Cambria Math"/>
                                   </a:rPr>
                                 </m:ctrlPr>
                               </m:accPr>
                               <m:e>
                                 <m:r>
-                                  <a:rPr lang="en-US" sz="1200" b="0" i="1" smtClean="0">
+                                  <a:rPr lang="en-US" sz="1600" b="1" i="1" smtClean="0">
                                     <a:solidFill>
                                       <a:sysClr val="windowText" lastClr="000000"/>
                                     </a:solidFill>
-                                    <a:latin typeface="Cambria Math"/>
                                   </a:rPr>
-                                  <m:t>𝑦</m:t>
+                                  <m:t>𝒚</m:t>
                                 </m:r>
                               </m:e>
                             </m:acc>
@@ -7804,71 +8440,61 @@
                               <m:rPr>
                                 <m:brk m:alnAt="7"/>
                               </m:rPr>
-                              <a:rPr lang="en-US" sz="1200" b="0" i="1" smtClean="0">
+                              <a:rPr lang="en-US" sz="1600" b="1" i="1" smtClean="0">
                                 <a:solidFill>
                                   <a:sysClr val="windowText" lastClr="000000"/>
                                 </a:solidFill>
-                                <a:latin typeface="Cambria Math"/>
                               </a:rPr>
                               <m:t>=</m:t>
                             </m:r>
                             <m:r>
-                              <a:rPr lang="en-US" sz="1200" b="0" i="1" smtClean="0">
+                              <a:rPr lang="en-US" sz="1600" b="1" i="1" smtClean="0">
                                 <a:solidFill>
                                   <a:sysClr val="windowText" lastClr="000000"/>
                                 </a:solidFill>
-                                <a:latin typeface="Cambria Math"/>
                               </a:rPr>
-                              <m:t>𝑣</m:t>
+                              <m:t>𝒗</m:t>
                             </m:r>
                             <m:func>
                               <m:funcPr>
                                 <m:ctrlPr>
-                                  <a:rPr lang="en-US" sz="1200" b="0" i="1" smtClean="0">
+                                  <a:rPr lang="en-US" sz="1600" b="1" i="1" smtClean="0">
                                     <a:solidFill>
                                       <a:sysClr val="windowText" lastClr="000000"/>
                                     </a:solidFill>
-                                    <a:latin typeface="Cambria Math"/>
                                   </a:rPr>
                                 </m:ctrlPr>
                               </m:funcPr>
                               <m:fName>
                                 <m:r>
                                   <m:rPr>
-                                    <m:sty m:val="p"/>
                                     <m:brk m:alnAt="7"/>
                                   </m:rPr>
-                                  <a:rPr lang="en-US" sz="1200" b="0" i="0" smtClean="0">
+                                  <a:rPr lang="en-US" sz="1600" b="1" i="0" smtClean="0">
                                     <a:solidFill>
                                       <a:sysClr val="windowText" lastClr="000000"/>
                                     </a:solidFill>
-                                    <a:latin typeface="Cambria Math"/>
                                   </a:rPr>
-                                  <m:t>c</m:t>
+                                  <m:t>𝐜</m:t>
                                 </m:r>
                                 <m:r>
-                                  <m:rPr>
-                                    <m:sty m:val="p"/>
-                                  </m:rPr>
-                                  <a:rPr lang="en-US" sz="1200" b="0" i="0" smtClean="0">
+                                  <a:rPr lang="en-US" sz="1600" b="1" i="0" smtClean="0">
                                     <a:solidFill>
                                       <a:sysClr val="windowText" lastClr="000000"/>
                                     </a:solidFill>
-                                    <a:latin typeface="Cambria Math"/>
                                   </a:rPr>
-                                  <m:t>os</m:t>
+                                  <m:t>𝐨𝐬</m:t>
                                 </m:r>
                               </m:fName>
                               <m:e>
                                 <m:r>
-                                  <a:rPr lang="en-US" sz="1200" b="0" i="1" smtClean="0">
+                                  <a:rPr lang="en-US" sz="1600" b="1" i="1" smtClean="0">
                                     <a:solidFill>
                                       <a:sysClr val="windowText" lastClr="000000"/>
                                     </a:solidFill>
-                                    <a:latin typeface="Cambria Math"/>
                                     <a:ea typeface="Cambria Math"/>
                                   </a:rPr>
-                                  <m:t>𝜃</m:t>
+                                  <m:t>𝜽</m:t>
                                 </m:r>
                               </m:e>
                             </m:func>
@@ -7878,7 +8504,7 @@
                     </m:oMath>
                   </m:oMathPara>
                 </a14:m>
-                <a:endParaRPr lang="en-US" sz="1200" dirty="0">
+                <a:endParaRPr lang="en-US" sz="1600" b="1" dirty="0">
                   <a:solidFill>
                     <a:sysClr val="windowText" lastClr="000000"/>
                   </a:solidFill>
@@ -7887,7 +8513,7 @@
             </p:txBody>
           </p:sp>
         </mc:Choice>
-        <mc:Fallback xmlns="">
+        <mc:Fallback>
           <p:sp>
             <p:nvSpPr>
               <p:cNvPr id="4" name="Rectangle 3"/>
@@ -7898,8 +8524,8 @@
             </p:nvSpPr>
             <p:spPr>
               <a:xfrm>
-                <a:off x="7787949" y="2355331"/>
-                <a:ext cx="994031" cy="748269"/>
+                <a:off x="7851013" y="2355331"/>
+                <a:ext cx="1127451" cy="748269"/>
               </a:xfrm>
               <a:prstGeom prst="rect">
                 <a:avLst/>
@@ -7907,7 +8533,7 @@
               <a:blipFill rotWithShape="1">
                 <a:blip r:embed="rId3"/>
                 <a:stretch>
-                  <a:fillRect/>
+                  <a:fillRect l="-1571"/>
                 </a:stretch>
               </a:blipFill>
               <a:ln w="38100">
@@ -7931,8 +8557,8 @@
           </p:sp>
         </mc:Fallback>
       </mc:AlternateContent>
-      <mc:AlternateContent xmlns:mc="http://schemas.openxmlformats.org/markup-compatibility/2006" xmlns:a14="http://schemas.microsoft.com/office/drawing/2010/main">
-        <mc:Choice Requires="a14">
+      <mc:AlternateContent xmlns:mc="http://schemas.openxmlformats.org/markup-compatibility/2006">
+        <mc:Choice xmlns:a14="http://schemas.microsoft.com/office/drawing/2010/main" Requires="a14">
           <p:sp>
             <p:nvSpPr>
               <p:cNvPr id="5" name="Rectangle 4"/>
@@ -7941,8 +8567,8 @@
             </p:nvSpPr>
             <p:spPr>
               <a:xfrm>
-                <a:off x="5791200" y="2355331"/>
-                <a:ext cx="1540199" cy="748269"/>
+                <a:off x="5791199" y="2355331"/>
+                <a:ext cx="1814971" cy="748269"/>
               </a:xfrm>
               <a:prstGeom prst="rect">
                 <a:avLst/>
@@ -7984,46 +8610,42 @@
                     </m:oMathParaPr>
                     <m:oMath xmlns:m="http://schemas.openxmlformats.org/officeDocument/2006/math">
                       <m:r>
-                        <a:rPr lang="en-US" sz="1200" i="1" smtClean="0">
+                        <a:rPr lang="en-US" sz="1600" b="1" i="1" smtClean="0">
                           <a:solidFill>
                             <a:sysClr val="windowText" lastClr="000000"/>
                           </a:solidFill>
-                          <a:latin typeface="Cambria Math"/>
                           <a:ea typeface="Cambria Math"/>
                         </a:rPr>
-                        <m:t>𝜃</m:t>
+                        <m:t>𝜽</m:t>
                       </m:r>
                       <m:d>
                         <m:dPr>
                           <m:ctrlPr>
-                            <a:rPr lang="en-US" sz="1200" b="0" i="1" smtClean="0">
+                            <a:rPr lang="en-US" sz="1600" b="1" i="1" smtClean="0">
                               <a:solidFill>
                                 <a:sysClr val="windowText" lastClr="000000"/>
                               </a:solidFill>
-                              <a:latin typeface="Cambria Math"/>
                               <a:ea typeface="Cambria Math"/>
                             </a:rPr>
                           </m:ctrlPr>
                         </m:dPr>
                         <m:e>
                           <m:r>
-                            <a:rPr lang="en-US" sz="1200" b="0" i="1" smtClean="0">
+                            <a:rPr lang="en-US" sz="1600" b="1" i="1" smtClean="0">
                               <a:solidFill>
                                 <a:sysClr val="windowText" lastClr="000000"/>
                               </a:solidFill>
-                              <a:latin typeface="Cambria Math"/>
                               <a:ea typeface="Cambria Math"/>
                             </a:rPr>
-                            <m:t>𝑠</m:t>
+                            <m:t>𝒔</m:t>
                           </m:r>
                         </m:e>
                       </m:d>
                       <m:r>
-                        <a:rPr lang="en-US" sz="1200" b="0" i="1" smtClean="0">
+                        <a:rPr lang="en-US" sz="1600" b="1" i="1" smtClean="0">
                           <a:solidFill>
                             <a:sysClr val="windowText" lastClr="000000"/>
                           </a:solidFill>
-                          <a:latin typeface="Cambria Math"/>
                           <a:ea typeface="Cambria Math"/>
                         </a:rPr>
                         <m:t>= </m:t>
@@ -8031,113 +8653,112 @@
                       <m:f>
                         <m:fPr>
                           <m:ctrlPr>
-                            <a:rPr lang="en-US" sz="1200" b="0" i="1" smtClean="0">
+                            <a:rPr lang="en-US" sz="1600" b="1" i="1" smtClean="0">
                               <a:solidFill>
                                 <a:sysClr val="windowText" lastClr="000000"/>
                               </a:solidFill>
-                              <a:latin typeface="Cambria Math"/>
                               <a:ea typeface="Cambria Math"/>
                             </a:rPr>
                           </m:ctrlPr>
                         </m:fPr>
                         <m:num>
                           <m:r>
-                            <a:rPr lang="en-US" sz="1200" b="0" i="1" smtClean="0">
+                            <a:rPr lang="en-US" sz="1600" b="1" i="1" smtClean="0">
                               <a:solidFill>
                                 <a:sysClr val="windowText" lastClr="000000"/>
                               </a:solidFill>
-                              <a:latin typeface="Cambria Math"/>
                               <a:ea typeface="Cambria Math"/>
                             </a:rPr>
-                            <m:t>𝐾</m:t>
+                            <m:t>𝑲</m:t>
                           </m:r>
                         </m:num>
                         <m:den>
                           <m:r>
-                            <a:rPr lang="en-US" sz="1200" b="0" i="1" smtClean="0">
+                            <a:rPr lang="en-US" sz="1600" b="1" i="1" smtClean="0">
                               <a:solidFill>
                                 <a:sysClr val="windowText" lastClr="000000"/>
                               </a:solidFill>
-                              <a:latin typeface="Cambria Math"/>
                               <a:ea typeface="Cambria Math"/>
                             </a:rPr>
-                            <m:t>1+</m:t>
+                            <m:t>𝟏</m:t>
                           </m:r>
                           <m:r>
-                            <a:rPr lang="en-US" sz="1200" b="0" i="1" smtClean="0">
+                            <a:rPr lang="en-US" sz="1600" b="1" i="1" smtClean="0">
                               <a:solidFill>
                                 <a:sysClr val="windowText" lastClr="000000"/>
                               </a:solidFill>
-                              <a:latin typeface="Cambria Math"/>
                               <a:ea typeface="Cambria Math"/>
                             </a:rPr>
-                            <m:t>𝑅𝑠</m:t>
+                            <m:t>+</m:t>
+                          </m:r>
+                          <m:r>
+                            <a:rPr lang="en-US" sz="1600" b="1" i="1" smtClean="0">
+                              <a:solidFill>
+                                <a:sysClr val="windowText" lastClr="000000"/>
+                              </a:solidFill>
+                              <a:ea typeface="Cambria Math"/>
+                            </a:rPr>
+                            <m:t>𝑹𝒔</m:t>
                           </m:r>
                         </m:den>
                       </m:f>
                       <m:sSub>
                         <m:sSubPr>
                           <m:ctrlPr>
-                            <a:rPr lang="en-US" sz="1200" b="0" i="1" smtClean="0">
+                            <a:rPr lang="en-US" sz="1600" b="1" i="1" smtClean="0">
                               <a:solidFill>
                                 <a:sysClr val="windowText" lastClr="000000"/>
                               </a:solidFill>
-                              <a:latin typeface="Cambria Math"/>
                               <a:ea typeface="Cambria Math"/>
                             </a:rPr>
                           </m:ctrlPr>
                         </m:sSubPr>
                         <m:e>
                           <m:r>
-                            <a:rPr lang="en-US" sz="1200" b="0" i="1" smtClean="0">
+                            <a:rPr lang="en-US" sz="1600" b="1" i="1" smtClean="0">
                               <a:solidFill>
                                 <a:sysClr val="windowText" lastClr="000000"/>
                               </a:solidFill>
-                              <a:latin typeface="Cambria Math"/>
                               <a:ea typeface="Cambria Math"/>
                             </a:rPr>
-                            <m:t>𝜃</m:t>
+                            <m:t>𝜽</m:t>
                           </m:r>
                         </m:e>
                         <m:sub>
                           <m:r>
-                            <a:rPr lang="en-US" sz="1200" b="0" i="1" smtClean="0">
+                            <a:rPr lang="en-US" sz="1600" b="1" i="1" smtClean="0">
                               <a:solidFill>
                                 <a:sysClr val="windowText" lastClr="000000"/>
                               </a:solidFill>
-                              <a:latin typeface="Cambria Math"/>
                               <a:ea typeface="Cambria Math"/>
                             </a:rPr>
-                            <m:t>𝑑</m:t>
+                            <m:t>𝒅</m:t>
                           </m:r>
                         </m:sub>
                       </m:sSub>
                       <m:r>
-                        <a:rPr lang="en-US" sz="1200" b="0" i="1" smtClean="0">
+                        <a:rPr lang="en-US" sz="1600" b="1" i="1" smtClean="0">
                           <a:solidFill>
                             <a:sysClr val="windowText" lastClr="000000"/>
                           </a:solidFill>
-                          <a:latin typeface="Cambria Math"/>
                           <a:ea typeface="Cambria Math"/>
                         </a:rPr>
                         <m:t>(</m:t>
                       </m:r>
                       <m:r>
-                        <a:rPr lang="en-US" sz="1200" b="0" i="1" smtClean="0">
+                        <a:rPr lang="en-US" sz="1600" b="1" i="1" smtClean="0">
                           <a:solidFill>
                             <a:sysClr val="windowText" lastClr="000000"/>
                           </a:solidFill>
-                          <a:latin typeface="Cambria Math"/>
                           <a:ea typeface="Cambria Math"/>
                         </a:rPr>
-                        <m:t>𝑠</m:t>
+                        <m:t>𝒔</m:t>
                       </m:r>
                       <m:r>
-                        <a:rPr lang="en-US" sz="1200" b="0" i="1" smtClean="0">
+                        <a:rPr lang="en-US" sz="1600" b="1" i="1" smtClean="0">
                           <a:solidFill>
                             <a:sysClr val="windowText" lastClr="000000"/>
                           </a:solidFill>
-                          <a:latin typeface="Cambria Math"/>
                           <a:ea typeface="Cambria Math"/>
                         </a:rPr>
                         <m:t>)</m:t>
@@ -8145,7 +8766,7 @@
                     </m:oMath>
                   </m:oMathPara>
                 </a14:m>
-                <a:endParaRPr lang="en-US" sz="1200" dirty="0">
+                <a:endParaRPr lang="en-US" sz="1600" b="1" dirty="0">
                   <a:solidFill>
                     <a:sysClr val="windowText" lastClr="000000"/>
                   </a:solidFill>
@@ -8154,7 +8775,7 @@
             </p:txBody>
           </p:sp>
         </mc:Choice>
-        <mc:Fallback xmlns="">
+        <mc:Fallback>
           <p:sp>
             <p:nvSpPr>
               <p:cNvPr id="5" name="Rectangle 4"/>
@@ -8165,8 +8786,8 @@
             </p:nvSpPr>
             <p:spPr>
               <a:xfrm>
-                <a:off x="5791200" y="2355331"/>
-                <a:ext cx="1540199" cy="748269"/>
+                <a:off x="5791199" y="2355331"/>
+                <a:ext cx="1814971" cy="748269"/>
               </a:xfrm>
               <a:prstGeom prst="rect">
                 <a:avLst/>
@@ -8209,8 +8830,8 @@
         </p:nvCxnSpPr>
         <p:spPr>
           <a:xfrm>
-            <a:off x="7331399" y="2729466"/>
-            <a:ext cx="456550" cy="0"/>
+            <a:off x="7606170" y="2729466"/>
+            <a:ext cx="244843" cy="0"/>
           </a:xfrm>
           <a:prstGeom prst="straightConnector1">
             <a:avLst/>
@@ -8357,8 +8978,8 @@
             </p:nvSpPr>
             <p:spPr>
               <a:xfrm>
-                <a:off x="360150" y="2355333"/>
-                <a:ext cx="1980954" cy="748267"/>
+                <a:off x="228600" y="2155277"/>
+                <a:ext cx="2263074" cy="1158182"/>
               </a:xfrm>
               <a:prstGeom prst="rect">
                 <a:avLst/>
@@ -8402,54 +9023,50 @@
                     </m:oMathParaPr>
                     <m:oMath xmlns:m="http://schemas.openxmlformats.org/officeDocument/2006/math">
                       <m:r>
-                        <a:rPr lang="en-US" sz="1200" b="0" i="1" smtClean="0">
+                        <a:rPr lang="en-US" sz="1600" b="1" i="1" smtClean="0">
                           <a:solidFill>
                             <a:schemeClr val="bg1">
                               <a:lumMod val="85000"/>
                             </a:schemeClr>
                           </a:solidFill>
-                          <a:latin typeface="Cambria Math"/>
                           <a:ea typeface="Cambria Math"/>
                         </a:rPr>
-                        <m:t>𝑢</m:t>
+                        <m:t>𝒖</m:t>
                       </m:r>
                       <m:d>
                         <m:dPr>
                           <m:ctrlPr>
-                            <a:rPr lang="en-US" sz="1200" b="0" i="1" smtClean="0">
+                            <a:rPr lang="en-US" sz="1600" b="1" i="1" smtClean="0">
                               <a:solidFill>
                                 <a:schemeClr val="bg1">
                                   <a:lumMod val="85000"/>
                                 </a:schemeClr>
                               </a:solidFill>
-                              <a:latin typeface="Cambria Math"/>
                               <a:ea typeface="Cambria Math"/>
                             </a:rPr>
                           </m:ctrlPr>
                         </m:dPr>
                         <m:e>
                           <m:r>
-                            <a:rPr lang="en-US" sz="1200" b="0" i="1" smtClean="0">
+                            <a:rPr lang="en-US" sz="1600" b="1" i="1" smtClean="0">
                               <a:solidFill>
                                 <a:schemeClr val="bg1">
                                   <a:lumMod val="85000"/>
                                 </a:schemeClr>
                               </a:solidFill>
-                              <a:latin typeface="Cambria Math"/>
                               <a:ea typeface="Cambria Math"/>
                             </a:rPr>
-                            <m:t>𝑡</m:t>
+                            <m:t>𝒕</m:t>
                           </m:r>
                         </m:e>
                       </m:d>
                       <m:r>
-                        <a:rPr lang="en-US" sz="1200" b="0" i="1" smtClean="0">
+                        <a:rPr lang="en-US" sz="1600" b="1" i="1" smtClean="0">
                           <a:solidFill>
                             <a:schemeClr val="bg1">
                               <a:lumMod val="85000"/>
                             </a:schemeClr>
                           </a:solidFill>
-                          <a:latin typeface="Cambria Math"/>
                           <a:ea typeface="Cambria Math"/>
                         </a:rPr>
                         <m:t>= </m:t>
@@ -8457,111 +9074,100 @@
                       <m:f>
                         <m:fPr>
                           <m:ctrlPr>
-                            <a:rPr lang="en-US" sz="1200" b="0" i="1" smtClean="0">
+                            <a:rPr lang="en-US" sz="1600" b="1" i="1" smtClean="0">
                               <a:solidFill>
                                 <a:schemeClr val="bg1">
                                   <a:lumMod val="85000"/>
                                 </a:schemeClr>
                               </a:solidFill>
-                              <a:latin typeface="Cambria Math"/>
                               <a:ea typeface="Cambria Math"/>
                             </a:rPr>
                           </m:ctrlPr>
                         </m:fPr>
                         <m:num>
                           <m:r>
-                            <a:rPr lang="en-US" sz="1200" b="0" i="1" smtClean="0">
+                            <a:rPr lang="en-US" sz="1600" b="1" i="1" smtClean="0">
                               <a:solidFill>
                                 <a:schemeClr val="bg1">
                                   <a:lumMod val="85000"/>
                                 </a:schemeClr>
                               </a:solidFill>
-                              <a:latin typeface="Cambria Math"/>
                               <a:ea typeface="Cambria Math"/>
                             </a:rPr>
-                            <m:t>𝑤</m:t>
+                            <m:t>𝒘</m:t>
                           </m:r>
                         </m:num>
                         <m:den>
                           <m:r>
-                            <a:rPr lang="en-US" sz="1200" b="0" i="1" smtClean="0">
+                            <a:rPr lang="en-US" sz="1600" b="1" i="1" smtClean="0">
                               <a:solidFill>
                                 <a:schemeClr val="bg1">
                                   <a:lumMod val="85000"/>
                                 </a:schemeClr>
                               </a:solidFill>
-                              <a:latin typeface="Cambria Math"/>
                               <a:ea typeface="Cambria Math"/>
                             </a:rPr>
-                            <m:t>2</m:t>
+                            <m:t>𝟐</m:t>
                           </m:r>
                           <m:r>
-                            <a:rPr lang="en-US" sz="1200" b="0" i="1" smtClean="0">
+                            <a:rPr lang="en-US" sz="1600" b="1" i="1" smtClean="0">
                               <a:solidFill>
                                 <a:schemeClr val="bg1">
                                   <a:lumMod val="85000"/>
                                 </a:schemeClr>
                               </a:solidFill>
-                              <a:latin typeface="Cambria Math"/>
                               <a:ea typeface="Cambria Math"/>
                             </a:rPr>
-                            <m:t>𝑑</m:t>
+                            <m:t>𝒅</m:t>
                           </m:r>
                           <m:func>
                             <m:funcPr>
                               <m:ctrlPr>
-                                <a:rPr lang="en-US" sz="1200" b="0" i="1" smtClean="0">
+                                <a:rPr lang="en-US" sz="1600" b="1" i="1" smtClean="0">
                                   <a:solidFill>
                                     <a:schemeClr val="bg1">
                                       <a:lumMod val="85000"/>
                                     </a:schemeClr>
                                   </a:solidFill>
-                                  <a:latin typeface="Cambria Math"/>
                                   <a:ea typeface="Cambria Math"/>
                                 </a:rPr>
                               </m:ctrlPr>
                             </m:funcPr>
                             <m:fName>
                               <m:r>
-                                <m:rPr>
-                                  <m:sty m:val="p"/>
-                                </m:rPr>
-                                <a:rPr lang="en-US" sz="1200" b="0" i="0" smtClean="0">
+                                <a:rPr lang="en-US" sz="1600" b="1" i="0" smtClean="0">
                                   <a:solidFill>
                                     <a:schemeClr val="bg1">
                                       <a:lumMod val="85000"/>
                                     </a:schemeClr>
                                   </a:solidFill>
-                                  <a:latin typeface="Cambria Math"/>
                                   <a:ea typeface="Cambria Math"/>
                                 </a:rPr>
-                                <m:t>tan</m:t>
+                                <m:t>𝐭𝐚𝐧</m:t>
                               </m:r>
                             </m:fName>
                             <m:e>
                               <m:f>
                                 <m:fPr>
                                   <m:ctrlPr>
-                                    <a:rPr lang="en-US" sz="1200" b="0" i="1" smtClean="0">
+                                    <a:rPr lang="en-US" sz="1600" b="1" i="1" smtClean="0">
                                       <a:solidFill>
                                         <a:schemeClr val="bg1">
                                           <a:lumMod val="85000"/>
                                         </a:schemeClr>
                                       </a:solidFill>
-                                      <a:latin typeface="Cambria Math"/>
                                       <a:ea typeface="Cambria Math"/>
                                     </a:rPr>
                                   </m:ctrlPr>
                                 </m:fPr>
                                 <m:num>
                                   <m:r>
-                                    <a:rPr lang="en-US" sz="1200" b="0" i="1" smtClean="0">
+                                    <a:rPr lang="en-US" sz="1600" b="1" i="1" smtClean="0">
                                       <a:solidFill>
                                         <a:schemeClr val="bg1">
                                           <a:lumMod val="85000"/>
                                         </a:schemeClr>
                                       </a:solidFill>
-                                      <a:latin typeface="Cambria Math"/>
                                       <a:ea typeface="Cambria Math"/>
                                     </a:rPr>
                                     <m:t>∅</m:t>
@@ -8569,16 +9175,15 @@
                                 </m:num>
                                 <m:den>
                                   <m:r>
-                                    <a:rPr lang="en-US" sz="1200" b="0" i="1" smtClean="0">
+                                    <a:rPr lang="en-US" sz="1600" b="1" i="1" smtClean="0">
                                       <a:solidFill>
                                         <a:schemeClr val="bg1">
                                           <a:lumMod val="85000"/>
                                         </a:schemeClr>
                                       </a:solidFill>
-                                      <a:latin typeface="Cambria Math"/>
                                       <a:ea typeface="Cambria Math"/>
                                     </a:rPr>
-                                    <m:t>2</m:t>
+                                    <m:t>𝟐</m:t>
                                   </m:r>
                                 </m:den>
                               </m:f>
@@ -8587,13 +9192,12 @@
                         </m:den>
                       </m:f>
                       <m:r>
-                        <a:rPr lang="en-US" sz="1200" b="0" i="1" smtClean="0">
+                        <a:rPr lang="en-US" sz="1600" b="1" i="1" smtClean="0">
                           <a:solidFill>
                             <a:schemeClr val="bg1">
                               <a:lumMod val="85000"/>
                             </a:schemeClr>
                           </a:solidFill>
-                          <a:latin typeface="Cambria Math"/>
                           <a:ea typeface="Cambria Math"/>
                         </a:rPr>
                         <m:t>×</m:t>
@@ -8601,26 +9205,24 @@
                       <m:f>
                         <m:fPr>
                           <m:ctrlPr>
-                            <a:rPr lang="en-US" sz="1200" b="0" i="1" smtClean="0">
+                            <a:rPr lang="en-US" sz="1600" b="1" i="1" smtClean="0">
                               <a:solidFill>
                                 <a:schemeClr val="bg1">
                                   <a:lumMod val="85000"/>
                                 </a:schemeClr>
                               </a:solidFill>
-                              <a:latin typeface="Cambria Math"/>
                               <a:ea typeface="Cambria Math"/>
                             </a:rPr>
                           </m:ctrlPr>
                         </m:fPr>
                         <m:num>
                           <m:r>
-                            <a:rPr lang="en-US" sz="1200" b="0" i="1" smtClean="0">
+                            <a:rPr lang="en-US" sz="1600" b="1" i="1" smtClean="0">
                               <a:solidFill>
                                 <a:schemeClr val="bg1">
                                   <a:lumMod val="85000"/>
                                 </a:schemeClr>
                               </a:solidFill>
-                              <a:latin typeface="Cambria Math"/>
                               <a:ea typeface="Cambria Math"/>
                             </a:rPr>
                             <m:t>∅</m:t>
@@ -8628,76 +9230,71 @@
                         </m:num>
                         <m:den>
                           <m:r>
-                            <a:rPr lang="en-US" sz="1200" b="0" i="1" smtClean="0">
+                            <a:rPr lang="en-US" sz="1600" b="1" i="1" smtClean="0">
                               <a:solidFill>
                                 <a:schemeClr val="bg1">
                                   <a:lumMod val="85000"/>
                                 </a:schemeClr>
                               </a:solidFill>
-                              <a:latin typeface="Cambria Math"/>
                               <a:ea typeface="Cambria Math"/>
                             </a:rPr>
-                            <m:t>𝑤</m:t>
+                            <m:t>𝒘</m:t>
                           </m:r>
                         </m:den>
                       </m:f>
                       <m:r>
-                        <a:rPr lang="en-US" sz="1200" b="0" i="1" smtClean="0">
+                        <a:rPr lang="en-US" sz="1600" b="1" i="1" smtClean="0">
                           <a:solidFill>
                             <a:schemeClr val="bg1">
                               <a:lumMod val="85000"/>
                             </a:schemeClr>
                           </a:solidFill>
-                          <a:latin typeface="Cambria Math"/>
                           <a:ea typeface="Cambria Math"/>
                         </a:rPr>
                         <m:t>×</m:t>
                       </m:r>
                       <m:r>
-                        <a:rPr lang="en-US" sz="1200" b="0" i="1" smtClean="0">
+                        <a:rPr lang="en-US" sz="1600" b="1" i="1" smtClean="0">
                           <a:solidFill>
                             <a:schemeClr val="bg1">
                               <a:lumMod val="85000"/>
                             </a:schemeClr>
                           </a:solidFill>
-                          <a:latin typeface="Cambria Math"/>
                           <a:ea typeface="Cambria Math"/>
                         </a:rPr>
-                        <m:t>𝑥</m:t>
+                        <m:t>𝒙</m:t>
                       </m:r>
                       <m:d>
                         <m:dPr>
                           <m:ctrlPr>
-                            <a:rPr lang="en-US" sz="1200" b="0" i="1" smtClean="0">
+                            <a:rPr lang="en-US" sz="1600" b="1" i="1" smtClean="0">
                               <a:solidFill>
                                 <a:schemeClr val="bg1">
                                   <a:lumMod val="85000"/>
                                 </a:schemeClr>
                               </a:solidFill>
-                              <a:latin typeface="Cambria Math"/>
                               <a:ea typeface="Cambria Math"/>
                             </a:rPr>
                           </m:ctrlPr>
                         </m:dPr>
                         <m:e>
                           <m:r>
-                            <a:rPr lang="en-US" sz="1200" b="0" i="1" smtClean="0">
+                            <a:rPr lang="en-US" sz="1600" b="1" i="1" smtClean="0">
                               <a:solidFill>
                                 <a:schemeClr val="bg1">
                                   <a:lumMod val="85000"/>
                                 </a:schemeClr>
                               </a:solidFill>
-                              <a:latin typeface="Cambria Math"/>
                               <a:ea typeface="Cambria Math"/>
                             </a:rPr>
-                            <m:t>𝑡</m:t>
+                            <m:t>𝒕</m:t>
                           </m:r>
                         </m:e>
                       </m:d>
                     </m:oMath>
                   </m:oMathPara>
                 </a14:m>
-                <a:endParaRPr lang="en-US" sz="1200" dirty="0">
+                <a:endParaRPr lang="en-US" sz="1600" b="1" dirty="0">
                   <a:solidFill>
                     <a:schemeClr val="bg1">
                       <a:lumMod val="85000"/>
@@ -8719,8 +9316,8 @@
             </p:nvSpPr>
             <p:spPr>
               <a:xfrm>
-                <a:off x="360150" y="2355333"/>
-                <a:ext cx="1980954" cy="748267"/>
+                <a:off x="228600" y="2155277"/>
+                <a:ext cx="2263074" cy="1158182"/>
               </a:xfrm>
               <a:prstGeom prst="rect">
                 <a:avLst/>
@@ -8801,7 +9398,7 @@
           <a:p>
             <a:pPr algn="ctr"/>
             <a:r>
-              <a:rPr lang="en-US" sz="1200" dirty="0" smtClean="0">
+              <a:rPr lang="en-US" sz="1600" b="1" dirty="0" smtClean="0">
                 <a:solidFill>
                   <a:schemeClr val="bg1">
                     <a:lumMod val="85000"/>
@@ -8810,7 +9407,7 @@
               </a:rPr>
               <a:t>PID Controller</a:t>
             </a:r>
-            <a:endParaRPr lang="en-US" sz="1200" dirty="0">
+            <a:endParaRPr lang="en-US" sz="1600" b="1" dirty="0">
               <a:solidFill>
                 <a:schemeClr val="bg1">
                   <a:lumMod val="85000"/>
@@ -8867,26 +9464,16 @@
           <a:p>
             <a:pPr algn="ctr"/>
             <a:r>
-              <a:rPr lang="en-US" sz="1200" dirty="0" smtClean="0">
+              <a:rPr lang="en-US" sz="1600" b="1" dirty="0" smtClean="0">
                 <a:solidFill>
                   <a:schemeClr val="bg1">
                     <a:lumMod val="85000"/>
                   </a:schemeClr>
                 </a:solidFill>
               </a:rPr>
-              <a:t>Camera Latenc</a:t>
-            </a:r>
-            <a:r>
-              <a:rPr lang="en-US" sz="1400" dirty="0" smtClean="0">
-                <a:solidFill>
-                  <a:schemeClr val="bg1">
-                    <a:lumMod val="85000"/>
-                  </a:schemeClr>
-                </a:solidFill>
-              </a:rPr>
-              <a:t>y</a:t>
-            </a:r>
-            <a:endParaRPr lang="en-US" sz="1400" dirty="0">
+              <a:t>Camera Latency</a:t>
+            </a:r>
+            <a:endParaRPr lang="en-US" sz="1600" b="1" dirty="0">
               <a:solidFill>
                 <a:schemeClr val="bg1">
                   <a:lumMod val="85000"/>
@@ -8904,8 +9491,8 @@
         </p:nvSpPr>
         <p:spPr>
           <a:xfrm>
-            <a:off x="4214632" y="2355333"/>
-            <a:ext cx="1143000" cy="748267"/>
+            <a:off x="4151567" y="2355333"/>
+            <a:ext cx="1359783" cy="748267"/>
           </a:xfrm>
           <a:prstGeom prst="rect">
             <a:avLst/>
@@ -8943,7 +9530,7 @@
           <a:p>
             <a:pPr algn="ctr"/>
             <a:r>
-              <a:rPr lang="en-US" sz="1200" dirty="0" smtClean="0">
+              <a:rPr lang="en-US" sz="1600" b="1" dirty="0" smtClean="0">
                 <a:solidFill>
                   <a:schemeClr val="bg1">
                     <a:lumMod val="85000"/>
@@ -8952,7 +9539,7 @@
               </a:rPr>
               <a:t>Transmission Latency</a:t>
             </a:r>
-            <a:endParaRPr lang="en-US" sz="1200" dirty="0">
+            <a:endParaRPr lang="en-US" sz="1600" b="1" dirty="0">
               <a:solidFill>
                 <a:schemeClr val="bg1">
                   <a:lumMod val="85000"/>
@@ -8973,8 +9560,8 @@
         </p:nvCxnSpPr>
         <p:spPr>
           <a:xfrm flipV="1">
-            <a:off x="5357632" y="2729466"/>
-            <a:ext cx="433568" cy="1"/>
+            <a:off x="5511350" y="2729466"/>
+            <a:ext cx="279849" cy="1"/>
           </a:xfrm>
           <a:prstGeom prst="bentConnector3">
             <a:avLst>
@@ -9016,8 +9603,8 @@
         </p:nvCxnSpPr>
         <p:spPr>
           <a:xfrm flipV="1">
-            <a:off x="2341104" y="2729466"/>
-            <a:ext cx="424005" cy="1"/>
+            <a:off x="2491674" y="2729466"/>
+            <a:ext cx="273435" cy="4902"/>
           </a:xfrm>
           <a:prstGeom prst="straightConnector1">
             <a:avLst/>
@@ -9058,11 +9645,11 @@
         <p:spPr>
           <a:xfrm flipH="1">
             <a:off x="3215574" y="2729466"/>
-            <a:ext cx="5566406" cy="1268013"/>
+            <a:ext cx="5762890" cy="1268013"/>
           </a:xfrm>
           <a:prstGeom prst="bentConnector3">
             <a:avLst>
-              <a:gd name="adj1" fmla="val -4107"/>
+              <a:gd name="adj1" fmla="val -1778"/>
             </a:avLst>
           </a:prstGeom>
           <a:ln w="38100">
@@ -9100,12 +9687,12 @@
         </p:nvCxnSpPr>
         <p:spPr>
           <a:xfrm rot="10800000">
-            <a:off x="360151" y="2729467"/>
-            <a:ext cx="1407625" cy="1268012"/>
+            <a:off x="228601" y="2734369"/>
+            <a:ext cx="1539175" cy="1263111"/>
           </a:xfrm>
           <a:prstGeom prst="bentConnector3">
             <a:avLst>
-              <a:gd name="adj1" fmla="val 116240"/>
+              <a:gd name="adj1" fmla="val 110755"/>
             </a:avLst>
           </a:prstGeom>
           <a:ln w="38100">
@@ -9144,7 +9731,7 @@
         <p:spPr>
           <a:xfrm>
             <a:off x="3877617" y="2729466"/>
-            <a:ext cx="337015" cy="1"/>
+            <a:ext cx="273950" cy="1"/>
           </a:xfrm>
           <a:prstGeom prst="bentConnector3">
             <a:avLst>
@@ -9186,7 +9773,7 @@
             <p:spPr>
               <a:xfrm>
                 <a:off x="4545361" y="1985999"/>
-                <a:ext cx="481542" cy="369332"/>
+                <a:ext cx="464101" cy="338554"/>
               </a:xfrm>
               <a:prstGeom prst="rect">
                 <a:avLst/>
@@ -9212,50 +9799,47 @@
                       <m:sSub>
                         <m:sSubPr>
                           <m:ctrlPr>
-                            <a:rPr lang="en-US" b="0" i="1" dirty="0" smtClean="0">
+                            <a:rPr lang="en-US" sz="1600" b="1" i="1" dirty="0" smtClean="0">
                               <a:solidFill>
                                 <a:schemeClr val="bg1">
                                   <a:lumMod val="85000"/>
                                 </a:schemeClr>
                               </a:solidFill>
-                              <a:latin typeface="Cambria Math"/>
                               <a:ea typeface="Cambria Math"/>
                             </a:rPr>
                           </m:ctrlPr>
                         </m:sSubPr>
                         <m:e>
                           <m:r>
-                            <a:rPr lang="en-US" b="0" i="1" dirty="0" smtClean="0">
+                            <a:rPr lang="en-US" sz="1600" b="1" i="1" dirty="0" smtClean="0">
                               <a:solidFill>
                                 <a:schemeClr val="bg1">
                                   <a:lumMod val="85000"/>
                                 </a:schemeClr>
                               </a:solidFill>
-                              <a:latin typeface="Cambria Math"/>
                               <a:ea typeface="Cambria Math"/>
                             </a:rPr>
-                            <m:t>𝜃</m:t>
+                            <m:t>𝜽</m:t>
                           </m:r>
                         </m:e>
                         <m:sub>
                           <m:r>
-                            <a:rPr lang="en-US" b="0" i="1" dirty="0" smtClean="0">
+                            <a:rPr lang="en-US" sz="1600" b="1" i="1" dirty="0" smtClean="0">
                               <a:solidFill>
                                 <a:schemeClr val="bg1">
                                   <a:lumMod val="85000"/>
                                 </a:schemeClr>
                               </a:solidFill>
-                              <a:latin typeface="Cambria Math"/>
                               <a:ea typeface="Cambria Math"/>
                             </a:rPr>
-                            <m:t>𝑑</m:t>
+                            <m:t>𝒅</m:t>
                           </m:r>
                         </m:sub>
                       </m:sSub>
                     </m:oMath>
                   </m:oMathPara>
                 </a14:m>
-                <a:endParaRPr lang="en-US" dirty="0">
+                <a:endParaRPr lang="en-US" sz="1600" b="1" dirty="0">
                   <a:solidFill>
                     <a:schemeClr val="bg1">
                       <a:lumMod val="85000"/>
@@ -9278,7 +9862,7 @@
             <p:spPr>
               <a:xfrm>
                 <a:off x="4545361" y="1985999"/>
-                <a:ext cx="481542" cy="369332"/>
+                <a:ext cx="464101" cy="338554"/>
               </a:xfrm>
               <a:prstGeom prst="rect">
                 <a:avLst/>
@@ -9308,8 +9892,8 @@
           </p:sp>
         </mc:Fallback>
       </mc:AlternateContent>
-      <mc:AlternateContent xmlns:mc="http://schemas.openxmlformats.org/markup-compatibility/2006" xmlns:a14="http://schemas.microsoft.com/office/drawing/2010/main">
-        <mc:Choice Requires="a14">
+      <mc:AlternateContent xmlns:mc="http://schemas.openxmlformats.org/markup-compatibility/2006">
+        <mc:Choice xmlns:a14="http://schemas.microsoft.com/office/drawing/2010/main" Requires="a14">
           <p:sp>
             <p:nvSpPr>
               <p:cNvPr id="51" name="TextBox 50"/>
@@ -9318,8 +9902,8 @@
             </p:nvSpPr>
             <p:spPr>
               <a:xfrm>
-                <a:off x="7379942" y="2355331"/>
-                <a:ext cx="374140" cy="369332"/>
+                <a:off x="7548894" y="2369080"/>
+                <a:ext cx="359393" cy="338554"/>
               </a:xfrm>
               <a:prstGeom prst="rect">
                 <a:avLst/>
@@ -9340,21 +9924,20 @@
                     </m:oMathParaPr>
                     <m:oMath xmlns:m="http://schemas.openxmlformats.org/officeDocument/2006/math">
                       <m:r>
-                        <a:rPr lang="en-US" i="1" smtClean="0">
-                          <a:latin typeface="Cambria Math"/>
+                        <a:rPr lang="en-US" sz="1600" b="1" i="1" smtClean="0">
                           <a:ea typeface="Cambria Math"/>
                         </a:rPr>
-                        <m:t>𝜃</m:t>
+                        <m:t>𝜽</m:t>
                       </m:r>
                     </m:oMath>
                   </m:oMathPara>
                 </a14:m>
-                <a:endParaRPr lang="en-US" dirty="0"/>
+                <a:endParaRPr lang="en-US" sz="1600" b="1" dirty="0"/>
               </a:p>
             </p:txBody>
           </p:sp>
         </mc:Choice>
-        <mc:Fallback xmlns="">
+        <mc:Fallback>
           <p:sp>
             <p:nvSpPr>
               <p:cNvPr id="51" name="TextBox 50"/>
@@ -9365,8 +9948,8 @@
             </p:nvSpPr>
             <p:spPr>
               <a:xfrm>
-                <a:off x="7379942" y="2355331"/>
-                <a:ext cx="374140" cy="369332"/>
+                <a:off x="7548894" y="2369080"/>
+                <a:ext cx="359393" cy="338554"/>
               </a:xfrm>
               <a:prstGeom prst="rect">
                 <a:avLst/>
@@ -9404,7 +9987,7 @@
             <p:spPr>
               <a:xfrm>
                 <a:off x="6906717" y="4005088"/>
-                <a:ext cx="588366" cy="369332"/>
+                <a:ext cx="549061" cy="338554"/>
               </a:xfrm>
               <a:prstGeom prst="rect">
                 <a:avLst/>
@@ -9428,45 +10011,42 @@
                     </m:oMathParaPr>
                     <m:oMath xmlns:m="http://schemas.openxmlformats.org/officeDocument/2006/math">
                       <m:r>
-                        <a:rPr lang="en-US" b="0" i="1" smtClean="0">
+                        <a:rPr lang="en-US" sz="1600" b="1" i="1" smtClean="0">
                           <a:solidFill>
                             <a:schemeClr val="bg1">
                               <a:lumMod val="85000"/>
                             </a:schemeClr>
                           </a:solidFill>
-                          <a:latin typeface="Cambria Math"/>
                           <a:ea typeface="Cambria Math"/>
                         </a:rPr>
-                        <m:t>𝑥</m:t>
+                        <m:t>𝒙</m:t>
                       </m:r>
                       <m:r>
-                        <a:rPr lang="en-US" b="0" i="1" smtClean="0">
+                        <a:rPr lang="en-US" sz="1600" b="1" i="1" smtClean="0">
                           <a:solidFill>
                             <a:schemeClr val="bg1">
                               <a:lumMod val="85000"/>
                             </a:schemeClr>
                           </a:solidFill>
-                          <a:latin typeface="Cambria Math"/>
                           <a:ea typeface="Cambria Math"/>
                         </a:rPr>
                         <m:t>,</m:t>
                       </m:r>
                       <m:r>
-                        <a:rPr lang="en-US" b="0" i="1" smtClean="0">
+                        <a:rPr lang="en-US" sz="1600" b="1" i="1" smtClean="0">
                           <a:solidFill>
                             <a:schemeClr val="bg1">
                               <a:lumMod val="85000"/>
                             </a:schemeClr>
                           </a:solidFill>
-                          <a:latin typeface="Cambria Math"/>
                           <a:ea typeface="Cambria Math"/>
                         </a:rPr>
-                        <m:t>𝑦</m:t>
+                        <m:t>𝒚</m:t>
                       </m:r>
                     </m:oMath>
                   </m:oMathPara>
                 </a14:m>
-                <a:endParaRPr lang="en-US" dirty="0">
+                <a:endParaRPr lang="en-US" sz="1600" b="1" dirty="0">
                   <a:solidFill>
                     <a:schemeClr val="bg1">
                       <a:lumMod val="85000"/>
@@ -9489,7 +10069,7 @@
             <p:spPr>
               <a:xfrm>
                 <a:off x="6906717" y="4005088"/>
-                <a:ext cx="588366" cy="369332"/>
+                <a:ext cx="549061" cy="338554"/>
               </a:xfrm>
               <a:prstGeom prst="rect">
                 <a:avLst/>
@@ -9497,7 +10077,7 @@
               <a:blipFill rotWithShape="1">
                 <a:blip r:embed="rId9"/>
                 <a:stretch>
-                  <a:fillRect b="-4918"/>
+                  <a:fillRect b="-1786"/>
                 </a:stretch>
               </a:blipFill>
               <a:ln>
@@ -9529,8 +10109,8 @@
             </p:nvSpPr>
             <p:spPr>
               <a:xfrm>
-                <a:off x="2390969" y="2275466"/>
-                <a:ext cx="374140" cy="369332"/>
+                <a:off x="2438267" y="2370062"/>
+                <a:ext cx="364202" cy="338554"/>
               </a:xfrm>
               <a:prstGeom prst="rect">
                 <a:avLst/>
@@ -9554,21 +10134,20 @@
                     </m:oMathParaPr>
                     <m:oMath xmlns:m="http://schemas.openxmlformats.org/officeDocument/2006/math">
                       <m:r>
-                        <a:rPr lang="en-US" b="0" i="1" smtClean="0">
+                        <a:rPr lang="en-US" sz="1600" b="1" i="1" smtClean="0">
                           <a:solidFill>
                             <a:schemeClr val="bg1">
                               <a:lumMod val="85000"/>
                             </a:schemeClr>
                           </a:solidFill>
-                          <a:latin typeface="Cambria Math"/>
                           <a:ea typeface="Cambria Math"/>
                         </a:rPr>
-                        <m:t>𝑢</m:t>
+                        <m:t>𝒖</m:t>
                       </m:r>
                     </m:oMath>
                   </m:oMathPara>
                 </a14:m>
-                <a:endParaRPr lang="en-US" dirty="0">
+                <a:endParaRPr lang="en-US" sz="1600" b="1" dirty="0">
                   <a:solidFill>
                     <a:schemeClr val="bg1">
                       <a:lumMod val="85000"/>
@@ -9590,8 +10169,8 @@
             </p:nvSpPr>
             <p:spPr>
               <a:xfrm>
-                <a:off x="2390969" y="2275466"/>
-                <a:ext cx="374140" cy="369332"/>
+                <a:off x="2438267" y="2370062"/>
+                <a:ext cx="364202" cy="338554"/>
               </a:xfrm>
               <a:prstGeom prst="rect">
                 <a:avLst/>
@@ -9653,8 +10232,8 @@
         </p:nvSpPr>
         <p:spPr>
           <a:xfrm>
-            <a:off x="5486400" y="1524000"/>
-            <a:ext cx="3429000" cy="2133600"/>
+            <a:off x="5574416" y="1524000"/>
+            <a:ext cx="3569584" cy="2133600"/>
           </a:xfrm>
           <a:prstGeom prst="rect">
             <a:avLst/>
@@ -9700,8 +10279,8 @@
         </p:nvSpPr>
         <p:spPr>
           <a:xfrm>
-            <a:off x="64282" y="2036800"/>
-            <a:ext cx="3953934" cy="2992400"/>
+            <a:off x="0" y="2036800"/>
+            <a:ext cx="4018216" cy="2992400"/>
           </a:xfrm>
           <a:prstGeom prst="rect">
             <a:avLst/>
@@ -9758,7 +10337,7 @@
             <p:spPr>
               <a:xfrm>
                 <a:off x="728314" y="3972822"/>
-                <a:ext cx="588366" cy="369332"/>
+                <a:ext cx="549061" cy="338554"/>
               </a:xfrm>
               <a:prstGeom prst="rect">
                 <a:avLst/>
@@ -9782,45 +10361,42 @@
                     </m:oMathParaPr>
                     <m:oMath xmlns:m="http://schemas.openxmlformats.org/officeDocument/2006/math">
                       <m:r>
-                        <a:rPr lang="en-US" b="0" i="1" smtClean="0">
+                        <a:rPr lang="en-US" sz="1600" b="1" i="1" smtClean="0">
                           <a:solidFill>
                             <a:schemeClr val="bg1">
                               <a:lumMod val="85000"/>
                             </a:schemeClr>
                           </a:solidFill>
-                          <a:latin typeface="Cambria Math"/>
                           <a:ea typeface="Cambria Math"/>
                         </a:rPr>
-                        <m:t>𝑥</m:t>
+                        <m:t>𝒙</m:t>
                       </m:r>
                       <m:r>
-                        <a:rPr lang="en-US" b="0" i="1" smtClean="0">
+                        <a:rPr lang="en-US" sz="1600" b="1" i="1" smtClean="0">
                           <a:solidFill>
                             <a:schemeClr val="bg1">
                               <a:lumMod val="85000"/>
                             </a:schemeClr>
                           </a:solidFill>
-                          <a:latin typeface="Cambria Math"/>
                           <a:ea typeface="Cambria Math"/>
                         </a:rPr>
                         <m:t>,</m:t>
                       </m:r>
                       <m:r>
-                        <a:rPr lang="en-US" b="0" i="1" smtClean="0">
+                        <a:rPr lang="en-US" sz="1600" b="1" i="1" smtClean="0">
                           <a:solidFill>
                             <a:schemeClr val="bg1">
                               <a:lumMod val="85000"/>
                             </a:schemeClr>
                           </a:solidFill>
-                          <a:latin typeface="Cambria Math"/>
                           <a:ea typeface="Cambria Math"/>
                         </a:rPr>
-                        <m:t>𝑦</m:t>
+                        <m:t>𝒚</m:t>
                       </m:r>
                     </m:oMath>
                   </m:oMathPara>
                 </a14:m>
-                <a:endParaRPr lang="en-US" dirty="0">
+                <a:endParaRPr lang="en-US" sz="1600" b="1" dirty="0">
                   <a:solidFill>
                     <a:schemeClr val="bg1">
                       <a:lumMod val="85000"/>
@@ -9843,7 +10419,7 @@
             <p:spPr>
               <a:xfrm>
                 <a:off x="728314" y="3972822"/>
-                <a:ext cx="588366" cy="369332"/>
+                <a:ext cx="549061" cy="338554"/>
               </a:xfrm>
               <a:prstGeom prst="rect">
                 <a:avLst/>
@@ -9851,7 +10427,7 @@
               <a:blipFill rotWithShape="1">
                 <a:blip r:embed="rId11"/>
                 <a:stretch>
-                  <a:fillRect b="-6667"/>
+                  <a:fillRect b="-3636"/>
                 </a:stretch>
               </a:blipFill>
               <a:ln>
@@ -9882,7 +10458,7 @@
         <p:spPr>
           <a:xfrm>
             <a:off x="1236701" y="4572000"/>
-            <a:ext cx="1609095" cy="369332"/>
+            <a:ext cx="1639423" cy="369332"/>
           </a:xfrm>
           <a:prstGeom prst="rect">
             <a:avLst/>
@@ -9899,7 +10475,7 @@
           <a:lstStyle/>
           <a:p>
             <a:r>
-              <a:rPr lang="en-US" dirty="0" smtClean="0">
+              <a:rPr lang="en-US" b="1" dirty="0" smtClean="0">
                 <a:solidFill>
                   <a:schemeClr val="bg1">
                     <a:lumMod val="85000"/>
@@ -9908,7 +10484,7 @@
               </a:rPr>
               <a:t>Ground Station</a:t>
             </a:r>
-            <a:endParaRPr lang="en-US" dirty="0">
+            <a:endParaRPr lang="en-US" b="1" dirty="0">
               <a:solidFill>
                 <a:schemeClr val="bg1">
                   <a:lumMod val="85000"/>
@@ -9927,7 +10503,7 @@
         <p:spPr>
           <a:xfrm>
             <a:off x="6808773" y="1616667"/>
-            <a:ext cx="784254" cy="369332"/>
+            <a:ext cx="797398" cy="369332"/>
           </a:xfrm>
           <a:prstGeom prst="rect">
             <a:avLst/>
@@ -9941,24 +10517,24 @@
           <a:lstStyle/>
           <a:p>
             <a:r>
-              <a:rPr lang="en-US" dirty="0" smtClean="0"/>
+              <a:rPr lang="en-US" b="1" dirty="0" smtClean="0"/>
               <a:t>H</a:t>
             </a:r>
             <a:r>
-              <a:rPr lang="en-US" baseline="30000" dirty="0" smtClean="0"/>
+              <a:rPr lang="en-US" b="1" baseline="30000" dirty="0" smtClean="0"/>
               <a:t>2</a:t>
             </a:r>
             <a:r>
-              <a:rPr lang="en-US" dirty="0" smtClean="0"/>
+              <a:rPr lang="en-US" b="1" dirty="0" smtClean="0"/>
               <a:t>Bird</a:t>
             </a:r>
-            <a:endParaRPr lang="en-US" dirty="0"/>
+            <a:endParaRPr lang="en-US" b="1" dirty="0"/>
           </a:p>
         </p:txBody>
       </p:sp>
       <p:pic>
         <p:nvPicPr>
-          <p:cNvPr id="6" name="Picture 5"/>
+          <p:cNvPr id="27" name="Picture 26"/>
           <p:cNvPicPr>
             <a:picLocks noChangeAspect="1"/>
           </p:cNvPicPr>
@@ -9978,7 +10554,7 @@
         </p:blipFill>
         <p:spPr>
           <a:xfrm>
-            <a:off x="296773" y="2755680"/>
+            <a:off x="377847" y="2762405"/>
             <a:ext cx="4849244" cy="3853934"/>
           </a:xfrm>
           <a:prstGeom prst="rect">
@@ -9994,7 +10570,7 @@
     </p:spTree>
     <p:extLst>
       <p:ext uri="{BB962C8B-B14F-4D97-AF65-F5344CB8AC3E}">
-        <p14:creationId xmlns:p14="http://schemas.microsoft.com/office/powerpoint/2010/main" val="683836580"/>
+        <p14:creationId xmlns:p14="http://schemas.microsoft.com/office/powerpoint/2010/main" val="249807198"/>
       </p:ext>
     </p:extLst>
   </p:cSld>
@@ -10061,8 +10637,8 @@
             </p:nvSpPr>
             <p:spPr>
               <a:xfrm>
-                <a:off x="7787949" y="2355331"/>
-                <a:ext cx="994031" cy="748269"/>
+                <a:off x="7851013" y="2355331"/>
+                <a:ext cx="1127451" cy="748269"/>
               </a:xfrm>
               <a:prstGeom prst="rect">
                 <a:avLst/>
@@ -10116,13 +10692,12 @@
                             </m:mc>
                           </m:mcs>
                           <m:ctrlPr>
-                            <a:rPr lang="en-US" sz="1200" i="1" smtClean="0">
+                            <a:rPr lang="en-US" sz="1600" b="1" i="1" smtClean="0">
                               <a:solidFill>
                                 <a:schemeClr val="bg1">
                                   <a:lumMod val="85000"/>
                                 </a:schemeClr>
                               </a:solidFill>
-                              <a:latin typeface="Cambria Math"/>
                             </a:rPr>
                           </m:ctrlPr>
                         </m:mPr>
@@ -10132,27 +10707,25 @@
                               <m:accPr>
                                 <m:chr m:val="̇"/>
                                 <m:ctrlPr>
-                                  <a:rPr lang="en-US" sz="1200" i="1" smtClean="0">
+                                  <a:rPr lang="en-US" sz="1600" b="1" i="1" smtClean="0">
                                     <a:solidFill>
                                       <a:schemeClr val="bg1">
                                         <a:lumMod val="85000"/>
                                       </a:schemeClr>
                                     </a:solidFill>
-                                    <a:latin typeface="Cambria Math"/>
                                   </a:rPr>
                                 </m:ctrlPr>
                               </m:accPr>
                               <m:e>
                                 <m:r>
-                                  <a:rPr lang="en-US" sz="1200" b="0" i="1" smtClean="0">
+                                  <a:rPr lang="en-US" sz="1600" b="1" i="1" smtClean="0">
                                     <a:solidFill>
                                       <a:schemeClr val="bg1">
                                         <a:lumMod val="85000"/>
                                       </a:schemeClr>
                                     </a:solidFill>
-                                    <a:latin typeface="Cambria Math"/>
                                   </a:rPr>
-                                  <m:t>𝑥</m:t>
+                                  <m:t>𝒙</m:t>
                                 </m:r>
                               </m:e>
                             </m:acc>
@@ -10160,83 +10733,73 @@
                               <m:rPr>
                                 <m:brk m:alnAt="7"/>
                               </m:rPr>
-                              <a:rPr lang="en-US" sz="1200" b="0" i="1" smtClean="0">
+                              <a:rPr lang="en-US" sz="1600" b="1" i="1" smtClean="0">
                                 <a:solidFill>
                                   <a:schemeClr val="bg1">
                                     <a:lumMod val="85000"/>
                                   </a:schemeClr>
                                 </a:solidFill>
-                                <a:latin typeface="Cambria Math"/>
                               </a:rPr>
                               <m:t>=</m:t>
                             </m:r>
                             <m:r>
-                              <a:rPr lang="en-US" sz="1200" b="0" i="1" smtClean="0">
+                              <a:rPr lang="en-US" sz="1600" b="1" i="1" smtClean="0">
                                 <a:solidFill>
                                   <a:schemeClr val="bg1">
                                     <a:lumMod val="85000"/>
                                   </a:schemeClr>
                                 </a:solidFill>
-                                <a:latin typeface="Cambria Math"/>
                               </a:rPr>
-                              <m:t>𝑣</m:t>
+                              <m:t>𝒗</m:t>
                             </m:r>
                             <m:func>
                               <m:funcPr>
                                 <m:ctrlPr>
-                                  <a:rPr lang="en-US" sz="1200" b="0" i="1" smtClean="0">
+                                  <a:rPr lang="en-US" sz="1600" b="1" i="1" smtClean="0">
                                     <a:solidFill>
                                       <a:schemeClr val="bg1">
                                         <a:lumMod val="85000"/>
                                       </a:schemeClr>
                                     </a:solidFill>
-                                    <a:latin typeface="Cambria Math"/>
                                   </a:rPr>
                                 </m:ctrlPr>
                               </m:funcPr>
                               <m:fName>
                                 <m:r>
                                   <m:rPr>
-                                    <m:sty m:val="p"/>
                                     <m:brk m:alnAt="7"/>
                                   </m:rPr>
-                                  <a:rPr lang="en-US" sz="1200" b="0" i="0" smtClean="0">
+                                  <a:rPr lang="en-US" sz="1600" b="1" i="0" smtClean="0">
                                     <a:solidFill>
                                       <a:schemeClr val="bg1">
                                         <a:lumMod val="85000"/>
                                       </a:schemeClr>
                                     </a:solidFill>
-                                    <a:latin typeface="Cambria Math"/>
                                   </a:rPr>
-                                  <m:t>s</m:t>
+                                  <m:t>𝐬</m:t>
                                 </m:r>
                                 <m:r>
-                                  <m:rPr>
-                                    <m:sty m:val="p"/>
-                                  </m:rPr>
-                                  <a:rPr lang="en-US" sz="1200" b="0" i="0" smtClean="0">
+                                  <a:rPr lang="en-US" sz="1600" b="1" i="0" smtClean="0">
                                     <a:solidFill>
                                       <a:schemeClr val="bg1">
                                         <a:lumMod val="85000"/>
                                       </a:schemeClr>
                                     </a:solidFill>
-                                    <a:latin typeface="Cambria Math"/>
                                   </a:rPr>
-                                  <m:t>in</m:t>
+                                  <m:t>𝐢𝐧</m:t>
                                 </m:r>
                               </m:fName>
                               <m:e>
                                 <m:r>
-                                  <a:rPr lang="en-US" sz="1200" b="0" i="1" smtClean="0">
+                                  <a:rPr lang="en-US" sz="1600" b="1" i="1" smtClean="0">
                                     <a:solidFill>
                                       <a:schemeClr val="bg1">
                                         <a:lumMod val="85000"/>
                                       </a:schemeClr>
                                     </a:solidFill>
-                                    <a:latin typeface="Cambria Math"/>
                                     <a:ea typeface="Cambria Math"/>
                                   </a:rPr>
-                                  <m:t>𝜃</m:t>
+                                  <m:t>𝜽</m:t>
                                 </m:r>
                               </m:e>
                             </m:func>
@@ -10248,27 +10811,25 @@
                               <m:accPr>
                                 <m:chr m:val="̇"/>
                                 <m:ctrlPr>
-                                  <a:rPr lang="en-US" sz="1200" i="1" smtClean="0">
+                                  <a:rPr lang="en-US" sz="1600" b="1" i="1" smtClean="0">
                                     <a:solidFill>
                                       <a:schemeClr val="bg1">
                                         <a:lumMod val="85000"/>
                                       </a:schemeClr>
                                     </a:solidFill>
-                                    <a:latin typeface="Cambria Math"/>
                                   </a:rPr>
                                 </m:ctrlPr>
                               </m:accPr>
                               <m:e>
                                 <m:r>
-                                  <a:rPr lang="en-US" sz="1200" b="0" i="1" smtClean="0">
+                                  <a:rPr lang="en-US" sz="1600" b="1" i="1" smtClean="0">
                                     <a:solidFill>
                                       <a:schemeClr val="bg1">
                                         <a:lumMod val="85000"/>
                                       </a:schemeClr>
                                     </a:solidFill>
-                                    <a:latin typeface="Cambria Math"/>
                                   </a:rPr>
-                                  <m:t>𝑦</m:t>
+                                  <m:t>𝒚</m:t>
                                 </m:r>
                               </m:e>
                             </m:acc>
@@ -10276,83 +10837,73 @@
                               <m:rPr>
                                 <m:brk m:alnAt="7"/>
                               </m:rPr>
-                              <a:rPr lang="en-US" sz="1200" b="0" i="1" smtClean="0">
+                              <a:rPr lang="en-US" sz="1600" b="1" i="1" smtClean="0">
                                 <a:solidFill>
                                   <a:schemeClr val="bg1">
                                     <a:lumMod val="85000"/>
                                   </a:schemeClr>
                                 </a:solidFill>
-                                <a:latin typeface="Cambria Math"/>
                               </a:rPr>
                               <m:t>=</m:t>
                             </m:r>
                             <m:r>
-                              <a:rPr lang="en-US" sz="1200" b="0" i="1" smtClean="0">
+                              <a:rPr lang="en-US" sz="1600" b="1" i="1" smtClean="0">
                                 <a:solidFill>
                                   <a:schemeClr val="bg1">
                                     <a:lumMod val="85000"/>
                                   </a:schemeClr>
                                 </a:solidFill>
-                                <a:latin typeface="Cambria Math"/>
                               </a:rPr>
-                              <m:t>𝑣</m:t>
+                              <m:t>𝒗</m:t>
                             </m:r>
                             <m:func>
                               <m:funcPr>
                                 <m:ctrlPr>
-                                  <a:rPr lang="en-US" sz="1200" b="0" i="1" smtClean="0">
+                                  <a:rPr lang="en-US" sz="1600" b="1" i="1" smtClean="0">
                                     <a:solidFill>
                                       <a:schemeClr val="bg1">
                                         <a:lumMod val="85000"/>
                                       </a:schemeClr>
                                     </a:solidFill>
-                                    <a:latin typeface="Cambria Math"/>
                                   </a:rPr>
                                 </m:ctrlPr>
                               </m:funcPr>
                               <m:fName>
                                 <m:r>
                                   <m:rPr>
-                                    <m:sty m:val="p"/>
                                     <m:brk m:alnAt="7"/>
                                   </m:rPr>
-                                  <a:rPr lang="en-US" sz="1200" b="0" i="0" smtClean="0">
+                                  <a:rPr lang="en-US" sz="1600" b="1" i="0" smtClean="0">
                                     <a:solidFill>
                                       <a:schemeClr val="bg1">
                                         <a:lumMod val="85000"/>
                                       </a:schemeClr>
                                     </a:solidFill>
-                                    <a:latin typeface="Cambria Math"/>
                                   </a:rPr>
-                                  <m:t>c</m:t>
+                                  <m:t>𝐜</m:t>
                                 </m:r>
                                 <m:r>
-                                  <m:rPr>
-                                    <m:sty m:val="p"/>
-                                  </m:rPr>
-                                  <a:rPr lang="en-US" sz="1200" b="0" i="0" smtClean="0">
+                                  <a:rPr lang="en-US" sz="1600" b="1" i="0" smtClean="0">
                                     <a:solidFill>
                                       <a:schemeClr val="bg1">
                                         <a:lumMod val="85000"/>
                                       </a:schemeClr>
                                     </a:solidFill>
-                                    <a:latin typeface="Cambria Math"/>
                                   </a:rPr>
-                                  <m:t>os</m:t>
+                                  <m:t>𝐨𝐬</m:t>
                                 </m:r>
                               </m:fName>
                               <m:e>
                                 <m:r>
-                                  <a:rPr lang="en-US" sz="1200" b="0" i="1" smtClean="0">
+                                  <a:rPr lang="en-US" sz="1600" b="1" i="1" smtClean="0">
                                     <a:solidFill>
                                       <a:schemeClr val="bg1">
                                         <a:lumMod val="85000"/>
                                       </a:schemeClr>
                                     </a:solidFill>
-                                    <a:latin typeface="Cambria Math"/>
                                     <a:ea typeface="Cambria Math"/>
                                   </a:rPr>
-                                  <m:t>𝜃</m:t>
+                                  <m:t>𝜽</m:t>
                                 </m:r>
                               </m:e>
                             </m:func>
@@ -10362,11 +10913,9 @@
                     </m:oMath>
                   </m:oMathPara>
                 </a14:m>
-                <a:endParaRPr lang="en-US" sz="1200" dirty="0">
+                <a:endParaRPr lang="en-US" sz="1600" b="1" dirty="0">
                   <a:solidFill>
-                    <a:schemeClr val="bg1">
-                      <a:lumMod val="85000"/>
-                    </a:schemeClr>
+                    <a:sysClr val="windowText" lastClr="000000"/>
                   </a:solidFill>
                 </a:endParaRPr>
               </a:p>
@@ -10384,8 +10933,8 @@
             </p:nvSpPr>
             <p:spPr>
               <a:xfrm>
-                <a:off x="7787949" y="2355331"/>
-                <a:ext cx="994031" cy="748269"/>
+                <a:off x="7851013" y="2355331"/>
+                <a:ext cx="1127451" cy="748269"/>
               </a:xfrm>
               <a:prstGeom prst="rect">
                 <a:avLst/>
@@ -10393,7 +10942,7 @@
               <a:blipFill rotWithShape="1">
                 <a:blip r:embed="rId3"/>
                 <a:stretch>
-                  <a:fillRect/>
+                  <a:fillRect l="-1571"/>
                 </a:stretch>
               </a:blipFill>
               <a:ln w="38100">
@@ -10429,8 +10978,8 @@
             </p:nvSpPr>
             <p:spPr>
               <a:xfrm>
-                <a:off x="5791200" y="2355331"/>
-                <a:ext cx="1540199" cy="748269"/>
+                <a:off x="5791199" y="2355331"/>
+                <a:ext cx="1814971" cy="748269"/>
               </a:xfrm>
               <a:prstGeom prst="rect">
                 <a:avLst/>
@@ -10474,54 +11023,50 @@
                     </m:oMathParaPr>
                     <m:oMath xmlns:m="http://schemas.openxmlformats.org/officeDocument/2006/math">
                       <m:r>
-                        <a:rPr lang="en-US" sz="1200" i="1" smtClean="0">
+                        <a:rPr lang="en-US" sz="1600" b="1" i="1" smtClean="0">
                           <a:solidFill>
                             <a:schemeClr val="bg1">
                               <a:lumMod val="85000"/>
                             </a:schemeClr>
                           </a:solidFill>
-                          <a:latin typeface="Cambria Math"/>
                           <a:ea typeface="Cambria Math"/>
                         </a:rPr>
-                        <m:t>𝜃</m:t>
+                        <m:t>𝜽</m:t>
                       </m:r>
                       <m:d>
                         <m:dPr>
                           <m:ctrlPr>
-                            <a:rPr lang="en-US" sz="1200" b="0" i="1" smtClean="0">
+                            <a:rPr lang="en-US" sz="1600" b="1" i="1" smtClean="0">
                               <a:solidFill>
                                 <a:schemeClr val="bg1">
                                   <a:lumMod val="85000"/>
                                 </a:schemeClr>
                               </a:solidFill>
-                              <a:latin typeface="Cambria Math"/>
                               <a:ea typeface="Cambria Math"/>
                             </a:rPr>
                           </m:ctrlPr>
                         </m:dPr>
                         <m:e>
                           <m:r>
-                            <a:rPr lang="en-US" sz="1200" b="0" i="1" smtClean="0">
+                            <a:rPr lang="en-US" sz="1600" b="1" i="1" smtClean="0">
                               <a:solidFill>
                                 <a:schemeClr val="bg1">
                                   <a:lumMod val="85000"/>
                                 </a:schemeClr>
                               </a:solidFill>
-                              <a:latin typeface="Cambria Math"/>
                               <a:ea typeface="Cambria Math"/>
                             </a:rPr>
-                            <m:t>𝑠</m:t>
+                            <m:t>𝒔</m:t>
                           </m:r>
                         </m:e>
                       </m:d>
                       <m:r>
-                        <a:rPr lang="en-US" sz="1200" b="0" i="1" smtClean="0">
+                        <a:rPr lang="en-US" sz="1600" b="1" i="1" smtClean="0">
                           <a:solidFill>
                             <a:schemeClr val="bg1">
                               <a:lumMod val="85000"/>
                             </a:schemeClr>
                           </a:solidFill>
-                          <a:latin typeface="Cambria Math"/>
                           <a:ea typeface="Cambria Math"/>
                         </a:rPr>
                         <m:t>= </m:t>
@@ -10529,133 +11074,134 @@
                       <m:f>
                         <m:fPr>
                           <m:ctrlPr>
-                            <a:rPr lang="en-US" sz="1200" b="0" i="1" smtClean="0">
+                            <a:rPr lang="en-US" sz="1600" b="1" i="1" smtClean="0">
                               <a:solidFill>
                                 <a:schemeClr val="bg1">
                                   <a:lumMod val="85000"/>
                                 </a:schemeClr>
                               </a:solidFill>
-                              <a:latin typeface="Cambria Math"/>
                               <a:ea typeface="Cambria Math"/>
                             </a:rPr>
                           </m:ctrlPr>
                         </m:fPr>
                         <m:num>
                           <m:r>
-                            <a:rPr lang="en-US" sz="1200" b="0" i="1" smtClean="0">
+                            <a:rPr lang="en-US" sz="1600" b="1" i="1" smtClean="0">
                               <a:solidFill>
                                 <a:schemeClr val="bg1">
                                   <a:lumMod val="85000"/>
                                 </a:schemeClr>
                               </a:solidFill>
-                              <a:latin typeface="Cambria Math"/>
                               <a:ea typeface="Cambria Math"/>
                             </a:rPr>
-                            <m:t>𝐾</m:t>
+                            <m:t>𝑲</m:t>
                           </m:r>
                         </m:num>
                         <m:den>
                           <m:r>
-                            <a:rPr lang="en-US" sz="1200" b="0" i="1" smtClean="0">
+                            <a:rPr lang="en-US" sz="1600" b="1" i="1" smtClean="0">
                               <a:solidFill>
                                 <a:schemeClr val="bg1">
                                   <a:lumMod val="85000"/>
                                 </a:schemeClr>
                               </a:solidFill>
-                              <a:latin typeface="Cambria Math"/>
                               <a:ea typeface="Cambria Math"/>
                             </a:rPr>
-                            <m:t>1+</m:t>
+                            <m:t>𝟏</m:t>
                           </m:r>
                           <m:r>
-                            <a:rPr lang="en-US" sz="1200" b="0" i="1" smtClean="0">
+                            <a:rPr lang="en-US" sz="1600" b="1" i="1" smtClean="0">
                               <a:solidFill>
                                 <a:schemeClr val="bg1">
                                   <a:lumMod val="85000"/>
                                 </a:schemeClr>
                               </a:solidFill>
-                              <a:latin typeface="Cambria Math"/>
                               <a:ea typeface="Cambria Math"/>
                             </a:rPr>
-                            <m:t>𝑅𝑠</m:t>
+                            <m:t>+</m:t>
+                          </m:r>
+                          <m:r>
+                            <a:rPr lang="en-US" sz="1600" b="1" i="1" smtClean="0">
+                              <a:solidFill>
+                                <a:schemeClr val="bg1">
+                                  <a:lumMod val="85000"/>
+                                </a:schemeClr>
+                              </a:solidFill>
+                              <a:ea typeface="Cambria Math"/>
+                            </a:rPr>
+                            <m:t>𝑹𝒔</m:t>
                           </m:r>
                         </m:den>
                       </m:f>
                       <m:sSub>
                         <m:sSubPr>
                           <m:ctrlPr>
-                            <a:rPr lang="en-US" sz="1200" b="0" i="1" smtClean="0">
+                            <a:rPr lang="en-US" sz="1600" b="1" i="1" smtClean="0">
                               <a:solidFill>
                                 <a:schemeClr val="bg1">
                                   <a:lumMod val="85000"/>
                                 </a:schemeClr>
                               </a:solidFill>
-                              <a:latin typeface="Cambria Math"/>
                               <a:ea typeface="Cambria Math"/>
                             </a:rPr>
                           </m:ctrlPr>
                         </m:sSubPr>
                         <m:e>
                           <m:r>
-                            <a:rPr lang="en-US" sz="1200" b="0" i="1" smtClean="0">
+                            <a:rPr lang="en-US" sz="1600" b="1" i="1" smtClean="0">
                               <a:solidFill>
                                 <a:schemeClr val="bg1">
                                   <a:lumMod val="85000"/>
                                 </a:schemeClr>
                               </a:solidFill>
-                              <a:latin typeface="Cambria Math"/>
                               <a:ea typeface="Cambria Math"/>
                             </a:rPr>
-                            <m:t>𝜃</m:t>
+                            <m:t>𝜽</m:t>
                           </m:r>
                         </m:e>
                         <m:sub>
                           <m:r>
-                            <a:rPr lang="en-US" sz="1200" b="0" i="1" smtClean="0">
+                            <a:rPr lang="en-US" sz="1600" b="1" i="1" smtClean="0">
                               <a:solidFill>
                                 <a:schemeClr val="bg1">
                                   <a:lumMod val="85000"/>
                                 </a:schemeClr>
                               </a:solidFill>
-                              <a:latin typeface="Cambria Math"/>
                               <a:ea typeface="Cambria Math"/>
                             </a:rPr>
-                            <m:t>𝑑</m:t>
+                            <m:t>𝒅</m:t>
                           </m:r>
                         </m:sub>
                       </m:sSub>
                       <m:r>
-                        <a:rPr lang="en-US" sz="1200" b="0" i="1" smtClean="0">
+                        <a:rPr lang="en-US" sz="1600" b="1" i="1" smtClean="0">
                           <a:solidFill>
                             <a:schemeClr val="bg1">
                               <a:lumMod val="85000"/>
                             </a:schemeClr>
                           </a:solidFill>
-                          <a:latin typeface="Cambria Math"/>
                           <a:ea typeface="Cambria Math"/>
                         </a:rPr>
                         <m:t>(</m:t>
                       </m:r>
                       <m:r>
-                        <a:rPr lang="en-US" sz="1200" b="0" i="1" smtClean="0">
+                        <a:rPr lang="en-US" sz="1600" b="1" i="1" smtClean="0">
                           <a:solidFill>
                             <a:schemeClr val="bg1">
                               <a:lumMod val="85000"/>
                             </a:schemeClr>
                           </a:solidFill>
-                          <a:latin typeface="Cambria Math"/>
                           <a:ea typeface="Cambria Math"/>
                         </a:rPr>
-                        <m:t>𝑠</m:t>
+                        <m:t>𝒔</m:t>
                       </m:r>
                       <m:r>
-                        <a:rPr lang="en-US" sz="1200" b="0" i="1" smtClean="0">
+                        <a:rPr lang="en-US" sz="1600" b="1" i="1" smtClean="0">
                           <a:solidFill>
                             <a:schemeClr val="bg1">
                               <a:lumMod val="85000"/>
                             </a:schemeClr>
                           </a:solidFill>
-                          <a:latin typeface="Cambria Math"/>
                           <a:ea typeface="Cambria Math"/>
                         </a:rPr>
                         <m:t>)</m:t>
@@ -10663,7 +11209,7 @@
                     </m:oMath>
                   </m:oMathPara>
                 </a14:m>
-                <a:endParaRPr lang="en-US" sz="1200" dirty="0">
+                <a:endParaRPr lang="en-US" sz="1600" b="1" dirty="0">
                   <a:solidFill>
                     <a:schemeClr val="bg1">
                       <a:lumMod val="85000"/>
@@ -10685,8 +11231,8 @@
             </p:nvSpPr>
             <p:spPr>
               <a:xfrm>
-                <a:off x="5791200" y="2355331"/>
-                <a:ext cx="1540199" cy="748269"/>
+                <a:off x="5791199" y="2355331"/>
+                <a:ext cx="1814971" cy="748269"/>
               </a:xfrm>
               <a:prstGeom prst="rect">
                 <a:avLst/>
@@ -10731,8 +11277,8 @@
         </p:nvCxnSpPr>
         <p:spPr>
           <a:xfrm>
-            <a:off x="7331399" y="2729466"/>
-            <a:ext cx="456550" cy="0"/>
+            <a:off x="7606170" y="2729466"/>
+            <a:ext cx="244843" cy="0"/>
           </a:xfrm>
           <a:prstGeom prst="straightConnector1">
             <a:avLst/>
@@ -10761,8 +11307,8 @@
           </a:fontRef>
         </p:style>
       </p:cxnSp>
-      <mc:AlternateContent xmlns:mc="http://schemas.openxmlformats.org/markup-compatibility/2006">
-        <mc:Choice xmlns:a14="http://schemas.microsoft.com/office/drawing/2010/main" Requires="a14">
+      <mc:AlternateContent xmlns:mc="http://schemas.openxmlformats.org/markup-compatibility/2006" xmlns:a14="http://schemas.microsoft.com/office/drawing/2010/main">
+        <mc:Choice Requires="a14">
           <p:sp>
             <p:nvSpPr>
               <p:cNvPr id="8" name="TextBox 7"/>
@@ -10778,13 +11324,6 @@
                 <a:avLst/>
               </a:prstGeom>
               <a:noFill/>
-              <a:ln>
-                <a:solidFill>
-                  <a:schemeClr val="bg1">
-                    <a:lumMod val="85000"/>
-                  </a:schemeClr>
-                </a:solidFill>
-              </a:ln>
             </p:spPr>
             <p:txBody>
               <a:bodyPr wrap="none" rtlCol="0">
@@ -10801,11 +11340,6 @@
                     <m:oMath xmlns:m="http://schemas.openxmlformats.org/officeDocument/2006/math">
                       <m:r>
                         <a:rPr lang="en-US" b="0" i="1" smtClean="0">
-                          <a:solidFill>
-                            <a:schemeClr val="bg1">
-                              <a:lumMod val="85000"/>
-                            </a:schemeClr>
-                          </a:solidFill>
                           <a:latin typeface="Cambria Math"/>
                           <a:ea typeface="Cambria Math"/>
                         </a:rPr>
@@ -10814,18 +11348,12 @@
                     </m:oMath>
                   </m:oMathPara>
                 </a14:m>
-                <a:endParaRPr lang="en-US" dirty="0">
-                  <a:solidFill>
-                    <a:schemeClr val="bg1">
-                      <a:lumMod val="85000"/>
-                    </a:schemeClr>
-                  </a:solidFill>
-                </a:endParaRPr>
+                <a:endParaRPr lang="en-US" dirty="0"/>
               </a:p>
             </p:txBody>
           </p:sp>
         </mc:Choice>
-        <mc:Fallback>
+        <mc:Fallback xmlns="">
           <p:sp>
             <p:nvSpPr>
               <p:cNvPr id="8" name="TextBox 7"/>
@@ -10848,13 +11376,6 @@
                   <a:fillRect/>
                 </a:stretch>
               </a:blipFill>
-              <a:ln>
-                <a:solidFill>
-                  <a:schemeClr val="bg1">
-                    <a:lumMod val="85000"/>
-                  </a:schemeClr>
-                </a:solidFill>
-              </a:ln>
             </p:spPr>
             <p:txBody>
               <a:bodyPr/>
@@ -10881,8 +11402,8 @@
             </p:nvSpPr>
             <p:spPr>
               <a:xfrm>
-                <a:off x="360150" y="2355333"/>
-                <a:ext cx="1980954" cy="748267"/>
+                <a:off x="228600" y="2155277"/>
+                <a:ext cx="2263074" cy="1158182"/>
               </a:xfrm>
               <a:prstGeom prst="rect">
                 <a:avLst/>
@@ -10926,54 +11447,50 @@
                     </m:oMathParaPr>
                     <m:oMath xmlns:m="http://schemas.openxmlformats.org/officeDocument/2006/math">
                       <m:r>
-                        <a:rPr lang="en-US" sz="1200" b="0" i="1" smtClean="0">
+                        <a:rPr lang="en-US" sz="1600" b="1" i="1" smtClean="0">
                           <a:solidFill>
                             <a:schemeClr val="bg1">
                               <a:lumMod val="85000"/>
                             </a:schemeClr>
                           </a:solidFill>
-                          <a:latin typeface="Cambria Math"/>
                           <a:ea typeface="Cambria Math"/>
                         </a:rPr>
-                        <m:t>𝑢</m:t>
+                        <m:t>𝒖</m:t>
                       </m:r>
                       <m:d>
                         <m:dPr>
                           <m:ctrlPr>
-                            <a:rPr lang="en-US" sz="1200" b="0" i="1" smtClean="0">
+                            <a:rPr lang="en-US" sz="1600" b="1" i="1" smtClean="0">
                               <a:solidFill>
                                 <a:schemeClr val="bg1">
                                   <a:lumMod val="85000"/>
                                 </a:schemeClr>
                               </a:solidFill>
-                              <a:latin typeface="Cambria Math"/>
                               <a:ea typeface="Cambria Math"/>
                             </a:rPr>
                           </m:ctrlPr>
                         </m:dPr>
                         <m:e>
                           <m:r>
-                            <a:rPr lang="en-US" sz="1200" b="0" i="1" smtClean="0">
+                            <a:rPr lang="en-US" sz="1600" b="1" i="1" smtClean="0">
                               <a:solidFill>
                                 <a:schemeClr val="bg1">
                                   <a:lumMod val="85000"/>
                                 </a:schemeClr>
                               </a:solidFill>
-                              <a:latin typeface="Cambria Math"/>
                               <a:ea typeface="Cambria Math"/>
                             </a:rPr>
-                            <m:t>𝑡</m:t>
+                            <m:t>𝒕</m:t>
                           </m:r>
                         </m:e>
                       </m:d>
                       <m:r>
-                        <a:rPr lang="en-US" sz="1200" b="0" i="1" smtClean="0">
+                        <a:rPr lang="en-US" sz="1600" b="1" i="1" smtClean="0">
                           <a:solidFill>
                             <a:schemeClr val="bg1">
                               <a:lumMod val="85000"/>
                             </a:schemeClr>
                           </a:solidFill>
-                          <a:latin typeface="Cambria Math"/>
                           <a:ea typeface="Cambria Math"/>
                         </a:rPr>
                         <m:t>= </m:t>
@@ -10981,111 +11498,100 @@
                       <m:f>
                         <m:fPr>
                           <m:ctrlPr>
-                            <a:rPr lang="en-US" sz="1200" b="0" i="1" smtClean="0">
+                            <a:rPr lang="en-US" sz="1600" b="1" i="1" smtClean="0">
                               <a:solidFill>
                                 <a:schemeClr val="bg1">
                                   <a:lumMod val="85000"/>
                                 </a:schemeClr>
                               </a:solidFill>
-                              <a:latin typeface="Cambria Math"/>
                               <a:ea typeface="Cambria Math"/>
                             </a:rPr>
                           </m:ctrlPr>
                         </m:fPr>
                         <m:num>
                           <m:r>
-                            <a:rPr lang="en-US" sz="1200" b="0" i="1" smtClean="0">
+                            <a:rPr lang="en-US" sz="1600" b="1" i="1" smtClean="0">
                               <a:solidFill>
                                 <a:schemeClr val="bg1">
                                   <a:lumMod val="85000"/>
                                 </a:schemeClr>
                               </a:solidFill>
-                              <a:latin typeface="Cambria Math"/>
                               <a:ea typeface="Cambria Math"/>
                             </a:rPr>
-                            <m:t>𝑤</m:t>
+                            <m:t>𝒘</m:t>
                           </m:r>
                         </m:num>
                         <m:den>
                           <m:r>
-                            <a:rPr lang="en-US" sz="1200" b="0" i="1" smtClean="0">
+                            <a:rPr lang="en-US" sz="1600" b="1" i="1" smtClean="0">
                               <a:solidFill>
                                 <a:schemeClr val="bg1">
                                   <a:lumMod val="85000"/>
                                 </a:schemeClr>
                               </a:solidFill>
-                              <a:latin typeface="Cambria Math"/>
                               <a:ea typeface="Cambria Math"/>
                             </a:rPr>
-                            <m:t>2</m:t>
+                            <m:t>𝟐</m:t>
                           </m:r>
                           <m:r>
-                            <a:rPr lang="en-US" sz="1200" b="0" i="1" smtClean="0">
+                            <a:rPr lang="en-US" sz="1600" b="1" i="1" smtClean="0">
                               <a:solidFill>
                                 <a:schemeClr val="bg1">
                                   <a:lumMod val="85000"/>
                                 </a:schemeClr>
                               </a:solidFill>
-                              <a:latin typeface="Cambria Math"/>
                               <a:ea typeface="Cambria Math"/>
                             </a:rPr>
-                            <m:t>𝑑</m:t>
+                            <m:t>𝒅</m:t>
                           </m:r>
                           <m:func>
                             <m:funcPr>
                               <m:ctrlPr>
-                                <a:rPr lang="en-US" sz="1200" b="0" i="1" smtClean="0">
+                                <a:rPr lang="en-US" sz="1600" b="1" i="1" smtClean="0">
                                   <a:solidFill>
                                     <a:schemeClr val="bg1">
                                       <a:lumMod val="85000"/>
                                     </a:schemeClr>
                                   </a:solidFill>
-                                  <a:latin typeface="Cambria Math"/>
                                   <a:ea typeface="Cambria Math"/>
                                 </a:rPr>
                               </m:ctrlPr>
                             </m:funcPr>
                             <m:fName>
                               <m:r>
-                                <m:rPr>
-                                  <m:sty m:val="p"/>
-                                </m:rPr>
-                                <a:rPr lang="en-US" sz="1200" b="0" i="0" smtClean="0">
+                                <a:rPr lang="en-US" sz="1600" b="1" i="0" smtClean="0">
                                   <a:solidFill>
                                     <a:schemeClr val="bg1">
                                       <a:lumMod val="85000"/>
                                     </a:schemeClr>
                                   </a:solidFill>
-                                  <a:latin typeface="Cambria Math"/>
                                   <a:ea typeface="Cambria Math"/>
                                 </a:rPr>
-                                <m:t>tan</m:t>
+                                <m:t>𝐭𝐚𝐧</m:t>
                               </m:r>
                             </m:fName>
                             <m:e>
                               <m:f>
                                 <m:fPr>
                                   <m:ctrlPr>
-                                    <a:rPr lang="en-US" sz="1200" b="0" i="1" smtClean="0">
+                                    <a:rPr lang="en-US" sz="1600" b="1" i="1" smtClean="0">
                                       <a:solidFill>
                                         <a:schemeClr val="bg1">
                                           <a:lumMod val="85000"/>
                                         </a:schemeClr>
                                       </a:solidFill>
-                                      <a:latin typeface="Cambria Math"/>
                                       <a:ea typeface="Cambria Math"/>
                                     </a:rPr>
                                   </m:ctrlPr>
                                 </m:fPr>
                                 <m:num>
                                   <m:r>
-                                    <a:rPr lang="en-US" sz="1200" b="0" i="1" smtClean="0">
+                                    <a:rPr lang="en-US" sz="1600" b="1" i="1" smtClean="0">
                                       <a:solidFill>
                                         <a:schemeClr val="bg1">
                                           <a:lumMod val="85000"/>
                                         </a:schemeClr>
                                       </a:solidFill>
-                                      <a:latin typeface="Cambria Math"/>
                                       <a:ea typeface="Cambria Math"/>
                                     </a:rPr>
                                     <m:t>∅</m:t>
@@ -11093,16 +11599,15 @@
                                 </m:num>
                                 <m:den>
                                   <m:r>
-                                    <a:rPr lang="en-US" sz="1200" b="0" i="1" smtClean="0">
+                                    <a:rPr lang="en-US" sz="1600" b="1" i="1" smtClean="0">
                                       <a:solidFill>
                                         <a:schemeClr val="bg1">
                                           <a:lumMod val="85000"/>
                                         </a:schemeClr>
                                       </a:solidFill>
-                                      <a:latin typeface="Cambria Math"/>
                                       <a:ea typeface="Cambria Math"/>
                                     </a:rPr>
-                                    <m:t>2</m:t>
+                                    <m:t>𝟐</m:t>
                                   </m:r>
                                 </m:den>
                               </m:f>
@@ -11111,13 +11616,12 @@
                         </m:den>
                       </m:f>
                       <m:r>
-                        <a:rPr lang="en-US" sz="1200" b="0" i="1" smtClean="0">
+                        <a:rPr lang="en-US" sz="1600" b="1" i="1" smtClean="0">
                           <a:solidFill>
                             <a:schemeClr val="bg1">
                               <a:lumMod val="85000"/>
                             </a:schemeClr>
                           </a:solidFill>
-                          <a:latin typeface="Cambria Math"/>
                           <a:ea typeface="Cambria Math"/>
                         </a:rPr>
                         <m:t>×</m:t>
@@ -11125,26 +11629,24 @@
                       <m:f>
                         <m:fPr>
                           <m:ctrlPr>
-                            <a:rPr lang="en-US" sz="1200" b="0" i="1" smtClean="0">
+                            <a:rPr lang="en-US" sz="1600" b="1" i="1" smtClean="0">
                               <a:solidFill>
                                 <a:schemeClr val="bg1">
                                   <a:lumMod val="85000"/>
                                 </a:schemeClr>
                               </a:solidFill>
-                              <a:latin typeface="Cambria Math"/>
                               <a:ea typeface="Cambria Math"/>
                             </a:rPr>
                           </m:ctrlPr>
                         </m:fPr>
                         <m:num>
                           <m:r>
-                            <a:rPr lang="en-US" sz="1200" b="0" i="1" smtClean="0">
+                            <a:rPr lang="en-US" sz="1600" b="1" i="1" smtClean="0">
                               <a:solidFill>
                                 <a:schemeClr val="bg1">
                                   <a:lumMod val="85000"/>
                                 </a:schemeClr>
                               </a:solidFill>
-                              <a:latin typeface="Cambria Math"/>
                               <a:ea typeface="Cambria Math"/>
                             </a:rPr>
                             <m:t>∅</m:t>
@@ -11152,76 +11654,71 @@
                         </m:num>
                         <m:den>
                           <m:r>
-                            <a:rPr lang="en-US" sz="1200" b="0" i="1" smtClean="0">
+                            <a:rPr lang="en-US" sz="1600" b="1" i="1" smtClean="0">
                               <a:solidFill>
                                 <a:schemeClr val="bg1">
                                   <a:lumMod val="85000"/>
                                 </a:schemeClr>
                               </a:solidFill>
-                              <a:latin typeface="Cambria Math"/>
                               <a:ea typeface="Cambria Math"/>
                             </a:rPr>
-                            <m:t>𝑤</m:t>
+                            <m:t>𝒘</m:t>
                           </m:r>
                         </m:den>
                       </m:f>
                       <m:r>
-                        <a:rPr lang="en-US" sz="1200" b="0" i="1" smtClean="0">
+                        <a:rPr lang="en-US" sz="1600" b="1" i="1" smtClean="0">
                           <a:solidFill>
                             <a:schemeClr val="bg1">
                               <a:lumMod val="85000"/>
                             </a:schemeClr>
                           </a:solidFill>
-                          <a:latin typeface="Cambria Math"/>
                           <a:ea typeface="Cambria Math"/>
                         </a:rPr>
                         <m:t>×</m:t>
                       </m:r>
                       <m:r>
-                        <a:rPr lang="en-US" sz="1200" b="0" i="1" smtClean="0">
+                        <a:rPr lang="en-US" sz="1600" b="1" i="1" smtClean="0">
                           <a:solidFill>
                             <a:schemeClr val="bg1">
                               <a:lumMod val="85000"/>
                             </a:schemeClr>
                           </a:solidFill>
-                          <a:latin typeface="Cambria Math"/>
                           <a:ea typeface="Cambria Math"/>
                         </a:rPr>
-                        <m:t>𝑥</m:t>
+                        <m:t>𝒙</m:t>
                       </m:r>
                       <m:d>
                         <m:dPr>
                           <m:ctrlPr>
-                            <a:rPr lang="en-US" sz="1200" b="0" i="1" smtClean="0">
+                            <a:rPr lang="en-US" sz="1600" b="1" i="1" smtClean="0">
                               <a:solidFill>
                                 <a:schemeClr val="bg1">
                                   <a:lumMod val="85000"/>
                                 </a:schemeClr>
                               </a:solidFill>
-                              <a:latin typeface="Cambria Math"/>
                               <a:ea typeface="Cambria Math"/>
                             </a:rPr>
                           </m:ctrlPr>
                         </m:dPr>
                         <m:e>
                           <m:r>
-                            <a:rPr lang="en-US" sz="1200" b="0" i="1" smtClean="0">
+                            <a:rPr lang="en-US" sz="1600" b="1" i="1" smtClean="0">
                               <a:solidFill>
                                 <a:schemeClr val="bg1">
                                   <a:lumMod val="85000"/>
                                 </a:schemeClr>
                               </a:solidFill>
-                              <a:latin typeface="Cambria Math"/>
                               <a:ea typeface="Cambria Math"/>
                             </a:rPr>
-                            <m:t>𝑡</m:t>
+                            <m:t>𝒕</m:t>
                           </m:r>
                         </m:e>
                       </m:d>
                     </m:oMath>
                   </m:oMathPara>
                 </a14:m>
-                <a:endParaRPr lang="en-US" sz="1200" dirty="0">
+                <a:endParaRPr lang="en-US" sz="1600" b="1" dirty="0">
                   <a:solidFill>
                     <a:schemeClr val="bg1">
                       <a:lumMod val="85000"/>
@@ -11243,8 +11740,8 @@
             </p:nvSpPr>
             <p:spPr>
               <a:xfrm>
-                <a:off x="360150" y="2355333"/>
-                <a:ext cx="1980954" cy="748267"/>
+                <a:off x="228600" y="2155277"/>
+                <a:ext cx="2263074" cy="1158182"/>
               </a:xfrm>
               <a:prstGeom prst="rect">
                 <a:avLst/>
@@ -11325,7 +11822,7 @@
           <a:p>
             <a:pPr algn="ctr"/>
             <a:r>
-              <a:rPr lang="en-US" sz="1200" dirty="0" smtClean="0">
+              <a:rPr lang="en-US" sz="1600" b="1" dirty="0" smtClean="0">
                 <a:solidFill>
                   <a:schemeClr val="bg1">
                     <a:lumMod val="85000"/>
@@ -11334,7 +11831,7 @@
               </a:rPr>
               <a:t>PID Controller</a:t>
             </a:r>
-            <a:endParaRPr lang="en-US" sz="1200" dirty="0">
+            <a:endParaRPr lang="en-US" sz="1600" b="1" dirty="0">
               <a:solidFill>
                 <a:schemeClr val="bg1">
                   <a:lumMod val="85000"/>
@@ -11389,22 +11886,14 @@
           <a:p>
             <a:pPr algn="ctr"/>
             <a:r>
-              <a:rPr lang="en-US" sz="1200" dirty="0" smtClean="0">
+              <a:rPr lang="en-US" sz="1600" b="1" dirty="0" smtClean="0">
                 <a:solidFill>
                   <a:sysClr val="windowText" lastClr="000000"/>
                 </a:solidFill>
               </a:rPr>
-              <a:t>Camera Latenc</a:t>
-            </a:r>
-            <a:r>
-              <a:rPr lang="en-US" sz="1400" dirty="0" smtClean="0">
-                <a:solidFill>
-                  <a:sysClr val="windowText" lastClr="000000"/>
-                </a:solidFill>
-              </a:rPr>
-              <a:t>y</a:t>
-            </a:r>
-            <a:endParaRPr lang="en-US" sz="1400" dirty="0">
+              <a:t>Camera Latency</a:t>
+            </a:r>
+            <a:endParaRPr lang="en-US" sz="1600" b="1" dirty="0">
               <a:solidFill>
                 <a:sysClr val="windowText" lastClr="000000"/>
               </a:solidFill>
@@ -11420,8 +11909,8 @@
         </p:nvSpPr>
         <p:spPr>
           <a:xfrm>
-            <a:off x="4214632" y="2355333"/>
-            <a:ext cx="1143000" cy="748267"/>
+            <a:off x="4151567" y="2355333"/>
+            <a:ext cx="1359783" cy="748267"/>
           </a:xfrm>
           <a:prstGeom prst="rect">
             <a:avLst/>
@@ -11457,16 +11946,16 @@
           <a:p>
             <a:pPr algn="ctr"/>
             <a:r>
-              <a:rPr lang="en-US" sz="1200" dirty="0" smtClean="0">
+              <a:rPr lang="en-US" sz="1600" b="1" dirty="0" smtClean="0">
                 <a:solidFill>
-                  <a:schemeClr val="tx1"/>
+                  <a:sysClr val="windowText" lastClr="000000"/>
                 </a:solidFill>
               </a:rPr>
               <a:t>Transmission Latency</a:t>
             </a:r>
-            <a:endParaRPr lang="en-US" sz="1200" dirty="0">
+            <a:endParaRPr lang="en-US" sz="1600" b="1" dirty="0">
               <a:solidFill>
-                <a:schemeClr val="tx1"/>
+                <a:sysClr val="windowText" lastClr="000000"/>
               </a:solidFill>
             </a:endParaRPr>
           </a:p>
@@ -11483,8 +11972,8 @@
         </p:nvCxnSpPr>
         <p:spPr>
           <a:xfrm flipV="1">
-            <a:off x="5357632" y="2729466"/>
-            <a:ext cx="433568" cy="1"/>
+            <a:off x="5511350" y="2729466"/>
+            <a:ext cx="279849" cy="1"/>
           </a:xfrm>
           <a:prstGeom prst="bentConnector3">
             <a:avLst>
@@ -11526,8 +12015,8 @@
         </p:nvCxnSpPr>
         <p:spPr>
           <a:xfrm flipV="1">
-            <a:off x="2341104" y="2729466"/>
-            <a:ext cx="424005" cy="1"/>
+            <a:off x="2491674" y="2729466"/>
+            <a:ext cx="273435" cy="4902"/>
           </a:xfrm>
           <a:prstGeom prst="straightConnector1">
             <a:avLst/>
@@ -11568,11 +12057,11 @@
         <p:spPr>
           <a:xfrm flipH="1">
             <a:off x="3215574" y="2729466"/>
-            <a:ext cx="5566406" cy="1268013"/>
+            <a:ext cx="5762890" cy="1268013"/>
           </a:xfrm>
           <a:prstGeom prst="bentConnector3">
             <a:avLst>
-              <a:gd name="adj1" fmla="val -4107"/>
+              <a:gd name="adj1" fmla="val -1778"/>
             </a:avLst>
           </a:prstGeom>
           <a:ln w="38100">
@@ -11610,12 +12099,12 @@
         </p:nvCxnSpPr>
         <p:spPr>
           <a:xfrm rot="10800000">
-            <a:off x="360151" y="2729467"/>
-            <a:ext cx="1407625" cy="1268012"/>
+            <a:off x="228601" y="2734369"/>
+            <a:ext cx="1539175" cy="1263111"/>
           </a:xfrm>
           <a:prstGeom prst="bentConnector3">
             <a:avLst>
-              <a:gd name="adj1" fmla="val 116240"/>
+              <a:gd name="adj1" fmla="val 110755"/>
             </a:avLst>
           </a:prstGeom>
           <a:ln w="38100">
@@ -11654,7 +12143,7 @@
         <p:spPr>
           <a:xfrm>
             <a:off x="3877617" y="2729466"/>
-            <a:ext cx="337015" cy="1"/>
+            <a:ext cx="273950" cy="1"/>
           </a:xfrm>
           <a:prstGeom prst="bentConnector3">
             <a:avLst>
@@ -11685,8 +12174,8 @@
           </a:fontRef>
         </p:style>
       </p:cxnSp>
-      <mc:AlternateContent xmlns:mc="http://schemas.openxmlformats.org/markup-compatibility/2006">
-        <mc:Choice xmlns:a14="http://schemas.microsoft.com/office/drawing/2010/main" Requires="a14">
+      <mc:AlternateContent xmlns:mc="http://schemas.openxmlformats.org/markup-compatibility/2006" xmlns:a14="http://schemas.microsoft.com/office/drawing/2010/main">
+        <mc:Choice Requires="a14">
           <p:sp>
             <p:nvSpPr>
               <p:cNvPr id="50" name="TextBox 49"/>
@@ -11696,15 +12185,12 @@
             <p:spPr>
               <a:xfrm>
                 <a:off x="4545361" y="1985999"/>
-                <a:ext cx="481542" cy="369332"/>
+                <a:ext cx="464101" cy="338554"/>
               </a:xfrm>
               <a:prstGeom prst="rect">
                 <a:avLst/>
               </a:prstGeom>
               <a:noFill/>
-              <a:ln>
-                <a:noFill/>
-              </a:ln>
             </p:spPr>
             <p:txBody>
               <a:bodyPr wrap="none" rtlCol="0">
@@ -11722,53 +12208,37 @@
                       <m:sSub>
                         <m:sSubPr>
                           <m:ctrlPr>
-                            <a:rPr lang="en-US" b="0" i="1" dirty="0" smtClean="0">
-                              <a:solidFill>
-                                <a:schemeClr val="tx1"/>
-                              </a:solidFill>
-                              <a:latin typeface="Cambria Math"/>
+                            <a:rPr lang="en-US" sz="1600" b="1" i="1" dirty="0" smtClean="0">
                               <a:ea typeface="Cambria Math"/>
                             </a:rPr>
                           </m:ctrlPr>
                         </m:sSubPr>
                         <m:e>
                           <m:r>
-                            <a:rPr lang="en-US" b="0" i="1" dirty="0" smtClean="0">
-                              <a:solidFill>
-                                <a:schemeClr val="tx1"/>
-                              </a:solidFill>
-                              <a:latin typeface="Cambria Math"/>
+                            <a:rPr lang="en-US" sz="1600" b="1" i="1" dirty="0" smtClean="0">
                               <a:ea typeface="Cambria Math"/>
                             </a:rPr>
-                            <m:t>𝜃</m:t>
+                            <m:t>𝜽</m:t>
                           </m:r>
                         </m:e>
                         <m:sub>
                           <m:r>
-                            <a:rPr lang="en-US" b="0" i="1" dirty="0" smtClean="0">
-                              <a:solidFill>
-                                <a:schemeClr val="tx1"/>
-                              </a:solidFill>
-                              <a:latin typeface="Cambria Math"/>
+                            <a:rPr lang="en-US" sz="1600" b="1" i="1" dirty="0" smtClean="0">
                               <a:ea typeface="Cambria Math"/>
                             </a:rPr>
-                            <m:t>𝑑</m:t>
+                            <m:t>𝒅</m:t>
                           </m:r>
                         </m:sub>
                       </m:sSub>
                     </m:oMath>
                   </m:oMathPara>
                 </a14:m>
-                <a:endParaRPr lang="en-US" dirty="0">
-                  <a:solidFill>
-                    <a:schemeClr val="tx1"/>
-                  </a:solidFill>
-                </a:endParaRPr>
+                <a:endParaRPr lang="en-US" sz="1600" b="1" dirty="0"/>
               </a:p>
             </p:txBody>
           </p:sp>
         </mc:Choice>
-        <mc:Fallback>
+        <mc:Fallback xmlns="">
           <p:sp>
             <p:nvSpPr>
               <p:cNvPr id="50" name="TextBox 49"/>
@@ -11791,9 +12261,6 @@
                   <a:fillRect/>
                 </a:stretch>
               </a:blipFill>
-              <a:ln>
-                <a:noFill/>
-              </a:ln>
             </p:spPr>
             <p:txBody>
               <a:bodyPr/>
@@ -11820,16 +12287,13 @@
             </p:nvSpPr>
             <p:spPr>
               <a:xfrm>
-                <a:off x="7379942" y="2355331"/>
-                <a:ext cx="374140" cy="369332"/>
+                <a:off x="7548894" y="2369080"/>
+                <a:ext cx="359393" cy="338554"/>
               </a:xfrm>
               <a:prstGeom prst="rect">
                 <a:avLst/>
               </a:prstGeom>
               <a:noFill/>
-              <a:ln>
-                <a:noFill/>
-              </a:ln>
             </p:spPr>
             <p:txBody>
               <a:bodyPr wrap="none" rtlCol="0">
@@ -11845,21 +12309,20 @@
                     </m:oMathParaPr>
                     <m:oMath xmlns:m="http://schemas.openxmlformats.org/officeDocument/2006/math">
                       <m:r>
-                        <a:rPr lang="en-US" i="1" smtClean="0">
+                        <a:rPr lang="en-US" sz="1600" b="1" i="1" smtClean="0">
                           <a:solidFill>
                             <a:schemeClr val="bg1">
                               <a:lumMod val="85000"/>
                             </a:schemeClr>
                           </a:solidFill>
-                          <a:latin typeface="Cambria Math"/>
                           <a:ea typeface="Cambria Math"/>
                         </a:rPr>
-                        <m:t>𝜃</m:t>
+                        <m:t>𝜽</m:t>
                       </m:r>
                     </m:oMath>
                   </m:oMathPara>
                 </a14:m>
-                <a:endParaRPr lang="en-US" dirty="0">
+                <a:endParaRPr lang="en-US" sz="1600" b="1" dirty="0">
                   <a:solidFill>
                     <a:schemeClr val="bg1">
                       <a:lumMod val="85000"/>
@@ -11881,8 +12344,8 @@
             </p:nvSpPr>
             <p:spPr>
               <a:xfrm>
-                <a:off x="7379942" y="2355331"/>
-                <a:ext cx="374140" cy="369332"/>
+                <a:off x="7548894" y="2369080"/>
+                <a:ext cx="359393" cy="338554"/>
               </a:xfrm>
               <a:prstGeom prst="rect">
                 <a:avLst/>
@@ -11893,9 +12356,6 @@
                   <a:fillRect/>
                 </a:stretch>
               </a:blipFill>
-              <a:ln>
-                <a:noFill/>
-              </a:ln>
             </p:spPr>
             <p:txBody>
               <a:bodyPr/>
@@ -11923,15 +12383,12 @@
             <p:spPr>
               <a:xfrm>
                 <a:off x="6906717" y="4005088"/>
-                <a:ext cx="588366" cy="369332"/>
+                <a:ext cx="549061" cy="338554"/>
               </a:xfrm>
               <a:prstGeom prst="rect">
                 <a:avLst/>
               </a:prstGeom>
               <a:noFill/>
-              <a:ln>
-                <a:noFill/>
-              </a:ln>
             </p:spPr>
             <p:txBody>
               <a:bodyPr wrap="none" rtlCol="0">
@@ -11947,45 +12404,42 @@
                     </m:oMathParaPr>
                     <m:oMath xmlns:m="http://schemas.openxmlformats.org/officeDocument/2006/math">
                       <m:r>
-                        <a:rPr lang="en-US" b="0" i="1" smtClean="0">
+                        <a:rPr lang="en-US" sz="1600" b="1" i="1" smtClean="0">
                           <a:solidFill>
                             <a:schemeClr val="bg1">
                               <a:lumMod val="85000"/>
                             </a:schemeClr>
                           </a:solidFill>
-                          <a:latin typeface="Cambria Math"/>
                           <a:ea typeface="Cambria Math"/>
                         </a:rPr>
-                        <m:t>𝑥</m:t>
+                        <m:t>𝒙</m:t>
                       </m:r>
                       <m:r>
-                        <a:rPr lang="en-US" b="0" i="1" smtClean="0">
+                        <a:rPr lang="en-US" sz="1600" b="1" i="1" smtClean="0">
                           <a:solidFill>
                             <a:schemeClr val="bg1">
                               <a:lumMod val="85000"/>
                             </a:schemeClr>
                           </a:solidFill>
-                          <a:latin typeface="Cambria Math"/>
                           <a:ea typeface="Cambria Math"/>
                         </a:rPr>
                         <m:t>,</m:t>
                       </m:r>
                       <m:r>
-                        <a:rPr lang="en-US" b="0" i="1" smtClean="0">
+                        <a:rPr lang="en-US" sz="1600" b="1" i="1" smtClean="0">
                           <a:solidFill>
                             <a:schemeClr val="bg1">
                               <a:lumMod val="85000"/>
                             </a:schemeClr>
                           </a:solidFill>
-                          <a:latin typeface="Cambria Math"/>
                           <a:ea typeface="Cambria Math"/>
                         </a:rPr>
-                        <m:t>𝑦</m:t>
+                        <m:t>𝒚</m:t>
                       </m:r>
                     </m:oMath>
                   </m:oMathPara>
                 </a14:m>
-                <a:endParaRPr lang="en-US" dirty="0">
+                <a:endParaRPr lang="en-US" sz="1600" b="1" dirty="0">
                   <a:solidFill>
                     <a:schemeClr val="bg1">
                       <a:lumMod val="85000"/>
@@ -12008,7 +12462,7 @@
             <p:spPr>
               <a:xfrm>
                 <a:off x="6906717" y="4005088"/>
-                <a:ext cx="588366" cy="369332"/>
+                <a:ext cx="549061" cy="338554"/>
               </a:xfrm>
               <a:prstGeom prst="rect">
                 <a:avLst/>
@@ -12016,12 +12470,9 @@
               <a:blipFill rotWithShape="1">
                 <a:blip r:embed="rId9"/>
                 <a:stretch>
-                  <a:fillRect b="-4918"/>
+                  <a:fillRect b="-1786"/>
                 </a:stretch>
               </a:blipFill>
-              <a:ln>
-                <a:noFill/>
-              </a:ln>
             </p:spPr>
             <p:txBody>
               <a:bodyPr/>
@@ -12048,16 +12499,13 @@
             </p:nvSpPr>
             <p:spPr>
               <a:xfrm>
-                <a:off x="2390969" y="2275466"/>
-                <a:ext cx="374140" cy="369332"/>
+                <a:off x="2438267" y="2370062"/>
+                <a:ext cx="364202" cy="338554"/>
               </a:xfrm>
               <a:prstGeom prst="rect">
                 <a:avLst/>
               </a:prstGeom>
               <a:noFill/>
-              <a:ln>
-                <a:noFill/>
-              </a:ln>
             </p:spPr>
             <p:txBody>
               <a:bodyPr wrap="none" rtlCol="0">
@@ -12073,21 +12521,20 @@
                     </m:oMathParaPr>
                     <m:oMath xmlns:m="http://schemas.openxmlformats.org/officeDocument/2006/math">
                       <m:r>
-                        <a:rPr lang="en-US" b="0" i="1" smtClean="0">
+                        <a:rPr lang="en-US" sz="1600" b="1" i="1" smtClean="0">
                           <a:solidFill>
                             <a:schemeClr val="bg1">
                               <a:lumMod val="85000"/>
                             </a:schemeClr>
                           </a:solidFill>
-                          <a:latin typeface="Cambria Math"/>
                           <a:ea typeface="Cambria Math"/>
                         </a:rPr>
-                        <m:t>𝑢</m:t>
+                        <m:t>𝒖</m:t>
                       </m:r>
                     </m:oMath>
                   </m:oMathPara>
                 </a14:m>
-                <a:endParaRPr lang="en-US" dirty="0">
+                <a:endParaRPr lang="en-US" sz="1600" b="1" dirty="0">
                   <a:solidFill>
                     <a:schemeClr val="bg1">
                       <a:lumMod val="85000"/>
@@ -12109,8 +12556,8 @@
             </p:nvSpPr>
             <p:spPr>
               <a:xfrm>
-                <a:off x="2390969" y="2275466"/>
-                <a:ext cx="374140" cy="369332"/>
+                <a:off x="2438267" y="2370062"/>
+                <a:ext cx="364202" cy="338554"/>
               </a:xfrm>
               <a:prstGeom prst="rect">
                 <a:avLst/>
@@ -12121,9 +12568,6 @@
                   <a:fillRect/>
                 </a:stretch>
               </a:blipFill>
-              <a:ln>
-                <a:noFill/>
-              </a:ln>
             </p:spPr>
             <p:txBody>
               <a:bodyPr/>
@@ -12172,8 +12616,8 @@
         </p:nvSpPr>
         <p:spPr>
           <a:xfrm>
-            <a:off x="5486400" y="1524000"/>
-            <a:ext cx="3429000" cy="2133600"/>
+            <a:off x="5574416" y="1524000"/>
+            <a:ext cx="3569584" cy="2133600"/>
           </a:xfrm>
           <a:prstGeom prst="rect">
             <a:avLst/>
@@ -12209,13 +12653,7 @@
           <a:lstStyle/>
           <a:p>
             <a:pPr algn="ctr"/>
-            <a:endParaRPr lang="en-US">
-              <a:solidFill>
-                <a:schemeClr val="bg1">
-                  <a:lumMod val="85000"/>
-                </a:schemeClr>
-              </a:solidFill>
-            </a:endParaRPr>
+            <a:endParaRPr lang="en-US"/>
           </a:p>
         </p:txBody>
       </p:sp>
@@ -12227,8 +12665,8 @@
         </p:nvSpPr>
         <p:spPr>
           <a:xfrm>
-            <a:off x="64282" y="2036800"/>
-            <a:ext cx="3953934" cy="2992400"/>
+            <a:off x="0" y="2036800"/>
+            <a:ext cx="4018216" cy="2992400"/>
           </a:xfrm>
           <a:prstGeom prst="rect">
             <a:avLst/>
@@ -12236,7 +12674,9 @@
           <a:noFill/>
           <a:ln w="44450">
             <a:solidFill>
-              <a:schemeClr val="tx1"/>
+              <a:schemeClr val="bg1">
+                <a:lumMod val="85000"/>
+              </a:schemeClr>
             </a:solidFill>
             <a:prstDash val="dash"/>
           </a:ln>
@@ -12266,8 +12706,8 @@
           </a:p>
         </p:txBody>
       </p:sp>
-      <mc:AlternateContent xmlns:mc="http://schemas.openxmlformats.org/markup-compatibility/2006">
-        <mc:Choice xmlns:a14="http://schemas.microsoft.com/office/drawing/2010/main" Requires="a14">
+      <mc:AlternateContent xmlns:mc="http://schemas.openxmlformats.org/markup-compatibility/2006" xmlns:a14="http://schemas.microsoft.com/office/drawing/2010/main">
+        <mc:Choice Requires="a14">
           <p:sp>
             <p:nvSpPr>
               <p:cNvPr id="191" name="TextBox 190"/>
@@ -12277,15 +12717,12 @@
             <p:spPr>
               <a:xfrm>
                 <a:off x="728314" y="3972822"/>
-                <a:ext cx="588366" cy="369332"/>
+                <a:ext cx="549061" cy="338554"/>
               </a:xfrm>
               <a:prstGeom prst="rect">
                 <a:avLst/>
               </a:prstGeom>
               <a:noFill/>
-              <a:ln>
-                <a:noFill/>
-              </a:ln>
             </p:spPr>
             <p:txBody>
               <a:bodyPr wrap="none" rtlCol="0">
@@ -12301,45 +12738,42 @@
                     </m:oMathParaPr>
                     <m:oMath xmlns:m="http://schemas.openxmlformats.org/officeDocument/2006/math">
                       <m:r>
-                        <a:rPr lang="en-US" b="0" i="1" smtClean="0">
+                        <a:rPr lang="en-US" sz="1600" b="1" i="1" smtClean="0">
                           <a:solidFill>
                             <a:schemeClr val="bg1">
                               <a:lumMod val="85000"/>
                             </a:schemeClr>
                           </a:solidFill>
-                          <a:latin typeface="Cambria Math"/>
                           <a:ea typeface="Cambria Math"/>
                         </a:rPr>
-                        <m:t>𝑥</m:t>
+                        <m:t>𝒙</m:t>
                       </m:r>
                       <m:r>
-                        <a:rPr lang="en-US" b="0" i="1" smtClean="0">
+                        <a:rPr lang="en-US" sz="1600" b="1" i="1" smtClean="0">
                           <a:solidFill>
                             <a:schemeClr val="bg1">
                               <a:lumMod val="85000"/>
                             </a:schemeClr>
                           </a:solidFill>
-                          <a:latin typeface="Cambria Math"/>
                           <a:ea typeface="Cambria Math"/>
                         </a:rPr>
                         <m:t>,</m:t>
                       </m:r>
                       <m:r>
-                        <a:rPr lang="en-US" b="0" i="1" smtClean="0">
+                        <a:rPr lang="en-US" sz="1600" b="1" i="1" smtClean="0">
                           <a:solidFill>
                             <a:schemeClr val="bg1">
                               <a:lumMod val="85000"/>
                             </a:schemeClr>
                           </a:solidFill>
-                          <a:latin typeface="Cambria Math"/>
                           <a:ea typeface="Cambria Math"/>
                         </a:rPr>
-                        <m:t>𝑦</m:t>
+                        <m:t>𝒚</m:t>
                       </m:r>
                     </m:oMath>
                   </m:oMathPara>
                 </a14:m>
-                <a:endParaRPr lang="en-US" dirty="0">
+                <a:endParaRPr lang="en-US" sz="1600" b="1" dirty="0">
                   <a:solidFill>
                     <a:schemeClr val="bg1">
                       <a:lumMod val="85000"/>
@@ -12350,7 +12784,7 @@
             </p:txBody>
           </p:sp>
         </mc:Choice>
-        <mc:Fallback>
+        <mc:Fallback xmlns="">
           <p:sp>
             <p:nvSpPr>
               <p:cNvPr id="191" name="TextBox 190"/>
@@ -12373,9 +12807,6 @@
                   <a:fillRect b="-6667"/>
                 </a:stretch>
               </a:blipFill>
-              <a:ln>
-                <a:noFill/>
-              </a:ln>
             </p:spPr>
             <p:txBody>
               <a:bodyPr/>
@@ -12401,7 +12832,7 @@
         <p:spPr>
           <a:xfrm>
             <a:off x="1236701" y="4572000"/>
-            <a:ext cx="1609095" cy="369332"/>
+            <a:ext cx="1639423" cy="369332"/>
           </a:xfrm>
           <a:prstGeom prst="rect">
             <a:avLst/>
@@ -12415,10 +12846,10 @@
           <a:lstStyle/>
           <a:p>
             <a:r>
-              <a:rPr lang="en-US" dirty="0" smtClean="0"/>
+              <a:rPr lang="en-US" b="1" dirty="0" smtClean="0"/>
               <a:t>Ground Station</a:t>
             </a:r>
-            <a:endParaRPr lang="en-US" dirty="0"/>
+            <a:endParaRPr lang="en-US" b="1" dirty="0"/>
           </a:p>
         </p:txBody>
       </p:sp>
@@ -12431,15 +12862,12 @@
         <p:spPr>
           <a:xfrm>
             <a:off x="6808773" y="1616667"/>
-            <a:ext cx="784254" cy="369332"/>
+            <a:ext cx="797398" cy="369332"/>
           </a:xfrm>
           <a:prstGeom prst="rect">
             <a:avLst/>
           </a:prstGeom>
           <a:noFill/>
-          <a:ln>
-            <a:noFill/>
-          </a:ln>
         </p:spPr>
         <p:txBody>
           <a:bodyPr wrap="none" rtlCol="0">
@@ -12448,7 +12876,7 @@
           <a:lstStyle/>
           <a:p>
             <a:r>
-              <a:rPr lang="en-US" dirty="0" smtClean="0">
+              <a:rPr lang="en-US" b="1" dirty="0" smtClean="0">
                 <a:solidFill>
                   <a:schemeClr val="bg1">
                     <a:lumMod val="85000"/>
@@ -12458,7 +12886,7 @@
               <a:t>H</a:t>
             </a:r>
             <a:r>
-              <a:rPr lang="en-US" baseline="30000" dirty="0" smtClean="0">
+              <a:rPr lang="en-US" b="1" baseline="30000" dirty="0" smtClean="0">
                 <a:solidFill>
                   <a:schemeClr val="bg1">
                     <a:lumMod val="85000"/>
@@ -12468,7 +12896,7 @@
               <a:t>2</a:t>
             </a:r>
             <a:r>
-              <a:rPr lang="en-US" dirty="0" smtClean="0">
+              <a:rPr lang="en-US" b="1" dirty="0" smtClean="0">
                 <a:solidFill>
                   <a:schemeClr val="bg1">
                     <a:lumMod val="85000"/>
@@ -12477,7 +12905,7 @@
               </a:rPr>
               <a:t>Bird</a:t>
             </a:r>
-            <a:endParaRPr lang="en-US" dirty="0">
+            <a:endParaRPr lang="en-US" b="1" dirty="0">
               <a:solidFill>
                 <a:schemeClr val="bg1">
                   <a:lumMod val="85000"/>
@@ -12489,7 +12917,7 @@
       </p:sp>
       <p:sp>
         <p:nvSpPr>
-          <p:cNvPr id="27" name="Content Placeholder 5"/>
+          <p:cNvPr id="30" name="Content Placeholder 5"/>
           <p:cNvSpPr>
             <a:spLocks noGrp="1"/>
           </p:cNvSpPr>
@@ -12555,7 +12983,7 @@
     </p:spTree>
     <p:extLst>
       <p:ext uri="{BB962C8B-B14F-4D97-AF65-F5344CB8AC3E}">
-        <p14:creationId xmlns:p14="http://schemas.microsoft.com/office/powerpoint/2010/main" val="683836580"/>
+        <p14:creationId xmlns:p14="http://schemas.microsoft.com/office/powerpoint/2010/main" val="249807198"/>
       </p:ext>
     </p:extLst>
   </p:cSld>
@@ -12622,8 +13050,8 @@
             </p:nvSpPr>
             <p:spPr>
               <a:xfrm>
-                <a:off x="7787949" y="2355331"/>
-                <a:ext cx="994031" cy="748269"/>
+                <a:off x="7851013" y="2355331"/>
+                <a:ext cx="1127451" cy="748269"/>
               </a:xfrm>
               <a:prstGeom prst="rect">
                 <a:avLst/>
@@ -12677,13 +13105,12 @@
                             </m:mc>
                           </m:mcs>
                           <m:ctrlPr>
-                            <a:rPr lang="en-US" sz="1200" i="1" smtClean="0">
+                            <a:rPr lang="en-US" sz="1600" b="1" i="1" smtClean="0">
                               <a:solidFill>
                                 <a:schemeClr val="bg1">
                                   <a:lumMod val="85000"/>
                                 </a:schemeClr>
                               </a:solidFill>
-                              <a:latin typeface="Cambria Math"/>
                             </a:rPr>
                           </m:ctrlPr>
                         </m:mPr>
@@ -12693,27 +13120,25 @@
                               <m:accPr>
                                 <m:chr m:val="̇"/>
                                 <m:ctrlPr>
-                                  <a:rPr lang="en-US" sz="1200" i="1" smtClean="0">
+                                  <a:rPr lang="en-US" sz="1600" b="1" i="1" smtClean="0">
                                     <a:solidFill>
                                       <a:schemeClr val="bg1">
                                         <a:lumMod val="85000"/>
                                       </a:schemeClr>
                                     </a:solidFill>
-                                    <a:latin typeface="Cambria Math"/>
                                   </a:rPr>
                                 </m:ctrlPr>
                               </m:accPr>
                               <m:e>
                                 <m:r>
-                                  <a:rPr lang="en-US" sz="1200" b="0" i="1" smtClean="0">
+                                  <a:rPr lang="en-US" sz="1600" b="1" i="1" smtClean="0">
                                     <a:solidFill>
                                       <a:schemeClr val="bg1">
                                         <a:lumMod val="85000"/>
                                       </a:schemeClr>
                                     </a:solidFill>
-                                    <a:latin typeface="Cambria Math"/>
                                   </a:rPr>
-                                  <m:t>𝑥</m:t>
+                                  <m:t>𝒙</m:t>
                                 </m:r>
                               </m:e>
                             </m:acc>
@@ -12721,83 +13146,73 @@
                               <m:rPr>
                                 <m:brk m:alnAt="7"/>
                               </m:rPr>
-                              <a:rPr lang="en-US" sz="1200" b="0" i="1" smtClean="0">
+                              <a:rPr lang="en-US" sz="1600" b="1" i="1" smtClean="0">
                                 <a:solidFill>
                                   <a:schemeClr val="bg1">
                                     <a:lumMod val="85000"/>
                                   </a:schemeClr>
                                 </a:solidFill>
-                                <a:latin typeface="Cambria Math"/>
                               </a:rPr>
                               <m:t>=</m:t>
                             </m:r>
                             <m:r>
-                              <a:rPr lang="en-US" sz="1200" b="0" i="1" smtClean="0">
+                              <a:rPr lang="en-US" sz="1600" b="1" i="1" smtClean="0">
                                 <a:solidFill>
                                   <a:schemeClr val="bg1">
                                     <a:lumMod val="85000"/>
                                   </a:schemeClr>
                                 </a:solidFill>
-                                <a:latin typeface="Cambria Math"/>
                               </a:rPr>
-                              <m:t>𝑣</m:t>
+                              <m:t>𝒗</m:t>
                             </m:r>
                             <m:func>
                               <m:funcPr>
                                 <m:ctrlPr>
-                                  <a:rPr lang="en-US" sz="1200" b="0" i="1" smtClean="0">
+                                  <a:rPr lang="en-US" sz="1600" b="1" i="1" smtClean="0">
                                     <a:solidFill>
                                       <a:schemeClr val="bg1">
                                         <a:lumMod val="85000"/>
                                       </a:schemeClr>
                                     </a:solidFill>
-                                    <a:latin typeface="Cambria Math"/>
                                   </a:rPr>
                                 </m:ctrlPr>
                               </m:funcPr>
                               <m:fName>
                                 <m:r>
                                   <m:rPr>
-                                    <m:sty m:val="p"/>
                                     <m:brk m:alnAt="7"/>
                                   </m:rPr>
-                                  <a:rPr lang="en-US" sz="1200" b="0" i="0" smtClean="0">
+                                  <a:rPr lang="en-US" sz="1600" b="1" i="0" smtClean="0">
                                     <a:solidFill>
                                       <a:schemeClr val="bg1">
                                         <a:lumMod val="85000"/>
                                       </a:schemeClr>
                                     </a:solidFill>
-                                    <a:latin typeface="Cambria Math"/>
                                   </a:rPr>
-                                  <m:t>s</m:t>
+                                  <m:t>𝐬</m:t>
                                 </m:r>
                                 <m:r>
-                                  <m:rPr>
-                                    <m:sty m:val="p"/>
-                                  </m:rPr>
-                                  <a:rPr lang="en-US" sz="1200" b="0" i="0" smtClean="0">
+                                  <a:rPr lang="en-US" sz="1600" b="1" i="0" smtClean="0">
                                     <a:solidFill>
                                       <a:schemeClr val="bg1">
                                         <a:lumMod val="85000"/>
                                       </a:schemeClr>
                                     </a:solidFill>
-                                    <a:latin typeface="Cambria Math"/>
                                   </a:rPr>
-                                  <m:t>in</m:t>
+                                  <m:t>𝐢𝐧</m:t>
                                 </m:r>
                               </m:fName>
                               <m:e>
                                 <m:r>
-                                  <a:rPr lang="en-US" sz="1200" b="0" i="1" smtClean="0">
+                                  <a:rPr lang="en-US" sz="1600" b="1" i="1" smtClean="0">
                                     <a:solidFill>
                                       <a:schemeClr val="bg1">
                                         <a:lumMod val="85000"/>
                                       </a:schemeClr>
                                     </a:solidFill>
-                                    <a:latin typeface="Cambria Math"/>
                                     <a:ea typeface="Cambria Math"/>
                                   </a:rPr>
-                                  <m:t>𝜃</m:t>
+                                  <m:t>𝜽</m:t>
                                 </m:r>
                               </m:e>
                             </m:func>
@@ -12809,27 +13224,25 @@
                               <m:accPr>
                                 <m:chr m:val="̇"/>
                                 <m:ctrlPr>
-                                  <a:rPr lang="en-US" sz="1200" i="1" smtClean="0">
+                                  <a:rPr lang="en-US" sz="1600" b="1" i="1" smtClean="0">
                                     <a:solidFill>
                                       <a:schemeClr val="bg1">
                                         <a:lumMod val="85000"/>
                                       </a:schemeClr>
                                     </a:solidFill>
-                                    <a:latin typeface="Cambria Math"/>
                                   </a:rPr>
                                 </m:ctrlPr>
                               </m:accPr>
                               <m:e>
                                 <m:r>
-                                  <a:rPr lang="en-US" sz="1200" b="0" i="1" smtClean="0">
+                                  <a:rPr lang="en-US" sz="1600" b="1" i="1" smtClean="0">
                                     <a:solidFill>
                                       <a:schemeClr val="bg1">
                                         <a:lumMod val="85000"/>
                                       </a:schemeClr>
                                     </a:solidFill>
-                                    <a:latin typeface="Cambria Math"/>
                                   </a:rPr>
-                                  <m:t>𝑦</m:t>
+                                  <m:t>𝒚</m:t>
                                 </m:r>
                               </m:e>
                             </m:acc>
@@ -12837,83 +13250,73 @@
                               <m:rPr>
                                 <m:brk m:alnAt="7"/>
                               </m:rPr>
-                              <a:rPr lang="en-US" sz="1200" b="0" i="1" smtClean="0">
+                              <a:rPr lang="en-US" sz="1600" b="1" i="1" smtClean="0">
                                 <a:solidFill>
                                   <a:schemeClr val="bg1">
                                     <a:lumMod val="85000"/>
                                   </a:schemeClr>
                                 </a:solidFill>
-                                <a:latin typeface="Cambria Math"/>
                               </a:rPr>
                               <m:t>=</m:t>
                             </m:r>
                             <m:r>
-                              <a:rPr lang="en-US" sz="1200" b="0" i="1" smtClean="0">
+                              <a:rPr lang="en-US" sz="1600" b="1" i="1" smtClean="0">
                                 <a:solidFill>
                                   <a:schemeClr val="bg1">
                                     <a:lumMod val="85000"/>
                                   </a:schemeClr>
                                 </a:solidFill>
-                                <a:latin typeface="Cambria Math"/>
                               </a:rPr>
-                              <m:t>𝑣</m:t>
+                              <m:t>𝒗</m:t>
                             </m:r>
                             <m:func>
                               <m:funcPr>
                                 <m:ctrlPr>
-                                  <a:rPr lang="en-US" sz="1200" b="0" i="1" smtClean="0">
+                                  <a:rPr lang="en-US" sz="1600" b="1" i="1" smtClean="0">
                                     <a:solidFill>
                                       <a:schemeClr val="bg1">
                                         <a:lumMod val="85000"/>
                                       </a:schemeClr>
                                     </a:solidFill>
-                                    <a:latin typeface="Cambria Math"/>
                                   </a:rPr>
                                 </m:ctrlPr>
                               </m:funcPr>
                               <m:fName>
                                 <m:r>
                                   <m:rPr>
-                                    <m:sty m:val="p"/>
                                     <m:brk m:alnAt="7"/>
                                   </m:rPr>
-                                  <a:rPr lang="en-US" sz="1200" b="0" i="0" smtClean="0">
+                                  <a:rPr lang="en-US" sz="1600" b="1" i="0" smtClean="0">
                                     <a:solidFill>
                                       <a:schemeClr val="bg1">
                                         <a:lumMod val="85000"/>
                                       </a:schemeClr>
                                     </a:solidFill>
-                                    <a:latin typeface="Cambria Math"/>
                                   </a:rPr>
-                                  <m:t>c</m:t>
+                                  <m:t>𝐜</m:t>
                                 </m:r>
                                 <m:r>
-                                  <m:rPr>
-                                    <m:sty m:val="p"/>
-                                  </m:rPr>
-                                  <a:rPr lang="en-US" sz="1200" b="0" i="0" smtClean="0">
+                                  <a:rPr lang="en-US" sz="1600" b="1" i="0" smtClean="0">
                                     <a:solidFill>
                                       <a:schemeClr val="bg1">
                                         <a:lumMod val="85000"/>
                                       </a:schemeClr>
                                     </a:solidFill>
-                                    <a:latin typeface="Cambria Math"/>
                                   </a:rPr>
-                                  <m:t>os</m:t>
+                                  <m:t>𝐨𝐬</m:t>
                                 </m:r>
                               </m:fName>
                               <m:e>
                                 <m:r>
-                                  <a:rPr lang="en-US" sz="1200" b="0" i="1" smtClean="0">
+                                  <a:rPr lang="en-US" sz="1600" b="1" i="1" smtClean="0">
                                     <a:solidFill>
                                       <a:schemeClr val="bg1">
                                         <a:lumMod val="85000"/>
                                       </a:schemeClr>
                                     </a:solidFill>
-                                    <a:latin typeface="Cambria Math"/>
                                     <a:ea typeface="Cambria Math"/>
                                   </a:rPr>
-                                  <m:t>𝜃</m:t>
+                                  <m:t>𝜽</m:t>
                                 </m:r>
                               </m:e>
                             </m:func>
@@ -12923,11 +13326,9 @@
                     </m:oMath>
                   </m:oMathPara>
                 </a14:m>
-                <a:endParaRPr lang="en-US" sz="1200" dirty="0">
+                <a:endParaRPr lang="en-US" sz="1600" b="1" dirty="0">
                   <a:solidFill>
-                    <a:schemeClr val="bg1">
-                      <a:lumMod val="85000"/>
-                    </a:schemeClr>
+                    <a:sysClr val="windowText" lastClr="000000"/>
                   </a:solidFill>
                 </a:endParaRPr>
               </a:p>
@@ -12945,8 +13346,8 @@
             </p:nvSpPr>
             <p:spPr>
               <a:xfrm>
-                <a:off x="7787949" y="2355331"/>
-                <a:ext cx="994031" cy="748269"/>
+                <a:off x="7851013" y="2355331"/>
+                <a:ext cx="1127451" cy="748269"/>
               </a:xfrm>
               <a:prstGeom prst="rect">
                 <a:avLst/>
@@ -12954,7 +13355,7 @@
               <a:blipFill rotWithShape="1">
                 <a:blip r:embed="rId3"/>
                 <a:stretch>
-                  <a:fillRect/>
+                  <a:fillRect l="-1571"/>
                 </a:stretch>
               </a:blipFill>
               <a:ln w="38100">
@@ -12990,8 +13391,8 @@
             </p:nvSpPr>
             <p:spPr>
               <a:xfrm>
-                <a:off x="5791200" y="2355331"/>
-                <a:ext cx="1540199" cy="748269"/>
+                <a:off x="5791199" y="2355331"/>
+                <a:ext cx="1814971" cy="748269"/>
               </a:xfrm>
               <a:prstGeom prst="rect">
                 <a:avLst/>
@@ -13035,54 +13436,50 @@
                     </m:oMathParaPr>
                     <m:oMath xmlns:m="http://schemas.openxmlformats.org/officeDocument/2006/math">
                       <m:r>
-                        <a:rPr lang="en-US" sz="1200" i="1" smtClean="0">
+                        <a:rPr lang="en-US" sz="1600" b="1" i="1" smtClean="0">
                           <a:solidFill>
                             <a:schemeClr val="bg1">
                               <a:lumMod val="85000"/>
                             </a:schemeClr>
                           </a:solidFill>
-                          <a:latin typeface="Cambria Math"/>
                           <a:ea typeface="Cambria Math"/>
                         </a:rPr>
-                        <m:t>𝜃</m:t>
+                        <m:t>𝜽</m:t>
                       </m:r>
                       <m:d>
                         <m:dPr>
                           <m:ctrlPr>
-                            <a:rPr lang="en-US" sz="1200" b="0" i="1" smtClean="0">
+                            <a:rPr lang="en-US" sz="1600" b="1" i="1" smtClean="0">
                               <a:solidFill>
                                 <a:schemeClr val="bg1">
                                   <a:lumMod val="85000"/>
                                 </a:schemeClr>
                               </a:solidFill>
-                              <a:latin typeface="Cambria Math"/>
                               <a:ea typeface="Cambria Math"/>
                             </a:rPr>
                           </m:ctrlPr>
                         </m:dPr>
                         <m:e>
                           <m:r>
-                            <a:rPr lang="en-US" sz="1200" b="0" i="1" smtClean="0">
+                            <a:rPr lang="en-US" sz="1600" b="1" i="1" smtClean="0">
                               <a:solidFill>
                                 <a:schemeClr val="bg1">
                                   <a:lumMod val="85000"/>
                                 </a:schemeClr>
                               </a:solidFill>
-                              <a:latin typeface="Cambria Math"/>
                               <a:ea typeface="Cambria Math"/>
                             </a:rPr>
-                            <m:t>𝑠</m:t>
+                            <m:t>𝒔</m:t>
                           </m:r>
                         </m:e>
                       </m:d>
                       <m:r>
-                        <a:rPr lang="en-US" sz="1200" b="0" i="1" smtClean="0">
+                        <a:rPr lang="en-US" sz="1600" b="1" i="1" smtClean="0">
                           <a:solidFill>
                             <a:schemeClr val="bg1">
                               <a:lumMod val="85000"/>
                             </a:schemeClr>
                           </a:solidFill>
-                          <a:latin typeface="Cambria Math"/>
                           <a:ea typeface="Cambria Math"/>
                         </a:rPr>
                         <m:t>= </m:t>
@@ -13090,133 +13487,134 @@
                       <m:f>
                         <m:fPr>
                           <m:ctrlPr>
-                            <a:rPr lang="en-US" sz="1200" b="0" i="1" smtClean="0">
+                            <a:rPr lang="en-US" sz="1600" b="1" i="1" smtClean="0">
                               <a:solidFill>
                                 <a:schemeClr val="bg1">
                                   <a:lumMod val="85000"/>
                                 </a:schemeClr>
                               </a:solidFill>
-                              <a:latin typeface="Cambria Math"/>
                               <a:ea typeface="Cambria Math"/>
                             </a:rPr>
                           </m:ctrlPr>
                         </m:fPr>
                         <m:num>
                           <m:r>
-                            <a:rPr lang="en-US" sz="1200" b="0" i="1" smtClean="0">
+                            <a:rPr lang="en-US" sz="1600" b="1" i="1" smtClean="0">
                               <a:solidFill>
                                 <a:schemeClr val="bg1">
                                   <a:lumMod val="85000"/>
                                 </a:schemeClr>
                               </a:solidFill>
-                              <a:latin typeface="Cambria Math"/>
                               <a:ea typeface="Cambria Math"/>
                             </a:rPr>
-                            <m:t>𝐾</m:t>
+                            <m:t>𝑲</m:t>
                           </m:r>
                         </m:num>
                         <m:den>
                           <m:r>
-                            <a:rPr lang="en-US" sz="1200" b="0" i="1" smtClean="0">
+                            <a:rPr lang="en-US" sz="1600" b="1" i="1" smtClean="0">
                               <a:solidFill>
                                 <a:schemeClr val="bg1">
                                   <a:lumMod val="85000"/>
                                 </a:schemeClr>
                               </a:solidFill>
-                              <a:latin typeface="Cambria Math"/>
                               <a:ea typeface="Cambria Math"/>
                             </a:rPr>
-                            <m:t>1+</m:t>
+                            <m:t>𝟏</m:t>
                           </m:r>
                           <m:r>
-                            <a:rPr lang="en-US" sz="1200" b="0" i="1" smtClean="0">
+                            <a:rPr lang="en-US" sz="1600" b="1" i="1" smtClean="0">
                               <a:solidFill>
                                 <a:schemeClr val="bg1">
                                   <a:lumMod val="85000"/>
                                 </a:schemeClr>
                               </a:solidFill>
-                              <a:latin typeface="Cambria Math"/>
                               <a:ea typeface="Cambria Math"/>
                             </a:rPr>
-                            <m:t>𝑅𝑠</m:t>
+                            <m:t>+</m:t>
+                          </m:r>
+                          <m:r>
+                            <a:rPr lang="en-US" sz="1600" b="1" i="1" smtClean="0">
+                              <a:solidFill>
+                                <a:schemeClr val="bg1">
+                                  <a:lumMod val="85000"/>
+                                </a:schemeClr>
+                              </a:solidFill>
+                              <a:ea typeface="Cambria Math"/>
+                            </a:rPr>
+                            <m:t>𝑹𝒔</m:t>
                           </m:r>
                         </m:den>
                       </m:f>
                       <m:sSub>
                         <m:sSubPr>
                           <m:ctrlPr>
-                            <a:rPr lang="en-US" sz="1200" b="0" i="1" smtClean="0">
+                            <a:rPr lang="en-US" sz="1600" b="1" i="1" smtClean="0">
                               <a:solidFill>
                                 <a:schemeClr val="bg1">
                                   <a:lumMod val="85000"/>
                                 </a:schemeClr>
                               </a:solidFill>
-                              <a:latin typeface="Cambria Math"/>
                               <a:ea typeface="Cambria Math"/>
                             </a:rPr>
                           </m:ctrlPr>
                         </m:sSubPr>
                         <m:e>
                           <m:r>
-                            <a:rPr lang="en-US" sz="1200" b="0" i="1" smtClean="0">
+                            <a:rPr lang="en-US" sz="1600" b="1" i="1" smtClean="0">
                               <a:solidFill>
                                 <a:schemeClr val="bg1">
                                   <a:lumMod val="85000"/>
                                 </a:schemeClr>
                               </a:solidFill>
-                              <a:latin typeface="Cambria Math"/>
                               <a:ea typeface="Cambria Math"/>
                             </a:rPr>
-                            <m:t>𝜃</m:t>
+                            <m:t>𝜽</m:t>
                           </m:r>
                         </m:e>
                         <m:sub>
                           <m:r>
-                            <a:rPr lang="en-US" sz="1200" b="0" i="1" smtClean="0">
+                            <a:rPr lang="en-US" sz="1600" b="1" i="1" smtClean="0">
                               <a:solidFill>
                                 <a:schemeClr val="bg1">
                                   <a:lumMod val="85000"/>
                                 </a:schemeClr>
                               </a:solidFill>
-                              <a:latin typeface="Cambria Math"/>
                               <a:ea typeface="Cambria Math"/>
                             </a:rPr>
-                            <m:t>𝑑</m:t>
+                            <m:t>𝒅</m:t>
                           </m:r>
                         </m:sub>
                       </m:sSub>
                       <m:r>
-                        <a:rPr lang="en-US" sz="1200" b="0" i="1" smtClean="0">
+                        <a:rPr lang="en-US" sz="1600" b="1" i="1" smtClean="0">
                           <a:solidFill>
                             <a:schemeClr val="bg1">
                               <a:lumMod val="85000"/>
                             </a:schemeClr>
                           </a:solidFill>
-                          <a:latin typeface="Cambria Math"/>
                           <a:ea typeface="Cambria Math"/>
                         </a:rPr>
                         <m:t>(</m:t>
                       </m:r>
                       <m:r>
-                        <a:rPr lang="en-US" sz="1200" b="0" i="1" smtClean="0">
+                        <a:rPr lang="en-US" sz="1600" b="1" i="1" smtClean="0">
                           <a:solidFill>
                             <a:schemeClr val="bg1">
                               <a:lumMod val="85000"/>
                             </a:schemeClr>
                           </a:solidFill>
-                          <a:latin typeface="Cambria Math"/>
                           <a:ea typeface="Cambria Math"/>
                         </a:rPr>
-                        <m:t>𝑠</m:t>
+                        <m:t>𝒔</m:t>
                       </m:r>
                       <m:r>
-                        <a:rPr lang="en-US" sz="1200" b="0" i="1" smtClean="0">
+                        <a:rPr lang="en-US" sz="1600" b="1" i="1" smtClean="0">
                           <a:solidFill>
                             <a:schemeClr val="bg1">
                               <a:lumMod val="85000"/>
                             </a:schemeClr>
                           </a:solidFill>
-                          <a:latin typeface="Cambria Math"/>
                           <a:ea typeface="Cambria Math"/>
                         </a:rPr>
                         <m:t>)</m:t>
@@ -13224,7 +13622,7 @@
                     </m:oMath>
                   </m:oMathPara>
                 </a14:m>
-                <a:endParaRPr lang="en-US" sz="1200" dirty="0">
+                <a:endParaRPr lang="en-US" sz="1600" b="1" dirty="0">
                   <a:solidFill>
                     <a:schemeClr val="bg1">
                       <a:lumMod val="85000"/>
@@ -13246,8 +13644,8 @@
             </p:nvSpPr>
             <p:spPr>
               <a:xfrm>
-                <a:off x="5791200" y="2355331"/>
-                <a:ext cx="1540199" cy="748269"/>
+                <a:off x="5791199" y="2355331"/>
+                <a:ext cx="1814971" cy="748269"/>
               </a:xfrm>
               <a:prstGeom prst="rect">
                 <a:avLst/>
@@ -13292,8 +13690,8 @@
         </p:nvCxnSpPr>
         <p:spPr>
           <a:xfrm>
-            <a:off x="7331399" y="2729466"/>
-            <a:ext cx="456550" cy="0"/>
+            <a:off x="7606170" y="2729466"/>
+            <a:ext cx="244843" cy="0"/>
           </a:xfrm>
           <a:prstGeom prst="straightConnector1">
             <a:avLst/>
@@ -13322,8 +13720,8 @@
           </a:fontRef>
         </p:style>
       </p:cxnSp>
-      <mc:AlternateContent xmlns:mc="http://schemas.openxmlformats.org/markup-compatibility/2006">
-        <mc:Choice xmlns:a14="http://schemas.microsoft.com/office/drawing/2010/main" Requires="a14">
+      <mc:AlternateContent xmlns:mc="http://schemas.openxmlformats.org/markup-compatibility/2006" xmlns:a14="http://schemas.microsoft.com/office/drawing/2010/main">
+        <mc:Choice Requires="a14">
           <p:sp>
             <p:nvSpPr>
               <p:cNvPr id="8" name="TextBox 7"/>
@@ -13339,13 +13737,6 @@
                 <a:avLst/>
               </a:prstGeom>
               <a:noFill/>
-              <a:ln>
-                <a:solidFill>
-                  <a:schemeClr val="bg1">
-                    <a:lumMod val="85000"/>
-                  </a:schemeClr>
-                </a:solidFill>
-              </a:ln>
             </p:spPr>
             <p:txBody>
               <a:bodyPr wrap="none" rtlCol="0">
@@ -13362,11 +13753,6 @@
                     <m:oMath xmlns:m="http://schemas.openxmlformats.org/officeDocument/2006/math">
                       <m:r>
                         <a:rPr lang="en-US" b="0" i="1" smtClean="0">
-                          <a:solidFill>
-                            <a:schemeClr val="bg1">
-                              <a:lumMod val="85000"/>
-                            </a:schemeClr>
-                          </a:solidFill>
                           <a:latin typeface="Cambria Math"/>
                           <a:ea typeface="Cambria Math"/>
                         </a:rPr>
@@ -13375,18 +13761,12 @@
                     </m:oMath>
                   </m:oMathPara>
                 </a14:m>
-                <a:endParaRPr lang="en-US" dirty="0">
-                  <a:solidFill>
-                    <a:schemeClr val="bg1">
-                      <a:lumMod val="85000"/>
-                    </a:schemeClr>
-                  </a:solidFill>
-                </a:endParaRPr>
+                <a:endParaRPr lang="en-US" dirty="0"/>
               </a:p>
             </p:txBody>
           </p:sp>
         </mc:Choice>
-        <mc:Fallback>
+        <mc:Fallback xmlns="">
           <p:sp>
             <p:nvSpPr>
               <p:cNvPr id="8" name="TextBox 7"/>
@@ -13409,13 +13789,6 @@
                   <a:fillRect/>
                 </a:stretch>
               </a:blipFill>
-              <a:ln>
-                <a:solidFill>
-                  <a:schemeClr val="bg1">
-                    <a:lumMod val="85000"/>
-                  </a:schemeClr>
-                </a:solidFill>
-              </a:ln>
             </p:spPr>
             <p:txBody>
               <a:bodyPr/>
@@ -13442,8 +13815,8 @@
             </p:nvSpPr>
             <p:spPr>
               <a:xfrm>
-                <a:off x="360150" y="2355333"/>
-                <a:ext cx="1980954" cy="748267"/>
+                <a:off x="228600" y="2155277"/>
+                <a:ext cx="2263074" cy="1158182"/>
               </a:xfrm>
               <a:prstGeom prst="rect">
                 <a:avLst/>
@@ -13485,46 +13858,42 @@
                     </m:oMathParaPr>
                     <m:oMath xmlns:m="http://schemas.openxmlformats.org/officeDocument/2006/math">
                       <m:r>
-                        <a:rPr lang="en-US" sz="1200" b="0" i="1" smtClean="0">
+                        <a:rPr lang="en-US" sz="1600" b="1" i="1" smtClean="0">
                           <a:solidFill>
-                            <a:schemeClr val="tx1"/>
+                            <a:sysClr val="windowText" lastClr="000000"/>
                           </a:solidFill>
-                          <a:latin typeface="Cambria Math"/>
                           <a:ea typeface="Cambria Math"/>
                         </a:rPr>
-                        <m:t>𝑢</m:t>
+                        <m:t>𝒖</m:t>
                       </m:r>
                       <m:d>
                         <m:dPr>
                           <m:ctrlPr>
-                            <a:rPr lang="en-US" sz="1200" b="0" i="1" smtClean="0">
+                            <a:rPr lang="en-US" sz="1600" b="1" i="1" smtClean="0">
                               <a:solidFill>
-                                <a:schemeClr val="tx1"/>
+                                <a:sysClr val="windowText" lastClr="000000"/>
                               </a:solidFill>
-                              <a:latin typeface="Cambria Math"/>
                               <a:ea typeface="Cambria Math"/>
                             </a:rPr>
                           </m:ctrlPr>
                         </m:dPr>
                         <m:e>
                           <m:r>
-                            <a:rPr lang="en-US" sz="1200" b="0" i="1" smtClean="0">
+                            <a:rPr lang="en-US" sz="1600" b="1" i="1" smtClean="0">
                               <a:solidFill>
-                                <a:schemeClr val="tx1"/>
+                                <a:sysClr val="windowText" lastClr="000000"/>
                               </a:solidFill>
-                              <a:latin typeface="Cambria Math"/>
                               <a:ea typeface="Cambria Math"/>
                             </a:rPr>
-                            <m:t>𝑡</m:t>
+                            <m:t>𝒕</m:t>
                           </m:r>
                         </m:e>
                       </m:d>
                       <m:r>
-                        <a:rPr lang="en-US" sz="1200" b="0" i="1" smtClean="0">
+                        <a:rPr lang="en-US" sz="1600" b="1" i="1" smtClean="0">
                           <a:solidFill>
-                            <a:schemeClr val="tx1"/>
+                            <a:sysClr val="windowText" lastClr="000000"/>
                           </a:solidFill>
-                          <a:latin typeface="Cambria Math"/>
                           <a:ea typeface="Cambria Math"/>
                         </a:rPr>
                         <m:t>= </m:t>
@@ -13532,95 +13901,84 @@
                       <m:f>
                         <m:fPr>
                           <m:ctrlPr>
-                            <a:rPr lang="en-US" sz="1200" b="0" i="1" smtClean="0">
+                            <a:rPr lang="en-US" sz="1600" b="1" i="1" smtClean="0">
                               <a:solidFill>
-                                <a:schemeClr val="tx1"/>
+                                <a:sysClr val="windowText" lastClr="000000"/>
                               </a:solidFill>
-                              <a:latin typeface="Cambria Math"/>
                               <a:ea typeface="Cambria Math"/>
                             </a:rPr>
                           </m:ctrlPr>
                         </m:fPr>
                         <m:num>
                           <m:r>
-                            <a:rPr lang="en-US" sz="1200" b="0" i="1" smtClean="0">
+                            <a:rPr lang="en-US" sz="1600" b="1" i="1" smtClean="0">
                               <a:solidFill>
-                                <a:schemeClr val="tx1"/>
+                                <a:sysClr val="windowText" lastClr="000000"/>
                               </a:solidFill>
-                              <a:latin typeface="Cambria Math"/>
                               <a:ea typeface="Cambria Math"/>
                             </a:rPr>
-                            <m:t>𝑤</m:t>
+                            <m:t>𝒘</m:t>
                           </m:r>
                         </m:num>
                         <m:den>
                           <m:r>
-                            <a:rPr lang="en-US" sz="1200" b="0" i="1" smtClean="0">
+                            <a:rPr lang="en-US" sz="1600" b="1" i="1" smtClean="0">
                               <a:solidFill>
-                                <a:schemeClr val="tx1"/>
+                                <a:sysClr val="windowText" lastClr="000000"/>
                               </a:solidFill>
-                              <a:latin typeface="Cambria Math"/>
                               <a:ea typeface="Cambria Math"/>
                             </a:rPr>
-                            <m:t>2</m:t>
+                            <m:t>𝟐</m:t>
                           </m:r>
                           <m:r>
-                            <a:rPr lang="en-US" sz="1200" b="0" i="1" smtClean="0">
+                            <a:rPr lang="en-US" sz="1600" b="1" i="1" smtClean="0">
                               <a:solidFill>
-                                <a:schemeClr val="tx1"/>
+                                <a:sysClr val="windowText" lastClr="000000"/>
                               </a:solidFill>
-                              <a:latin typeface="Cambria Math"/>
                               <a:ea typeface="Cambria Math"/>
                             </a:rPr>
-                            <m:t>𝑑</m:t>
+                            <m:t>𝒅</m:t>
                           </m:r>
                           <m:func>
                             <m:funcPr>
                               <m:ctrlPr>
-                                <a:rPr lang="en-US" sz="1200" b="0" i="1" smtClean="0">
+                                <a:rPr lang="en-US" sz="1600" b="1" i="1" smtClean="0">
                                   <a:solidFill>
-                                    <a:schemeClr val="tx1"/>
+                                    <a:sysClr val="windowText" lastClr="000000"/>
                                   </a:solidFill>
-                                  <a:latin typeface="Cambria Math"/>
                                   <a:ea typeface="Cambria Math"/>
                                 </a:rPr>
                               </m:ctrlPr>
                             </m:funcPr>
                             <m:fName>
                               <m:r>
-                                <m:rPr>
-                                  <m:sty m:val="p"/>
-                                </m:rPr>
-                                <a:rPr lang="en-US" sz="1200" b="0" i="0" smtClean="0">
+                                <a:rPr lang="en-US" sz="1600" b="1" i="0" smtClean="0">
                                   <a:solidFill>
-                                    <a:schemeClr val="tx1"/>
+                                    <a:sysClr val="windowText" lastClr="000000"/>
                                   </a:solidFill>
-                                  <a:latin typeface="Cambria Math"/>
                                   <a:ea typeface="Cambria Math"/>
                                 </a:rPr>
-                                <m:t>tan</m:t>
+                                <m:t>𝐭𝐚𝐧</m:t>
                               </m:r>
                             </m:fName>
                             <m:e>
                               <m:f>
                                 <m:fPr>
                                   <m:ctrlPr>
-                                    <a:rPr lang="en-US" sz="1200" b="0" i="1" smtClean="0">
+                                    <a:rPr lang="en-US" sz="1600" b="1" i="1" smtClean="0">
                                       <a:solidFill>
-                                        <a:schemeClr val="tx1"/>
+                                        <a:sysClr val="windowText" lastClr="000000"/>
                                       </a:solidFill>
-                                      <a:latin typeface="Cambria Math"/>
                                       <a:ea typeface="Cambria Math"/>
                                     </a:rPr>
                                   </m:ctrlPr>
                                 </m:fPr>
                                 <m:num>
                                   <m:r>
-                                    <a:rPr lang="en-US" sz="1200" b="0" i="1" smtClean="0">
+                                    <a:rPr lang="en-US" sz="1600" b="1" i="1" smtClean="0">
                                       <a:solidFill>
-                                        <a:schemeClr val="tx1"/>
+                                        <a:sysClr val="windowText" lastClr="000000"/>
                                       </a:solidFill>
-                                      <a:latin typeface="Cambria Math"/>
                                       <a:ea typeface="Cambria Math"/>
                                     </a:rPr>
                                     <m:t>∅</m:t>
@@ -13628,14 +13986,13 @@
                                 </m:num>
                                 <m:den>
                                   <m:r>
-                                    <a:rPr lang="en-US" sz="1200" b="0" i="1" smtClean="0">
+                                    <a:rPr lang="en-US" sz="1600" b="1" i="1" smtClean="0">
                                       <a:solidFill>
-                                        <a:schemeClr val="tx1"/>
+                                        <a:sysClr val="windowText" lastClr="000000"/>
                                       </a:solidFill>
-                                      <a:latin typeface="Cambria Math"/>
                                       <a:ea typeface="Cambria Math"/>
                                     </a:rPr>
-                                    <m:t>2</m:t>
+                                    <m:t>𝟐</m:t>
                                   </m:r>
                                 </m:den>
                               </m:f>
@@ -13644,11 +14001,10 @@
                         </m:den>
                       </m:f>
                       <m:r>
-                        <a:rPr lang="en-US" sz="1200" b="0" i="1" smtClean="0">
+                        <a:rPr lang="en-US" sz="1600" b="1" i="1" smtClean="0">
                           <a:solidFill>
-                            <a:schemeClr val="tx1"/>
+                            <a:sysClr val="windowText" lastClr="000000"/>
                           </a:solidFill>
-                          <a:latin typeface="Cambria Math"/>
                           <a:ea typeface="Cambria Math"/>
                         </a:rPr>
                         <m:t>×</m:t>
@@ -13656,22 +14012,20 @@
                       <m:f>
                         <m:fPr>
                           <m:ctrlPr>
-                            <a:rPr lang="en-US" sz="1200" b="0" i="1" smtClean="0">
+                            <a:rPr lang="en-US" sz="1600" b="1" i="1" smtClean="0">
                               <a:solidFill>
-                                <a:schemeClr val="tx1"/>
+                                <a:sysClr val="windowText" lastClr="000000"/>
                               </a:solidFill>
-                              <a:latin typeface="Cambria Math"/>
                               <a:ea typeface="Cambria Math"/>
                             </a:rPr>
                           </m:ctrlPr>
                         </m:fPr>
                         <m:num>
                           <m:r>
-                            <a:rPr lang="en-US" sz="1200" b="0" i="1" smtClean="0">
+                            <a:rPr lang="en-US" sz="1600" b="1" i="1" smtClean="0">
                               <a:solidFill>
-                                <a:schemeClr val="tx1"/>
+                                <a:sysClr val="windowText" lastClr="000000"/>
                               </a:solidFill>
-                              <a:latin typeface="Cambria Math"/>
                               <a:ea typeface="Cambria Math"/>
                             </a:rPr>
                             <m:t>∅</m:t>
@@ -13679,68 +14033,63 @@
                         </m:num>
                         <m:den>
                           <m:r>
-                            <a:rPr lang="en-US" sz="1200" b="0" i="1" smtClean="0">
+                            <a:rPr lang="en-US" sz="1600" b="1" i="1" smtClean="0">
                               <a:solidFill>
-                                <a:schemeClr val="tx1"/>
+                                <a:sysClr val="windowText" lastClr="000000"/>
                               </a:solidFill>
-                              <a:latin typeface="Cambria Math"/>
                               <a:ea typeface="Cambria Math"/>
                             </a:rPr>
-                            <m:t>𝑤</m:t>
+                            <m:t>𝒘</m:t>
                           </m:r>
                         </m:den>
                       </m:f>
                       <m:r>
-                        <a:rPr lang="en-US" sz="1200" b="0" i="1" smtClean="0">
+                        <a:rPr lang="en-US" sz="1600" b="1" i="1" smtClean="0">
                           <a:solidFill>
-                            <a:schemeClr val="tx1"/>
+                            <a:sysClr val="windowText" lastClr="000000"/>
                           </a:solidFill>
-                          <a:latin typeface="Cambria Math"/>
                           <a:ea typeface="Cambria Math"/>
                         </a:rPr>
                         <m:t>×</m:t>
                       </m:r>
                       <m:r>
-                        <a:rPr lang="en-US" sz="1200" b="0" i="1" smtClean="0">
+                        <a:rPr lang="en-US" sz="1600" b="1" i="1" smtClean="0">
                           <a:solidFill>
-                            <a:schemeClr val="tx1"/>
+                            <a:sysClr val="windowText" lastClr="000000"/>
                           </a:solidFill>
-                          <a:latin typeface="Cambria Math"/>
                           <a:ea typeface="Cambria Math"/>
                         </a:rPr>
-                        <m:t>𝑥</m:t>
+                        <m:t>𝒙</m:t>
                       </m:r>
                       <m:d>
                         <m:dPr>
                           <m:ctrlPr>
-                            <a:rPr lang="en-US" sz="1200" b="0" i="1" smtClean="0">
+                            <a:rPr lang="en-US" sz="1600" b="1" i="1" smtClean="0">
                               <a:solidFill>
-                                <a:schemeClr val="tx1"/>
+                                <a:sysClr val="windowText" lastClr="000000"/>
                               </a:solidFill>
-                              <a:latin typeface="Cambria Math"/>
                               <a:ea typeface="Cambria Math"/>
                             </a:rPr>
                           </m:ctrlPr>
                         </m:dPr>
                         <m:e>
                           <m:r>
-                            <a:rPr lang="en-US" sz="1200" b="0" i="1" smtClean="0">
+                            <a:rPr lang="en-US" sz="1600" b="1" i="1" smtClean="0">
                               <a:solidFill>
-                                <a:schemeClr val="tx1"/>
+                                <a:sysClr val="windowText" lastClr="000000"/>
                               </a:solidFill>
-                              <a:latin typeface="Cambria Math"/>
                               <a:ea typeface="Cambria Math"/>
                             </a:rPr>
-                            <m:t>𝑡</m:t>
+                            <m:t>𝒕</m:t>
                           </m:r>
                         </m:e>
                       </m:d>
                     </m:oMath>
                   </m:oMathPara>
                 </a14:m>
-                <a:endParaRPr lang="en-US" sz="1200" dirty="0">
+                <a:endParaRPr lang="en-US" sz="1600" b="1" dirty="0">
                   <a:solidFill>
-                    <a:schemeClr val="tx1"/>
+                    <a:sysClr val="windowText" lastClr="000000"/>
                   </a:solidFill>
                 </a:endParaRPr>
               </a:p>
@@ -13758,8 +14107,8 @@
             </p:nvSpPr>
             <p:spPr>
               <a:xfrm>
-                <a:off x="360150" y="2355333"/>
-                <a:ext cx="1980954" cy="748267"/>
+                <a:off x="228600" y="2155277"/>
+                <a:ext cx="2263074" cy="1158182"/>
               </a:xfrm>
               <a:prstGeom prst="rect">
                 <a:avLst/>
@@ -13836,16 +14185,16 @@
           <a:p>
             <a:pPr algn="ctr"/>
             <a:r>
-              <a:rPr lang="en-US" sz="1200" dirty="0" smtClean="0">
+              <a:rPr lang="en-US" sz="1600" b="1" dirty="0" smtClean="0">
                 <a:solidFill>
-                  <a:schemeClr val="tx1"/>
+                  <a:sysClr val="windowText" lastClr="000000"/>
                 </a:solidFill>
               </a:rPr>
               <a:t>PID Controller</a:t>
             </a:r>
-            <a:endParaRPr lang="en-US" sz="1200" dirty="0">
+            <a:endParaRPr lang="en-US" sz="1600" b="1" dirty="0">
               <a:solidFill>
-                <a:schemeClr val="tx1"/>
+                <a:sysClr val="windowText" lastClr="000000"/>
               </a:solidFill>
             </a:endParaRPr>
           </a:p>
@@ -13898,26 +14247,16 @@
           <a:p>
             <a:pPr algn="ctr"/>
             <a:r>
-              <a:rPr lang="en-US" sz="1200" dirty="0" smtClean="0">
+              <a:rPr lang="en-US" sz="1600" b="1" dirty="0" smtClean="0">
                 <a:solidFill>
                   <a:schemeClr val="bg1">
                     <a:lumMod val="85000"/>
                   </a:schemeClr>
                 </a:solidFill>
               </a:rPr>
-              <a:t>Camera Latenc</a:t>
-            </a:r>
-            <a:r>
-              <a:rPr lang="en-US" sz="1400" dirty="0" smtClean="0">
-                <a:solidFill>
-                  <a:schemeClr val="bg1">
-                    <a:lumMod val="85000"/>
-                  </a:schemeClr>
-                </a:solidFill>
-              </a:rPr>
-              <a:t>y</a:t>
-            </a:r>
-            <a:endParaRPr lang="en-US" sz="1400" dirty="0">
+              <a:t>Camera Latency</a:t>
+            </a:r>
+            <a:endParaRPr lang="en-US" sz="1600" b="1" dirty="0">
               <a:solidFill>
                 <a:schemeClr val="bg1">
                   <a:lumMod val="85000"/>
@@ -13935,8 +14274,8 @@
         </p:nvSpPr>
         <p:spPr>
           <a:xfrm>
-            <a:off x="4214632" y="2355333"/>
-            <a:ext cx="1143000" cy="748267"/>
+            <a:off x="4151567" y="2355333"/>
+            <a:ext cx="1359783" cy="748267"/>
           </a:xfrm>
           <a:prstGeom prst="rect">
             <a:avLst/>
@@ -13974,7 +14313,7 @@
           <a:p>
             <a:pPr algn="ctr"/>
             <a:r>
-              <a:rPr lang="en-US" sz="1200" dirty="0" smtClean="0">
+              <a:rPr lang="en-US" sz="1600" b="1" dirty="0" smtClean="0">
                 <a:solidFill>
                   <a:schemeClr val="bg1">
                     <a:lumMod val="85000"/>
@@ -13983,7 +14322,7 @@
               </a:rPr>
               <a:t>Transmission Latency</a:t>
             </a:r>
-            <a:endParaRPr lang="en-US" sz="1200" dirty="0">
+            <a:endParaRPr lang="en-US" sz="1600" b="1" dirty="0">
               <a:solidFill>
                 <a:schemeClr val="bg1">
                   <a:lumMod val="85000"/>
@@ -14004,8 +14343,8 @@
         </p:nvCxnSpPr>
         <p:spPr>
           <a:xfrm flipV="1">
-            <a:off x="5357632" y="2729466"/>
-            <a:ext cx="433568" cy="1"/>
+            <a:off x="5511350" y="2729466"/>
+            <a:ext cx="279849" cy="1"/>
           </a:xfrm>
           <a:prstGeom prst="bentConnector3">
             <a:avLst>
@@ -14047,8 +14386,8 @@
         </p:nvCxnSpPr>
         <p:spPr>
           <a:xfrm flipV="1">
-            <a:off x="2341104" y="2729466"/>
-            <a:ext cx="424005" cy="1"/>
+            <a:off x="2491674" y="2729466"/>
+            <a:ext cx="273435" cy="4902"/>
           </a:xfrm>
           <a:prstGeom prst="straightConnector1">
             <a:avLst/>
@@ -14087,11 +14426,11 @@
         <p:spPr>
           <a:xfrm flipH="1">
             <a:off x="3215574" y="2729466"/>
-            <a:ext cx="5566406" cy="1268013"/>
+            <a:ext cx="5762890" cy="1268013"/>
           </a:xfrm>
           <a:prstGeom prst="bentConnector3">
             <a:avLst>
-              <a:gd name="adj1" fmla="val -4107"/>
+              <a:gd name="adj1" fmla="val -1778"/>
             </a:avLst>
           </a:prstGeom>
           <a:ln w="38100">
@@ -14129,12 +14468,12 @@
         </p:nvCxnSpPr>
         <p:spPr>
           <a:xfrm rot="10800000">
-            <a:off x="360151" y="2729467"/>
-            <a:ext cx="1407625" cy="1268012"/>
+            <a:off x="228601" y="2734369"/>
+            <a:ext cx="1539175" cy="1263111"/>
           </a:xfrm>
           <a:prstGeom prst="bentConnector3">
             <a:avLst>
-              <a:gd name="adj1" fmla="val 116240"/>
+              <a:gd name="adj1" fmla="val 110755"/>
             </a:avLst>
           </a:prstGeom>
           <a:ln w="38100">
@@ -14173,7 +14512,7 @@
         <p:spPr>
           <a:xfrm>
             <a:off x="3877617" y="2729466"/>
-            <a:ext cx="337015" cy="1"/>
+            <a:ext cx="273950" cy="1"/>
           </a:xfrm>
           <a:prstGeom prst="bentConnector3">
             <a:avLst>
@@ -14204,8 +14543,8 @@
           </a:fontRef>
         </p:style>
       </p:cxnSp>
-      <mc:AlternateContent xmlns:mc="http://schemas.openxmlformats.org/markup-compatibility/2006">
-        <mc:Choice xmlns:a14="http://schemas.microsoft.com/office/drawing/2010/main" Requires="a14">
+      <mc:AlternateContent xmlns:mc="http://schemas.openxmlformats.org/markup-compatibility/2006" xmlns:a14="http://schemas.microsoft.com/office/drawing/2010/main">
+        <mc:Choice Requires="a14">
           <p:sp>
             <p:nvSpPr>
               <p:cNvPr id="50" name="TextBox 49"/>
@@ -14215,15 +14554,12 @@
             <p:spPr>
               <a:xfrm>
                 <a:off x="4545361" y="1985999"/>
-                <a:ext cx="481542" cy="369332"/>
+                <a:ext cx="464101" cy="338554"/>
               </a:xfrm>
               <a:prstGeom prst="rect">
                 <a:avLst/>
               </a:prstGeom>
               <a:noFill/>
-              <a:ln>
-                <a:noFill/>
-              </a:ln>
             </p:spPr>
             <p:txBody>
               <a:bodyPr wrap="none" rtlCol="0">
@@ -14241,61 +14577,52 @@
                       <m:sSub>
                         <m:sSubPr>
                           <m:ctrlPr>
-                            <a:rPr lang="en-US" b="0" i="1" dirty="0" smtClean="0">
+                            <a:rPr lang="en-US" sz="1600" b="1" i="1" dirty="0" smtClean="0">
                               <a:solidFill>
                                 <a:schemeClr val="bg1">
                                   <a:lumMod val="85000"/>
                                 </a:schemeClr>
                               </a:solidFill>
-                              <a:latin typeface="Cambria Math"/>
                               <a:ea typeface="Cambria Math"/>
                             </a:rPr>
                           </m:ctrlPr>
                         </m:sSubPr>
                         <m:e>
                           <m:r>
-                            <a:rPr lang="en-US" b="0" i="1" dirty="0" smtClean="0">
+                            <a:rPr lang="en-US" sz="1600" b="1" i="1" dirty="0" smtClean="0">
                               <a:solidFill>
                                 <a:schemeClr val="bg1">
                                   <a:lumMod val="85000"/>
                                 </a:schemeClr>
                               </a:solidFill>
-                              <a:latin typeface="Cambria Math"/>
                               <a:ea typeface="Cambria Math"/>
                             </a:rPr>
-                            <m:t>𝜃</m:t>
+                            <m:t>𝜽</m:t>
                           </m:r>
                         </m:e>
                         <m:sub>
                           <m:r>
-                            <a:rPr lang="en-US" b="0" i="1" dirty="0" smtClean="0">
+                            <a:rPr lang="en-US" sz="1600" b="1" i="1" dirty="0" smtClean="0">
                               <a:solidFill>
                                 <a:schemeClr val="bg1">
                                   <a:lumMod val="85000"/>
                                 </a:schemeClr>
                               </a:solidFill>
-                              <a:latin typeface="Cambria Math"/>
                               <a:ea typeface="Cambria Math"/>
                             </a:rPr>
-                            <m:t>𝑑</m:t>
+                            <m:t>𝒅</m:t>
                           </m:r>
                         </m:sub>
                       </m:sSub>
                     </m:oMath>
                   </m:oMathPara>
                 </a14:m>
-                <a:endParaRPr lang="en-US" dirty="0">
-                  <a:solidFill>
-                    <a:schemeClr val="bg1">
-                      <a:lumMod val="85000"/>
-                    </a:schemeClr>
-                  </a:solidFill>
-                </a:endParaRPr>
+                <a:endParaRPr lang="en-US" sz="1600" b="1" dirty="0"/>
               </a:p>
             </p:txBody>
           </p:sp>
         </mc:Choice>
-        <mc:Fallback>
+        <mc:Fallback xmlns="">
           <p:sp>
             <p:nvSpPr>
               <p:cNvPr id="50" name="TextBox 49"/>
@@ -14318,9 +14645,6 @@
                   <a:fillRect/>
                 </a:stretch>
               </a:blipFill>
-              <a:ln>
-                <a:noFill/>
-              </a:ln>
             </p:spPr>
             <p:txBody>
               <a:bodyPr/>
@@ -14347,16 +14671,13 @@
             </p:nvSpPr>
             <p:spPr>
               <a:xfrm>
-                <a:off x="7379942" y="2355331"/>
-                <a:ext cx="374140" cy="369332"/>
+                <a:off x="7548894" y="2369080"/>
+                <a:ext cx="359393" cy="338554"/>
               </a:xfrm>
               <a:prstGeom prst="rect">
                 <a:avLst/>
               </a:prstGeom>
               <a:noFill/>
-              <a:ln>
-                <a:noFill/>
-              </a:ln>
             </p:spPr>
             <p:txBody>
               <a:bodyPr wrap="none" rtlCol="0">
@@ -14372,21 +14693,20 @@
                     </m:oMathParaPr>
                     <m:oMath xmlns:m="http://schemas.openxmlformats.org/officeDocument/2006/math">
                       <m:r>
-                        <a:rPr lang="en-US" i="1" smtClean="0">
+                        <a:rPr lang="en-US" sz="1600" b="1" i="1" smtClean="0">
                           <a:solidFill>
                             <a:schemeClr val="bg1">
                               <a:lumMod val="85000"/>
                             </a:schemeClr>
                           </a:solidFill>
-                          <a:latin typeface="Cambria Math"/>
                           <a:ea typeface="Cambria Math"/>
                         </a:rPr>
-                        <m:t>𝜃</m:t>
+                        <m:t>𝜽</m:t>
                       </m:r>
                     </m:oMath>
                   </m:oMathPara>
                 </a14:m>
-                <a:endParaRPr lang="en-US" dirty="0">
+                <a:endParaRPr lang="en-US" sz="1600" b="1" dirty="0">
                   <a:solidFill>
                     <a:schemeClr val="bg1">
                       <a:lumMod val="85000"/>
@@ -14408,8 +14728,8 @@
             </p:nvSpPr>
             <p:spPr>
               <a:xfrm>
-                <a:off x="7379942" y="2355331"/>
-                <a:ext cx="374140" cy="369332"/>
+                <a:off x="7548894" y="2369080"/>
+                <a:ext cx="359393" cy="338554"/>
               </a:xfrm>
               <a:prstGeom prst="rect">
                 <a:avLst/>
@@ -14420,9 +14740,6 @@
                   <a:fillRect/>
                 </a:stretch>
               </a:blipFill>
-              <a:ln>
-                <a:noFill/>
-              </a:ln>
             </p:spPr>
             <p:txBody>
               <a:bodyPr/>
@@ -14450,15 +14767,12 @@
             <p:spPr>
               <a:xfrm>
                 <a:off x="6906717" y="4005088"/>
-                <a:ext cx="588366" cy="369332"/>
+                <a:ext cx="549061" cy="338554"/>
               </a:xfrm>
               <a:prstGeom prst="rect">
                 <a:avLst/>
               </a:prstGeom>
               <a:noFill/>
-              <a:ln>
-                <a:noFill/>
-              </a:ln>
             </p:spPr>
             <p:txBody>
               <a:bodyPr wrap="none" rtlCol="0">
@@ -14474,45 +14788,42 @@
                     </m:oMathParaPr>
                     <m:oMath xmlns:m="http://schemas.openxmlformats.org/officeDocument/2006/math">
                       <m:r>
-                        <a:rPr lang="en-US" b="0" i="1" smtClean="0">
+                        <a:rPr lang="en-US" sz="1600" b="1" i="1" smtClean="0">
                           <a:solidFill>
                             <a:schemeClr val="bg1">
                               <a:lumMod val="85000"/>
                             </a:schemeClr>
                           </a:solidFill>
-                          <a:latin typeface="Cambria Math"/>
                           <a:ea typeface="Cambria Math"/>
                         </a:rPr>
-                        <m:t>𝑥</m:t>
+                        <m:t>𝒙</m:t>
                       </m:r>
                       <m:r>
-                        <a:rPr lang="en-US" b="0" i="1" smtClean="0">
+                        <a:rPr lang="en-US" sz="1600" b="1" i="1" smtClean="0">
                           <a:solidFill>
                             <a:schemeClr val="bg1">
                               <a:lumMod val="85000"/>
                             </a:schemeClr>
                           </a:solidFill>
-                          <a:latin typeface="Cambria Math"/>
                           <a:ea typeface="Cambria Math"/>
                         </a:rPr>
                         <m:t>,</m:t>
                       </m:r>
                       <m:r>
-                        <a:rPr lang="en-US" b="0" i="1" smtClean="0">
+                        <a:rPr lang="en-US" sz="1600" b="1" i="1" smtClean="0">
                           <a:solidFill>
                             <a:schemeClr val="bg1">
                               <a:lumMod val="85000"/>
                             </a:schemeClr>
                           </a:solidFill>
-                          <a:latin typeface="Cambria Math"/>
                           <a:ea typeface="Cambria Math"/>
                         </a:rPr>
-                        <m:t>𝑦</m:t>
+                        <m:t>𝒚</m:t>
                       </m:r>
                     </m:oMath>
                   </m:oMathPara>
                 </a14:m>
-                <a:endParaRPr lang="en-US" dirty="0">
+                <a:endParaRPr lang="en-US" sz="1600" b="1" dirty="0">
                   <a:solidFill>
                     <a:schemeClr val="bg1">
                       <a:lumMod val="85000"/>
@@ -14535,7 +14846,7 @@
             <p:spPr>
               <a:xfrm>
                 <a:off x="6906717" y="4005088"/>
-                <a:ext cx="588366" cy="369332"/>
+                <a:ext cx="549061" cy="338554"/>
               </a:xfrm>
               <a:prstGeom prst="rect">
                 <a:avLst/>
@@ -14543,12 +14854,9 @@
               <a:blipFill rotWithShape="1">
                 <a:blip r:embed="rId9"/>
                 <a:stretch>
-                  <a:fillRect b="-4918"/>
+                  <a:fillRect b="-1786"/>
                 </a:stretch>
               </a:blipFill>
-              <a:ln>
-                <a:noFill/>
-              </a:ln>
             </p:spPr>
             <p:txBody>
               <a:bodyPr/>
@@ -14575,16 +14883,13 @@
             </p:nvSpPr>
             <p:spPr>
               <a:xfrm>
-                <a:off x="2390969" y="2275466"/>
-                <a:ext cx="374140" cy="369332"/>
+                <a:off x="2438267" y="2370062"/>
+                <a:ext cx="364202" cy="338554"/>
               </a:xfrm>
               <a:prstGeom prst="rect">
                 <a:avLst/>
               </a:prstGeom>
               <a:noFill/>
-              <a:ln>
-                <a:noFill/>
-              </a:ln>
             </p:spPr>
             <p:txBody>
               <a:bodyPr wrap="none" rtlCol="0">
@@ -14600,23 +14905,15 @@
                     </m:oMathParaPr>
                     <m:oMath xmlns:m="http://schemas.openxmlformats.org/officeDocument/2006/math">
                       <m:r>
-                        <a:rPr lang="en-US" b="0" i="1" smtClean="0">
-                          <a:solidFill>
-                            <a:schemeClr val="tx1"/>
-                          </a:solidFill>
-                          <a:latin typeface="Cambria Math"/>
+                        <a:rPr lang="en-US" sz="1600" b="1" i="1" smtClean="0">
                           <a:ea typeface="Cambria Math"/>
                         </a:rPr>
-                        <m:t>𝑢</m:t>
+                        <m:t>𝒖</m:t>
                       </m:r>
                     </m:oMath>
                   </m:oMathPara>
                 </a14:m>
-                <a:endParaRPr lang="en-US" dirty="0">
-                  <a:solidFill>
-                    <a:schemeClr val="tx1"/>
-                  </a:solidFill>
-                </a:endParaRPr>
+                <a:endParaRPr lang="en-US" sz="1600" b="1" dirty="0"/>
               </a:p>
             </p:txBody>
           </p:sp>
@@ -14632,8 +14929,8 @@
             </p:nvSpPr>
             <p:spPr>
               <a:xfrm>
-                <a:off x="2390969" y="2275466"/>
-                <a:ext cx="374140" cy="369332"/>
+                <a:off x="2438267" y="2370062"/>
+                <a:ext cx="364202" cy="338554"/>
               </a:xfrm>
               <a:prstGeom prst="rect">
                 <a:avLst/>
@@ -14644,9 +14941,6 @@
                   <a:fillRect/>
                 </a:stretch>
               </a:blipFill>
-              <a:ln>
-                <a:noFill/>
-              </a:ln>
             </p:spPr>
             <p:txBody>
               <a:bodyPr/>
@@ -14695,8 +14989,8 @@
         </p:nvSpPr>
         <p:spPr>
           <a:xfrm>
-            <a:off x="5486400" y="1524000"/>
-            <a:ext cx="3429000" cy="2133600"/>
+            <a:off x="5574416" y="1524000"/>
+            <a:ext cx="3569584" cy="2133600"/>
           </a:xfrm>
           <a:prstGeom prst="rect">
             <a:avLst/>
@@ -14732,13 +15026,7 @@
           <a:lstStyle/>
           <a:p>
             <a:pPr algn="ctr"/>
-            <a:endParaRPr lang="en-US">
-              <a:solidFill>
-                <a:schemeClr val="bg1">
-                  <a:lumMod val="85000"/>
-                </a:schemeClr>
-              </a:solidFill>
-            </a:endParaRPr>
+            <a:endParaRPr lang="en-US"/>
           </a:p>
         </p:txBody>
       </p:sp>
@@ -14750,8 +15038,8 @@
         </p:nvSpPr>
         <p:spPr>
           <a:xfrm>
-            <a:off x="64282" y="2036800"/>
-            <a:ext cx="3953934" cy="2992400"/>
+            <a:off x="0" y="2036800"/>
+            <a:ext cx="4018216" cy="2992400"/>
           </a:xfrm>
           <a:prstGeom prst="rect">
             <a:avLst/>
@@ -14789,8 +15077,8 @@
           </a:p>
         </p:txBody>
       </p:sp>
-      <mc:AlternateContent xmlns:mc="http://schemas.openxmlformats.org/markup-compatibility/2006">
-        <mc:Choice xmlns:a14="http://schemas.microsoft.com/office/drawing/2010/main" Requires="a14">
+      <mc:AlternateContent xmlns:mc="http://schemas.openxmlformats.org/markup-compatibility/2006" xmlns:a14="http://schemas.microsoft.com/office/drawing/2010/main">
+        <mc:Choice Requires="a14">
           <p:sp>
             <p:nvSpPr>
               <p:cNvPr id="191" name="TextBox 190"/>
@@ -14800,15 +15088,12 @@
             <p:spPr>
               <a:xfrm>
                 <a:off x="728314" y="3972822"/>
-                <a:ext cx="588366" cy="369332"/>
+                <a:ext cx="549061" cy="338554"/>
               </a:xfrm>
               <a:prstGeom prst="rect">
                 <a:avLst/>
               </a:prstGeom>
               <a:noFill/>
-              <a:ln>
-                <a:noFill/>
-              </a:ln>
             </p:spPr>
             <p:txBody>
               <a:bodyPr wrap="none" rtlCol="0">
@@ -14824,45 +15109,42 @@
                     </m:oMathParaPr>
                     <m:oMath xmlns:m="http://schemas.openxmlformats.org/officeDocument/2006/math">
                       <m:r>
-                        <a:rPr lang="en-US" b="0" i="1" smtClean="0">
+                        <a:rPr lang="en-US" sz="1600" b="1" i="1" smtClean="0">
                           <a:solidFill>
                             <a:schemeClr val="bg1">
                               <a:lumMod val="85000"/>
                             </a:schemeClr>
                           </a:solidFill>
-                          <a:latin typeface="Cambria Math"/>
                           <a:ea typeface="Cambria Math"/>
                         </a:rPr>
-                        <m:t>𝑥</m:t>
+                        <m:t>𝒙</m:t>
                       </m:r>
                       <m:r>
-                        <a:rPr lang="en-US" b="0" i="1" smtClean="0">
+                        <a:rPr lang="en-US" sz="1600" b="1" i="1" smtClean="0">
                           <a:solidFill>
                             <a:schemeClr val="bg1">
                               <a:lumMod val="85000"/>
                             </a:schemeClr>
                           </a:solidFill>
-                          <a:latin typeface="Cambria Math"/>
                           <a:ea typeface="Cambria Math"/>
                         </a:rPr>
                         <m:t>,</m:t>
                       </m:r>
                       <m:r>
-                        <a:rPr lang="en-US" b="0" i="1" smtClean="0">
+                        <a:rPr lang="en-US" sz="1600" b="1" i="1" smtClean="0">
                           <a:solidFill>
                             <a:schemeClr val="bg1">
                               <a:lumMod val="85000"/>
                             </a:schemeClr>
                           </a:solidFill>
-                          <a:latin typeface="Cambria Math"/>
                           <a:ea typeface="Cambria Math"/>
                         </a:rPr>
-                        <m:t>𝑦</m:t>
+                        <m:t>𝒚</m:t>
                       </m:r>
                     </m:oMath>
                   </m:oMathPara>
                 </a14:m>
-                <a:endParaRPr lang="en-US" dirty="0">
+                <a:endParaRPr lang="en-US" sz="1600" b="1" dirty="0">
                   <a:solidFill>
                     <a:schemeClr val="bg1">
                       <a:lumMod val="85000"/>
@@ -14873,7 +15155,7 @@
             </p:txBody>
           </p:sp>
         </mc:Choice>
-        <mc:Fallback>
+        <mc:Fallback xmlns="">
           <p:sp>
             <p:nvSpPr>
               <p:cNvPr id="191" name="TextBox 190"/>
@@ -14896,9 +15178,6 @@
                   <a:fillRect b="-6667"/>
                 </a:stretch>
               </a:blipFill>
-              <a:ln>
-                <a:noFill/>
-              </a:ln>
             </p:spPr>
             <p:txBody>
               <a:bodyPr/>
@@ -14924,7 +15203,7 @@
         <p:spPr>
           <a:xfrm>
             <a:off x="1236701" y="4572000"/>
-            <a:ext cx="1609095" cy="369332"/>
+            <a:ext cx="1639423" cy="369332"/>
           </a:xfrm>
           <a:prstGeom prst="rect">
             <a:avLst/>
@@ -14938,10 +15217,10 @@
           <a:lstStyle/>
           <a:p>
             <a:r>
-              <a:rPr lang="en-US" dirty="0" smtClean="0"/>
+              <a:rPr lang="en-US" b="1" dirty="0" smtClean="0"/>
               <a:t>Ground Station</a:t>
             </a:r>
-            <a:endParaRPr lang="en-US" dirty="0"/>
+            <a:endParaRPr lang="en-US" b="1" dirty="0"/>
           </a:p>
         </p:txBody>
       </p:sp>
@@ -14954,15 +15233,12 @@
         <p:spPr>
           <a:xfrm>
             <a:off x="6808773" y="1616667"/>
-            <a:ext cx="784254" cy="369332"/>
+            <a:ext cx="797398" cy="369332"/>
           </a:xfrm>
           <a:prstGeom prst="rect">
             <a:avLst/>
           </a:prstGeom>
           <a:noFill/>
-          <a:ln>
-            <a:noFill/>
-          </a:ln>
         </p:spPr>
         <p:txBody>
           <a:bodyPr wrap="none" rtlCol="0">
@@ -14971,7 +15247,7 @@
           <a:lstStyle/>
           <a:p>
             <a:r>
-              <a:rPr lang="en-US" dirty="0" smtClean="0">
+              <a:rPr lang="en-US" b="1" dirty="0" smtClean="0">
                 <a:solidFill>
                   <a:schemeClr val="bg1">
                     <a:lumMod val="85000"/>
@@ -14981,7 +15257,7 @@
               <a:t>H</a:t>
             </a:r>
             <a:r>
-              <a:rPr lang="en-US" baseline="30000" dirty="0" smtClean="0">
+              <a:rPr lang="en-US" b="1" baseline="30000" dirty="0" smtClean="0">
                 <a:solidFill>
                   <a:schemeClr val="bg1">
                     <a:lumMod val="85000"/>
@@ -14991,7 +15267,7 @@
               <a:t>2</a:t>
             </a:r>
             <a:r>
-              <a:rPr lang="en-US" dirty="0" smtClean="0">
+              <a:rPr lang="en-US" b="1" dirty="0" smtClean="0">
                 <a:solidFill>
                   <a:schemeClr val="bg1">
                     <a:lumMod val="85000"/>
@@ -15000,7 +15276,7 @@
               </a:rPr>
               <a:t>Bird</a:t>
             </a:r>
-            <a:endParaRPr lang="en-US" dirty="0">
+            <a:endParaRPr lang="en-US" b="1" dirty="0">
               <a:solidFill>
                 <a:schemeClr val="bg1">
                   <a:lumMod val="85000"/>
@@ -15065,7 +15341,7 @@
     </p:spTree>
     <p:extLst>
       <p:ext uri="{BB962C8B-B14F-4D97-AF65-F5344CB8AC3E}">
-        <p14:creationId xmlns:p14="http://schemas.microsoft.com/office/powerpoint/2010/main" val="3128778405"/>
+        <p14:creationId xmlns:p14="http://schemas.microsoft.com/office/powerpoint/2010/main" val="249807198"/>
       </p:ext>
     </p:extLst>
   </p:cSld>
@@ -15677,8 +15953,8 @@
         </p:blipFill>
         <p:spPr>
           <a:xfrm>
-            <a:off x="1752600" y="1371600"/>
-            <a:ext cx="5148678" cy="5171309"/>
+            <a:off x="1878488" y="1371600"/>
+            <a:ext cx="4896901" cy="5171309"/>
           </a:xfrm>
         </p:spPr>
       </p:pic>
@@ -15777,7 +16053,7 @@
           </p:nvPr>
         </p:nvPicPr>
         <p:blipFill>
-          <a:blip r:embed="rId2" cstate="print">
+          <a:blip r:embed="rId3" cstate="print">
             <a:extLst>
               <a:ext uri="{28A0092B-C50C-407E-A947-70E740481C1C}">
                 <a14:useLocalDpi xmlns:a14="http://schemas.microsoft.com/office/drawing/2010/main" val="0"/>
@@ -15790,8 +16066,8 @@
         </p:blipFill>
         <p:spPr>
           <a:xfrm>
-            <a:off x="1752600" y="1371600"/>
-            <a:ext cx="5148678" cy="5171310"/>
+            <a:off x="1878488" y="1371600"/>
+            <a:ext cx="4896902" cy="5171310"/>
           </a:xfrm>
         </p:spPr>
       </p:pic>
@@ -15890,7 +16166,7 @@
           </p:nvPr>
         </p:nvPicPr>
         <p:blipFill>
-          <a:blip r:embed="rId2" cstate="print">
+          <a:blip r:embed="rId3" cstate="print">
             <a:extLst>
               <a:ext uri="{28A0092B-C50C-407E-A947-70E740481C1C}">
                 <a14:useLocalDpi xmlns:a14="http://schemas.microsoft.com/office/drawing/2010/main" val="0"/>
@@ -15903,8 +16179,8 @@
         </p:blipFill>
         <p:spPr>
           <a:xfrm>
-            <a:off x="1752600" y="1374480"/>
-            <a:ext cx="5148678" cy="5165549"/>
+            <a:off x="1888980" y="1374480"/>
+            <a:ext cx="4875917" cy="5165549"/>
           </a:xfrm>
         </p:spPr>
       </p:pic>
@@ -16003,7 +16279,7 @@
           </p:nvPr>
         </p:nvPicPr>
         <p:blipFill>
-          <a:blip r:embed="rId2" cstate="print">
+          <a:blip r:embed="rId3" cstate="print">
             <a:extLst>
               <a:ext uri="{28A0092B-C50C-407E-A947-70E740481C1C}">
                 <a14:useLocalDpi xmlns:a14="http://schemas.microsoft.com/office/drawing/2010/main" val="0"/>
@@ -16016,8 +16292,8 @@
         </p:blipFill>
         <p:spPr>
           <a:xfrm>
-            <a:off x="1752600" y="1374480"/>
-            <a:ext cx="5148678" cy="5165549"/>
+            <a:off x="1752600" y="1472199"/>
+            <a:ext cx="5148678" cy="4970111"/>
           </a:xfrm>
         </p:spPr>
       </p:pic>
@@ -16244,7 +16520,7 @@
           </p:nvPr>
         </p:nvPicPr>
         <p:blipFill>
-          <a:blip r:embed="rId2" cstate="print">
+          <a:blip r:embed="rId3" cstate="print">
             <a:extLst>
               <a:ext uri="{28A0092B-C50C-407E-A947-70E740481C1C}">
                 <a14:useLocalDpi xmlns:a14="http://schemas.microsoft.com/office/drawing/2010/main" val="0"/>
@@ -16258,7 +16534,7 @@
         <p:spPr>
           <a:xfrm>
             <a:off x="0" y="1600200"/>
-            <a:ext cx="4511180" cy="4525963"/>
+            <a:ext cx="4511180" cy="4525962"/>
           </a:xfrm>
         </p:spPr>
       </p:pic>
@@ -16271,7 +16547,7 @@
           <p:nvPr/>
         </p:nvPicPr>
         <p:blipFill>
-          <a:blip r:embed="rId3" cstate="print">
+          <a:blip r:embed="rId4" cstate="print">
             <a:extLst>
               <a:ext uri="{28A0092B-C50C-407E-A947-70E740481C1C}">
                 <a14:useLocalDpi xmlns:a14="http://schemas.microsoft.com/office/drawing/2010/main" val="0"/>
@@ -16285,7 +16561,7 @@
         <p:spPr>
           <a:xfrm>
             <a:off x="4632820" y="1600200"/>
-            <a:ext cx="4511180" cy="4525963"/>
+            <a:ext cx="4511180" cy="4525962"/>
           </a:xfrm>
           <a:prstGeom prst="rect">
             <a:avLst/>
@@ -16569,7 +16845,7 @@
         <p:spPr>
           <a:xfrm>
             <a:off x="152400" y="1981199"/>
-            <a:ext cx="4511180" cy="4525962"/>
+            <a:ext cx="4511179" cy="4525962"/>
           </a:xfrm>
         </p:spPr>
       </p:pic>
@@ -17130,17 +17406,12 @@
               <a:rPr lang="en-US" dirty="0" smtClean="0"/>
               <a:t>Monocular tracking and control is viable</a:t>
             </a:r>
-            <a:endParaRPr lang="en-US" dirty="0" smtClean="0"/>
           </a:p>
           <a:p>
             <a:pPr lvl="1"/>
             <a:r>
               <a:rPr lang="en-US" dirty="0" smtClean="0"/>
-              <a:t>Lack information about the complete pose of the </a:t>
-            </a:r>
-            <a:r>
-              <a:rPr lang="en-US" dirty="0" smtClean="0"/>
-              <a:t>robot</a:t>
+              <a:t>Lack information about the complete pose of the robot</a:t>
             </a:r>
           </a:p>
           <a:p>
@@ -17198,7 +17469,7 @@
 </file>
 
 <file path=ppt/slides/slide32.xml><?xml version="1.0" encoding="utf-8"?>
-<p:sld xmlns:a="http://schemas.openxmlformats.org/drawingml/2006/main" xmlns:r="http://schemas.openxmlformats.org/officeDocument/2006/relationships" xmlns:p="http://schemas.openxmlformats.org/presentationml/2006/main">
+<p:sld xmlns:a="http://schemas.openxmlformats.org/drawingml/2006/main" xmlns:r="http://schemas.openxmlformats.org/officeDocument/2006/relationships" xmlns:p="http://schemas.openxmlformats.org/presentationml/2006/main" show="0">
   <p:cSld>
     <p:spTree>
       <p:nvGrpSpPr>
@@ -17294,6 +17565,14 @@
   <p:clrMapOvr>
     <a:masterClrMapping/>
   </p:clrMapOvr>
+  <mc:AlternateContent xmlns:mc="http://schemas.openxmlformats.org/markup-compatibility/2006">
+    <mc:Choice xmlns:p14="http://schemas.microsoft.com/office/powerpoint/2010/main" Requires="p14">
+      <p:transition spd="slow" p14:dur="2000"/>
+    </mc:Choice>
+    <mc:Fallback>
+      <p:transition spd="slow"/>
+    </mc:Fallback>
+  </mc:AlternateContent>
   <p:timing>
     <p:tnLst>
       <p:par>
@@ -17537,31 +17816,21 @@
             <p:ph type="title"/>
           </p:nvPr>
         </p:nvSpPr>
-        <p:spPr/>
+        <p:spPr>
+          <a:xfrm>
+            <a:off x="381000" y="2667000"/>
+            <a:ext cx="8229600" cy="1143000"/>
+          </a:xfrm>
+        </p:spPr>
         <p:txBody>
           <a:bodyPr/>
           <a:lstStyle/>
           <a:p>
-            <a:endParaRPr lang="en-US"/>
-          </a:p>
-        </p:txBody>
-      </p:sp>
-      <p:sp>
-        <p:nvSpPr>
-          <p:cNvPr id="3" name="Content Placeholder 2"/>
-          <p:cNvSpPr>
-            <a:spLocks noGrp="1"/>
-          </p:cNvSpPr>
-          <p:nvPr>
-            <p:ph idx="1"/>
-          </p:nvPr>
-        </p:nvSpPr>
-        <p:spPr/>
-        <p:txBody>
-          <a:bodyPr/>
-          <a:lstStyle/>
-          <a:p>
-            <a:endParaRPr lang="en-US"/>
+            <a:r>
+              <a:rPr lang="en-US" dirty="0" smtClean="0"/>
+              <a:t>Questions</a:t>
+            </a:r>
+            <a:endParaRPr lang="en-US" dirty="0"/>
           </a:p>
         </p:txBody>
       </p:sp>
@@ -17668,11 +17937,7 @@
           <a:p>
             <a:r>
               <a:rPr lang="en-US" dirty="0" smtClean="0"/>
-              <a:t>Want to guide flapping-winged MAV through a </a:t>
-            </a:r>
-            <a:r>
-              <a:rPr lang="en-US" dirty="0" smtClean="0"/>
-              <a:t>window</a:t>
+              <a:t>Want to guide flapping-winged MAV through a window</a:t>
             </a:r>
           </a:p>
           <a:p>
@@ -17839,15 +18104,7 @@
           <a:p>
             <a:r>
               <a:rPr lang="en-US" dirty="0" smtClean="0"/>
-              <a:t>Mobile robotics platforms </a:t>
-            </a:r>
-            <a:r>
-              <a:rPr lang="en-US" dirty="0" smtClean="0"/>
-              <a:t>limited </a:t>
-            </a:r>
-            <a:r>
-              <a:rPr lang="en-US" dirty="0" smtClean="0"/>
-              <a:t>in capabilities at small scales</a:t>
+              <a:t>Mobile robotics platforms limited in capabilities at small scales</a:t>
             </a:r>
           </a:p>
           <a:p>
@@ -17860,15 +18117,7 @@
           <a:p>
             <a:r>
               <a:rPr lang="en-US" dirty="0" smtClean="0"/>
-              <a:t>Cooperation between these systems </a:t>
-            </a:r>
-            <a:r>
-              <a:rPr lang="en-US" dirty="0" smtClean="0"/>
-              <a:t>allows </a:t>
-            </a:r>
-            <a:r>
-              <a:rPr lang="en-US" dirty="0" smtClean="0"/>
-              <a:t>for completion of objectives that are infeasible for the robots individually</a:t>
+              <a:t>Cooperation between these systems allows for completion of objectives that are infeasible for the robots individually</a:t>
             </a:r>
           </a:p>
           <a:p>
@@ -17979,11 +18228,7 @@
           <a:p>
             <a:r>
               <a:rPr lang="en-US" dirty="0" smtClean="0"/>
-              <a:t>Demonstrate </a:t>
-            </a:r>
-            <a:r>
-              <a:rPr lang="en-US" dirty="0" smtClean="0"/>
-              <a:t>feasibility of cooperation between limited mobile robots to navigate to a common goal</a:t>
+              <a:t>Demonstrate feasibility of cooperation between limited mobile robots to navigate to a common goal</a:t>
             </a:r>
           </a:p>
           <a:p>
